--- a/Mavlyutov_V_D_prezentatsia.pptx
+++ b/Mavlyutov_V_D_prezentatsia.pptx
@@ -5,23 +5,24 @@
     <p:sldMasterId id="2147483648" r:id="rId1"/>
   </p:sldMasterIdLst>
   <p:notesMasterIdLst>
-    <p:notesMasterId r:id="rId16"/>
+    <p:notesMasterId r:id="rId17"/>
   </p:notesMasterIdLst>
   <p:sldIdLst>
     <p:sldId id="260" r:id="rId2"/>
     <p:sldId id="259" r:id="rId3"/>
     <p:sldId id="257" r:id="rId4"/>
-    <p:sldId id="272" r:id="rId5"/>
-    <p:sldId id="271" r:id="rId6"/>
-    <p:sldId id="261" r:id="rId7"/>
-    <p:sldId id="258" r:id="rId8"/>
-    <p:sldId id="273" r:id="rId9"/>
-    <p:sldId id="274" r:id="rId10"/>
-    <p:sldId id="266" r:id="rId11"/>
-    <p:sldId id="263" r:id="rId12"/>
-    <p:sldId id="270" r:id="rId13"/>
-    <p:sldId id="268" r:id="rId14"/>
-    <p:sldId id="267" r:id="rId15"/>
+    <p:sldId id="275" r:id="rId5"/>
+    <p:sldId id="272" r:id="rId6"/>
+    <p:sldId id="271" r:id="rId7"/>
+    <p:sldId id="261" r:id="rId8"/>
+    <p:sldId id="258" r:id="rId9"/>
+    <p:sldId id="273" r:id="rId10"/>
+    <p:sldId id="274" r:id="rId11"/>
+    <p:sldId id="266" r:id="rId12"/>
+    <p:sldId id="263" r:id="rId13"/>
+    <p:sldId id="270" r:id="rId14"/>
+    <p:sldId id="268" r:id="rId15"/>
+    <p:sldId id="267" r:id="rId16"/>
   </p:sldIdLst>
   <p:sldSz cx="12190413" cy="6858000"/>
   <p:notesSz cx="6858000" cy="9144000"/>
@@ -140,6 +141,753 @@
 </file>
 
 <file path=ppt/diagrams/colors1.xml><?xml version="1.0" encoding="utf-8"?>
+<dgm:colorsDef xmlns:dgm="http://schemas.openxmlformats.org/drawingml/2006/diagram" xmlns:a="http://schemas.openxmlformats.org/drawingml/2006/main" uniqueId="urn:microsoft.com/office/officeart/2005/8/colors/accent1_2">
+  <dgm:title val=""/>
+  <dgm:desc val=""/>
+  <dgm:catLst>
+    <dgm:cat type="accent1" pri="11200"/>
+  </dgm:catLst>
+  <dgm:styleLbl name="node0">
+    <dgm:fillClrLst meth="repeat">
+      <a:schemeClr val="accent1"/>
+    </dgm:fillClrLst>
+    <dgm:linClrLst meth="repeat">
+      <a:schemeClr val="lt1"/>
+    </dgm:linClrLst>
+    <dgm:effectClrLst/>
+    <dgm:txLinClrLst/>
+    <dgm:txFillClrLst/>
+    <dgm:txEffectClrLst/>
+  </dgm:styleLbl>
+  <dgm:styleLbl name="alignNode1">
+    <dgm:fillClrLst meth="repeat">
+      <a:schemeClr val="accent1"/>
+    </dgm:fillClrLst>
+    <dgm:linClrLst meth="repeat">
+      <a:schemeClr val="accent1"/>
+    </dgm:linClrLst>
+    <dgm:effectClrLst/>
+    <dgm:txLinClrLst/>
+    <dgm:txFillClrLst/>
+    <dgm:txEffectClrLst/>
+  </dgm:styleLbl>
+  <dgm:styleLbl name="node1">
+    <dgm:fillClrLst meth="repeat">
+      <a:schemeClr val="accent1"/>
+    </dgm:fillClrLst>
+    <dgm:linClrLst meth="repeat">
+      <a:schemeClr val="lt1"/>
+    </dgm:linClrLst>
+    <dgm:effectClrLst/>
+    <dgm:txLinClrLst/>
+    <dgm:txFillClrLst/>
+    <dgm:txEffectClrLst/>
+  </dgm:styleLbl>
+  <dgm:styleLbl name="lnNode1">
+    <dgm:fillClrLst meth="repeat">
+      <a:schemeClr val="accent1"/>
+    </dgm:fillClrLst>
+    <dgm:linClrLst meth="repeat">
+      <a:schemeClr val="lt1"/>
+    </dgm:linClrLst>
+    <dgm:effectClrLst/>
+    <dgm:txLinClrLst/>
+    <dgm:txFillClrLst/>
+    <dgm:txEffectClrLst/>
+  </dgm:styleLbl>
+  <dgm:styleLbl name="vennNode1">
+    <dgm:fillClrLst meth="repeat">
+      <a:schemeClr val="accent1">
+        <a:alpha val="50000"/>
+      </a:schemeClr>
+    </dgm:fillClrLst>
+    <dgm:linClrLst meth="repeat">
+      <a:schemeClr val="lt1"/>
+    </dgm:linClrLst>
+    <dgm:effectClrLst/>
+    <dgm:txLinClrLst/>
+    <dgm:txFillClrLst/>
+    <dgm:txEffectClrLst/>
+  </dgm:styleLbl>
+  <dgm:styleLbl name="node2">
+    <dgm:fillClrLst meth="repeat">
+      <a:schemeClr val="accent1"/>
+    </dgm:fillClrLst>
+    <dgm:linClrLst meth="repeat">
+      <a:schemeClr val="lt1"/>
+    </dgm:linClrLst>
+    <dgm:effectClrLst/>
+    <dgm:txLinClrLst/>
+    <dgm:txFillClrLst/>
+    <dgm:txEffectClrLst/>
+  </dgm:styleLbl>
+  <dgm:styleLbl name="node3">
+    <dgm:fillClrLst meth="repeat">
+      <a:schemeClr val="accent1"/>
+    </dgm:fillClrLst>
+    <dgm:linClrLst meth="repeat">
+      <a:schemeClr val="lt1"/>
+    </dgm:linClrLst>
+    <dgm:effectClrLst/>
+    <dgm:txLinClrLst/>
+    <dgm:txFillClrLst/>
+    <dgm:txEffectClrLst/>
+  </dgm:styleLbl>
+  <dgm:styleLbl name="node4">
+    <dgm:fillClrLst meth="repeat">
+      <a:schemeClr val="accent1"/>
+    </dgm:fillClrLst>
+    <dgm:linClrLst meth="repeat">
+      <a:schemeClr val="lt1"/>
+    </dgm:linClrLst>
+    <dgm:effectClrLst/>
+    <dgm:txLinClrLst/>
+    <dgm:txFillClrLst/>
+    <dgm:txEffectClrLst/>
+  </dgm:styleLbl>
+  <dgm:styleLbl name="fgImgPlace1">
+    <dgm:fillClrLst meth="repeat">
+      <a:schemeClr val="accent1">
+        <a:tint val="50000"/>
+      </a:schemeClr>
+    </dgm:fillClrLst>
+    <dgm:linClrLst meth="repeat">
+      <a:schemeClr val="lt1"/>
+    </dgm:linClrLst>
+    <dgm:effectClrLst/>
+    <dgm:txLinClrLst/>
+    <dgm:txFillClrLst meth="repeat">
+      <a:schemeClr val="lt1"/>
+    </dgm:txFillClrLst>
+    <dgm:txEffectClrLst/>
+  </dgm:styleLbl>
+  <dgm:styleLbl name="alignImgPlace1">
+    <dgm:fillClrLst meth="repeat">
+      <a:schemeClr val="accent1">
+        <a:tint val="50000"/>
+      </a:schemeClr>
+    </dgm:fillClrLst>
+    <dgm:linClrLst meth="repeat">
+      <a:schemeClr val="lt1"/>
+    </dgm:linClrLst>
+    <dgm:effectClrLst/>
+    <dgm:txLinClrLst/>
+    <dgm:txFillClrLst meth="repeat">
+      <a:schemeClr val="lt1"/>
+    </dgm:txFillClrLst>
+    <dgm:txEffectClrLst/>
+  </dgm:styleLbl>
+  <dgm:styleLbl name="bgImgPlace1">
+    <dgm:fillClrLst meth="repeat">
+      <a:schemeClr val="accent1">
+        <a:tint val="50000"/>
+      </a:schemeClr>
+    </dgm:fillClrLst>
+    <dgm:linClrLst meth="repeat">
+      <a:schemeClr val="lt1"/>
+    </dgm:linClrLst>
+    <dgm:effectClrLst/>
+    <dgm:txLinClrLst/>
+    <dgm:txFillClrLst meth="repeat">
+      <a:schemeClr val="lt1"/>
+    </dgm:txFillClrLst>
+    <dgm:txEffectClrLst/>
+  </dgm:styleLbl>
+  <dgm:styleLbl name="sibTrans2D1">
+    <dgm:fillClrLst meth="repeat">
+      <a:schemeClr val="accent1">
+        <a:tint val="60000"/>
+      </a:schemeClr>
+    </dgm:fillClrLst>
+    <dgm:linClrLst meth="repeat">
+      <a:schemeClr val="accent1">
+        <a:tint val="60000"/>
+      </a:schemeClr>
+    </dgm:linClrLst>
+    <dgm:effectClrLst/>
+    <dgm:txLinClrLst/>
+    <dgm:txFillClrLst/>
+    <dgm:txEffectClrLst/>
+  </dgm:styleLbl>
+  <dgm:styleLbl name="fgSibTrans2D1">
+    <dgm:fillClrLst meth="repeat">
+      <a:schemeClr val="accent1">
+        <a:tint val="60000"/>
+      </a:schemeClr>
+    </dgm:fillClrLst>
+    <dgm:linClrLst meth="repeat">
+      <a:schemeClr val="accent1">
+        <a:tint val="60000"/>
+      </a:schemeClr>
+    </dgm:linClrLst>
+    <dgm:effectClrLst/>
+    <dgm:txLinClrLst/>
+    <dgm:txFillClrLst/>
+    <dgm:txEffectClrLst/>
+  </dgm:styleLbl>
+  <dgm:styleLbl name="bgSibTrans2D1">
+    <dgm:fillClrLst meth="repeat">
+      <a:schemeClr val="accent1">
+        <a:tint val="60000"/>
+      </a:schemeClr>
+    </dgm:fillClrLst>
+    <dgm:linClrLst meth="repeat">
+      <a:schemeClr val="accent1">
+        <a:tint val="60000"/>
+      </a:schemeClr>
+    </dgm:linClrLst>
+    <dgm:effectClrLst/>
+    <dgm:txLinClrLst/>
+    <dgm:txFillClrLst/>
+    <dgm:txEffectClrLst/>
+  </dgm:styleLbl>
+  <dgm:styleLbl name="sibTrans1D1">
+    <dgm:fillClrLst meth="repeat">
+      <a:schemeClr val="accent1"/>
+    </dgm:fillClrLst>
+    <dgm:linClrLst meth="repeat">
+      <a:schemeClr val="accent1"/>
+    </dgm:linClrLst>
+    <dgm:effectClrLst/>
+    <dgm:txLinClrLst/>
+    <dgm:txFillClrLst meth="repeat">
+      <a:schemeClr val="tx1"/>
+    </dgm:txFillClrLst>
+    <dgm:txEffectClrLst/>
+  </dgm:styleLbl>
+  <dgm:styleLbl name="callout">
+    <dgm:fillClrLst meth="repeat">
+      <a:schemeClr val="accent1"/>
+    </dgm:fillClrLst>
+    <dgm:linClrLst meth="repeat">
+      <a:schemeClr val="accent1">
+        <a:tint val="50000"/>
+      </a:schemeClr>
+    </dgm:linClrLst>
+    <dgm:effectClrLst/>
+    <dgm:txLinClrLst/>
+    <dgm:txFillClrLst meth="repeat">
+      <a:schemeClr val="tx1"/>
+    </dgm:txFillClrLst>
+    <dgm:txEffectClrLst/>
+  </dgm:styleLbl>
+  <dgm:styleLbl name="asst0">
+    <dgm:fillClrLst meth="repeat">
+      <a:schemeClr val="accent1"/>
+    </dgm:fillClrLst>
+    <dgm:linClrLst meth="repeat">
+      <a:schemeClr val="lt1"/>
+    </dgm:linClrLst>
+    <dgm:effectClrLst/>
+    <dgm:txLinClrLst/>
+    <dgm:txFillClrLst/>
+    <dgm:txEffectClrLst/>
+  </dgm:styleLbl>
+  <dgm:styleLbl name="asst1">
+    <dgm:fillClrLst meth="repeat">
+      <a:schemeClr val="accent1"/>
+    </dgm:fillClrLst>
+    <dgm:linClrLst meth="repeat">
+      <a:schemeClr val="lt1"/>
+    </dgm:linClrLst>
+    <dgm:effectClrLst/>
+    <dgm:txLinClrLst/>
+    <dgm:txFillClrLst/>
+    <dgm:txEffectClrLst/>
+  </dgm:styleLbl>
+  <dgm:styleLbl name="asst2">
+    <dgm:fillClrLst meth="repeat">
+      <a:schemeClr val="accent1"/>
+    </dgm:fillClrLst>
+    <dgm:linClrLst meth="repeat">
+      <a:schemeClr val="lt1"/>
+    </dgm:linClrLst>
+    <dgm:effectClrLst/>
+    <dgm:txLinClrLst/>
+    <dgm:txFillClrLst/>
+    <dgm:txEffectClrLst/>
+  </dgm:styleLbl>
+  <dgm:styleLbl name="asst3">
+    <dgm:fillClrLst meth="repeat">
+      <a:schemeClr val="accent1"/>
+    </dgm:fillClrLst>
+    <dgm:linClrLst meth="repeat">
+      <a:schemeClr val="lt1"/>
+    </dgm:linClrLst>
+    <dgm:effectClrLst/>
+    <dgm:txLinClrLst/>
+    <dgm:txFillClrLst/>
+    <dgm:txEffectClrLst/>
+  </dgm:styleLbl>
+  <dgm:styleLbl name="asst4">
+    <dgm:fillClrLst meth="repeat">
+      <a:schemeClr val="accent1"/>
+    </dgm:fillClrLst>
+    <dgm:linClrLst meth="repeat">
+      <a:schemeClr val="lt1"/>
+    </dgm:linClrLst>
+    <dgm:effectClrLst/>
+    <dgm:txLinClrLst/>
+    <dgm:txFillClrLst/>
+    <dgm:txEffectClrLst/>
+  </dgm:styleLbl>
+  <dgm:styleLbl name="parChTrans2D1">
+    <dgm:fillClrLst meth="repeat">
+      <a:schemeClr val="accent1">
+        <a:tint val="60000"/>
+      </a:schemeClr>
+    </dgm:fillClrLst>
+    <dgm:linClrLst meth="repeat">
+      <a:schemeClr val="accent1">
+        <a:tint val="60000"/>
+      </a:schemeClr>
+    </dgm:linClrLst>
+    <dgm:effectClrLst/>
+    <dgm:txLinClrLst/>
+    <dgm:txFillClrLst meth="repeat">
+      <a:schemeClr val="lt1"/>
+    </dgm:txFillClrLst>
+    <dgm:txEffectClrLst/>
+  </dgm:styleLbl>
+  <dgm:styleLbl name="parChTrans2D2">
+    <dgm:fillClrLst meth="repeat">
+      <a:schemeClr val="accent1"/>
+    </dgm:fillClrLst>
+    <dgm:linClrLst meth="repeat">
+      <a:schemeClr val="accent1"/>
+    </dgm:linClrLst>
+    <dgm:effectClrLst/>
+    <dgm:txLinClrLst/>
+    <dgm:txFillClrLst meth="repeat">
+      <a:schemeClr val="lt1"/>
+    </dgm:txFillClrLst>
+    <dgm:txEffectClrLst/>
+  </dgm:styleLbl>
+  <dgm:styleLbl name="parChTrans2D3">
+    <dgm:fillClrLst meth="repeat">
+      <a:schemeClr val="accent1"/>
+    </dgm:fillClrLst>
+    <dgm:linClrLst meth="repeat">
+      <a:schemeClr val="accent1"/>
+    </dgm:linClrLst>
+    <dgm:effectClrLst/>
+    <dgm:txLinClrLst/>
+    <dgm:txFillClrLst meth="repeat">
+      <a:schemeClr val="lt1"/>
+    </dgm:txFillClrLst>
+    <dgm:txEffectClrLst/>
+  </dgm:styleLbl>
+  <dgm:styleLbl name="parChTrans2D4">
+    <dgm:fillClrLst meth="repeat">
+      <a:schemeClr val="accent1"/>
+    </dgm:fillClrLst>
+    <dgm:linClrLst meth="repeat">
+      <a:schemeClr val="accent1"/>
+    </dgm:linClrLst>
+    <dgm:effectClrLst/>
+    <dgm:txLinClrLst/>
+    <dgm:txFillClrLst meth="repeat">
+      <a:schemeClr val="lt1"/>
+    </dgm:txFillClrLst>
+    <dgm:txEffectClrLst/>
+  </dgm:styleLbl>
+  <dgm:styleLbl name="parChTrans1D1">
+    <dgm:fillClrLst meth="repeat">
+      <a:schemeClr val="accent1"/>
+    </dgm:fillClrLst>
+    <dgm:linClrLst meth="repeat">
+      <a:schemeClr val="accent1">
+        <a:shade val="60000"/>
+      </a:schemeClr>
+    </dgm:linClrLst>
+    <dgm:effectClrLst/>
+    <dgm:txLinClrLst/>
+    <dgm:txFillClrLst meth="repeat">
+      <a:schemeClr val="tx1"/>
+    </dgm:txFillClrLst>
+    <dgm:txEffectClrLst/>
+  </dgm:styleLbl>
+  <dgm:styleLbl name="parChTrans1D2">
+    <dgm:fillClrLst meth="repeat">
+      <a:schemeClr val="accent1"/>
+    </dgm:fillClrLst>
+    <dgm:linClrLst meth="repeat">
+      <a:schemeClr val="accent1">
+        <a:shade val="60000"/>
+      </a:schemeClr>
+    </dgm:linClrLst>
+    <dgm:effectClrLst/>
+    <dgm:txLinClrLst/>
+    <dgm:txFillClrLst meth="repeat">
+      <a:schemeClr val="tx1"/>
+    </dgm:txFillClrLst>
+    <dgm:txEffectClrLst/>
+  </dgm:styleLbl>
+  <dgm:styleLbl name="parChTrans1D3">
+    <dgm:fillClrLst meth="repeat">
+      <a:schemeClr val="accent1"/>
+    </dgm:fillClrLst>
+    <dgm:linClrLst meth="repeat">
+      <a:schemeClr val="accent1">
+        <a:shade val="80000"/>
+      </a:schemeClr>
+    </dgm:linClrLst>
+    <dgm:effectClrLst/>
+    <dgm:txLinClrLst/>
+    <dgm:txFillClrLst meth="repeat">
+      <a:schemeClr val="tx1"/>
+    </dgm:txFillClrLst>
+    <dgm:txEffectClrLst/>
+  </dgm:styleLbl>
+  <dgm:styleLbl name="parChTrans1D4">
+    <dgm:fillClrLst meth="repeat">
+      <a:schemeClr val="accent1"/>
+    </dgm:fillClrLst>
+    <dgm:linClrLst meth="repeat">
+      <a:schemeClr val="accent1">
+        <a:shade val="80000"/>
+      </a:schemeClr>
+    </dgm:linClrLst>
+    <dgm:effectClrLst/>
+    <dgm:txLinClrLst/>
+    <dgm:txFillClrLst meth="repeat">
+      <a:schemeClr val="tx1"/>
+    </dgm:txFillClrLst>
+    <dgm:txEffectClrLst/>
+  </dgm:styleLbl>
+  <dgm:styleLbl name="fgAcc1">
+    <dgm:fillClrLst meth="repeat">
+      <a:schemeClr val="lt1">
+        <a:alpha val="90000"/>
+      </a:schemeClr>
+    </dgm:fillClrLst>
+    <dgm:linClrLst meth="repeat">
+      <a:schemeClr val="accent1"/>
+    </dgm:linClrLst>
+    <dgm:effectClrLst/>
+    <dgm:txLinClrLst/>
+    <dgm:txFillClrLst meth="repeat">
+      <a:schemeClr val="dk1"/>
+    </dgm:txFillClrLst>
+    <dgm:txEffectClrLst/>
+  </dgm:styleLbl>
+  <dgm:styleLbl name="conFgAcc1">
+    <dgm:fillClrLst meth="repeat">
+      <a:schemeClr val="lt1">
+        <a:alpha val="90000"/>
+      </a:schemeClr>
+    </dgm:fillClrLst>
+    <dgm:linClrLst meth="repeat">
+      <a:schemeClr val="accent1"/>
+    </dgm:linClrLst>
+    <dgm:effectClrLst/>
+    <dgm:txLinClrLst/>
+    <dgm:txFillClrLst meth="repeat">
+      <a:schemeClr val="dk1"/>
+    </dgm:txFillClrLst>
+    <dgm:txEffectClrLst/>
+  </dgm:styleLbl>
+  <dgm:styleLbl name="alignAcc1">
+    <dgm:fillClrLst meth="repeat">
+      <a:schemeClr val="lt1">
+        <a:alpha val="90000"/>
+      </a:schemeClr>
+    </dgm:fillClrLst>
+    <dgm:linClrLst meth="repeat">
+      <a:schemeClr val="accent1"/>
+    </dgm:linClrLst>
+    <dgm:effectClrLst/>
+    <dgm:txLinClrLst/>
+    <dgm:txFillClrLst meth="repeat">
+      <a:schemeClr val="dk1"/>
+    </dgm:txFillClrLst>
+    <dgm:txEffectClrLst/>
+  </dgm:styleLbl>
+  <dgm:styleLbl name="trAlignAcc1">
+    <dgm:fillClrLst meth="repeat">
+      <a:schemeClr val="lt1">
+        <a:alpha val="40000"/>
+      </a:schemeClr>
+    </dgm:fillClrLst>
+    <dgm:linClrLst meth="repeat">
+      <a:schemeClr val="accent1"/>
+    </dgm:linClrLst>
+    <dgm:effectClrLst/>
+    <dgm:txLinClrLst/>
+    <dgm:txFillClrLst meth="repeat">
+      <a:schemeClr val="dk1"/>
+    </dgm:txFillClrLst>
+    <dgm:txEffectClrLst/>
+  </dgm:styleLbl>
+  <dgm:styleLbl name="bgAcc1">
+    <dgm:fillClrLst meth="repeat">
+      <a:schemeClr val="lt1">
+        <a:alpha val="90000"/>
+      </a:schemeClr>
+    </dgm:fillClrLst>
+    <dgm:linClrLst meth="repeat">
+      <a:schemeClr val="accent1"/>
+    </dgm:linClrLst>
+    <dgm:effectClrLst/>
+    <dgm:txLinClrLst/>
+    <dgm:txFillClrLst meth="repeat">
+      <a:schemeClr val="dk1"/>
+    </dgm:txFillClrLst>
+    <dgm:txEffectClrLst/>
+  </dgm:styleLbl>
+  <dgm:styleLbl name="solidFgAcc1">
+    <dgm:fillClrLst meth="repeat">
+      <a:schemeClr val="lt1"/>
+    </dgm:fillClrLst>
+    <dgm:linClrLst meth="repeat">
+      <a:schemeClr val="accent1"/>
+    </dgm:linClrLst>
+    <dgm:effectClrLst/>
+    <dgm:txLinClrLst/>
+    <dgm:txFillClrLst meth="repeat">
+      <a:schemeClr val="dk1"/>
+    </dgm:txFillClrLst>
+    <dgm:txEffectClrLst/>
+  </dgm:styleLbl>
+  <dgm:styleLbl name="solidAlignAcc1">
+    <dgm:fillClrLst meth="repeat">
+      <a:schemeClr val="lt1"/>
+    </dgm:fillClrLst>
+    <dgm:linClrLst meth="repeat">
+      <a:schemeClr val="accent1"/>
+    </dgm:linClrLst>
+    <dgm:effectClrLst/>
+    <dgm:txLinClrLst/>
+    <dgm:txFillClrLst meth="repeat">
+      <a:schemeClr val="dk1"/>
+    </dgm:txFillClrLst>
+    <dgm:txEffectClrLst/>
+  </dgm:styleLbl>
+  <dgm:styleLbl name="solidBgAcc1">
+    <dgm:fillClrLst meth="repeat">
+      <a:schemeClr val="lt1"/>
+    </dgm:fillClrLst>
+    <dgm:linClrLst meth="repeat">
+      <a:schemeClr val="accent1"/>
+    </dgm:linClrLst>
+    <dgm:effectClrLst/>
+    <dgm:txLinClrLst/>
+    <dgm:txFillClrLst meth="repeat">
+      <a:schemeClr val="dk1"/>
+    </dgm:txFillClrLst>
+    <dgm:txEffectClrLst/>
+  </dgm:styleLbl>
+  <dgm:styleLbl name="fgAccFollowNode1">
+    <dgm:fillClrLst meth="repeat">
+      <a:schemeClr val="accent1">
+        <a:alpha val="90000"/>
+        <a:tint val="40000"/>
+      </a:schemeClr>
+    </dgm:fillClrLst>
+    <dgm:linClrLst meth="repeat">
+      <a:schemeClr val="accent1">
+        <a:alpha val="90000"/>
+        <a:tint val="40000"/>
+      </a:schemeClr>
+    </dgm:linClrLst>
+    <dgm:effectClrLst/>
+    <dgm:txLinClrLst/>
+    <dgm:txFillClrLst meth="repeat">
+      <a:schemeClr val="dk1"/>
+    </dgm:txFillClrLst>
+    <dgm:txEffectClrLst/>
+  </dgm:styleLbl>
+  <dgm:styleLbl name="alignAccFollowNode1">
+    <dgm:fillClrLst meth="repeat">
+      <a:schemeClr val="accent1">
+        <a:alpha val="90000"/>
+        <a:tint val="40000"/>
+      </a:schemeClr>
+    </dgm:fillClrLst>
+    <dgm:linClrLst meth="repeat">
+      <a:schemeClr val="accent1">
+        <a:alpha val="90000"/>
+        <a:tint val="40000"/>
+      </a:schemeClr>
+    </dgm:linClrLst>
+    <dgm:effectClrLst/>
+    <dgm:txLinClrLst/>
+    <dgm:txFillClrLst meth="repeat">
+      <a:schemeClr val="dk1"/>
+    </dgm:txFillClrLst>
+    <dgm:txEffectClrLst/>
+  </dgm:styleLbl>
+  <dgm:styleLbl name="bgAccFollowNode1">
+    <dgm:fillClrLst meth="repeat">
+      <a:schemeClr val="accent1">
+        <a:alpha val="90000"/>
+        <a:tint val="40000"/>
+      </a:schemeClr>
+    </dgm:fillClrLst>
+    <dgm:linClrLst meth="repeat">
+      <a:schemeClr val="accent1">
+        <a:alpha val="90000"/>
+        <a:tint val="40000"/>
+      </a:schemeClr>
+    </dgm:linClrLst>
+    <dgm:effectClrLst/>
+    <dgm:txLinClrLst/>
+    <dgm:txFillClrLst meth="repeat">
+      <a:schemeClr val="dk1"/>
+    </dgm:txFillClrLst>
+    <dgm:txEffectClrLst/>
+  </dgm:styleLbl>
+  <dgm:styleLbl name="fgAcc0">
+    <dgm:fillClrLst meth="repeat">
+      <a:schemeClr val="lt1">
+        <a:alpha val="90000"/>
+      </a:schemeClr>
+    </dgm:fillClrLst>
+    <dgm:linClrLst meth="repeat">
+      <a:schemeClr val="accent1"/>
+    </dgm:linClrLst>
+    <dgm:effectClrLst/>
+    <dgm:txLinClrLst/>
+    <dgm:txFillClrLst meth="repeat">
+      <a:schemeClr val="dk1"/>
+    </dgm:txFillClrLst>
+    <dgm:txEffectClrLst/>
+  </dgm:styleLbl>
+  <dgm:styleLbl name="fgAcc2">
+    <dgm:fillClrLst meth="repeat">
+      <a:schemeClr val="lt1">
+        <a:alpha val="90000"/>
+      </a:schemeClr>
+    </dgm:fillClrLst>
+    <dgm:linClrLst meth="repeat">
+      <a:schemeClr val="accent1"/>
+    </dgm:linClrLst>
+    <dgm:effectClrLst/>
+    <dgm:txLinClrLst/>
+    <dgm:txFillClrLst meth="repeat">
+      <a:schemeClr val="dk1"/>
+    </dgm:txFillClrLst>
+    <dgm:txEffectClrLst/>
+  </dgm:styleLbl>
+  <dgm:styleLbl name="fgAcc3">
+    <dgm:fillClrLst meth="repeat">
+      <a:schemeClr val="lt1">
+        <a:alpha val="90000"/>
+      </a:schemeClr>
+    </dgm:fillClrLst>
+    <dgm:linClrLst meth="repeat">
+      <a:schemeClr val="accent1"/>
+    </dgm:linClrLst>
+    <dgm:effectClrLst/>
+    <dgm:txLinClrLst/>
+    <dgm:txFillClrLst meth="repeat">
+      <a:schemeClr val="dk1"/>
+    </dgm:txFillClrLst>
+    <dgm:txEffectClrLst/>
+  </dgm:styleLbl>
+  <dgm:styleLbl name="fgAcc4">
+    <dgm:fillClrLst meth="repeat">
+      <a:schemeClr val="lt1">
+        <a:alpha val="90000"/>
+      </a:schemeClr>
+    </dgm:fillClrLst>
+    <dgm:linClrLst meth="repeat">
+      <a:schemeClr val="accent1"/>
+    </dgm:linClrLst>
+    <dgm:effectClrLst/>
+    <dgm:txLinClrLst/>
+    <dgm:txFillClrLst meth="repeat">
+      <a:schemeClr val="dk1"/>
+    </dgm:txFillClrLst>
+    <dgm:txEffectClrLst/>
+  </dgm:styleLbl>
+  <dgm:styleLbl name="bgShp">
+    <dgm:fillClrLst meth="repeat">
+      <a:schemeClr val="accent1">
+        <a:tint val="40000"/>
+      </a:schemeClr>
+    </dgm:fillClrLst>
+    <dgm:linClrLst meth="repeat">
+      <a:schemeClr val="accent1"/>
+    </dgm:linClrLst>
+    <dgm:effectClrLst/>
+    <dgm:txLinClrLst/>
+    <dgm:txFillClrLst meth="repeat">
+      <a:schemeClr val="dk1"/>
+    </dgm:txFillClrLst>
+    <dgm:txEffectClrLst/>
+  </dgm:styleLbl>
+  <dgm:styleLbl name="dkBgShp">
+    <dgm:fillClrLst meth="repeat">
+      <a:schemeClr val="accent1">
+        <a:shade val="80000"/>
+      </a:schemeClr>
+    </dgm:fillClrLst>
+    <dgm:linClrLst meth="repeat">
+      <a:schemeClr val="accent1"/>
+    </dgm:linClrLst>
+    <dgm:effectClrLst/>
+    <dgm:txLinClrLst/>
+    <dgm:txFillClrLst meth="repeat">
+      <a:schemeClr val="lt1"/>
+    </dgm:txFillClrLst>
+    <dgm:txEffectClrLst/>
+  </dgm:styleLbl>
+  <dgm:styleLbl name="trBgShp">
+    <dgm:fillClrLst meth="repeat">
+      <a:schemeClr val="accent1">
+        <a:tint val="50000"/>
+        <a:alpha val="40000"/>
+      </a:schemeClr>
+    </dgm:fillClrLst>
+    <dgm:linClrLst meth="repeat">
+      <a:schemeClr val="accent1"/>
+    </dgm:linClrLst>
+    <dgm:effectClrLst/>
+    <dgm:txLinClrLst/>
+    <dgm:txFillClrLst meth="repeat">
+      <a:schemeClr val="lt1"/>
+    </dgm:txFillClrLst>
+    <dgm:txEffectClrLst/>
+  </dgm:styleLbl>
+  <dgm:styleLbl name="fgShp">
+    <dgm:fillClrLst meth="repeat">
+      <a:schemeClr val="accent1">
+        <a:tint val="60000"/>
+      </a:schemeClr>
+    </dgm:fillClrLst>
+    <dgm:linClrLst meth="repeat">
+      <a:schemeClr val="lt1"/>
+    </dgm:linClrLst>
+    <dgm:effectClrLst/>
+    <dgm:txLinClrLst/>
+    <dgm:txFillClrLst meth="repeat">
+      <a:schemeClr val="dk1"/>
+    </dgm:txFillClrLst>
+    <dgm:txEffectClrLst/>
+  </dgm:styleLbl>
+  <dgm:styleLbl name="revTx">
+    <dgm:fillClrLst meth="repeat">
+      <a:schemeClr val="lt1">
+        <a:alpha val="0"/>
+      </a:schemeClr>
+    </dgm:fillClrLst>
+    <dgm:linClrLst meth="repeat">
+      <a:schemeClr val="dk1">
+        <a:alpha val="0"/>
+      </a:schemeClr>
+    </dgm:linClrLst>
+    <dgm:effectClrLst/>
+    <dgm:txLinClrLst/>
+    <dgm:txFillClrLst meth="repeat">
+      <a:schemeClr val="tx1"/>
+    </dgm:txFillClrLst>
+    <dgm:txEffectClrLst/>
+  </dgm:styleLbl>
+</dgm:colorsDef>
+</file>
+
+<file path=ppt/diagrams/colors2.xml><?xml version="1.0" encoding="utf-8"?>
 <dgm:colorsDef xmlns:dgm="http://schemas.openxmlformats.org/drawingml/2006/diagram" xmlns:a="http://schemas.openxmlformats.org/drawingml/2006/main" uniqueId="urn:microsoft.com/office/officeart/2005/8/colors/accent1_2">
   <dgm:title val=""/>
   <dgm:desc val=""/>
@@ -1065,6 +1813,464 @@
     <dgm:cxn modelId="{D17C65D3-1A14-4D1D-9B94-1EC93A2A6CDB}" type="presParOf" srcId="{4E9ADEA8-8168-4C0E-90E6-31D66446B7DF}" destId="{EEC5429C-F05A-4F04-BCAF-94DC0C3D656D}" srcOrd="0" destOrd="0" presId="urn:microsoft.com/office/officeart/2005/8/layout/default"/>
     <dgm:cxn modelId="{8997C636-C5F1-4A21-ABCC-D1BD8540DA54}" type="presParOf" srcId="{4E9ADEA8-8168-4C0E-90E6-31D66446B7DF}" destId="{315E9DD5-D939-4B68-B7B2-A6C86AF10367}" srcOrd="1" destOrd="0" presId="urn:microsoft.com/office/officeart/2005/8/layout/default"/>
     <dgm:cxn modelId="{C27E4893-83D5-4604-94B2-1458583A86BC}" type="presParOf" srcId="{4E9ADEA8-8168-4C0E-90E6-31D66446B7DF}" destId="{E4FF2E5D-BDB2-4113-9CEE-3B182029E05E}" srcOrd="2" destOrd="0" presId="urn:microsoft.com/office/officeart/2005/8/layout/default"/>
+  </dgm:cxnLst>
+  <dgm:bg/>
+  <dgm:whole/>
+  <dgm:extLst>
+    <a:ext uri="http://schemas.microsoft.com/office/drawing/2008/diagram">
+      <dsp:dataModelExt xmlns:dsp="http://schemas.microsoft.com/office/drawing/2008/diagram" relId="rId6" minVer="http://schemas.openxmlformats.org/drawingml/2006/diagram"/>
+    </a:ext>
+  </dgm:extLst>
+</dgm:dataModel>
+</file>
+
+<file path=ppt/diagrams/data2.xml><?xml version="1.0" encoding="utf-8"?>
+<dgm:dataModel xmlns:dgm="http://schemas.openxmlformats.org/drawingml/2006/diagram" xmlns:a="http://schemas.openxmlformats.org/drawingml/2006/main">
+  <dgm:ptLst>
+    <dgm:pt modelId="{694F42AD-EF2D-4869-94ED-7D749ACBC9A7}" type="doc">
+      <dgm:prSet loTypeId="urn:microsoft.com/office/officeart/2005/8/layout/orgChart1" loCatId="hierarchy" qsTypeId="urn:microsoft.com/office/officeart/2005/8/quickstyle/simple3" qsCatId="simple" csTypeId="urn:microsoft.com/office/officeart/2005/8/colors/accent1_2" csCatId="accent1" phldr="1"/>
+      <dgm:spPr/>
+      <dgm:t>
+        <a:bodyPr/>
+        <a:lstStyle/>
+        <a:p>
+          <a:endParaRPr lang="ru-RU"/>
+        </a:p>
+      </dgm:t>
+    </dgm:pt>
+    <dgm:pt modelId="{4BFA6CA2-103A-4553-9862-A31DA33E9ED8}">
+      <dgm:prSet phldrT="[Текст]"/>
+      <dgm:spPr/>
+      <dgm:t>
+        <a:bodyPr/>
+        <a:lstStyle/>
+        <a:p>
+          <a:r>
+            <a:rPr lang="ru-RU" dirty="0"/>
+            <a:t>Системы навигации</a:t>
+          </a:r>
+        </a:p>
+      </dgm:t>
+    </dgm:pt>
+    <dgm:pt modelId="{0F030DDF-EFDC-4794-86C9-19AFB899A296}" type="parTrans" cxnId="{CF14B74A-5C2C-4412-80E9-2605C5BAA0EB}">
+      <dgm:prSet/>
+      <dgm:spPr/>
+      <dgm:t>
+        <a:bodyPr/>
+        <a:lstStyle/>
+        <a:p>
+          <a:endParaRPr lang="ru-RU"/>
+        </a:p>
+      </dgm:t>
+    </dgm:pt>
+    <dgm:pt modelId="{180EAFF8-8B2D-48D7-8359-DA91837DFD21}" type="sibTrans" cxnId="{CF14B74A-5C2C-4412-80E9-2605C5BAA0EB}">
+      <dgm:prSet/>
+      <dgm:spPr/>
+      <dgm:t>
+        <a:bodyPr/>
+        <a:lstStyle/>
+        <a:p>
+          <a:endParaRPr lang="ru-RU"/>
+        </a:p>
+      </dgm:t>
+    </dgm:pt>
+    <dgm:pt modelId="{11745061-3B55-45B8-9126-8B986595D074}" type="asst">
+      <dgm:prSet phldrT="[Текст]"/>
+      <dgm:spPr/>
+      <dgm:t>
+        <a:bodyPr/>
+        <a:lstStyle/>
+        <a:p>
+          <a:r>
+            <a:rPr lang="en-US" dirty="0"/>
+            <a:t>GSM</a:t>
+          </a:r>
+          <a:endParaRPr lang="ru-RU" dirty="0"/>
+        </a:p>
+      </dgm:t>
+    </dgm:pt>
+    <dgm:pt modelId="{3CACDF8F-4309-46FC-BED1-2F2FFBBC2984}" type="parTrans" cxnId="{5ABDB50F-4542-42AD-9376-145180C791DA}">
+      <dgm:prSet/>
+      <dgm:spPr/>
+      <dgm:t>
+        <a:bodyPr/>
+        <a:lstStyle/>
+        <a:p>
+          <a:endParaRPr lang="ru-RU"/>
+        </a:p>
+      </dgm:t>
+    </dgm:pt>
+    <dgm:pt modelId="{2E3310D9-685E-476C-9234-B76405805DE5}" type="sibTrans" cxnId="{5ABDB50F-4542-42AD-9376-145180C791DA}">
+      <dgm:prSet/>
+      <dgm:spPr/>
+      <dgm:t>
+        <a:bodyPr/>
+        <a:lstStyle/>
+        <a:p>
+          <a:endParaRPr lang="ru-RU"/>
+        </a:p>
+      </dgm:t>
+    </dgm:pt>
+    <dgm:pt modelId="{01CABD92-3974-4AB1-9941-64A22784B4C3}">
+      <dgm:prSet phldrT="[Текст]"/>
+      <dgm:spPr/>
+      <dgm:t>
+        <a:bodyPr/>
+        <a:lstStyle/>
+        <a:p>
+          <a:r>
+            <a:rPr lang="en-US" dirty="0"/>
+            <a:t>GPS</a:t>
+          </a:r>
+          <a:endParaRPr lang="ru-RU" dirty="0"/>
+        </a:p>
+      </dgm:t>
+    </dgm:pt>
+    <dgm:pt modelId="{A6695D93-0C13-44A1-932E-A644968E96A6}" type="parTrans" cxnId="{F4FA112A-B505-4158-85B9-9380D7360950}">
+      <dgm:prSet/>
+      <dgm:spPr/>
+      <dgm:t>
+        <a:bodyPr/>
+        <a:lstStyle/>
+        <a:p>
+          <a:endParaRPr lang="ru-RU"/>
+        </a:p>
+      </dgm:t>
+    </dgm:pt>
+    <dgm:pt modelId="{408350CD-58BB-4820-A12E-A51C04F5331D}" type="sibTrans" cxnId="{F4FA112A-B505-4158-85B9-9380D7360950}">
+      <dgm:prSet/>
+      <dgm:spPr/>
+      <dgm:t>
+        <a:bodyPr/>
+        <a:lstStyle/>
+        <a:p>
+          <a:endParaRPr lang="ru-RU"/>
+        </a:p>
+      </dgm:t>
+    </dgm:pt>
+    <dgm:pt modelId="{07D076B7-8B42-4667-BF34-B0C252C60FA8}">
+      <dgm:prSet phldrT="[Текст]"/>
+      <dgm:spPr/>
+      <dgm:t>
+        <a:bodyPr/>
+        <a:lstStyle/>
+        <a:p>
+          <a:r>
+            <a:rPr lang="en-US" dirty="0"/>
+            <a:t>INS</a:t>
+          </a:r>
+          <a:endParaRPr lang="ru-RU" dirty="0"/>
+        </a:p>
+      </dgm:t>
+    </dgm:pt>
+    <dgm:pt modelId="{EBFB33B2-4591-4AF2-A678-1FFC2CC03511}" type="parTrans" cxnId="{58E1E0FA-F0A8-4353-BA6D-B6BA738F83BF}">
+      <dgm:prSet/>
+      <dgm:spPr/>
+      <dgm:t>
+        <a:bodyPr/>
+        <a:lstStyle/>
+        <a:p>
+          <a:endParaRPr lang="ru-RU"/>
+        </a:p>
+      </dgm:t>
+    </dgm:pt>
+    <dgm:pt modelId="{D6114912-62A0-4E5D-AA4A-84538F21954B}" type="sibTrans" cxnId="{58E1E0FA-F0A8-4353-BA6D-B6BA738F83BF}">
+      <dgm:prSet/>
+      <dgm:spPr/>
+      <dgm:t>
+        <a:bodyPr/>
+        <a:lstStyle/>
+        <a:p>
+          <a:endParaRPr lang="ru-RU"/>
+        </a:p>
+      </dgm:t>
+    </dgm:pt>
+    <dgm:pt modelId="{A8F24DA6-49C5-42BD-8CE0-C2365C05568E}" type="asst">
+      <dgm:prSet phldrT="[Текст]"/>
+      <dgm:spPr/>
+      <dgm:t>
+        <a:bodyPr/>
+        <a:lstStyle/>
+        <a:p>
+          <a:pPr>
+            <a:buFont typeface="+mj-lt"/>
+            <a:buAutoNum type="arabicPeriod"/>
+          </a:pPr>
+          <a:r>
+            <a:rPr lang="en-US" dirty="0"/>
+            <a:t>Bluetooth/Wi-Fi</a:t>
+          </a:r>
+          <a:endParaRPr lang="ru-RU" dirty="0"/>
+        </a:p>
+      </dgm:t>
+    </dgm:pt>
+    <dgm:pt modelId="{9B51E6FC-A892-4AAB-BD19-99DFCF08A909}" type="parTrans" cxnId="{269336D1-D99C-4298-A7DC-BEDF6E846F86}">
+      <dgm:prSet/>
+      <dgm:spPr/>
+      <dgm:t>
+        <a:bodyPr/>
+        <a:lstStyle/>
+        <a:p>
+          <a:endParaRPr lang="ru-RU"/>
+        </a:p>
+      </dgm:t>
+    </dgm:pt>
+    <dgm:pt modelId="{154C6A16-1877-43D9-9D8F-6B7A27561D3B}" type="sibTrans" cxnId="{269336D1-D99C-4298-A7DC-BEDF6E846F86}">
+      <dgm:prSet/>
+      <dgm:spPr/>
+      <dgm:t>
+        <a:bodyPr/>
+        <a:lstStyle/>
+        <a:p>
+          <a:endParaRPr lang="ru-RU"/>
+        </a:p>
+      </dgm:t>
+    </dgm:pt>
+    <dgm:pt modelId="{409F6310-E6E1-4764-920A-77E3BFFABB2E}" type="pres">
+      <dgm:prSet presAssocID="{694F42AD-EF2D-4869-94ED-7D749ACBC9A7}" presName="hierChild1" presStyleCnt="0">
+        <dgm:presLayoutVars>
+          <dgm:orgChart val="1"/>
+          <dgm:chPref val="1"/>
+          <dgm:dir/>
+          <dgm:animOne val="branch"/>
+          <dgm:animLvl val="lvl"/>
+          <dgm:resizeHandles/>
+        </dgm:presLayoutVars>
+      </dgm:prSet>
+      <dgm:spPr/>
+    </dgm:pt>
+    <dgm:pt modelId="{1E051789-4958-46FE-8EA2-C7706F269434}" type="pres">
+      <dgm:prSet presAssocID="{4BFA6CA2-103A-4553-9862-A31DA33E9ED8}" presName="hierRoot1" presStyleCnt="0">
+        <dgm:presLayoutVars>
+          <dgm:hierBranch val="init"/>
+        </dgm:presLayoutVars>
+      </dgm:prSet>
+      <dgm:spPr/>
+    </dgm:pt>
+    <dgm:pt modelId="{3C7BB024-76F8-4FE4-8C5F-510510DF22E9}" type="pres">
+      <dgm:prSet presAssocID="{4BFA6CA2-103A-4553-9862-A31DA33E9ED8}" presName="rootComposite1" presStyleCnt="0"/>
+      <dgm:spPr/>
+    </dgm:pt>
+    <dgm:pt modelId="{9ACF3914-FEFC-4585-99B7-18A795780F5E}" type="pres">
+      <dgm:prSet presAssocID="{4BFA6CA2-103A-4553-9862-A31DA33E9ED8}" presName="rootText1" presStyleLbl="node0" presStyleIdx="0" presStyleCnt="1">
+        <dgm:presLayoutVars>
+          <dgm:chPref val="3"/>
+        </dgm:presLayoutVars>
+      </dgm:prSet>
+      <dgm:spPr/>
+    </dgm:pt>
+    <dgm:pt modelId="{96FCAF58-741C-4701-9901-B5E301F9EB1A}" type="pres">
+      <dgm:prSet presAssocID="{4BFA6CA2-103A-4553-9862-A31DA33E9ED8}" presName="rootConnector1" presStyleLbl="node1" presStyleIdx="0" presStyleCnt="0"/>
+      <dgm:spPr/>
+    </dgm:pt>
+    <dgm:pt modelId="{03EE7466-E898-4E86-A0BE-EB636329CD4E}" type="pres">
+      <dgm:prSet presAssocID="{4BFA6CA2-103A-4553-9862-A31DA33E9ED8}" presName="hierChild2" presStyleCnt="0"/>
+      <dgm:spPr/>
+    </dgm:pt>
+    <dgm:pt modelId="{0C1470D8-DFFD-4638-B576-BBDAF62C3D67}" type="pres">
+      <dgm:prSet presAssocID="{A6695D93-0C13-44A1-932E-A644968E96A6}" presName="Name37" presStyleLbl="parChTrans1D2" presStyleIdx="0" presStyleCnt="4"/>
+      <dgm:spPr/>
+    </dgm:pt>
+    <dgm:pt modelId="{61D420D1-1A47-4AF4-8E3C-AB833390CB80}" type="pres">
+      <dgm:prSet presAssocID="{01CABD92-3974-4AB1-9941-64A22784B4C3}" presName="hierRoot2" presStyleCnt="0">
+        <dgm:presLayoutVars>
+          <dgm:hierBranch val="init"/>
+        </dgm:presLayoutVars>
+      </dgm:prSet>
+      <dgm:spPr/>
+    </dgm:pt>
+    <dgm:pt modelId="{02B266E8-8614-475C-BA27-FFEB03244397}" type="pres">
+      <dgm:prSet presAssocID="{01CABD92-3974-4AB1-9941-64A22784B4C3}" presName="rootComposite" presStyleCnt="0"/>
+      <dgm:spPr/>
+    </dgm:pt>
+    <dgm:pt modelId="{4F19A619-9A92-4763-9191-52FD3D13B056}" type="pres">
+      <dgm:prSet presAssocID="{01CABD92-3974-4AB1-9941-64A22784B4C3}" presName="rootText" presStyleLbl="node2" presStyleIdx="0" presStyleCnt="2">
+        <dgm:presLayoutVars>
+          <dgm:chPref val="3"/>
+        </dgm:presLayoutVars>
+      </dgm:prSet>
+      <dgm:spPr/>
+    </dgm:pt>
+    <dgm:pt modelId="{82905D26-7436-457B-B253-BFE59234E962}" type="pres">
+      <dgm:prSet presAssocID="{01CABD92-3974-4AB1-9941-64A22784B4C3}" presName="rootConnector" presStyleLbl="node2" presStyleIdx="0" presStyleCnt="2"/>
+      <dgm:spPr/>
+    </dgm:pt>
+    <dgm:pt modelId="{B599A151-8D04-4CAB-9EEE-44F2C918EF7E}" type="pres">
+      <dgm:prSet presAssocID="{01CABD92-3974-4AB1-9941-64A22784B4C3}" presName="hierChild4" presStyleCnt="0"/>
+      <dgm:spPr/>
+    </dgm:pt>
+    <dgm:pt modelId="{2F2E523B-BBF4-40F5-9554-2B0DED3AB1BD}" type="pres">
+      <dgm:prSet presAssocID="{01CABD92-3974-4AB1-9941-64A22784B4C3}" presName="hierChild5" presStyleCnt="0"/>
+      <dgm:spPr/>
+    </dgm:pt>
+    <dgm:pt modelId="{DD91B123-BFB7-4300-B45F-DF7B8D75E955}" type="pres">
+      <dgm:prSet presAssocID="{EBFB33B2-4591-4AF2-A678-1FFC2CC03511}" presName="Name37" presStyleLbl="parChTrans1D2" presStyleIdx="1" presStyleCnt="4"/>
+      <dgm:spPr/>
+    </dgm:pt>
+    <dgm:pt modelId="{6D309B71-8682-431D-9A77-11337C45DABF}" type="pres">
+      <dgm:prSet presAssocID="{07D076B7-8B42-4667-BF34-B0C252C60FA8}" presName="hierRoot2" presStyleCnt="0">
+        <dgm:presLayoutVars>
+          <dgm:hierBranch val="init"/>
+        </dgm:presLayoutVars>
+      </dgm:prSet>
+      <dgm:spPr/>
+    </dgm:pt>
+    <dgm:pt modelId="{B01001A0-9061-4DFD-B02A-7A6B60387F65}" type="pres">
+      <dgm:prSet presAssocID="{07D076B7-8B42-4667-BF34-B0C252C60FA8}" presName="rootComposite" presStyleCnt="0"/>
+      <dgm:spPr/>
+    </dgm:pt>
+    <dgm:pt modelId="{88804931-F984-417E-A3E8-8337185DB776}" type="pres">
+      <dgm:prSet presAssocID="{07D076B7-8B42-4667-BF34-B0C252C60FA8}" presName="rootText" presStyleLbl="node2" presStyleIdx="1" presStyleCnt="2">
+        <dgm:presLayoutVars>
+          <dgm:chPref val="3"/>
+        </dgm:presLayoutVars>
+      </dgm:prSet>
+      <dgm:spPr/>
+    </dgm:pt>
+    <dgm:pt modelId="{7A3A5C0E-06A8-4D16-9B49-8BABE751BF10}" type="pres">
+      <dgm:prSet presAssocID="{07D076B7-8B42-4667-BF34-B0C252C60FA8}" presName="rootConnector" presStyleLbl="node2" presStyleIdx="1" presStyleCnt="2"/>
+      <dgm:spPr/>
+    </dgm:pt>
+    <dgm:pt modelId="{68BEAD61-C17D-46CA-A677-AF2EA864B6AC}" type="pres">
+      <dgm:prSet presAssocID="{07D076B7-8B42-4667-BF34-B0C252C60FA8}" presName="hierChild4" presStyleCnt="0"/>
+      <dgm:spPr/>
+    </dgm:pt>
+    <dgm:pt modelId="{FFA91DB3-116F-47FF-AFDB-64AD9EF4AA80}" type="pres">
+      <dgm:prSet presAssocID="{07D076B7-8B42-4667-BF34-B0C252C60FA8}" presName="hierChild5" presStyleCnt="0"/>
+      <dgm:spPr/>
+    </dgm:pt>
+    <dgm:pt modelId="{BD62910E-CA38-4034-8405-DAA15838707B}" type="pres">
+      <dgm:prSet presAssocID="{4BFA6CA2-103A-4553-9862-A31DA33E9ED8}" presName="hierChild3" presStyleCnt="0"/>
+      <dgm:spPr/>
+    </dgm:pt>
+    <dgm:pt modelId="{C2097986-191D-427F-BE73-F5B15852EAF3}" type="pres">
+      <dgm:prSet presAssocID="{3CACDF8F-4309-46FC-BED1-2F2FFBBC2984}" presName="Name111" presStyleLbl="parChTrans1D2" presStyleIdx="2" presStyleCnt="4"/>
+      <dgm:spPr/>
+    </dgm:pt>
+    <dgm:pt modelId="{C9FA1B7F-B9B5-4417-9DDD-FBBC30BD5209}" type="pres">
+      <dgm:prSet presAssocID="{11745061-3B55-45B8-9126-8B986595D074}" presName="hierRoot3" presStyleCnt="0">
+        <dgm:presLayoutVars>
+          <dgm:hierBranch val="init"/>
+        </dgm:presLayoutVars>
+      </dgm:prSet>
+      <dgm:spPr/>
+    </dgm:pt>
+    <dgm:pt modelId="{12A581DC-E0CA-498C-A8C5-B24549D60503}" type="pres">
+      <dgm:prSet presAssocID="{11745061-3B55-45B8-9126-8B986595D074}" presName="rootComposite3" presStyleCnt="0"/>
+      <dgm:spPr/>
+    </dgm:pt>
+    <dgm:pt modelId="{8DD29B31-BEA7-4F27-A3BE-C07D1EF42A85}" type="pres">
+      <dgm:prSet presAssocID="{11745061-3B55-45B8-9126-8B986595D074}" presName="rootText3" presStyleLbl="asst1" presStyleIdx="0" presStyleCnt="2">
+        <dgm:presLayoutVars>
+          <dgm:chPref val="3"/>
+        </dgm:presLayoutVars>
+      </dgm:prSet>
+      <dgm:spPr/>
+    </dgm:pt>
+    <dgm:pt modelId="{BCEAAC34-4686-4535-B581-47F56D795B08}" type="pres">
+      <dgm:prSet presAssocID="{11745061-3B55-45B8-9126-8B986595D074}" presName="rootConnector3" presStyleLbl="asst1" presStyleIdx="0" presStyleCnt="2"/>
+      <dgm:spPr/>
+    </dgm:pt>
+    <dgm:pt modelId="{A28CD4F5-AE79-40D3-9E5C-482DCA6AA342}" type="pres">
+      <dgm:prSet presAssocID="{11745061-3B55-45B8-9126-8B986595D074}" presName="hierChild6" presStyleCnt="0"/>
+      <dgm:spPr/>
+    </dgm:pt>
+    <dgm:pt modelId="{B00841F4-9BA9-47B5-BA2C-D43F91C603E5}" type="pres">
+      <dgm:prSet presAssocID="{11745061-3B55-45B8-9126-8B986595D074}" presName="hierChild7" presStyleCnt="0"/>
+      <dgm:spPr/>
+    </dgm:pt>
+    <dgm:pt modelId="{07A74E4E-3889-4D1E-8A60-812C38BCC936}" type="pres">
+      <dgm:prSet presAssocID="{9B51E6FC-A892-4AAB-BD19-99DFCF08A909}" presName="Name111" presStyleLbl="parChTrans1D2" presStyleIdx="3" presStyleCnt="4"/>
+      <dgm:spPr/>
+    </dgm:pt>
+    <dgm:pt modelId="{C0E63A42-7F30-40D3-A0A3-1981C0A9932B}" type="pres">
+      <dgm:prSet presAssocID="{A8F24DA6-49C5-42BD-8CE0-C2365C05568E}" presName="hierRoot3" presStyleCnt="0">
+        <dgm:presLayoutVars>
+          <dgm:hierBranch val="init"/>
+        </dgm:presLayoutVars>
+      </dgm:prSet>
+      <dgm:spPr/>
+    </dgm:pt>
+    <dgm:pt modelId="{AACFA49C-B8F7-4AF0-B42C-A48696653210}" type="pres">
+      <dgm:prSet presAssocID="{A8F24DA6-49C5-42BD-8CE0-C2365C05568E}" presName="rootComposite3" presStyleCnt="0"/>
+      <dgm:spPr/>
+    </dgm:pt>
+    <dgm:pt modelId="{5411C1A5-4033-4EA5-96C0-8F9E583877F8}" type="pres">
+      <dgm:prSet presAssocID="{A8F24DA6-49C5-42BD-8CE0-C2365C05568E}" presName="rootText3" presStyleLbl="asst1" presStyleIdx="1" presStyleCnt="2">
+        <dgm:presLayoutVars>
+          <dgm:chPref val="3"/>
+        </dgm:presLayoutVars>
+      </dgm:prSet>
+      <dgm:spPr/>
+    </dgm:pt>
+    <dgm:pt modelId="{6976FD77-C91B-483F-99C5-5773DCFF5918}" type="pres">
+      <dgm:prSet presAssocID="{A8F24DA6-49C5-42BD-8CE0-C2365C05568E}" presName="rootConnector3" presStyleLbl="asst1" presStyleIdx="1" presStyleCnt="2"/>
+      <dgm:spPr/>
+    </dgm:pt>
+    <dgm:pt modelId="{7E1CDAE0-0B2F-401A-AAFD-EA76742E7163}" type="pres">
+      <dgm:prSet presAssocID="{A8F24DA6-49C5-42BD-8CE0-C2365C05568E}" presName="hierChild6" presStyleCnt="0"/>
+      <dgm:spPr/>
+    </dgm:pt>
+    <dgm:pt modelId="{BAA4D7AA-4B54-4633-8451-EEFFED27F276}" type="pres">
+      <dgm:prSet presAssocID="{A8F24DA6-49C5-42BD-8CE0-C2365C05568E}" presName="hierChild7" presStyleCnt="0"/>
+      <dgm:spPr/>
+    </dgm:pt>
+  </dgm:ptLst>
+  <dgm:cxnLst>
+    <dgm:cxn modelId="{5ABDB50F-4542-42AD-9376-145180C791DA}" srcId="{4BFA6CA2-103A-4553-9862-A31DA33E9ED8}" destId="{11745061-3B55-45B8-9126-8B986595D074}" srcOrd="0" destOrd="0" parTransId="{3CACDF8F-4309-46FC-BED1-2F2FFBBC2984}" sibTransId="{2E3310D9-685E-476C-9234-B76405805DE5}"/>
+    <dgm:cxn modelId="{D894EA18-ECAD-4011-88FB-7DB9707E6A13}" type="presOf" srcId="{A8F24DA6-49C5-42BD-8CE0-C2365C05568E}" destId="{5411C1A5-4033-4EA5-96C0-8F9E583877F8}" srcOrd="0" destOrd="0" presId="urn:microsoft.com/office/officeart/2005/8/layout/orgChart1"/>
+    <dgm:cxn modelId="{F4FA112A-B505-4158-85B9-9380D7360950}" srcId="{4BFA6CA2-103A-4553-9862-A31DA33E9ED8}" destId="{01CABD92-3974-4AB1-9941-64A22784B4C3}" srcOrd="2" destOrd="0" parTransId="{A6695D93-0C13-44A1-932E-A644968E96A6}" sibTransId="{408350CD-58BB-4820-A12E-A51C04F5331D}"/>
+    <dgm:cxn modelId="{4C18652E-EBE5-4071-9FE3-BAEEC0FF290D}" type="presOf" srcId="{01CABD92-3974-4AB1-9941-64A22784B4C3}" destId="{4F19A619-9A92-4763-9191-52FD3D13B056}" srcOrd="0" destOrd="0" presId="urn:microsoft.com/office/officeart/2005/8/layout/orgChart1"/>
+    <dgm:cxn modelId="{02CF2735-9D30-4AFD-B6C8-032974E9B93D}" type="presOf" srcId="{4BFA6CA2-103A-4553-9862-A31DA33E9ED8}" destId="{96FCAF58-741C-4701-9901-B5E301F9EB1A}" srcOrd="1" destOrd="0" presId="urn:microsoft.com/office/officeart/2005/8/layout/orgChart1"/>
+    <dgm:cxn modelId="{01C25F36-C0CB-41AA-BAC8-21B8EC4196FF}" type="presOf" srcId="{3CACDF8F-4309-46FC-BED1-2F2FFBBC2984}" destId="{C2097986-191D-427F-BE73-F5B15852EAF3}" srcOrd="0" destOrd="0" presId="urn:microsoft.com/office/officeart/2005/8/layout/orgChart1"/>
+    <dgm:cxn modelId="{3169AE61-B45A-417A-9D29-E130DF7C76EB}" type="presOf" srcId="{07D076B7-8B42-4667-BF34-B0C252C60FA8}" destId="{7A3A5C0E-06A8-4D16-9B49-8BABE751BF10}" srcOrd="1" destOrd="0" presId="urn:microsoft.com/office/officeart/2005/8/layout/orgChart1"/>
+    <dgm:cxn modelId="{CF14B74A-5C2C-4412-80E9-2605C5BAA0EB}" srcId="{694F42AD-EF2D-4869-94ED-7D749ACBC9A7}" destId="{4BFA6CA2-103A-4553-9862-A31DA33E9ED8}" srcOrd="0" destOrd="0" parTransId="{0F030DDF-EFDC-4794-86C9-19AFB899A296}" sibTransId="{180EAFF8-8B2D-48D7-8359-DA91837DFD21}"/>
+    <dgm:cxn modelId="{16242882-4227-4A4B-8180-B20DC0923249}" type="presOf" srcId="{4BFA6CA2-103A-4553-9862-A31DA33E9ED8}" destId="{9ACF3914-FEFC-4585-99B7-18A795780F5E}" srcOrd="0" destOrd="0" presId="urn:microsoft.com/office/officeart/2005/8/layout/orgChart1"/>
+    <dgm:cxn modelId="{2CEB0AA1-1C07-4D9C-A8E4-9EDD5BAA6CD5}" type="presOf" srcId="{9B51E6FC-A892-4AAB-BD19-99DFCF08A909}" destId="{07A74E4E-3889-4D1E-8A60-812C38BCC936}" srcOrd="0" destOrd="0" presId="urn:microsoft.com/office/officeart/2005/8/layout/orgChart1"/>
+    <dgm:cxn modelId="{0801DDA8-5D06-4F65-9F35-45C3208E8697}" type="presOf" srcId="{01CABD92-3974-4AB1-9941-64A22784B4C3}" destId="{82905D26-7436-457B-B253-BFE59234E962}" srcOrd="1" destOrd="0" presId="urn:microsoft.com/office/officeart/2005/8/layout/orgChart1"/>
+    <dgm:cxn modelId="{517BB5AC-3828-4E2E-B0C8-E144D48B5DF4}" type="presOf" srcId="{07D076B7-8B42-4667-BF34-B0C252C60FA8}" destId="{88804931-F984-417E-A3E8-8337185DB776}" srcOrd="0" destOrd="0" presId="urn:microsoft.com/office/officeart/2005/8/layout/orgChart1"/>
+    <dgm:cxn modelId="{269336D1-D99C-4298-A7DC-BEDF6E846F86}" srcId="{4BFA6CA2-103A-4553-9862-A31DA33E9ED8}" destId="{A8F24DA6-49C5-42BD-8CE0-C2365C05568E}" srcOrd="1" destOrd="0" parTransId="{9B51E6FC-A892-4AAB-BD19-99DFCF08A909}" sibTransId="{154C6A16-1877-43D9-9D8F-6B7A27561D3B}"/>
+    <dgm:cxn modelId="{252329D7-4EEC-498B-9476-234C9C16155E}" type="presOf" srcId="{694F42AD-EF2D-4869-94ED-7D749ACBC9A7}" destId="{409F6310-E6E1-4764-920A-77E3BFFABB2E}" srcOrd="0" destOrd="0" presId="urn:microsoft.com/office/officeart/2005/8/layout/orgChart1"/>
+    <dgm:cxn modelId="{A949A7D7-C2E6-4507-9835-2A9E8016F5D3}" type="presOf" srcId="{11745061-3B55-45B8-9126-8B986595D074}" destId="{8DD29B31-BEA7-4F27-A3BE-C07D1EF42A85}" srcOrd="0" destOrd="0" presId="urn:microsoft.com/office/officeart/2005/8/layout/orgChart1"/>
+    <dgm:cxn modelId="{DACF1EE2-D4E7-49C5-B827-1F153F3E4914}" type="presOf" srcId="{A8F24DA6-49C5-42BD-8CE0-C2365C05568E}" destId="{6976FD77-C91B-483F-99C5-5773DCFF5918}" srcOrd="1" destOrd="0" presId="urn:microsoft.com/office/officeart/2005/8/layout/orgChart1"/>
+    <dgm:cxn modelId="{3C3774F2-265F-4E11-9095-D191BC2B6553}" type="presOf" srcId="{EBFB33B2-4591-4AF2-A678-1FFC2CC03511}" destId="{DD91B123-BFB7-4300-B45F-DF7B8D75E955}" srcOrd="0" destOrd="0" presId="urn:microsoft.com/office/officeart/2005/8/layout/orgChart1"/>
+    <dgm:cxn modelId="{1CA9AFF9-281B-4A0D-BB92-261EA74221BA}" type="presOf" srcId="{11745061-3B55-45B8-9126-8B986595D074}" destId="{BCEAAC34-4686-4535-B581-47F56D795B08}" srcOrd="1" destOrd="0" presId="urn:microsoft.com/office/officeart/2005/8/layout/orgChart1"/>
+    <dgm:cxn modelId="{58E1E0FA-F0A8-4353-BA6D-B6BA738F83BF}" srcId="{4BFA6CA2-103A-4553-9862-A31DA33E9ED8}" destId="{07D076B7-8B42-4667-BF34-B0C252C60FA8}" srcOrd="3" destOrd="0" parTransId="{EBFB33B2-4591-4AF2-A678-1FFC2CC03511}" sibTransId="{D6114912-62A0-4E5D-AA4A-84538F21954B}"/>
+    <dgm:cxn modelId="{602CFBFB-5F99-4753-B8A7-72C2013AFEB3}" type="presOf" srcId="{A6695D93-0C13-44A1-932E-A644968E96A6}" destId="{0C1470D8-DFFD-4638-B576-BBDAF62C3D67}" srcOrd="0" destOrd="0" presId="urn:microsoft.com/office/officeart/2005/8/layout/orgChart1"/>
+    <dgm:cxn modelId="{554A9DBE-785C-4738-B09D-D22E6A2213A2}" type="presParOf" srcId="{409F6310-E6E1-4764-920A-77E3BFFABB2E}" destId="{1E051789-4958-46FE-8EA2-C7706F269434}" srcOrd="0" destOrd="0" presId="urn:microsoft.com/office/officeart/2005/8/layout/orgChart1"/>
+    <dgm:cxn modelId="{607033B0-B7B1-43FD-8147-D8DADBA45527}" type="presParOf" srcId="{1E051789-4958-46FE-8EA2-C7706F269434}" destId="{3C7BB024-76F8-4FE4-8C5F-510510DF22E9}" srcOrd="0" destOrd="0" presId="urn:microsoft.com/office/officeart/2005/8/layout/orgChart1"/>
+    <dgm:cxn modelId="{79C691B7-BED7-4222-A140-A8D6E1DA767B}" type="presParOf" srcId="{3C7BB024-76F8-4FE4-8C5F-510510DF22E9}" destId="{9ACF3914-FEFC-4585-99B7-18A795780F5E}" srcOrd="0" destOrd="0" presId="urn:microsoft.com/office/officeart/2005/8/layout/orgChart1"/>
+    <dgm:cxn modelId="{3FD54D73-B673-419D-974A-59BAAF1F9A0E}" type="presParOf" srcId="{3C7BB024-76F8-4FE4-8C5F-510510DF22E9}" destId="{96FCAF58-741C-4701-9901-B5E301F9EB1A}" srcOrd="1" destOrd="0" presId="urn:microsoft.com/office/officeart/2005/8/layout/orgChart1"/>
+    <dgm:cxn modelId="{8FDF246A-F049-4DE4-A207-D729F7F28CBB}" type="presParOf" srcId="{1E051789-4958-46FE-8EA2-C7706F269434}" destId="{03EE7466-E898-4E86-A0BE-EB636329CD4E}" srcOrd="1" destOrd="0" presId="urn:microsoft.com/office/officeart/2005/8/layout/orgChart1"/>
+    <dgm:cxn modelId="{1E619D8F-78FB-4487-A1F4-89532C7B3B44}" type="presParOf" srcId="{03EE7466-E898-4E86-A0BE-EB636329CD4E}" destId="{0C1470D8-DFFD-4638-B576-BBDAF62C3D67}" srcOrd="0" destOrd="0" presId="urn:microsoft.com/office/officeart/2005/8/layout/orgChart1"/>
+    <dgm:cxn modelId="{2236F5F7-AD42-4EDE-A9D6-BC7342A3AC13}" type="presParOf" srcId="{03EE7466-E898-4E86-A0BE-EB636329CD4E}" destId="{61D420D1-1A47-4AF4-8E3C-AB833390CB80}" srcOrd="1" destOrd="0" presId="urn:microsoft.com/office/officeart/2005/8/layout/orgChart1"/>
+    <dgm:cxn modelId="{BD575095-1FAA-4D25-820D-7FE88FAD69B9}" type="presParOf" srcId="{61D420D1-1A47-4AF4-8E3C-AB833390CB80}" destId="{02B266E8-8614-475C-BA27-FFEB03244397}" srcOrd="0" destOrd="0" presId="urn:microsoft.com/office/officeart/2005/8/layout/orgChart1"/>
+    <dgm:cxn modelId="{E14B3890-C9E8-4740-9F56-08726AD56579}" type="presParOf" srcId="{02B266E8-8614-475C-BA27-FFEB03244397}" destId="{4F19A619-9A92-4763-9191-52FD3D13B056}" srcOrd="0" destOrd="0" presId="urn:microsoft.com/office/officeart/2005/8/layout/orgChart1"/>
+    <dgm:cxn modelId="{DE2BF2F3-9BED-429C-A0B7-5AA1C7214E09}" type="presParOf" srcId="{02B266E8-8614-475C-BA27-FFEB03244397}" destId="{82905D26-7436-457B-B253-BFE59234E962}" srcOrd="1" destOrd="0" presId="urn:microsoft.com/office/officeart/2005/8/layout/orgChart1"/>
+    <dgm:cxn modelId="{D117F92B-A637-4BD7-99BF-CFCB493EE657}" type="presParOf" srcId="{61D420D1-1A47-4AF4-8E3C-AB833390CB80}" destId="{B599A151-8D04-4CAB-9EEE-44F2C918EF7E}" srcOrd="1" destOrd="0" presId="urn:microsoft.com/office/officeart/2005/8/layout/orgChart1"/>
+    <dgm:cxn modelId="{4FD8153F-7BB3-4E0F-B1CA-2CFB500B8558}" type="presParOf" srcId="{61D420D1-1A47-4AF4-8E3C-AB833390CB80}" destId="{2F2E523B-BBF4-40F5-9554-2B0DED3AB1BD}" srcOrd="2" destOrd="0" presId="urn:microsoft.com/office/officeart/2005/8/layout/orgChart1"/>
+    <dgm:cxn modelId="{F4998489-5EA3-4C6A-AFEA-00C8BE2668DA}" type="presParOf" srcId="{03EE7466-E898-4E86-A0BE-EB636329CD4E}" destId="{DD91B123-BFB7-4300-B45F-DF7B8D75E955}" srcOrd="2" destOrd="0" presId="urn:microsoft.com/office/officeart/2005/8/layout/orgChart1"/>
+    <dgm:cxn modelId="{0D160472-1605-4364-8212-15AFB51FAA1F}" type="presParOf" srcId="{03EE7466-E898-4E86-A0BE-EB636329CD4E}" destId="{6D309B71-8682-431D-9A77-11337C45DABF}" srcOrd="3" destOrd="0" presId="urn:microsoft.com/office/officeart/2005/8/layout/orgChart1"/>
+    <dgm:cxn modelId="{D7876AEA-3DFC-4B9A-AC10-1E6F217F69A5}" type="presParOf" srcId="{6D309B71-8682-431D-9A77-11337C45DABF}" destId="{B01001A0-9061-4DFD-B02A-7A6B60387F65}" srcOrd="0" destOrd="0" presId="urn:microsoft.com/office/officeart/2005/8/layout/orgChart1"/>
+    <dgm:cxn modelId="{C3104650-A84E-4DC6-8790-9F3478D7D56C}" type="presParOf" srcId="{B01001A0-9061-4DFD-B02A-7A6B60387F65}" destId="{88804931-F984-417E-A3E8-8337185DB776}" srcOrd="0" destOrd="0" presId="urn:microsoft.com/office/officeart/2005/8/layout/orgChart1"/>
+    <dgm:cxn modelId="{E52916B5-EC82-4682-B592-5B07ACC0D3A6}" type="presParOf" srcId="{B01001A0-9061-4DFD-B02A-7A6B60387F65}" destId="{7A3A5C0E-06A8-4D16-9B49-8BABE751BF10}" srcOrd="1" destOrd="0" presId="urn:microsoft.com/office/officeart/2005/8/layout/orgChart1"/>
+    <dgm:cxn modelId="{5AB8820B-660F-4E3B-B7EF-EC15B9DA3455}" type="presParOf" srcId="{6D309B71-8682-431D-9A77-11337C45DABF}" destId="{68BEAD61-C17D-46CA-A677-AF2EA864B6AC}" srcOrd="1" destOrd="0" presId="urn:microsoft.com/office/officeart/2005/8/layout/orgChart1"/>
+    <dgm:cxn modelId="{3EBB2C9C-AB74-42E4-87AD-2B62C33FFF02}" type="presParOf" srcId="{6D309B71-8682-431D-9A77-11337C45DABF}" destId="{FFA91DB3-116F-47FF-AFDB-64AD9EF4AA80}" srcOrd="2" destOrd="0" presId="urn:microsoft.com/office/officeart/2005/8/layout/orgChart1"/>
+    <dgm:cxn modelId="{F623C142-A6C9-4D5C-82CE-EA6217BF48BD}" type="presParOf" srcId="{1E051789-4958-46FE-8EA2-C7706F269434}" destId="{BD62910E-CA38-4034-8405-DAA15838707B}" srcOrd="2" destOrd="0" presId="urn:microsoft.com/office/officeart/2005/8/layout/orgChart1"/>
+    <dgm:cxn modelId="{4FC0C196-9405-46B7-A3F1-B4EEFC1A997A}" type="presParOf" srcId="{BD62910E-CA38-4034-8405-DAA15838707B}" destId="{C2097986-191D-427F-BE73-F5B15852EAF3}" srcOrd="0" destOrd="0" presId="urn:microsoft.com/office/officeart/2005/8/layout/orgChart1"/>
+    <dgm:cxn modelId="{487B30A6-28F0-4CEF-992A-1297B57B1CD9}" type="presParOf" srcId="{BD62910E-CA38-4034-8405-DAA15838707B}" destId="{C9FA1B7F-B9B5-4417-9DDD-FBBC30BD5209}" srcOrd="1" destOrd="0" presId="urn:microsoft.com/office/officeart/2005/8/layout/orgChart1"/>
+    <dgm:cxn modelId="{21E00237-59FB-4392-B213-0173A65EFEAD}" type="presParOf" srcId="{C9FA1B7F-B9B5-4417-9DDD-FBBC30BD5209}" destId="{12A581DC-E0CA-498C-A8C5-B24549D60503}" srcOrd="0" destOrd="0" presId="urn:microsoft.com/office/officeart/2005/8/layout/orgChart1"/>
+    <dgm:cxn modelId="{C58FBEB8-7339-4991-9561-76834672F7D0}" type="presParOf" srcId="{12A581DC-E0CA-498C-A8C5-B24549D60503}" destId="{8DD29B31-BEA7-4F27-A3BE-C07D1EF42A85}" srcOrd="0" destOrd="0" presId="urn:microsoft.com/office/officeart/2005/8/layout/orgChart1"/>
+    <dgm:cxn modelId="{ACB048FC-D023-4C2E-B9A0-4385ACC6E39A}" type="presParOf" srcId="{12A581DC-E0CA-498C-A8C5-B24549D60503}" destId="{BCEAAC34-4686-4535-B581-47F56D795B08}" srcOrd="1" destOrd="0" presId="urn:microsoft.com/office/officeart/2005/8/layout/orgChart1"/>
+    <dgm:cxn modelId="{FEFC6FAE-36ED-4AE7-BAB9-FBCC91333FBE}" type="presParOf" srcId="{C9FA1B7F-B9B5-4417-9DDD-FBBC30BD5209}" destId="{A28CD4F5-AE79-40D3-9E5C-482DCA6AA342}" srcOrd="1" destOrd="0" presId="urn:microsoft.com/office/officeart/2005/8/layout/orgChart1"/>
+    <dgm:cxn modelId="{802274F9-86AC-4C2B-B848-ABF3F6768CB7}" type="presParOf" srcId="{C9FA1B7F-B9B5-4417-9DDD-FBBC30BD5209}" destId="{B00841F4-9BA9-47B5-BA2C-D43F91C603E5}" srcOrd="2" destOrd="0" presId="urn:microsoft.com/office/officeart/2005/8/layout/orgChart1"/>
+    <dgm:cxn modelId="{70611FF9-54E3-425F-945D-399CE84B4BC9}" type="presParOf" srcId="{BD62910E-CA38-4034-8405-DAA15838707B}" destId="{07A74E4E-3889-4D1E-8A60-812C38BCC936}" srcOrd="2" destOrd="0" presId="urn:microsoft.com/office/officeart/2005/8/layout/orgChart1"/>
+    <dgm:cxn modelId="{842B3759-DB4F-48AE-8029-02C7B4B10847}" type="presParOf" srcId="{BD62910E-CA38-4034-8405-DAA15838707B}" destId="{C0E63A42-7F30-40D3-A0A3-1981C0A9932B}" srcOrd="3" destOrd="0" presId="urn:microsoft.com/office/officeart/2005/8/layout/orgChart1"/>
+    <dgm:cxn modelId="{50473FAD-F412-4EBF-9BE5-C9EBB2A6F821}" type="presParOf" srcId="{C0E63A42-7F30-40D3-A0A3-1981C0A9932B}" destId="{AACFA49C-B8F7-4AF0-B42C-A48696653210}" srcOrd="0" destOrd="0" presId="urn:microsoft.com/office/officeart/2005/8/layout/orgChart1"/>
+    <dgm:cxn modelId="{9DFDC261-D67A-4F44-B74F-CEF5E337453E}" type="presParOf" srcId="{AACFA49C-B8F7-4AF0-B42C-A48696653210}" destId="{5411C1A5-4033-4EA5-96C0-8F9E583877F8}" srcOrd="0" destOrd="0" presId="urn:microsoft.com/office/officeart/2005/8/layout/orgChart1"/>
+    <dgm:cxn modelId="{670FB242-0C45-4D04-991F-BE7AB43BFBB3}" type="presParOf" srcId="{AACFA49C-B8F7-4AF0-B42C-A48696653210}" destId="{6976FD77-C91B-483F-99C5-5773DCFF5918}" srcOrd="1" destOrd="0" presId="urn:microsoft.com/office/officeart/2005/8/layout/orgChart1"/>
+    <dgm:cxn modelId="{A46FD77F-B5EF-410B-BFBA-9B9F1D3643DF}" type="presParOf" srcId="{C0E63A42-7F30-40D3-A0A3-1981C0A9932B}" destId="{7E1CDAE0-0B2F-401A-AAFD-EA76742E7163}" srcOrd="1" destOrd="0" presId="urn:microsoft.com/office/officeart/2005/8/layout/orgChart1"/>
+    <dgm:cxn modelId="{BE9151DD-9DF4-4680-9385-88C63283BAF5}" type="presParOf" srcId="{C0E63A42-7F30-40D3-A0A3-1981C0A9932B}" destId="{BAA4D7AA-4B54-4633-8451-EEFFED27F276}" srcOrd="2" destOrd="0" presId="urn:microsoft.com/office/officeart/2005/8/layout/orgChart1"/>
   </dgm:cxnLst>
   <dgm:bg/>
   <dgm:whole/>
@@ -1278,6 +2484,806 @@
 </dsp:drawing>
 </file>
 
+<file path=ppt/diagrams/drawing2.xml><?xml version="1.0" encoding="utf-8"?>
+<dsp:drawing xmlns:dgm="http://schemas.openxmlformats.org/drawingml/2006/diagram" xmlns:dsp="http://schemas.microsoft.com/office/drawing/2008/diagram" xmlns:a="http://schemas.openxmlformats.org/drawingml/2006/main">
+  <dsp:spTree>
+    <dsp:nvGrpSpPr>
+      <dsp:cNvPr id="0" name=""/>
+      <dsp:cNvGrpSpPr/>
+    </dsp:nvGrpSpPr>
+    <dsp:grpSpPr/>
+    <dsp:sp modelId="{07A74E4E-3889-4D1E-8A60-812C38BCC936}">
+      <dsp:nvSpPr>
+        <dsp:cNvPr id="0" name=""/>
+        <dsp:cNvSpPr/>
+      </dsp:nvSpPr>
+      <dsp:spPr>
+        <a:xfrm>
+          <a:off x="2508760" y="1571936"/>
+          <a:ext cx="238274" cy="1043867"/>
+        </a:xfrm>
+        <a:custGeom>
+          <a:avLst/>
+          <a:gdLst/>
+          <a:ahLst/>
+          <a:cxnLst/>
+          <a:rect l="0" t="0" r="0" b="0"/>
+          <a:pathLst>
+            <a:path>
+              <a:moveTo>
+                <a:pt x="0" y="0"/>
+              </a:moveTo>
+              <a:lnTo>
+                <a:pt x="0" y="1043867"/>
+              </a:lnTo>
+              <a:lnTo>
+                <a:pt x="238274" y="1043867"/>
+              </a:lnTo>
+            </a:path>
+          </a:pathLst>
+        </a:custGeom>
+        <a:noFill/>
+        <a:ln w="25400" cap="flat" cmpd="sng" algn="ctr">
+          <a:solidFill>
+            <a:schemeClr val="accent1">
+              <a:shade val="60000"/>
+              <a:hueOff val="0"/>
+              <a:satOff val="0"/>
+              <a:lumOff val="0"/>
+              <a:alphaOff val="0"/>
+            </a:schemeClr>
+          </a:solidFill>
+          <a:prstDash val="solid"/>
+        </a:ln>
+        <a:effectLst/>
+      </dsp:spPr>
+      <dsp:style>
+        <a:lnRef idx="2">
+          <a:scrgbClr r="0" g="0" b="0"/>
+        </a:lnRef>
+        <a:fillRef idx="0">
+          <a:scrgbClr r="0" g="0" b="0"/>
+        </a:fillRef>
+        <a:effectRef idx="0">
+          <a:scrgbClr r="0" g="0" b="0"/>
+        </a:effectRef>
+        <a:fontRef idx="minor"/>
+      </dsp:style>
+    </dsp:sp>
+    <dsp:sp modelId="{C2097986-191D-427F-BE73-F5B15852EAF3}">
+      <dsp:nvSpPr>
+        <dsp:cNvPr id="0" name=""/>
+        <dsp:cNvSpPr/>
+      </dsp:nvSpPr>
+      <dsp:spPr>
+        <a:xfrm>
+          <a:off x="2270486" y="1571936"/>
+          <a:ext cx="238274" cy="1043867"/>
+        </a:xfrm>
+        <a:custGeom>
+          <a:avLst/>
+          <a:gdLst/>
+          <a:ahLst/>
+          <a:cxnLst/>
+          <a:rect l="0" t="0" r="0" b="0"/>
+          <a:pathLst>
+            <a:path>
+              <a:moveTo>
+                <a:pt x="238274" y="0"/>
+              </a:moveTo>
+              <a:lnTo>
+                <a:pt x="238274" y="1043867"/>
+              </a:lnTo>
+              <a:lnTo>
+                <a:pt x="0" y="1043867"/>
+              </a:lnTo>
+            </a:path>
+          </a:pathLst>
+        </a:custGeom>
+        <a:noFill/>
+        <a:ln w="25400" cap="flat" cmpd="sng" algn="ctr">
+          <a:solidFill>
+            <a:schemeClr val="accent1">
+              <a:shade val="60000"/>
+              <a:hueOff val="0"/>
+              <a:satOff val="0"/>
+              <a:lumOff val="0"/>
+              <a:alphaOff val="0"/>
+            </a:schemeClr>
+          </a:solidFill>
+          <a:prstDash val="solid"/>
+        </a:ln>
+        <a:effectLst/>
+      </dsp:spPr>
+      <dsp:style>
+        <a:lnRef idx="2">
+          <a:scrgbClr r="0" g="0" b="0"/>
+        </a:lnRef>
+        <a:fillRef idx="0">
+          <a:scrgbClr r="0" g="0" b="0"/>
+        </a:fillRef>
+        <a:effectRef idx="0">
+          <a:scrgbClr r="0" g="0" b="0"/>
+        </a:effectRef>
+        <a:fontRef idx="minor"/>
+      </dsp:style>
+    </dsp:sp>
+    <dsp:sp modelId="{DD91B123-BFB7-4300-B45F-DF7B8D75E955}">
+      <dsp:nvSpPr>
+        <dsp:cNvPr id="0" name=""/>
+        <dsp:cNvSpPr/>
+      </dsp:nvSpPr>
+      <dsp:spPr>
+        <a:xfrm>
+          <a:off x="2508760" y="1571936"/>
+          <a:ext cx="1372912" cy="2087734"/>
+        </a:xfrm>
+        <a:custGeom>
+          <a:avLst/>
+          <a:gdLst/>
+          <a:ahLst/>
+          <a:cxnLst/>
+          <a:rect l="0" t="0" r="0" b="0"/>
+          <a:pathLst>
+            <a:path>
+              <a:moveTo>
+                <a:pt x="0" y="0"/>
+              </a:moveTo>
+              <a:lnTo>
+                <a:pt x="0" y="1849460"/>
+              </a:lnTo>
+              <a:lnTo>
+                <a:pt x="1372912" y="1849460"/>
+              </a:lnTo>
+              <a:lnTo>
+                <a:pt x="1372912" y="2087734"/>
+              </a:lnTo>
+            </a:path>
+          </a:pathLst>
+        </a:custGeom>
+        <a:noFill/>
+        <a:ln w="25400" cap="flat" cmpd="sng" algn="ctr">
+          <a:solidFill>
+            <a:schemeClr val="accent1">
+              <a:shade val="60000"/>
+              <a:hueOff val="0"/>
+              <a:satOff val="0"/>
+              <a:lumOff val="0"/>
+              <a:alphaOff val="0"/>
+            </a:schemeClr>
+          </a:solidFill>
+          <a:prstDash val="solid"/>
+        </a:ln>
+        <a:effectLst/>
+      </dsp:spPr>
+      <dsp:style>
+        <a:lnRef idx="2">
+          <a:scrgbClr r="0" g="0" b="0"/>
+        </a:lnRef>
+        <a:fillRef idx="0">
+          <a:scrgbClr r="0" g="0" b="0"/>
+        </a:fillRef>
+        <a:effectRef idx="0">
+          <a:scrgbClr r="0" g="0" b="0"/>
+        </a:effectRef>
+        <a:fontRef idx="minor"/>
+      </dsp:style>
+    </dsp:sp>
+    <dsp:sp modelId="{0C1470D8-DFFD-4638-B576-BBDAF62C3D67}">
+      <dsp:nvSpPr>
+        <dsp:cNvPr id="0" name=""/>
+        <dsp:cNvSpPr/>
+      </dsp:nvSpPr>
+      <dsp:spPr>
+        <a:xfrm>
+          <a:off x="1135848" y="1571936"/>
+          <a:ext cx="1372912" cy="2087734"/>
+        </a:xfrm>
+        <a:custGeom>
+          <a:avLst/>
+          <a:gdLst/>
+          <a:ahLst/>
+          <a:cxnLst/>
+          <a:rect l="0" t="0" r="0" b="0"/>
+          <a:pathLst>
+            <a:path>
+              <a:moveTo>
+                <a:pt x="1372912" y="0"/>
+              </a:moveTo>
+              <a:lnTo>
+                <a:pt x="1372912" y="1849460"/>
+              </a:lnTo>
+              <a:lnTo>
+                <a:pt x="0" y="1849460"/>
+              </a:lnTo>
+              <a:lnTo>
+                <a:pt x="0" y="2087734"/>
+              </a:lnTo>
+            </a:path>
+          </a:pathLst>
+        </a:custGeom>
+        <a:noFill/>
+        <a:ln w="25400" cap="flat" cmpd="sng" algn="ctr">
+          <a:solidFill>
+            <a:schemeClr val="accent1">
+              <a:shade val="60000"/>
+              <a:hueOff val="0"/>
+              <a:satOff val="0"/>
+              <a:lumOff val="0"/>
+              <a:alphaOff val="0"/>
+            </a:schemeClr>
+          </a:solidFill>
+          <a:prstDash val="solid"/>
+        </a:ln>
+        <a:effectLst/>
+      </dsp:spPr>
+      <dsp:style>
+        <a:lnRef idx="2">
+          <a:scrgbClr r="0" g="0" b="0"/>
+        </a:lnRef>
+        <a:fillRef idx="0">
+          <a:scrgbClr r="0" g="0" b="0"/>
+        </a:fillRef>
+        <a:effectRef idx="0">
+          <a:scrgbClr r="0" g="0" b="0"/>
+        </a:effectRef>
+        <a:fontRef idx="minor"/>
+      </dsp:style>
+    </dsp:sp>
+    <dsp:sp modelId="{9ACF3914-FEFC-4585-99B7-18A795780F5E}">
+      <dsp:nvSpPr>
+        <dsp:cNvPr id="0" name=""/>
+        <dsp:cNvSpPr/>
+      </dsp:nvSpPr>
+      <dsp:spPr>
+        <a:xfrm>
+          <a:off x="1374122" y="437297"/>
+          <a:ext cx="2269276" cy="1134638"/>
+        </a:xfrm>
+        <a:prstGeom prst="rect">
+          <a:avLst/>
+        </a:prstGeom>
+        <a:gradFill rotWithShape="0">
+          <a:gsLst>
+            <a:gs pos="0">
+              <a:schemeClr val="accent1">
+                <a:hueOff val="0"/>
+                <a:satOff val="0"/>
+                <a:lumOff val="0"/>
+                <a:alphaOff val="0"/>
+                <a:tint val="50000"/>
+                <a:satMod val="300000"/>
+              </a:schemeClr>
+            </a:gs>
+            <a:gs pos="35000">
+              <a:schemeClr val="accent1">
+                <a:hueOff val="0"/>
+                <a:satOff val="0"/>
+                <a:lumOff val="0"/>
+                <a:alphaOff val="0"/>
+                <a:tint val="37000"/>
+                <a:satMod val="300000"/>
+              </a:schemeClr>
+            </a:gs>
+            <a:gs pos="100000">
+              <a:schemeClr val="accent1">
+                <a:hueOff val="0"/>
+                <a:satOff val="0"/>
+                <a:lumOff val="0"/>
+                <a:alphaOff val="0"/>
+                <a:tint val="15000"/>
+                <a:satMod val="350000"/>
+              </a:schemeClr>
+            </a:gs>
+          </a:gsLst>
+          <a:lin ang="16200000" scaled="1"/>
+        </a:gradFill>
+        <a:ln>
+          <a:noFill/>
+        </a:ln>
+        <a:effectLst>
+          <a:outerShdw blurRad="40000" dist="20000" dir="5400000" rotWithShape="0">
+            <a:srgbClr val="000000">
+              <a:alpha val="38000"/>
+            </a:srgbClr>
+          </a:outerShdw>
+        </a:effectLst>
+        <a:scene3d>
+          <a:camera prst="orthographicFront"/>
+          <a:lightRig rig="flat" dir="t"/>
+        </a:scene3d>
+        <a:sp3d prstMaterial="dkEdge">
+          <a:bevelT w="8200" h="38100"/>
+        </a:sp3d>
+      </dsp:spPr>
+      <dsp:style>
+        <a:lnRef idx="0">
+          <a:scrgbClr r="0" g="0" b="0"/>
+        </a:lnRef>
+        <a:fillRef idx="2">
+          <a:scrgbClr r="0" g="0" b="0"/>
+        </a:fillRef>
+        <a:effectRef idx="1">
+          <a:scrgbClr r="0" g="0" b="0"/>
+        </a:effectRef>
+        <a:fontRef idx="minor">
+          <a:schemeClr val="dk1"/>
+        </a:fontRef>
+      </dsp:style>
+      <dsp:txBody>
+        <a:bodyPr spcFirstLastPara="0" vert="horz" wrap="square" lIns="19050" tIns="19050" rIns="19050" bIns="19050" numCol="1" spcCol="1270" anchor="ctr" anchorCtr="0">
+          <a:noAutofit/>
+        </a:bodyPr>
+        <a:lstStyle/>
+        <a:p>
+          <a:pPr marL="0" lvl="0" indent="0" algn="ctr" defTabSz="1333500">
+            <a:lnSpc>
+              <a:spcPct val="90000"/>
+            </a:lnSpc>
+            <a:spcBef>
+              <a:spcPct val="0"/>
+            </a:spcBef>
+            <a:spcAft>
+              <a:spcPct val="35000"/>
+            </a:spcAft>
+            <a:buNone/>
+          </a:pPr>
+          <a:r>
+            <a:rPr lang="ru-RU" sz="3000" kern="1200" dirty="0"/>
+            <a:t>Системы навигации</a:t>
+          </a:r>
+        </a:p>
+      </dsp:txBody>
+      <dsp:txXfrm>
+        <a:off x="1374122" y="437297"/>
+        <a:ext cx="2269276" cy="1134638"/>
+      </dsp:txXfrm>
+    </dsp:sp>
+    <dsp:sp modelId="{4F19A619-9A92-4763-9191-52FD3D13B056}">
+      <dsp:nvSpPr>
+        <dsp:cNvPr id="0" name=""/>
+        <dsp:cNvSpPr/>
+      </dsp:nvSpPr>
+      <dsp:spPr>
+        <a:xfrm>
+          <a:off x="1209" y="3659670"/>
+          <a:ext cx="2269276" cy="1134638"/>
+        </a:xfrm>
+        <a:prstGeom prst="rect">
+          <a:avLst/>
+        </a:prstGeom>
+        <a:gradFill rotWithShape="0">
+          <a:gsLst>
+            <a:gs pos="0">
+              <a:schemeClr val="accent1">
+                <a:hueOff val="0"/>
+                <a:satOff val="0"/>
+                <a:lumOff val="0"/>
+                <a:alphaOff val="0"/>
+                <a:tint val="50000"/>
+                <a:satMod val="300000"/>
+              </a:schemeClr>
+            </a:gs>
+            <a:gs pos="35000">
+              <a:schemeClr val="accent1">
+                <a:hueOff val="0"/>
+                <a:satOff val="0"/>
+                <a:lumOff val="0"/>
+                <a:alphaOff val="0"/>
+                <a:tint val="37000"/>
+                <a:satMod val="300000"/>
+              </a:schemeClr>
+            </a:gs>
+            <a:gs pos="100000">
+              <a:schemeClr val="accent1">
+                <a:hueOff val="0"/>
+                <a:satOff val="0"/>
+                <a:lumOff val="0"/>
+                <a:alphaOff val="0"/>
+                <a:tint val="15000"/>
+                <a:satMod val="350000"/>
+              </a:schemeClr>
+            </a:gs>
+          </a:gsLst>
+          <a:lin ang="16200000" scaled="1"/>
+        </a:gradFill>
+        <a:ln>
+          <a:noFill/>
+        </a:ln>
+        <a:effectLst>
+          <a:outerShdw blurRad="40000" dist="20000" dir="5400000" rotWithShape="0">
+            <a:srgbClr val="000000">
+              <a:alpha val="38000"/>
+            </a:srgbClr>
+          </a:outerShdw>
+        </a:effectLst>
+        <a:scene3d>
+          <a:camera prst="orthographicFront"/>
+          <a:lightRig rig="flat" dir="t"/>
+        </a:scene3d>
+        <a:sp3d prstMaterial="dkEdge">
+          <a:bevelT w="8200" h="38100"/>
+        </a:sp3d>
+      </dsp:spPr>
+      <dsp:style>
+        <a:lnRef idx="0">
+          <a:scrgbClr r="0" g="0" b="0"/>
+        </a:lnRef>
+        <a:fillRef idx="2">
+          <a:scrgbClr r="0" g="0" b="0"/>
+        </a:fillRef>
+        <a:effectRef idx="1">
+          <a:scrgbClr r="0" g="0" b="0"/>
+        </a:effectRef>
+        <a:fontRef idx="minor">
+          <a:schemeClr val="dk1"/>
+        </a:fontRef>
+      </dsp:style>
+      <dsp:txBody>
+        <a:bodyPr spcFirstLastPara="0" vert="horz" wrap="square" lIns="19050" tIns="19050" rIns="19050" bIns="19050" numCol="1" spcCol="1270" anchor="ctr" anchorCtr="0">
+          <a:noAutofit/>
+        </a:bodyPr>
+        <a:lstStyle/>
+        <a:p>
+          <a:pPr marL="0" lvl="0" indent="0" algn="ctr" defTabSz="1333500">
+            <a:lnSpc>
+              <a:spcPct val="90000"/>
+            </a:lnSpc>
+            <a:spcBef>
+              <a:spcPct val="0"/>
+            </a:spcBef>
+            <a:spcAft>
+              <a:spcPct val="35000"/>
+            </a:spcAft>
+            <a:buNone/>
+          </a:pPr>
+          <a:r>
+            <a:rPr lang="en-US" sz="3000" kern="1200" dirty="0"/>
+            <a:t>GPS</a:t>
+          </a:r>
+          <a:endParaRPr lang="ru-RU" sz="3000" kern="1200" dirty="0"/>
+        </a:p>
+      </dsp:txBody>
+      <dsp:txXfrm>
+        <a:off x="1209" y="3659670"/>
+        <a:ext cx="2269276" cy="1134638"/>
+      </dsp:txXfrm>
+    </dsp:sp>
+    <dsp:sp modelId="{88804931-F984-417E-A3E8-8337185DB776}">
+      <dsp:nvSpPr>
+        <dsp:cNvPr id="0" name=""/>
+        <dsp:cNvSpPr/>
+      </dsp:nvSpPr>
+      <dsp:spPr>
+        <a:xfrm>
+          <a:off x="2747034" y="3659670"/>
+          <a:ext cx="2269276" cy="1134638"/>
+        </a:xfrm>
+        <a:prstGeom prst="rect">
+          <a:avLst/>
+        </a:prstGeom>
+        <a:gradFill rotWithShape="0">
+          <a:gsLst>
+            <a:gs pos="0">
+              <a:schemeClr val="accent1">
+                <a:hueOff val="0"/>
+                <a:satOff val="0"/>
+                <a:lumOff val="0"/>
+                <a:alphaOff val="0"/>
+                <a:tint val="50000"/>
+                <a:satMod val="300000"/>
+              </a:schemeClr>
+            </a:gs>
+            <a:gs pos="35000">
+              <a:schemeClr val="accent1">
+                <a:hueOff val="0"/>
+                <a:satOff val="0"/>
+                <a:lumOff val="0"/>
+                <a:alphaOff val="0"/>
+                <a:tint val="37000"/>
+                <a:satMod val="300000"/>
+              </a:schemeClr>
+            </a:gs>
+            <a:gs pos="100000">
+              <a:schemeClr val="accent1">
+                <a:hueOff val="0"/>
+                <a:satOff val="0"/>
+                <a:lumOff val="0"/>
+                <a:alphaOff val="0"/>
+                <a:tint val="15000"/>
+                <a:satMod val="350000"/>
+              </a:schemeClr>
+            </a:gs>
+          </a:gsLst>
+          <a:lin ang="16200000" scaled="1"/>
+        </a:gradFill>
+        <a:ln>
+          <a:noFill/>
+        </a:ln>
+        <a:effectLst>
+          <a:outerShdw blurRad="40000" dist="20000" dir="5400000" rotWithShape="0">
+            <a:srgbClr val="000000">
+              <a:alpha val="38000"/>
+            </a:srgbClr>
+          </a:outerShdw>
+        </a:effectLst>
+        <a:scene3d>
+          <a:camera prst="orthographicFront"/>
+          <a:lightRig rig="flat" dir="t"/>
+        </a:scene3d>
+        <a:sp3d prstMaterial="dkEdge">
+          <a:bevelT w="8200" h="38100"/>
+        </a:sp3d>
+      </dsp:spPr>
+      <dsp:style>
+        <a:lnRef idx="0">
+          <a:scrgbClr r="0" g="0" b="0"/>
+        </a:lnRef>
+        <a:fillRef idx="2">
+          <a:scrgbClr r="0" g="0" b="0"/>
+        </a:fillRef>
+        <a:effectRef idx="1">
+          <a:scrgbClr r="0" g="0" b="0"/>
+        </a:effectRef>
+        <a:fontRef idx="minor">
+          <a:schemeClr val="dk1"/>
+        </a:fontRef>
+      </dsp:style>
+      <dsp:txBody>
+        <a:bodyPr spcFirstLastPara="0" vert="horz" wrap="square" lIns="19050" tIns="19050" rIns="19050" bIns="19050" numCol="1" spcCol="1270" anchor="ctr" anchorCtr="0">
+          <a:noAutofit/>
+        </a:bodyPr>
+        <a:lstStyle/>
+        <a:p>
+          <a:pPr marL="0" lvl="0" indent="0" algn="ctr" defTabSz="1333500">
+            <a:lnSpc>
+              <a:spcPct val="90000"/>
+            </a:lnSpc>
+            <a:spcBef>
+              <a:spcPct val="0"/>
+            </a:spcBef>
+            <a:spcAft>
+              <a:spcPct val="35000"/>
+            </a:spcAft>
+            <a:buNone/>
+          </a:pPr>
+          <a:r>
+            <a:rPr lang="en-US" sz="3000" kern="1200" dirty="0"/>
+            <a:t>INS</a:t>
+          </a:r>
+          <a:endParaRPr lang="ru-RU" sz="3000" kern="1200" dirty="0"/>
+        </a:p>
+      </dsp:txBody>
+      <dsp:txXfrm>
+        <a:off x="2747034" y="3659670"/>
+        <a:ext cx="2269276" cy="1134638"/>
+      </dsp:txXfrm>
+    </dsp:sp>
+    <dsp:sp modelId="{8DD29B31-BEA7-4F27-A3BE-C07D1EF42A85}">
+      <dsp:nvSpPr>
+        <dsp:cNvPr id="0" name=""/>
+        <dsp:cNvSpPr/>
+      </dsp:nvSpPr>
+      <dsp:spPr>
+        <a:xfrm>
+          <a:off x="1209" y="2048484"/>
+          <a:ext cx="2269276" cy="1134638"/>
+        </a:xfrm>
+        <a:prstGeom prst="rect">
+          <a:avLst/>
+        </a:prstGeom>
+        <a:gradFill rotWithShape="0">
+          <a:gsLst>
+            <a:gs pos="0">
+              <a:schemeClr val="accent1">
+                <a:hueOff val="0"/>
+                <a:satOff val="0"/>
+                <a:lumOff val="0"/>
+                <a:alphaOff val="0"/>
+                <a:tint val="50000"/>
+                <a:satMod val="300000"/>
+              </a:schemeClr>
+            </a:gs>
+            <a:gs pos="35000">
+              <a:schemeClr val="accent1">
+                <a:hueOff val="0"/>
+                <a:satOff val="0"/>
+                <a:lumOff val="0"/>
+                <a:alphaOff val="0"/>
+                <a:tint val="37000"/>
+                <a:satMod val="300000"/>
+              </a:schemeClr>
+            </a:gs>
+            <a:gs pos="100000">
+              <a:schemeClr val="accent1">
+                <a:hueOff val="0"/>
+                <a:satOff val="0"/>
+                <a:lumOff val="0"/>
+                <a:alphaOff val="0"/>
+                <a:tint val="15000"/>
+                <a:satMod val="350000"/>
+              </a:schemeClr>
+            </a:gs>
+          </a:gsLst>
+          <a:lin ang="16200000" scaled="1"/>
+        </a:gradFill>
+        <a:ln>
+          <a:noFill/>
+        </a:ln>
+        <a:effectLst>
+          <a:outerShdw blurRad="40000" dist="20000" dir="5400000" rotWithShape="0">
+            <a:srgbClr val="000000">
+              <a:alpha val="38000"/>
+            </a:srgbClr>
+          </a:outerShdw>
+        </a:effectLst>
+        <a:scene3d>
+          <a:camera prst="orthographicFront"/>
+          <a:lightRig rig="flat" dir="t"/>
+        </a:scene3d>
+        <a:sp3d prstMaterial="dkEdge">
+          <a:bevelT w="8200" h="38100"/>
+        </a:sp3d>
+      </dsp:spPr>
+      <dsp:style>
+        <a:lnRef idx="0">
+          <a:scrgbClr r="0" g="0" b="0"/>
+        </a:lnRef>
+        <a:fillRef idx="2">
+          <a:scrgbClr r="0" g="0" b="0"/>
+        </a:fillRef>
+        <a:effectRef idx="1">
+          <a:scrgbClr r="0" g="0" b="0"/>
+        </a:effectRef>
+        <a:fontRef idx="minor">
+          <a:schemeClr val="dk1"/>
+        </a:fontRef>
+      </dsp:style>
+      <dsp:txBody>
+        <a:bodyPr spcFirstLastPara="0" vert="horz" wrap="square" lIns="19050" tIns="19050" rIns="19050" bIns="19050" numCol="1" spcCol="1270" anchor="ctr" anchorCtr="0">
+          <a:noAutofit/>
+        </a:bodyPr>
+        <a:lstStyle/>
+        <a:p>
+          <a:pPr marL="0" lvl="0" indent="0" algn="ctr" defTabSz="1333500">
+            <a:lnSpc>
+              <a:spcPct val="90000"/>
+            </a:lnSpc>
+            <a:spcBef>
+              <a:spcPct val="0"/>
+            </a:spcBef>
+            <a:spcAft>
+              <a:spcPct val="35000"/>
+            </a:spcAft>
+            <a:buNone/>
+          </a:pPr>
+          <a:r>
+            <a:rPr lang="en-US" sz="3000" kern="1200" dirty="0"/>
+            <a:t>GSM</a:t>
+          </a:r>
+          <a:endParaRPr lang="ru-RU" sz="3000" kern="1200" dirty="0"/>
+        </a:p>
+      </dsp:txBody>
+      <dsp:txXfrm>
+        <a:off x="1209" y="2048484"/>
+        <a:ext cx="2269276" cy="1134638"/>
+      </dsp:txXfrm>
+    </dsp:sp>
+    <dsp:sp modelId="{5411C1A5-4033-4EA5-96C0-8F9E583877F8}">
+      <dsp:nvSpPr>
+        <dsp:cNvPr id="0" name=""/>
+        <dsp:cNvSpPr/>
+      </dsp:nvSpPr>
+      <dsp:spPr>
+        <a:xfrm>
+          <a:off x="2747034" y="2048484"/>
+          <a:ext cx="2269276" cy="1134638"/>
+        </a:xfrm>
+        <a:prstGeom prst="rect">
+          <a:avLst/>
+        </a:prstGeom>
+        <a:gradFill rotWithShape="0">
+          <a:gsLst>
+            <a:gs pos="0">
+              <a:schemeClr val="accent1">
+                <a:hueOff val="0"/>
+                <a:satOff val="0"/>
+                <a:lumOff val="0"/>
+                <a:alphaOff val="0"/>
+                <a:tint val="50000"/>
+                <a:satMod val="300000"/>
+              </a:schemeClr>
+            </a:gs>
+            <a:gs pos="35000">
+              <a:schemeClr val="accent1">
+                <a:hueOff val="0"/>
+                <a:satOff val="0"/>
+                <a:lumOff val="0"/>
+                <a:alphaOff val="0"/>
+                <a:tint val="37000"/>
+                <a:satMod val="300000"/>
+              </a:schemeClr>
+            </a:gs>
+            <a:gs pos="100000">
+              <a:schemeClr val="accent1">
+                <a:hueOff val="0"/>
+                <a:satOff val="0"/>
+                <a:lumOff val="0"/>
+                <a:alphaOff val="0"/>
+                <a:tint val="15000"/>
+                <a:satMod val="350000"/>
+              </a:schemeClr>
+            </a:gs>
+          </a:gsLst>
+          <a:lin ang="16200000" scaled="1"/>
+        </a:gradFill>
+        <a:ln>
+          <a:noFill/>
+        </a:ln>
+        <a:effectLst>
+          <a:outerShdw blurRad="40000" dist="20000" dir="5400000" rotWithShape="0">
+            <a:srgbClr val="000000">
+              <a:alpha val="38000"/>
+            </a:srgbClr>
+          </a:outerShdw>
+        </a:effectLst>
+        <a:scene3d>
+          <a:camera prst="orthographicFront"/>
+          <a:lightRig rig="flat" dir="t"/>
+        </a:scene3d>
+        <a:sp3d prstMaterial="dkEdge">
+          <a:bevelT w="8200" h="38100"/>
+        </a:sp3d>
+      </dsp:spPr>
+      <dsp:style>
+        <a:lnRef idx="0">
+          <a:scrgbClr r="0" g="0" b="0"/>
+        </a:lnRef>
+        <a:fillRef idx="2">
+          <a:scrgbClr r="0" g="0" b="0"/>
+        </a:fillRef>
+        <a:effectRef idx="1">
+          <a:scrgbClr r="0" g="0" b="0"/>
+        </a:effectRef>
+        <a:fontRef idx="minor">
+          <a:schemeClr val="dk1"/>
+        </a:fontRef>
+      </dsp:style>
+      <dsp:txBody>
+        <a:bodyPr spcFirstLastPara="0" vert="horz" wrap="square" lIns="19050" tIns="19050" rIns="19050" bIns="19050" numCol="1" spcCol="1270" anchor="ctr" anchorCtr="0">
+          <a:noAutofit/>
+        </a:bodyPr>
+        <a:lstStyle/>
+        <a:p>
+          <a:pPr marL="0" lvl="0" indent="0" algn="ctr" defTabSz="1333500">
+            <a:lnSpc>
+              <a:spcPct val="90000"/>
+            </a:lnSpc>
+            <a:spcBef>
+              <a:spcPct val="0"/>
+            </a:spcBef>
+            <a:spcAft>
+              <a:spcPct val="35000"/>
+            </a:spcAft>
+            <a:buFont typeface="+mj-lt"/>
+            <a:buNone/>
+          </a:pPr>
+          <a:r>
+            <a:rPr lang="en-US" sz="3000" kern="1200" dirty="0"/>
+            <a:t>Bluetooth/Wi-Fi</a:t>
+          </a:r>
+          <a:endParaRPr lang="ru-RU" sz="3000" kern="1200" dirty="0"/>
+        </a:p>
+      </dsp:txBody>
+      <dsp:txXfrm>
+        <a:off x="2747034" y="2048484"/>
+        <a:ext cx="2269276" cy="1134638"/>
+      </dsp:txXfrm>
+    </dsp:sp>
+  </dsp:spTree>
+</dsp:drawing>
+</file>
+
 <file path=ppt/diagrams/layout1.xml><?xml version="1.0" encoding="utf-8"?>
 <dgm:layoutDef xmlns:dgm="http://schemas.openxmlformats.org/drawingml/2006/diagram" xmlns:a="http://schemas.openxmlformats.org/drawingml/2006/main" uniqueId="urn:microsoft.com/office/officeart/2005/8/layout/default">
   <dgm:title val=""/>
@@ -1425,6 +3431,1152 @@
 </dgm:layoutDef>
 </file>
 
+<file path=ppt/diagrams/layout2.xml><?xml version="1.0" encoding="utf-8"?>
+<dgm:layoutDef xmlns:dgm="http://schemas.openxmlformats.org/drawingml/2006/diagram" xmlns:a="http://schemas.openxmlformats.org/drawingml/2006/main" uniqueId="urn:microsoft.com/office/officeart/2005/8/layout/orgChart1">
+  <dgm:title val=""/>
+  <dgm:desc val=""/>
+  <dgm:catLst>
+    <dgm:cat type="hierarchy" pri="1000"/>
+    <dgm:cat type="convert" pri="6000"/>
+  </dgm:catLst>
+  <dgm:sampData>
+    <dgm:dataModel>
+      <dgm:ptLst>
+        <dgm:pt modelId="0" type="doc"/>
+        <dgm:pt modelId="1">
+          <dgm:prSet phldr="1"/>
+        </dgm:pt>
+        <dgm:pt modelId="2" type="asst">
+          <dgm:prSet phldr="1"/>
+        </dgm:pt>
+        <dgm:pt modelId="3">
+          <dgm:prSet phldr="1"/>
+        </dgm:pt>
+        <dgm:pt modelId="4">
+          <dgm:prSet phldr="1"/>
+        </dgm:pt>
+        <dgm:pt modelId="5">
+          <dgm:prSet phldr="1"/>
+        </dgm:pt>
+      </dgm:ptLst>
+      <dgm:cxnLst>
+        <dgm:cxn modelId="5" srcId="0" destId="1" srcOrd="0" destOrd="0"/>
+        <dgm:cxn modelId="6" srcId="1" destId="2" srcOrd="0" destOrd="0"/>
+        <dgm:cxn modelId="7" srcId="1" destId="3" srcOrd="1" destOrd="0"/>
+        <dgm:cxn modelId="8" srcId="1" destId="4" srcOrd="2" destOrd="0"/>
+        <dgm:cxn modelId="9" srcId="1" destId="5" srcOrd="3" destOrd="0"/>
+      </dgm:cxnLst>
+      <dgm:bg/>
+      <dgm:whole/>
+    </dgm:dataModel>
+  </dgm:sampData>
+  <dgm:styleData>
+    <dgm:dataModel>
+      <dgm:ptLst>
+        <dgm:pt modelId="0" type="doc"/>
+        <dgm:pt modelId="1"/>
+        <dgm:pt modelId="12"/>
+        <dgm:pt modelId="13"/>
+      </dgm:ptLst>
+      <dgm:cxnLst>
+        <dgm:cxn modelId="2" srcId="0" destId="1" srcOrd="0" destOrd="0"/>
+        <dgm:cxn modelId="16" srcId="1" destId="12" srcOrd="1" destOrd="0"/>
+        <dgm:cxn modelId="17" srcId="1" destId="13" srcOrd="2" destOrd="0"/>
+      </dgm:cxnLst>
+      <dgm:bg/>
+      <dgm:whole/>
+    </dgm:dataModel>
+  </dgm:styleData>
+  <dgm:clrData>
+    <dgm:dataModel>
+      <dgm:ptLst>
+        <dgm:pt modelId="0" type="doc"/>
+        <dgm:pt modelId="1"/>
+        <dgm:pt modelId="11" type="asst"/>
+        <dgm:pt modelId="12"/>
+        <dgm:pt modelId="13"/>
+        <dgm:pt modelId="14"/>
+      </dgm:ptLst>
+      <dgm:cxnLst>
+        <dgm:cxn modelId="2" srcId="0" destId="1" srcOrd="0" destOrd="0"/>
+        <dgm:cxn modelId="15" srcId="1" destId="11" srcOrd="0" destOrd="0"/>
+        <dgm:cxn modelId="16" srcId="1" destId="12" srcOrd="1" destOrd="0"/>
+        <dgm:cxn modelId="17" srcId="1" destId="13" srcOrd="2" destOrd="0"/>
+        <dgm:cxn modelId="18" srcId="1" destId="14" srcOrd="2" destOrd="0"/>
+      </dgm:cxnLst>
+      <dgm:bg/>
+      <dgm:whole/>
+    </dgm:dataModel>
+  </dgm:clrData>
+  <dgm:layoutNode name="hierChild1">
+    <dgm:varLst>
+      <dgm:orgChart val="1"/>
+      <dgm:chPref val="1"/>
+      <dgm:dir/>
+      <dgm:animOne val="branch"/>
+      <dgm:animLvl val="lvl"/>
+      <dgm:resizeHandles/>
+    </dgm:varLst>
+    <dgm:choose name="Name0">
+      <dgm:if name="Name1" func="var" arg="dir" op="equ" val="norm">
+        <dgm:alg type="hierChild">
+          <dgm:param type="linDir" val="fromL"/>
+        </dgm:alg>
+      </dgm:if>
+      <dgm:else name="Name2">
+        <dgm:alg type="hierChild">
+          <dgm:param type="linDir" val="fromR"/>
+        </dgm:alg>
+      </dgm:else>
+    </dgm:choose>
+    <dgm:shape xmlns:r="http://schemas.openxmlformats.org/officeDocument/2006/relationships" r:blip="">
+      <dgm:adjLst/>
+    </dgm:shape>
+    <dgm:presOf/>
+    <dgm:constrLst>
+      <dgm:constr type="w" for="des" forName="rootComposite1" refType="w" fact="10"/>
+      <dgm:constr type="h" for="des" forName="rootComposite1" refType="w" refFor="des" refForName="rootComposite1" fact="0.5"/>
+      <dgm:constr type="w" for="des" forName="rootComposite" refType="w" fact="10"/>
+      <dgm:constr type="h" for="des" forName="rootComposite" refType="w" refFor="des" refForName="rootComposite1" fact="0.5"/>
+      <dgm:constr type="w" for="des" forName="rootComposite3" refType="w" fact="10"/>
+      <dgm:constr type="h" for="des" forName="rootComposite3" refType="w" refFor="des" refForName="rootComposite1" fact="0.5"/>
+      <dgm:constr type="primFontSz" for="des" ptType="node" op="equ"/>
+      <dgm:constr type="sp" for="des" op="equ"/>
+      <dgm:constr type="sp" for="des" forName="hierRoot1" refType="w" refFor="des" refForName="rootComposite1" fact="0.21"/>
+      <dgm:constr type="sp" for="des" forName="hierRoot2" refType="sp" refFor="des" refForName="hierRoot1"/>
+      <dgm:constr type="sp" for="des" forName="hierRoot3" refType="sp" refFor="des" refForName="hierRoot1"/>
+      <dgm:constr type="sibSp" refType="w" refFor="des" refForName="rootComposite1" fact="0.21"/>
+      <dgm:constr type="sibSp" for="des" forName="hierChild2" refType="sibSp"/>
+      <dgm:constr type="sibSp" for="des" forName="hierChild3" refType="sibSp"/>
+      <dgm:constr type="sibSp" for="des" forName="hierChild4" refType="sibSp"/>
+      <dgm:constr type="sibSp" for="des" forName="hierChild5" refType="sibSp"/>
+      <dgm:constr type="sibSp" for="des" forName="hierChild6" refType="sibSp"/>
+      <dgm:constr type="sibSp" for="des" forName="hierChild7" refType="sibSp"/>
+      <dgm:constr type="secSibSp" refType="w" refFor="des" refForName="rootComposite1" fact="0.21"/>
+      <dgm:constr type="secSibSp" for="des" forName="hierChild2" refType="secSibSp"/>
+      <dgm:constr type="secSibSp" for="des" forName="hierChild3" refType="secSibSp"/>
+      <dgm:constr type="secSibSp" for="des" forName="hierChild4" refType="secSibSp"/>
+      <dgm:constr type="secSibSp" for="des" forName="hierChild5" refType="secSibSp"/>
+      <dgm:constr type="secSibSp" for="des" forName="hierChild6" refType="secSibSp"/>
+      <dgm:constr type="secSibSp" for="des" forName="hierChild7" refType="secSibSp"/>
+    </dgm:constrLst>
+    <dgm:ruleLst/>
+    <dgm:forEach name="Name3" axis="ch">
+      <dgm:forEach name="Name4" axis="self" ptType="node">
+        <dgm:layoutNode name="hierRoot1">
+          <dgm:varLst>
+            <dgm:hierBranch val="init"/>
+          </dgm:varLst>
+          <dgm:choose name="Name5">
+            <dgm:if name="Name6" func="var" arg="hierBranch" op="equ" val="l">
+              <dgm:choose name="Name7">
+                <dgm:if name="Name8" axis="ch" ptType="asst" func="cnt" op="gte" val="1">
+                  <dgm:alg type="hierRoot">
+                    <dgm:param type="hierAlign" val="tR"/>
+                  </dgm:alg>
+                  <dgm:constrLst>
+                    <dgm:constr type="alignOff" val="0.65"/>
+                  </dgm:constrLst>
+                </dgm:if>
+                <dgm:else name="Name9">
+                  <dgm:alg type="hierRoot">
+                    <dgm:param type="hierAlign" val="tR"/>
+                  </dgm:alg>
+                  <dgm:constrLst>
+                    <dgm:constr type="alignOff" val="0.25"/>
+                  </dgm:constrLst>
+                </dgm:else>
+              </dgm:choose>
+            </dgm:if>
+            <dgm:if name="Name10" func="var" arg="hierBranch" op="equ" val="r">
+              <dgm:choose name="Name11">
+                <dgm:if name="Name12" axis="ch" ptType="asst" func="cnt" op="gte" val="1">
+                  <dgm:alg type="hierRoot">
+                    <dgm:param type="hierAlign" val="tL"/>
+                  </dgm:alg>
+                  <dgm:constrLst>
+                    <dgm:constr type="alignOff" val="0.65"/>
+                  </dgm:constrLst>
+                </dgm:if>
+                <dgm:else name="Name13">
+                  <dgm:alg type="hierRoot">
+                    <dgm:param type="hierAlign" val="tL"/>
+                  </dgm:alg>
+                  <dgm:constrLst>
+                    <dgm:constr type="alignOff" val="0.25"/>
+                  </dgm:constrLst>
+                </dgm:else>
+              </dgm:choose>
+            </dgm:if>
+            <dgm:if name="Name14" func="var" arg="hierBranch" op="equ" val="hang">
+              <dgm:alg type="hierRoot"/>
+              <dgm:constrLst>
+                <dgm:constr type="alignOff" val="0.65"/>
+              </dgm:constrLst>
+            </dgm:if>
+            <dgm:else name="Name15">
+              <dgm:alg type="hierRoot"/>
+              <dgm:constrLst>
+                <dgm:constr type="alignOff"/>
+                <dgm:constr type="bendDist" for="des" ptType="parTrans" refType="sp" fact="0.5"/>
+              </dgm:constrLst>
+            </dgm:else>
+          </dgm:choose>
+          <dgm:shape xmlns:r="http://schemas.openxmlformats.org/officeDocument/2006/relationships" r:blip="">
+            <dgm:adjLst/>
+          </dgm:shape>
+          <dgm:presOf/>
+          <dgm:ruleLst/>
+          <dgm:layoutNode name="rootComposite1">
+            <dgm:alg type="composite"/>
+            <dgm:shape xmlns:r="http://schemas.openxmlformats.org/officeDocument/2006/relationships" r:blip="">
+              <dgm:adjLst/>
+            </dgm:shape>
+            <dgm:presOf axis="self" ptType="node" cnt="1"/>
+            <dgm:choose name="Name16">
+              <dgm:if name="Name17" func="var" arg="hierBranch" op="equ" val="init">
+                <dgm:constrLst>
+                  <dgm:constr type="l" for="ch" forName="rootText1"/>
+                  <dgm:constr type="t" for="ch" forName="rootText1"/>
+                  <dgm:constr type="w" for="ch" forName="rootText1" refType="w"/>
+                  <dgm:constr type="h" for="ch" forName="rootText1" refType="h"/>
+                  <dgm:constr type="l" for="ch" forName="rootConnector1"/>
+                  <dgm:constr type="t" for="ch" forName="rootConnector1"/>
+                  <dgm:constr type="w" for="ch" forName="rootConnector1" refType="w" refFor="ch" refForName="rootText1" fact="0.2"/>
+                  <dgm:constr type="h" for="ch" forName="rootConnector1" refType="h" refFor="ch" refForName="rootText1"/>
+                </dgm:constrLst>
+              </dgm:if>
+              <dgm:if name="Name18" func="var" arg="hierBranch" op="equ" val="l">
+                <dgm:constrLst>
+                  <dgm:constr type="l" for="ch" forName="rootText1"/>
+                  <dgm:constr type="t" for="ch" forName="rootText1"/>
+                  <dgm:constr type="w" for="ch" forName="rootText1" refType="w"/>
+                  <dgm:constr type="h" for="ch" forName="rootText1" refType="h"/>
+                  <dgm:constr type="r" for="ch" forName="rootConnector1" refType="w"/>
+                  <dgm:constr type="t" for="ch" forName="rootConnector1"/>
+                  <dgm:constr type="w" for="ch" forName="rootConnector1" refType="w" refFor="ch" refForName="rootText1" fact="0.2"/>
+                  <dgm:constr type="h" for="ch" forName="rootConnector1" refType="h" refFor="ch" refForName="rootText1"/>
+                </dgm:constrLst>
+              </dgm:if>
+              <dgm:if name="Name19" func="var" arg="hierBranch" op="equ" val="r">
+                <dgm:constrLst>
+                  <dgm:constr type="l" for="ch" forName="rootText1"/>
+                  <dgm:constr type="t" for="ch" forName="rootText1"/>
+                  <dgm:constr type="w" for="ch" forName="rootText1" refType="w"/>
+                  <dgm:constr type="h" for="ch" forName="rootText1" refType="h"/>
+                  <dgm:constr type="l" for="ch" forName="rootConnector1"/>
+                  <dgm:constr type="t" for="ch" forName="rootConnector1"/>
+                  <dgm:constr type="w" for="ch" forName="rootConnector1" refType="w" refFor="ch" refForName="rootText1" fact="0.2"/>
+                  <dgm:constr type="h" for="ch" forName="rootConnector1" refType="h" refFor="ch" refForName="rootText1"/>
+                </dgm:constrLst>
+              </dgm:if>
+              <dgm:else name="Name20">
+                <dgm:constrLst>
+                  <dgm:constr type="l" for="ch" forName="rootText1"/>
+                  <dgm:constr type="t" for="ch" forName="rootText1"/>
+                  <dgm:constr type="w" for="ch" forName="rootText1" refType="w"/>
+                  <dgm:constr type="h" for="ch" forName="rootText1" refType="h"/>
+                  <dgm:constr type="r" for="ch" forName="rootConnector1" refType="w"/>
+                  <dgm:constr type="t" for="ch" forName="rootConnector1"/>
+                  <dgm:constr type="w" for="ch" forName="rootConnector1" refType="w" refFor="ch" refForName="rootText1" fact="0.2"/>
+                  <dgm:constr type="h" for="ch" forName="rootConnector1" refType="h" refFor="ch" refForName="rootText1"/>
+                </dgm:constrLst>
+              </dgm:else>
+            </dgm:choose>
+            <dgm:ruleLst/>
+            <dgm:layoutNode name="rootText1" styleLbl="node0">
+              <dgm:varLst>
+                <dgm:chPref val="3"/>
+              </dgm:varLst>
+              <dgm:alg type="tx"/>
+              <dgm:shape xmlns:r="http://schemas.openxmlformats.org/officeDocument/2006/relationships" type="rect" r:blip="">
+                <dgm:adjLst/>
+              </dgm:shape>
+              <dgm:presOf axis="self" ptType="node" cnt="1"/>
+              <dgm:constrLst>
+                <dgm:constr type="primFontSz" val="65"/>
+                <dgm:constr type="lMarg" refType="primFontSz" fact="0.05"/>
+                <dgm:constr type="rMarg" refType="primFontSz" fact="0.05"/>
+                <dgm:constr type="tMarg" refType="primFontSz" fact="0.05"/>
+                <dgm:constr type="bMarg" refType="primFontSz" fact="0.05"/>
+              </dgm:constrLst>
+              <dgm:ruleLst>
+                <dgm:rule type="primFontSz" val="5" fact="NaN" max="NaN"/>
+              </dgm:ruleLst>
+            </dgm:layoutNode>
+            <dgm:layoutNode name="rootConnector1" moveWith="rootText1">
+              <dgm:alg type="sp"/>
+              <dgm:shape xmlns:r="http://schemas.openxmlformats.org/officeDocument/2006/relationships" type="rect" r:blip="" hideGeom="1">
+                <dgm:adjLst/>
+              </dgm:shape>
+              <dgm:presOf axis="self" ptType="node" cnt="1"/>
+              <dgm:constrLst/>
+              <dgm:ruleLst/>
+            </dgm:layoutNode>
+          </dgm:layoutNode>
+          <dgm:layoutNode name="hierChild2">
+            <dgm:choose name="Name21">
+              <dgm:if name="Name22" func="var" arg="hierBranch" op="equ" val="l">
+                <dgm:alg type="hierChild">
+                  <dgm:param type="chAlign" val="r"/>
+                  <dgm:param type="linDir" val="fromT"/>
+                </dgm:alg>
+              </dgm:if>
+              <dgm:if name="Name23" func="var" arg="hierBranch" op="equ" val="r">
+                <dgm:alg type="hierChild">
+                  <dgm:param type="chAlign" val="l"/>
+                  <dgm:param type="linDir" val="fromT"/>
+                </dgm:alg>
+              </dgm:if>
+              <dgm:if name="Name24" func="var" arg="hierBranch" op="equ" val="hang">
+                <dgm:choose name="Name25">
+                  <dgm:if name="Name26" func="var" arg="dir" op="equ" val="norm">
+                    <dgm:alg type="hierChild">
+                      <dgm:param type="chAlign" val="l"/>
+                      <dgm:param type="linDir" val="fromL"/>
+                      <dgm:param type="secChAlign" val="t"/>
+                      <dgm:param type="secLinDir" val="fromT"/>
+                    </dgm:alg>
+                  </dgm:if>
+                  <dgm:else name="Name27">
+                    <dgm:alg type="hierChild">
+                      <dgm:param type="chAlign" val="l"/>
+                      <dgm:param type="linDir" val="fromR"/>
+                      <dgm:param type="secChAlign" val="t"/>
+                      <dgm:param type="secLinDir" val="fromT"/>
+                    </dgm:alg>
+                  </dgm:else>
+                </dgm:choose>
+              </dgm:if>
+              <dgm:else name="Name28">
+                <dgm:choose name="Name29">
+                  <dgm:if name="Name30" func="var" arg="dir" op="equ" val="norm">
+                    <dgm:alg type="hierChild"/>
+                  </dgm:if>
+                  <dgm:else name="Name31">
+                    <dgm:alg type="hierChild">
+                      <dgm:param type="linDir" val="fromR"/>
+                    </dgm:alg>
+                  </dgm:else>
+                </dgm:choose>
+              </dgm:else>
+            </dgm:choose>
+            <dgm:shape xmlns:r="http://schemas.openxmlformats.org/officeDocument/2006/relationships" r:blip="">
+              <dgm:adjLst/>
+            </dgm:shape>
+            <dgm:presOf/>
+            <dgm:constrLst/>
+            <dgm:ruleLst/>
+            <dgm:forEach name="rep2a" axis="ch" ptType="nonAsst">
+              <dgm:forEach name="Name32" axis="precedSib" ptType="parTrans" st="-1" cnt="1">
+                <dgm:choose name="Name33">
+                  <dgm:if name="Name34" func="var" arg="hierBranch" op="equ" val="std">
+                    <dgm:layoutNode name="Name35">
+                      <dgm:alg type="conn">
+                        <dgm:param type="connRout" val="bend"/>
+                        <dgm:param type="dim" val="1D"/>
+                        <dgm:param type="endSty" val="noArr"/>
+                        <dgm:param type="begPts" val="bCtr"/>
+                        <dgm:param type="endPts" val="tCtr"/>
+                        <dgm:param type="bendPt" val="end"/>
+                      </dgm:alg>
+                      <dgm:shape xmlns:r="http://schemas.openxmlformats.org/officeDocument/2006/relationships" type="conn" r:blip="" zOrderOff="-99999">
+                        <dgm:adjLst/>
+                      </dgm:shape>
+                      <dgm:presOf axis="self"/>
+                      <dgm:constrLst>
+                        <dgm:constr type="begPad"/>
+                        <dgm:constr type="endPad"/>
+                      </dgm:constrLst>
+                      <dgm:ruleLst/>
+                    </dgm:layoutNode>
+                  </dgm:if>
+                  <dgm:if name="Name36" func="var" arg="hierBranch" op="equ" val="init">
+                    <dgm:layoutNode name="Name37">
+                      <dgm:choose name="Name38">
+                        <dgm:if name="Name39" axis="self" func="depth" op="lte" val="2">
+                          <dgm:alg type="conn">
+                            <dgm:param type="connRout" val="bend"/>
+                            <dgm:param type="dim" val="1D"/>
+                            <dgm:param type="endSty" val="noArr"/>
+                            <dgm:param type="begPts" val="bCtr"/>
+                            <dgm:param type="endPts" val="tCtr"/>
+                            <dgm:param type="bendPt" val="end"/>
+                          </dgm:alg>
+                        </dgm:if>
+                        <dgm:else name="Name40">
+                          <dgm:choose name="Name41">
+                            <dgm:if name="Name42" axis="par des" func="maxDepth" op="lte" val="1">
+                              <dgm:choose name="Name43">
+                                <dgm:if name="Name44" axis="par ch" ptType="node asst" func="cnt" op="gte" val="1">
+                                  <dgm:alg type="conn">
+                                    <dgm:param type="connRout" val="bend"/>
+                                    <dgm:param type="dim" val="1D"/>
+                                    <dgm:param type="endSty" val="noArr"/>
+                                    <dgm:param type="begPts" val="bCtr"/>
+                                    <dgm:param type="endPts" val="midL midR"/>
+                                  </dgm:alg>
+                                </dgm:if>
+                                <dgm:else name="Name45">
+                                  <dgm:alg type="conn">
+                                    <dgm:param type="connRout" val="bend"/>
+                                    <dgm:param type="dim" val="1D"/>
+                                    <dgm:param type="endSty" val="noArr"/>
+                                    <dgm:param type="begPts" val="bCtr"/>
+                                    <dgm:param type="endPts" val="midL midR"/>
+                                    <dgm:param type="srcNode" val="rootConnector"/>
+                                  </dgm:alg>
+                                </dgm:else>
+                              </dgm:choose>
+                            </dgm:if>
+                            <dgm:else name="Name46">
+                              <dgm:alg type="conn">
+                                <dgm:param type="connRout" val="bend"/>
+                                <dgm:param type="dim" val="1D"/>
+                                <dgm:param type="endSty" val="noArr"/>
+                                <dgm:param type="begPts" val="bCtr"/>
+                                <dgm:param type="endPts" val="tCtr"/>
+                                <dgm:param type="bendPt" val="end"/>
+                              </dgm:alg>
+                            </dgm:else>
+                          </dgm:choose>
+                        </dgm:else>
+                      </dgm:choose>
+                      <dgm:shape xmlns:r="http://schemas.openxmlformats.org/officeDocument/2006/relationships" type="conn" r:blip="" zOrderOff="-99999">
+                        <dgm:adjLst/>
+                      </dgm:shape>
+                      <dgm:presOf axis="self"/>
+                      <dgm:constrLst>
+                        <dgm:constr type="begPad"/>
+                        <dgm:constr type="endPad"/>
+                      </dgm:constrLst>
+                      <dgm:ruleLst/>
+                    </dgm:layoutNode>
+                  </dgm:if>
+                  <dgm:if name="Name47" func="var" arg="hierBranch" op="equ" val="hang">
+                    <dgm:layoutNode name="Name48">
+                      <dgm:alg type="conn">
+                        <dgm:param type="connRout" val="bend"/>
+                        <dgm:param type="dim" val="1D"/>
+                        <dgm:param type="endSty" val="noArr"/>
+                        <dgm:param type="begPts" val="bCtr"/>
+                        <dgm:param type="endPts" val="midL midR"/>
+                      </dgm:alg>
+                      <dgm:shape xmlns:r="http://schemas.openxmlformats.org/officeDocument/2006/relationships" type="conn" r:blip="" zOrderOff="-99999">
+                        <dgm:adjLst/>
+                      </dgm:shape>
+                      <dgm:presOf axis="self"/>
+                      <dgm:constrLst>
+                        <dgm:constr type="begPad"/>
+                        <dgm:constr type="endPad"/>
+                      </dgm:constrLst>
+                      <dgm:ruleLst/>
+                    </dgm:layoutNode>
+                  </dgm:if>
+                  <dgm:else name="Name49">
+                    <dgm:layoutNode name="Name50">
+                      <dgm:choose name="Name51">
+                        <dgm:if name="Name52" axis="self" func="depth" op="lte" val="2">
+                          <dgm:choose name="Name53">
+                            <dgm:if name="Name54" axis="par ch" ptType="node asst" func="cnt" op="gte" val="1">
+                              <dgm:alg type="conn">
+                                <dgm:param type="connRout" val="bend"/>
+                                <dgm:param type="dim" val="1D"/>
+                                <dgm:param type="endSty" val="noArr"/>
+                                <dgm:param type="begPts" val="bCtr"/>
+                                <dgm:param type="endPts" val="midL midR"/>
+                              </dgm:alg>
+                            </dgm:if>
+                            <dgm:else name="Name55">
+                              <dgm:alg type="conn">
+                                <dgm:param type="connRout" val="bend"/>
+                                <dgm:param type="dim" val="1D"/>
+                                <dgm:param type="endSty" val="noArr"/>
+                                <dgm:param type="begPts" val="bCtr"/>
+                                <dgm:param type="endPts" val="midL midR"/>
+                                <dgm:param type="srcNode" val="rootConnector1"/>
+                              </dgm:alg>
+                            </dgm:else>
+                          </dgm:choose>
+                        </dgm:if>
+                        <dgm:else name="Name56">
+                          <dgm:choose name="Name57">
+                            <dgm:if name="Name58" axis="par ch" ptType="node asst" func="cnt" op="gte" val="1">
+                              <dgm:alg type="conn">
+                                <dgm:param type="connRout" val="bend"/>
+                                <dgm:param type="dim" val="1D"/>
+                                <dgm:param type="endSty" val="noArr"/>
+                                <dgm:param type="begPts" val="bCtr"/>
+                                <dgm:param type="endPts" val="midL midR"/>
+                              </dgm:alg>
+                            </dgm:if>
+                            <dgm:else name="Name59">
+                              <dgm:alg type="conn">
+                                <dgm:param type="connRout" val="bend"/>
+                                <dgm:param type="dim" val="1D"/>
+                                <dgm:param type="endSty" val="noArr"/>
+                                <dgm:param type="begPts" val="bCtr"/>
+                                <dgm:param type="endPts" val="midL midR"/>
+                                <dgm:param type="srcNode" val="rootConnector"/>
+                              </dgm:alg>
+                            </dgm:else>
+                          </dgm:choose>
+                        </dgm:else>
+                      </dgm:choose>
+                      <dgm:shape xmlns:r="http://schemas.openxmlformats.org/officeDocument/2006/relationships" type="conn" r:blip="" zOrderOff="-99999">
+                        <dgm:adjLst/>
+                      </dgm:shape>
+                      <dgm:presOf axis="self"/>
+                      <dgm:constrLst>
+                        <dgm:constr type="begPad"/>
+                        <dgm:constr type="endPad"/>
+                      </dgm:constrLst>
+                      <dgm:ruleLst/>
+                    </dgm:layoutNode>
+                  </dgm:else>
+                </dgm:choose>
+              </dgm:forEach>
+              <dgm:layoutNode name="hierRoot2">
+                <dgm:varLst>
+                  <dgm:hierBranch val="init"/>
+                </dgm:varLst>
+                <dgm:choose name="Name60">
+                  <dgm:if name="Name61" func="var" arg="hierBranch" op="equ" val="l">
+                    <dgm:choose name="Name62">
+                      <dgm:if name="Name63" axis="ch" ptType="asst" func="cnt" op="gte" val="1">
+                        <dgm:alg type="hierRoot">
+                          <dgm:param type="hierAlign" val="tR"/>
+                        </dgm:alg>
+                        <dgm:shape xmlns:r="http://schemas.openxmlformats.org/officeDocument/2006/relationships" r:blip="">
+                          <dgm:adjLst/>
+                        </dgm:shape>
+                        <dgm:presOf/>
+                        <dgm:constrLst>
+                          <dgm:constr type="alignOff" val="0.65"/>
+                        </dgm:constrLst>
+                      </dgm:if>
+                      <dgm:else name="Name64">
+                        <dgm:alg type="hierRoot">
+                          <dgm:param type="hierAlign" val="tR"/>
+                        </dgm:alg>
+                        <dgm:shape xmlns:r="http://schemas.openxmlformats.org/officeDocument/2006/relationships" r:blip="">
+                          <dgm:adjLst/>
+                        </dgm:shape>
+                        <dgm:presOf/>
+                        <dgm:constrLst>
+                          <dgm:constr type="alignOff" val="0.25"/>
+                        </dgm:constrLst>
+                      </dgm:else>
+                    </dgm:choose>
+                  </dgm:if>
+                  <dgm:if name="Name65" func="var" arg="hierBranch" op="equ" val="r">
+                    <dgm:choose name="Name66">
+                      <dgm:if name="Name67" axis="ch" ptType="asst" func="cnt" op="gte" val="1">
+                        <dgm:alg type="hierRoot">
+                          <dgm:param type="hierAlign" val="tL"/>
+                        </dgm:alg>
+                        <dgm:shape xmlns:r="http://schemas.openxmlformats.org/officeDocument/2006/relationships" r:blip="">
+                          <dgm:adjLst/>
+                        </dgm:shape>
+                        <dgm:presOf/>
+                        <dgm:constrLst>
+                          <dgm:constr type="alignOff" val="0.65"/>
+                        </dgm:constrLst>
+                      </dgm:if>
+                      <dgm:else name="Name68">
+                        <dgm:alg type="hierRoot">
+                          <dgm:param type="hierAlign" val="tL"/>
+                        </dgm:alg>
+                        <dgm:shape xmlns:r="http://schemas.openxmlformats.org/officeDocument/2006/relationships" r:blip="">
+                          <dgm:adjLst/>
+                        </dgm:shape>
+                        <dgm:presOf/>
+                        <dgm:constrLst>
+                          <dgm:constr type="alignOff" val="0.25"/>
+                        </dgm:constrLst>
+                      </dgm:else>
+                    </dgm:choose>
+                  </dgm:if>
+                  <dgm:if name="Name69" func="var" arg="hierBranch" op="equ" val="std">
+                    <dgm:alg type="hierRoot"/>
+                    <dgm:shape xmlns:r="http://schemas.openxmlformats.org/officeDocument/2006/relationships" r:blip="">
+                      <dgm:adjLst/>
+                    </dgm:shape>
+                    <dgm:presOf/>
+                    <dgm:constrLst>
+                      <dgm:constr type="alignOff"/>
+                      <dgm:constr type="bendDist" for="des" ptType="parTrans" refType="sp" fact="0.5"/>
+                    </dgm:constrLst>
+                  </dgm:if>
+                  <dgm:if name="Name70" func="var" arg="hierBranch" op="equ" val="init">
+                    <dgm:choose name="Name71">
+                      <dgm:if name="Name72" axis="des" func="maxDepth" op="lte" val="1">
+                        <dgm:choose name="Name73">
+                          <dgm:if name="Name74" axis="ch" ptType="asst" func="cnt" op="gte" val="1">
+                            <dgm:alg type="hierRoot">
+                              <dgm:param type="hierAlign" val="tL"/>
+                            </dgm:alg>
+                            <dgm:shape xmlns:r="http://schemas.openxmlformats.org/officeDocument/2006/relationships" r:blip="">
+                              <dgm:adjLst/>
+                            </dgm:shape>
+                            <dgm:presOf/>
+                            <dgm:constrLst>
+                              <dgm:constr type="alignOff" val="0.65"/>
+                            </dgm:constrLst>
+                          </dgm:if>
+                          <dgm:else name="Name75">
+                            <dgm:alg type="hierRoot">
+                              <dgm:param type="hierAlign" val="tL"/>
+                            </dgm:alg>
+                            <dgm:shape xmlns:r="http://schemas.openxmlformats.org/officeDocument/2006/relationships" r:blip="">
+                              <dgm:adjLst/>
+                            </dgm:shape>
+                            <dgm:presOf/>
+                            <dgm:constrLst>
+                              <dgm:constr type="alignOff" val="0.25"/>
+                            </dgm:constrLst>
+                          </dgm:else>
+                        </dgm:choose>
+                      </dgm:if>
+                      <dgm:else name="Name76">
+                        <dgm:alg type="hierRoot"/>
+                        <dgm:shape xmlns:r="http://schemas.openxmlformats.org/officeDocument/2006/relationships" r:blip="">
+                          <dgm:adjLst/>
+                        </dgm:shape>
+                        <dgm:presOf/>
+                        <dgm:constrLst>
+                          <dgm:constr type="alignOff"/>
+                          <dgm:constr type="bendDist" for="des" ptType="parTrans" refType="sp" fact="0.5"/>
+                        </dgm:constrLst>
+                      </dgm:else>
+                    </dgm:choose>
+                  </dgm:if>
+                  <dgm:else name="Name77">
+                    <dgm:alg type="hierRoot"/>
+                    <dgm:shape xmlns:r="http://schemas.openxmlformats.org/officeDocument/2006/relationships" r:blip="">
+                      <dgm:adjLst/>
+                    </dgm:shape>
+                    <dgm:presOf/>
+                    <dgm:constrLst>
+                      <dgm:constr type="alignOff" val="0.65"/>
+                    </dgm:constrLst>
+                  </dgm:else>
+                </dgm:choose>
+                <dgm:ruleLst/>
+                <dgm:layoutNode name="rootComposite">
+                  <dgm:alg type="composite"/>
+                  <dgm:shape xmlns:r="http://schemas.openxmlformats.org/officeDocument/2006/relationships" r:blip="">
+                    <dgm:adjLst/>
+                  </dgm:shape>
+                  <dgm:presOf axis="self" ptType="node" cnt="1"/>
+                  <dgm:choose name="Name78">
+                    <dgm:if name="Name79" func="var" arg="hierBranch" op="equ" val="init">
+                      <dgm:constrLst>
+                        <dgm:constr type="l" for="ch" forName="rootText"/>
+                        <dgm:constr type="t" for="ch" forName="rootText"/>
+                        <dgm:constr type="w" for="ch" forName="rootText" refType="w"/>
+                        <dgm:constr type="h" for="ch" forName="rootText" refType="h"/>
+                        <dgm:constr type="l" for="ch" forName="rootConnector"/>
+                        <dgm:constr type="t" for="ch" forName="rootConnector"/>
+                        <dgm:constr type="w" for="ch" forName="rootConnector" refType="w" refFor="ch" refForName="rootText" fact="0.2"/>
+                        <dgm:constr type="h" for="ch" forName="rootConnector" refType="h" refFor="ch" refForName="rootText"/>
+                      </dgm:constrLst>
+                    </dgm:if>
+                    <dgm:if name="Name80" func="var" arg="hierBranch" op="equ" val="l">
+                      <dgm:constrLst>
+                        <dgm:constr type="l" for="ch" forName="rootText"/>
+                        <dgm:constr type="t" for="ch" forName="rootText"/>
+                        <dgm:constr type="w" for="ch" forName="rootText" refType="w"/>
+                        <dgm:constr type="h" for="ch" forName="rootText" refType="h"/>
+                        <dgm:constr type="r" for="ch" forName="rootConnector" refType="w"/>
+                        <dgm:constr type="t" for="ch" forName="rootConnector"/>
+                        <dgm:constr type="w" for="ch" forName="rootConnector" refType="w" refFor="ch" refForName="rootText" fact="0.2"/>
+                        <dgm:constr type="h" for="ch" forName="rootConnector" refType="h" refFor="ch" refForName="rootText"/>
+                      </dgm:constrLst>
+                    </dgm:if>
+                    <dgm:if name="Name81" func="var" arg="hierBranch" op="equ" val="r">
+                      <dgm:constrLst>
+                        <dgm:constr type="l" for="ch" forName="rootText"/>
+                        <dgm:constr type="t" for="ch" forName="rootText"/>
+                        <dgm:constr type="w" for="ch" forName="rootText" refType="w"/>
+                        <dgm:constr type="h" for="ch" forName="rootText" refType="h"/>
+                        <dgm:constr type="l" for="ch" forName="rootConnector"/>
+                        <dgm:constr type="t" for="ch" forName="rootConnector"/>
+                        <dgm:constr type="w" for="ch" forName="rootConnector" refType="w" refFor="ch" refForName="rootText" fact="0.2"/>
+                        <dgm:constr type="h" for="ch" forName="rootConnector" refType="h" refFor="ch" refForName="rootText"/>
+                      </dgm:constrLst>
+                    </dgm:if>
+                    <dgm:else name="Name82">
+                      <dgm:constrLst>
+                        <dgm:constr type="l" for="ch" forName="rootText"/>
+                        <dgm:constr type="t" for="ch" forName="rootText"/>
+                        <dgm:constr type="w" for="ch" forName="rootText" refType="w"/>
+                        <dgm:constr type="h" for="ch" forName="rootText" refType="h"/>
+                        <dgm:constr type="r" for="ch" forName="rootConnector" refType="w"/>
+                        <dgm:constr type="t" for="ch" forName="rootConnector"/>
+                        <dgm:constr type="w" for="ch" forName="rootConnector" refType="w" refFor="ch" refForName="rootText" fact="0.2"/>
+                        <dgm:constr type="h" for="ch" forName="rootConnector" refType="h" refFor="ch" refForName="rootText"/>
+                      </dgm:constrLst>
+                    </dgm:else>
+                  </dgm:choose>
+                  <dgm:ruleLst/>
+                  <dgm:layoutNode name="rootText">
+                    <dgm:varLst>
+                      <dgm:chPref val="3"/>
+                    </dgm:varLst>
+                    <dgm:alg type="tx"/>
+                    <dgm:shape xmlns:r="http://schemas.openxmlformats.org/officeDocument/2006/relationships" type="rect" r:blip="">
+                      <dgm:adjLst/>
+                    </dgm:shape>
+                    <dgm:presOf axis="self" ptType="node" cnt="1"/>
+                    <dgm:constrLst>
+                      <dgm:constr type="primFontSz" val="65"/>
+                      <dgm:constr type="lMarg" refType="primFontSz" fact="0.05"/>
+                      <dgm:constr type="rMarg" refType="primFontSz" fact="0.05"/>
+                      <dgm:constr type="tMarg" refType="primFontSz" fact="0.05"/>
+                      <dgm:constr type="bMarg" refType="primFontSz" fact="0.05"/>
+                    </dgm:constrLst>
+                    <dgm:ruleLst>
+                      <dgm:rule type="primFontSz" val="5" fact="NaN" max="NaN"/>
+                    </dgm:ruleLst>
+                  </dgm:layoutNode>
+                  <dgm:layoutNode name="rootConnector" moveWith="rootText">
+                    <dgm:alg type="sp"/>
+                    <dgm:shape xmlns:r="http://schemas.openxmlformats.org/officeDocument/2006/relationships" type="rect" r:blip="" hideGeom="1">
+                      <dgm:adjLst/>
+                    </dgm:shape>
+                    <dgm:presOf axis="self" ptType="node" cnt="1"/>
+                    <dgm:constrLst/>
+                    <dgm:ruleLst/>
+                  </dgm:layoutNode>
+                </dgm:layoutNode>
+                <dgm:layoutNode name="hierChild4">
+                  <dgm:choose name="Name83">
+                    <dgm:if name="Name84" func="var" arg="hierBranch" op="equ" val="l">
+                      <dgm:alg type="hierChild">
+                        <dgm:param type="chAlign" val="r"/>
+                        <dgm:param type="linDir" val="fromT"/>
+                      </dgm:alg>
+                    </dgm:if>
+                    <dgm:if name="Name85" func="var" arg="hierBranch" op="equ" val="r">
+                      <dgm:alg type="hierChild">
+                        <dgm:param type="chAlign" val="l"/>
+                        <dgm:param type="linDir" val="fromT"/>
+                      </dgm:alg>
+                    </dgm:if>
+                    <dgm:if name="Name86" func="var" arg="hierBranch" op="equ" val="hang">
+                      <dgm:choose name="Name87">
+                        <dgm:if name="Name88" func="var" arg="dir" op="equ" val="norm">
+                          <dgm:alg type="hierChild">
+                            <dgm:param type="chAlign" val="l"/>
+                            <dgm:param type="linDir" val="fromL"/>
+                            <dgm:param type="secChAlign" val="t"/>
+                            <dgm:param type="secLinDir" val="fromT"/>
+                          </dgm:alg>
+                        </dgm:if>
+                        <dgm:else name="Name89">
+                          <dgm:alg type="hierChild">
+                            <dgm:param type="chAlign" val="l"/>
+                            <dgm:param type="linDir" val="fromR"/>
+                            <dgm:param type="secChAlign" val="t"/>
+                            <dgm:param type="secLinDir" val="fromT"/>
+                          </dgm:alg>
+                        </dgm:else>
+                      </dgm:choose>
+                    </dgm:if>
+                    <dgm:if name="Name90" func="var" arg="hierBranch" op="equ" val="std">
+                      <dgm:choose name="Name91">
+                        <dgm:if name="Name92" func="var" arg="dir" op="equ" val="norm">
+                          <dgm:alg type="hierChild"/>
+                        </dgm:if>
+                        <dgm:else name="Name93">
+                          <dgm:alg type="hierChild">
+                            <dgm:param type="linDir" val="fromR"/>
+                          </dgm:alg>
+                        </dgm:else>
+                      </dgm:choose>
+                    </dgm:if>
+                    <dgm:if name="Name94" func="var" arg="hierBranch" op="equ" val="init">
+                      <dgm:choose name="Name95">
+                        <dgm:if name="Name96" axis="des" func="maxDepth" op="lte" val="1">
+                          <dgm:alg type="hierChild">
+                            <dgm:param type="chAlign" val="l"/>
+                            <dgm:param type="linDir" val="fromT"/>
+                          </dgm:alg>
+                        </dgm:if>
+                        <dgm:else name="Name97">
+                          <dgm:choose name="Name98">
+                            <dgm:if name="Name99" func="var" arg="dir" op="equ" val="norm">
+                              <dgm:alg type="hierChild"/>
+                            </dgm:if>
+                            <dgm:else name="Name100">
+                              <dgm:alg type="hierChild">
+                                <dgm:param type="linDir" val="fromR"/>
+                              </dgm:alg>
+                            </dgm:else>
+                          </dgm:choose>
+                        </dgm:else>
+                      </dgm:choose>
+                    </dgm:if>
+                    <dgm:else name="Name101"/>
+                  </dgm:choose>
+                  <dgm:shape xmlns:r="http://schemas.openxmlformats.org/officeDocument/2006/relationships" r:blip="">
+                    <dgm:adjLst/>
+                  </dgm:shape>
+                  <dgm:presOf/>
+                  <dgm:constrLst/>
+                  <dgm:ruleLst/>
+                  <dgm:forEach name="Name102" ref="rep2a"/>
+                </dgm:layoutNode>
+                <dgm:layoutNode name="hierChild5">
+                  <dgm:choose name="Name103">
+                    <dgm:if name="Name104" func="var" arg="dir" op="equ" val="norm">
+                      <dgm:alg type="hierChild">
+                        <dgm:param type="chAlign" val="l"/>
+                        <dgm:param type="linDir" val="fromL"/>
+                        <dgm:param type="secChAlign" val="t"/>
+                        <dgm:param type="secLinDir" val="fromT"/>
+                      </dgm:alg>
+                    </dgm:if>
+                    <dgm:else name="Name105">
+                      <dgm:alg type="hierChild">
+                        <dgm:param type="chAlign" val="l"/>
+                        <dgm:param type="linDir" val="fromR"/>
+                        <dgm:param type="secChAlign" val="t"/>
+                        <dgm:param type="secLinDir" val="fromT"/>
+                      </dgm:alg>
+                    </dgm:else>
+                  </dgm:choose>
+                  <dgm:shape xmlns:r="http://schemas.openxmlformats.org/officeDocument/2006/relationships" r:blip="">
+                    <dgm:adjLst/>
+                  </dgm:shape>
+                  <dgm:presOf/>
+                  <dgm:constrLst/>
+                  <dgm:ruleLst/>
+                  <dgm:forEach name="Name106" ref="rep2b"/>
+                </dgm:layoutNode>
+              </dgm:layoutNode>
+            </dgm:forEach>
+          </dgm:layoutNode>
+          <dgm:layoutNode name="hierChild3">
+            <dgm:choose name="Name107">
+              <dgm:if name="Name108" func="var" arg="dir" op="equ" val="norm">
+                <dgm:alg type="hierChild">
+                  <dgm:param type="chAlign" val="l"/>
+                  <dgm:param type="linDir" val="fromL"/>
+                  <dgm:param type="secChAlign" val="t"/>
+                  <dgm:param type="secLinDir" val="fromT"/>
+                </dgm:alg>
+              </dgm:if>
+              <dgm:else name="Name109">
+                <dgm:alg type="hierChild">
+                  <dgm:param type="chAlign" val="l"/>
+                  <dgm:param type="linDir" val="fromR"/>
+                  <dgm:param type="secChAlign" val="t"/>
+                  <dgm:param type="secLinDir" val="fromT"/>
+                </dgm:alg>
+              </dgm:else>
+            </dgm:choose>
+            <dgm:shape xmlns:r="http://schemas.openxmlformats.org/officeDocument/2006/relationships" r:blip="">
+              <dgm:adjLst/>
+            </dgm:shape>
+            <dgm:presOf/>
+            <dgm:constrLst/>
+            <dgm:ruleLst/>
+            <dgm:forEach name="rep2b" axis="ch" ptType="asst">
+              <dgm:forEach name="Name110" axis="precedSib" ptType="parTrans" st="-1" cnt="1">
+                <dgm:layoutNode name="Name111">
+                  <dgm:alg type="conn">
+                    <dgm:param type="connRout" val="bend"/>
+                    <dgm:param type="dim" val="1D"/>
+                    <dgm:param type="endSty" val="noArr"/>
+                    <dgm:param type="begPts" val="bCtr"/>
+                    <dgm:param type="endPts" val="midL midR"/>
+                  </dgm:alg>
+                  <dgm:shape xmlns:r="http://schemas.openxmlformats.org/officeDocument/2006/relationships" type="conn" r:blip="" zOrderOff="-99999">
+                    <dgm:adjLst/>
+                  </dgm:shape>
+                  <dgm:presOf axis="self"/>
+                  <dgm:constrLst>
+                    <dgm:constr type="begPad"/>
+                    <dgm:constr type="endPad"/>
+                  </dgm:constrLst>
+                  <dgm:ruleLst/>
+                </dgm:layoutNode>
+              </dgm:forEach>
+              <dgm:layoutNode name="hierRoot3">
+                <dgm:varLst>
+                  <dgm:hierBranch val="init"/>
+                </dgm:varLst>
+                <dgm:choose name="Name112">
+                  <dgm:if name="Name113" func="var" arg="hierBranch" op="equ" val="l">
+                    <dgm:alg type="hierRoot">
+                      <dgm:param type="hierAlign" val="tR"/>
+                    </dgm:alg>
+                    <dgm:shape xmlns:r="http://schemas.openxmlformats.org/officeDocument/2006/relationships" r:blip="">
+                      <dgm:adjLst/>
+                    </dgm:shape>
+                    <dgm:presOf/>
+                    <dgm:constrLst>
+                      <dgm:constr type="alignOff" val="0.65"/>
+                    </dgm:constrLst>
+                  </dgm:if>
+                  <dgm:if name="Name114" func="var" arg="hierBranch" op="equ" val="r">
+                    <dgm:alg type="hierRoot">
+                      <dgm:param type="hierAlign" val="tL"/>
+                    </dgm:alg>
+                    <dgm:shape xmlns:r="http://schemas.openxmlformats.org/officeDocument/2006/relationships" r:blip="">
+                      <dgm:adjLst/>
+                    </dgm:shape>
+                    <dgm:presOf/>
+                    <dgm:constrLst>
+                      <dgm:constr type="alignOff" val="0.65"/>
+                    </dgm:constrLst>
+                  </dgm:if>
+                  <dgm:if name="Name115" func="var" arg="hierBranch" op="equ" val="hang">
+                    <dgm:alg type="hierRoot"/>
+                    <dgm:shape xmlns:r="http://schemas.openxmlformats.org/officeDocument/2006/relationships" r:blip="">
+                      <dgm:adjLst/>
+                    </dgm:shape>
+                    <dgm:presOf/>
+                    <dgm:constrLst>
+                      <dgm:constr type="alignOff" val="0.65"/>
+                    </dgm:constrLst>
+                  </dgm:if>
+                  <dgm:if name="Name116" func="var" arg="hierBranch" op="equ" val="std">
+                    <dgm:alg type="hierRoot"/>
+                    <dgm:shape xmlns:r="http://schemas.openxmlformats.org/officeDocument/2006/relationships" r:blip="">
+                      <dgm:adjLst/>
+                    </dgm:shape>
+                    <dgm:presOf/>
+                    <dgm:constrLst>
+                      <dgm:constr type="alignOff"/>
+                      <dgm:constr type="bendDist" for="des" ptType="parTrans" refType="sp" fact="0.5"/>
+                    </dgm:constrLst>
+                  </dgm:if>
+                  <dgm:if name="Name117" func="var" arg="hierBranch" op="equ" val="init">
+                    <dgm:choose name="Name118">
+                      <dgm:if name="Name119" axis="des" func="maxDepth" op="lte" val="1">
+                        <dgm:alg type="hierRoot">
+                          <dgm:param type="hierAlign" val="tL"/>
+                        </dgm:alg>
+                        <dgm:shape xmlns:r="http://schemas.openxmlformats.org/officeDocument/2006/relationships" r:blip="">
+                          <dgm:adjLst/>
+                        </dgm:shape>
+                        <dgm:presOf/>
+                        <dgm:constrLst>
+                          <dgm:constr type="alignOff" val="0.65"/>
+                        </dgm:constrLst>
+                      </dgm:if>
+                      <dgm:else name="Name120">
+                        <dgm:alg type="hierRoot"/>
+                        <dgm:shape xmlns:r="http://schemas.openxmlformats.org/officeDocument/2006/relationships" r:blip="">
+                          <dgm:adjLst/>
+                        </dgm:shape>
+                        <dgm:presOf/>
+                        <dgm:constrLst>
+                          <dgm:constr type="alignOff"/>
+                          <dgm:constr type="bendDist" for="des" ptType="parTrans" refType="sp" fact="0.5"/>
+                        </dgm:constrLst>
+                      </dgm:else>
+                    </dgm:choose>
+                  </dgm:if>
+                  <dgm:else name="Name121"/>
+                </dgm:choose>
+                <dgm:ruleLst/>
+                <dgm:layoutNode name="rootComposite3">
+                  <dgm:alg type="composite"/>
+                  <dgm:shape xmlns:r="http://schemas.openxmlformats.org/officeDocument/2006/relationships" r:blip="">
+                    <dgm:adjLst/>
+                  </dgm:shape>
+                  <dgm:presOf axis="self" ptType="node" cnt="1"/>
+                  <dgm:choose name="Name122">
+                    <dgm:if name="Name123" func="var" arg="hierBranch" op="equ" val="init">
+                      <dgm:constrLst>
+                        <dgm:constr type="l" for="ch" forName="rootText3"/>
+                        <dgm:constr type="t" for="ch" forName="rootText3"/>
+                        <dgm:constr type="w" for="ch" forName="rootText3" refType="w"/>
+                        <dgm:constr type="h" for="ch" forName="rootText3" refType="h"/>
+                        <dgm:constr type="l" for="ch" forName="rootConnector3"/>
+                        <dgm:constr type="t" for="ch" forName="rootConnector3"/>
+                        <dgm:constr type="w" for="ch" forName="rootConnector3" refType="w" refFor="ch" refForName="rootText3" fact="0.2"/>
+                        <dgm:constr type="h" for="ch" forName="rootConnector3" refType="h" refFor="ch" refForName="rootText3"/>
+                      </dgm:constrLst>
+                    </dgm:if>
+                    <dgm:if name="Name124" func="var" arg="hierBranch" op="equ" val="l">
+                      <dgm:constrLst>
+                        <dgm:constr type="l" for="ch" forName="rootText3"/>
+                        <dgm:constr type="t" for="ch" forName="rootText3"/>
+                        <dgm:constr type="w" for="ch" forName="rootText3" refType="w"/>
+                        <dgm:constr type="h" for="ch" forName="rootText3" refType="h"/>
+                        <dgm:constr type="r" for="ch" forName="rootConnector3" refType="w"/>
+                        <dgm:constr type="t" for="ch" forName="rootConnector3"/>
+                        <dgm:constr type="w" for="ch" forName="rootConnector3" refType="w" refFor="ch" refForName="rootText3" fact="0.2"/>
+                        <dgm:constr type="h" for="ch" forName="rootConnector3" refType="h" refFor="ch" refForName="rootText3"/>
+                      </dgm:constrLst>
+                    </dgm:if>
+                    <dgm:if name="Name125" func="var" arg="hierBranch" op="equ" val="r">
+                      <dgm:constrLst>
+                        <dgm:constr type="l" for="ch" forName="rootText3"/>
+                        <dgm:constr type="t" for="ch" forName="rootText3"/>
+                        <dgm:constr type="w" for="ch" forName="rootText3" refType="w"/>
+                        <dgm:constr type="h" for="ch" forName="rootText3" refType="h"/>
+                        <dgm:constr type="l" for="ch" forName="rootConnector3"/>
+                        <dgm:constr type="t" for="ch" forName="rootConnector3"/>
+                        <dgm:constr type="w" for="ch" forName="rootConnector3" refType="w" refFor="ch" refForName="rootText3" fact="0.2"/>
+                        <dgm:constr type="h" for="ch" forName="rootConnector3" refType="h" refFor="ch" refForName="rootText3"/>
+                      </dgm:constrLst>
+                    </dgm:if>
+                    <dgm:else name="Name126">
+                      <dgm:constrLst>
+                        <dgm:constr type="l" for="ch" forName="rootText3"/>
+                        <dgm:constr type="t" for="ch" forName="rootText3"/>
+                        <dgm:constr type="w" for="ch" forName="rootText3" refType="w"/>
+                        <dgm:constr type="h" for="ch" forName="rootText3" refType="h"/>
+                        <dgm:constr type="r" for="ch" forName="rootConnector3" refType="w"/>
+                        <dgm:constr type="t" for="ch" forName="rootConnector3"/>
+                        <dgm:constr type="w" for="ch" forName="rootConnector3" refType="w" refFor="ch" refForName="rootText3" fact="0.2"/>
+                        <dgm:constr type="h" for="ch" forName="rootConnector3" refType="h" refFor="ch" refForName="rootText3"/>
+                      </dgm:constrLst>
+                    </dgm:else>
+                  </dgm:choose>
+                  <dgm:ruleLst/>
+                  <dgm:layoutNode name="rootText3">
+                    <dgm:varLst>
+                      <dgm:chPref val="3"/>
+                    </dgm:varLst>
+                    <dgm:alg type="tx"/>
+                    <dgm:shape xmlns:r="http://schemas.openxmlformats.org/officeDocument/2006/relationships" type="rect" r:blip="">
+                      <dgm:adjLst/>
+                    </dgm:shape>
+                    <dgm:presOf axis="self" ptType="node" cnt="1"/>
+                    <dgm:constrLst>
+                      <dgm:constr type="primFontSz" val="65"/>
+                      <dgm:constr type="lMarg" refType="primFontSz" fact="0.05"/>
+                      <dgm:constr type="rMarg" refType="primFontSz" fact="0.05"/>
+                      <dgm:constr type="tMarg" refType="primFontSz" fact="0.05"/>
+                      <dgm:constr type="bMarg" refType="primFontSz" fact="0.05"/>
+                    </dgm:constrLst>
+                    <dgm:ruleLst>
+                      <dgm:rule type="primFontSz" val="5" fact="NaN" max="NaN"/>
+                    </dgm:ruleLst>
+                  </dgm:layoutNode>
+                  <dgm:layoutNode name="rootConnector3" moveWith="rootText1">
+                    <dgm:alg type="sp"/>
+                    <dgm:shape xmlns:r="http://schemas.openxmlformats.org/officeDocument/2006/relationships" type="rect" r:blip="" hideGeom="1">
+                      <dgm:adjLst/>
+                    </dgm:shape>
+                    <dgm:presOf axis="self" ptType="node" cnt="1"/>
+                    <dgm:constrLst/>
+                    <dgm:ruleLst/>
+                  </dgm:layoutNode>
+                </dgm:layoutNode>
+                <dgm:layoutNode name="hierChild6">
+                  <dgm:choose name="Name127">
+                    <dgm:if name="Name128" func="var" arg="hierBranch" op="equ" val="l">
+                      <dgm:alg type="hierChild">
+                        <dgm:param type="chAlign" val="r"/>
+                        <dgm:param type="linDir" val="fromT"/>
+                      </dgm:alg>
+                    </dgm:if>
+                    <dgm:if name="Name129" func="var" arg="hierBranch" op="equ" val="r">
+                      <dgm:alg type="hierChild">
+                        <dgm:param type="chAlign" val="l"/>
+                        <dgm:param type="linDir" val="fromT"/>
+                      </dgm:alg>
+                    </dgm:if>
+                    <dgm:if name="Name130" func="var" arg="hierBranch" op="equ" val="hang">
+                      <dgm:choose name="Name131">
+                        <dgm:if name="Name132" func="var" arg="dir" op="equ" val="norm">
+                          <dgm:alg type="hierChild">
+                            <dgm:param type="chAlign" val="l"/>
+                            <dgm:param type="linDir" val="fromL"/>
+                            <dgm:param type="secChAlign" val="t"/>
+                            <dgm:param type="secLinDir" val="fromT"/>
+                          </dgm:alg>
+                        </dgm:if>
+                        <dgm:else name="Name133">
+                          <dgm:alg type="hierChild">
+                            <dgm:param type="chAlign" val="l"/>
+                            <dgm:param type="linDir" val="fromR"/>
+                            <dgm:param type="secChAlign" val="t"/>
+                            <dgm:param type="secLinDir" val="fromT"/>
+                          </dgm:alg>
+                        </dgm:else>
+                      </dgm:choose>
+                    </dgm:if>
+                    <dgm:if name="Name134" func="var" arg="hierBranch" op="equ" val="std">
+                      <dgm:choose name="Name135">
+                        <dgm:if name="Name136" func="var" arg="dir" op="equ" val="norm">
+                          <dgm:alg type="hierChild"/>
+                        </dgm:if>
+                        <dgm:else name="Name137">
+                          <dgm:alg type="hierChild">
+                            <dgm:param type="linDir" val="fromR"/>
+                          </dgm:alg>
+                        </dgm:else>
+                      </dgm:choose>
+                    </dgm:if>
+                    <dgm:if name="Name138" func="var" arg="hierBranch" op="equ" val="init">
+                      <dgm:choose name="Name139">
+                        <dgm:if name="Name140" axis="des" func="maxDepth" op="lte" val="1">
+                          <dgm:alg type="hierChild">
+                            <dgm:param type="chAlign" val="l"/>
+                            <dgm:param type="linDir" val="fromT"/>
+                          </dgm:alg>
+                        </dgm:if>
+                        <dgm:else name="Name141">
+                          <dgm:alg type="hierChild"/>
+                        </dgm:else>
+                      </dgm:choose>
+                    </dgm:if>
+                    <dgm:else name="Name142"/>
+                  </dgm:choose>
+                  <dgm:shape xmlns:r="http://schemas.openxmlformats.org/officeDocument/2006/relationships" r:blip="">
+                    <dgm:adjLst/>
+                  </dgm:shape>
+                  <dgm:presOf/>
+                  <dgm:constrLst/>
+                  <dgm:ruleLst/>
+                  <dgm:forEach name="Name143" ref="rep2a"/>
+                </dgm:layoutNode>
+                <dgm:layoutNode name="hierChild7">
+                  <dgm:choose name="Name144">
+                    <dgm:if name="Name145" func="var" arg="dir" op="equ" val="norm">
+                      <dgm:alg type="hierChild">
+                        <dgm:param type="chAlign" val="l"/>
+                        <dgm:param type="linDir" val="fromL"/>
+                        <dgm:param type="secChAlign" val="t"/>
+                        <dgm:param type="secLinDir" val="fromT"/>
+                      </dgm:alg>
+                    </dgm:if>
+                    <dgm:else name="Name146">
+                      <dgm:alg type="hierChild">
+                        <dgm:param type="chAlign" val="l"/>
+                        <dgm:param type="linDir" val="fromR"/>
+                        <dgm:param type="secChAlign" val="t"/>
+                        <dgm:param type="secLinDir" val="fromT"/>
+                      </dgm:alg>
+                    </dgm:else>
+                  </dgm:choose>
+                  <dgm:shape xmlns:r="http://schemas.openxmlformats.org/officeDocument/2006/relationships" r:blip="">
+                    <dgm:adjLst/>
+                  </dgm:shape>
+                  <dgm:presOf/>
+                  <dgm:constrLst/>
+                  <dgm:ruleLst/>
+                  <dgm:forEach name="Name147" ref="rep2b"/>
+                </dgm:layoutNode>
+              </dgm:layoutNode>
+            </dgm:forEach>
+          </dgm:layoutNode>
+        </dgm:layoutNode>
+      </dgm:forEach>
+    </dgm:forEach>
+  </dgm:layoutNode>
+</dgm:layoutDef>
+</file>
+
 <file path=ppt/diagrams/quickStyle1.xml><?xml version="1.0" encoding="utf-8"?>
 <dgm:styleDef xmlns:dgm="http://schemas.openxmlformats.org/drawingml/2006/diagram" xmlns:a="http://schemas.openxmlformats.org/drawingml/2006/main" uniqueId="urn:microsoft.com/office/officeart/2005/8/quickstyle/simple1">
   <dgm:title val=""/>
@@ -2431,6 +5583,1066 @@
         <a:scrgbClr r="0" g="0" b="0"/>
       </a:fillRef>
       <a:effectRef idx="0">
+        <a:scrgbClr r="0" g="0" b="0"/>
+      </a:effectRef>
+      <a:fontRef idx="minor"/>
+    </dgm:style>
+  </dgm:styleLbl>
+  <dgm:styleLbl name="revTx">
+    <dgm:scene3d>
+      <a:camera prst="orthographicFront"/>
+      <a:lightRig rig="threePt" dir="t"/>
+    </dgm:scene3d>
+    <dgm:sp3d/>
+    <dgm:txPr/>
+    <dgm:style>
+      <a:lnRef idx="0">
+        <a:scrgbClr r="0" g="0" b="0"/>
+      </a:lnRef>
+      <a:fillRef idx="0">
+        <a:scrgbClr r="0" g="0" b="0"/>
+      </a:fillRef>
+      <a:effectRef idx="0">
+        <a:scrgbClr r="0" g="0" b="0"/>
+      </a:effectRef>
+      <a:fontRef idx="minor"/>
+    </dgm:style>
+  </dgm:styleLbl>
+</dgm:styleDef>
+</file>
+
+<file path=ppt/diagrams/quickStyle2.xml><?xml version="1.0" encoding="utf-8"?>
+<dgm:styleDef xmlns:dgm="http://schemas.openxmlformats.org/drawingml/2006/diagram" xmlns:a="http://schemas.openxmlformats.org/drawingml/2006/main" uniqueId="urn:microsoft.com/office/officeart/2005/8/quickstyle/simple3">
+  <dgm:title val=""/>
+  <dgm:desc val=""/>
+  <dgm:catLst>
+    <dgm:cat type="simple" pri="10300"/>
+  </dgm:catLst>
+  <dgm:scene3d>
+    <a:camera prst="orthographicFront"/>
+    <a:lightRig rig="threePt" dir="t"/>
+  </dgm:scene3d>
+  <dgm:styleLbl name="node0">
+    <dgm:scene3d>
+      <a:camera prst="orthographicFront"/>
+      <a:lightRig rig="flat" dir="t"/>
+    </dgm:scene3d>
+    <dgm:sp3d prstMaterial="dkEdge">
+      <a:bevelT w="8200" h="38100"/>
+    </dgm:sp3d>
+    <dgm:txPr/>
+    <dgm:style>
+      <a:lnRef idx="0">
+        <a:scrgbClr r="0" g="0" b="0"/>
+      </a:lnRef>
+      <a:fillRef idx="2">
+        <a:scrgbClr r="0" g="0" b="0"/>
+      </a:fillRef>
+      <a:effectRef idx="1">
+        <a:scrgbClr r="0" g="0" b="0"/>
+      </a:effectRef>
+      <a:fontRef idx="minor">
+        <a:schemeClr val="dk1"/>
+      </a:fontRef>
+    </dgm:style>
+  </dgm:styleLbl>
+  <dgm:styleLbl name="lnNode1">
+    <dgm:scene3d>
+      <a:camera prst="orthographicFront"/>
+      <a:lightRig rig="flat" dir="t"/>
+    </dgm:scene3d>
+    <dgm:sp3d prstMaterial="dkEdge">
+      <a:bevelT w="8200" h="38100"/>
+    </dgm:sp3d>
+    <dgm:txPr/>
+    <dgm:style>
+      <a:lnRef idx="1">
+        <a:scrgbClr r="0" g="0" b="0"/>
+      </a:lnRef>
+      <a:fillRef idx="2">
+        <a:scrgbClr r="0" g="0" b="0"/>
+      </a:fillRef>
+      <a:effectRef idx="0">
+        <a:scrgbClr r="0" g="0" b="0"/>
+      </a:effectRef>
+      <a:fontRef idx="minor">
+        <a:schemeClr val="dk1"/>
+      </a:fontRef>
+    </dgm:style>
+  </dgm:styleLbl>
+  <dgm:styleLbl name="vennNode1">
+    <dgm:scene3d>
+      <a:camera prst="orthographicFront"/>
+      <a:lightRig rig="flat" dir="t"/>
+    </dgm:scene3d>
+    <dgm:sp3d prstMaterial="dkEdge">
+      <a:bevelT w="8200" h="38100"/>
+    </dgm:sp3d>
+    <dgm:txPr/>
+    <dgm:style>
+      <a:lnRef idx="0">
+        <a:scrgbClr r="0" g="0" b="0"/>
+      </a:lnRef>
+      <a:fillRef idx="2">
+        <a:scrgbClr r="0" g="0" b="0"/>
+      </a:fillRef>
+      <a:effectRef idx="0">
+        <a:scrgbClr r="0" g="0" b="0"/>
+      </a:effectRef>
+      <a:fontRef idx="minor">
+        <a:schemeClr val="tx1"/>
+      </a:fontRef>
+    </dgm:style>
+  </dgm:styleLbl>
+  <dgm:styleLbl name="alignNode1">
+    <dgm:scene3d>
+      <a:camera prst="orthographicFront"/>
+      <a:lightRig rig="threePt" dir="t"/>
+    </dgm:scene3d>
+    <dgm:sp3d/>
+    <dgm:txPr/>
+    <dgm:style>
+      <a:lnRef idx="1">
+        <a:scrgbClr r="0" g="0" b="0"/>
+      </a:lnRef>
+      <a:fillRef idx="2">
+        <a:scrgbClr r="0" g="0" b="0"/>
+      </a:fillRef>
+      <a:effectRef idx="1">
+        <a:scrgbClr r="0" g="0" b="0"/>
+      </a:effectRef>
+      <a:fontRef idx="minor">
+        <a:schemeClr val="dk1"/>
+      </a:fontRef>
+    </dgm:style>
+  </dgm:styleLbl>
+  <dgm:styleLbl name="node1">
+    <dgm:scene3d>
+      <a:camera prst="orthographicFront"/>
+      <a:lightRig rig="flat" dir="t"/>
+    </dgm:scene3d>
+    <dgm:sp3d prstMaterial="dkEdge">
+      <a:bevelT w="8200" h="38100"/>
+    </dgm:sp3d>
+    <dgm:txPr/>
+    <dgm:style>
+      <a:lnRef idx="0">
+        <a:scrgbClr r="0" g="0" b="0"/>
+      </a:lnRef>
+      <a:fillRef idx="2">
+        <a:scrgbClr r="0" g="0" b="0"/>
+      </a:fillRef>
+      <a:effectRef idx="1">
+        <a:scrgbClr r="0" g="0" b="0"/>
+      </a:effectRef>
+      <a:fontRef idx="minor">
+        <a:schemeClr val="dk1"/>
+      </a:fontRef>
+    </dgm:style>
+  </dgm:styleLbl>
+  <dgm:styleLbl name="node2">
+    <dgm:scene3d>
+      <a:camera prst="orthographicFront"/>
+      <a:lightRig rig="flat" dir="t"/>
+    </dgm:scene3d>
+    <dgm:sp3d prstMaterial="dkEdge">
+      <a:bevelT w="8200" h="38100"/>
+    </dgm:sp3d>
+    <dgm:txPr/>
+    <dgm:style>
+      <a:lnRef idx="0">
+        <a:scrgbClr r="0" g="0" b="0"/>
+      </a:lnRef>
+      <a:fillRef idx="2">
+        <a:scrgbClr r="0" g="0" b="0"/>
+      </a:fillRef>
+      <a:effectRef idx="1">
+        <a:scrgbClr r="0" g="0" b="0"/>
+      </a:effectRef>
+      <a:fontRef idx="minor">
+        <a:schemeClr val="dk1"/>
+      </a:fontRef>
+    </dgm:style>
+  </dgm:styleLbl>
+  <dgm:styleLbl name="node3">
+    <dgm:scene3d>
+      <a:camera prst="orthographicFront"/>
+      <a:lightRig rig="flat" dir="t"/>
+    </dgm:scene3d>
+    <dgm:sp3d prstMaterial="dkEdge">
+      <a:bevelT w="8200" h="38100"/>
+    </dgm:sp3d>
+    <dgm:txPr/>
+    <dgm:style>
+      <a:lnRef idx="0">
+        <a:scrgbClr r="0" g="0" b="0"/>
+      </a:lnRef>
+      <a:fillRef idx="2">
+        <a:scrgbClr r="0" g="0" b="0"/>
+      </a:fillRef>
+      <a:effectRef idx="1">
+        <a:scrgbClr r="0" g="0" b="0"/>
+      </a:effectRef>
+      <a:fontRef idx="minor">
+        <a:schemeClr val="dk1"/>
+      </a:fontRef>
+    </dgm:style>
+  </dgm:styleLbl>
+  <dgm:styleLbl name="node4">
+    <dgm:scene3d>
+      <a:camera prst="orthographicFront"/>
+      <a:lightRig rig="flat" dir="t"/>
+    </dgm:scene3d>
+    <dgm:sp3d prstMaterial="dkEdge">
+      <a:bevelT w="8200" h="38100"/>
+    </dgm:sp3d>
+    <dgm:txPr/>
+    <dgm:style>
+      <a:lnRef idx="0">
+        <a:scrgbClr r="0" g="0" b="0"/>
+      </a:lnRef>
+      <a:fillRef idx="2">
+        <a:scrgbClr r="0" g="0" b="0"/>
+      </a:fillRef>
+      <a:effectRef idx="1">
+        <a:scrgbClr r="0" g="0" b="0"/>
+      </a:effectRef>
+      <a:fontRef idx="minor">
+        <a:schemeClr val="dk1"/>
+      </a:fontRef>
+    </dgm:style>
+  </dgm:styleLbl>
+  <dgm:styleLbl name="fgImgPlace1">
+    <dgm:scene3d>
+      <a:camera prst="orthographicFront"/>
+      <a:lightRig rig="threePt" dir="t"/>
+    </dgm:scene3d>
+    <dgm:sp3d/>
+    <dgm:txPr/>
+    <dgm:style>
+      <a:lnRef idx="1">
+        <a:scrgbClr r="0" g="0" b="0"/>
+      </a:lnRef>
+      <a:fillRef idx="1">
+        <a:scrgbClr r="0" g="0" b="0"/>
+      </a:fillRef>
+      <a:effectRef idx="1">
+        <a:scrgbClr r="0" g="0" b="0"/>
+      </a:effectRef>
+      <a:fontRef idx="minor"/>
+    </dgm:style>
+  </dgm:styleLbl>
+  <dgm:styleLbl name="alignImgPlace1">
+    <dgm:scene3d>
+      <a:camera prst="orthographicFront"/>
+      <a:lightRig rig="threePt" dir="t"/>
+    </dgm:scene3d>
+    <dgm:sp3d/>
+    <dgm:txPr/>
+    <dgm:style>
+      <a:lnRef idx="1">
+        <a:scrgbClr r="0" g="0" b="0"/>
+      </a:lnRef>
+      <a:fillRef idx="1">
+        <a:scrgbClr r="0" g="0" b="0"/>
+      </a:fillRef>
+      <a:effectRef idx="1">
+        <a:scrgbClr r="0" g="0" b="0"/>
+      </a:effectRef>
+      <a:fontRef idx="minor"/>
+    </dgm:style>
+  </dgm:styleLbl>
+  <dgm:styleLbl name="bgImgPlace1">
+    <dgm:scene3d>
+      <a:camera prst="orthographicFront"/>
+      <a:lightRig rig="threePt" dir="t"/>
+    </dgm:scene3d>
+    <dgm:sp3d/>
+    <dgm:txPr/>
+    <dgm:style>
+      <a:lnRef idx="1">
+        <a:scrgbClr r="0" g="0" b="0"/>
+      </a:lnRef>
+      <a:fillRef idx="1">
+        <a:scrgbClr r="0" g="0" b="0"/>
+      </a:fillRef>
+      <a:effectRef idx="1">
+        <a:scrgbClr r="0" g="0" b="0"/>
+      </a:effectRef>
+      <a:fontRef idx="minor"/>
+    </dgm:style>
+  </dgm:styleLbl>
+  <dgm:styleLbl name="sibTrans2D1">
+    <dgm:scene3d>
+      <a:camera prst="orthographicFront"/>
+      <a:lightRig rig="threePt" dir="t"/>
+    </dgm:scene3d>
+    <dgm:sp3d/>
+    <dgm:txPr/>
+    <dgm:style>
+      <a:lnRef idx="0">
+        <a:scrgbClr r="0" g="0" b="0"/>
+      </a:lnRef>
+      <a:fillRef idx="2">
+        <a:scrgbClr r="0" g="0" b="0"/>
+      </a:fillRef>
+      <a:effectRef idx="1">
+        <a:scrgbClr r="0" g="0" b="0"/>
+      </a:effectRef>
+      <a:fontRef idx="minor">
+        <a:schemeClr val="dk1"/>
+      </a:fontRef>
+    </dgm:style>
+  </dgm:styleLbl>
+  <dgm:styleLbl name="fgSibTrans2D1">
+    <dgm:scene3d>
+      <a:camera prst="orthographicFront"/>
+      <a:lightRig rig="threePt" dir="t"/>
+    </dgm:scene3d>
+    <dgm:sp3d/>
+    <dgm:txPr/>
+    <dgm:style>
+      <a:lnRef idx="0">
+        <a:scrgbClr r="0" g="0" b="0"/>
+      </a:lnRef>
+      <a:fillRef idx="2">
+        <a:scrgbClr r="0" g="0" b="0"/>
+      </a:fillRef>
+      <a:effectRef idx="1">
+        <a:scrgbClr r="0" g="0" b="0"/>
+      </a:effectRef>
+      <a:fontRef idx="minor">
+        <a:schemeClr val="dk1"/>
+      </a:fontRef>
+    </dgm:style>
+  </dgm:styleLbl>
+  <dgm:styleLbl name="bgSibTrans2D1">
+    <dgm:scene3d>
+      <a:camera prst="orthographicFront"/>
+      <a:lightRig rig="threePt" dir="t"/>
+    </dgm:scene3d>
+    <dgm:sp3d/>
+    <dgm:txPr/>
+    <dgm:style>
+      <a:lnRef idx="0">
+        <a:scrgbClr r="0" g="0" b="0"/>
+      </a:lnRef>
+      <a:fillRef idx="2">
+        <a:scrgbClr r="0" g="0" b="0"/>
+      </a:fillRef>
+      <a:effectRef idx="1">
+        <a:scrgbClr r="0" g="0" b="0"/>
+      </a:effectRef>
+      <a:fontRef idx="minor">
+        <a:schemeClr val="dk1"/>
+      </a:fontRef>
+    </dgm:style>
+  </dgm:styleLbl>
+  <dgm:styleLbl name="sibTrans1D1">
+    <dgm:scene3d>
+      <a:camera prst="orthographicFront"/>
+      <a:lightRig rig="threePt" dir="t"/>
+    </dgm:scene3d>
+    <dgm:sp3d/>
+    <dgm:txPr/>
+    <dgm:style>
+      <a:lnRef idx="1">
+        <a:scrgbClr r="0" g="0" b="0"/>
+      </a:lnRef>
+      <a:fillRef idx="0">
+        <a:scrgbClr r="0" g="0" b="0"/>
+      </a:fillRef>
+      <a:effectRef idx="0">
+        <a:scrgbClr r="0" g="0" b="0"/>
+      </a:effectRef>
+      <a:fontRef idx="minor"/>
+    </dgm:style>
+  </dgm:styleLbl>
+  <dgm:styleLbl name="callout">
+    <dgm:scene3d>
+      <a:camera prst="orthographicFront"/>
+      <a:lightRig rig="threePt" dir="t"/>
+    </dgm:scene3d>
+    <dgm:sp3d/>
+    <dgm:txPr/>
+    <dgm:style>
+      <a:lnRef idx="1">
+        <a:scrgbClr r="0" g="0" b="0"/>
+      </a:lnRef>
+      <a:fillRef idx="2">
+        <a:scrgbClr r="0" g="0" b="0"/>
+      </a:fillRef>
+      <a:effectRef idx="1">
+        <a:scrgbClr r="0" g="0" b="0"/>
+      </a:effectRef>
+      <a:fontRef idx="minor"/>
+    </dgm:style>
+  </dgm:styleLbl>
+  <dgm:styleLbl name="asst0">
+    <dgm:scene3d>
+      <a:camera prst="orthographicFront"/>
+      <a:lightRig rig="flat" dir="t"/>
+    </dgm:scene3d>
+    <dgm:sp3d prstMaterial="dkEdge">
+      <a:bevelT w="8200" h="38100"/>
+    </dgm:sp3d>
+    <dgm:txPr/>
+    <dgm:style>
+      <a:lnRef idx="0">
+        <a:scrgbClr r="0" g="0" b="0"/>
+      </a:lnRef>
+      <a:fillRef idx="2">
+        <a:scrgbClr r="0" g="0" b="0"/>
+      </a:fillRef>
+      <a:effectRef idx="1">
+        <a:scrgbClr r="0" g="0" b="0"/>
+      </a:effectRef>
+      <a:fontRef idx="minor">
+        <a:schemeClr val="dk1"/>
+      </a:fontRef>
+    </dgm:style>
+  </dgm:styleLbl>
+  <dgm:styleLbl name="asst1">
+    <dgm:scene3d>
+      <a:camera prst="orthographicFront"/>
+      <a:lightRig rig="flat" dir="t"/>
+    </dgm:scene3d>
+    <dgm:sp3d prstMaterial="dkEdge">
+      <a:bevelT w="8200" h="38100"/>
+    </dgm:sp3d>
+    <dgm:txPr/>
+    <dgm:style>
+      <a:lnRef idx="0">
+        <a:scrgbClr r="0" g="0" b="0"/>
+      </a:lnRef>
+      <a:fillRef idx="2">
+        <a:scrgbClr r="0" g="0" b="0"/>
+      </a:fillRef>
+      <a:effectRef idx="1">
+        <a:scrgbClr r="0" g="0" b="0"/>
+      </a:effectRef>
+      <a:fontRef idx="minor">
+        <a:schemeClr val="dk1"/>
+      </a:fontRef>
+    </dgm:style>
+  </dgm:styleLbl>
+  <dgm:styleLbl name="asst2">
+    <dgm:scene3d>
+      <a:camera prst="orthographicFront"/>
+      <a:lightRig rig="flat" dir="t"/>
+    </dgm:scene3d>
+    <dgm:sp3d prstMaterial="dkEdge">
+      <a:bevelT w="8200" h="38100"/>
+    </dgm:sp3d>
+    <dgm:txPr/>
+    <dgm:style>
+      <a:lnRef idx="0">
+        <a:scrgbClr r="0" g="0" b="0"/>
+      </a:lnRef>
+      <a:fillRef idx="2">
+        <a:scrgbClr r="0" g="0" b="0"/>
+      </a:fillRef>
+      <a:effectRef idx="1">
+        <a:scrgbClr r="0" g="0" b="0"/>
+      </a:effectRef>
+      <a:fontRef idx="minor">
+        <a:schemeClr val="dk1"/>
+      </a:fontRef>
+    </dgm:style>
+  </dgm:styleLbl>
+  <dgm:styleLbl name="asst3">
+    <dgm:scene3d>
+      <a:camera prst="orthographicFront"/>
+      <a:lightRig rig="flat" dir="t"/>
+    </dgm:scene3d>
+    <dgm:sp3d prstMaterial="dkEdge">
+      <a:bevelT w="8200" h="38100"/>
+    </dgm:sp3d>
+    <dgm:txPr/>
+    <dgm:style>
+      <a:lnRef idx="0">
+        <a:scrgbClr r="0" g="0" b="0"/>
+      </a:lnRef>
+      <a:fillRef idx="2">
+        <a:scrgbClr r="0" g="0" b="0"/>
+      </a:fillRef>
+      <a:effectRef idx="1">
+        <a:scrgbClr r="0" g="0" b="0"/>
+      </a:effectRef>
+      <a:fontRef idx="minor">
+        <a:schemeClr val="dk1"/>
+      </a:fontRef>
+    </dgm:style>
+  </dgm:styleLbl>
+  <dgm:styleLbl name="asst4">
+    <dgm:scene3d>
+      <a:camera prst="orthographicFront"/>
+      <a:lightRig rig="flat" dir="t"/>
+    </dgm:scene3d>
+    <dgm:sp3d prstMaterial="dkEdge">
+      <a:bevelT w="8200" h="38100"/>
+    </dgm:sp3d>
+    <dgm:txPr/>
+    <dgm:style>
+      <a:lnRef idx="0">
+        <a:scrgbClr r="0" g="0" b="0"/>
+      </a:lnRef>
+      <a:fillRef idx="2">
+        <a:scrgbClr r="0" g="0" b="0"/>
+      </a:fillRef>
+      <a:effectRef idx="1">
+        <a:scrgbClr r="0" g="0" b="0"/>
+      </a:effectRef>
+      <a:fontRef idx="minor">
+        <a:schemeClr val="dk1"/>
+      </a:fontRef>
+    </dgm:style>
+  </dgm:styleLbl>
+  <dgm:styleLbl name="parChTrans2D1">
+    <dgm:scene3d>
+      <a:camera prst="orthographicFront"/>
+      <a:lightRig rig="threePt" dir="t"/>
+    </dgm:scene3d>
+    <dgm:sp3d/>
+    <dgm:txPr/>
+    <dgm:style>
+      <a:lnRef idx="1">
+        <a:scrgbClr r="0" g="0" b="0"/>
+      </a:lnRef>
+      <a:fillRef idx="2">
+        <a:scrgbClr r="0" g="0" b="0"/>
+      </a:fillRef>
+      <a:effectRef idx="1">
+        <a:scrgbClr r="0" g="0" b="0"/>
+      </a:effectRef>
+      <a:fontRef idx="minor">
+        <a:schemeClr val="dk1"/>
+      </a:fontRef>
+    </dgm:style>
+  </dgm:styleLbl>
+  <dgm:styleLbl name="parChTrans2D2">
+    <dgm:scene3d>
+      <a:camera prst="orthographicFront"/>
+      <a:lightRig rig="threePt" dir="t"/>
+    </dgm:scene3d>
+    <dgm:sp3d/>
+    <dgm:txPr/>
+    <dgm:style>
+      <a:lnRef idx="1">
+        <a:scrgbClr r="0" g="0" b="0"/>
+      </a:lnRef>
+      <a:fillRef idx="2">
+        <a:scrgbClr r="0" g="0" b="0"/>
+      </a:fillRef>
+      <a:effectRef idx="1">
+        <a:scrgbClr r="0" g="0" b="0"/>
+      </a:effectRef>
+      <a:fontRef idx="minor">
+        <a:schemeClr val="dk1"/>
+      </a:fontRef>
+    </dgm:style>
+  </dgm:styleLbl>
+  <dgm:styleLbl name="parChTrans2D3">
+    <dgm:scene3d>
+      <a:camera prst="orthographicFront"/>
+      <a:lightRig rig="threePt" dir="t"/>
+    </dgm:scene3d>
+    <dgm:sp3d/>
+    <dgm:txPr/>
+    <dgm:style>
+      <a:lnRef idx="1">
+        <a:scrgbClr r="0" g="0" b="0"/>
+      </a:lnRef>
+      <a:fillRef idx="2">
+        <a:scrgbClr r="0" g="0" b="0"/>
+      </a:fillRef>
+      <a:effectRef idx="1">
+        <a:scrgbClr r="0" g="0" b="0"/>
+      </a:effectRef>
+      <a:fontRef idx="minor">
+        <a:schemeClr val="dk1"/>
+      </a:fontRef>
+    </dgm:style>
+  </dgm:styleLbl>
+  <dgm:styleLbl name="parChTrans2D4">
+    <dgm:scene3d>
+      <a:camera prst="orthographicFront"/>
+      <a:lightRig rig="threePt" dir="t"/>
+    </dgm:scene3d>
+    <dgm:sp3d/>
+    <dgm:txPr/>
+    <dgm:style>
+      <a:lnRef idx="1">
+        <a:scrgbClr r="0" g="0" b="0"/>
+      </a:lnRef>
+      <a:fillRef idx="2">
+        <a:scrgbClr r="0" g="0" b="0"/>
+      </a:fillRef>
+      <a:effectRef idx="1">
+        <a:scrgbClr r="0" g="0" b="0"/>
+      </a:effectRef>
+      <a:fontRef idx="minor">
+        <a:schemeClr val="dk1"/>
+      </a:fontRef>
+    </dgm:style>
+  </dgm:styleLbl>
+  <dgm:styleLbl name="parChTrans1D1">
+    <dgm:scene3d>
+      <a:camera prst="orthographicFront"/>
+      <a:lightRig rig="threePt" dir="t"/>
+    </dgm:scene3d>
+    <dgm:sp3d/>
+    <dgm:txPr/>
+    <dgm:style>
+      <a:lnRef idx="2">
+        <a:scrgbClr r="0" g="0" b="0"/>
+      </a:lnRef>
+      <a:fillRef idx="0">
+        <a:scrgbClr r="0" g="0" b="0"/>
+      </a:fillRef>
+      <a:effectRef idx="0">
+        <a:scrgbClr r="0" g="0" b="0"/>
+      </a:effectRef>
+      <a:fontRef idx="minor"/>
+    </dgm:style>
+  </dgm:styleLbl>
+  <dgm:styleLbl name="parChTrans1D2">
+    <dgm:scene3d>
+      <a:camera prst="orthographicFront"/>
+      <a:lightRig rig="threePt" dir="t"/>
+    </dgm:scene3d>
+    <dgm:sp3d/>
+    <dgm:txPr/>
+    <dgm:style>
+      <a:lnRef idx="2">
+        <a:scrgbClr r="0" g="0" b="0"/>
+      </a:lnRef>
+      <a:fillRef idx="0">
+        <a:scrgbClr r="0" g="0" b="0"/>
+      </a:fillRef>
+      <a:effectRef idx="0">
+        <a:scrgbClr r="0" g="0" b="0"/>
+      </a:effectRef>
+      <a:fontRef idx="minor"/>
+    </dgm:style>
+  </dgm:styleLbl>
+  <dgm:styleLbl name="parChTrans1D3">
+    <dgm:scene3d>
+      <a:camera prst="orthographicFront"/>
+      <a:lightRig rig="threePt" dir="t"/>
+    </dgm:scene3d>
+    <dgm:sp3d/>
+    <dgm:txPr/>
+    <dgm:style>
+      <a:lnRef idx="2">
+        <a:scrgbClr r="0" g="0" b="0"/>
+      </a:lnRef>
+      <a:fillRef idx="0">
+        <a:scrgbClr r="0" g="0" b="0"/>
+      </a:fillRef>
+      <a:effectRef idx="0">
+        <a:scrgbClr r="0" g="0" b="0"/>
+      </a:effectRef>
+      <a:fontRef idx="minor"/>
+    </dgm:style>
+  </dgm:styleLbl>
+  <dgm:styleLbl name="parChTrans1D4">
+    <dgm:scene3d>
+      <a:camera prst="orthographicFront"/>
+      <a:lightRig rig="threePt" dir="t"/>
+    </dgm:scene3d>
+    <dgm:sp3d/>
+    <dgm:txPr/>
+    <dgm:style>
+      <a:lnRef idx="2">
+        <a:scrgbClr r="0" g="0" b="0"/>
+      </a:lnRef>
+      <a:fillRef idx="0">
+        <a:scrgbClr r="0" g="0" b="0"/>
+      </a:fillRef>
+      <a:effectRef idx="0">
+        <a:scrgbClr r="0" g="0" b="0"/>
+      </a:effectRef>
+      <a:fontRef idx="minor"/>
+    </dgm:style>
+  </dgm:styleLbl>
+  <dgm:styleLbl name="fgAcc1">
+    <dgm:scene3d>
+      <a:camera prst="orthographicFront"/>
+      <a:lightRig rig="threePt" dir="t"/>
+    </dgm:scene3d>
+    <dgm:sp3d/>
+    <dgm:txPr/>
+    <dgm:style>
+      <a:lnRef idx="1">
+        <a:scrgbClr r="0" g="0" b="0"/>
+      </a:lnRef>
+      <a:fillRef idx="1">
+        <a:scrgbClr r="0" g="0" b="0"/>
+      </a:fillRef>
+      <a:effectRef idx="0">
+        <a:scrgbClr r="0" g="0" b="0"/>
+      </a:effectRef>
+      <a:fontRef idx="minor"/>
+    </dgm:style>
+  </dgm:styleLbl>
+  <dgm:styleLbl name="conFgAcc1">
+    <dgm:scene3d>
+      <a:camera prst="orthographicFront"/>
+      <a:lightRig rig="threePt" dir="t"/>
+    </dgm:scene3d>
+    <dgm:sp3d/>
+    <dgm:txPr/>
+    <dgm:style>
+      <a:lnRef idx="1">
+        <a:scrgbClr r="0" g="0" b="0"/>
+      </a:lnRef>
+      <a:fillRef idx="1">
+        <a:scrgbClr r="0" g="0" b="0"/>
+      </a:fillRef>
+      <a:effectRef idx="0">
+        <a:scrgbClr r="0" g="0" b="0"/>
+      </a:effectRef>
+      <a:fontRef idx="minor"/>
+    </dgm:style>
+  </dgm:styleLbl>
+  <dgm:styleLbl name="alignAcc1">
+    <dgm:scene3d>
+      <a:camera prst="orthographicFront"/>
+      <a:lightRig rig="threePt" dir="t"/>
+    </dgm:scene3d>
+    <dgm:sp3d/>
+    <dgm:txPr/>
+    <dgm:style>
+      <a:lnRef idx="1">
+        <a:scrgbClr r="0" g="0" b="0"/>
+      </a:lnRef>
+      <a:fillRef idx="1">
+        <a:scrgbClr r="0" g="0" b="0"/>
+      </a:fillRef>
+      <a:effectRef idx="0">
+        <a:scrgbClr r="0" g="0" b="0"/>
+      </a:effectRef>
+      <a:fontRef idx="minor"/>
+    </dgm:style>
+  </dgm:styleLbl>
+  <dgm:styleLbl name="trAlignAcc1">
+    <dgm:scene3d>
+      <a:camera prst="orthographicFront"/>
+      <a:lightRig rig="threePt" dir="t"/>
+    </dgm:scene3d>
+    <dgm:sp3d/>
+    <dgm:txPr/>
+    <dgm:style>
+      <a:lnRef idx="1">
+        <a:scrgbClr r="0" g="0" b="0"/>
+      </a:lnRef>
+      <a:fillRef idx="1">
+        <a:scrgbClr r="0" g="0" b="0"/>
+      </a:fillRef>
+      <a:effectRef idx="0">
+        <a:scrgbClr r="0" g="0" b="0"/>
+      </a:effectRef>
+      <a:fontRef idx="minor"/>
+    </dgm:style>
+  </dgm:styleLbl>
+  <dgm:styleLbl name="bgAcc1">
+    <dgm:scene3d>
+      <a:camera prst="orthographicFront"/>
+      <a:lightRig rig="threePt" dir="t"/>
+    </dgm:scene3d>
+    <dgm:sp3d/>
+    <dgm:txPr/>
+    <dgm:style>
+      <a:lnRef idx="1">
+        <a:scrgbClr r="0" g="0" b="0"/>
+      </a:lnRef>
+      <a:fillRef idx="1">
+        <a:scrgbClr r="0" g="0" b="0"/>
+      </a:fillRef>
+      <a:effectRef idx="0">
+        <a:scrgbClr r="0" g="0" b="0"/>
+      </a:effectRef>
+      <a:fontRef idx="minor"/>
+    </dgm:style>
+  </dgm:styleLbl>
+  <dgm:styleLbl name="solidFgAcc1">
+    <dgm:scene3d>
+      <a:camera prst="orthographicFront"/>
+      <a:lightRig rig="threePt" dir="t"/>
+    </dgm:scene3d>
+    <dgm:sp3d/>
+    <dgm:txPr/>
+    <dgm:style>
+      <a:lnRef idx="1">
+        <a:scrgbClr r="0" g="0" b="0"/>
+      </a:lnRef>
+      <a:fillRef idx="2">
+        <a:scrgbClr r="0" g="0" b="0"/>
+      </a:fillRef>
+      <a:effectRef idx="0">
+        <a:scrgbClr r="0" g="0" b="0"/>
+      </a:effectRef>
+      <a:fontRef idx="minor"/>
+    </dgm:style>
+  </dgm:styleLbl>
+  <dgm:styleLbl name="solidAlignAcc1">
+    <dgm:scene3d>
+      <a:camera prst="orthographicFront"/>
+      <a:lightRig rig="threePt" dir="t"/>
+    </dgm:scene3d>
+    <dgm:sp3d/>
+    <dgm:txPr/>
+    <dgm:style>
+      <a:lnRef idx="1">
+        <a:scrgbClr r="0" g="0" b="0"/>
+      </a:lnRef>
+      <a:fillRef idx="1">
+        <a:scrgbClr r="0" g="0" b="0"/>
+      </a:fillRef>
+      <a:effectRef idx="0">
+        <a:scrgbClr r="0" g="0" b="0"/>
+      </a:effectRef>
+      <a:fontRef idx="minor"/>
+    </dgm:style>
+  </dgm:styleLbl>
+  <dgm:styleLbl name="solidBgAcc1">
+    <dgm:scene3d>
+      <a:camera prst="orthographicFront"/>
+      <a:lightRig rig="threePt" dir="t"/>
+    </dgm:scene3d>
+    <dgm:sp3d/>
+    <dgm:txPr/>
+    <dgm:style>
+      <a:lnRef idx="1">
+        <a:scrgbClr r="0" g="0" b="0"/>
+      </a:lnRef>
+      <a:fillRef idx="1">
+        <a:scrgbClr r="0" g="0" b="0"/>
+      </a:fillRef>
+      <a:effectRef idx="0">
+        <a:scrgbClr r="0" g="0" b="0"/>
+      </a:effectRef>
+      <a:fontRef idx="minor"/>
+    </dgm:style>
+  </dgm:styleLbl>
+  <dgm:styleLbl name="fgAccFollowNode1">
+    <dgm:scene3d>
+      <a:camera prst="orthographicFront"/>
+      <a:lightRig rig="threePt" dir="t"/>
+    </dgm:scene3d>
+    <dgm:sp3d/>
+    <dgm:txPr/>
+    <dgm:style>
+      <a:lnRef idx="1">
+        <a:scrgbClr r="0" g="0" b="0"/>
+      </a:lnRef>
+      <a:fillRef idx="1">
+        <a:scrgbClr r="0" g="0" b="0"/>
+      </a:fillRef>
+      <a:effectRef idx="0">
+        <a:scrgbClr r="0" g="0" b="0"/>
+      </a:effectRef>
+      <a:fontRef idx="minor"/>
+    </dgm:style>
+  </dgm:styleLbl>
+  <dgm:styleLbl name="alignAccFollowNode1">
+    <dgm:scene3d>
+      <a:camera prst="orthographicFront"/>
+      <a:lightRig rig="threePt" dir="t"/>
+    </dgm:scene3d>
+    <dgm:sp3d/>
+    <dgm:txPr/>
+    <dgm:style>
+      <a:lnRef idx="1">
+        <a:scrgbClr r="0" g="0" b="0"/>
+      </a:lnRef>
+      <a:fillRef idx="1">
+        <a:scrgbClr r="0" g="0" b="0"/>
+      </a:fillRef>
+      <a:effectRef idx="0">
+        <a:scrgbClr r="0" g="0" b="0"/>
+      </a:effectRef>
+      <a:fontRef idx="minor"/>
+    </dgm:style>
+  </dgm:styleLbl>
+  <dgm:styleLbl name="bgAccFollowNode1">
+    <dgm:scene3d>
+      <a:camera prst="orthographicFront"/>
+      <a:lightRig rig="threePt" dir="t"/>
+    </dgm:scene3d>
+    <dgm:sp3d/>
+    <dgm:txPr/>
+    <dgm:style>
+      <a:lnRef idx="1">
+        <a:scrgbClr r="0" g="0" b="0"/>
+      </a:lnRef>
+      <a:fillRef idx="1">
+        <a:scrgbClr r="0" g="0" b="0"/>
+      </a:fillRef>
+      <a:effectRef idx="0">
+        <a:scrgbClr r="0" g="0" b="0"/>
+      </a:effectRef>
+      <a:fontRef idx="minor"/>
+    </dgm:style>
+  </dgm:styleLbl>
+  <dgm:styleLbl name="fgAcc0">
+    <dgm:scene3d>
+      <a:camera prst="orthographicFront"/>
+      <a:lightRig rig="threePt" dir="t"/>
+    </dgm:scene3d>
+    <dgm:sp3d/>
+    <dgm:txPr/>
+    <dgm:style>
+      <a:lnRef idx="1">
+        <a:scrgbClr r="0" g="0" b="0"/>
+      </a:lnRef>
+      <a:fillRef idx="1">
+        <a:scrgbClr r="0" g="0" b="0"/>
+      </a:fillRef>
+      <a:effectRef idx="0">
+        <a:scrgbClr r="0" g="0" b="0"/>
+      </a:effectRef>
+      <a:fontRef idx="minor"/>
+    </dgm:style>
+  </dgm:styleLbl>
+  <dgm:styleLbl name="fgAcc2">
+    <dgm:scene3d>
+      <a:camera prst="orthographicFront"/>
+      <a:lightRig rig="threePt" dir="t"/>
+    </dgm:scene3d>
+    <dgm:sp3d/>
+    <dgm:txPr/>
+    <dgm:style>
+      <a:lnRef idx="1">
+        <a:scrgbClr r="0" g="0" b="0"/>
+      </a:lnRef>
+      <a:fillRef idx="1">
+        <a:scrgbClr r="0" g="0" b="0"/>
+      </a:fillRef>
+      <a:effectRef idx="0">
+        <a:scrgbClr r="0" g="0" b="0"/>
+      </a:effectRef>
+      <a:fontRef idx="minor"/>
+    </dgm:style>
+  </dgm:styleLbl>
+  <dgm:styleLbl name="fgAcc3">
+    <dgm:scene3d>
+      <a:camera prst="orthographicFront"/>
+      <a:lightRig rig="threePt" dir="t"/>
+    </dgm:scene3d>
+    <dgm:sp3d/>
+    <dgm:txPr/>
+    <dgm:style>
+      <a:lnRef idx="1">
+        <a:scrgbClr r="0" g="0" b="0"/>
+      </a:lnRef>
+      <a:fillRef idx="1">
+        <a:scrgbClr r="0" g="0" b="0"/>
+      </a:fillRef>
+      <a:effectRef idx="0">
+        <a:scrgbClr r="0" g="0" b="0"/>
+      </a:effectRef>
+      <a:fontRef idx="minor"/>
+    </dgm:style>
+  </dgm:styleLbl>
+  <dgm:styleLbl name="fgAcc4">
+    <dgm:scene3d>
+      <a:camera prst="orthographicFront"/>
+      <a:lightRig rig="threePt" dir="t"/>
+    </dgm:scene3d>
+    <dgm:sp3d/>
+    <dgm:txPr/>
+    <dgm:style>
+      <a:lnRef idx="1">
+        <a:scrgbClr r="0" g="0" b="0"/>
+      </a:lnRef>
+      <a:fillRef idx="1">
+        <a:scrgbClr r="0" g="0" b="0"/>
+      </a:fillRef>
+      <a:effectRef idx="0">
+        <a:scrgbClr r="0" g="0" b="0"/>
+      </a:effectRef>
+      <a:fontRef idx="minor"/>
+    </dgm:style>
+  </dgm:styleLbl>
+  <dgm:styleLbl name="bgShp">
+    <dgm:scene3d>
+      <a:camera prst="orthographicFront"/>
+      <a:lightRig rig="threePt" dir="t"/>
+    </dgm:scene3d>
+    <dgm:sp3d/>
+    <dgm:txPr/>
+    <dgm:style>
+      <a:lnRef idx="0">
+        <a:scrgbClr r="0" g="0" b="0"/>
+      </a:lnRef>
+      <a:fillRef idx="1">
+        <a:scrgbClr r="0" g="0" b="0"/>
+      </a:fillRef>
+      <a:effectRef idx="1">
+        <a:scrgbClr r="0" g="0" b="0"/>
+      </a:effectRef>
+      <a:fontRef idx="minor"/>
+    </dgm:style>
+  </dgm:styleLbl>
+  <dgm:styleLbl name="dkBgShp">
+    <dgm:scene3d>
+      <a:camera prst="orthographicFront"/>
+      <a:lightRig rig="threePt" dir="t"/>
+    </dgm:scene3d>
+    <dgm:sp3d/>
+    <dgm:txPr/>
+    <dgm:style>
+      <a:lnRef idx="0">
+        <a:scrgbClr r="0" g="0" b="0"/>
+      </a:lnRef>
+      <a:fillRef idx="1">
+        <a:scrgbClr r="0" g="0" b="0"/>
+      </a:fillRef>
+      <a:effectRef idx="1">
+        <a:scrgbClr r="0" g="0" b="0"/>
+      </a:effectRef>
+      <a:fontRef idx="minor"/>
+    </dgm:style>
+  </dgm:styleLbl>
+  <dgm:styleLbl name="trBgShp">
+    <dgm:scene3d>
+      <a:camera prst="orthographicFront"/>
+      <a:lightRig rig="threePt" dir="t"/>
+    </dgm:scene3d>
+    <dgm:sp3d/>
+    <dgm:txPr/>
+    <dgm:style>
+      <a:lnRef idx="0">
+        <a:scrgbClr r="0" g="0" b="0"/>
+      </a:lnRef>
+      <a:fillRef idx="1">
+        <a:scrgbClr r="0" g="0" b="0"/>
+      </a:fillRef>
+      <a:effectRef idx="0">
+        <a:scrgbClr r="0" g="0" b="0"/>
+      </a:effectRef>
+      <a:fontRef idx="minor"/>
+    </dgm:style>
+  </dgm:styleLbl>
+  <dgm:styleLbl name="fgShp">
+    <dgm:scene3d>
+      <a:camera prst="orthographicFront"/>
+      <a:lightRig rig="flat" dir="t"/>
+    </dgm:scene3d>
+    <dgm:sp3d prstMaterial="dkEdge">
+      <a:bevelT w="8200" h="38100"/>
+    </dgm:sp3d>
+    <dgm:txPr/>
+    <dgm:style>
+      <a:lnRef idx="1">
+        <a:scrgbClr r="0" g="0" b="0"/>
+      </a:lnRef>
+      <a:fillRef idx="2">
+        <a:scrgbClr r="0" g="0" b="0"/>
+      </a:fillRef>
+      <a:effectRef idx="1">
         <a:scrgbClr r="0" g="0" b="0"/>
       </a:effectRef>
       <a:fontRef idx="minor"/>
@@ -2541,7 +6753,7 @@
           <a:p>
             <a:fld id="{53C77590-BFB8-41C1-9934-3E9D93CB747F}" type="datetimeFigureOut">
               <a:rPr lang="ru-RU" smtClean="0"/>
-              <a:t>07.05.2021</a:t>
+              <a:t>14.05.2021</a:t>
             </a:fld>
             <a:endParaRPr lang="ru-RU"/>
           </a:p>
@@ -2987,7 +7199,7 @@
           <a:p>
             <a:fld id="{2E1FEAF3-9EA9-4E4D-ACE9-F210CFF472D4}" type="datetime1">
               <a:rPr lang="ru-RU" smtClean="0"/>
-              <a:t>07.05.2021</a:t>
+              <a:t>14.05.2021</a:t>
             </a:fld>
             <a:endParaRPr lang="ru-RU"/>
           </a:p>
@@ -3155,7 +7367,7 @@
           <a:p>
             <a:fld id="{6072DF79-AD55-4BBF-AF0E-B3006BD9FC63}" type="datetime1">
               <a:rPr lang="ru-RU" smtClean="0"/>
-              <a:t>07.05.2021</a:t>
+              <a:t>14.05.2021</a:t>
             </a:fld>
             <a:endParaRPr lang="ru-RU"/>
           </a:p>
@@ -3333,7 +7545,7 @@
           <a:p>
             <a:fld id="{A8D09B17-A5AA-4114-B340-E9B3D535CAF1}" type="datetime1">
               <a:rPr lang="ru-RU" smtClean="0"/>
-              <a:t>07.05.2021</a:t>
+              <a:t>14.05.2021</a:t>
             </a:fld>
             <a:endParaRPr lang="ru-RU"/>
           </a:p>
@@ -3501,7 +7713,7 @@
           <a:p>
             <a:fld id="{BBDF64E6-2A5B-429D-84D2-1CEB73CFD494}" type="datetime1">
               <a:rPr lang="ru-RU" smtClean="0"/>
-              <a:t>07.05.2021</a:t>
+              <a:t>14.05.2021</a:t>
             </a:fld>
             <a:endParaRPr lang="ru-RU"/>
           </a:p>
@@ -3746,7 +7958,7 @@
           <a:p>
             <a:fld id="{9D7D6FD7-2330-440F-8729-44A50140D3A0}" type="datetime1">
               <a:rPr lang="ru-RU" smtClean="0"/>
-              <a:t>07.05.2021</a:t>
+              <a:t>14.05.2021</a:t>
             </a:fld>
             <a:endParaRPr lang="ru-RU"/>
           </a:p>
@@ -4031,7 +8243,7 @@
           <a:p>
             <a:fld id="{AD67EAE2-7930-4E8D-B42F-C75B0C353EE8}" type="datetime1">
               <a:rPr lang="ru-RU" smtClean="0"/>
-              <a:t>07.05.2021</a:t>
+              <a:t>14.05.2021</a:t>
             </a:fld>
             <a:endParaRPr lang="ru-RU"/>
           </a:p>
@@ -4450,7 +8662,7 @@
           <a:p>
             <a:fld id="{F5D6F513-D6BA-4B35-B772-88E770267A04}" type="datetime1">
               <a:rPr lang="ru-RU" smtClean="0"/>
-              <a:t>07.05.2021</a:t>
+              <a:t>14.05.2021</a:t>
             </a:fld>
             <a:endParaRPr lang="ru-RU"/>
           </a:p>
@@ -4567,7 +8779,7 @@
           <a:p>
             <a:fld id="{98307C8F-3427-4E0C-8A2A-E5C00596762D}" type="datetime1">
               <a:rPr lang="ru-RU" smtClean="0"/>
-              <a:t>07.05.2021</a:t>
+              <a:t>14.05.2021</a:t>
             </a:fld>
             <a:endParaRPr lang="ru-RU"/>
           </a:p>
@@ -4662,7 +8874,7 @@
           <a:p>
             <a:fld id="{ADE8478E-AABB-42F7-8174-B5FAD693316E}" type="datetime1">
               <a:rPr lang="ru-RU" smtClean="0"/>
-              <a:t>07.05.2021</a:t>
+              <a:t>14.05.2021</a:t>
             </a:fld>
             <a:endParaRPr lang="ru-RU"/>
           </a:p>
@@ -4937,7 +9149,7 @@
           <a:p>
             <a:fld id="{18E1BB3D-0B3A-4730-BB8B-C96F0F23C850}" type="datetime1">
               <a:rPr lang="ru-RU" smtClean="0"/>
-              <a:t>07.05.2021</a:t>
+              <a:t>14.05.2021</a:t>
             </a:fld>
             <a:endParaRPr lang="ru-RU"/>
           </a:p>
@@ -5189,7 +9401,7 @@
           <a:p>
             <a:fld id="{515F4F15-E020-44F3-BCC8-24320E990345}" type="datetime1">
               <a:rPr lang="ru-RU" smtClean="0"/>
-              <a:t>07.05.2021</a:t>
+              <a:t>14.05.2021</a:t>
             </a:fld>
             <a:endParaRPr lang="ru-RU"/>
           </a:p>
@@ -5409,7 +9621,7 @@
           <a:p>
             <a:fld id="{A22415F4-83CD-4779-9756-B7C80E8C6DAD}" type="datetime1">
               <a:rPr lang="ru-RU" smtClean="0"/>
-              <a:t>07.05.2021</a:t>
+              <a:t>14.05.2021</a:t>
             </a:fld>
             <a:endParaRPr lang="ru-RU"/>
           </a:p>
@@ -5807,37 +10019,7 @@
         </p:blipFill>
         <p:spPr>
           <a:xfrm>
-            <a:off x="0" y="1713"/>
-            <a:ext cx="12192000" cy="6854573"/>
-          </a:xfrm>
-          <a:prstGeom prst="rect">
-            <a:avLst/>
-          </a:prstGeom>
-        </p:spPr>
-      </p:pic>
-      <p:pic>
-        <p:nvPicPr>
-          <p:cNvPr id="7" name="Рисунок 6"/>
-          <p:cNvPicPr>
-            <a:picLocks noChangeAspect="1"/>
-          </p:cNvPicPr>
-          <p:nvPr/>
-        </p:nvPicPr>
-        <p:blipFill>
-          <a:blip r:embed="rId2" cstate="print">
-            <a:extLst>
-              <a:ext uri="{28A0092B-C50C-407E-A947-70E740481C1C}">
-                <a14:useLocalDpi xmlns:a14="http://schemas.microsoft.com/office/drawing/2010/main" val="0"/>
-              </a:ext>
-            </a:extLst>
-          </a:blip>
-          <a:stretch>
-            <a:fillRect/>
-          </a:stretch>
-        </p:blipFill>
-        <p:spPr>
-          <a:xfrm>
-            <a:off x="0" y="1713"/>
+            <a:off x="-1587" y="0"/>
             <a:ext cx="12192000" cy="6854573"/>
           </a:xfrm>
           <a:prstGeom prst="rect">
@@ -5853,8 +10035,8 @@
         </p:nvSpPr>
         <p:spPr>
           <a:xfrm>
-            <a:off x="4222998" y="2567399"/>
-            <a:ext cx="7751866" cy="1143070"/>
+            <a:off x="4197702" y="2831181"/>
+            <a:ext cx="7751866" cy="1295868"/>
           </a:xfrm>
           <a:prstGeom prst="rect">
             <a:avLst/>
@@ -5873,85 +10055,14 @@
               </a:lnSpc>
             </a:pPr>
             <a:r>
-              <a:rPr lang="ru-RU" sz="2400" b="1" dirty="0">
-                <a:solidFill>
-                  <a:schemeClr val="bg1"/>
-                </a:solidFill>
-                <a:latin typeface="Elektra Text Pro" panose="02000503030000020004" pitchFamily="50" charset="-52"/>
-              </a:rPr>
-              <a:t>Исследование математического аппарата и технологий построения инерциальных навигационных систем</a:t>
-            </a:r>
-          </a:p>
-        </p:txBody>
-      </p:sp>
-      <p:sp>
-        <p:nvSpPr>
-          <p:cNvPr id="9" name="TextBox 8"/>
-          <p:cNvSpPr txBox="1"/>
-          <p:nvPr/>
-        </p:nvSpPr>
-        <p:spPr>
-          <a:xfrm>
-            <a:off x="5363024" y="4605755"/>
-            <a:ext cx="5916758" cy="923330"/>
-          </a:xfrm>
-          <a:prstGeom prst="rect">
-            <a:avLst/>
-          </a:prstGeom>
-          <a:noFill/>
-        </p:spPr>
-        <p:txBody>
-          <a:bodyPr wrap="square" rtlCol="0" anchor="ctr" anchorCtr="1">
-            <a:spAutoFit/>
-          </a:bodyPr>
-          <a:lstStyle/>
-          <a:p>
-            <a:pPr algn="ctr"/>
-            <a:br>
               <a:rPr lang="ru-RU" dirty="0">
                 <a:solidFill>
                   <a:schemeClr val="bg1"/>
                 </a:solidFill>
-                <a:latin typeface="Elektra Text Pro" panose="02000503030000020004" pitchFamily="50" charset="-52"/>
               </a:rPr>
-            </a:br>
-            <a:r>
-              <a:rPr lang="ru-RU" dirty="0">
-                <a:solidFill>
-                  <a:schemeClr val="bg1"/>
-                </a:solidFill>
-                <a:latin typeface="Elektra Text Pro" panose="02000503030000020004" pitchFamily="50" charset="-52"/>
-              </a:rPr>
-              <a:t>Докладчик: Мавлютов В.Д., студент гр. 6223-090401</a:t>
-            </a:r>
-            <a:r>
-              <a:rPr lang="en-US" dirty="0">
-                <a:solidFill>
-                  <a:schemeClr val="bg1"/>
-                </a:solidFill>
-                <a:latin typeface="Elektra Text Pro" panose="02000503030000020004" pitchFamily="50" charset="-52"/>
-              </a:rPr>
-              <a:t>D</a:t>
-            </a:r>
-            <a:endParaRPr lang="en-US" u="sng" dirty="0">
-              <a:solidFill>
-                <a:schemeClr val="bg1"/>
-              </a:solidFill>
-              <a:latin typeface="Elektra Text Pro" panose="02000503030000020004" pitchFamily="50" charset="-52"/>
-            </a:endParaRPr>
-          </a:p>
-          <a:p>
-            <a:pPr algn="ctr"/>
-            <a:r>
-              <a:rPr lang="ru-RU" dirty="0">
-                <a:solidFill>
-                  <a:schemeClr val="bg1"/>
-                </a:solidFill>
-                <a:latin typeface="Elektra Text Pro" panose="02000503030000020004" pitchFamily="50" charset="-52"/>
-              </a:rPr>
-              <a:t>Научный руководитель: к.т.н.,  доц. каф. ИСТ Головнин О.К.</a:t>
-            </a:r>
-            <a:endParaRPr lang="ru-RU" u="sng" dirty="0">
+              <a:t>АВТОМАТИЗИРОВАННАЯ СИСТЕМА НАВИГАЦИИ ВНУТРИ ПОМЕЩЕНИЙ С ПОМОЩЬЮ ИНЕРЦИАЛЬНОЙ ТЕХНОЛОГИИ ЛОКАЛЬНОГО ПОЗИЦИОНИРОВАНИЯ МОБИЛЬНЫХ УСТРОЙСТВ</a:t>
+            </a:r>
+            <a:endParaRPr lang="ru-RU" sz="2400" b="1" dirty="0">
               <a:solidFill>
                 <a:schemeClr val="bg1"/>
               </a:solidFill>
@@ -5983,6 +10094,689 @@
           </a:p>
         </p:txBody>
       </p:sp>
+      <p:sp>
+        <p:nvSpPr>
+          <p:cNvPr id="10" name="Заголовок 1">
+            <a:extLst>
+              <a:ext uri="{FF2B5EF4-FFF2-40B4-BE49-F238E27FC236}">
+                <a16:creationId xmlns:a16="http://schemas.microsoft.com/office/drawing/2014/main" id="{0241EF5D-E463-461E-A66C-879D18F7A395}"/>
+              </a:ext>
+            </a:extLst>
+          </p:cNvPr>
+          <p:cNvSpPr txBox="1">
+            <a:spLocks/>
+          </p:cNvSpPr>
+          <p:nvPr/>
+        </p:nvSpPr>
+        <p:spPr bwMode="auto">
+          <a:xfrm>
+            <a:off x="4197702" y="1666647"/>
+            <a:ext cx="7777162" cy="1295400"/>
+          </a:xfrm>
+          <a:prstGeom prst="rect">
+            <a:avLst/>
+          </a:prstGeom>
+          <a:noFill/>
+          <a:ln>
+            <a:noFill/>
+          </a:ln>
+          <a:extLst>
+            <a:ext uri="{909E8E84-426E-40DD-AFC4-6F175D3DCCD1}">
+              <a14:hiddenFill xmlns:a14="http://schemas.microsoft.com/office/drawing/2010/main">
+                <a:solidFill>
+                  <a:srgbClr val="FFFFFF"/>
+                </a:solidFill>
+              </a14:hiddenFill>
+            </a:ext>
+            <a:ext uri="{91240B29-F687-4F45-9708-019B960494DF}">
+              <a14:hiddenLine xmlns:a14="http://schemas.microsoft.com/office/drawing/2010/main" w="9525">
+                <a:solidFill>
+                  <a:srgbClr val="000000"/>
+                </a:solidFill>
+                <a:miter lim="800000"/>
+                <a:headEnd/>
+                <a:tailEnd/>
+              </a14:hiddenLine>
+            </a:ext>
+          </a:extLst>
+        </p:spPr>
+        <p:txBody>
+          <a:bodyPr anchor="ctr"/>
+          <a:lstStyle>
+            <a:lvl1pPr eaLnBrk="0" hangingPunct="0">
+              <a:spcBef>
+                <a:spcPct val="20000"/>
+              </a:spcBef>
+              <a:buChar char="•"/>
+              <a:defRPr sz="3200">
+                <a:solidFill>
+                  <a:schemeClr val="tx1"/>
+                </a:solidFill>
+                <a:latin typeface="Arial" panose="020B0604020202020204" pitchFamily="34" charset="0"/>
+                <a:cs typeface="Arial" panose="020B0604020202020204" pitchFamily="34" charset="0"/>
+              </a:defRPr>
+            </a:lvl1pPr>
+            <a:lvl2pPr marL="742950" indent="-285750" eaLnBrk="0" hangingPunct="0">
+              <a:spcBef>
+                <a:spcPct val="20000"/>
+              </a:spcBef>
+              <a:buChar char="–"/>
+              <a:defRPr sz="2800">
+                <a:solidFill>
+                  <a:schemeClr val="tx1"/>
+                </a:solidFill>
+                <a:latin typeface="Arial" panose="020B0604020202020204" pitchFamily="34" charset="0"/>
+                <a:cs typeface="Arial" panose="020B0604020202020204" pitchFamily="34" charset="0"/>
+              </a:defRPr>
+            </a:lvl2pPr>
+            <a:lvl3pPr marL="1143000" indent="-228600" eaLnBrk="0" hangingPunct="0">
+              <a:spcBef>
+                <a:spcPct val="20000"/>
+              </a:spcBef>
+              <a:buChar char="•"/>
+              <a:defRPr sz="2400">
+                <a:solidFill>
+                  <a:schemeClr val="tx1"/>
+                </a:solidFill>
+                <a:latin typeface="Arial" panose="020B0604020202020204" pitchFamily="34" charset="0"/>
+                <a:cs typeface="Arial" panose="020B0604020202020204" pitchFamily="34" charset="0"/>
+              </a:defRPr>
+            </a:lvl3pPr>
+            <a:lvl4pPr marL="1600200" indent="-228600" eaLnBrk="0" hangingPunct="0">
+              <a:spcBef>
+                <a:spcPct val="20000"/>
+              </a:spcBef>
+              <a:buChar char="–"/>
+              <a:defRPr sz="2000">
+                <a:solidFill>
+                  <a:schemeClr val="tx1"/>
+                </a:solidFill>
+                <a:latin typeface="Arial" panose="020B0604020202020204" pitchFamily="34" charset="0"/>
+                <a:cs typeface="Arial" panose="020B0604020202020204" pitchFamily="34" charset="0"/>
+              </a:defRPr>
+            </a:lvl4pPr>
+            <a:lvl5pPr marL="2057400" indent="-228600" eaLnBrk="0" hangingPunct="0">
+              <a:spcBef>
+                <a:spcPct val="20000"/>
+              </a:spcBef>
+              <a:buChar char="»"/>
+              <a:defRPr sz="2000">
+                <a:solidFill>
+                  <a:schemeClr val="tx1"/>
+                </a:solidFill>
+                <a:latin typeface="Arial" panose="020B0604020202020204" pitchFamily="34" charset="0"/>
+                <a:cs typeface="Arial" panose="020B0604020202020204" pitchFamily="34" charset="0"/>
+              </a:defRPr>
+            </a:lvl5pPr>
+            <a:lvl6pPr marL="2514600" indent="-228600" eaLnBrk="0" fontAlgn="base" hangingPunct="0">
+              <a:spcBef>
+                <a:spcPct val="20000"/>
+              </a:spcBef>
+              <a:spcAft>
+                <a:spcPct val="0"/>
+              </a:spcAft>
+              <a:buChar char="»"/>
+              <a:defRPr sz="2000">
+                <a:solidFill>
+                  <a:schemeClr val="tx1"/>
+                </a:solidFill>
+                <a:latin typeface="Arial" panose="020B0604020202020204" pitchFamily="34" charset="0"/>
+                <a:cs typeface="Arial" panose="020B0604020202020204" pitchFamily="34" charset="0"/>
+              </a:defRPr>
+            </a:lvl6pPr>
+            <a:lvl7pPr marL="2971800" indent="-228600" eaLnBrk="0" fontAlgn="base" hangingPunct="0">
+              <a:spcBef>
+                <a:spcPct val="20000"/>
+              </a:spcBef>
+              <a:spcAft>
+                <a:spcPct val="0"/>
+              </a:spcAft>
+              <a:buChar char="»"/>
+              <a:defRPr sz="2000">
+                <a:solidFill>
+                  <a:schemeClr val="tx1"/>
+                </a:solidFill>
+                <a:latin typeface="Arial" panose="020B0604020202020204" pitchFamily="34" charset="0"/>
+                <a:cs typeface="Arial" panose="020B0604020202020204" pitchFamily="34" charset="0"/>
+              </a:defRPr>
+            </a:lvl7pPr>
+            <a:lvl8pPr marL="3429000" indent="-228600" eaLnBrk="0" fontAlgn="base" hangingPunct="0">
+              <a:spcBef>
+                <a:spcPct val="20000"/>
+              </a:spcBef>
+              <a:spcAft>
+                <a:spcPct val="0"/>
+              </a:spcAft>
+              <a:buChar char="»"/>
+              <a:defRPr sz="2000">
+                <a:solidFill>
+                  <a:schemeClr val="tx1"/>
+                </a:solidFill>
+                <a:latin typeface="Arial" panose="020B0604020202020204" pitchFamily="34" charset="0"/>
+                <a:cs typeface="Arial" panose="020B0604020202020204" pitchFamily="34" charset="0"/>
+              </a:defRPr>
+            </a:lvl8pPr>
+            <a:lvl9pPr marL="3886200" indent="-228600" eaLnBrk="0" fontAlgn="base" hangingPunct="0">
+              <a:spcBef>
+                <a:spcPct val="20000"/>
+              </a:spcBef>
+              <a:spcAft>
+                <a:spcPct val="0"/>
+              </a:spcAft>
+              <a:buChar char="»"/>
+              <a:defRPr sz="2000">
+                <a:solidFill>
+                  <a:schemeClr val="tx1"/>
+                </a:solidFill>
+                <a:latin typeface="Arial" panose="020B0604020202020204" pitchFamily="34" charset="0"/>
+                <a:cs typeface="Arial" panose="020B0604020202020204" pitchFamily="34" charset="0"/>
+              </a:defRPr>
+            </a:lvl9pPr>
+          </a:lstStyle>
+          <a:p>
+            <a:pPr algn="ctr" eaLnBrk="1" hangingPunct="1">
+              <a:spcBef>
+                <a:spcPct val="0"/>
+              </a:spcBef>
+              <a:buFontTx/>
+              <a:buNone/>
+            </a:pPr>
+            <a:r>
+              <a:rPr lang="ru-RU" altLang="ru-RU" sz="1600" dirty="0">
+                <a:solidFill>
+                  <a:schemeClr val="bg1"/>
+                </a:solidFill>
+              </a:rPr>
+              <a:t>ФЕДЕРАЛЬНОЕ ГОСУДАРСТВЕННОЕ АВТОНОМНОЕ ОБРАЗОВАТЕЛЬНОЕ УЧРЕЖДЕНИЕ ВЫСШЕГО ОБРАЗОВАНИЯ</a:t>
+            </a:r>
+          </a:p>
+          <a:p>
+            <a:pPr algn="ctr" eaLnBrk="1" hangingPunct="1">
+              <a:spcBef>
+                <a:spcPct val="0"/>
+              </a:spcBef>
+              <a:buFontTx/>
+              <a:buNone/>
+            </a:pPr>
+            <a:r>
+              <a:rPr lang="ru-RU" altLang="ru-RU" sz="1600" dirty="0">
+                <a:solidFill>
+                  <a:schemeClr val="bg1"/>
+                </a:solidFill>
+              </a:rPr>
+              <a:t>«САМАРСКИЙ НАЦИОНАЛЬНЫЙ ИССЛЕДОВАТЕЛЬСКИЙ УНИВЕРСИТЕТ</a:t>
+            </a:r>
+          </a:p>
+          <a:p>
+            <a:pPr algn="ctr" eaLnBrk="1" hangingPunct="1">
+              <a:spcBef>
+                <a:spcPct val="0"/>
+              </a:spcBef>
+              <a:buFontTx/>
+              <a:buNone/>
+            </a:pPr>
+            <a:r>
+              <a:rPr lang="ru-RU" altLang="ru-RU" sz="1600" dirty="0">
+                <a:solidFill>
+                  <a:schemeClr val="bg1"/>
+                </a:solidFill>
+              </a:rPr>
+              <a:t>ИМЕНИ АКАДЕМИКА С.П. КОРОЛЕВА»</a:t>
+            </a:r>
+          </a:p>
+        </p:txBody>
+      </p:sp>
+      <p:sp>
+        <p:nvSpPr>
+          <p:cNvPr id="11" name="Подзаголовок 2">
+            <a:extLst>
+              <a:ext uri="{FF2B5EF4-FFF2-40B4-BE49-F238E27FC236}">
+                <a16:creationId xmlns:a16="http://schemas.microsoft.com/office/drawing/2014/main" id="{3FA09E6E-855D-491A-BC02-AE191711D45F}"/>
+              </a:ext>
+            </a:extLst>
+          </p:cNvPr>
+          <p:cNvSpPr>
+            <a:spLocks/>
+          </p:cNvSpPr>
+          <p:nvPr/>
+        </p:nvSpPr>
+        <p:spPr bwMode="auto">
+          <a:xfrm>
+            <a:off x="4655045" y="4466400"/>
+            <a:ext cx="7247587" cy="1004887"/>
+          </a:xfrm>
+          <a:prstGeom prst="rect">
+            <a:avLst/>
+          </a:prstGeom>
+          <a:noFill/>
+          <a:ln>
+            <a:noFill/>
+          </a:ln>
+          <a:extLst>
+            <a:ext uri="{909E8E84-426E-40DD-AFC4-6F175D3DCCD1}">
+              <a14:hiddenFill xmlns:a14="http://schemas.microsoft.com/office/drawing/2010/main">
+                <a:solidFill>
+                  <a:srgbClr val="FFFFFF"/>
+                </a:solidFill>
+              </a14:hiddenFill>
+            </a:ext>
+            <a:ext uri="{91240B29-F687-4F45-9708-019B960494DF}">
+              <a14:hiddenLine xmlns:a14="http://schemas.microsoft.com/office/drawing/2010/main" w="9525">
+                <a:solidFill>
+                  <a:srgbClr val="000000"/>
+                </a:solidFill>
+                <a:miter lim="800000"/>
+                <a:headEnd/>
+                <a:tailEnd/>
+              </a14:hiddenLine>
+            </a:ext>
+          </a:extLst>
+        </p:spPr>
+        <p:txBody>
+          <a:bodyPr/>
+          <a:lstStyle>
+            <a:lvl1pPr eaLnBrk="0" hangingPunct="0">
+              <a:spcBef>
+                <a:spcPct val="20000"/>
+              </a:spcBef>
+              <a:buChar char="•"/>
+              <a:defRPr sz="3200">
+                <a:solidFill>
+                  <a:schemeClr val="tx1"/>
+                </a:solidFill>
+                <a:latin typeface="Arial" panose="020B0604020202020204" pitchFamily="34" charset="0"/>
+                <a:cs typeface="Arial" panose="020B0604020202020204" pitchFamily="34" charset="0"/>
+              </a:defRPr>
+            </a:lvl1pPr>
+            <a:lvl2pPr marL="742950" indent="-285750" eaLnBrk="0" hangingPunct="0">
+              <a:spcBef>
+                <a:spcPct val="20000"/>
+              </a:spcBef>
+              <a:buChar char="–"/>
+              <a:defRPr sz="2800">
+                <a:solidFill>
+                  <a:schemeClr val="tx1"/>
+                </a:solidFill>
+                <a:latin typeface="Arial" panose="020B0604020202020204" pitchFamily="34" charset="0"/>
+                <a:cs typeface="Arial" panose="020B0604020202020204" pitchFamily="34" charset="0"/>
+              </a:defRPr>
+            </a:lvl2pPr>
+            <a:lvl3pPr marL="1143000" indent="-228600" eaLnBrk="0" hangingPunct="0">
+              <a:spcBef>
+                <a:spcPct val="20000"/>
+              </a:spcBef>
+              <a:buChar char="•"/>
+              <a:defRPr sz="2400">
+                <a:solidFill>
+                  <a:schemeClr val="tx1"/>
+                </a:solidFill>
+                <a:latin typeface="Arial" panose="020B0604020202020204" pitchFamily="34" charset="0"/>
+                <a:cs typeface="Arial" panose="020B0604020202020204" pitchFamily="34" charset="0"/>
+              </a:defRPr>
+            </a:lvl3pPr>
+            <a:lvl4pPr marL="1600200" indent="-228600" eaLnBrk="0" hangingPunct="0">
+              <a:spcBef>
+                <a:spcPct val="20000"/>
+              </a:spcBef>
+              <a:buChar char="–"/>
+              <a:defRPr sz="2000">
+                <a:solidFill>
+                  <a:schemeClr val="tx1"/>
+                </a:solidFill>
+                <a:latin typeface="Arial" panose="020B0604020202020204" pitchFamily="34" charset="0"/>
+                <a:cs typeface="Arial" panose="020B0604020202020204" pitchFamily="34" charset="0"/>
+              </a:defRPr>
+            </a:lvl4pPr>
+            <a:lvl5pPr marL="2057400" indent="-228600" eaLnBrk="0" hangingPunct="0">
+              <a:spcBef>
+                <a:spcPct val="20000"/>
+              </a:spcBef>
+              <a:buChar char="»"/>
+              <a:defRPr sz="2000">
+                <a:solidFill>
+                  <a:schemeClr val="tx1"/>
+                </a:solidFill>
+                <a:latin typeface="Arial" panose="020B0604020202020204" pitchFamily="34" charset="0"/>
+                <a:cs typeface="Arial" panose="020B0604020202020204" pitchFamily="34" charset="0"/>
+              </a:defRPr>
+            </a:lvl5pPr>
+            <a:lvl6pPr marL="2514600" indent="-228600" eaLnBrk="0" fontAlgn="base" hangingPunct="0">
+              <a:spcBef>
+                <a:spcPct val="20000"/>
+              </a:spcBef>
+              <a:spcAft>
+                <a:spcPct val="0"/>
+              </a:spcAft>
+              <a:buChar char="»"/>
+              <a:defRPr sz="2000">
+                <a:solidFill>
+                  <a:schemeClr val="tx1"/>
+                </a:solidFill>
+                <a:latin typeface="Arial" panose="020B0604020202020204" pitchFamily="34" charset="0"/>
+                <a:cs typeface="Arial" panose="020B0604020202020204" pitchFamily="34" charset="0"/>
+              </a:defRPr>
+            </a:lvl6pPr>
+            <a:lvl7pPr marL="2971800" indent="-228600" eaLnBrk="0" fontAlgn="base" hangingPunct="0">
+              <a:spcBef>
+                <a:spcPct val="20000"/>
+              </a:spcBef>
+              <a:spcAft>
+                <a:spcPct val="0"/>
+              </a:spcAft>
+              <a:buChar char="»"/>
+              <a:defRPr sz="2000">
+                <a:solidFill>
+                  <a:schemeClr val="tx1"/>
+                </a:solidFill>
+                <a:latin typeface="Arial" panose="020B0604020202020204" pitchFamily="34" charset="0"/>
+                <a:cs typeface="Arial" panose="020B0604020202020204" pitchFamily="34" charset="0"/>
+              </a:defRPr>
+            </a:lvl7pPr>
+            <a:lvl8pPr marL="3429000" indent="-228600" eaLnBrk="0" fontAlgn="base" hangingPunct="0">
+              <a:spcBef>
+                <a:spcPct val="20000"/>
+              </a:spcBef>
+              <a:spcAft>
+                <a:spcPct val="0"/>
+              </a:spcAft>
+              <a:buChar char="»"/>
+              <a:defRPr sz="2000">
+                <a:solidFill>
+                  <a:schemeClr val="tx1"/>
+                </a:solidFill>
+                <a:latin typeface="Arial" panose="020B0604020202020204" pitchFamily="34" charset="0"/>
+                <a:cs typeface="Arial" panose="020B0604020202020204" pitchFamily="34" charset="0"/>
+              </a:defRPr>
+            </a:lvl8pPr>
+            <a:lvl9pPr marL="3886200" indent="-228600" eaLnBrk="0" fontAlgn="base" hangingPunct="0">
+              <a:spcBef>
+                <a:spcPct val="20000"/>
+              </a:spcBef>
+              <a:spcAft>
+                <a:spcPct val="0"/>
+              </a:spcAft>
+              <a:buChar char="»"/>
+              <a:defRPr sz="2000">
+                <a:solidFill>
+                  <a:schemeClr val="tx1"/>
+                </a:solidFill>
+                <a:latin typeface="Arial" panose="020B0604020202020204" pitchFamily="34" charset="0"/>
+                <a:cs typeface="Arial" panose="020B0604020202020204" pitchFamily="34" charset="0"/>
+              </a:defRPr>
+            </a:lvl9pPr>
+          </a:lstStyle>
+          <a:p>
+            <a:pPr algn="just" eaLnBrk="1" hangingPunct="1">
+              <a:lnSpc>
+                <a:spcPct val="80000"/>
+              </a:lnSpc>
+              <a:buFontTx/>
+              <a:buNone/>
+            </a:pPr>
+            <a:r>
+              <a:rPr lang="ru-RU" altLang="ru-RU" sz="1800" dirty="0">
+                <a:solidFill>
+                  <a:schemeClr val="bg1"/>
+                </a:solidFill>
+              </a:rPr>
+              <a:t>Обучающийся: Владимир Дмитриевич Мавлютов гр. 6223-090401</a:t>
+            </a:r>
+            <a:r>
+              <a:rPr lang="en-US" altLang="ru-RU" sz="1800" dirty="0">
+                <a:solidFill>
+                  <a:schemeClr val="bg1"/>
+                </a:solidFill>
+              </a:rPr>
+              <a:t>D</a:t>
+            </a:r>
+            <a:endParaRPr lang="ru-RU" altLang="ru-RU" sz="1800" dirty="0">
+              <a:solidFill>
+                <a:schemeClr val="bg1"/>
+              </a:solidFill>
+            </a:endParaRPr>
+          </a:p>
+          <a:p>
+            <a:pPr algn="just" eaLnBrk="1" hangingPunct="1">
+              <a:lnSpc>
+                <a:spcPct val="80000"/>
+              </a:lnSpc>
+              <a:buFontTx/>
+              <a:buNone/>
+            </a:pPr>
+            <a:endParaRPr lang="ru-RU" altLang="ru-RU" sz="1800" dirty="0">
+              <a:solidFill>
+                <a:schemeClr val="bg1"/>
+              </a:solidFill>
+            </a:endParaRPr>
+          </a:p>
+          <a:p>
+            <a:pPr algn="just" eaLnBrk="1" hangingPunct="1">
+              <a:lnSpc>
+                <a:spcPct val="80000"/>
+              </a:lnSpc>
+              <a:buFontTx/>
+              <a:buNone/>
+            </a:pPr>
+            <a:r>
+              <a:rPr lang="ru-RU" altLang="ru-RU" sz="1800" dirty="0">
+                <a:solidFill>
+                  <a:schemeClr val="bg1"/>
+                </a:solidFill>
+              </a:rPr>
+              <a:t>Руководитель: Олег Константинович Головнин, доцент кафедры ИСТ, к.т.н., доцент</a:t>
+            </a:r>
+          </a:p>
+        </p:txBody>
+      </p:sp>
+      <p:sp>
+        <p:nvSpPr>
+          <p:cNvPr id="12" name="Text Box 9">
+            <a:extLst>
+              <a:ext uri="{FF2B5EF4-FFF2-40B4-BE49-F238E27FC236}">
+                <a16:creationId xmlns:a16="http://schemas.microsoft.com/office/drawing/2014/main" id="{02E669B2-0BC2-491D-8EFB-E22D81151632}"/>
+              </a:ext>
+            </a:extLst>
+          </p:cNvPr>
+          <p:cNvSpPr txBox="1">
+            <a:spLocks noChangeArrowheads="1"/>
+          </p:cNvSpPr>
+          <p:nvPr/>
+        </p:nvSpPr>
+        <p:spPr bwMode="auto">
+          <a:xfrm>
+            <a:off x="6957622" y="6172995"/>
+            <a:ext cx="2232025" cy="366712"/>
+          </a:xfrm>
+          <a:prstGeom prst="rect">
+            <a:avLst/>
+          </a:prstGeom>
+          <a:noFill/>
+          <a:ln>
+            <a:noFill/>
+          </a:ln>
+          <a:extLst>
+            <a:ext uri="{909E8E84-426E-40DD-AFC4-6F175D3DCCD1}">
+              <a14:hiddenFill xmlns:a14="http://schemas.microsoft.com/office/drawing/2010/main">
+                <a:solidFill>
+                  <a:srgbClr val="FFFFFF"/>
+                </a:solidFill>
+              </a14:hiddenFill>
+            </a:ext>
+            <a:ext uri="{91240B29-F687-4F45-9708-019B960494DF}">
+              <a14:hiddenLine xmlns:a14="http://schemas.microsoft.com/office/drawing/2010/main" w="9525">
+                <a:solidFill>
+                  <a:srgbClr val="000000"/>
+                </a:solidFill>
+                <a:miter lim="800000"/>
+                <a:headEnd/>
+                <a:tailEnd/>
+              </a14:hiddenLine>
+            </a:ext>
+          </a:extLst>
+        </p:spPr>
+        <p:txBody>
+          <a:bodyPr>
+            <a:spAutoFit/>
+          </a:bodyPr>
+          <a:lstStyle>
+            <a:lvl1pPr eaLnBrk="0" hangingPunct="0">
+              <a:spcBef>
+                <a:spcPct val="20000"/>
+              </a:spcBef>
+              <a:buChar char="•"/>
+              <a:defRPr sz="3200">
+                <a:solidFill>
+                  <a:schemeClr val="tx1"/>
+                </a:solidFill>
+                <a:latin typeface="Arial" panose="020B0604020202020204" pitchFamily="34" charset="0"/>
+                <a:cs typeface="Arial" panose="020B0604020202020204" pitchFamily="34" charset="0"/>
+              </a:defRPr>
+            </a:lvl1pPr>
+            <a:lvl2pPr marL="742950" indent="-285750" eaLnBrk="0" hangingPunct="0">
+              <a:spcBef>
+                <a:spcPct val="20000"/>
+              </a:spcBef>
+              <a:buChar char="–"/>
+              <a:defRPr sz="2800">
+                <a:solidFill>
+                  <a:schemeClr val="tx1"/>
+                </a:solidFill>
+                <a:latin typeface="Arial" panose="020B0604020202020204" pitchFamily="34" charset="0"/>
+                <a:cs typeface="Arial" panose="020B0604020202020204" pitchFamily="34" charset="0"/>
+              </a:defRPr>
+            </a:lvl2pPr>
+            <a:lvl3pPr marL="1143000" indent="-228600" eaLnBrk="0" hangingPunct="0">
+              <a:spcBef>
+                <a:spcPct val="20000"/>
+              </a:spcBef>
+              <a:buChar char="•"/>
+              <a:defRPr sz="2400">
+                <a:solidFill>
+                  <a:schemeClr val="tx1"/>
+                </a:solidFill>
+                <a:latin typeface="Arial" panose="020B0604020202020204" pitchFamily="34" charset="0"/>
+                <a:cs typeface="Arial" panose="020B0604020202020204" pitchFamily="34" charset="0"/>
+              </a:defRPr>
+            </a:lvl3pPr>
+            <a:lvl4pPr marL="1600200" indent="-228600" eaLnBrk="0" hangingPunct="0">
+              <a:spcBef>
+                <a:spcPct val="20000"/>
+              </a:spcBef>
+              <a:buChar char="–"/>
+              <a:defRPr sz="2000">
+                <a:solidFill>
+                  <a:schemeClr val="tx1"/>
+                </a:solidFill>
+                <a:latin typeface="Arial" panose="020B0604020202020204" pitchFamily="34" charset="0"/>
+                <a:cs typeface="Arial" panose="020B0604020202020204" pitchFamily="34" charset="0"/>
+              </a:defRPr>
+            </a:lvl4pPr>
+            <a:lvl5pPr marL="2057400" indent="-228600" eaLnBrk="0" hangingPunct="0">
+              <a:spcBef>
+                <a:spcPct val="20000"/>
+              </a:spcBef>
+              <a:buChar char="»"/>
+              <a:defRPr sz="2000">
+                <a:solidFill>
+                  <a:schemeClr val="tx1"/>
+                </a:solidFill>
+                <a:latin typeface="Arial" panose="020B0604020202020204" pitchFamily="34" charset="0"/>
+                <a:cs typeface="Arial" panose="020B0604020202020204" pitchFamily="34" charset="0"/>
+              </a:defRPr>
+            </a:lvl5pPr>
+            <a:lvl6pPr marL="2514600" indent="-228600" eaLnBrk="0" fontAlgn="base" hangingPunct="0">
+              <a:spcBef>
+                <a:spcPct val="20000"/>
+              </a:spcBef>
+              <a:spcAft>
+                <a:spcPct val="0"/>
+              </a:spcAft>
+              <a:buChar char="»"/>
+              <a:defRPr sz="2000">
+                <a:solidFill>
+                  <a:schemeClr val="tx1"/>
+                </a:solidFill>
+                <a:latin typeface="Arial" panose="020B0604020202020204" pitchFamily="34" charset="0"/>
+                <a:cs typeface="Arial" panose="020B0604020202020204" pitchFamily="34" charset="0"/>
+              </a:defRPr>
+            </a:lvl6pPr>
+            <a:lvl7pPr marL="2971800" indent="-228600" eaLnBrk="0" fontAlgn="base" hangingPunct="0">
+              <a:spcBef>
+                <a:spcPct val="20000"/>
+              </a:spcBef>
+              <a:spcAft>
+                <a:spcPct val="0"/>
+              </a:spcAft>
+              <a:buChar char="»"/>
+              <a:defRPr sz="2000">
+                <a:solidFill>
+                  <a:schemeClr val="tx1"/>
+                </a:solidFill>
+                <a:latin typeface="Arial" panose="020B0604020202020204" pitchFamily="34" charset="0"/>
+                <a:cs typeface="Arial" panose="020B0604020202020204" pitchFamily="34" charset="0"/>
+              </a:defRPr>
+            </a:lvl7pPr>
+            <a:lvl8pPr marL="3429000" indent="-228600" eaLnBrk="0" fontAlgn="base" hangingPunct="0">
+              <a:spcBef>
+                <a:spcPct val="20000"/>
+              </a:spcBef>
+              <a:spcAft>
+                <a:spcPct val="0"/>
+              </a:spcAft>
+              <a:buChar char="»"/>
+              <a:defRPr sz="2000">
+                <a:solidFill>
+                  <a:schemeClr val="tx1"/>
+                </a:solidFill>
+                <a:latin typeface="Arial" panose="020B0604020202020204" pitchFamily="34" charset="0"/>
+                <a:cs typeface="Arial" panose="020B0604020202020204" pitchFamily="34" charset="0"/>
+              </a:defRPr>
+            </a:lvl8pPr>
+            <a:lvl9pPr marL="3886200" indent="-228600" eaLnBrk="0" fontAlgn="base" hangingPunct="0">
+              <a:spcBef>
+                <a:spcPct val="20000"/>
+              </a:spcBef>
+              <a:spcAft>
+                <a:spcPct val="0"/>
+              </a:spcAft>
+              <a:buChar char="»"/>
+              <a:defRPr sz="2000">
+                <a:solidFill>
+                  <a:schemeClr val="tx1"/>
+                </a:solidFill>
+                <a:latin typeface="Arial" panose="020B0604020202020204" pitchFamily="34" charset="0"/>
+                <a:cs typeface="Arial" panose="020B0604020202020204" pitchFamily="34" charset="0"/>
+              </a:defRPr>
+            </a:lvl9pPr>
+          </a:lstStyle>
+          <a:p>
+            <a:pPr algn="ctr" eaLnBrk="1" hangingPunct="1">
+              <a:spcBef>
+                <a:spcPct val="50000"/>
+              </a:spcBef>
+              <a:buFontTx/>
+              <a:buNone/>
+            </a:pPr>
+            <a:r>
+              <a:rPr lang="ru-RU" altLang="ru-RU" sz="1800" dirty="0">
+                <a:solidFill>
+                  <a:schemeClr val="bg1"/>
+                </a:solidFill>
+              </a:rPr>
+              <a:t>Самара,</a:t>
+            </a:r>
+            <a:r>
+              <a:rPr lang="ru-RU" altLang="ru-RU" sz="1800" dirty="0">
+                <a:solidFill>
+                  <a:schemeClr val="bg1"/>
+                </a:solidFill>
+                <a:cs typeface="Times New Roman" panose="02020603050405020304" pitchFamily="18" charset="0"/>
+              </a:rPr>
+              <a:t> 2021</a:t>
+            </a:r>
+          </a:p>
+        </p:txBody>
+      </p:sp>
     </p:spTree>
     <p:extLst>
       <p:ext uri="{BB962C8B-B14F-4D97-AF65-F5344CB8AC3E}">
@@ -5997,6 +10791,146 @@
 </file>
 
 <file path=ppt/slides/slide10.xml><?xml version="1.0" encoding="utf-8"?>
+<p:sld xmlns:a="http://schemas.openxmlformats.org/drawingml/2006/main" xmlns:r="http://schemas.openxmlformats.org/officeDocument/2006/relationships" xmlns:p="http://schemas.openxmlformats.org/presentationml/2006/main">
+  <p:cSld>
+    <p:spTree>
+      <p:nvGrpSpPr>
+        <p:cNvPr id="1" name=""/>
+        <p:cNvGrpSpPr/>
+        <p:nvPr/>
+      </p:nvGrpSpPr>
+      <p:grpSpPr>
+        <a:xfrm>
+          <a:off x="0" y="0"/>
+          <a:ext cx="0" cy="0"/>
+          <a:chOff x="0" y="0"/>
+          <a:chExt cx="0" cy="0"/>
+        </a:xfrm>
+      </p:grpSpPr>
+      <p:sp>
+        <p:nvSpPr>
+          <p:cNvPr id="5" name="TextBox 4"/>
+          <p:cNvSpPr txBox="1"/>
+          <p:nvPr/>
+        </p:nvSpPr>
+        <p:spPr>
+          <a:xfrm>
+            <a:off x="2351319" y="215407"/>
+            <a:ext cx="7898675" cy="523220"/>
+          </a:xfrm>
+          <a:prstGeom prst="rect">
+            <a:avLst/>
+          </a:prstGeom>
+          <a:noFill/>
+        </p:spPr>
+        <p:txBody>
+          <a:bodyPr wrap="square" rtlCol="0" anchor="ctr" anchorCtr="1">
+            <a:spAutoFit/>
+          </a:bodyPr>
+          <a:lstStyle/>
+          <a:p>
+            <a:pPr algn="ctr"/>
+            <a:r>
+              <a:rPr lang="ru-RU" sz="2800" dirty="0">
+                <a:solidFill>
+                  <a:schemeClr val="bg1"/>
+                </a:solidFill>
+                <a:latin typeface="Elektra Text Pro" panose="02000503030000020004" pitchFamily="50" charset="-52"/>
+              </a:rPr>
+              <a:t>Схема работы системы</a:t>
+            </a:r>
+          </a:p>
+        </p:txBody>
+      </p:sp>
+      <p:sp>
+        <p:nvSpPr>
+          <p:cNvPr id="6" name="Номер слайда 2"/>
+          <p:cNvSpPr>
+            <a:spLocks noGrp="1"/>
+          </p:cNvSpPr>
+          <p:nvPr>
+            <p:ph type="sldNum" sz="quarter" idx="12"/>
+          </p:nvPr>
+        </p:nvSpPr>
+        <p:spPr>
+          <a:xfrm>
+            <a:off x="8736463" y="6356351"/>
+            <a:ext cx="2844430" cy="365125"/>
+          </a:xfrm>
+        </p:spPr>
+        <p:txBody>
+          <a:bodyPr/>
+          <a:lstStyle/>
+          <a:p>
+            <a:fld id="{E2656834-4BAB-4DB1-9FED-8310CA017EAF}" type="slidenum">
+              <a:rPr lang="ru-RU" sz="2000" b="1" smtClean="0">
+                <a:solidFill>
+                  <a:schemeClr val="tx1"/>
+                </a:solidFill>
+              </a:rPr>
+              <a:t>10</a:t>
+            </a:fld>
+            <a:endParaRPr lang="ru-RU" sz="2000" b="1" dirty="0">
+              <a:solidFill>
+                <a:schemeClr val="tx1"/>
+              </a:solidFill>
+            </a:endParaRPr>
+          </a:p>
+        </p:txBody>
+      </p:sp>
+      <p:pic>
+        <p:nvPicPr>
+          <p:cNvPr id="7" name="Рисунок 6">
+            <a:extLst>
+              <a:ext uri="{FF2B5EF4-FFF2-40B4-BE49-F238E27FC236}">
+                <a16:creationId xmlns:a16="http://schemas.microsoft.com/office/drawing/2014/main" id="{B20BB220-15E0-4048-BEF9-4D683792ADCC}"/>
+              </a:ext>
+            </a:extLst>
+          </p:cNvPr>
+          <p:cNvPicPr/>
+          <p:nvPr/>
+        </p:nvPicPr>
+        <p:blipFill>
+          <a:blip r:embed="rId2">
+            <a:extLst>
+              <a:ext uri="{28A0092B-C50C-407E-A947-70E740481C1C}">
+                <a14:useLocalDpi xmlns:a14="http://schemas.microsoft.com/office/drawing/2010/main" val="0"/>
+              </a:ext>
+            </a:extLst>
+          </a:blip>
+          <a:srcRect/>
+          <a:stretch>
+            <a:fillRect/>
+          </a:stretch>
+        </p:blipFill>
+        <p:spPr bwMode="auto">
+          <a:xfrm>
+            <a:off x="1126654" y="1003096"/>
+            <a:ext cx="9937104" cy="5450240"/>
+          </a:xfrm>
+          <a:prstGeom prst="rect">
+            <a:avLst/>
+          </a:prstGeom>
+          <a:noFill/>
+          <a:ln>
+            <a:noFill/>
+          </a:ln>
+        </p:spPr>
+      </p:pic>
+    </p:spTree>
+    <p:extLst>
+      <p:ext uri="{BB962C8B-B14F-4D97-AF65-F5344CB8AC3E}">
+        <p14:creationId xmlns:p14="http://schemas.microsoft.com/office/powerpoint/2010/main" val="1654475030"/>
+      </p:ext>
+    </p:extLst>
+  </p:cSld>
+  <p:clrMapOvr>
+    <a:masterClrMapping/>
+  </p:clrMapOvr>
+</p:sld>
+</file>
+
+<file path=ppt/slides/slide11.xml><?xml version="1.0" encoding="utf-8"?>
 <p:sld xmlns:a="http://schemas.openxmlformats.org/drawingml/2006/main" xmlns:r="http://schemas.openxmlformats.org/officeDocument/2006/relationships" xmlns:p="http://schemas.openxmlformats.org/presentationml/2006/main">
   <p:cSld>
     <p:spTree>
@@ -6113,7 +11047,7 @@
                   <a:schemeClr val="tx1"/>
                 </a:solidFill>
               </a:rPr>
-              <a:t>10</a:t>
+              <a:t>11</a:t>
             </a:fld>
             <a:endParaRPr lang="ru-RU" sz="2000" b="1" dirty="0">
               <a:solidFill>
@@ -6136,7 +11070,7 @@
 </p:sld>
 </file>
 
-<file path=ppt/slides/slide11.xml><?xml version="1.0" encoding="utf-8"?>
+<file path=ppt/slides/slide12.xml><?xml version="1.0" encoding="utf-8"?>
 <p:sld xmlns:a="http://schemas.openxmlformats.org/drawingml/2006/main" xmlns:r="http://schemas.openxmlformats.org/officeDocument/2006/relationships" xmlns:p="http://schemas.openxmlformats.org/presentationml/2006/main">
   <p:cSld>
     <p:spTree>
@@ -6209,7 +11143,7 @@
                   <a:schemeClr val="tx1"/>
                 </a:solidFill>
               </a:rPr>
-              <a:t>11</a:t>
+              <a:t>12</a:t>
             </a:fld>
             <a:endParaRPr lang="ru-RU" sz="2000" b="1">
               <a:solidFill>
@@ -7925,7 +12859,7 @@
 </p:sld>
 </file>
 
-<file path=ppt/slides/slide12.xml><?xml version="1.0" encoding="utf-8"?>
+<file path=ppt/slides/slide13.xml><?xml version="1.0" encoding="utf-8"?>
 <p:sld xmlns:a="http://schemas.openxmlformats.org/drawingml/2006/main" xmlns:r="http://schemas.openxmlformats.org/officeDocument/2006/relationships" xmlns:p="http://schemas.openxmlformats.org/presentationml/2006/main">
   <p:cSld>
     <p:spTree>
@@ -8003,7 +12937,7 @@
                   <a:schemeClr val="tx1"/>
                 </a:solidFill>
               </a:rPr>
-              <a:t>12</a:t>
+              <a:t>13</a:t>
             </a:fld>
             <a:endParaRPr lang="ru-RU" sz="2000" b="1" dirty="0">
               <a:solidFill>
@@ -8266,7 +13200,7 @@
 </p:sld>
 </file>
 
-<file path=ppt/slides/slide13.xml><?xml version="1.0" encoding="utf-8"?>
+<file path=ppt/slides/slide14.xml><?xml version="1.0" encoding="utf-8"?>
 <p:sld xmlns:a="http://schemas.openxmlformats.org/drawingml/2006/main" xmlns:r="http://schemas.openxmlformats.org/officeDocument/2006/relationships" xmlns:p="http://schemas.openxmlformats.org/presentationml/2006/main">
   <p:cSld>
     <p:spTree>
@@ -8406,7 +13340,7 @@
                   <a:schemeClr val="tx1"/>
                 </a:solidFill>
               </a:rPr>
-              <a:t>13</a:t>
+              <a:t>14</a:t>
             </a:fld>
             <a:endParaRPr lang="ru-RU" sz="2000" b="1" dirty="0">
               <a:solidFill>
@@ -8429,7 +13363,7 @@
 </p:sld>
 </file>
 
-<file path=ppt/slides/slide14.xml><?xml version="1.0" encoding="utf-8"?>
+<file path=ppt/slides/slide15.xml><?xml version="1.0" encoding="utf-8"?>
 <p:sld xmlns:a="http://schemas.openxmlformats.org/drawingml/2006/main" xmlns:r="http://schemas.openxmlformats.org/officeDocument/2006/relationships" xmlns:p="http://schemas.openxmlformats.org/presentationml/2006/main">
   <p:cSld>
     <p:spTree>
@@ -8545,7 +13479,7 @@
           <a:p>
             <a:fld id="{E2656834-4BAB-4DB1-9FED-8310CA017EAF}" type="slidenum">
               <a:rPr lang="ru-RU" smtClean="0"/>
-              <a:t>14</a:t>
+              <a:t>15</a:t>
             </a:fld>
             <a:endParaRPr lang="ru-RU"/>
           </a:p>
@@ -8975,6 +13909,177 @@
           <a:chExt cx="0" cy="0"/>
         </a:xfrm>
       </p:grpSpPr>
+      <p:graphicFrame>
+        <p:nvGraphicFramePr>
+          <p:cNvPr id="2" name="Объект 1">
+            <a:extLst>
+              <a:ext uri="{FF2B5EF4-FFF2-40B4-BE49-F238E27FC236}">
+                <a16:creationId xmlns:a16="http://schemas.microsoft.com/office/drawing/2014/main" id="{1A8AC665-49CD-4479-8B3C-655595D5368D}"/>
+              </a:ext>
+            </a:extLst>
+          </p:cNvPr>
+          <p:cNvGraphicFramePr>
+            <a:graphicFrameLocks noGrp="1"/>
+          </p:cNvGraphicFramePr>
+          <p:nvPr>
+            <p:ph idx="1"/>
+            <p:extLst>
+              <p:ext uri="{D42A27DB-BD31-4B8C-83A1-F6EECF244321}">
+                <p14:modId xmlns:p14="http://schemas.microsoft.com/office/powerpoint/2010/main" val="2920676704"/>
+              </p:ext>
+            </p:extLst>
+          </p:nvPr>
+        </p:nvGraphicFramePr>
+        <p:xfrm>
+          <a:off x="6088443" y="1124744"/>
+          <a:ext cx="5017521" cy="5231607"/>
+        </p:xfrm>
+        <a:graphic>
+          <a:graphicData uri="http://schemas.openxmlformats.org/drawingml/2006/diagram">
+            <dgm:relIds xmlns:dgm="http://schemas.openxmlformats.org/drawingml/2006/diagram" xmlns:r="http://schemas.openxmlformats.org/officeDocument/2006/relationships" r:dm="rId2" r:lo="rId3" r:qs="rId4" r:cs="rId5"/>
+          </a:graphicData>
+        </a:graphic>
+      </p:graphicFrame>
+      <p:sp>
+        <p:nvSpPr>
+          <p:cNvPr id="5" name="TextBox 4"/>
+          <p:cNvSpPr txBox="1"/>
+          <p:nvPr/>
+        </p:nvSpPr>
+        <p:spPr>
+          <a:xfrm>
+            <a:off x="2351319" y="215407"/>
+            <a:ext cx="7898675" cy="523220"/>
+          </a:xfrm>
+          <a:prstGeom prst="rect">
+            <a:avLst/>
+          </a:prstGeom>
+          <a:noFill/>
+        </p:spPr>
+        <p:txBody>
+          <a:bodyPr wrap="square" rtlCol="0" anchor="ctr" anchorCtr="1">
+            <a:spAutoFit/>
+          </a:bodyPr>
+          <a:lstStyle/>
+          <a:p>
+            <a:pPr algn="ctr"/>
+            <a:r>
+              <a:rPr lang="ru-RU" sz="2800" dirty="0">
+                <a:solidFill>
+                  <a:schemeClr val="bg1"/>
+                </a:solidFill>
+                <a:latin typeface="Elektra Text Pro" panose="02000503030000020004" pitchFamily="50" charset="-52"/>
+              </a:rPr>
+              <a:t>Навигация и системы навигации</a:t>
+            </a:r>
+          </a:p>
+        </p:txBody>
+      </p:sp>
+      <p:sp>
+        <p:nvSpPr>
+          <p:cNvPr id="7" name="Номер слайда 2"/>
+          <p:cNvSpPr>
+            <a:spLocks noGrp="1"/>
+          </p:cNvSpPr>
+          <p:nvPr>
+            <p:ph type="sldNum" sz="quarter" idx="12"/>
+          </p:nvPr>
+        </p:nvSpPr>
+        <p:spPr>
+          <a:xfrm>
+            <a:off x="8736463" y="6356351"/>
+            <a:ext cx="2844430" cy="365125"/>
+          </a:xfrm>
+        </p:spPr>
+        <p:txBody>
+          <a:bodyPr/>
+          <a:lstStyle/>
+          <a:p>
+            <a:fld id="{E2656834-4BAB-4DB1-9FED-8310CA017EAF}" type="slidenum">
+              <a:rPr lang="ru-RU" sz="2000" b="1" smtClean="0">
+                <a:solidFill>
+                  <a:schemeClr val="tx1"/>
+                </a:solidFill>
+              </a:rPr>
+              <a:t>4</a:t>
+            </a:fld>
+            <a:endParaRPr lang="ru-RU" sz="2000" b="1" dirty="0">
+              <a:solidFill>
+                <a:schemeClr val="tx1"/>
+              </a:solidFill>
+            </a:endParaRPr>
+          </a:p>
+        </p:txBody>
+      </p:sp>
+      <p:sp>
+        <p:nvSpPr>
+          <p:cNvPr id="4" name="TextBox 3">
+            <a:extLst>
+              <a:ext uri="{FF2B5EF4-FFF2-40B4-BE49-F238E27FC236}">
+                <a16:creationId xmlns:a16="http://schemas.microsoft.com/office/drawing/2014/main" id="{CB2E0B41-2672-4FB3-B2EF-F5DDF905D0FC}"/>
+              </a:ext>
+            </a:extLst>
+          </p:cNvPr>
+          <p:cNvSpPr txBox="1"/>
+          <p:nvPr/>
+        </p:nvSpPr>
+        <p:spPr>
+          <a:xfrm>
+            <a:off x="753989" y="1489482"/>
+            <a:ext cx="5221870" cy="2251065"/>
+          </a:xfrm>
+          <a:prstGeom prst="rect">
+            <a:avLst/>
+          </a:prstGeom>
+        </p:spPr>
+        <p:txBody>
+          <a:bodyPr vert="horz" wrap="square" lIns="91440" tIns="45720" rIns="91440" bIns="45720" rtlCol="0" anchor="ctr">
+            <a:spAutoFit/>
+          </a:bodyPr>
+          <a:lstStyle/>
+          <a:p>
+            <a:pPr algn="just">
+              <a:lnSpc>
+                <a:spcPct val="150000"/>
+              </a:lnSpc>
+            </a:pPr>
+            <a:r>
+              <a:rPr lang="ru-RU" sz="2400" b="1" dirty="0"/>
+              <a:t>Навигация – это процесс управления некоторым объектом в определённом пространстве передвижения.</a:t>
+            </a:r>
+          </a:p>
+        </p:txBody>
+      </p:sp>
+    </p:spTree>
+    <p:extLst>
+      <p:ext uri="{BB962C8B-B14F-4D97-AF65-F5344CB8AC3E}">
+        <p14:creationId xmlns:p14="http://schemas.microsoft.com/office/powerpoint/2010/main" val="3884862942"/>
+      </p:ext>
+    </p:extLst>
+  </p:cSld>
+  <p:clrMapOvr>
+    <a:masterClrMapping/>
+  </p:clrMapOvr>
+</p:sld>
+</file>
+
+<file path=ppt/slides/slide5.xml><?xml version="1.0" encoding="utf-8"?>
+<p:sld xmlns:a="http://schemas.openxmlformats.org/drawingml/2006/main" xmlns:r="http://schemas.openxmlformats.org/officeDocument/2006/relationships" xmlns:p="http://schemas.openxmlformats.org/presentationml/2006/main">
+  <p:cSld>
+    <p:spTree>
+      <p:nvGrpSpPr>
+        <p:cNvPr id="1" name=""/>
+        <p:cNvGrpSpPr/>
+        <p:nvPr/>
+      </p:nvGrpSpPr>
+      <p:grpSpPr>
+        <a:xfrm>
+          <a:off x="0" y="0"/>
+          <a:ext cx="0" cy="0"/>
+          <a:chOff x="0" y="0"/>
+          <a:chExt cx="0" cy="0"/>
+        </a:xfrm>
+      </p:grpSpPr>
       <p:sp>
         <p:nvSpPr>
           <p:cNvPr id="2" name="Заголовок 1"/>
@@ -9105,7 +14210,7 @@
                   <a:schemeClr val="tx1"/>
                 </a:solidFill>
               </a:rPr>
-              <a:t>4</a:t>
+              <a:t>5</a:t>
             </a:fld>
             <a:endParaRPr lang="ru-RU" sz="2000" b="1" dirty="0">
               <a:solidFill>
@@ -9182,7 +14287,7 @@
 </p:sld>
 </file>
 
-<file path=ppt/slides/slide5.xml><?xml version="1.0" encoding="utf-8"?>
+<file path=ppt/slides/slide6.xml><?xml version="1.0" encoding="utf-8"?>
 <p:sld xmlns:a="http://schemas.openxmlformats.org/drawingml/2006/main" xmlns:r="http://schemas.openxmlformats.org/officeDocument/2006/relationships" xmlns:p="http://schemas.openxmlformats.org/presentationml/2006/main">
   <p:cSld>
     <p:spTree>
@@ -9222,7 +14327,7 @@
           <a:p>
             <a:fld id="{E2656834-4BAB-4DB1-9FED-8310CA017EAF}" type="slidenum">
               <a:rPr lang="ru-RU" smtClean="0"/>
-              <a:t>5</a:t>
+              <a:t>6</a:t>
             </a:fld>
             <a:endParaRPr lang="ru-RU"/>
           </a:p>
@@ -9512,7 +14617,7 @@
 </p:sld>
 </file>
 
-<file path=ppt/slides/slide6.xml><?xml version="1.0" encoding="utf-8"?>
+<file path=ppt/slides/slide7.xml><?xml version="1.0" encoding="utf-8"?>
 <p:sld xmlns:a="http://schemas.openxmlformats.org/drawingml/2006/main" xmlns:r="http://schemas.openxmlformats.org/officeDocument/2006/relationships" xmlns:p="http://schemas.openxmlformats.org/presentationml/2006/main">
   <p:cSld>
     <p:spTree>
@@ -9618,7 +14723,7 @@
                   <a:schemeClr val="tx1"/>
                 </a:solidFill>
               </a:rPr>
-              <a:t>6</a:t>
+              <a:t>7</a:t>
             </a:fld>
             <a:endParaRPr lang="ru-RU" sz="2000" b="1" dirty="0">
               <a:solidFill>
@@ -10155,7 +15260,7 @@
 </p:sld>
 </file>
 
-<file path=ppt/slides/slide7.xml><?xml version="1.0" encoding="utf-8"?>
+<file path=ppt/slides/slide8.xml><?xml version="1.0" encoding="utf-8"?>
 <p:sld xmlns:a="http://schemas.openxmlformats.org/drawingml/2006/main" xmlns:r="http://schemas.openxmlformats.org/officeDocument/2006/relationships" xmlns:p="http://schemas.openxmlformats.org/presentationml/2006/main">
   <p:cSld>
     <p:spTree>
@@ -10353,7 +15458,7 @@
                   <a:schemeClr val="tx1"/>
                 </a:solidFill>
               </a:rPr>
-              <a:t>7</a:t>
+              <a:t>8</a:t>
             </a:fld>
             <a:endParaRPr lang="ru-RU" sz="2000" b="1" dirty="0">
               <a:solidFill>
@@ -10823,144 +15928,6 @@
 </p:sld>
 </file>
 
-<file path=ppt/slides/slide8.xml><?xml version="1.0" encoding="utf-8"?>
-<p:sld xmlns:a="http://schemas.openxmlformats.org/drawingml/2006/main" xmlns:r="http://schemas.openxmlformats.org/officeDocument/2006/relationships" xmlns:p="http://schemas.openxmlformats.org/presentationml/2006/main">
-  <p:cSld>
-    <p:spTree>
-      <p:nvGrpSpPr>
-        <p:cNvPr id="1" name=""/>
-        <p:cNvGrpSpPr/>
-        <p:nvPr/>
-      </p:nvGrpSpPr>
-      <p:grpSpPr>
-        <a:xfrm>
-          <a:off x="0" y="0"/>
-          <a:ext cx="0" cy="0"/>
-          <a:chOff x="0" y="0"/>
-          <a:chExt cx="0" cy="0"/>
-        </a:xfrm>
-      </p:grpSpPr>
-      <p:sp>
-        <p:nvSpPr>
-          <p:cNvPr id="5" name="TextBox 4"/>
-          <p:cNvSpPr txBox="1"/>
-          <p:nvPr/>
-        </p:nvSpPr>
-        <p:spPr>
-          <a:xfrm>
-            <a:off x="2351319" y="215407"/>
-            <a:ext cx="7898675" cy="523220"/>
-          </a:xfrm>
-          <a:prstGeom prst="rect">
-            <a:avLst/>
-          </a:prstGeom>
-          <a:noFill/>
-        </p:spPr>
-        <p:txBody>
-          <a:bodyPr wrap="square" rtlCol="0" anchor="ctr" anchorCtr="1">
-            <a:spAutoFit/>
-          </a:bodyPr>
-          <a:lstStyle/>
-          <a:p>
-            <a:pPr algn="ctr"/>
-            <a:r>
-              <a:rPr lang="en-US" sz="2800" dirty="0">
-                <a:solidFill>
-                  <a:schemeClr val="bg1"/>
-                </a:solidFill>
-                <a:latin typeface="Elektra Text Pro" panose="02000503030000020004" pitchFamily="50" charset="-52"/>
-              </a:rPr>
-              <a:t>Use-case </a:t>
-            </a:r>
-            <a:r>
-              <a:rPr lang="ru-RU" sz="2800" dirty="0">
-                <a:solidFill>
-                  <a:schemeClr val="bg1"/>
-                </a:solidFill>
-                <a:latin typeface="Elektra Text Pro" panose="02000503030000020004" pitchFamily="50" charset="-52"/>
-              </a:rPr>
-              <a:t>диаграмма</a:t>
-            </a:r>
-          </a:p>
-        </p:txBody>
-      </p:sp>
-      <p:sp>
-        <p:nvSpPr>
-          <p:cNvPr id="6" name="Номер слайда 2"/>
-          <p:cNvSpPr>
-            <a:spLocks noGrp="1"/>
-          </p:cNvSpPr>
-          <p:nvPr>
-            <p:ph type="sldNum" sz="quarter" idx="12"/>
-          </p:nvPr>
-        </p:nvSpPr>
-        <p:spPr>
-          <a:xfrm>
-            <a:off x="8736463" y="6356351"/>
-            <a:ext cx="2844430" cy="365125"/>
-          </a:xfrm>
-        </p:spPr>
-        <p:txBody>
-          <a:bodyPr/>
-          <a:lstStyle/>
-          <a:p>
-            <a:fld id="{E2656834-4BAB-4DB1-9FED-8310CA017EAF}" type="slidenum">
-              <a:rPr lang="ru-RU" sz="2000" b="1" smtClean="0">
-                <a:solidFill>
-                  <a:schemeClr val="tx1"/>
-                </a:solidFill>
-              </a:rPr>
-              <a:t>8</a:t>
-            </a:fld>
-            <a:endParaRPr lang="ru-RU" sz="2000" b="1" dirty="0">
-              <a:solidFill>
-                <a:schemeClr val="tx1"/>
-              </a:solidFill>
-            </a:endParaRPr>
-          </a:p>
-        </p:txBody>
-      </p:sp>
-      <p:pic>
-        <p:nvPicPr>
-          <p:cNvPr id="8" name="Рисунок 7">
-            <a:extLst>
-              <a:ext uri="{FF2B5EF4-FFF2-40B4-BE49-F238E27FC236}">
-                <a16:creationId xmlns:a16="http://schemas.microsoft.com/office/drawing/2014/main" id="{DE59A42D-E050-430C-A5F8-8A471B635B59}"/>
-              </a:ext>
-            </a:extLst>
-          </p:cNvPr>
-          <p:cNvPicPr/>
-          <p:nvPr/>
-        </p:nvPicPr>
-        <p:blipFill>
-          <a:blip r:embed="rId2"/>
-          <a:stretch>
-            <a:fillRect/>
-          </a:stretch>
-        </p:blipFill>
-        <p:spPr>
-          <a:xfrm>
-            <a:off x="1270670" y="858663"/>
-            <a:ext cx="9286934" cy="5680250"/>
-          </a:xfrm>
-          <a:prstGeom prst="rect">
-            <a:avLst/>
-          </a:prstGeom>
-        </p:spPr>
-      </p:pic>
-    </p:spTree>
-    <p:extLst>
-      <p:ext uri="{BB962C8B-B14F-4D97-AF65-F5344CB8AC3E}">
-        <p14:creationId xmlns:p14="http://schemas.microsoft.com/office/powerpoint/2010/main" val="2967912754"/>
-      </p:ext>
-    </p:extLst>
-  </p:cSld>
-  <p:clrMapOvr>
-    <a:masterClrMapping/>
-  </p:clrMapOvr>
-</p:sld>
-</file>
-
 <file path=ppt/slides/slide9.xml><?xml version="1.0" encoding="utf-8"?>
 <p:sld xmlns:a="http://schemas.openxmlformats.org/drawingml/2006/main" xmlns:r="http://schemas.openxmlformats.org/officeDocument/2006/relationships" xmlns:p="http://schemas.openxmlformats.org/presentationml/2006/main">
   <p:cSld>
@@ -11002,13 +15969,22 @@
           <a:p>
             <a:pPr algn="ctr"/>
             <a:r>
+              <a:rPr lang="en-US" sz="2800" dirty="0">
+                <a:solidFill>
+                  <a:schemeClr val="bg1"/>
+                </a:solidFill>
+                <a:latin typeface="Elektra Text Pro" panose="02000503030000020004" pitchFamily="50" charset="-52"/>
+              </a:rPr>
+              <a:t>Use-case </a:t>
+            </a:r>
+            <a:r>
               <a:rPr lang="ru-RU" sz="2800" dirty="0">
                 <a:solidFill>
                   <a:schemeClr val="bg1"/>
                 </a:solidFill>
                 <a:latin typeface="Elektra Text Pro" panose="02000503030000020004" pitchFamily="50" charset="-52"/>
               </a:rPr>
-              <a:t>Схема работы системы</a:t>
+              <a:t>диаграмма</a:t>
             </a:r>
           </a:p>
         </p:txBody>
@@ -11051,10 +16027,10 @@
       </p:sp>
       <p:pic>
         <p:nvPicPr>
-          <p:cNvPr id="7" name="Рисунок 6">
+          <p:cNvPr id="8" name="Рисунок 7">
             <a:extLst>
               <a:ext uri="{FF2B5EF4-FFF2-40B4-BE49-F238E27FC236}">
-                <a16:creationId xmlns:a16="http://schemas.microsoft.com/office/drawing/2014/main" id="{B20BB220-15E0-4048-BEF9-4D683792ADCC}"/>
+                <a16:creationId xmlns:a16="http://schemas.microsoft.com/office/drawing/2014/main" id="{DE59A42D-E050-430C-A5F8-8A471B635B59}"/>
               </a:ext>
             </a:extLst>
           </p:cNvPr>
@@ -11062,36 +16038,25 @@
           <p:nvPr/>
         </p:nvPicPr>
         <p:blipFill>
-          <a:blip r:embed="rId2">
-            <a:extLst>
-              <a:ext uri="{28A0092B-C50C-407E-A947-70E740481C1C}">
-                <a14:useLocalDpi xmlns:a14="http://schemas.microsoft.com/office/drawing/2010/main" val="0"/>
-              </a:ext>
-            </a:extLst>
-          </a:blip>
-          <a:srcRect/>
+          <a:blip r:embed="rId2"/>
           <a:stretch>
             <a:fillRect/>
           </a:stretch>
         </p:blipFill>
-        <p:spPr bwMode="auto">
+        <p:spPr>
           <a:xfrm>
-            <a:off x="1126654" y="1003096"/>
-            <a:ext cx="9937104" cy="5450240"/>
+            <a:off x="1270670" y="858663"/>
+            <a:ext cx="9286934" cy="5680250"/>
           </a:xfrm>
           <a:prstGeom prst="rect">
             <a:avLst/>
           </a:prstGeom>
-          <a:noFill/>
-          <a:ln>
-            <a:noFill/>
-          </a:ln>
         </p:spPr>
       </p:pic>
     </p:spTree>
     <p:extLst>
       <p:ext uri="{BB962C8B-B14F-4D97-AF65-F5344CB8AC3E}">
-        <p14:creationId xmlns:p14="http://schemas.microsoft.com/office/powerpoint/2010/main" val="1654475030"/>
+        <p14:creationId xmlns:p14="http://schemas.microsoft.com/office/powerpoint/2010/main" val="2967912754"/>
       </p:ext>
     </p:extLst>
   </p:cSld>

--- a/Mavlyutov_V_D_prezentatsia.pptx
+++ b/Mavlyutov_V_D_prezentatsia.pptx
@@ -5,7 +5,7 @@
     <p:sldMasterId id="2147483648" r:id="rId1"/>
   </p:sldMasterIdLst>
   <p:notesMasterIdLst>
-    <p:notesMasterId r:id="rId17"/>
+    <p:notesMasterId r:id="rId19"/>
   </p:notesMasterIdLst>
   <p:sldIdLst>
     <p:sldId id="260" r:id="rId2"/>
@@ -17,12 +17,14 @@
     <p:sldId id="261" r:id="rId8"/>
     <p:sldId id="258" r:id="rId9"/>
     <p:sldId id="273" r:id="rId10"/>
-    <p:sldId id="274" r:id="rId11"/>
-    <p:sldId id="266" r:id="rId12"/>
-    <p:sldId id="263" r:id="rId13"/>
-    <p:sldId id="270" r:id="rId14"/>
-    <p:sldId id="268" r:id="rId15"/>
-    <p:sldId id="267" r:id="rId16"/>
+    <p:sldId id="276" r:id="rId11"/>
+    <p:sldId id="274" r:id="rId12"/>
+    <p:sldId id="266" r:id="rId13"/>
+    <p:sldId id="277" r:id="rId14"/>
+    <p:sldId id="263" r:id="rId15"/>
+    <p:sldId id="270" r:id="rId16"/>
+    <p:sldId id="268" r:id="rId17"/>
+    <p:sldId id="267" r:id="rId18"/>
   </p:sldIdLst>
   <p:sldSz cx="12190413" cy="6858000"/>
   <p:notesSz cx="6858000" cy="9144000"/>
@@ -1649,40 +1651,35 @@
       </dgm:t>
     </dgm:pt>
     <dgm:pt modelId="{62D63616-49FC-4848-B1FC-2EDF5ED4EDE1}">
-      <dgm:prSet phldrT="[Текст]" custT="1"/>
-      <dgm:spPr>
-        <a:gradFill rotWithShape="0">
-          <a:gsLst>
-            <a:gs pos="100000">
-              <a:srgbClr val="5E9EFF">
-                <a:lumMod val="94000"/>
-                <a:alpha val="73000"/>
-              </a:srgbClr>
-            </a:gs>
-            <a:gs pos="77000">
-              <a:srgbClr val="85C2FF"/>
-            </a:gs>
-            <a:gs pos="37000">
-              <a:srgbClr val="C4D6EB"/>
-            </a:gs>
-            <a:gs pos="16000">
-              <a:srgbClr val="FFEBFA"/>
-            </a:gs>
-          </a:gsLst>
-          <a:path path="rect">
-            <a:fillToRect l="50000" t="50000" r="50000" b="50000"/>
-          </a:path>
-        </a:gradFill>
-      </dgm:spPr>
+      <dgm:prSet phldrT="[Текст]" custT="1">
+        <dgm:style>
+          <a:lnRef idx="1">
+            <a:schemeClr val="accent1"/>
+          </a:lnRef>
+          <a:fillRef idx="2">
+            <a:schemeClr val="accent1"/>
+          </a:fillRef>
+          <a:effectRef idx="1">
+            <a:schemeClr val="accent1"/>
+          </a:effectRef>
+          <a:fontRef idx="minor">
+            <a:schemeClr val="dk1"/>
+          </a:fontRef>
+        </dgm:style>
+      </dgm:prSet>
+      <dgm:spPr/>
       <dgm:t>
         <a:bodyPr/>
         <a:lstStyle/>
         <a:p>
+          <a:pPr algn="ctr"/>
           <a:r>
             <a:rPr lang="ru-RU" sz="2400" dirty="0">
               <a:solidFill>
                 <a:schemeClr val="tx1"/>
               </a:solidFill>
+              <a:latin typeface="Arial" panose="020B0604020202020204" pitchFamily="34" charset="0"/>
+              <a:cs typeface="Arial" panose="020B0604020202020204" pitchFamily="34" charset="0"/>
             </a:rPr>
             <a:t>новый метод навигации по датчикам смартфона, а также трехконтурная архитектура инерциальной навигационной системы для мобильного устройства</a:t>
           </a:r>
@@ -1712,31 +1709,23 @@
       </dgm:t>
     </dgm:pt>
     <dgm:pt modelId="{513D8890-C164-41AB-A91F-6BAC2EB9EDF4}">
-      <dgm:prSet phldrT="[Текст]" custT="1"/>
-      <dgm:spPr>
-        <a:gradFill rotWithShape="0">
-          <a:gsLst>
-            <a:gs pos="100000">
-              <a:srgbClr val="5E9EFF">
-                <a:lumMod val="94000"/>
-                <a:alpha val="73000"/>
-              </a:srgbClr>
-            </a:gs>
-            <a:gs pos="62000">
-              <a:srgbClr val="85C2FF"/>
-            </a:gs>
-            <a:gs pos="32000">
-              <a:srgbClr val="C4D6EB"/>
-            </a:gs>
-            <a:gs pos="0">
-              <a:srgbClr val="FFEBFA"/>
-            </a:gs>
-          </a:gsLst>
-          <a:path path="rect">
-            <a:fillToRect l="50000" t="50000" r="50000" b="50000"/>
-          </a:path>
-        </a:gradFill>
-      </dgm:spPr>
+      <dgm:prSet phldrT="[Текст]" custT="1">
+        <dgm:style>
+          <a:lnRef idx="1">
+            <a:schemeClr val="accent1"/>
+          </a:lnRef>
+          <a:fillRef idx="2">
+            <a:schemeClr val="accent1"/>
+          </a:fillRef>
+          <a:effectRef idx="1">
+            <a:schemeClr val="accent1"/>
+          </a:effectRef>
+          <a:fontRef idx="minor">
+            <a:schemeClr val="dk1"/>
+          </a:fontRef>
+        </dgm:style>
+      </dgm:prSet>
+      <dgm:spPr/>
       <dgm:t>
         <a:bodyPr/>
         <a:lstStyle/>
@@ -1746,6 +1735,8 @@
               <a:solidFill>
                 <a:schemeClr val="tx1"/>
               </a:solidFill>
+              <a:latin typeface="Arial" panose="020B0604020202020204" pitchFamily="34" charset="0"/>
+              <a:cs typeface="Arial" panose="020B0604020202020204" pitchFamily="34" charset="0"/>
             </a:rPr>
             <a:t>алгоритмы функционирования и программное обеспечение автоматизированной системы, реализующие предложенный метод построения маршрута</a:t>
           </a:r>
@@ -1846,7 +1837,10 @@
         <a:lstStyle/>
         <a:p>
           <a:r>
-            <a:rPr lang="ru-RU" dirty="0"/>
+            <a:rPr lang="ru-RU" dirty="0">
+              <a:latin typeface="Arial" panose="020B0604020202020204" pitchFamily="34" charset="0"/>
+              <a:cs typeface="Arial" panose="020B0604020202020204" pitchFamily="34" charset="0"/>
+            </a:rPr>
             <a:t>Системы навигации</a:t>
           </a:r>
         </a:p>
@@ -1882,10 +1876,16 @@
         <a:lstStyle/>
         <a:p>
           <a:r>
-            <a:rPr lang="en-US" dirty="0"/>
+            <a:rPr lang="en-US" dirty="0">
+              <a:latin typeface="Arial" panose="020B0604020202020204" pitchFamily="34" charset="0"/>
+              <a:cs typeface="Arial" panose="020B0604020202020204" pitchFamily="34" charset="0"/>
+            </a:rPr>
             <a:t>GSM</a:t>
           </a:r>
-          <a:endParaRPr lang="ru-RU" dirty="0"/>
+          <a:endParaRPr lang="ru-RU" dirty="0">
+            <a:latin typeface="Arial" panose="020B0604020202020204" pitchFamily="34" charset="0"/>
+            <a:cs typeface="Arial" panose="020B0604020202020204" pitchFamily="34" charset="0"/>
+          </a:endParaRPr>
         </a:p>
       </dgm:t>
     </dgm:pt>
@@ -1919,10 +1919,16 @@
         <a:lstStyle/>
         <a:p>
           <a:r>
-            <a:rPr lang="en-US" dirty="0"/>
+            <a:rPr lang="en-US" dirty="0">
+              <a:latin typeface="Arial" panose="020B0604020202020204" pitchFamily="34" charset="0"/>
+              <a:cs typeface="Arial" panose="020B0604020202020204" pitchFamily="34" charset="0"/>
+            </a:rPr>
             <a:t>GPS</a:t>
           </a:r>
-          <a:endParaRPr lang="ru-RU" dirty="0"/>
+          <a:endParaRPr lang="ru-RU" dirty="0">
+            <a:latin typeface="Arial" panose="020B0604020202020204" pitchFamily="34" charset="0"/>
+            <a:cs typeface="Arial" panose="020B0604020202020204" pitchFamily="34" charset="0"/>
+          </a:endParaRPr>
         </a:p>
       </dgm:t>
     </dgm:pt>
@@ -1956,10 +1962,16 @@
         <a:lstStyle/>
         <a:p>
           <a:r>
-            <a:rPr lang="en-US" dirty="0"/>
+            <a:rPr lang="en-US" dirty="0">
+              <a:latin typeface="Arial" panose="020B0604020202020204" pitchFamily="34" charset="0"/>
+              <a:cs typeface="Arial" panose="020B0604020202020204" pitchFamily="34" charset="0"/>
+            </a:rPr>
             <a:t>INS</a:t>
           </a:r>
-          <a:endParaRPr lang="ru-RU" dirty="0"/>
+          <a:endParaRPr lang="ru-RU" dirty="0">
+            <a:latin typeface="Arial" panose="020B0604020202020204" pitchFamily="34" charset="0"/>
+            <a:cs typeface="Arial" panose="020B0604020202020204" pitchFamily="34" charset="0"/>
+          </a:endParaRPr>
         </a:p>
       </dgm:t>
     </dgm:pt>
@@ -1997,10 +2009,16 @@
             <a:buAutoNum type="arabicPeriod"/>
           </a:pPr>
           <a:r>
-            <a:rPr lang="en-US" dirty="0"/>
+            <a:rPr lang="en-US" dirty="0">
+              <a:latin typeface="Arial" panose="020B0604020202020204" pitchFamily="34" charset="0"/>
+              <a:cs typeface="Arial" panose="020B0604020202020204" pitchFamily="34" charset="0"/>
+            </a:rPr>
             <a:t>Bluetooth/Wi-Fi</a:t>
           </a:r>
-          <a:endParaRPr lang="ru-RU" dirty="0"/>
+          <a:endParaRPr lang="ru-RU" dirty="0">
+            <a:latin typeface="Arial" panose="020B0604020202020204" pitchFamily="34" charset="0"/>
+            <a:cs typeface="Arial" panose="020B0604020202020204" pitchFamily="34" charset="0"/>
+          </a:endParaRPr>
         </a:p>
       </dgm:t>
     </dgm:pt>
@@ -2303,53 +2321,58 @@
         <a:prstGeom prst="rect">
           <a:avLst/>
         </a:prstGeom>
-        <a:gradFill rotWithShape="0">
+        <a:gradFill rotWithShape="1">
           <a:gsLst>
+            <a:gs pos="0">
+              <a:schemeClr val="accent1">
+                <a:tint val="50000"/>
+                <a:satMod val="300000"/>
+              </a:schemeClr>
+            </a:gs>
+            <a:gs pos="35000">
+              <a:schemeClr val="accent1">
+                <a:tint val="37000"/>
+                <a:satMod val="300000"/>
+              </a:schemeClr>
+            </a:gs>
             <a:gs pos="100000">
-              <a:srgbClr val="5E9EFF">
-                <a:lumMod val="94000"/>
-                <a:alpha val="73000"/>
-              </a:srgbClr>
-            </a:gs>
-            <a:gs pos="77000">
-              <a:srgbClr val="85C2FF"/>
-            </a:gs>
-            <a:gs pos="37000">
-              <a:srgbClr val="C4D6EB"/>
-            </a:gs>
-            <a:gs pos="16000">
-              <a:srgbClr val="FFEBFA"/>
+              <a:schemeClr val="accent1">
+                <a:tint val="15000"/>
+                <a:satMod val="350000"/>
+              </a:schemeClr>
             </a:gs>
           </a:gsLst>
-          <a:path path="rect">
-            <a:fillToRect l="50000" t="50000" r="50000" b="50000"/>
-          </a:path>
+          <a:lin ang="16200000" scaled="1"/>
         </a:gradFill>
-        <a:ln w="25400" cap="flat" cmpd="sng" algn="ctr">
+        <a:ln w="9525" cap="flat" cmpd="sng" algn="ctr">
           <a:solidFill>
-            <a:schemeClr val="lt1">
-              <a:hueOff val="0"/>
-              <a:satOff val="0"/>
-              <a:lumOff val="0"/>
-              <a:alphaOff val="0"/>
+            <a:schemeClr val="accent1">
+              <a:shade val="95000"/>
+              <a:satMod val="105000"/>
             </a:schemeClr>
           </a:solidFill>
           <a:prstDash val="solid"/>
         </a:ln>
-        <a:effectLst/>
+        <a:effectLst>
+          <a:outerShdw blurRad="40000" dist="20000" dir="5400000" rotWithShape="0">
+            <a:srgbClr val="000000">
+              <a:alpha val="38000"/>
+            </a:srgbClr>
+          </a:outerShdw>
+        </a:effectLst>
       </dsp:spPr>
       <dsp:style>
-        <a:lnRef idx="2">
-          <a:scrgbClr r="0" g="0" b="0"/>
+        <a:lnRef idx="1">
+          <a:schemeClr val="accent1"/>
         </a:lnRef>
-        <a:fillRef idx="1">
-          <a:scrgbClr r="0" g="0" b="0"/>
+        <a:fillRef idx="2">
+          <a:schemeClr val="accent1"/>
         </a:fillRef>
-        <a:effectRef idx="0">
-          <a:scrgbClr r="0" g="0" b="0"/>
+        <a:effectRef idx="1">
+          <a:schemeClr val="accent1"/>
         </a:effectRef>
         <a:fontRef idx="minor">
-          <a:schemeClr val="lt1"/>
+          <a:schemeClr val="dk1"/>
         </a:fontRef>
       </dsp:style>
       <dsp:txBody>
@@ -2375,6 +2398,8 @@
               <a:solidFill>
                 <a:schemeClr val="tx1"/>
               </a:solidFill>
+              <a:latin typeface="Arial" panose="020B0604020202020204" pitchFamily="34" charset="0"/>
+              <a:cs typeface="Arial" panose="020B0604020202020204" pitchFamily="34" charset="0"/>
             </a:rPr>
             <a:t>новый метод навигации по датчикам смартфона, а также трехконтурная архитектура инерциальной навигационной системы для мобильного устройства</a:t>
           </a:r>
@@ -2398,53 +2423,58 @@
         <a:prstGeom prst="rect">
           <a:avLst/>
         </a:prstGeom>
-        <a:gradFill rotWithShape="0">
+        <a:gradFill rotWithShape="1">
           <a:gsLst>
+            <a:gs pos="0">
+              <a:schemeClr val="accent1">
+                <a:tint val="50000"/>
+                <a:satMod val="300000"/>
+              </a:schemeClr>
+            </a:gs>
+            <a:gs pos="35000">
+              <a:schemeClr val="accent1">
+                <a:tint val="37000"/>
+                <a:satMod val="300000"/>
+              </a:schemeClr>
+            </a:gs>
             <a:gs pos="100000">
-              <a:srgbClr val="5E9EFF">
-                <a:lumMod val="94000"/>
-                <a:alpha val="73000"/>
-              </a:srgbClr>
-            </a:gs>
-            <a:gs pos="62000">
-              <a:srgbClr val="85C2FF"/>
-            </a:gs>
-            <a:gs pos="32000">
-              <a:srgbClr val="C4D6EB"/>
-            </a:gs>
-            <a:gs pos="0">
-              <a:srgbClr val="FFEBFA"/>
+              <a:schemeClr val="accent1">
+                <a:tint val="15000"/>
+                <a:satMod val="350000"/>
+              </a:schemeClr>
             </a:gs>
           </a:gsLst>
-          <a:path path="rect">
-            <a:fillToRect l="50000" t="50000" r="50000" b="50000"/>
-          </a:path>
+          <a:lin ang="16200000" scaled="1"/>
         </a:gradFill>
-        <a:ln w="25400" cap="flat" cmpd="sng" algn="ctr">
+        <a:ln w="9525" cap="flat" cmpd="sng" algn="ctr">
           <a:solidFill>
-            <a:schemeClr val="lt1">
-              <a:hueOff val="0"/>
-              <a:satOff val="0"/>
-              <a:lumOff val="0"/>
-              <a:alphaOff val="0"/>
+            <a:schemeClr val="accent1">
+              <a:shade val="95000"/>
+              <a:satMod val="105000"/>
             </a:schemeClr>
           </a:solidFill>
           <a:prstDash val="solid"/>
         </a:ln>
-        <a:effectLst/>
+        <a:effectLst>
+          <a:outerShdw blurRad="40000" dist="20000" dir="5400000" rotWithShape="0">
+            <a:srgbClr val="000000">
+              <a:alpha val="38000"/>
+            </a:srgbClr>
+          </a:outerShdw>
+        </a:effectLst>
       </dsp:spPr>
       <dsp:style>
-        <a:lnRef idx="2">
-          <a:scrgbClr r="0" g="0" b="0"/>
+        <a:lnRef idx="1">
+          <a:schemeClr val="accent1"/>
         </a:lnRef>
-        <a:fillRef idx="1">
-          <a:scrgbClr r="0" g="0" b="0"/>
+        <a:fillRef idx="2">
+          <a:schemeClr val="accent1"/>
         </a:fillRef>
-        <a:effectRef idx="0">
-          <a:scrgbClr r="0" g="0" b="0"/>
+        <a:effectRef idx="1">
+          <a:schemeClr val="accent1"/>
         </a:effectRef>
         <a:fontRef idx="minor">
-          <a:schemeClr val="lt1"/>
+          <a:schemeClr val="dk1"/>
         </a:fontRef>
       </dsp:style>
       <dsp:txBody>
@@ -2470,6 +2500,8 @@
               <a:solidFill>
                 <a:schemeClr val="tx1"/>
               </a:solidFill>
+              <a:latin typeface="Arial" panose="020B0604020202020204" pitchFamily="34" charset="0"/>
+              <a:cs typeface="Arial" panose="020B0604020202020204" pitchFamily="34" charset="0"/>
             </a:rPr>
             <a:t>алгоритмы функционирования и программное обеспечение автоматизированной системы, реализующие предложенный метод построения маршрута</a:t>
           </a:r>
@@ -2811,12 +2843,12 @@
         </a:fontRef>
       </dsp:style>
       <dsp:txBody>
-        <a:bodyPr spcFirstLastPara="0" vert="horz" wrap="square" lIns="19050" tIns="19050" rIns="19050" bIns="19050" numCol="1" spcCol="1270" anchor="ctr" anchorCtr="0">
+        <a:bodyPr spcFirstLastPara="0" vert="horz" wrap="square" lIns="18415" tIns="18415" rIns="18415" bIns="18415" numCol="1" spcCol="1270" anchor="ctr" anchorCtr="0">
           <a:noAutofit/>
         </a:bodyPr>
         <a:lstStyle/>
         <a:p>
-          <a:pPr marL="0" lvl="0" indent="0" algn="ctr" defTabSz="1333500">
+          <a:pPr marL="0" lvl="0" indent="0" algn="ctr" defTabSz="1289050">
             <a:lnSpc>
               <a:spcPct val="90000"/>
             </a:lnSpc>
@@ -2829,7 +2861,10 @@
             <a:buNone/>
           </a:pPr>
           <a:r>
-            <a:rPr lang="ru-RU" sz="3000" kern="1200" dirty="0"/>
+            <a:rPr lang="ru-RU" sz="2900" kern="1200" dirty="0">
+              <a:latin typeface="Arial" panose="020B0604020202020204" pitchFamily="34" charset="0"/>
+              <a:cs typeface="Arial" panose="020B0604020202020204" pitchFamily="34" charset="0"/>
+            </a:rPr>
             <a:t>Системы навигации</a:t>
           </a:r>
         </a:p>
@@ -2920,12 +2955,12 @@
         </a:fontRef>
       </dsp:style>
       <dsp:txBody>
-        <a:bodyPr spcFirstLastPara="0" vert="horz" wrap="square" lIns="19050" tIns="19050" rIns="19050" bIns="19050" numCol="1" spcCol="1270" anchor="ctr" anchorCtr="0">
+        <a:bodyPr spcFirstLastPara="0" vert="horz" wrap="square" lIns="18415" tIns="18415" rIns="18415" bIns="18415" numCol="1" spcCol="1270" anchor="ctr" anchorCtr="0">
           <a:noAutofit/>
         </a:bodyPr>
         <a:lstStyle/>
         <a:p>
-          <a:pPr marL="0" lvl="0" indent="0" algn="ctr" defTabSz="1333500">
+          <a:pPr marL="0" lvl="0" indent="0" algn="ctr" defTabSz="1289050">
             <a:lnSpc>
               <a:spcPct val="90000"/>
             </a:lnSpc>
@@ -2938,10 +2973,16 @@
             <a:buNone/>
           </a:pPr>
           <a:r>
-            <a:rPr lang="en-US" sz="3000" kern="1200" dirty="0"/>
+            <a:rPr lang="en-US" sz="2900" kern="1200" dirty="0">
+              <a:latin typeface="Arial" panose="020B0604020202020204" pitchFamily="34" charset="0"/>
+              <a:cs typeface="Arial" panose="020B0604020202020204" pitchFamily="34" charset="0"/>
+            </a:rPr>
             <a:t>GPS</a:t>
           </a:r>
-          <a:endParaRPr lang="ru-RU" sz="3000" kern="1200" dirty="0"/>
+          <a:endParaRPr lang="ru-RU" sz="2900" kern="1200" dirty="0">
+            <a:latin typeface="Arial" panose="020B0604020202020204" pitchFamily="34" charset="0"/>
+            <a:cs typeface="Arial" panose="020B0604020202020204" pitchFamily="34" charset="0"/>
+          </a:endParaRPr>
         </a:p>
       </dsp:txBody>
       <dsp:txXfrm>
@@ -3030,12 +3071,12 @@
         </a:fontRef>
       </dsp:style>
       <dsp:txBody>
-        <a:bodyPr spcFirstLastPara="0" vert="horz" wrap="square" lIns="19050" tIns="19050" rIns="19050" bIns="19050" numCol="1" spcCol="1270" anchor="ctr" anchorCtr="0">
+        <a:bodyPr spcFirstLastPara="0" vert="horz" wrap="square" lIns="18415" tIns="18415" rIns="18415" bIns="18415" numCol="1" spcCol="1270" anchor="ctr" anchorCtr="0">
           <a:noAutofit/>
         </a:bodyPr>
         <a:lstStyle/>
         <a:p>
-          <a:pPr marL="0" lvl="0" indent="0" algn="ctr" defTabSz="1333500">
+          <a:pPr marL="0" lvl="0" indent="0" algn="ctr" defTabSz="1289050">
             <a:lnSpc>
               <a:spcPct val="90000"/>
             </a:lnSpc>
@@ -3048,10 +3089,16 @@
             <a:buNone/>
           </a:pPr>
           <a:r>
-            <a:rPr lang="en-US" sz="3000" kern="1200" dirty="0"/>
+            <a:rPr lang="en-US" sz="2900" kern="1200" dirty="0">
+              <a:latin typeface="Arial" panose="020B0604020202020204" pitchFamily="34" charset="0"/>
+              <a:cs typeface="Arial" panose="020B0604020202020204" pitchFamily="34" charset="0"/>
+            </a:rPr>
             <a:t>INS</a:t>
           </a:r>
-          <a:endParaRPr lang="ru-RU" sz="3000" kern="1200" dirty="0"/>
+          <a:endParaRPr lang="ru-RU" sz="2900" kern="1200" dirty="0">
+            <a:latin typeface="Arial" panose="020B0604020202020204" pitchFamily="34" charset="0"/>
+            <a:cs typeface="Arial" panose="020B0604020202020204" pitchFamily="34" charset="0"/>
+          </a:endParaRPr>
         </a:p>
       </dsp:txBody>
       <dsp:txXfrm>
@@ -3140,12 +3187,12 @@
         </a:fontRef>
       </dsp:style>
       <dsp:txBody>
-        <a:bodyPr spcFirstLastPara="0" vert="horz" wrap="square" lIns="19050" tIns="19050" rIns="19050" bIns="19050" numCol="1" spcCol="1270" anchor="ctr" anchorCtr="0">
+        <a:bodyPr spcFirstLastPara="0" vert="horz" wrap="square" lIns="18415" tIns="18415" rIns="18415" bIns="18415" numCol="1" spcCol="1270" anchor="ctr" anchorCtr="0">
           <a:noAutofit/>
         </a:bodyPr>
         <a:lstStyle/>
         <a:p>
-          <a:pPr marL="0" lvl="0" indent="0" algn="ctr" defTabSz="1333500">
+          <a:pPr marL="0" lvl="0" indent="0" algn="ctr" defTabSz="1289050">
             <a:lnSpc>
               <a:spcPct val="90000"/>
             </a:lnSpc>
@@ -3158,10 +3205,16 @@
             <a:buNone/>
           </a:pPr>
           <a:r>
-            <a:rPr lang="en-US" sz="3000" kern="1200" dirty="0"/>
+            <a:rPr lang="en-US" sz="2900" kern="1200" dirty="0">
+              <a:latin typeface="Arial" panose="020B0604020202020204" pitchFamily="34" charset="0"/>
+              <a:cs typeface="Arial" panose="020B0604020202020204" pitchFamily="34" charset="0"/>
+            </a:rPr>
             <a:t>GSM</a:t>
           </a:r>
-          <a:endParaRPr lang="ru-RU" sz="3000" kern="1200" dirty="0"/>
+          <a:endParaRPr lang="ru-RU" sz="2900" kern="1200" dirty="0">
+            <a:latin typeface="Arial" panose="020B0604020202020204" pitchFamily="34" charset="0"/>
+            <a:cs typeface="Arial" panose="020B0604020202020204" pitchFamily="34" charset="0"/>
+          </a:endParaRPr>
         </a:p>
       </dsp:txBody>
       <dsp:txXfrm>
@@ -3250,12 +3303,12 @@
         </a:fontRef>
       </dsp:style>
       <dsp:txBody>
-        <a:bodyPr spcFirstLastPara="0" vert="horz" wrap="square" lIns="19050" tIns="19050" rIns="19050" bIns="19050" numCol="1" spcCol="1270" anchor="ctr" anchorCtr="0">
+        <a:bodyPr spcFirstLastPara="0" vert="horz" wrap="square" lIns="18415" tIns="18415" rIns="18415" bIns="18415" numCol="1" spcCol="1270" anchor="ctr" anchorCtr="0">
           <a:noAutofit/>
         </a:bodyPr>
         <a:lstStyle/>
         <a:p>
-          <a:pPr marL="0" lvl="0" indent="0" algn="ctr" defTabSz="1333500">
+          <a:pPr marL="0" lvl="0" indent="0" algn="ctr" defTabSz="1289050">
             <a:lnSpc>
               <a:spcPct val="90000"/>
             </a:lnSpc>
@@ -3269,10 +3322,16 @@
             <a:buNone/>
           </a:pPr>
           <a:r>
-            <a:rPr lang="en-US" sz="3000" kern="1200" dirty="0"/>
+            <a:rPr lang="en-US" sz="2900" kern="1200" dirty="0">
+              <a:latin typeface="Arial" panose="020B0604020202020204" pitchFamily="34" charset="0"/>
+              <a:cs typeface="Arial" panose="020B0604020202020204" pitchFamily="34" charset="0"/>
+            </a:rPr>
             <a:t>Bluetooth/Wi-Fi</a:t>
           </a:r>
-          <a:endParaRPr lang="ru-RU" sz="3000" kern="1200" dirty="0"/>
+          <a:endParaRPr lang="ru-RU" sz="2900" kern="1200" dirty="0">
+            <a:latin typeface="Arial" panose="020B0604020202020204" pitchFamily="34" charset="0"/>
+            <a:cs typeface="Arial" panose="020B0604020202020204" pitchFamily="34" charset="0"/>
+          </a:endParaRPr>
         </a:p>
       </dsp:txBody>
       <dsp:txXfrm>
@@ -6753,7 +6812,7 @@
           <a:p>
             <a:fld id="{53C77590-BFB8-41C1-9934-3E9D93CB747F}" type="datetimeFigureOut">
               <a:rPr lang="ru-RU" smtClean="0"/>
-              <a:t>14.05.2021</a:t>
+              <a:t>15.05.2021</a:t>
             </a:fld>
             <a:endParaRPr lang="ru-RU"/>
           </a:p>
@@ -7199,7 +7258,7 @@
           <a:p>
             <a:fld id="{2E1FEAF3-9EA9-4E4D-ACE9-F210CFF472D4}" type="datetime1">
               <a:rPr lang="ru-RU" smtClean="0"/>
-              <a:t>14.05.2021</a:t>
+              <a:t>15.05.2021</a:t>
             </a:fld>
             <a:endParaRPr lang="ru-RU"/>
           </a:p>
@@ -7367,7 +7426,7 @@
           <a:p>
             <a:fld id="{6072DF79-AD55-4BBF-AF0E-B3006BD9FC63}" type="datetime1">
               <a:rPr lang="ru-RU" smtClean="0"/>
-              <a:t>14.05.2021</a:t>
+              <a:t>15.05.2021</a:t>
             </a:fld>
             <a:endParaRPr lang="ru-RU"/>
           </a:p>
@@ -7545,7 +7604,7 @@
           <a:p>
             <a:fld id="{A8D09B17-A5AA-4114-B340-E9B3D535CAF1}" type="datetime1">
               <a:rPr lang="ru-RU" smtClean="0"/>
-              <a:t>14.05.2021</a:t>
+              <a:t>15.05.2021</a:t>
             </a:fld>
             <a:endParaRPr lang="ru-RU"/>
           </a:p>
@@ -7713,7 +7772,7 @@
           <a:p>
             <a:fld id="{BBDF64E6-2A5B-429D-84D2-1CEB73CFD494}" type="datetime1">
               <a:rPr lang="ru-RU" smtClean="0"/>
-              <a:t>14.05.2021</a:t>
+              <a:t>15.05.2021</a:t>
             </a:fld>
             <a:endParaRPr lang="ru-RU"/>
           </a:p>
@@ -7958,7 +8017,7 @@
           <a:p>
             <a:fld id="{9D7D6FD7-2330-440F-8729-44A50140D3A0}" type="datetime1">
               <a:rPr lang="ru-RU" smtClean="0"/>
-              <a:t>14.05.2021</a:t>
+              <a:t>15.05.2021</a:t>
             </a:fld>
             <a:endParaRPr lang="ru-RU"/>
           </a:p>
@@ -8243,7 +8302,7 @@
           <a:p>
             <a:fld id="{AD67EAE2-7930-4E8D-B42F-C75B0C353EE8}" type="datetime1">
               <a:rPr lang="ru-RU" smtClean="0"/>
-              <a:t>14.05.2021</a:t>
+              <a:t>15.05.2021</a:t>
             </a:fld>
             <a:endParaRPr lang="ru-RU"/>
           </a:p>
@@ -8662,7 +8721,7 @@
           <a:p>
             <a:fld id="{F5D6F513-D6BA-4B35-B772-88E770267A04}" type="datetime1">
               <a:rPr lang="ru-RU" smtClean="0"/>
-              <a:t>14.05.2021</a:t>
+              <a:t>15.05.2021</a:t>
             </a:fld>
             <a:endParaRPr lang="ru-RU"/>
           </a:p>
@@ -8779,7 +8838,7 @@
           <a:p>
             <a:fld id="{98307C8F-3427-4E0C-8A2A-E5C00596762D}" type="datetime1">
               <a:rPr lang="ru-RU" smtClean="0"/>
-              <a:t>14.05.2021</a:t>
+              <a:t>15.05.2021</a:t>
             </a:fld>
             <a:endParaRPr lang="ru-RU"/>
           </a:p>
@@ -8874,7 +8933,7 @@
           <a:p>
             <a:fld id="{ADE8478E-AABB-42F7-8174-B5FAD693316E}" type="datetime1">
               <a:rPr lang="ru-RU" smtClean="0"/>
-              <a:t>14.05.2021</a:t>
+              <a:t>15.05.2021</a:t>
             </a:fld>
             <a:endParaRPr lang="ru-RU"/>
           </a:p>
@@ -9149,7 +9208,7 @@
           <a:p>
             <a:fld id="{18E1BB3D-0B3A-4730-BB8B-C96F0F23C850}" type="datetime1">
               <a:rPr lang="ru-RU" smtClean="0"/>
-              <a:t>14.05.2021</a:t>
+              <a:t>15.05.2021</a:t>
             </a:fld>
             <a:endParaRPr lang="ru-RU"/>
           </a:p>
@@ -9401,7 +9460,7 @@
           <a:p>
             <a:fld id="{515F4F15-E020-44F3-BCC8-24320E990345}" type="datetime1">
               <a:rPr lang="ru-RU" smtClean="0"/>
-              <a:t>14.05.2021</a:t>
+              <a:t>15.05.2021</a:t>
             </a:fld>
             <a:endParaRPr lang="ru-RU"/>
           </a:p>
@@ -9621,7 +9680,7 @@
           <a:p>
             <a:fld id="{A22415F4-83CD-4779-9756-B7C80E8C6DAD}" type="datetime1">
               <a:rPr lang="ru-RU" smtClean="0"/>
-              <a:t>14.05.2021</a:t>
+              <a:t>15.05.2021</a:t>
             </a:fld>
             <a:endParaRPr lang="ru-RU"/>
           </a:p>
@@ -10837,7 +10896,7 @@
                 </a:solidFill>
                 <a:latin typeface="Elektra Text Pro" panose="02000503030000020004" pitchFamily="50" charset="-52"/>
               </a:rPr>
-              <a:t>Схема работы системы</a:t>
+              <a:t>Логическая и физическая модель данных</a:t>
             </a:r>
           </a:p>
         </p:txBody>
@@ -10869,6 +10928,309 @@
                 </a:solidFill>
               </a:rPr>
               <a:t>10</a:t>
+            </a:fld>
+            <a:endParaRPr lang="ru-RU" sz="2000" b="1" dirty="0">
+              <a:solidFill>
+                <a:schemeClr val="tx1"/>
+              </a:solidFill>
+            </a:endParaRPr>
+          </a:p>
+        </p:txBody>
+      </p:sp>
+      <p:pic>
+        <p:nvPicPr>
+          <p:cNvPr id="7" name="Рисунок 6">
+            <a:extLst>
+              <a:ext uri="{FF2B5EF4-FFF2-40B4-BE49-F238E27FC236}">
+                <a16:creationId xmlns:a16="http://schemas.microsoft.com/office/drawing/2014/main" id="{A01BAC3E-FEC6-4CB6-A39A-3FA9486FB6F5}"/>
+              </a:ext>
+            </a:extLst>
+          </p:cNvPr>
+          <p:cNvPicPr/>
+          <p:nvPr/>
+        </p:nvPicPr>
+        <p:blipFill rotWithShape="1">
+          <a:blip r:embed="rId2">
+            <a:extLst>
+              <a:ext uri="{BEBA8EAE-BF5A-486C-A8C5-ECC9F3942E4B}">
+                <a14:imgProps xmlns:a14="http://schemas.microsoft.com/office/drawing/2010/main">
+                  <a14:imgLayer r:embed="rId3">
+                    <a14:imgEffect>
+                      <a14:sharpenSoften amount="50000"/>
+                    </a14:imgEffect>
+                  </a14:imgLayer>
+                </a14:imgProps>
+              </a:ext>
+              <a:ext uri="{28A0092B-C50C-407E-A947-70E740481C1C}">
+                <a14:useLocalDpi xmlns:a14="http://schemas.microsoft.com/office/drawing/2010/main" val="0"/>
+              </a:ext>
+            </a:extLst>
+          </a:blip>
+          <a:srcRect l="9782" t="14902" r="14209" b="6111"/>
+          <a:stretch/>
+        </p:blipFill>
+        <p:spPr bwMode="auto">
+          <a:xfrm>
+            <a:off x="766614" y="1340768"/>
+            <a:ext cx="5792470" cy="2590800"/>
+          </a:xfrm>
+          <a:prstGeom prst="rect">
+            <a:avLst/>
+          </a:prstGeom>
+          <a:noFill/>
+          <a:ln>
+            <a:noFill/>
+          </a:ln>
+          <a:extLst>
+            <a:ext uri="{53640926-AAD7-44D8-BBD7-CCE9431645EC}">
+              <a14:shadowObscured xmlns:a14="http://schemas.microsoft.com/office/drawing/2010/main"/>
+            </a:ext>
+          </a:extLst>
+        </p:spPr>
+      </p:pic>
+      <p:pic>
+        <p:nvPicPr>
+          <p:cNvPr id="9" name="Рисунок 8">
+            <a:extLst>
+              <a:ext uri="{FF2B5EF4-FFF2-40B4-BE49-F238E27FC236}">
+                <a16:creationId xmlns:a16="http://schemas.microsoft.com/office/drawing/2014/main" id="{874F31E3-52BC-4E4C-8D81-C5DFDEB823D0}"/>
+              </a:ext>
+            </a:extLst>
+          </p:cNvPr>
+          <p:cNvPicPr/>
+          <p:nvPr/>
+        </p:nvPicPr>
+        <p:blipFill rotWithShape="1">
+          <a:blip r:embed="rId4">
+            <a:extLst>
+              <a:ext uri="{BEBA8EAE-BF5A-486C-A8C5-ECC9F3942E4B}">
+                <a14:imgProps xmlns:a14="http://schemas.microsoft.com/office/drawing/2010/main">
+                  <a14:imgLayer r:embed="rId5">
+                    <a14:imgEffect>
+                      <a14:sharpenSoften amount="50000"/>
+                    </a14:imgEffect>
+                  </a14:imgLayer>
+                </a14:imgProps>
+              </a:ext>
+              <a:ext uri="{28A0092B-C50C-407E-A947-70E740481C1C}">
+                <a14:useLocalDpi xmlns:a14="http://schemas.microsoft.com/office/drawing/2010/main" val="0"/>
+              </a:ext>
+            </a:extLst>
+          </a:blip>
+          <a:srcRect l="9301" t="12998" r="10840" b="12334"/>
+          <a:stretch/>
+        </p:blipFill>
+        <p:spPr bwMode="auto">
+          <a:xfrm>
+            <a:off x="5447134" y="3356992"/>
+            <a:ext cx="5741670" cy="2847975"/>
+          </a:xfrm>
+          <a:prstGeom prst="rect">
+            <a:avLst/>
+          </a:prstGeom>
+          <a:noFill/>
+          <a:ln>
+            <a:noFill/>
+          </a:ln>
+          <a:extLst>
+            <a:ext uri="{53640926-AAD7-44D8-BBD7-CCE9431645EC}">
+              <a14:shadowObscured xmlns:a14="http://schemas.microsoft.com/office/drawing/2010/main"/>
+            </a:ext>
+          </a:extLst>
+        </p:spPr>
+      </p:pic>
+      <p:sp>
+        <p:nvSpPr>
+          <p:cNvPr id="2" name="Облачко с текстом: прямоугольное 1">
+            <a:extLst>
+              <a:ext uri="{FF2B5EF4-FFF2-40B4-BE49-F238E27FC236}">
+                <a16:creationId xmlns:a16="http://schemas.microsoft.com/office/drawing/2014/main" id="{6750AE69-C3B9-4C7C-B908-A007D87DC697}"/>
+              </a:ext>
+            </a:extLst>
+          </p:cNvPr>
+          <p:cNvSpPr/>
+          <p:nvPr/>
+        </p:nvSpPr>
+        <p:spPr>
+          <a:xfrm>
+            <a:off x="7751390" y="1196752"/>
+            <a:ext cx="2808312" cy="648072"/>
+          </a:xfrm>
+          <a:prstGeom prst="wedgeRectCallout">
+            <a:avLst>
+              <a:gd name="adj1" fmla="val -90713"/>
+              <a:gd name="adj2" fmla="val 177839"/>
+            </a:avLst>
+          </a:prstGeom>
+        </p:spPr>
+        <p:style>
+          <a:lnRef idx="1">
+            <a:schemeClr val="accent1"/>
+          </a:lnRef>
+          <a:fillRef idx="2">
+            <a:schemeClr val="accent1"/>
+          </a:fillRef>
+          <a:effectRef idx="1">
+            <a:schemeClr val="accent1"/>
+          </a:effectRef>
+          <a:fontRef idx="minor">
+            <a:schemeClr val="dk1"/>
+          </a:fontRef>
+        </p:style>
+        <p:txBody>
+          <a:bodyPr rtlCol="0" anchor="ctr"/>
+          <a:lstStyle/>
+          <a:p>
+            <a:pPr algn="ctr"/>
+            <a:r>
+              <a:rPr lang="ru-RU" dirty="0"/>
+              <a:t>Логическая модель данных</a:t>
+            </a:r>
+          </a:p>
+        </p:txBody>
+      </p:sp>
+      <p:sp>
+        <p:nvSpPr>
+          <p:cNvPr id="10" name="Облачко с текстом: прямоугольное 9">
+            <a:extLst>
+              <a:ext uri="{FF2B5EF4-FFF2-40B4-BE49-F238E27FC236}">
+                <a16:creationId xmlns:a16="http://schemas.microsoft.com/office/drawing/2014/main" id="{EBB7D6DE-3AAA-4EC2-AC6F-56C584EF7153}"/>
+              </a:ext>
+            </a:extLst>
+          </p:cNvPr>
+          <p:cNvSpPr/>
+          <p:nvPr/>
+        </p:nvSpPr>
+        <p:spPr>
+          <a:xfrm>
+            <a:off x="1414686" y="4096159"/>
+            <a:ext cx="2808312" cy="648072"/>
+          </a:xfrm>
+          <a:prstGeom prst="wedgeRectCallout">
+            <a:avLst>
+              <a:gd name="adj1" fmla="val 91056"/>
+              <a:gd name="adj2" fmla="val 217565"/>
+            </a:avLst>
+          </a:prstGeom>
+        </p:spPr>
+        <p:style>
+          <a:lnRef idx="1">
+            <a:schemeClr val="accent1"/>
+          </a:lnRef>
+          <a:fillRef idx="2">
+            <a:schemeClr val="accent1"/>
+          </a:fillRef>
+          <a:effectRef idx="1">
+            <a:schemeClr val="accent1"/>
+          </a:effectRef>
+          <a:fontRef idx="minor">
+            <a:schemeClr val="dk1"/>
+          </a:fontRef>
+        </p:style>
+        <p:txBody>
+          <a:bodyPr rtlCol="0" anchor="ctr"/>
+          <a:lstStyle/>
+          <a:p>
+            <a:pPr algn="ctr"/>
+            <a:r>
+              <a:rPr lang="ru-RU" dirty="0"/>
+              <a:t>Физическая модель данных</a:t>
+            </a:r>
+          </a:p>
+        </p:txBody>
+      </p:sp>
+    </p:spTree>
+    <p:extLst>
+      <p:ext uri="{BB962C8B-B14F-4D97-AF65-F5344CB8AC3E}">
+        <p14:creationId xmlns:p14="http://schemas.microsoft.com/office/powerpoint/2010/main" val="1969706102"/>
+      </p:ext>
+    </p:extLst>
+  </p:cSld>
+  <p:clrMapOvr>
+    <a:masterClrMapping/>
+  </p:clrMapOvr>
+</p:sld>
+</file>
+
+<file path=ppt/slides/slide11.xml><?xml version="1.0" encoding="utf-8"?>
+<p:sld xmlns:a="http://schemas.openxmlformats.org/drawingml/2006/main" xmlns:r="http://schemas.openxmlformats.org/officeDocument/2006/relationships" xmlns:p="http://schemas.openxmlformats.org/presentationml/2006/main">
+  <p:cSld>
+    <p:spTree>
+      <p:nvGrpSpPr>
+        <p:cNvPr id="1" name=""/>
+        <p:cNvGrpSpPr/>
+        <p:nvPr/>
+      </p:nvGrpSpPr>
+      <p:grpSpPr>
+        <a:xfrm>
+          <a:off x="0" y="0"/>
+          <a:ext cx="0" cy="0"/>
+          <a:chOff x="0" y="0"/>
+          <a:chExt cx="0" cy="0"/>
+        </a:xfrm>
+      </p:grpSpPr>
+      <p:sp>
+        <p:nvSpPr>
+          <p:cNvPr id="5" name="TextBox 4"/>
+          <p:cNvSpPr txBox="1"/>
+          <p:nvPr/>
+        </p:nvSpPr>
+        <p:spPr>
+          <a:xfrm>
+            <a:off x="2351319" y="215407"/>
+            <a:ext cx="7898675" cy="523220"/>
+          </a:xfrm>
+          <a:prstGeom prst="rect">
+            <a:avLst/>
+          </a:prstGeom>
+          <a:noFill/>
+        </p:spPr>
+        <p:txBody>
+          <a:bodyPr wrap="square" rtlCol="0" anchor="ctr" anchorCtr="1">
+            <a:spAutoFit/>
+          </a:bodyPr>
+          <a:lstStyle/>
+          <a:p>
+            <a:pPr algn="ctr"/>
+            <a:r>
+              <a:rPr lang="ru-RU" sz="2800" dirty="0">
+                <a:solidFill>
+                  <a:schemeClr val="bg1"/>
+                </a:solidFill>
+                <a:latin typeface="Elektra Text Pro" panose="02000503030000020004" pitchFamily="50" charset="-52"/>
+              </a:rPr>
+              <a:t>Схема работы системы</a:t>
+            </a:r>
+          </a:p>
+        </p:txBody>
+      </p:sp>
+      <p:sp>
+        <p:nvSpPr>
+          <p:cNvPr id="6" name="Номер слайда 2"/>
+          <p:cNvSpPr>
+            <a:spLocks noGrp="1"/>
+          </p:cNvSpPr>
+          <p:nvPr>
+            <p:ph type="sldNum" sz="quarter" idx="12"/>
+          </p:nvPr>
+        </p:nvSpPr>
+        <p:spPr>
+          <a:xfrm>
+            <a:off x="8736463" y="6356351"/>
+            <a:ext cx="2844430" cy="365125"/>
+          </a:xfrm>
+        </p:spPr>
+        <p:txBody>
+          <a:bodyPr/>
+          <a:lstStyle/>
+          <a:p>
+            <a:fld id="{E2656834-4BAB-4DB1-9FED-8310CA017EAF}" type="slidenum">
+              <a:rPr lang="ru-RU" sz="2000" b="1" smtClean="0">
+                <a:solidFill>
+                  <a:schemeClr val="tx1"/>
+                </a:solidFill>
+              </a:rPr>
+              <a:t>11</a:t>
             </a:fld>
             <a:endParaRPr lang="ru-RU" sz="2000" b="1" dirty="0">
               <a:solidFill>
@@ -10930,7 +11292,7 @@
 </p:sld>
 </file>
 
-<file path=ppt/slides/slide11.xml><?xml version="1.0" encoding="utf-8"?>
+<file path=ppt/slides/slide12.xml><?xml version="1.0" encoding="utf-8"?>
 <p:sld xmlns:a="http://schemas.openxmlformats.org/drawingml/2006/main" xmlns:r="http://schemas.openxmlformats.org/officeDocument/2006/relationships" xmlns:p="http://schemas.openxmlformats.org/presentationml/2006/main">
   <p:cSld>
     <p:spTree>
@@ -11047,7 +11409,7 @@
                   <a:schemeClr val="tx1"/>
                 </a:solidFill>
               </a:rPr>
-              <a:t>11</a:t>
+              <a:t>12</a:t>
             </a:fld>
             <a:endParaRPr lang="ru-RU" sz="2000" b="1" dirty="0">
               <a:solidFill>
@@ -11070,7 +11432,7 @@
 </p:sld>
 </file>
 
-<file path=ppt/slides/slide12.xml><?xml version="1.0" encoding="utf-8"?>
+<file path=ppt/slides/slide13.xml><?xml version="1.0" encoding="utf-8"?>
 <p:sld xmlns:a="http://schemas.openxmlformats.org/drawingml/2006/main" xmlns:r="http://schemas.openxmlformats.org/officeDocument/2006/relationships" xmlns:p="http://schemas.openxmlformats.org/presentationml/2006/main">
   <p:cSld>
     <p:spTree>
@@ -11117,7 +11479,7 @@
                 </a:solidFill>
                 <a:latin typeface="Elektra Text Pro" panose="02000503030000020004" pitchFamily="50" charset="-52"/>
               </a:rPr>
-              <a:t>Математическая модель</a:t>
+              <a:t>Математическая модель (1)</a:t>
             </a:r>
           </a:p>
         </p:txBody>
@@ -11143,7 +11505,7 @@
                   <a:schemeClr val="tx1"/>
                 </a:solidFill>
               </a:rPr>
-              <a:t>12</a:t>
+              <a:t>13</a:t>
             </a:fld>
             <a:endParaRPr lang="ru-RU" sz="2000" b="1">
               <a:solidFill>
@@ -11153,28 +11515,29 @@
           </a:p>
         </p:txBody>
       </p:sp>
-      <mc:AlternateContent xmlns:mc="http://schemas.openxmlformats.org/markup-compatibility/2006" xmlns:a14="http://schemas.microsoft.com/office/drawing/2010/main">
-        <mc:Choice Requires="a14">
+      <mc:AlternateContent xmlns:mc="http://schemas.openxmlformats.org/markup-compatibility/2006">
+        <mc:Choice xmlns:a14="http://schemas.microsoft.com/office/drawing/2010/main" Requires="a14">
           <p:sp>
             <p:nvSpPr>
-              <p:cNvPr id="3" name="Прямоугольник 2">
+              <p:cNvPr id="11" name="TextBox 10">
                 <a:extLst>
                   <a:ext uri="{FF2B5EF4-FFF2-40B4-BE49-F238E27FC236}">
-                    <a16:creationId xmlns:a16="http://schemas.microsoft.com/office/drawing/2014/main" id="{A33115D6-7B22-43C5-8A89-131FAA6D815A}"/>
+                    <a16:creationId xmlns:a16="http://schemas.microsoft.com/office/drawing/2014/main" id="{19B8CC99-6882-4994-9B19-67B973ACF204}"/>
                   </a:ext>
                 </a:extLst>
               </p:cNvPr>
-              <p:cNvSpPr/>
+              <p:cNvSpPr txBox="1"/>
               <p:nvPr/>
             </p:nvSpPr>
             <p:spPr>
               <a:xfrm>
-                <a:off x="478582" y="980728"/>
-                <a:ext cx="11305256" cy="671851"/>
+                <a:off x="622598" y="920461"/>
+                <a:ext cx="11305256" cy="1524007"/>
               </a:xfrm>
               <a:prstGeom prst="rect">
                 <a:avLst/>
               </a:prstGeom>
+              <a:noFill/>
             </p:spPr>
             <p:txBody>
               <a:bodyPr wrap="square">
@@ -11182,24 +11545,222 @@
               </a:bodyPr>
               <a:lstStyle/>
               <a:p>
-                <a:pPr indent="449580" algn="just">
-                  <a:spcAft>
-                    <a:spcPts val="0"/>
-                  </a:spcAft>
+                <a:pPr indent="450215" algn="just">
+                  <a:lnSpc>
+                    <a:spcPct val="150000"/>
+                  </a:lnSpc>
                 </a:pPr>
                 <a:r>
-                  <a:rPr lang="ru-RU" dirty="0">
+                  <a:rPr lang="ru-RU" sz="1600" dirty="0">
+                    <a:effectLst/>
+                    <a:latin typeface="Arial" panose="020B0604020202020204" pitchFamily="34" charset="0"/>
+                    <a:ea typeface="Times New Roman" panose="02020603050405020304" pitchFamily="18" charset="0"/>
+                    <a:cs typeface="Arial" panose="020B0604020202020204" pitchFamily="34" charset="0"/>
+                  </a:rPr>
+                  <a:t>Так, с помощью акселерометра можно получить ускорение по трем осям. В итоге получается множество данных акселерометра:</a:t>
+                </a:r>
+              </a:p>
+              <a:p>
+                <a:pPr indent="450215" algn="ctr">
+                  <a:lnSpc>
+                    <a:spcPct val="150000"/>
+                  </a:lnSpc>
+                </a:pPr>
+                <a:r>
+                  <a:rPr lang="ru-RU" sz="1600" dirty="0">
+                    <a:effectLst/>
                     <a:latin typeface="Times New Roman" panose="02020603050405020304" pitchFamily="18" charset="0"/>
                     <a:ea typeface="Times New Roman" panose="02020603050405020304" pitchFamily="18" charset="0"/>
                   </a:rPr>
-                  <a:t>Пусть </a:t>
+                  <a:t> 	</a:t>
+                </a:r>
+                <a14:m>
+                  <m:oMath xmlns:m="http://schemas.openxmlformats.org/officeDocument/2006/math">
+                    <m:r>
+                      <a:rPr lang="ru-RU" sz="1600" i="1">
+                        <a:effectLst/>
+                        <a:latin typeface="Cambria Math" panose="02040503050406030204" pitchFamily="18" charset="0"/>
+                        <a:ea typeface="Times New Roman" panose="02020603050405020304" pitchFamily="18" charset="0"/>
+                      </a:rPr>
+                      <m:t>𝐺</m:t>
+                    </m:r>
+                    <m:r>
+                      <a:rPr lang="ru-RU" sz="1600">
+                        <a:effectLst/>
+                        <a:latin typeface="Cambria Math" panose="02040503050406030204" pitchFamily="18" charset="0"/>
+                        <a:ea typeface="Times New Roman" panose="02020603050405020304" pitchFamily="18" charset="0"/>
+                      </a:rPr>
+                      <m:t>=</m:t>
+                    </m:r>
+                    <m:d>
+                      <m:dPr>
+                        <m:begChr m:val="{"/>
+                        <m:endChr m:val="}"/>
+                        <m:ctrlPr>
+                          <a:rPr lang="ru-RU" sz="1600" i="1">
+                            <a:effectLst/>
+                            <a:latin typeface="Cambria Math" panose="02040503050406030204" pitchFamily="18" charset="0"/>
+                            <a:ea typeface="Times New Roman" panose="02020603050405020304" pitchFamily="18" charset="0"/>
+                          </a:rPr>
+                        </m:ctrlPr>
+                      </m:dPr>
+                      <m:e>
+                        <m:d>
+                          <m:dPr>
+                            <m:begChr m:val="〈"/>
+                            <m:endChr m:val="〉"/>
+                            <m:ctrlPr>
+                              <a:rPr lang="ru-RU" sz="1600" i="1">
+                                <a:effectLst/>
+                                <a:latin typeface="Cambria Math" panose="02040503050406030204" pitchFamily="18" charset="0"/>
+                                <a:ea typeface="Times New Roman" panose="02020603050405020304" pitchFamily="18" charset="0"/>
+                              </a:rPr>
+                            </m:ctrlPr>
+                          </m:dPr>
+                          <m:e>
+                            <m:r>
+                              <a:rPr lang="ru-RU" sz="1600" i="1">
+                                <a:effectLst/>
+                                <a:latin typeface="Cambria Math" panose="02040503050406030204" pitchFamily="18" charset="0"/>
+                                <a:ea typeface="Times New Roman" panose="02020603050405020304" pitchFamily="18" charset="0"/>
+                              </a:rPr>
+                              <m:t>𝑔</m:t>
+                            </m:r>
+                            <m:d>
+                              <m:dPr>
+                                <m:ctrlPr>
+                                  <a:rPr lang="ru-RU" sz="1600" i="1">
+                                    <a:effectLst/>
+                                    <a:latin typeface="Cambria Math" panose="02040503050406030204" pitchFamily="18" charset="0"/>
+                                    <a:ea typeface="Times New Roman" panose="02020603050405020304" pitchFamily="18" charset="0"/>
+                                  </a:rPr>
+                                </m:ctrlPr>
+                              </m:dPr>
+                              <m:e>
+                                <m:r>
+                                  <a:rPr lang="ru-RU" sz="1600" i="1">
+                                    <a:effectLst/>
+                                    <a:latin typeface="Cambria Math" panose="02040503050406030204" pitchFamily="18" charset="0"/>
+                                    <a:ea typeface="Times New Roman" panose="02020603050405020304" pitchFamily="18" charset="0"/>
+                                  </a:rPr>
+                                  <m:t>𝑋</m:t>
+                                </m:r>
+                              </m:e>
+                            </m:d>
+                            <m:r>
+                              <a:rPr lang="ru-RU" sz="1600">
+                                <a:effectLst/>
+                                <a:latin typeface="Cambria Math" panose="02040503050406030204" pitchFamily="18" charset="0"/>
+                                <a:ea typeface="Times New Roman" panose="02020603050405020304" pitchFamily="18" charset="0"/>
+                              </a:rPr>
+                              <m:t>,</m:t>
+                            </m:r>
+                            <m:r>
+                              <a:rPr lang="ru-RU" sz="1600" i="1">
+                                <a:effectLst/>
+                                <a:latin typeface="Cambria Math" panose="02040503050406030204" pitchFamily="18" charset="0"/>
+                                <a:ea typeface="Times New Roman" panose="02020603050405020304" pitchFamily="18" charset="0"/>
+                              </a:rPr>
+                              <m:t>𝑔</m:t>
+                            </m:r>
+                            <m:d>
+                              <m:dPr>
+                                <m:ctrlPr>
+                                  <a:rPr lang="ru-RU" sz="1600" i="1">
+                                    <a:effectLst/>
+                                    <a:latin typeface="Cambria Math" panose="02040503050406030204" pitchFamily="18" charset="0"/>
+                                    <a:ea typeface="Times New Roman" panose="02020603050405020304" pitchFamily="18" charset="0"/>
+                                  </a:rPr>
+                                </m:ctrlPr>
+                              </m:dPr>
+                              <m:e>
+                                <m:r>
+                                  <a:rPr lang="ru-RU" sz="1600" i="1">
+                                    <a:effectLst/>
+                                    <a:latin typeface="Cambria Math" panose="02040503050406030204" pitchFamily="18" charset="0"/>
+                                    <a:ea typeface="Times New Roman" panose="02020603050405020304" pitchFamily="18" charset="0"/>
+                                  </a:rPr>
+                                  <m:t>𝑌</m:t>
+                                </m:r>
+                              </m:e>
+                            </m:d>
+                            <m:r>
+                              <a:rPr lang="ru-RU" sz="1600">
+                                <a:effectLst/>
+                                <a:latin typeface="Cambria Math" panose="02040503050406030204" pitchFamily="18" charset="0"/>
+                                <a:ea typeface="Times New Roman" panose="02020603050405020304" pitchFamily="18" charset="0"/>
+                              </a:rPr>
+                              <m:t>,</m:t>
+                            </m:r>
+                            <m:r>
+                              <a:rPr lang="ru-RU" sz="1600" i="1">
+                                <a:effectLst/>
+                                <a:latin typeface="Cambria Math" panose="02040503050406030204" pitchFamily="18" charset="0"/>
+                                <a:ea typeface="Times New Roman" panose="02020603050405020304" pitchFamily="18" charset="0"/>
+                              </a:rPr>
+                              <m:t>𝑔</m:t>
+                            </m:r>
+                            <m:r>
+                              <a:rPr lang="ru-RU" sz="1600">
+                                <a:effectLst/>
+                                <a:latin typeface="Cambria Math" panose="02040503050406030204" pitchFamily="18" charset="0"/>
+                                <a:ea typeface="Times New Roman" panose="02020603050405020304" pitchFamily="18" charset="0"/>
+                              </a:rPr>
+                              <m:t>(</m:t>
+                            </m:r>
+                            <m:r>
+                              <a:rPr lang="ru-RU" sz="1600" i="1">
+                                <a:effectLst/>
+                                <a:latin typeface="Cambria Math" panose="02040503050406030204" pitchFamily="18" charset="0"/>
+                                <a:ea typeface="Times New Roman" panose="02020603050405020304" pitchFamily="18" charset="0"/>
+                              </a:rPr>
+                              <m:t>𝑍</m:t>
+                            </m:r>
+                            <m:r>
+                              <a:rPr lang="ru-RU" sz="1600">
+                                <a:effectLst/>
+                                <a:latin typeface="Cambria Math" panose="02040503050406030204" pitchFamily="18" charset="0"/>
+                                <a:ea typeface="Times New Roman" panose="02020603050405020304" pitchFamily="18" charset="0"/>
+                              </a:rPr>
+                              <m:t>)</m:t>
+                            </m:r>
+                          </m:e>
+                        </m:d>
+                      </m:e>
+                    </m:d>
+                  </m:oMath>
+                </a14:m>
+                <a:r>
+                  <a:rPr lang="ru-RU" sz="1600" dirty="0">
+                    <a:effectLst/>
+                    <a:latin typeface="Times New Roman" panose="02020603050405020304" pitchFamily="18" charset="0"/>
+                    <a:ea typeface="Times New Roman" panose="02020603050405020304" pitchFamily="18" charset="0"/>
+                  </a:rPr>
+                  <a:t>,	</a:t>
+                </a:r>
+              </a:p>
+              <a:p>
+                <a:pPr algn="just">
+                  <a:lnSpc>
+                    <a:spcPct val="150000"/>
+                  </a:lnSpc>
+                </a:pPr>
+                <a:r>
+                  <a:rPr lang="ru-RU" sz="1600" dirty="0">
+                    <a:effectLst/>
+                    <a:latin typeface="Arial" panose="020B0604020202020204" pitchFamily="34" charset="0"/>
+                    <a:ea typeface="Times New Roman" panose="02020603050405020304" pitchFamily="18" charset="0"/>
+                    <a:cs typeface="Arial" panose="020B0604020202020204" pitchFamily="34" charset="0"/>
+                  </a:rPr>
+                  <a:t> где </a:t>
                 </a:r>
                 <a14:m>
                   <m:oMath xmlns:m="http://schemas.openxmlformats.org/officeDocument/2006/math">
                     <m:sSub>
                       <m:sSubPr>
                         <m:ctrlPr>
-                          <a:rPr lang="ru-RU" i="1">
+                          <a:rPr lang="ru-RU" sz="1600" i="1">
+                            <a:effectLst/>
                             <a:latin typeface="Cambria Math" panose="02040503050406030204" pitchFamily="18" charset="0"/>
                             <a:ea typeface="Times New Roman" panose="02020603050405020304" pitchFamily="18" charset="0"/>
                           </a:rPr>
@@ -11207,268 +11768,75 @@
                       </m:sSubPr>
                       <m:e>
                         <m:r>
-                          <a:rPr lang="ru-RU" i="1">
+                          <a:rPr lang="ru-RU" sz="1600" i="1">
+                            <a:effectLst/>
                             <a:latin typeface="Cambria Math" panose="02040503050406030204" pitchFamily="18" charset="0"/>
                             <a:ea typeface="Times New Roman" panose="02020603050405020304" pitchFamily="18" charset="0"/>
                           </a:rPr>
-                          <m:t>𝑎</m:t>
+                          <m:t>𝑔</m:t>
                         </m:r>
                       </m:e>
                       <m:sub>
                         <m:r>
-                          <a:rPr lang="ru-RU" i="1">
+                          <a:rPr lang="ru-RU" sz="1600" i="1">
+                            <a:effectLst/>
                             <a:latin typeface="Cambria Math" panose="02040503050406030204" pitchFamily="18" charset="0"/>
                             <a:ea typeface="Times New Roman" panose="02020603050405020304" pitchFamily="18" charset="0"/>
                           </a:rPr>
-                          <m:t>𝑁</m:t>
-                        </m:r>
-                      </m:sub>
-                    </m:sSub>
-                  </m:oMath>
-                </a14:m>
-                <a:r>
-                  <a:rPr lang="ru-RU" dirty="0">
-                    <a:latin typeface="Times New Roman" panose="02020603050405020304" pitchFamily="18" charset="0"/>
-                    <a:ea typeface="Times New Roman" panose="02020603050405020304" pitchFamily="18" charset="0"/>
-                  </a:rPr>
-                  <a:t> и </a:t>
-                </a:r>
-                <a14:m>
-                  <m:oMath xmlns:m="http://schemas.openxmlformats.org/officeDocument/2006/math">
-                    <m:sSub>
-                      <m:sSubPr>
-                        <m:ctrlPr>
-                          <a:rPr lang="ru-RU" i="1">
-                            <a:latin typeface="Cambria Math" panose="02040503050406030204" pitchFamily="18" charset="0"/>
-                            <a:ea typeface="Times New Roman" panose="02020603050405020304" pitchFamily="18" charset="0"/>
-                          </a:rPr>
-                        </m:ctrlPr>
-                      </m:sSubPr>
-                      <m:e>
-                        <m:r>
-                          <a:rPr lang="ru-RU" i="1">
-                            <a:latin typeface="Cambria Math" panose="02040503050406030204" pitchFamily="18" charset="0"/>
-                            <a:ea typeface="Times New Roman" panose="02020603050405020304" pitchFamily="18" charset="0"/>
-                          </a:rPr>
-                          <m:t>𝑎</m:t>
-                        </m:r>
-                      </m:e>
-                      <m:sub>
-                        <m:r>
-                          <a:rPr lang="ru-RU" i="1">
-                            <a:latin typeface="Cambria Math" panose="02040503050406030204" pitchFamily="18" charset="0"/>
-                            <a:ea typeface="Times New Roman" panose="02020603050405020304" pitchFamily="18" charset="0"/>
-                          </a:rPr>
-                          <m:t>𝐸</m:t>
-                        </m:r>
-                      </m:sub>
-                    </m:sSub>
-                  </m:oMath>
-                </a14:m>
-                <a:r>
-                  <a:rPr lang="ru-RU" dirty="0">
-                    <a:latin typeface="Times New Roman" panose="02020603050405020304" pitchFamily="18" charset="0"/>
-                    <a:ea typeface="Times New Roman" panose="02020603050405020304" pitchFamily="18" charset="0"/>
-                  </a:rPr>
-                  <a:t> – измеренные ускорения по направлениям на север и восток, </a:t>
-                </a:r>
-                <a14:m>
-                  <m:oMath xmlns:m="http://schemas.openxmlformats.org/officeDocument/2006/math">
-                    <m:sSub>
-                      <m:sSubPr>
-                        <m:ctrlPr>
-                          <a:rPr lang="ru-RU" i="1">
-                            <a:latin typeface="Cambria Math" panose="02040503050406030204" pitchFamily="18" charset="0"/>
-                            <a:ea typeface="Times New Roman" panose="02020603050405020304" pitchFamily="18" charset="0"/>
-                          </a:rPr>
-                        </m:ctrlPr>
-                      </m:sSubPr>
-                      <m:e>
-                        <m:r>
-                          <a:rPr lang="ru-RU" i="1">
-                            <a:latin typeface="Cambria Math" panose="02040503050406030204" pitchFamily="18" charset="0"/>
-                            <a:ea typeface="Times New Roman" panose="02020603050405020304" pitchFamily="18" charset="0"/>
-                          </a:rPr>
-                          <m:t>𝑊</m:t>
-                        </m:r>
-                      </m:e>
-                      <m:sub>
-                        <m:r>
-                          <a:rPr lang="ru-RU" i="1">
-                            <a:latin typeface="Cambria Math" panose="02040503050406030204" pitchFamily="18" charset="0"/>
-                            <a:ea typeface="Times New Roman" panose="02020603050405020304" pitchFamily="18" charset="0"/>
-                          </a:rPr>
-                          <m:t>𝑁</m:t>
-                        </m:r>
-                      </m:sub>
-                    </m:sSub>
-                  </m:oMath>
-                </a14:m>
-                <a:r>
-                  <a:rPr lang="ru-RU" dirty="0">
-                    <a:latin typeface="Times New Roman" panose="02020603050405020304" pitchFamily="18" charset="0"/>
-                    <a:ea typeface="Times New Roman" panose="02020603050405020304" pitchFamily="18" charset="0"/>
-                  </a:rPr>
-                  <a:t> и</a:t>
-                </a:r>
-                <a:r>
-                  <a:rPr lang="ru-RU" dirty="0">
-                    <a:ea typeface="Times New Roman" panose="02020603050405020304" pitchFamily="18" charset="0"/>
-                  </a:rPr>
-                  <a:t> </a:t>
-                </a:r>
-                <a14:m>
-                  <m:oMath xmlns:m="http://schemas.openxmlformats.org/officeDocument/2006/math">
-                    <m:sSub>
-                      <m:sSubPr>
-                        <m:ctrlPr>
-                          <a:rPr lang="ru-RU" i="1">
-                            <a:latin typeface="Cambria Math" panose="02040503050406030204" pitchFamily="18" charset="0"/>
-                            <a:ea typeface="Times New Roman" panose="02020603050405020304" pitchFamily="18" charset="0"/>
-                          </a:rPr>
-                        </m:ctrlPr>
-                      </m:sSubPr>
-                      <m:e>
-                        <m:r>
-                          <a:rPr lang="ru-RU" i="1">
-                            <a:latin typeface="Cambria Math" panose="02040503050406030204" pitchFamily="18" charset="0"/>
-                            <a:ea typeface="Times New Roman" panose="02020603050405020304" pitchFamily="18" charset="0"/>
-                          </a:rPr>
-                          <m:t>𝑊</m:t>
-                        </m:r>
-                      </m:e>
-                      <m:sub>
-                        <m:r>
-                          <a:rPr lang="en-US" b="0" i="1" smtClean="0">
-                            <a:latin typeface="Cambria Math" panose="02040503050406030204" pitchFamily="18" charset="0"/>
-                            <a:ea typeface="Times New Roman" panose="02020603050405020304" pitchFamily="18" charset="0"/>
-                          </a:rPr>
-                          <m:t>𝐸</m:t>
+                          <m:t>𝑖</m:t>
                         </m:r>
                       </m:sub>
                     </m:sSub>
                     <m:r>
-                      <a:rPr lang="ru-RU" i="1">
+                      <a:rPr lang="ru-RU" sz="1600">
+                        <a:effectLst/>
                         <a:latin typeface="Cambria Math" panose="02040503050406030204" pitchFamily="18" charset="0"/>
                         <a:ea typeface="Times New Roman" panose="02020603050405020304" pitchFamily="18" charset="0"/>
                       </a:rPr>
-                      <m:t> </m:t>
+                      <m:t> ∈</m:t>
+                    </m:r>
+                    <m:r>
+                      <a:rPr lang="ru-RU" sz="1600" i="1">
+                        <a:effectLst/>
+                        <a:latin typeface="Cambria Math" panose="02040503050406030204" pitchFamily="18" charset="0"/>
+                        <a:ea typeface="Times New Roman" panose="02020603050405020304" pitchFamily="18" charset="0"/>
+                      </a:rPr>
+                      <m:t>𝐺</m:t>
                     </m:r>
                   </m:oMath>
                 </a14:m>
                 <a:r>
-                  <a:rPr lang="ru-RU" dirty="0">
-                    <a:latin typeface="Times New Roman" panose="02020603050405020304" pitchFamily="18" charset="0"/>
+                  <a:rPr lang="ru-RU" sz="1600" dirty="0">
+                    <a:effectLst/>
+                    <a:latin typeface="Arial" panose="020B0604020202020204" pitchFamily="34" charset="0"/>
                     <a:ea typeface="Times New Roman" panose="02020603050405020304" pitchFamily="18" charset="0"/>
+                    <a:cs typeface="Arial" panose="020B0604020202020204" pitchFamily="34" charset="0"/>
                   </a:rPr>
-                  <a:t> – составляющие путевой скорости, </a:t>
+                  <a:t> – это точка одного измерения в пространстве.</a:t>
                 </a:r>
-                <a14:m>
-                  <m:oMath xmlns:m="http://schemas.openxmlformats.org/officeDocument/2006/math">
-                    <m:sSub>
-                      <m:sSubPr>
-                        <m:ctrlPr>
-                          <a:rPr lang="ru-RU" i="1">
-                            <a:latin typeface="Cambria Math" panose="02040503050406030204" pitchFamily="18" charset="0"/>
-                            <a:ea typeface="Times New Roman" panose="02020603050405020304" pitchFamily="18" charset="0"/>
-                          </a:rPr>
-                        </m:ctrlPr>
-                      </m:sSubPr>
-                      <m:e>
-                        <m:r>
-                          <a:rPr lang="ru-RU" i="1">
-                            <a:latin typeface="Cambria Math" panose="02040503050406030204" pitchFamily="18" charset="0"/>
-                            <a:ea typeface="Times New Roman" panose="02020603050405020304" pitchFamily="18" charset="0"/>
-                          </a:rPr>
-                          <m:t>𝑆</m:t>
-                        </m:r>
-                      </m:e>
-                      <m:sub>
-                        <m:r>
-                          <a:rPr lang="ru-RU" i="1">
-                            <a:latin typeface="Cambria Math" panose="02040503050406030204" pitchFamily="18" charset="0"/>
-                            <a:ea typeface="Times New Roman" panose="02020603050405020304" pitchFamily="18" charset="0"/>
-                          </a:rPr>
-                          <m:t>𝑁</m:t>
-                        </m:r>
-                      </m:sub>
-                    </m:sSub>
-                  </m:oMath>
-                </a14:m>
-                <a:r>
-                  <a:rPr lang="ru-RU" dirty="0">
-                    <a:latin typeface="Times New Roman" panose="02020603050405020304" pitchFamily="18" charset="0"/>
-                    <a:ea typeface="Times New Roman" panose="02020603050405020304" pitchFamily="18" charset="0"/>
-                  </a:rPr>
-                  <a:t> и </a:t>
-                </a:r>
-                <a14:m>
-                  <m:oMath xmlns:m="http://schemas.openxmlformats.org/officeDocument/2006/math">
-                    <m:sSub>
-                      <m:sSubPr>
-                        <m:ctrlPr>
-                          <a:rPr lang="ru-RU" i="1" baseline="-25000">
-                            <a:latin typeface="Cambria Math" panose="02040503050406030204" pitchFamily="18" charset="0"/>
-                            <a:ea typeface="Times New Roman" panose="02020603050405020304" pitchFamily="18" charset="0"/>
-                          </a:rPr>
-                        </m:ctrlPr>
-                      </m:sSubPr>
-                      <m:e>
-                        <m:r>
-                          <a:rPr lang="ru-RU" i="1" baseline="-25000">
-                            <a:latin typeface="Cambria Math" panose="02040503050406030204" pitchFamily="18" charset="0"/>
-                            <a:ea typeface="Times New Roman" panose="02020603050405020304" pitchFamily="18" charset="0"/>
-                          </a:rPr>
-                          <m:t>𝑆</m:t>
-                        </m:r>
-                      </m:e>
-                      <m:sub>
-                        <m:r>
-                          <a:rPr lang="ru-RU" i="1" baseline="-25000">
-                            <a:latin typeface="Cambria Math" panose="02040503050406030204" pitchFamily="18" charset="0"/>
-                            <a:ea typeface="Times New Roman" panose="02020603050405020304" pitchFamily="18" charset="0"/>
-                          </a:rPr>
-                          <m:t>𝐸</m:t>
-                        </m:r>
-                      </m:sub>
-                    </m:sSub>
-                  </m:oMath>
-                </a14:m>
-                <a:r>
-                  <a:rPr lang="ru-RU" dirty="0">
-                    <a:latin typeface="Times New Roman" panose="02020603050405020304" pitchFamily="18" charset="0"/>
-                    <a:ea typeface="Times New Roman" panose="02020603050405020304" pitchFamily="18" charset="0"/>
-                  </a:rPr>
-                  <a:t> – пройденные расстояния по этим же направлениям. Тогда</a:t>
-                </a:r>
-                <a:endParaRPr lang="ru-RU" sz="1600" dirty="0">
-                  <a:effectLst/>
-                  <a:latin typeface="Times New Roman" panose="02020603050405020304" pitchFamily="18" charset="0"/>
-                  <a:ea typeface="Times New Roman" panose="02020603050405020304" pitchFamily="18" charset="0"/>
-                </a:endParaRPr>
               </a:p>
             </p:txBody>
           </p:sp>
         </mc:Choice>
-        <mc:Fallback xmlns="">
+        <mc:Fallback>
           <p:sp>
             <p:nvSpPr>
-              <p:cNvPr id="3" name="Прямоугольник 2">
+              <p:cNvPr id="11" name="TextBox 10">
                 <a:extLst>
                   <a:ext uri="{FF2B5EF4-FFF2-40B4-BE49-F238E27FC236}">
-                    <a16:creationId xmlns:a16="http://schemas.microsoft.com/office/drawing/2014/main" id="{A33115D6-7B22-43C5-8A89-131FAA6D815A}"/>
+                    <a16:creationId xmlns:a16="http://schemas.microsoft.com/office/drawing/2014/main" id="{19B8CC99-6882-4994-9B19-67B973ACF204}"/>
                   </a:ext>
                 </a:extLst>
               </p:cNvPr>
-              <p:cNvSpPr>
+              <p:cNvSpPr txBox="1">
                 <a:spLocks noRot="1" noChangeAspect="1" noMove="1" noResize="1" noEditPoints="1" noAdjustHandles="1" noChangeArrowheads="1" noChangeShapeType="1" noTextEdit="1"/>
               </p:cNvSpPr>
               <p:nvPr/>
             </p:nvSpPr>
             <p:spPr>
               <a:xfrm>
-                <a:off x="478582" y="980728"/>
-                <a:ext cx="11305256" cy="671851"/>
+                <a:off x="622598" y="920461"/>
+                <a:ext cx="11305256" cy="1524007"/>
               </a:xfrm>
               <a:prstGeom prst="rect">
                 <a:avLst/>
@@ -11476,7 +11844,7 @@
               <a:blipFill>
                 <a:blip r:embed="rId2"/>
                 <a:stretch>
-                  <a:fillRect l="-485" t="-6364" r="-431" b="-10000"/>
+                  <a:fillRect l="-270" r="-270" b="-4400"/>
                 </a:stretch>
               </a:blipFill>
             </p:spPr>
@@ -11495,8 +11863,1285 @@
           </p:sp>
         </mc:Fallback>
       </mc:AlternateContent>
-      <mc:AlternateContent xmlns:mc="http://schemas.openxmlformats.org/markup-compatibility/2006" xmlns:a14="http://schemas.microsoft.com/office/drawing/2010/main">
-        <mc:Choice Requires="a14">
+      <mc:AlternateContent xmlns:mc="http://schemas.openxmlformats.org/markup-compatibility/2006">
+        <mc:Choice xmlns:a14="http://schemas.microsoft.com/office/drawing/2010/main" Requires="a14">
+          <p:sp>
+            <p:nvSpPr>
+              <p:cNvPr id="13" name="TextBox 12">
+                <a:extLst>
+                  <a:ext uri="{FF2B5EF4-FFF2-40B4-BE49-F238E27FC236}">
+                    <a16:creationId xmlns:a16="http://schemas.microsoft.com/office/drawing/2014/main" id="{C5687EF0-508A-4617-926D-F16D2A0947A4}"/>
+                  </a:ext>
+                </a:extLst>
+              </p:cNvPr>
+              <p:cNvSpPr txBox="1"/>
+              <p:nvPr/>
+            </p:nvSpPr>
+            <p:spPr>
+              <a:xfrm>
+                <a:off x="622598" y="2617673"/>
+                <a:ext cx="11233248" cy="1524007"/>
+              </a:xfrm>
+              <a:prstGeom prst="rect">
+                <a:avLst/>
+              </a:prstGeom>
+              <a:noFill/>
+            </p:spPr>
+            <p:txBody>
+              <a:bodyPr wrap="square">
+                <a:spAutoFit/>
+              </a:bodyPr>
+              <a:lstStyle/>
+              <a:p>
+                <a:pPr indent="450215" algn="just">
+                  <a:lnSpc>
+                    <a:spcPct val="150000"/>
+                  </a:lnSpc>
+                </a:pPr>
+                <a:r>
+                  <a:rPr lang="ru-RU" sz="1600" dirty="0">
+                    <a:effectLst/>
+                    <a:latin typeface="Arial" panose="020B0604020202020204" pitchFamily="34" charset="0"/>
+                    <a:ea typeface="Times New Roman" panose="02020603050405020304" pitchFamily="18" charset="0"/>
+                    <a:cs typeface="Arial" panose="020B0604020202020204" pitchFamily="34" charset="0"/>
+                  </a:rPr>
+                  <a:t>С помощью гироскопа можно получить гироскопический момент вращения ротора, возникающий при изменении направления оси. Он определяется следующим множеством:</a:t>
+                </a:r>
+              </a:p>
+              <a:p>
+                <a:pPr indent="450215" algn="ctr">
+                  <a:lnSpc>
+                    <a:spcPct val="150000"/>
+                  </a:lnSpc>
+                </a:pPr>
+                <a:r>
+                  <a:rPr lang="ru-RU" sz="1600" dirty="0">
+                    <a:effectLst/>
+                    <a:latin typeface="Times New Roman" panose="02020603050405020304" pitchFamily="18" charset="0"/>
+                    <a:ea typeface="Times New Roman" panose="02020603050405020304" pitchFamily="18" charset="0"/>
+                  </a:rPr>
+                  <a:t> 	</a:t>
+                </a:r>
+                <a14:m>
+                  <m:oMath xmlns:m="http://schemas.openxmlformats.org/officeDocument/2006/math">
+                    <m:r>
+                      <a:rPr lang="ru-RU" sz="1600" i="1">
+                        <a:effectLst/>
+                        <a:latin typeface="Cambria Math" panose="02040503050406030204" pitchFamily="18" charset="0"/>
+                        <a:ea typeface="Times New Roman" panose="02020603050405020304" pitchFamily="18" charset="0"/>
+                      </a:rPr>
+                      <m:t>𝑀</m:t>
+                    </m:r>
+                    <m:r>
+                      <a:rPr lang="ru-RU" sz="1600">
+                        <a:effectLst/>
+                        <a:latin typeface="Cambria Math" panose="02040503050406030204" pitchFamily="18" charset="0"/>
+                        <a:ea typeface="Times New Roman" panose="02020603050405020304" pitchFamily="18" charset="0"/>
+                      </a:rPr>
+                      <m:t>=</m:t>
+                    </m:r>
+                    <m:d>
+                      <m:dPr>
+                        <m:begChr m:val="{"/>
+                        <m:endChr m:val="}"/>
+                        <m:ctrlPr>
+                          <a:rPr lang="ru-RU" sz="1600" i="1">
+                            <a:effectLst/>
+                            <a:latin typeface="Cambria Math" panose="02040503050406030204" pitchFamily="18" charset="0"/>
+                            <a:ea typeface="Times New Roman" panose="02020603050405020304" pitchFamily="18" charset="0"/>
+                          </a:rPr>
+                        </m:ctrlPr>
+                      </m:dPr>
+                      <m:e>
+                        <m:d>
+                          <m:dPr>
+                            <m:begChr m:val="〈"/>
+                            <m:endChr m:val="〉"/>
+                            <m:ctrlPr>
+                              <a:rPr lang="ru-RU" sz="1600" i="1">
+                                <a:effectLst/>
+                                <a:latin typeface="Cambria Math" panose="02040503050406030204" pitchFamily="18" charset="0"/>
+                                <a:ea typeface="Times New Roman" panose="02020603050405020304" pitchFamily="18" charset="0"/>
+                              </a:rPr>
+                            </m:ctrlPr>
+                          </m:dPr>
+                          <m:e>
+                            <m:r>
+                              <a:rPr lang="ru-RU" sz="1600" i="1">
+                                <a:effectLst/>
+                                <a:latin typeface="Cambria Math" panose="02040503050406030204" pitchFamily="18" charset="0"/>
+                                <a:ea typeface="Times New Roman" panose="02020603050405020304" pitchFamily="18" charset="0"/>
+                              </a:rPr>
+                              <m:t>𝑚</m:t>
+                            </m:r>
+                            <m:d>
+                              <m:dPr>
+                                <m:ctrlPr>
+                                  <a:rPr lang="ru-RU" sz="1600" i="1">
+                                    <a:effectLst/>
+                                    <a:latin typeface="Cambria Math" panose="02040503050406030204" pitchFamily="18" charset="0"/>
+                                    <a:ea typeface="Times New Roman" panose="02020603050405020304" pitchFamily="18" charset="0"/>
+                                  </a:rPr>
+                                </m:ctrlPr>
+                              </m:dPr>
+                              <m:e>
+                                <m:r>
+                                  <a:rPr lang="ru-RU" sz="1600" i="1">
+                                    <a:effectLst/>
+                                    <a:latin typeface="Cambria Math" panose="02040503050406030204" pitchFamily="18" charset="0"/>
+                                    <a:ea typeface="Times New Roman" panose="02020603050405020304" pitchFamily="18" charset="0"/>
+                                  </a:rPr>
+                                  <m:t>𝑋</m:t>
+                                </m:r>
+                              </m:e>
+                            </m:d>
+                            <m:r>
+                              <a:rPr lang="ru-RU" sz="1600">
+                                <a:effectLst/>
+                                <a:latin typeface="Cambria Math" panose="02040503050406030204" pitchFamily="18" charset="0"/>
+                                <a:ea typeface="Times New Roman" panose="02020603050405020304" pitchFamily="18" charset="0"/>
+                              </a:rPr>
+                              <m:t>,</m:t>
+                            </m:r>
+                            <m:r>
+                              <a:rPr lang="ru-RU" sz="1600" i="1">
+                                <a:effectLst/>
+                                <a:latin typeface="Cambria Math" panose="02040503050406030204" pitchFamily="18" charset="0"/>
+                                <a:ea typeface="Times New Roman" panose="02020603050405020304" pitchFamily="18" charset="0"/>
+                              </a:rPr>
+                              <m:t>𝑚</m:t>
+                            </m:r>
+                            <m:d>
+                              <m:dPr>
+                                <m:ctrlPr>
+                                  <a:rPr lang="ru-RU" sz="1600" i="1">
+                                    <a:effectLst/>
+                                    <a:latin typeface="Cambria Math" panose="02040503050406030204" pitchFamily="18" charset="0"/>
+                                    <a:ea typeface="Times New Roman" panose="02020603050405020304" pitchFamily="18" charset="0"/>
+                                  </a:rPr>
+                                </m:ctrlPr>
+                              </m:dPr>
+                              <m:e>
+                                <m:r>
+                                  <a:rPr lang="ru-RU" sz="1600" i="1">
+                                    <a:effectLst/>
+                                    <a:latin typeface="Cambria Math" panose="02040503050406030204" pitchFamily="18" charset="0"/>
+                                    <a:ea typeface="Times New Roman" panose="02020603050405020304" pitchFamily="18" charset="0"/>
+                                  </a:rPr>
+                                  <m:t>𝑌</m:t>
+                                </m:r>
+                              </m:e>
+                            </m:d>
+                            <m:r>
+                              <a:rPr lang="ru-RU" sz="1600">
+                                <a:effectLst/>
+                                <a:latin typeface="Cambria Math" panose="02040503050406030204" pitchFamily="18" charset="0"/>
+                                <a:ea typeface="Times New Roman" panose="02020603050405020304" pitchFamily="18" charset="0"/>
+                              </a:rPr>
+                              <m:t>,</m:t>
+                            </m:r>
+                            <m:r>
+                              <a:rPr lang="ru-RU" sz="1600" i="1">
+                                <a:effectLst/>
+                                <a:latin typeface="Cambria Math" panose="02040503050406030204" pitchFamily="18" charset="0"/>
+                                <a:ea typeface="Times New Roman" panose="02020603050405020304" pitchFamily="18" charset="0"/>
+                              </a:rPr>
+                              <m:t>𝑚</m:t>
+                            </m:r>
+                            <m:r>
+                              <a:rPr lang="ru-RU" sz="1600">
+                                <a:effectLst/>
+                                <a:latin typeface="Cambria Math" panose="02040503050406030204" pitchFamily="18" charset="0"/>
+                                <a:ea typeface="Times New Roman" panose="02020603050405020304" pitchFamily="18" charset="0"/>
+                              </a:rPr>
+                              <m:t>(</m:t>
+                            </m:r>
+                            <m:r>
+                              <a:rPr lang="ru-RU" sz="1600" i="1">
+                                <a:effectLst/>
+                                <a:latin typeface="Cambria Math" panose="02040503050406030204" pitchFamily="18" charset="0"/>
+                                <a:ea typeface="Times New Roman" panose="02020603050405020304" pitchFamily="18" charset="0"/>
+                              </a:rPr>
+                              <m:t>𝑍</m:t>
+                            </m:r>
+                            <m:r>
+                              <a:rPr lang="ru-RU" sz="1600">
+                                <a:effectLst/>
+                                <a:latin typeface="Cambria Math" panose="02040503050406030204" pitchFamily="18" charset="0"/>
+                                <a:ea typeface="Times New Roman" panose="02020603050405020304" pitchFamily="18" charset="0"/>
+                              </a:rPr>
+                              <m:t>)</m:t>
+                            </m:r>
+                          </m:e>
+                        </m:d>
+                      </m:e>
+                    </m:d>
+                    <m:r>
+                      <a:rPr lang="ru-RU" sz="1600">
+                        <a:effectLst/>
+                        <a:latin typeface="Cambria Math" panose="02040503050406030204" pitchFamily="18" charset="0"/>
+                        <a:ea typeface="Times New Roman" panose="02020603050405020304" pitchFamily="18" charset="0"/>
+                      </a:rPr>
+                      <m:t> </m:t>
+                    </m:r>
+                    <m:r>
+                      <a:rPr lang="ru-RU" sz="1600" i="1">
+                        <a:effectLst/>
+                        <a:latin typeface="Cambria Math" panose="02040503050406030204" pitchFamily="18" charset="0"/>
+                        <a:ea typeface="Times New Roman" panose="02020603050405020304" pitchFamily="18" charset="0"/>
+                      </a:rPr>
+                      <m:t>,</m:t>
+                    </m:r>
+                  </m:oMath>
+                </a14:m>
+                <a:r>
+                  <a:rPr lang="ru-RU" sz="1600" dirty="0">
+                    <a:effectLst/>
+                    <a:latin typeface="Times New Roman" panose="02020603050405020304" pitchFamily="18" charset="0"/>
+                    <a:ea typeface="Times New Roman" panose="02020603050405020304" pitchFamily="18" charset="0"/>
+                  </a:rPr>
+                  <a:t> </a:t>
+                </a:r>
+              </a:p>
+              <a:p>
+                <a:pPr algn="just">
+                  <a:lnSpc>
+                    <a:spcPct val="150000"/>
+                  </a:lnSpc>
+                </a:pPr>
+                <a:r>
+                  <a:rPr lang="ru-RU" sz="1600" dirty="0">
+                    <a:effectLst/>
+                    <a:latin typeface="Arial" panose="020B0604020202020204" pitchFamily="34" charset="0"/>
+                    <a:ea typeface="Times New Roman" panose="02020603050405020304" pitchFamily="18" charset="0"/>
+                    <a:cs typeface="Arial" panose="020B0604020202020204" pitchFamily="34" charset="0"/>
+                  </a:rPr>
+                  <a:t>где </a:t>
+                </a:r>
+                <a14:m>
+                  <m:oMath xmlns:m="http://schemas.openxmlformats.org/officeDocument/2006/math">
+                    <m:r>
+                      <a:rPr lang="ru-RU" sz="1600" i="1">
+                        <a:effectLst/>
+                        <a:latin typeface="Cambria Math" panose="02040503050406030204" pitchFamily="18" charset="0"/>
+                        <a:ea typeface="Times New Roman" panose="02020603050405020304" pitchFamily="18" charset="0"/>
+                      </a:rPr>
+                      <m:t>𝑀</m:t>
+                    </m:r>
+                  </m:oMath>
+                </a14:m>
+                <a:r>
+                  <a:rPr lang="ru-RU" sz="1600" dirty="0">
+                    <a:effectLst/>
+                    <a:latin typeface="Arial" panose="020B0604020202020204" pitchFamily="34" charset="0"/>
+                    <a:ea typeface="Times New Roman" panose="02020603050405020304" pitchFamily="18" charset="0"/>
+                    <a:cs typeface="Arial" panose="020B0604020202020204" pitchFamily="34" charset="0"/>
+                  </a:rPr>
+                  <a:t> – данные с гироскопа, а именно угловая скорость относительно оси симметрии.</a:t>
+                </a:r>
+              </a:p>
+            </p:txBody>
+          </p:sp>
+        </mc:Choice>
+        <mc:Fallback>
+          <p:sp>
+            <p:nvSpPr>
+              <p:cNvPr id="13" name="TextBox 12">
+                <a:extLst>
+                  <a:ext uri="{FF2B5EF4-FFF2-40B4-BE49-F238E27FC236}">
+                    <a16:creationId xmlns:a16="http://schemas.microsoft.com/office/drawing/2014/main" id="{C5687EF0-508A-4617-926D-F16D2A0947A4}"/>
+                  </a:ext>
+                </a:extLst>
+              </p:cNvPr>
+              <p:cNvSpPr txBox="1">
+                <a:spLocks noRot="1" noChangeAspect="1" noMove="1" noResize="1" noEditPoints="1" noAdjustHandles="1" noChangeArrowheads="1" noChangeShapeType="1" noTextEdit="1"/>
+              </p:cNvSpPr>
+              <p:nvPr/>
+            </p:nvSpPr>
+            <p:spPr>
+              <a:xfrm>
+                <a:off x="622598" y="2617673"/>
+                <a:ext cx="11233248" cy="1524007"/>
+              </a:xfrm>
+              <a:prstGeom prst="rect">
+                <a:avLst/>
+              </a:prstGeom>
+              <a:blipFill>
+                <a:blip r:embed="rId3"/>
+                <a:stretch>
+                  <a:fillRect l="-271" r="-326" b="-4400"/>
+                </a:stretch>
+              </a:blipFill>
+            </p:spPr>
+            <p:txBody>
+              <a:bodyPr/>
+              <a:lstStyle/>
+              <a:p>
+                <a:r>
+                  <a:rPr lang="ru-RU">
+                    <a:noFill/>
+                  </a:rPr>
+                  <a:t> </a:t>
+                </a:r>
+              </a:p>
+            </p:txBody>
+          </p:sp>
+        </mc:Fallback>
+      </mc:AlternateContent>
+      <mc:AlternateContent xmlns:mc="http://schemas.openxmlformats.org/markup-compatibility/2006">
+        <mc:Choice xmlns:a14="http://schemas.microsoft.com/office/drawing/2010/main" Requires="a14">
+          <p:sp>
+            <p:nvSpPr>
+              <p:cNvPr id="15" name="TextBox 14">
+                <a:extLst>
+                  <a:ext uri="{FF2B5EF4-FFF2-40B4-BE49-F238E27FC236}">
+                    <a16:creationId xmlns:a16="http://schemas.microsoft.com/office/drawing/2014/main" id="{875BE0B2-B3AA-4887-9E44-141C87EEDFAA}"/>
+                  </a:ext>
+                </a:extLst>
+              </p:cNvPr>
+              <p:cNvSpPr txBox="1"/>
+              <p:nvPr/>
+            </p:nvSpPr>
+            <p:spPr>
+              <a:xfrm>
+                <a:off x="478582" y="4322434"/>
+                <a:ext cx="11449272" cy="1893339"/>
+              </a:xfrm>
+              <a:prstGeom prst="rect">
+                <a:avLst/>
+              </a:prstGeom>
+              <a:noFill/>
+            </p:spPr>
+            <p:txBody>
+              <a:bodyPr wrap="square">
+                <a:spAutoFit/>
+              </a:bodyPr>
+              <a:lstStyle/>
+              <a:p>
+                <a:pPr indent="450215" algn="just">
+                  <a:lnSpc>
+                    <a:spcPct val="150000"/>
+                  </a:lnSpc>
+                </a:pPr>
+                <a14:m>
+                  <m:oMath xmlns:m="http://schemas.openxmlformats.org/officeDocument/2006/math">
+                    <m:sSub>
+                      <m:sSubPr>
+                        <m:ctrlPr>
+                          <a:rPr lang="ru-RU" sz="1600" i="1" smtClean="0">
+                            <a:effectLst/>
+                            <a:latin typeface="Cambria Math" panose="02040503050406030204" pitchFamily="18" charset="0"/>
+                            <a:ea typeface="Times New Roman" panose="02020603050405020304" pitchFamily="18" charset="0"/>
+                          </a:rPr>
+                        </m:ctrlPr>
+                      </m:sSubPr>
+                      <m:e>
+                        <m:r>
+                          <a:rPr lang="ru-RU" sz="1600" i="1">
+                            <a:effectLst/>
+                            <a:latin typeface="Cambria Math" panose="02040503050406030204" pitchFamily="18" charset="0"/>
+                            <a:ea typeface="Times New Roman" panose="02020603050405020304" pitchFamily="18" charset="0"/>
+                          </a:rPr>
+                          <m:t>𝑚</m:t>
+                        </m:r>
+                      </m:e>
+                      <m:sub>
+                        <m:r>
+                          <a:rPr lang="ru-RU" sz="1600" i="1">
+                            <a:effectLst/>
+                            <a:latin typeface="Cambria Math" panose="02040503050406030204" pitchFamily="18" charset="0"/>
+                            <a:ea typeface="Times New Roman" panose="02020603050405020304" pitchFamily="18" charset="0"/>
+                          </a:rPr>
+                          <m:t>𝑖</m:t>
+                        </m:r>
+                      </m:sub>
+                    </m:sSub>
+                    <m:r>
+                      <a:rPr lang="ru-RU" sz="1600">
+                        <a:effectLst/>
+                        <a:latin typeface="Cambria Math" panose="02040503050406030204" pitchFamily="18" charset="0"/>
+                        <a:ea typeface="Times New Roman" panose="02020603050405020304" pitchFamily="18" charset="0"/>
+                      </a:rPr>
+                      <m:t> ∈</m:t>
+                    </m:r>
+                    <m:r>
+                      <a:rPr lang="ru-RU" sz="1600" i="1">
+                        <a:effectLst/>
+                        <a:latin typeface="Cambria Math" panose="02040503050406030204" pitchFamily="18" charset="0"/>
+                        <a:ea typeface="Times New Roman" panose="02020603050405020304" pitchFamily="18" charset="0"/>
+                      </a:rPr>
+                      <m:t>𝑀</m:t>
+                    </m:r>
+                    <m:r>
+                      <a:rPr lang="ru-RU" sz="1600">
+                        <a:effectLst/>
+                        <a:latin typeface="Cambria Math" panose="02040503050406030204" pitchFamily="18" charset="0"/>
+                        <a:ea typeface="Times New Roman" panose="02020603050405020304" pitchFamily="18" charset="0"/>
+                      </a:rPr>
+                      <m:t>, где </m:t>
+                    </m:r>
+                    <m:sSub>
+                      <m:sSubPr>
+                        <m:ctrlPr>
+                          <a:rPr lang="ru-RU" sz="1600" i="1">
+                            <a:effectLst/>
+                            <a:latin typeface="Cambria Math" panose="02040503050406030204" pitchFamily="18" charset="0"/>
+                            <a:ea typeface="Times New Roman" panose="02020603050405020304" pitchFamily="18" charset="0"/>
+                          </a:rPr>
+                        </m:ctrlPr>
+                      </m:sSubPr>
+                      <m:e>
+                        <m:r>
+                          <a:rPr lang="ru-RU" sz="1600" i="1">
+                            <a:effectLst/>
+                            <a:latin typeface="Cambria Math" panose="02040503050406030204" pitchFamily="18" charset="0"/>
+                            <a:ea typeface="Times New Roman" panose="02020603050405020304" pitchFamily="18" charset="0"/>
+                          </a:rPr>
+                          <m:t>𝑚</m:t>
+                        </m:r>
+                      </m:e>
+                      <m:sub>
+                        <m:r>
+                          <a:rPr lang="ru-RU" sz="1600" i="1">
+                            <a:effectLst/>
+                            <a:latin typeface="Cambria Math" panose="02040503050406030204" pitchFamily="18" charset="0"/>
+                            <a:ea typeface="Times New Roman" panose="02020603050405020304" pitchFamily="18" charset="0"/>
+                          </a:rPr>
+                          <m:t>𝑖</m:t>
+                        </m:r>
+                      </m:sub>
+                    </m:sSub>
+                  </m:oMath>
+                </a14:m>
+                <a:r>
+                  <a:rPr lang="ru-RU" sz="1600" dirty="0">
+                    <a:effectLst/>
+                    <a:latin typeface="Arial" panose="020B0604020202020204" pitchFamily="34" charset="0"/>
+                    <a:ea typeface="Times New Roman" panose="02020603050405020304" pitchFamily="18" charset="0"/>
+                    <a:cs typeface="Arial" panose="020B0604020202020204" pitchFamily="34" charset="0"/>
+                  </a:rPr>
+                  <a:t> – точка одного измерения для определения пространства.</a:t>
+                </a:r>
+                <a:endParaRPr lang="ru-RU" sz="1600" dirty="0">
+                  <a:latin typeface="Arial" panose="020B0604020202020204" pitchFamily="34" charset="0"/>
+                  <a:ea typeface="Times New Roman" panose="02020603050405020304" pitchFamily="18" charset="0"/>
+                  <a:cs typeface="Arial" panose="020B0604020202020204" pitchFamily="34" charset="0"/>
+                </a:endParaRPr>
+              </a:p>
+              <a:p>
+                <a:pPr indent="450215" algn="just">
+                  <a:lnSpc>
+                    <a:spcPct val="150000"/>
+                  </a:lnSpc>
+                </a:pPr>
+                <a:r>
+                  <a:rPr lang="ru-RU" sz="1600" dirty="0">
+                    <a:effectLst/>
+                    <a:latin typeface="Arial" panose="020B0604020202020204" pitchFamily="34" charset="0"/>
+                    <a:ea typeface="Times New Roman" panose="02020603050405020304" pitchFamily="18" charset="0"/>
+                    <a:cs typeface="Arial" panose="020B0604020202020204" pitchFamily="34" charset="0"/>
+                  </a:rPr>
+                  <a:t>Для определения магнитных полей используется магнитометр. В итоге получается множество данных:</a:t>
+                </a:r>
+              </a:p>
+              <a:p>
+                <a:pPr indent="450215" algn="ctr">
+                  <a:lnSpc>
+                    <a:spcPct val="150000"/>
+                  </a:lnSpc>
+                </a:pPr>
+                <a:r>
+                  <a:rPr lang="ru-RU" sz="1600" dirty="0">
+                    <a:effectLst/>
+                    <a:latin typeface="Times New Roman" panose="02020603050405020304" pitchFamily="18" charset="0"/>
+                    <a:ea typeface="Times New Roman" panose="02020603050405020304" pitchFamily="18" charset="0"/>
+                  </a:rPr>
+                  <a:t> 	</a:t>
+                </a:r>
+                <a14:m>
+                  <m:oMath xmlns:m="http://schemas.openxmlformats.org/officeDocument/2006/math">
+                    <m:r>
+                      <a:rPr lang="ru-RU" sz="1600" i="1">
+                        <a:effectLst/>
+                        <a:latin typeface="Cambria Math" panose="02040503050406030204" pitchFamily="18" charset="0"/>
+                        <a:ea typeface="Times New Roman" panose="02020603050405020304" pitchFamily="18" charset="0"/>
+                      </a:rPr>
+                      <m:t>𝑇</m:t>
+                    </m:r>
+                    <m:r>
+                      <a:rPr lang="ru-RU" sz="1600" i="1">
+                        <a:effectLst/>
+                        <a:latin typeface="Cambria Math" panose="02040503050406030204" pitchFamily="18" charset="0"/>
+                        <a:ea typeface="Times New Roman" panose="02020603050405020304" pitchFamily="18" charset="0"/>
+                      </a:rPr>
+                      <m:t>=</m:t>
+                    </m:r>
+                    <m:d>
+                      <m:dPr>
+                        <m:begChr m:val="{"/>
+                        <m:endChr m:val="}"/>
+                        <m:ctrlPr>
+                          <a:rPr lang="ru-RU" sz="1600" i="1">
+                            <a:effectLst/>
+                            <a:latin typeface="Cambria Math" panose="02040503050406030204" pitchFamily="18" charset="0"/>
+                            <a:ea typeface="Times New Roman" panose="02020603050405020304" pitchFamily="18" charset="0"/>
+                          </a:rPr>
+                        </m:ctrlPr>
+                      </m:dPr>
+                      <m:e>
+                        <m:d>
+                          <m:dPr>
+                            <m:begChr m:val="〈"/>
+                            <m:endChr m:val="〉"/>
+                            <m:ctrlPr>
+                              <a:rPr lang="ru-RU" sz="1600" i="1">
+                                <a:effectLst/>
+                                <a:latin typeface="Cambria Math" panose="02040503050406030204" pitchFamily="18" charset="0"/>
+                                <a:ea typeface="Times New Roman" panose="02020603050405020304" pitchFamily="18" charset="0"/>
+                              </a:rPr>
+                            </m:ctrlPr>
+                          </m:dPr>
+                          <m:e>
+                            <m:r>
+                              <a:rPr lang="ru-RU" sz="1600" i="1">
+                                <a:effectLst/>
+                                <a:latin typeface="Cambria Math" panose="02040503050406030204" pitchFamily="18" charset="0"/>
+                                <a:ea typeface="Times New Roman" panose="02020603050405020304" pitchFamily="18" charset="0"/>
+                              </a:rPr>
+                              <m:t>𝑡</m:t>
+                            </m:r>
+                            <m:d>
+                              <m:dPr>
+                                <m:ctrlPr>
+                                  <a:rPr lang="ru-RU" sz="1600" i="1">
+                                    <a:effectLst/>
+                                    <a:latin typeface="Cambria Math" panose="02040503050406030204" pitchFamily="18" charset="0"/>
+                                    <a:ea typeface="Times New Roman" panose="02020603050405020304" pitchFamily="18" charset="0"/>
+                                  </a:rPr>
+                                </m:ctrlPr>
+                              </m:dPr>
+                              <m:e>
+                                <m:r>
+                                  <a:rPr lang="ru-RU" sz="1600" i="1">
+                                    <a:effectLst/>
+                                    <a:latin typeface="Cambria Math" panose="02040503050406030204" pitchFamily="18" charset="0"/>
+                                    <a:ea typeface="Times New Roman" panose="02020603050405020304" pitchFamily="18" charset="0"/>
+                                  </a:rPr>
+                                  <m:t>𝑋</m:t>
+                                </m:r>
+                              </m:e>
+                            </m:d>
+                            <m:r>
+                              <a:rPr lang="ru-RU" sz="1600" i="1">
+                                <a:effectLst/>
+                                <a:latin typeface="Cambria Math" panose="02040503050406030204" pitchFamily="18" charset="0"/>
+                                <a:ea typeface="Times New Roman" panose="02020603050405020304" pitchFamily="18" charset="0"/>
+                              </a:rPr>
+                              <m:t>,</m:t>
+                            </m:r>
+                            <m:r>
+                              <a:rPr lang="ru-RU" sz="1600" i="1">
+                                <a:effectLst/>
+                                <a:latin typeface="Cambria Math" panose="02040503050406030204" pitchFamily="18" charset="0"/>
+                                <a:ea typeface="Times New Roman" panose="02020603050405020304" pitchFamily="18" charset="0"/>
+                              </a:rPr>
+                              <m:t>𝑡</m:t>
+                            </m:r>
+                            <m:d>
+                              <m:dPr>
+                                <m:ctrlPr>
+                                  <a:rPr lang="ru-RU" sz="1600" i="1">
+                                    <a:effectLst/>
+                                    <a:latin typeface="Cambria Math" panose="02040503050406030204" pitchFamily="18" charset="0"/>
+                                    <a:ea typeface="Times New Roman" panose="02020603050405020304" pitchFamily="18" charset="0"/>
+                                  </a:rPr>
+                                </m:ctrlPr>
+                              </m:dPr>
+                              <m:e>
+                                <m:r>
+                                  <a:rPr lang="ru-RU" sz="1600" i="1">
+                                    <a:effectLst/>
+                                    <a:latin typeface="Cambria Math" panose="02040503050406030204" pitchFamily="18" charset="0"/>
+                                    <a:ea typeface="Times New Roman" panose="02020603050405020304" pitchFamily="18" charset="0"/>
+                                  </a:rPr>
+                                  <m:t>𝑌</m:t>
+                                </m:r>
+                              </m:e>
+                            </m:d>
+                            <m:r>
+                              <a:rPr lang="ru-RU" sz="1600" i="1">
+                                <a:effectLst/>
+                                <a:latin typeface="Cambria Math" panose="02040503050406030204" pitchFamily="18" charset="0"/>
+                                <a:ea typeface="Times New Roman" panose="02020603050405020304" pitchFamily="18" charset="0"/>
+                              </a:rPr>
+                              <m:t>,</m:t>
+                            </m:r>
+                            <m:r>
+                              <a:rPr lang="ru-RU" sz="1600" i="1">
+                                <a:effectLst/>
+                                <a:latin typeface="Cambria Math" panose="02040503050406030204" pitchFamily="18" charset="0"/>
+                                <a:ea typeface="Times New Roman" panose="02020603050405020304" pitchFamily="18" charset="0"/>
+                              </a:rPr>
+                              <m:t>𝑡</m:t>
+                            </m:r>
+                            <m:r>
+                              <a:rPr lang="ru-RU" sz="1600" i="1">
+                                <a:effectLst/>
+                                <a:latin typeface="Cambria Math" panose="02040503050406030204" pitchFamily="18" charset="0"/>
+                                <a:ea typeface="Times New Roman" panose="02020603050405020304" pitchFamily="18" charset="0"/>
+                              </a:rPr>
+                              <m:t>(</m:t>
+                            </m:r>
+                            <m:r>
+                              <a:rPr lang="ru-RU" sz="1600" i="1">
+                                <a:effectLst/>
+                                <a:latin typeface="Cambria Math" panose="02040503050406030204" pitchFamily="18" charset="0"/>
+                                <a:ea typeface="Times New Roman" panose="02020603050405020304" pitchFamily="18" charset="0"/>
+                              </a:rPr>
+                              <m:t>𝑍</m:t>
+                            </m:r>
+                            <m:r>
+                              <a:rPr lang="ru-RU" sz="1600" i="1">
+                                <a:effectLst/>
+                                <a:latin typeface="Cambria Math" panose="02040503050406030204" pitchFamily="18" charset="0"/>
+                                <a:ea typeface="Times New Roman" panose="02020603050405020304" pitchFamily="18" charset="0"/>
+                              </a:rPr>
+                              <m:t>)</m:t>
+                            </m:r>
+                          </m:e>
+                        </m:d>
+                      </m:e>
+                    </m:d>
+                    <m:r>
+                      <a:rPr lang="ru-RU" sz="1600" i="1">
+                        <a:effectLst/>
+                        <a:latin typeface="Cambria Math" panose="02040503050406030204" pitchFamily="18" charset="0"/>
+                        <a:ea typeface="Times New Roman" panose="02020603050405020304" pitchFamily="18" charset="0"/>
+                      </a:rPr>
+                      <m:t> </m:t>
+                    </m:r>
+                  </m:oMath>
+                </a14:m>
+                <a:r>
+                  <a:rPr lang="ru-RU" sz="1600" dirty="0">
+                    <a:effectLst/>
+                    <a:latin typeface="Times New Roman" panose="02020603050405020304" pitchFamily="18" charset="0"/>
+                    <a:ea typeface="Times New Roman" panose="02020603050405020304" pitchFamily="18" charset="0"/>
+                  </a:rPr>
+                  <a:t>	</a:t>
+                </a:r>
+              </a:p>
+              <a:p>
+                <a:pPr indent="450215" algn="just">
+                  <a:lnSpc>
+                    <a:spcPct val="150000"/>
+                  </a:lnSpc>
+                </a:pPr>
+                <a:r>
+                  <a:rPr lang="ru-RU" sz="1600" dirty="0">
+                    <a:effectLst/>
+                    <a:latin typeface="Arial" panose="020B0604020202020204" pitchFamily="34" charset="0"/>
+                    <a:ea typeface="Times New Roman" panose="02020603050405020304" pitchFamily="18" charset="0"/>
+                    <a:cs typeface="Arial" panose="020B0604020202020204" pitchFamily="34" charset="0"/>
+                  </a:rPr>
+                  <a:t> где 	</a:t>
+                </a:r>
+                <a14:m>
+                  <m:oMath xmlns:m="http://schemas.openxmlformats.org/officeDocument/2006/math">
+                    <m:r>
+                      <a:rPr lang="ru-RU" sz="1600" i="1">
+                        <a:effectLst/>
+                        <a:latin typeface="Cambria Math" panose="02040503050406030204" pitchFamily="18" charset="0"/>
+                        <a:ea typeface="Times New Roman" panose="02020603050405020304" pitchFamily="18" charset="0"/>
+                      </a:rPr>
+                      <m:t>𝑇</m:t>
+                    </m:r>
+                  </m:oMath>
+                </a14:m>
+                <a:r>
+                  <a:rPr lang="ru-RU" sz="1600" dirty="0">
+                    <a:effectLst/>
+                    <a:latin typeface="Arial" panose="020B0604020202020204" pitchFamily="34" charset="0"/>
+                    <a:ea typeface="Times New Roman" panose="02020603050405020304" pitchFamily="18" charset="0"/>
+                    <a:cs typeface="Arial" panose="020B0604020202020204" pitchFamily="34" charset="0"/>
+                  </a:rPr>
+                  <a:t> – это данные с гироскопа, а именно индукция магнитного поля Земли в определённой точке;</a:t>
+                </a:r>
+                <a:endParaRPr lang="ru-RU" sz="1600" dirty="0">
+                  <a:latin typeface="Arial" panose="020B0604020202020204" pitchFamily="34" charset="0"/>
+                  <a:ea typeface="Times New Roman" panose="02020603050405020304" pitchFamily="18" charset="0"/>
+                  <a:cs typeface="Arial" panose="020B0604020202020204" pitchFamily="34" charset="0"/>
+                </a:endParaRPr>
+              </a:p>
+              <a:p>
+                <a:pPr indent="450215" algn="just">
+                  <a:lnSpc>
+                    <a:spcPct val="150000"/>
+                  </a:lnSpc>
+                </a:pPr>
+                <a14:m>
+                  <m:oMath xmlns:m="http://schemas.openxmlformats.org/officeDocument/2006/math">
+                    <m:sSub>
+                      <m:sSubPr>
+                        <m:ctrlPr>
+                          <a:rPr lang="ru-RU" sz="1600" i="1">
+                            <a:effectLst/>
+                            <a:latin typeface="Cambria Math" panose="02040503050406030204" pitchFamily="18" charset="0"/>
+                            <a:ea typeface="Times New Roman" panose="02020603050405020304" pitchFamily="18" charset="0"/>
+                          </a:rPr>
+                        </m:ctrlPr>
+                      </m:sSubPr>
+                      <m:e>
+                        <m:r>
+                          <a:rPr lang="ru-RU" sz="1600" i="1">
+                            <a:effectLst/>
+                            <a:latin typeface="Cambria Math" panose="02040503050406030204" pitchFamily="18" charset="0"/>
+                            <a:ea typeface="Times New Roman" panose="02020603050405020304" pitchFamily="18" charset="0"/>
+                          </a:rPr>
+                          <m:t>𝑡</m:t>
+                        </m:r>
+                      </m:e>
+                      <m:sub>
+                        <m:r>
+                          <a:rPr lang="ru-RU" sz="1600" i="1">
+                            <a:effectLst/>
+                            <a:latin typeface="Cambria Math" panose="02040503050406030204" pitchFamily="18" charset="0"/>
+                            <a:ea typeface="Times New Roman" panose="02020603050405020304" pitchFamily="18" charset="0"/>
+                          </a:rPr>
+                          <m:t>𝑖</m:t>
+                        </m:r>
+                      </m:sub>
+                    </m:sSub>
+                    <m:r>
+                      <a:rPr lang="ru-RU" sz="1600">
+                        <a:effectLst/>
+                        <a:latin typeface="Cambria Math" panose="02040503050406030204" pitchFamily="18" charset="0"/>
+                        <a:ea typeface="Times New Roman" panose="02020603050405020304" pitchFamily="18" charset="0"/>
+                      </a:rPr>
+                      <m:t> ∈</m:t>
+                    </m:r>
+                    <m:r>
+                      <a:rPr lang="ru-RU" sz="1600" i="1">
+                        <a:effectLst/>
+                        <a:latin typeface="Cambria Math" panose="02040503050406030204" pitchFamily="18" charset="0"/>
+                        <a:ea typeface="Times New Roman" panose="02020603050405020304" pitchFamily="18" charset="0"/>
+                      </a:rPr>
+                      <m:t>𝑇</m:t>
+                    </m:r>
+                    <m:r>
+                      <a:rPr lang="ru-RU" sz="1600">
+                        <a:effectLst/>
+                        <a:latin typeface="Cambria Math" panose="02040503050406030204" pitchFamily="18" charset="0"/>
+                        <a:ea typeface="Times New Roman" panose="02020603050405020304" pitchFamily="18" charset="0"/>
+                      </a:rPr>
+                      <m:t> </m:t>
+                    </m:r>
+                  </m:oMath>
+                </a14:m>
+                <a:r>
+                  <a:rPr lang="ru-RU" sz="1600" dirty="0">
+                    <a:effectLst/>
+                    <a:latin typeface="Arial" panose="020B0604020202020204" pitchFamily="34" charset="0"/>
+                    <a:ea typeface="Times New Roman" panose="02020603050405020304" pitchFamily="18" charset="0"/>
+                    <a:cs typeface="Arial" panose="020B0604020202020204" pitchFamily="34" charset="0"/>
+                  </a:rPr>
+                  <a:t> – точка одного измерения для определения пространств.</a:t>
+                </a:r>
+              </a:p>
+            </p:txBody>
+          </p:sp>
+        </mc:Choice>
+        <mc:Fallback>
+          <p:sp>
+            <p:nvSpPr>
+              <p:cNvPr id="15" name="TextBox 14">
+                <a:extLst>
+                  <a:ext uri="{FF2B5EF4-FFF2-40B4-BE49-F238E27FC236}">
+                    <a16:creationId xmlns:a16="http://schemas.microsoft.com/office/drawing/2014/main" id="{875BE0B2-B3AA-4887-9E44-141C87EEDFAA}"/>
+                  </a:ext>
+                </a:extLst>
+              </p:cNvPr>
+              <p:cNvSpPr txBox="1">
+                <a:spLocks noRot="1" noChangeAspect="1" noMove="1" noResize="1" noEditPoints="1" noAdjustHandles="1" noChangeArrowheads="1" noChangeShapeType="1" noTextEdit="1"/>
+              </p:cNvSpPr>
+              <p:nvPr/>
+            </p:nvSpPr>
+            <p:spPr>
+              <a:xfrm>
+                <a:off x="478582" y="4322434"/>
+                <a:ext cx="11449272" cy="1893339"/>
+              </a:xfrm>
+              <a:prstGeom prst="rect">
+                <a:avLst/>
+              </a:prstGeom>
+              <a:blipFill>
+                <a:blip r:embed="rId4"/>
+                <a:stretch>
+                  <a:fillRect b="-3215"/>
+                </a:stretch>
+              </a:blipFill>
+            </p:spPr>
+            <p:txBody>
+              <a:bodyPr/>
+              <a:lstStyle/>
+              <a:p>
+                <a:r>
+                  <a:rPr lang="ru-RU">
+                    <a:noFill/>
+                  </a:rPr>
+                  <a:t> </a:t>
+                </a:r>
+              </a:p>
+            </p:txBody>
+          </p:sp>
+        </mc:Fallback>
+      </mc:AlternateContent>
+    </p:spTree>
+    <p:extLst>
+      <p:ext uri="{BB962C8B-B14F-4D97-AF65-F5344CB8AC3E}">
+        <p14:creationId xmlns:p14="http://schemas.microsoft.com/office/powerpoint/2010/main" val="2614999426"/>
+      </p:ext>
+    </p:extLst>
+  </p:cSld>
+  <p:clrMapOvr>
+    <a:masterClrMapping/>
+  </p:clrMapOvr>
+</p:sld>
+</file>
+
+<file path=ppt/slides/slide14.xml><?xml version="1.0" encoding="utf-8"?>
+<p:sld xmlns:a="http://schemas.openxmlformats.org/drawingml/2006/main" xmlns:r="http://schemas.openxmlformats.org/officeDocument/2006/relationships" xmlns:p="http://schemas.openxmlformats.org/presentationml/2006/main">
+  <p:cSld>
+    <p:spTree>
+      <p:nvGrpSpPr>
+        <p:cNvPr id="1" name=""/>
+        <p:cNvGrpSpPr/>
+        <p:nvPr/>
+      </p:nvGrpSpPr>
+      <p:grpSpPr>
+        <a:xfrm>
+          <a:off x="0" y="0"/>
+          <a:ext cx="0" cy="0"/>
+          <a:chOff x="0" y="0"/>
+          <a:chExt cx="0" cy="0"/>
+        </a:xfrm>
+      </p:grpSpPr>
+      <p:sp>
+        <p:nvSpPr>
+          <p:cNvPr id="5" name="TextBox 4"/>
+          <p:cNvSpPr txBox="1"/>
+          <p:nvPr/>
+        </p:nvSpPr>
+        <p:spPr>
+          <a:xfrm>
+            <a:off x="2351319" y="215407"/>
+            <a:ext cx="7898675" cy="523220"/>
+          </a:xfrm>
+          <a:prstGeom prst="rect">
+            <a:avLst/>
+          </a:prstGeom>
+          <a:noFill/>
+        </p:spPr>
+        <p:txBody>
+          <a:bodyPr wrap="square" rtlCol="0" anchor="ctr" anchorCtr="1">
+            <a:spAutoFit/>
+          </a:bodyPr>
+          <a:lstStyle/>
+          <a:p>
+            <a:pPr algn="ctr"/>
+            <a:r>
+              <a:rPr lang="ru-RU" sz="2800" dirty="0">
+                <a:solidFill>
+                  <a:schemeClr val="bg1"/>
+                </a:solidFill>
+                <a:latin typeface="Elektra Text Pro" panose="02000503030000020004" pitchFamily="50" charset="-52"/>
+              </a:rPr>
+              <a:t>Математическая модель (2)</a:t>
+            </a:r>
+          </a:p>
+        </p:txBody>
+      </p:sp>
+      <p:sp>
+        <p:nvSpPr>
+          <p:cNvPr id="2" name="Номер слайда 1"/>
+          <p:cNvSpPr>
+            <a:spLocks noGrp="1"/>
+          </p:cNvSpPr>
+          <p:nvPr>
+            <p:ph type="sldNum" sz="quarter" idx="12"/>
+          </p:nvPr>
+        </p:nvSpPr>
+        <p:spPr/>
+        <p:txBody>
+          <a:bodyPr/>
+          <a:lstStyle/>
+          <a:p>
+            <a:fld id="{E2656834-4BAB-4DB1-9FED-8310CA017EAF}" type="slidenum">
+              <a:rPr lang="ru-RU" sz="1600" b="1" smtClean="0">
+                <a:solidFill>
+                  <a:schemeClr val="tx1"/>
+                </a:solidFill>
+                <a:latin typeface="Arial" panose="020B0604020202020204" pitchFamily="34" charset="0"/>
+                <a:cs typeface="Arial" panose="020B0604020202020204" pitchFamily="34" charset="0"/>
+              </a:rPr>
+              <a:t>14</a:t>
+            </a:fld>
+            <a:endParaRPr lang="ru-RU" sz="1600" b="1">
+              <a:solidFill>
+                <a:schemeClr val="tx1"/>
+              </a:solidFill>
+              <a:latin typeface="Arial" panose="020B0604020202020204" pitchFamily="34" charset="0"/>
+              <a:cs typeface="Arial" panose="020B0604020202020204" pitchFamily="34" charset="0"/>
+            </a:endParaRPr>
+          </a:p>
+        </p:txBody>
+      </p:sp>
+      <mc:AlternateContent xmlns:mc="http://schemas.openxmlformats.org/markup-compatibility/2006">
+        <mc:Choice xmlns:a14="http://schemas.microsoft.com/office/drawing/2010/main" Requires="a14">
+          <p:sp>
+            <p:nvSpPr>
+              <p:cNvPr id="3" name="Прямоугольник 2">
+                <a:extLst>
+                  <a:ext uri="{FF2B5EF4-FFF2-40B4-BE49-F238E27FC236}">
+                    <a16:creationId xmlns:a16="http://schemas.microsoft.com/office/drawing/2014/main" id="{A33115D6-7B22-43C5-8A89-131FAA6D815A}"/>
+                  </a:ext>
+                </a:extLst>
+              </p:cNvPr>
+              <p:cNvSpPr/>
+              <p:nvPr/>
+            </p:nvSpPr>
+            <p:spPr>
+              <a:xfrm>
+                <a:off x="478582" y="980728"/>
+                <a:ext cx="11305256" cy="584775"/>
+              </a:xfrm>
+              <a:prstGeom prst="rect">
+                <a:avLst/>
+              </a:prstGeom>
+            </p:spPr>
+            <p:txBody>
+              <a:bodyPr wrap="square">
+                <a:spAutoFit/>
+              </a:bodyPr>
+              <a:lstStyle/>
+              <a:p>
+                <a:pPr indent="449580" algn="just">
+                  <a:spcAft>
+                    <a:spcPts val="0"/>
+                  </a:spcAft>
+                </a:pPr>
+                <a:r>
+                  <a:rPr lang="ru-RU" sz="1600" dirty="0">
+                    <a:latin typeface="Arial" panose="020B0604020202020204" pitchFamily="34" charset="0"/>
+                    <a:ea typeface="Times New Roman" panose="02020603050405020304" pitchFamily="18" charset="0"/>
+                    <a:cs typeface="Arial" panose="020B0604020202020204" pitchFamily="34" charset="0"/>
+                  </a:rPr>
+                  <a:t>Пусть </a:t>
+                </a:r>
+                <a14:m>
+                  <m:oMath xmlns:m="http://schemas.openxmlformats.org/officeDocument/2006/math">
+                    <m:sSub>
+                      <m:sSubPr>
+                        <m:ctrlPr>
+                          <a:rPr lang="ru-RU" sz="1600" i="1">
+                            <a:latin typeface="Cambria Math" panose="02040503050406030204" pitchFamily="18" charset="0"/>
+                            <a:ea typeface="Times New Roman" panose="02020603050405020304" pitchFamily="18" charset="0"/>
+                          </a:rPr>
+                        </m:ctrlPr>
+                      </m:sSubPr>
+                      <m:e>
+                        <m:r>
+                          <a:rPr lang="ru-RU" sz="1600" i="1">
+                            <a:latin typeface="Cambria Math" panose="02040503050406030204" pitchFamily="18" charset="0"/>
+                            <a:ea typeface="Times New Roman" panose="02020603050405020304" pitchFamily="18" charset="0"/>
+                          </a:rPr>
+                          <m:t>𝑎</m:t>
+                        </m:r>
+                      </m:e>
+                      <m:sub>
+                        <m:r>
+                          <a:rPr lang="ru-RU" sz="1600" i="1">
+                            <a:latin typeface="Cambria Math" panose="02040503050406030204" pitchFamily="18" charset="0"/>
+                            <a:ea typeface="Times New Roman" panose="02020603050405020304" pitchFamily="18" charset="0"/>
+                          </a:rPr>
+                          <m:t>𝑁</m:t>
+                        </m:r>
+                      </m:sub>
+                    </m:sSub>
+                  </m:oMath>
+                </a14:m>
+                <a:r>
+                  <a:rPr lang="ru-RU" sz="1600" dirty="0">
+                    <a:latin typeface="Arial" panose="020B0604020202020204" pitchFamily="34" charset="0"/>
+                    <a:ea typeface="Times New Roman" panose="02020603050405020304" pitchFamily="18" charset="0"/>
+                    <a:cs typeface="Arial" panose="020B0604020202020204" pitchFamily="34" charset="0"/>
+                  </a:rPr>
+                  <a:t> и </a:t>
+                </a:r>
+                <a14:m>
+                  <m:oMath xmlns:m="http://schemas.openxmlformats.org/officeDocument/2006/math">
+                    <m:sSub>
+                      <m:sSubPr>
+                        <m:ctrlPr>
+                          <a:rPr lang="ru-RU" sz="1600" i="1">
+                            <a:latin typeface="Cambria Math" panose="02040503050406030204" pitchFamily="18" charset="0"/>
+                            <a:ea typeface="Times New Roman" panose="02020603050405020304" pitchFamily="18" charset="0"/>
+                          </a:rPr>
+                        </m:ctrlPr>
+                      </m:sSubPr>
+                      <m:e>
+                        <m:r>
+                          <a:rPr lang="ru-RU" sz="1600" i="1">
+                            <a:latin typeface="Cambria Math" panose="02040503050406030204" pitchFamily="18" charset="0"/>
+                            <a:ea typeface="Times New Roman" panose="02020603050405020304" pitchFamily="18" charset="0"/>
+                          </a:rPr>
+                          <m:t>𝑎</m:t>
+                        </m:r>
+                      </m:e>
+                      <m:sub>
+                        <m:r>
+                          <a:rPr lang="ru-RU" sz="1600" i="1">
+                            <a:latin typeface="Cambria Math" panose="02040503050406030204" pitchFamily="18" charset="0"/>
+                            <a:ea typeface="Times New Roman" panose="02020603050405020304" pitchFamily="18" charset="0"/>
+                          </a:rPr>
+                          <m:t>𝐸</m:t>
+                        </m:r>
+                      </m:sub>
+                    </m:sSub>
+                  </m:oMath>
+                </a14:m>
+                <a:r>
+                  <a:rPr lang="ru-RU" sz="1600" dirty="0">
+                    <a:latin typeface="Arial" panose="020B0604020202020204" pitchFamily="34" charset="0"/>
+                    <a:ea typeface="Times New Roman" panose="02020603050405020304" pitchFamily="18" charset="0"/>
+                    <a:cs typeface="Arial" panose="020B0604020202020204" pitchFamily="34" charset="0"/>
+                  </a:rPr>
+                  <a:t> – измеренные ускорения по направлениям на север и восток, </a:t>
+                </a:r>
+                <a14:m>
+                  <m:oMath xmlns:m="http://schemas.openxmlformats.org/officeDocument/2006/math">
+                    <m:sSub>
+                      <m:sSubPr>
+                        <m:ctrlPr>
+                          <a:rPr lang="ru-RU" sz="1600" i="1">
+                            <a:latin typeface="Cambria Math" panose="02040503050406030204" pitchFamily="18" charset="0"/>
+                            <a:ea typeface="Times New Roman" panose="02020603050405020304" pitchFamily="18" charset="0"/>
+                          </a:rPr>
+                        </m:ctrlPr>
+                      </m:sSubPr>
+                      <m:e>
+                        <m:r>
+                          <a:rPr lang="ru-RU" sz="1600" i="1">
+                            <a:latin typeface="Cambria Math" panose="02040503050406030204" pitchFamily="18" charset="0"/>
+                            <a:ea typeface="Times New Roman" panose="02020603050405020304" pitchFamily="18" charset="0"/>
+                          </a:rPr>
+                          <m:t>𝑊</m:t>
+                        </m:r>
+                      </m:e>
+                      <m:sub>
+                        <m:r>
+                          <a:rPr lang="ru-RU" sz="1600" i="1">
+                            <a:latin typeface="Cambria Math" panose="02040503050406030204" pitchFamily="18" charset="0"/>
+                            <a:ea typeface="Times New Roman" panose="02020603050405020304" pitchFamily="18" charset="0"/>
+                          </a:rPr>
+                          <m:t>𝑁</m:t>
+                        </m:r>
+                      </m:sub>
+                    </m:sSub>
+                  </m:oMath>
+                </a14:m>
+                <a:r>
+                  <a:rPr lang="ru-RU" sz="1600" dirty="0">
+                    <a:latin typeface="Arial" panose="020B0604020202020204" pitchFamily="34" charset="0"/>
+                    <a:ea typeface="Times New Roman" panose="02020603050405020304" pitchFamily="18" charset="0"/>
+                    <a:cs typeface="Arial" panose="020B0604020202020204" pitchFamily="34" charset="0"/>
+                  </a:rPr>
+                  <a:t> и </a:t>
+                </a:r>
+                <a14:m>
+                  <m:oMath xmlns:m="http://schemas.openxmlformats.org/officeDocument/2006/math">
+                    <m:sSub>
+                      <m:sSubPr>
+                        <m:ctrlPr>
+                          <a:rPr lang="ru-RU" sz="1600" i="1">
+                            <a:latin typeface="Cambria Math" panose="02040503050406030204" pitchFamily="18" charset="0"/>
+                            <a:ea typeface="Times New Roman" panose="02020603050405020304" pitchFamily="18" charset="0"/>
+                          </a:rPr>
+                        </m:ctrlPr>
+                      </m:sSubPr>
+                      <m:e>
+                        <m:r>
+                          <a:rPr lang="ru-RU" sz="1600" i="1">
+                            <a:latin typeface="Cambria Math" panose="02040503050406030204" pitchFamily="18" charset="0"/>
+                            <a:ea typeface="Times New Roman" panose="02020603050405020304" pitchFamily="18" charset="0"/>
+                          </a:rPr>
+                          <m:t>𝑊</m:t>
+                        </m:r>
+                      </m:e>
+                      <m:sub>
+                        <m:r>
+                          <a:rPr lang="en-US" sz="1600" b="0" i="1" smtClean="0">
+                            <a:latin typeface="Cambria Math" panose="02040503050406030204" pitchFamily="18" charset="0"/>
+                            <a:ea typeface="Times New Roman" panose="02020603050405020304" pitchFamily="18" charset="0"/>
+                          </a:rPr>
+                          <m:t>𝐸</m:t>
+                        </m:r>
+                      </m:sub>
+                    </m:sSub>
+                    <m:r>
+                      <a:rPr lang="ru-RU" sz="1600" i="1">
+                        <a:latin typeface="Cambria Math" panose="02040503050406030204" pitchFamily="18" charset="0"/>
+                        <a:ea typeface="Times New Roman" panose="02020603050405020304" pitchFamily="18" charset="0"/>
+                      </a:rPr>
+                      <m:t> </m:t>
+                    </m:r>
+                  </m:oMath>
+                </a14:m>
+                <a:r>
+                  <a:rPr lang="ru-RU" sz="1600" dirty="0">
+                    <a:latin typeface="Arial" panose="020B0604020202020204" pitchFamily="34" charset="0"/>
+                    <a:ea typeface="Times New Roman" panose="02020603050405020304" pitchFamily="18" charset="0"/>
+                    <a:cs typeface="Arial" panose="020B0604020202020204" pitchFamily="34" charset="0"/>
+                  </a:rPr>
+                  <a:t> – составляющие путевой скорости, </a:t>
+                </a:r>
+                <a14:m>
+                  <m:oMath xmlns:m="http://schemas.openxmlformats.org/officeDocument/2006/math">
+                    <m:sSub>
+                      <m:sSubPr>
+                        <m:ctrlPr>
+                          <a:rPr lang="ru-RU" sz="1600" i="1">
+                            <a:latin typeface="Cambria Math" panose="02040503050406030204" pitchFamily="18" charset="0"/>
+                            <a:ea typeface="Times New Roman" panose="02020603050405020304" pitchFamily="18" charset="0"/>
+                          </a:rPr>
+                        </m:ctrlPr>
+                      </m:sSubPr>
+                      <m:e>
+                        <m:r>
+                          <a:rPr lang="ru-RU" sz="1600" i="1">
+                            <a:latin typeface="Cambria Math" panose="02040503050406030204" pitchFamily="18" charset="0"/>
+                            <a:ea typeface="Times New Roman" panose="02020603050405020304" pitchFamily="18" charset="0"/>
+                          </a:rPr>
+                          <m:t>𝑆</m:t>
+                        </m:r>
+                      </m:e>
+                      <m:sub>
+                        <m:r>
+                          <a:rPr lang="ru-RU" sz="1600" i="1">
+                            <a:latin typeface="Cambria Math" panose="02040503050406030204" pitchFamily="18" charset="0"/>
+                            <a:ea typeface="Times New Roman" panose="02020603050405020304" pitchFamily="18" charset="0"/>
+                          </a:rPr>
+                          <m:t>𝑁</m:t>
+                        </m:r>
+                      </m:sub>
+                    </m:sSub>
+                  </m:oMath>
+                </a14:m>
+                <a:r>
+                  <a:rPr lang="ru-RU" sz="1600" dirty="0">
+                    <a:latin typeface="Arial" panose="020B0604020202020204" pitchFamily="34" charset="0"/>
+                    <a:ea typeface="Times New Roman" panose="02020603050405020304" pitchFamily="18" charset="0"/>
+                    <a:cs typeface="Arial" panose="020B0604020202020204" pitchFamily="34" charset="0"/>
+                  </a:rPr>
+                  <a:t> и </a:t>
+                </a:r>
+                <a14:m>
+                  <m:oMath xmlns:m="http://schemas.openxmlformats.org/officeDocument/2006/math">
+                    <m:sSub>
+                      <m:sSubPr>
+                        <m:ctrlPr>
+                          <a:rPr lang="ru-RU" sz="1600" i="1" baseline="-25000">
+                            <a:latin typeface="Cambria Math" panose="02040503050406030204" pitchFamily="18" charset="0"/>
+                            <a:ea typeface="Times New Roman" panose="02020603050405020304" pitchFamily="18" charset="0"/>
+                          </a:rPr>
+                        </m:ctrlPr>
+                      </m:sSubPr>
+                      <m:e>
+                        <m:r>
+                          <a:rPr lang="ru-RU" sz="1600" i="1" baseline="-25000">
+                            <a:latin typeface="Cambria Math" panose="02040503050406030204" pitchFamily="18" charset="0"/>
+                            <a:ea typeface="Times New Roman" panose="02020603050405020304" pitchFamily="18" charset="0"/>
+                          </a:rPr>
+                          <m:t>𝑆</m:t>
+                        </m:r>
+                      </m:e>
+                      <m:sub>
+                        <m:r>
+                          <a:rPr lang="ru-RU" sz="1600" i="1" baseline="-25000">
+                            <a:latin typeface="Cambria Math" panose="02040503050406030204" pitchFamily="18" charset="0"/>
+                            <a:ea typeface="Times New Roman" panose="02020603050405020304" pitchFamily="18" charset="0"/>
+                          </a:rPr>
+                          <m:t>𝐸</m:t>
+                        </m:r>
+                      </m:sub>
+                    </m:sSub>
+                  </m:oMath>
+                </a14:m>
+                <a:r>
+                  <a:rPr lang="ru-RU" sz="1600" dirty="0">
+                    <a:latin typeface="Arial" panose="020B0604020202020204" pitchFamily="34" charset="0"/>
+                    <a:ea typeface="Times New Roman" panose="02020603050405020304" pitchFamily="18" charset="0"/>
+                    <a:cs typeface="Arial" panose="020B0604020202020204" pitchFamily="34" charset="0"/>
+                  </a:rPr>
+                  <a:t> – пройденные расстояния по этим же направлениям. Тогда</a:t>
+                </a:r>
+                <a:endParaRPr lang="ru-RU" sz="1600" dirty="0">
+                  <a:effectLst/>
+                  <a:latin typeface="Arial" panose="020B0604020202020204" pitchFamily="34" charset="0"/>
+                  <a:ea typeface="Times New Roman" panose="02020603050405020304" pitchFamily="18" charset="0"/>
+                  <a:cs typeface="Arial" panose="020B0604020202020204" pitchFamily="34" charset="0"/>
+                </a:endParaRPr>
+              </a:p>
+            </p:txBody>
+          </p:sp>
+        </mc:Choice>
+        <mc:Fallback>
+          <p:sp>
+            <p:nvSpPr>
+              <p:cNvPr id="3" name="Прямоугольник 2">
+                <a:extLst>
+                  <a:ext uri="{FF2B5EF4-FFF2-40B4-BE49-F238E27FC236}">
+                    <a16:creationId xmlns:a16="http://schemas.microsoft.com/office/drawing/2014/main" id="{A33115D6-7B22-43C5-8A89-131FAA6D815A}"/>
+                  </a:ext>
+                </a:extLst>
+              </p:cNvPr>
+              <p:cNvSpPr>
+                <a:spLocks noRot="1" noChangeAspect="1" noMove="1" noResize="1" noEditPoints="1" noAdjustHandles="1" noChangeArrowheads="1" noChangeShapeType="1" noTextEdit="1"/>
+              </p:cNvSpPr>
+              <p:nvPr/>
+            </p:nvSpPr>
+            <p:spPr>
+              <a:xfrm>
+                <a:off x="478582" y="980728"/>
+                <a:ext cx="11305256" cy="584775"/>
+              </a:xfrm>
+              <a:prstGeom prst="rect">
+                <a:avLst/>
+              </a:prstGeom>
+              <a:blipFill>
+                <a:blip r:embed="rId2"/>
+                <a:stretch>
+                  <a:fillRect l="-324" t="-3125" r="-270" b="-12500"/>
+                </a:stretch>
+              </a:blipFill>
+            </p:spPr>
+            <p:txBody>
+              <a:bodyPr/>
+              <a:lstStyle/>
+              <a:p>
+                <a:r>
+                  <a:rPr lang="ru-RU">
+                    <a:noFill/>
+                  </a:rPr>
+                  <a:t> </a:t>
+                </a:r>
+              </a:p>
+            </p:txBody>
+          </p:sp>
+        </mc:Fallback>
+      </mc:AlternateContent>
+      <mc:AlternateContent xmlns:mc="http://schemas.openxmlformats.org/markup-compatibility/2006">
+        <mc:Choice xmlns:a14="http://schemas.microsoft.com/office/drawing/2010/main" Requires="a14">
           <p:sp>
             <p:nvSpPr>
               <p:cNvPr id="4" name="Прямоугольник 3">
@@ -11511,8 +13156,8 @@
             </p:nvSpPr>
             <p:spPr>
               <a:xfrm>
-                <a:off x="4006974" y="1880316"/>
-                <a:ext cx="3456394" cy="923714"/>
+                <a:off x="4192400" y="1888545"/>
+                <a:ext cx="3094950" cy="831381"/>
               </a:xfrm>
               <a:prstGeom prst="rect">
                 <a:avLst/>
@@ -11534,14 +13179,14 @@
                       <m:sSub>
                         <m:sSubPr>
                           <m:ctrlPr>
-                            <a:rPr lang="ru-RU" i="1">
+                            <a:rPr lang="ru-RU" sz="1600" i="1">
                               <a:latin typeface="Cambria Math" panose="02040503050406030204" pitchFamily="18" charset="0"/>
                             </a:rPr>
                           </m:ctrlPr>
                         </m:sSubPr>
                         <m:e>
                           <m:r>
-                            <a:rPr lang="ru-RU" i="1">
+                            <a:rPr lang="ru-RU" sz="1600" i="1">
                               <a:latin typeface="Cambria Math" panose="02040503050406030204" pitchFamily="18" charset="0"/>
                             </a:rPr>
                             <m:t>𝑊</m:t>
@@ -11549,7 +13194,7 @@
                         </m:e>
                         <m:sub>
                           <m:r>
-                            <a:rPr lang="ru-RU" i="1">
+                            <a:rPr lang="ru-RU" sz="1600" i="1">
                               <a:latin typeface="Cambria Math" panose="02040503050406030204" pitchFamily="18" charset="0"/>
                             </a:rPr>
                             <m:t>𝑁</m:t>
@@ -11557,7 +13202,7 @@
                         </m:sub>
                       </m:sSub>
                       <m:r>
-                        <a:rPr lang="ru-RU" i="0">
+                        <a:rPr lang="ru-RU" sz="1600" i="0">
                           <a:latin typeface="Cambria Math" panose="02040503050406030204" pitchFamily="18" charset="0"/>
                         </a:rPr>
                         <m:t>=</m:t>
@@ -11566,14 +13211,14 @@
                         <m:naryPr>
                           <m:limLoc m:val="undOvr"/>
                           <m:ctrlPr>
-                            <a:rPr lang="ru-RU" i="1">
+                            <a:rPr lang="ru-RU" sz="1600" i="1">
                               <a:latin typeface="Cambria Math" panose="02040503050406030204" pitchFamily="18" charset="0"/>
                             </a:rPr>
                           </m:ctrlPr>
                         </m:naryPr>
                         <m:sub>
                           <m:r>
-                            <a:rPr lang="ru-RU" i="0">
+                            <a:rPr lang="ru-RU" sz="1600" i="0">
                               <a:latin typeface="Cambria Math" panose="02040503050406030204" pitchFamily="18" charset="0"/>
                             </a:rPr>
                             <m:t>0</m:t>
@@ -11581,7 +13226,7 @@
                         </m:sub>
                         <m:sup>
                           <m:r>
-                            <a:rPr lang="ru-RU" i="1">
+                            <a:rPr lang="ru-RU" sz="1600" i="1">
                               <a:latin typeface="Cambria Math" panose="02040503050406030204" pitchFamily="18" charset="0"/>
                             </a:rPr>
                             <m:t>𝑡</m:t>
@@ -11591,14 +13236,14 @@
                           <m:sSub>
                             <m:sSubPr>
                               <m:ctrlPr>
-                                <a:rPr lang="ru-RU" i="1">
+                                <a:rPr lang="ru-RU" sz="1600" i="1">
                                   <a:latin typeface="Cambria Math" panose="02040503050406030204" pitchFamily="18" charset="0"/>
                                 </a:rPr>
                               </m:ctrlPr>
                             </m:sSubPr>
                             <m:e>
                               <m:r>
-                                <a:rPr lang="ru-RU" i="1">
+                                <a:rPr lang="ru-RU" sz="1600" i="1">
                                   <a:latin typeface="Cambria Math" panose="02040503050406030204" pitchFamily="18" charset="0"/>
                                 </a:rPr>
                                 <m:t>𝑎</m:t>
@@ -11606,7 +13251,7 @@
                             </m:e>
                             <m:sub>
                               <m:r>
-                                <a:rPr lang="ru-RU" i="1">
+                                <a:rPr lang="ru-RU" sz="1600" i="1">
                                   <a:latin typeface="Cambria Math" panose="02040503050406030204" pitchFamily="18" charset="0"/>
                                 </a:rPr>
                                 <m:t>𝑁</m:t>
@@ -11616,13 +13261,13 @@
                         </m:e>
                       </m:nary>
                       <m:r>
-                        <a:rPr lang="ru-RU" i="1">
+                        <a:rPr lang="ru-RU" sz="1600" i="1">
                           <a:latin typeface="Cambria Math" panose="02040503050406030204" pitchFamily="18" charset="0"/>
                         </a:rPr>
                         <m:t>𝑑𝑡</m:t>
                       </m:r>
                       <m:r>
-                        <a:rPr lang="ru-RU" i="0">
+                        <a:rPr lang="ru-RU" sz="1600" i="0">
                           <a:latin typeface="Cambria Math" panose="02040503050406030204" pitchFamily="18" charset="0"/>
                         </a:rPr>
                         <m:t>;     </m:t>
@@ -11630,14 +13275,14 @@
                       <m:sSub>
                         <m:sSubPr>
                           <m:ctrlPr>
-                            <a:rPr lang="ru-RU" i="1">
+                            <a:rPr lang="ru-RU" sz="1600" i="1">
                               <a:latin typeface="Cambria Math" panose="02040503050406030204" pitchFamily="18" charset="0"/>
                             </a:rPr>
                           </m:ctrlPr>
                         </m:sSubPr>
                         <m:e>
                           <m:r>
-                            <a:rPr lang="ru-RU" i="1">
+                            <a:rPr lang="ru-RU" sz="1600" i="1">
                               <a:latin typeface="Cambria Math" panose="02040503050406030204" pitchFamily="18" charset="0"/>
                             </a:rPr>
                             <m:t>𝑊</m:t>
@@ -11645,7 +13290,7 @@
                         </m:e>
                         <m:sub>
                           <m:r>
-                            <a:rPr lang="ru-RU" i="1">
+                            <a:rPr lang="ru-RU" sz="1600" i="1">
                               <a:latin typeface="Cambria Math" panose="02040503050406030204" pitchFamily="18" charset="0"/>
                             </a:rPr>
                             <m:t>𝐸</m:t>
@@ -11653,7 +13298,7 @@
                         </m:sub>
                       </m:sSub>
                       <m:r>
-                        <a:rPr lang="ru-RU" i="0">
+                        <a:rPr lang="ru-RU" sz="1600" i="0">
                           <a:latin typeface="Cambria Math" panose="02040503050406030204" pitchFamily="18" charset="0"/>
                         </a:rPr>
                         <m:t>=</m:t>
@@ -11662,14 +13307,14 @@
                         <m:naryPr>
                           <m:limLoc m:val="undOvr"/>
                           <m:ctrlPr>
-                            <a:rPr lang="ru-RU" i="1">
+                            <a:rPr lang="ru-RU" sz="1600" i="1">
                               <a:latin typeface="Cambria Math" panose="02040503050406030204" pitchFamily="18" charset="0"/>
                             </a:rPr>
                           </m:ctrlPr>
                         </m:naryPr>
                         <m:sub>
                           <m:r>
-                            <a:rPr lang="ru-RU" i="0">
+                            <a:rPr lang="ru-RU" sz="1600" i="0">
                               <a:latin typeface="Cambria Math" panose="02040503050406030204" pitchFamily="18" charset="0"/>
                             </a:rPr>
                             <m:t>0</m:t>
@@ -11677,7 +13322,7 @@
                         </m:sub>
                         <m:sup>
                           <m:r>
-                            <a:rPr lang="ru-RU" i="1">
+                            <a:rPr lang="ru-RU" sz="1600" i="1">
                               <a:latin typeface="Cambria Math" panose="02040503050406030204" pitchFamily="18" charset="0"/>
                             </a:rPr>
                             <m:t>𝑡</m:t>
@@ -11687,14 +13332,14 @@
                           <m:sSub>
                             <m:sSubPr>
                               <m:ctrlPr>
-                                <a:rPr lang="ru-RU" i="1">
+                                <a:rPr lang="ru-RU" sz="1600" i="1">
                                   <a:latin typeface="Cambria Math" panose="02040503050406030204" pitchFamily="18" charset="0"/>
                                 </a:rPr>
                               </m:ctrlPr>
                             </m:sSubPr>
                             <m:e>
                               <m:r>
-                                <a:rPr lang="ru-RU" i="1">
+                                <a:rPr lang="ru-RU" sz="1600" i="1">
                                   <a:latin typeface="Cambria Math" panose="02040503050406030204" pitchFamily="18" charset="0"/>
                                 </a:rPr>
                                 <m:t>𝑎</m:t>
@@ -11702,7 +13347,7 @@
                             </m:e>
                             <m:sub>
                               <m:r>
-                                <a:rPr lang="ru-RU" i="1">
+                                <a:rPr lang="ru-RU" sz="1600" i="1">
                                   <a:latin typeface="Cambria Math" panose="02040503050406030204" pitchFamily="18" charset="0"/>
                                 </a:rPr>
                                 <m:t>𝐸</m:t>
@@ -11712,13 +13357,13 @@
                         </m:e>
                       </m:nary>
                       <m:r>
-                        <a:rPr lang="ru-RU" i="1">
+                        <a:rPr lang="ru-RU" sz="1600" i="1">
                           <a:latin typeface="Cambria Math" panose="02040503050406030204" pitchFamily="18" charset="0"/>
                         </a:rPr>
                         <m:t>𝑑𝑡</m:t>
                       </m:r>
                       <m:r>
-                        <a:rPr lang="ru-RU" i="0">
+                        <a:rPr lang="ru-RU" sz="1600" i="0">
                           <a:latin typeface="Cambria Math" panose="02040503050406030204" pitchFamily="18" charset="0"/>
                         </a:rPr>
                         <m:t>; </m:t>
@@ -11726,12 +13371,15 @@
                     </m:oMath>
                   </m:oMathPara>
                 </a14:m>
-                <a:endParaRPr lang="ru-RU" dirty="0"/>
+                <a:endParaRPr lang="ru-RU" sz="1600" dirty="0">
+                  <a:latin typeface="Arial" panose="020B0604020202020204" pitchFamily="34" charset="0"/>
+                  <a:cs typeface="Arial" panose="020B0604020202020204" pitchFamily="34" charset="0"/>
+                </a:endParaRPr>
               </a:p>
             </p:txBody>
           </p:sp>
         </mc:Choice>
-        <mc:Fallback xmlns="">
+        <mc:Fallback>
           <p:sp>
             <p:nvSpPr>
               <p:cNvPr id="4" name="Прямоугольник 3">
@@ -11748,8 +13396,8 @@
             </p:nvSpPr>
             <p:spPr>
               <a:xfrm>
-                <a:off x="4006974" y="1880316"/>
-                <a:ext cx="3456394" cy="923714"/>
+                <a:off x="4192400" y="1888545"/>
+                <a:ext cx="3094950" cy="831381"/>
               </a:xfrm>
               <a:prstGeom prst="rect">
                 <a:avLst/>
@@ -11776,8 +13424,8 @@
           </p:sp>
         </mc:Fallback>
       </mc:AlternateContent>
-      <mc:AlternateContent xmlns:mc="http://schemas.openxmlformats.org/markup-compatibility/2006" xmlns:a14="http://schemas.microsoft.com/office/drawing/2010/main">
-        <mc:Choice Requires="a14">
+      <mc:AlternateContent xmlns:mc="http://schemas.openxmlformats.org/markup-compatibility/2006">
+        <mc:Choice xmlns:a14="http://schemas.microsoft.com/office/drawing/2010/main" Requires="a14">
           <p:sp>
             <p:nvSpPr>
               <p:cNvPr id="6" name="Прямоугольник 5">
@@ -11792,15 +13440,15 @@
             </p:nvSpPr>
             <p:spPr>
               <a:xfrm>
-                <a:off x="4049165" y="2967143"/>
-                <a:ext cx="3372012" cy="923714"/>
+                <a:off x="4192400" y="2963842"/>
+                <a:ext cx="3094950" cy="831381"/>
               </a:xfrm>
               <a:prstGeom prst="rect">
                 <a:avLst/>
               </a:prstGeom>
             </p:spPr>
             <p:txBody>
-              <a:bodyPr wrap="none">
+              <a:bodyPr wrap="square">
                 <a:spAutoFit/>
               </a:bodyPr>
               <a:lstStyle/>
@@ -11815,14 +13463,14 @@
                       <m:sSub>
                         <m:sSubPr>
                           <m:ctrlPr>
-                            <a:rPr lang="ru-RU" i="1">
+                            <a:rPr lang="ru-RU" sz="1600" i="1">
                               <a:latin typeface="Cambria Math" panose="02040503050406030204" pitchFamily="18" charset="0"/>
                             </a:rPr>
                           </m:ctrlPr>
                         </m:sSubPr>
                         <m:e>
                           <m:r>
-                            <a:rPr lang="ru-RU" i="1">
+                            <a:rPr lang="ru-RU" sz="1600" i="1">
                               <a:latin typeface="Cambria Math" panose="02040503050406030204" pitchFamily="18" charset="0"/>
                             </a:rPr>
                             <m:t>𝑆</m:t>
@@ -11830,7 +13478,7 @@
                         </m:e>
                         <m:sub>
                           <m:r>
-                            <a:rPr lang="ru-RU" i="1">
+                            <a:rPr lang="ru-RU" sz="1600" i="1">
                               <a:latin typeface="Cambria Math" panose="02040503050406030204" pitchFamily="18" charset="0"/>
                             </a:rPr>
                             <m:t>𝑁</m:t>
@@ -11838,7 +13486,7 @@
                         </m:sub>
                       </m:sSub>
                       <m:r>
-                        <a:rPr lang="ru-RU" i="0">
+                        <a:rPr lang="ru-RU" sz="1600" i="0">
                           <a:latin typeface="Cambria Math" panose="02040503050406030204" pitchFamily="18" charset="0"/>
                         </a:rPr>
                         <m:t>=</m:t>
@@ -11847,14 +13495,14 @@
                         <m:naryPr>
                           <m:limLoc m:val="undOvr"/>
                           <m:ctrlPr>
-                            <a:rPr lang="ru-RU" i="1">
+                            <a:rPr lang="ru-RU" sz="1600" i="1">
                               <a:latin typeface="Cambria Math" panose="02040503050406030204" pitchFamily="18" charset="0"/>
                             </a:rPr>
                           </m:ctrlPr>
                         </m:naryPr>
                         <m:sub>
                           <m:r>
-                            <a:rPr lang="ru-RU" i="0">
+                            <a:rPr lang="ru-RU" sz="1600" i="0">
                               <a:latin typeface="Cambria Math" panose="02040503050406030204" pitchFamily="18" charset="0"/>
                             </a:rPr>
                             <m:t>0</m:t>
@@ -11862,7 +13510,7 @@
                         </m:sub>
                         <m:sup>
                           <m:r>
-                            <a:rPr lang="ru-RU" i="1">
+                            <a:rPr lang="ru-RU" sz="1600" i="1">
                               <a:latin typeface="Cambria Math" panose="02040503050406030204" pitchFamily="18" charset="0"/>
                             </a:rPr>
                             <m:t>𝑡</m:t>
@@ -11872,14 +13520,14 @@
                           <m:sSub>
                             <m:sSubPr>
                               <m:ctrlPr>
-                                <a:rPr lang="ru-RU" i="1">
+                                <a:rPr lang="ru-RU" sz="1600" i="1">
                                   <a:latin typeface="Cambria Math" panose="02040503050406030204" pitchFamily="18" charset="0"/>
                                 </a:rPr>
                               </m:ctrlPr>
                             </m:sSubPr>
                             <m:e>
                               <m:r>
-                                <a:rPr lang="ru-RU" i="1">
+                                <a:rPr lang="ru-RU" sz="1600" i="1">
                                   <a:latin typeface="Cambria Math" panose="02040503050406030204" pitchFamily="18" charset="0"/>
                                 </a:rPr>
                                 <m:t>𝑊</m:t>
@@ -11887,7 +13535,7 @@
                             </m:e>
                             <m:sub>
                               <m:r>
-                                <a:rPr lang="ru-RU" i="1">
+                                <a:rPr lang="ru-RU" sz="1600" i="1">
                                   <a:latin typeface="Cambria Math" panose="02040503050406030204" pitchFamily="18" charset="0"/>
                                 </a:rPr>
                                 <m:t>𝑁</m:t>
@@ -11897,13 +13545,13 @@
                         </m:e>
                       </m:nary>
                       <m:r>
-                        <a:rPr lang="ru-RU" i="1">
+                        <a:rPr lang="ru-RU" sz="1600" i="1">
                           <a:latin typeface="Cambria Math" panose="02040503050406030204" pitchFamily="18" charset="0"/>
                         </a:rPr>
                         <m:t>𝑑𝑡</m:t>
                       </m:r>
                       <m:r>
-                        <a:rPr lang="ru-RU" i="0">
+                        <a:rPr lang="ru-RU" sz="1600" i="0">
                           <a:latin typeface="Cambria Math" panose="02040503050406030204" pitchFamily="18" charset="0"/>
                         </a:rPr>
                         <m:t>;     </m:t>
@@ -11911,14 +13559,14 @@
                       <m:sSub>
                         <m:sSubPr>
                           <m:ctrlPr>
-                            <a:rPr lang="ru-RU" i="1">
+                            <a:rPr lang="ru-RU" sz="1600" i="1">
                               <a:latin typeface="Cambria Math" panose="02040503050406030204" pitchFamily="18" charset="0"/>
                             </a:rPr>
                           </m:ctrlPr>
                         </m:sSubPr>
                         <m:e>
                           <m:r>
-                            <a:rPr lang="ru-RU" i="1">
+                            <a:rPr lang="ru-RU" sz="1600" i="1">
                               <a:latin typeface="Cambria Math" panose="02040503050406030204" pitchFamily="18" charset="0"/>
                             </a:rPr>
                             <m:t>𝑆</m:t>
@@ -11926,7 +13574,7 @@
                         </m:e>
                         <m:sub>
                           <m:r>
-                            <a:rPr lang="ru-RU" i="1">
+                            <a:rPr lang="ru-RU" sz="1600" i="1">
                               <a:latin typeface="Cambria Math" panose="02040503050406030204" pitchFamily="18" charset="0"/>
                             </a:rPr>
                             <m:t>𝐸</m:t>
@@ -11934,7 +13582,7 @@
                         </m:sub>
                       </m:sSub>
                       <m:r>
-                        <a:rPr lang="ru-RU" i="0">
+                        <a:rPr lang="ru-RU" sz="1600" i="0">
                           <a:latin typeface="Cambria Math" panose="02040503050406030204" pitchFamily="18" charset="0"/>
                         </a:rPr>
                         <m:t>=</m:t>
@@ -11943,14 +13591,14 @@
                         <m:naryPr>
                           <m:limLoc m:val="undOvr"/>
                           <m:ctrlPr>
-                            <a:rPr lang="ru-RU" i="1">
+                            <a:rPr lang="ru-RU" sz="1600" i="1">
                               <a:latin typeface="Cambria Math" panose="02040503050406030204" pitchFamily="18" charset="0"/>
                             </a:rPr>
                           </m:ctrlPr>
                         </m:naryPr>
                         <m:sub>
                           <m:r>
-                            <a:rPr lang="ru-RU" i="0">
+                            <a:rPr lang="ru-RU" sz="1600" i="0">
                               <a:latin typeface="Cambria Math" panose="02040503050406030204" pitchFamily="18" charset="0"/>
                             </a:rPr>
                             <m:t>0</m:t>
@@ -11958,7 +13606,7 @@
                         </m:sub>
                         <m:sup>
                           <m:r>
-                            <a:rPr lang="ru-RU" i="1">
+                            <a:rPr lang="ru-RU" sz="1600" i="1">
                               <a:latin typeface="Cambria Math" panose="02040503050406030204" pitchFamily="18" charset="0"/>
                             </a:rPr>
                             <m:t>𝑡</m:t>
@@ -11968,14 +13616,14 @@
                           <m:sSub>
                             <m:sSubPr>
                               <m:ctrlPr>
-                                <a:rPr lang="ru-RU" i="1">
+                                <a:rPr lang="ru-RU" sz="1600" i="1">
                                   <a:latin typeface="Cambria Math" panose="02040503050406030204" pitchFamily="18" charset="0"/>
                                 </a:rPr>
                               </m:ctrlPr>
                             </m:sSubPr>
                             <m:e>
                               <m:r>
-                                <a:rPr lang="ru-RU" i="1">
+                                <a:rPr lang="ru-RU" sz="1600" i="1">
                                   <a:latin typeface="Cambria Math" panose="02040503050406030204" pitchFamily="18" charset="0"/>
                                 </a:rPr>
                                 <m:t>𝑊</m:t>
@@ -11983,7 +13631,7 @@
                             </m:e>
                             <m:sub>
                               <m:r>
-                                <a:rPr lang="ru-RU" i="1">
+                                <a:rPr lang="ru-RU" sz="1600" i="1">
                                   <a:latin typeface="Cambria Math" panose="02040503050406030204" pitchFamily="18" charset="0"/>
                                 </a:rPr>
                                 <m:t>𝐸</m:t>
@@ -11993,13 +13641,13 @@
                         </m:e>
                       </m:nary>
                       <m:r>
-                        <a:rPr lang="ru-RU" i="1">
+                        <a:rPr lang="ru-RU" sz="1600" i="1">
                           <a:latin typeface="Cambria Math" panose="02040503050406030204" pitchFamily="18" charset="0"/>
                         </a:rPr>
                         <m:t>𝑑𝑡</m:t>
                       </m:r>
                       <m:r>
-                        <a:rPr lang="ru-RU" i="0">
+                        <a:rPr lang="ru-RU" sz="1600" i="0">
                           <a:latin typeface="Cambria Math" panose="02040503050406030204" pitchFamily="18" charset="0"/>
                         </a:rPr>
                         <m:t>;</m:t>
@@ -12007,12 +13655,15 @@
                     </m:oMath>
                   </m:oMathPara>
                 </a14:m>
-                <a:endParaRPr lang="ru-RU" dirty="0"/>
+                <a:endParaRPr lang="ru-RU" sz="1600" dirty="0">
+                  <a:latin typeface="Arial" panose="020B0604020202020204" pitchFamily="34" charset="0"/>
+                  <a:cs typeface="Arial" panose="020B0604020202020204" pitchFamily="34" charset="0"/>
+                </a:endParaRPr>
               </a:p>
             </p:txBody>
           </p:sp>
         </mc:Choice>
-        <mc:Fallback xmlns="">
+        <mc:Fallback>
           <p:sp>
             <p:nvSpPr>
               <p:cNvPr id="6" name="Прямоугольник 5">
@@ -12029,8 +13680,8 @@
             </p:nvSpPr>
             <p:spPr>
               <a:xfrm>
-                <a:off x="4049165" y="2967143"/>
-                <a:ext cx="3372012" cy="923714"/>
+                <a:off x="4192400" y="2963842"/>
+                <a:ext cx="3094950" cy="831381"/>
               </a:xfrm>
               <a:prstGeom prst="rect">
                 <a:avLst/>
@@ -12057,8 +13708,8 @@
           </p:sp>
         </mc:Fallback>
       </mc:AlternateContent>
-      <mc:AlternateContent xmlns:mc="http://schemas.openxmlformats.org/markup-compatibility/2006" xmlns:a14="http://schemas.microsoft.com/office/drawing/2010/main">
-        <mc:Choice Requires="a14">
+      <mc:AlternateContent xmlns:mc="http://schemas.openxmlformats.org/markup-compatibility/2006">
+        <mc:Choice xmlns:a14="http://schemas.microsoft.com/office/drawing/2010/main" Requires="a14">
           <p:sp>
             <p:nvSpPr>
               <p:cNvPr id="7" name="Прямоугольник 6">
@@ -12074,7 +13725,7 @@
             <p:spPr>
               <a:xfrm>
                 <a:off x="334566" y="3717032"/>
-                <a:ext cx="11521280" cy="923330"/>
+                <a:ext cx="11521280" cy="584775"/>
               </a:xfrm>
               <a:prstGeom prst="rect">
                 <a:avLst/>
@@ -12092,16 +13743,17 @@
                   </a:spcAft>
                 </a:pPr>
                 <a:r>
-                  <a:rPr lang="ru-RU" dirty="0">
-                    <a:latin typeface="Times New Roman" panose="02020603050405020304" pitchFamily="18" charset="0"/>
+                  <a:rPr lang="ru-RU" sz="1600" dirty="0">
+                    <a:latin typeface="Arial" panose="020B0604020202020204" pitchFamily="34" charset="0"/>
                     <a:ea typeface="Times New Roman" panose="02020603050405020304" pitchFamily="18" charset="0"/>
+                    <a:cs typeface="Arial" panose="020B0604020202020204" pitchFamily="34" charset="0"/>
                   </a:rPr>
                   <a:t>Современные ИНС осуществляют счисление в географической системе координат, то есть определяют широту и долготу. Если принять Землю за сферу, то текущие широта </a:t>
                 </a:r>
                 <a14:m>
                   <m:oMath xmlns:m="http://schemas.openxmlformats.org/officeDocument/2006/math">
                     <m:r>
-                      <a:rPr lang="ru-RU" i="1">
+                      <a:rPr lang="ru-RU" sz="1600" i="1">
                         <a:latin typeface="Cambria Math" panose="02040503050406030204" pitchFamily="18" charset="0"/>
                         <a:ea typeface="Times New Roman" panose="02020603050405020304" pitchFamily="18" charset="0"/>
                       </a:rPr>
@@ -12110,16 +13762,17 @@
                   </m:oMath>
                 </a14:m>
                 <a:r>
-                  <a:rPr lang="ru-RU" dirty="0">
-                    <a:latin typeface="Times New Roman" panose="02020603050405020304" pitchFamily="18" charset="0"/>
+                  <a:rPr lang="ru-RU" sz="1600" dirty="0">
+                    <a:latin typeface="Arial" panose="020B0604020202020204" pitchFamily="34" charset="0"/>
                     <a:ea typeface="Times New Roman" panose="02020603050405020304" pitchFamily="18" charset="0"/>
+                    <a:cs typeface="Arial" panose="020B0604020202020204" pitchFamily="34" charset="0"/>
                   </a:rPr>
                   <a:t> и долгота </a:t>
                 </a:r>
                 <a14:m>
                   <m:oMath xmlns:m="http://schemas.openxmlformats.org/officeDocument/2006/math">
                     <m:r>
-                      <a:rPr lang="ru-RU" i="1">
+                      <a:rPr lang="ru-RU" sz="1600" i="1">
                         <a:latin typeface="Cambria Math" panose="02040503050406030204" pitchFamily="18" charset="0"/>
                         <a:ea typeface="Times New Roman" panose="02020603050405020304" pitchFamily="18" charset="0"/>
                       </a:rPr>
@@ -12128,22 +13781,24 @@
                   </m:oMath>
                 </a14:m>
                 <a:r>
-                  <a:rPr lang="ru-RU" dirty="0">
-                    <a:latin typeface="Times New Roman" panose="02020603050405020304" pitchFamily="18" charset="0"/>
+                  <a:rPr lang="ru-RU" sz="1600" dirty="0">
+                    <a:latin typeface="Arial" panose="020B0604020202020204" pitchFamily="34" charset="0"/>
                     <a:ea typeface="Times New Roman" panose="02020603050405020304" pitchFamily="18" charset="0"/>
+                    <a:cs typeface="Arial" panose="020B0604020202020204" pitchFamily="34" charset="0"/>
                   </a:rPr>
                   <a:t> (в радианах) могут быть определены как:</a:t>
                 </a:r>
                 <a:endParaRPr lang="ru-RU" sz="1600" dirty="0">
                   <a:effectLst/>
-                  <a:latin typeface="Times New Roman" panose="02020603050405020304" pitchFamily="18" charset="0"/>
+                  <a:latin typeface="Arial" panose="020B0604020202020204" pitchFamily="34" charset="0"/>
                   <a:ea typeface="Times New Roman" panose="02020603050405020304" pitchFamily="18" charset="0"/>
+                  <a:cs typeface="Arial" panose="020B0604020202020204" pitchFamily="34" charset="0"/>
                 </a:endParaRPr>
               </a:p>
             </p:txBody>
           </p:sp>
         </mc:Choice>
-        <mc:Fallback xmlns="">
+        <mc:Fallback>
           <p:sp>
             <p:nvSpPr>
               <p:cNvPr id="7" name="Прямоугольник 6">
@@ -12161,7 +13816,7 @@
             <p:spPr>
               <a:xfrm>
                 <a:off x="334566" y="3717032"/>
-                <a:ext cx="11521280" cy="923330"/>
+                <a:ext cx="11521280" cy="584775"/>
               </a:xfrm>
               <a:prstGeom prst="rect">
                 <a:avLst/>
@@ -12169,7 +13824,7 @@
               <a:blipFill>
                 <a:blip r:embed="rId5"/>
                 <a:stretch>
-                  <a:fillRect l="-476" t="-3974" r="-423" b="-9934"/>
+                  <a:fillRect l="-317" t="-3125" r="-265" b="-12500"/>
                 </a:stretch>
               </a:blipFill>
             </p:spPr>
@@ -12188,8 +13843,8 @@
           </p:sp>
         </mc:Fallback>
       </mc:AlternateContent>
-      <mc:AlternateContent xmlns:mc="http://schemas.openxmlformats.org/markup-compatibility/2006" xmlns:a14="http://schemas.microsoft.com/office/drawing/2010/main">
-        <mc:Choice Requires="a14">
+      <mc:AlternateContent xmlns:mc="http://schemas.openxmlformats.org/markup-compatibility/2006">
+        <mc:Choice xmlns:a14="http://schemas.microsoft.com/office/drawing/2010/main" Requires="a14">
           <p:sp>
             <p:nvSpPr>
               <p:cNvPr id="8" name="Прямоугольник 7">
@@ -12204,8 +13859,8 @@
             </p:nvSpPr>
             <p:spPr>
               <a:xfrm>
-                <a:off x="3430910" y="4629650"/>
-                <a:ext cx="5171929" cy="923714"/>
+                <a:off x="3430909" y="4630705"/>
+                <a:ext cx="4617931" cy="831381"/>
               </a:xfrm>
               <a:prstGeom prst="rect">
                 <a:avLst/>
@@ -12227,14 +13882,14 @@
                       <m:func>
                         <m:funcPr>
                           <m:ctrlPr>
-                            <a:rPr lang="ru-RU" i="1">
+                            <a:rPr lang="ru-RU" sz="1600" i="1">
                               <a:latin typeface="Cambria Math" panose="02040503050406030204" pitchFamily="18" charset="0"/>
                             </a:rPr>
                           </m:ctrlPr>
                         </m:funcPr>
                         <m:fName>
                           <m:r>
-                            <a:rPr lang="ru-RU" i="1">
+                            <a:rPr lang="ru-RU" sz="1600" i="1">
                               <a:latin typeface="Cambria Math" panose="02040503050406030204" pitchFamily="18" charset="0"/>
                             </a:rPr>
                             <m:t>𝑙𝑡</m:t>
@@ -12242,7 +13897,7 @@
                         </m:fName>
                         <m:e>
                           <m:r>
-                            <a:rPr lang="ru-RU" i="0">
+                            <a:rPr lang="ru-RU" sz="1600" i="0">
                               <a:latin typeface="Cambria Math" panose="02040503050406030204" pitchFamily="18" charset="0"/>
                             </a:rPr>
                             <m:t>=</m:t>
@@ -12250,14 +13905,14 @@
                           <m:sSub>
                             <m:sSubPr>
                               <m:ctrlPr>
-                                <a:rPr lang="ru-RU" i="1">
+                                <a:rPr lang="ru-RU" sz="1600" i="1">
                                   <a:latin typeface="Cambria Math" panose="02040503050406030204" pitchFamily="18" charset="0"/>
                                 </a:rPr>
                               </m:ctrlPr>
                             </m:sSubPr>
                             <m:e>
                               <m:r>
-                                <a:rPr lang="ru-RU" i="1">
+                                <a:rPr lang="ru-RU" sz="1600" i="1">
                                   <a:latin typeface="Cambria Math" panose="02040503050406030204" pitchFamily="18" charset="0"/>
                                 </a:rPr>
                                 <m:t>𝑙𝑡</m:t>
@@ -12265,7 +13920,7 @@
                             </m:e>
                             <m:sub>
                               <m:r>
-                                <a:rPr lang="ru-RU" i="0">
+                                <a:rPr lang="ru-RU" sz="1600" i="0">
                                   <a:latin typeface="Cambria Math" panose="02040503050406030204" pitchFamily="18" charset="0"/>
                                 </a:rPr>
                                 <m:t>0</m:t>
@@ -12273,7 +13928,7 @@
                             </m:sub>
                           </m:sSub>
                           <m:r>
-                            <a:rPr lang="ru-RU" i="0">
+                            <a:rPr lang="ru-RU" sz="1600" i="0">
                               <a:latin typeface="Cambria Math" panose="02040503050406030204" pitchFamily="18" charset="0"/>
                             </a:rPr>
                             <m:t>+</m:t>
@@ -12281,14 +13936,14 @@
                           <m:f>
                             <m:fPr>
                               <m:ctrlPr>
-                                <a:rPr lang="ru-RU" i="1">
+                                <a:rPr lang="ru-RU" sz="1600" i="1">
                                   <a:latin typeface="Cambria Math" panose="02040503050406030204" pitchFamily="18" charset="0"/>
                                 </a:rPr>
                               </m:ctrlPr>
                             </m:fPr>
                             <m:num>
                               <m:r>
-                                <a:rPr lang="ru-RU" i="0">
+                                <a:rPr lang="ru-RU" sz="1600" i="0">
                                   <a:latin typeface="Cambria Math" panose="02040503050406030204" pitchFamily="18" charset="0"/>
                                 </a:rPr>
                                 <m:t>1</m:t>
@@ -12296,7 +13951,7 @@
                             </m:num>
                             <m:den>
                               <m:r>
-                                <a:rPr lang="ru-RU" i="1">
+                                <a:rPr lang="ru-RU" sz="1600" i="1">
                                   <a:latin typeface="Cambria Math" panose="02040503050406030204" pitchFamily="18" charset="0"/>
                                 </a:rPr>
                                 <m:t>𝑅</m:t>
@@ -12307,14 +13962,14 @@
                             <m:naryPr>
                               <m:limLoc m:val="undOvr"/>
                               <m:ctrlPr>
-                                <a:rPr lang="ru-RU" i="1">
+                                <a:rPr lang="ru-RU" sz="1600" i="1">
                                   <a:latin typeface="Cambria Math" panose="02040503050406030204" pitchFamily="18" charset="0"/>
                                 </a:rPr>
                               </m:ctrlPr>
                             </m:naryPr>
                             <m:sub>
                               <m:r>
-                                <a:rPr lang="ru-RU" i="0">
+                                <a:rPr lang="ru-RU" sz="1600" i="0">
                                   <a:latin typeface="Cambria Math" panose="02040503050406030204" pitchFamily="18" charset="0"/>
                                 </a:rPr>
                                 <m:t>0</m:t>
@@ -12322,7 +13977,7 @@
                             </m:sub>
                             <m:sup>
                               <m:r>
-                                <a:rPr lang="ru-RU" i="1">
+                                <a:rPr lang="ru-RU" sz="1600" i="1">
                                   <a:latin typeface="Cambria Math" panose="02040503050406030204" pitchFamily="18" charset="0"/>
                                 </a:rPr>
                                 <m:t>𝑡</m:t>
@@ -12332,14 +13987,14 @@
                               <m:sSub>
                                 <m:sSubPr>
                                   <m:ctrlPr>
-                                    <a:rPr lang="ru-RU" i="1">
+                                    <a:rPr lang="ru-RU" sz="1600" i="1">
                                       <a:latin typeface="Cambria Math" panose="02040503050406030204" pitchFamily="18" charset="0"/>
                                     </a:rPr>
                                   </m:ctrlPr>
                                 </m:sSubPr>
                                 <m:e>
                                   <m:r>
-                                    <a:rPr lang="ru-RU" i="1">
+                                    <a:rPr lang="ru-RU" sz="1600" i="1">
                                       <a:latin typeface="Cambria Math" panose="02040503050406030204" pitchFamily="18" charset="0"/>
                                     </a:rPr>
                                     <m:t>𝑊</m:t>
@@ -12347,7 +14002,7 @@
                                 </m:e>
                                 <m:sub>
                                   <m:r>
-                                    <a:rPr lang="ru-RU" i="1">
+                                    <a:rPr lang="ru-RU" sz="1600" i="1">
                                       <a:latin typeface="Cambria Math" panose="02040503050406030204" pitchFamily="18" charset="0"/>
                                     </a:rPr>
                                     <m:t>𝑁</m:t>
@@ -12357,25 +14012,25 @@
                             </m:e>
                           </m:nary>
                           <m:r>
-                            <a:rPr lang="ru-RU" i="1">
+                            <a:rPr lang="ru-RU" sz="1600" i="1">
                               <a:latin typeface="Cambria Math" panose="02040503050406030204" pitchFamily="18" charset="0"/>
                             </a:rPr>
                             <m:t>𝑑𝑡</m:t>
                           </m:r>
                           <m:r>
-                            <a:rPr lang="ru-RU" i="0">
+                            <a:rPr lang="ru-RU" sz="1600" i="0">
                               <a:latin typeface="Cambria Math" panose="02040503050406030204" pitchFamily="18" charset="0"/>
                             </a:rPr>
                             <m:t>;    </m:t>
                           </m:r>
                           <m:r>
-                            <a:rPr lang="ru-RU" i="1">
+                            <a:rPr lang="ru-RU" sz="1600" i="1">
                               <a:latin typeface="Cambria Math" panose="02040503050406030204" pitchFamily="18" charset="0"/>
                             </a:rPr>
                             <m:t>𝑙𝑔</m:t>
                           </m:r>
                           <m:r>
-                            <a:rPr lang="ru-RU" i="0">
+                            <a:rPr lang="ru-RU" sz="1600" i="0">
                               <a:latin typeface="Cambria Math" panose="02040503050406030204" pitchFamily="18" charset="0"/>
                             </a:rPr>
                             <m:t>=</m:t>
@@ -12383,14 +14038,14 @@
                           <m:sSub>
                             <m:sSubPr>
                               <m:ctrlPr>
-                                <a:rPr lang="ru-RU" i="1">
+                                <a:rPr lang="ru-RU" sz="1600" i="1">
                                   <a:latin typeface="Cambria Math" panose="02040503050406030204" pitchFamily="18" charset="0"/>
                                 </a:rPr>
                               </m:ctrlPr>
                             </m:sSubPr>
                             <m:e>
                               <m:r>
-                                <a:rPr lang="ru-RU" i="1">
+                                <a:rPr lang="ru-RU" sz="1600" i="1">
                                   <a:latin typeface="Cambria Math" panose="02040503050406030204" pitchFamily="18" charset="0"/>
                                 </a:rPr>
                                 <m:t>𝑙𝑔</m:t>
@@ -12398,7 +14053,7 @@
                             </m:e>
                             <m:sub>
                               <m:r>
-                                <a:rPr lang="ru-RU" i="0">
+                                <a:rPr lang="ru-RU" sz="1600" i="0">
                                   <a:latin typeface="Cambria Math" panose="02040503050406030204" pitchFamily="18" charset="0"/>
                                 </a:rPr>
                                 <m:t>0</m:t>
@@ -12406,7 +14061,7 @@
                             </m:sub>
                           </m:sSub>
                           <m:r>
-                            <a:rPr lang="ru-RU" i="0">
+                            <a:rPr lang="ru-RU" sz="1600" i="0">
                               <a:latin typeface="Cambria Math" panose="02040503050406030204" pitchFamily="18" charset="0"/>
                             </a:rPr>
                             <m:t>+</m:t>
@@ -12414,14 +14069,14 @@
                           <m:f>
                             <m:fPr>
                               <m:ctrlPr>
-                                <a:rPr lang="ru-RU" i="1">
+                                <a:rPr lang="ru-RU" sz="1600" i="1">
                                   <a:latin typeface="Cambria Math" panose="02040503050406030204" pitchFamily="18" charset="0"/>
                                 </a:rPr>
                               </m:ctrlPr>
                             </m:fPr>
                             <m:num>
                               <m:r>
-                                <a:rPr lang="ru-RU" i="0">
+                                <a:rPr lang="ru-RU" sz="1600" i="0">
                                   <a:latin typeface="Cambria Math" panose="02040503050406030204" pitchFamily="18" charset="0"/>
                                 </a:rPr>
                                 <m:t>1</m:t>
@@ -12429,7 +14084,7 @@
                             </m:num>
                             <m:den>
                               <m:r>
-                                <a:rPr lang="ru-RU" i="1">
+                                <a:rPr lang="ru-RU" sz="1600" i="1">
                                   <a:latin typeface="Cambria Math" panose="02040503050406030204" pitchFamily="18" charset="0"/>
                                 </a:rPr>
                                 <m:t>𝑅</m:t>
@@ -12440,14 +14095,14 @@
                             <m:naryPr>
                               <m:limLoc m:val="undOvr"/>
                               <m:ctrlPr>
-                                <a:rPr lang="ru-RU" i="1">
+                                <a:rPr lang="ru-RU" sz="1600" i="1">
                                   <a:latin typeface="Cambria Math" panose="02040503050406030204" pitchFamily="18" charset="0"/>
                                 </a:rPr>
                               </m:ctrlPr>
                             </m:naryPr>
                             <m:sub>
                               <m:r>
-                                <a:rPr lang="ru-RU" i="0">
+                                <a:rPr lang="ru-RU" sz="1600" i="0">
                                   <a:latin typeface="Cambria Math" panose="02040503050406030204" pitchFamily="18" charset="0"/>
                                 </a:rPr>
                                 <m:t>0</m:t>
@@ -12455,7 +14110,7 @@
                             </m:sub>
                             <m:sup>
                               <m:r>
-                                <a:rPr lang="ru-RU" i="1">
+                                <a:rPr lang="ru-RU" sz="1600" i="1">
                                   <a:latin typeface="Cambria Math" panose="02040503050406030204" pitchFamily="18" charset="0"/>
                                 </a:rPr>
                                 <m:t>𝑡</m:t>
@@ -12465,7 +14120,7 @@
                               <m:f>
                                 <m:fPr>
                                   <m:ctrlPr>
-                                    <a:rPr lang="ru-RU" i="1">
+                                    <a:rPr lang="ru-RU" sz="1600" i="1">
                                       <a:latin typeface="Cambria Math" panose="02040503050406030204" pitchFamily="18" charset="0"/>
                                     </a:rPr>
                                   </m:ctrlPr>
@@ -12474,14 +14129,14 @@
                                   <m:sSub>
                                     <m:sSubPr>
                                       <m:ctrlPr>
-                                        <a:rPr lang="ru-RU" i="1">
+                                        <a:rPr lang="ru-RU" sz="1600" i="1">
                                           <a:latin typeface="Cambria Math" panose="02040503050406030204" pitchFamily="18" charset="0"/>
                                         </a:rPr>
                                       </m:ctrlPr>
                                     </m:sSubPr>
                                     <m:e>
                                       <m:r>
-                                        <a:rPr lang="ru-RU" i="1">
+                                        <a:rPr lang="ru-RU" sz="1600" i="1">
                                           <a:latin typeface="Cambria Math" panose="02040503050406030204" pitchFamily="18" charset="0"/>
                                         </a:rPr>
                                         <m:t>𝑊</m:t>
@@ -12489,7 +14144,7 @@
                                     </m:e>
                                     <m:sub>
                                       <m:r>
-                                        <a:rPr lang="ru-RU" i="1">
+                                        <a:rPr lang="ru-RU" sz="1600" i="1">
                                           <a:latin typeface="Cambria Math" panose="02040503050406030204" pitchFamily="18" charset="0"/>
                                         </a:rPr>
                                         <m:t>𝑁</m:t>
@@ -12502,7 +14157,7 @@
                                     <m:dPr>
                                       <m:begChr m:val=""/>
                                       <m:ctrlPr>
-                                        <a:rPr lang="ru-RU" i="1">
+                                        <a:rPr lang="ru-RU" sz="1600" i="1">
                                           <a:latin typeface="Cambria Math" panose="02040503050406030204" pitchFamily="18" charset="0"/>
                                         </a:rPr>
                                       </m:ctrlPr>
@@ -12512,7 +14167,7 @@
                                         <m:rPr>
                                           <m:sty m:val="p"/>
                                         </m:rPr>
-                                        <a:rPr lang="ru-RU" i="0">
+                                        <a:rPr lang="ru-RU" sz="1600" i="0">
                                           <a:latin typeface="Cambria Math" panose="02040503050406030204" pitchFamily="18" charset="0"/>
                                         </a:rPr>
                                         <m:t>co</m:t>
@@ -12520,7 +14175,7 @@
                                       <m:func>
                                         <m:funcPr>
                                           <m:ctrlPr>
-                                            <a:rPr lang="ru-RU" i="1">
+                                            <a:rPr lang="ru-RU" sz="1600" i="1">
                                               <a:latin typeface="Cambria Math" panose="02040503050406030204" pitchFamily="18" charset="0"/>
                                             </a:rPr>
                                           </m:ctrlPr>
@@ -12530,7 +14185,7 @@
                                             <m:rPr>
                                               <m:sty m:val="p"/>
                                             </m:rPr>
-                                            <a:rPr lang="ru-RU" i="0">
+                                            <a:rPr lang="ru-RU" sz="1600" i="0">
                                               <a:latin typeface="Cambria Math" panose="02040503050406030204" pitchFamily="18" charset="0"/>
                                             </a:rPr>
                                             <m:t>s</m:t>
@@ -12538,7 +14193,7 @@
                                         </m:fName>
                                         <m:e>
                                           <m:r>
-                                            <a:rPr lang="ru-RU" i="0">
+                                            <a:rPr lang="ru-RU" sz="1600" i="0">
                                               <a:latin typeface="Cambria Math" panose="02040503050406030204" pitchFamily="18" charset="0"/>
                                             </a:rPr>
                                             <m:t>(</m:t>
@@ -12546,7 +14201,7 @@
                                         </m:e>
                                       </m:func>
                                       <m:r>
-                                        <a:rPr lang="ru-RU" i="1">
+                                        <a:rPr lang="ru-RU" sz="1600" i="1">
                                           <a:latin typeface="Cambria Math" panose="02040503050406030204" pitchFamily="18" charset="0"/>
                                         </a:rPr>
                                         <m:t>𝑙𝑡</m:t>
@@ -12558,13 +14213,13 @@
                             </m:e>
                           </m:nary>
                           <m:r>
-                            <a:rPr lang="ru-RU" i="1">
+                            <a:rPr lang="ru-RU" sz="1600" i="1">
                               <a:latin typeface="Cambria Math" panose="02040503050406030204" pitchFamily="18" charset="0"/>
                             </a:rPr>
                             <m:t>𝑑𝑡</m:t>
                           </m:r>
                           <m:r>
-                            <a:rPr lang="ru-RU" i="0">
+                            <a:rPr lang="ru-RU" sz="1600" i="0">
                               <a:latin typeface="Cambria Math" panose="02040503050406030204" pitchFamily="18" charset="0"/>
                             </a:rPr>
                             <m:t>,  </m:t>
@@ -12574,12 +14229,15 @@
                     </m:oMath>
                   </m:oMathPara>
                 </a14:m>
-                <a:endParaRPr lang="ru-RU" dirty="0"/>
+                <a:endParaRPr lang="ru-RU" sz="1600" dirty="0">
+                  <a:latin typeface="Arial" panose="020B0604020202020204" pitchFamily="34" charset="0"/>
+                  <a:cs typeface="Arial" panose="020B0604020202020204" pitchFamily="34" charset="0"/>
+                </a:endParaRPr>
               </a:p>
             </p:txBody>
           </p:sp>
         </mc:Choice>
-        <mc:Fallback xmlns="">
+        <mc:Fallback>
           <p:sp>
             <p:nvSpPr>
               <p:cNvPr id="8" name="Прямоугольник 7">
@@ -12596,8 +14254,8 @@
             </p:nvSpPr>
             <p:spPr>
               <a:xfrm>
-                <a:off x="3430910" y="4629650"/>
-                <a:ext cx="5171929" cy="923714"/>
+                <a:off x="3430909" y="4630705"/>
+                <a:ext cx="4617931" cy="831381"/>
               </a:xfrm>
               <a:prstGeom prst="rect">
                 <a:avLst/>
@@ -12624,8 +14282,8 @@
           </p:sp>
         </mc:Fallback>
       </mc:AlternateContent>
-      <mc:AlternateContent xmlns:mc="http://schemas.openxmlformats.org/markup-compatibility/2006" xmlns:a14="http://schemas.microsoft.com/office/drawing/2010/main">
-        <mc:Choice Requires="a14">
+      <mc:AlternateContent xmlns:mc="http://schemas.openxmlformats.org/markup-compatibility/2006">
+        <mc:Choice xmlns:a14="http://schemas.microsoft.com/office/drawing/2010/main" Requires="a14">
           <p:sp>
             <p:nvSpPr>
               <p:cNvPr id="9" name="Прямоугольник 8">
@@ -12641,7 +14299,7 @@
             <p:spPr>
               <a:xfrm>
                 <a:off x="442578" y="5552980"/>
-                <a:ext cx="11377264" cy="923330"/>
+                <a:ext cx="11377264" cy="830997"/>
               </a:xfrm>
               <a:prstGeom prst="rect">
                 <a:avLst/>
@@ -12659,16 +14317,17 @@
                   </a:spcAft>
                 </a:pPr>
                 <a:r>
-                  <a:rPr lang="ru-RU" dirty="0">
-                    <a:latin typeface="Times New Roman" panose="02020603050405020304" pitchFamily="18" charset="0"/>
+                  <a:rPr lang="ru-RU" sz="1600" dirty="0">
+                    <a:latin typeface="Arial" panose="020B0604020202020204" pitchFamily="34" charset="0"/>
                     <a:ea typeface="Times New Roman" panose="02020603050405020304" pitchFamily="18" charset="0"/>
+                    <a:cs typeface="Arial" panose="020B0604020202020204" pitchFamily="34" charset="0"/>
                   </a:rPr>
                   <a:t>где </a:t>
                 </a:r>
                 <a14:m>
                   <m:oMath xmlns:m="http://schemas.openxmlformats.org/officeDocument/2006/math">
                     <m:r>
-                      <a:rPr lang="ru-RU" i="1">
+                      <a:rPr lang="ru-RU" sz="1600" i="1">
                         <a:latin typeface="Cambria Math" panose="02040503050406030204" pitchFamily="18" charset="0"/>
                         <a:ea typeface="Times New Roman" panose="02020603050405020304" pitchFamily="18" charset="0"/>
                       </a:rPr>
@@ -12677,16 +14336,18 @@
                   </m:oMath>
                 </a14:m>
                 <a:r>
-                  <a:rPr lang="ru-RU" dirty="0">
-                    <a:latin typeface="Times New Roman" panose="02020603050405020304" pitchFamily="18" charset="0"/>
+                  <a:rPr lang="ru-RU" sz="1600" dirty="0">
+                    <a:latin typeface="Arial" panose="020B0604020202020204" pitchFamily="34" charset="0"/>
                     <a:ea typeface="Times New Roman" panose="02020603050405020304" pitchFamily="18" charset="0"/>
+                    <a:cs typeface="Arial" panose="020B0604020202020204" pitchFamily="34" charset="0"/>
                   </a:rPr>
                   <a:t> – радиус Земли,</a:t>
                 </a:r>
                 <a:endParaRPr lang="ru-RU" sz="1600" dirty="0">
                   <a:effectLst/>
-                  <a:latin typeface="Times New Roman" panose="02020603050405020304" pitchFamily="18" charset="0"/>
+                  <a:latin typeface="Arial" panose="020B0604020202020204" pitchFamily="34" charset="0"/>
                   <a:ea typeface="Times New Roman" panose="02020603050405020304" pitchFamily="18" charset="0"/>
+                  <a:cs typeface="Arial" panose="020B0604020202020204" pitchFamily="34" charset="0"/>
                 </a:endParaRPr>
               </a:p>
               <a:p>
@@ -12700,7 +14361,7 @@
                     <m:sSub>
                       <m:sSubPr>
                         <m:ctrlPr>
-                          <a:rPr lang="ru-RU" i="1">
+                          <a:rPr lang="ru-RU" sz="1600" i="1">
                             <a:latin typeface="Cambria Math" panose="02040503050406030204" pitchFamily="18" charset="0"/>
                             <a:ea typeface="Times New Roman" panose="02020603050405020304" pitchFamily="18" charset="0"/>
                           </a:rPr>
@@ -12708,7 +14369,7 @@
                       </m:sSubPr>
                       <m:e>
                         <m:r>
-                          <a:rPr lang="ru-RU" i="1">
+                          <a:rPr lang="ru-RU" sz="1600" i="1">
                             <a:latin typeface="Cambria Math" panose="02040503050406030204" pitchFamily="18" charset="0"/>
                             <a:ea typeface="Times New Roman" panose="02020603050405020304" pitchFamily="18" charset="0"/>
                           </a:rPr>
@@ -12717,7 +14378,7 @@
                       </m:e>
                       <m:sub>
                         <m:r>
-                          <a:rPr lang="ru-RU" i="1">
+                          <a:rPr lang="ru-RU" sz="1600" i="1">
                             <a:latin typeface="Cambria Math" panose="02040503050406030204" pitchFamily="18" charset="0"/>
                             <a:ea typeface="Times New Roman" panose="02020603050405020304" pitchFamily="18" charset="0"/>
                           </a:rPr>
@@ -12728,9 +14389,10 @@
                   </m:oMath>
                 </a14:m>
                 <a:r>
-                  <a:rPr lang="ru-RU" dirty="0">
-                    <a:latin typeface="Times New Roman" panose="02020603050405020304" pitchFamily="18" charset="0"/>
+                  <a:rPr lang="ru-RU" sz="1600" dirty="0">
+                    <a:latin typeface="Arial" panose="020B0604020202020204" pitchFamily="34" charset="0"/>
                     <a:ea typeface="Times New Roman" panose="02020603050405020304" pitchFamily="18" charset="0"/>
+                    <a:cs typeface="Arial" panose="020B0604020202020204" pitchFamily="34" charset="0"/>
                   </a:rPr>
                   <a:t>, </a:t>
                 </a:r>
@@ -12739,7 +14401,7 @@
                     <m:sSub>
                       <m:sSubPr>
                         <m:ctrlPr>
-                          <a:rPr lang="ru-RU" i="1">
+                          <a:rPr lang="ru-RU" sz="1600" i="1">
                             <a:latin typeface="Cambria Math" panose="02040503050406030204" pitchFamily="18" charset="0"/>
                             <a:ea typeface="Times New Roman" panose="02020603050405020304" pitchFamily="18" charset="0"/>
                           </a:rPr>
@@ -12747,7 +14409,7 @@
                       </m:sSubPr>
                       <m:e>
                         <m:r>
-                          <a:rPr lang="ru-RU" i="1">
+                          <a:rPr lang="ru-RU" sz="1600" i="1">
                             <a:latin typeface="Cambria Math" panose="02040503050406030204" pitchFamily="18" charset="0"/>
                             <a:ea typeface="Times New Roman" panose="02020603050405020304" pitchFamily="18" charset="0"/>
                           </a:rPr>
@@ -12756,7 +14418,7 @@
                       </m:e>
                       <m:sub>
                         <m:r>
-                          <a:rPr lang="ru-RU" i="1">
+                          <a:rPr lang="ru-RU" sz="1600" i="1">
                             <a:latin typeface="Cambria Math" panose="02040503050406030204" pitchFamily="18" charset="0"/>
                             <a:ea typeface="Times New Roman" panose="02020603050405020304" pitchFamily="18" charset="0"/>
                           </a:rPr>
@@ -12767,16 +14429,18 @@
                   </m:oMath>
                 </a14:m>
                 <a:r>
-                  <a:rPr lang="ru-RU" dirty="0">
-                    <a:latin typeface="Times New Roman" panose="02020603050405020304" pitchFamily="18" charset="0"/>
+                  <a:rPr lang="ru-RU" sz="1600" dirty="0">
+                    <a:latin typeface="Arial" panose="020B0604020202020204" pitchFamily="34" charset="0"/>
                     <a:ea typeface="Times New Roman" panose="02020603050405020304" pitchFamily="18" charset="0"/>
+                    <a:cs typeface="Arial" panose="020B0604020202020204" pitchFamily="34" charset="0"/>
                   </a:rPr>
                   <a:t>– начальные координаты, получаемые с магнитометра.</a:t>
                 </a:r>
                 <a:endParaRPr lang="ru-RU" sz="1600" dirty="0">
                   <a:effectLst/>
-                  <a:latin typeface="Times New Roman" panose="02020603050405020304" pitchFamily="18" charset="0"/>
+                  <a:latin typeface="Arial" panose="020B0604020202020204" pitchFamily="34" charset="0"/>
                   <a:ea typeface="Times New Roman" panose="02020603050405020304" pitchFamily="18" charset="0"/>
+                  <a:cs typeface="Arial" panose="020B0604020202020204" pitchFamily="34" charset="0"/>
                 </a:endParaRPr>
               </a:p>
               <a:p>
@@ -12786,22 +14450,24 @@
                   </a:spcAft>
                 </a:pPr>
                 <a:r>
-                  <a:rPr lang="ru-RU" dirty="0">
-                    <a:latin typeface="Times New Roman" panose="02020603050405020304" pitchFamily="18" charset="0"/>
+                  <a:rPr lang="ru-RU" sz="1600" dirty="0">
+                    <a:latin typeface="Arial" panose="020B0604020202020204" pitchFamily="34" charset="0"/>
                     <a:ea typeface="Times New Roman" panose="02020603050405020304" pitchFamily="18" charset="0"/>
+                    <a:cs typeface="Arial" panose="020B0604020202020204" pitchFamily="34" charset="0"/>
                   </a:rPr>
                   <a:t>Все расчеты выполняются цифровыми вычислителями, а именно процессором телефона.</a:t>
                 </a:r>
                 <a:endParaRPr lang="ru-RU" sz="1600" dirty="0">
                   <a:effectLst/>
-                  <a:latin typeface="Times New Roman" panose="02020603050405020304" pitchFamily="18" charset="0"/>
+                  <a:latin typeface="Arial" panose="020B0604020202020204" pitchFamily="34" charset="0"/>
                   <a:ea typeface="Times New Roman" panose="02020603050405020304" pitchFamily="18" charset="0"/>
+                  <a:cs typeface="Arial" panose="020B0604020202020204" pitchFamily="34" charset="0"/>
                 </a:endParaRPr>
               </a:p>
             </p:txBody>
           </p:sp>
         </mc:Choice>
-        <mc:Fallback xmlns="">
+        <mc:Fallback>
           <p:sp>
             <p:nvSpPr>
               <p:cNvPr id="9" name="Прямоугольник 8">
@@ -12819,7 +14485,7 @@
             <p:spPr>
               <a:xfrm>
                 <a:off x="442578" y="5552980"/>
-                <a:ext cx="11377264" cy="923330"/>
+                <a:ext cx="11377264" cy="830997"/>
               </a:xfrm>
               <a:prstGeom prst="rect">
                 <a:avLst/>
@@ -12827,7 +14493,7 @@
               <a:blipFill>
                 <a:blip r:embed="rId7"/>
                 <a:stretch>
-                  <a:fillRect t="-3974" b="-9934"/>
+                  <a:fillRect t="-2206" b="-8824"/>
                 </a:stretch>
               </a:blipFill>
             </p:spPr>
@@ -12859,7 +14525,7 @@
 </p:sld>
 </file>
 
-<file path=ppt/slides/slide13.xml><?xml version="1.0" encoding="utf-8"?>
+<file path=ppt/slides/slide15.xml><?xml version="1.0" encoding="utf-8"?>
 <p:sld xmlns:a="http://schemas.openxmlformats.org/drawingml/2006/main" xmlns:r="http://schemas.openxmlformats.org/officeDocument/2006/relationships" xmlns:p="http://schemas.openxmlformats.org/presentationml/2006/main">
   <p:cSld>
     <p:spTree>
@@ -12937,7 +14603,7 @@
                   <a:schemeClr val="tx1"/>
                 </a:solidFill>
               </a:rPr>
-              <a:t>13</a:t>
+              <a:t>15</a:t>
             </a:fld>
             <a:endParaRPr lang="ru-RU" sz="2000" b="1" dirty="0">
               <a:solidFill>
@@ -12983,7 +14649,7 @@
         </p:blipFill>
         <p:spPr bwMode="auto">
           <a:xfrm>
-            <a:off x="444738" y="1300930"/>
+            <a:off x="444738" y="2187819"/>
             <a:ext cx="1828800" cy="4351094"/>
           </a:xfrm>
           <a:prstGeom prst="rect">
@@ -13031,7 +14697,7 @@
         </p:blipFill>
         <p:spPr bwMode="auto">
           <a:xfrm>
-            <a:off x="2657904" y="1300930"/>
+            <a:off x="2657904" y="1052736"/>
             <a:ext cx="1828800" cy="4351094"/>
           </a:xfrm>
           <a:prstGeom prst="rect">
@@ -13079,7 +14745,7 @@
         </p:blipFill>
         <p:spPr bwMode="auto">
           <a:xfrm>
-            <a:off x="4871070" y="1187528"/>
+            <a:off x="4871070" y="2055969"/>
             <a:ext cx="1828800" cy="4482944"/>
           </a:xfrm>
           <a:prstGeom prst="rect">
@@ -13187,6 +14853,353 @@
           </a:ln>
         </p:spPr>
       </p:pic>
+      <p:sp>
+        <p:nvSpPr>
+          <p:cNvPr id="2" name="Облачко с текстом: прямоугольное 1">
+            <a:extLst>
+              <a:ext uri="{FF2B5EF4-FFF2-40B4-BE49-F238E27FC236}">
+                <a16:creationId xmlns:a16="http://schemas.microsoft.com/office/drawing/2014/main" id="{30D4DEC6-3C30-40F5-ABD8-C0A7762DB992}"/>
+              </a:ext>
+            </a:extLst>
+          </p:cNvPr>
+          <p:cNvSpPr/>
+          <p:nvPr/>
+        </p:nvSpPr>
+        <p:spPr>
+          <a:xfrm>
+            <a:off x="444737" y="1300930"/>
+            <a:ext cx="1828799" cy="697134"/>
+          </a:xfrm>
+          <a:prstGeom prst="wedgeRectCallout">
+            <a:avLst/>
+          </a:prstGeom>
+        </p:spPr>
+        <p:style>
+          <a:lnRef idx="1">
+            <a:schemeClr val="accent1"/>
+          </a:lnRef>
+          <a:fillRef idx="2">
+            <a:schemeClr val="accent1"/>
+          </a:fillRef>
+          <a:effectRef idx="1">
+            <a:schemeClr val="accent1"/>
+          </a:effectRef>
+          <a:fontRef idx="minor">
+            <a:schemeClr val="dk1"/>
+          </a:fontRef>
+        </p:style>
+        <p:txBody>
+          <a:bodyPr rtlCol="0" anchor="ctr"/>
+          <a:lstStyle/>
+          <a:p>
+            <a:pPr algn="ctr"/>
+            <a:r>
+              <a:rPr lang="ru-RU" dirty="0"/>
+              <a:t>Главная форма</a:t>
+            </a:r>
+          </a:p>
+        </p:txBody>
+      </p:sp>
+      <p:sp>
+        <p:nvSpPr>
+          <p:cNvPr id="3" name="Облачко с текстом: прямоугольное 2">
+            <a:extLst>
+              <a:ext uri="{FF2B5EF4-FFF2-40B4-BE49-F238E27FC236}">
+                <a16:creationId xmlns:a16="http://schemas.microsoft.com/office/drawing/2014/main" id="{E3C50C2C-6593-4FD4-8372-4239573B44FF}"/>
+              </a:ext>
+            </a:extLst>
+          </p:cNvPr>
+          <p:cNvSpPr/>
+          <p:nvPr/>
+        </p:nvSpPr>
+        <p:spPr>
+          <a:xfrm>
+            <a:off x="2710830" y="5517232"/>
+            <a:ext cx="1728192" cy="1021681"/>
+          </a:xfrm>
+          <a:prstGeom prst="wedgeRectCallout">
+            <a:avLst>
+              <a:gd name="adj1" fmla="val 24373"/>
+              <a:gd name="adj2" fmla="val -67565"/>
+            </a:avLst>
+          </a:prstGeom>
+        </p:spPr>
+        <p:style>
+          <a:lnRef idx="1">
+            <a:schemeClr val="accent1"/>
+          </a:lnRef>
+          <a:fillRef idx="2">
+            <a:schemeClr val="accent1"/>
+          </a:fillRef>
+          <a:effectRef idx="1">
+            <a:schemeClr val="accent1"/>
+          </a:effectRef>
+          <a:fontRef idx="minor">
+            <a:schemeClr val="dk1"/>
+          </a:fontRef>
+        </p:style>
+        <p:txBody>
+          <a:bodyPr rtlCol="0" anchor="ctr"/>
+          <a:lstStyle/>
+          <a:p>
+            <a:pPr algn="ctr"/>
+            <a:r>
+              <a:rPr lang="ru-RU" dirty="0"/>
+              <a:t>Форма просмотра пройденных маршрутов</a:t>
+            </a:r>
+          </a:p>
+        </p:txBody>
+      </p:sp>
+      <p:sp>
+        <p:nvSpPr>
+          <p:cNvPr id="5" name="Облачко с текстом: прямоугольное 4">
+            <a:extLst>
+              <a:ext uri="{FF2B5EF4-FFF2-40B4-BE49-F238E27FC236}">
+                <a16:creationId xmlns:a16="http://schemas.microsoft.com/office/drawing/2014/main" id="{37472DBB-F061-48CE-8F8A-87931869CDBA}"/>
+              </a:ext>
+            </a:extLst>
+          </p:cNvPr>
+          <p:cNvSpPr/>
+          <p:nvPr/>
+        </p:nvSpPr>
+        <p:spPr>
+          <a:xfrm>
+            <a:off x="5106177" y="1052736"/>
+            <a:ext cx="1540768" cy="792088"/>
+          </a:xfrm>
+          <a:prstGeom prst="wedgeRectCallout">
+            <a:avLst>
+              <a:gd name="adj1" fmla="val -16224"/>
+              <a:gd name="adj2" fmla="val 97245"/>
+            </a:avLst>
+          </a:prstGeom>
+        </p:spPr>
+        <p:style>
+          <a:lnRef idx="1">
+            <a:schemeClr val="accent1"/>
+          </a:lnRef>
+          <a:fillRef idx="2">
+            <a:schemeClr val="accent1"/>
+          </a:fillRef>
+          <a:effectRef idx="1">
+            <a:schemeClr val="accent1"/>
+          </a:effectRef>
+          <a:fontRef idx="minor">
+            <a:schemeClr val="dk1"/>
+          </a:fontRef>
+        </p:style>
+        <p:txBody>
+          <a:bodyPr rtlCol="0" anchor="ctr"/>
+          <a:lstStyle/>
+          <a:p>
+            <a:pPr algn="ctr"/>
+            <a:r>
+              <a:rPr lang="ru-RU" dirty="0"/>
+              <a:t>Пройденный маршрут</a:t>
+            </a:r>
+          </a:p>
+        </p:txBody>
+      </p:sp>
+      <p:sp>
+        <p:nvSpPr>
+          <p:cNvPr id="6" name="Облачко с текстом: прямоугольное 5">
+            <a:extLst>
+              <a:ext uri="{FF2B5EF4-FFF2-40B4-BE49-F238E27FC236}">
+                <a16:creationId xmlns:a16="http://schemas.microsoft.com/office/drawing/2014/main" id="{7BF32013-BD9A-4453-850D-8F0A4EFCBEBC}"/>
+              </a:ext>
+            </a:extLst>
+          </p:cNvPr>
+          <p:cNvSpPr/>
+          <p:nvPr/>
+        </p:nvSpPr>
+        <p:spPr>
+          <a:xfrm>
+            <a:off x="8111430" y="6021288"/>
+            <a:ext cx="801606" cy="432048"/>
+          </a:xfrm>
+          <a:prstGeom prst="wedgeRectCallout">
+            <a:avLst>
+              <a:gd name="adj1" fmla="val 1069"/>
+              <a:gd name="adj2" fmla="val -177910"/>
+            </a:avLst>
+          </a:prstGeom>
+        </p:spPr>
+        <p:style>
+          <a:lnRef idx="1">
+            <a:schemeClr val="accent1"/>
+          </a:lnRef>
+          <a:fillRef idx="2">
+            <a:schemeClr val="accent1"/>
+          </a:fillRef>
+          <a:effectRef idx="1">
+            <a:schemeClr val="accent1"/>
+          </a:effectRef>
+          <a:fontRef idx="minor">
+            <a:schemeClr val="dk1"/>
+          </a:fontRef>
+        </p:style>
+        <p:txBody>
+          <a:bodyPr rtlCol="0" anchor="ctr"/>
+          <a:lstStyle/>
+          <a:p>
+            <a:pPr algn="ctr"/>
+            <a:r>
+              <a:rPr lang="ru-RU" dirty="0"/>
+              <a:t>В путь</a:t>
+            </a:r>
+          </a:p>
+        </p:txBody>
+      </p:sp>
+      <p:sp>
+        <p:nvSpPr>
+          <p:cNvPr id="9" name="Облачко с текстом: прямоугольное 8">
+            <a:extLst>
+              <a:ext uri="{FF2B5EF4-FFF2-40B4-BE49-F238E27FC236}">
+                <a16:creationId xmlns:a16="http://schemas.microsoft.com/office/drawing/2014/main" id="{0B62327B-030C-4C72-8139-D3B28EB3B3B6}"/>
+              </a:ext>
+            </a:extLst>
+          </p:cNvPr>
+          <p:cNvSpPr/>
+          <p:nvPr/>
+        </p:nvSpPr>
+        <p:spPr>
+          <a:xfrm>
+            <a:off x="7084236" y="836712"/>
+            <a:ext cx="1828800" cy="271180"/>
+          </a:xfrm>
+          <a:prstGeom prst="wedgeRectCallout">
+            <a:avLst>
+              <a:gd name="adj1" fmla="val 579"/>
+              <a:gd name="adj2" fmla="val 193347"/>
+            </a:avLst>
+          </a:prstGeom>
+        </p:spPr>
+        <p:style>
+          <a:lnRef idx="1">
+            <a:schemeClr val="accent1"/>
+          </a:lnRef>
+          <a:fillRef idx="2">
+            <a:schemeClr val="accent1"/>
+          </a:fillRef>
+          <a:effectRef idx="1">
+            <a:schemeClr val="accent1"/>
+          </a:effectRef>
+          <a:fontRef idx="minor">
+            <a:schemeClr val="dk1"/>
+          </a:fontRef>
+        </p:style>
+        <p:txBody>
+          <a:bodyPr rtlCol="0" anchor="ctr"/>
+          <a:lstStyle/>
+          <a:p>
+            <a:pPr algn="ctr"/>
+            <a:r>
+              <a:rPr lang="ru-RU" dirty="0"/>
+              <a:t>Конечная точка</a:t>
+            </a:r>
+          </a:p>
+        </p:txBody>
+      </p:sp>
+      <p:sp>
+        <p:nvSpPr>
+          <p:cNvPr id="15" name="Облачко с текстом: прямоугольное 14">
+            <a:extLst>
+              <a:ext uri="{FF2B5EF4-FFF2-40B4-BE49-F238E27FC236}">
+                <a16:creationId xmlns:a16="http://schemas.microsoft.com/office/drawing/2014/main" id="{56A53AFF-FA3F-4860-B6BA-391DCBE55794}"/>
+              </a:ext>
+            </a:extLst>
+          </p:cNvPr>
+          <p:cNvSpPr/>
+          <p:nvPr/>
+        </p:nvSpPr>
+        <p:spPr>
+          <a:xfrm>
+            <a:off x="9407574" y="5924302"/>
+            <a:ext cx="1828800" cy="529033"/>
+          </a:xfrm>
+          <a:prstGeom prst="wedgeRectCallout">
+            <a:avLst>
+              <a:gd name="adj1" fmla="val 26936"/>
+              <a:gd name="adj2" fmla="val -145034"/>
+            </a:avLst>
+          </a:prstGeom>
+        </p:spPr>
+        <p:style>
+          <a:lnRef idx="1">
+            <a:schemeClr val="accent1"/>
+          </a:lnRef>
+          <a:fillRef idx="2">
+            <a:schemeClr val="accent1"/>
+          </a:fillRef>
+          <a:effectRef idx="1">
+            <a:schemeClr val="accent1"/>
+          </a:effectRef>
+          <a:fontRef idx="minor">
+            <a:schemeClr val="dk1"/>
+          </a:fontRef>
+        </p:style>
+        <p:txBody>
+          <a:bodyPr rtlCol="0" anchor="ctr"/>
+          <a:lstStyle/>
+          <a:p>
+            <a:pPr algn="ctr"/>
+            <a:r>
+              <a:rPr lang="ru-RU" dirty="0"/>
+              <a:t>Остановить маршрут</a:t>
+            </a:r>
+          </a:p>
+        </p:txBody>
+      </p:sp>
+      <p:sp>
+        <p:nvSpPr>
+          <p:cNvPr id="16" name="Облачко с текстом: прямоугольное 15">
+            <a:extLst>
+              <a:ext uri="{FF2B5EF4-FFF2-40B4-BE49-F238E27FC236}">
+                <a16:creationId xmlns:a16="http://schemas.microsoft.com/office/drawing/2014/main" id="{56FFDE4F-A88B-423F-A3F1-728FD064173D}"/>
+              </a:ext>
+            </a:extLst>
+          </p:cNvPr>
+          <p:cNvSpPr/>
+          <p:nvPr/>
+        </p:nvSpPr>
+        <p:spPr>
+          <a:xfrm>
+            <a:off x="9244278" y="825745"/>
+            <a:ext cx="1828800" cy="271180"/>
+          </a:xfrm>
+          <a:prstGeom prst="wedgeRectCallout">
+            <a:avLst>
+              <a:gd name="adj1" fmla="val 579"/>
+              <a:gd name="adj2" fmla="val 193347"/>
+            </a:avLst>
+          </a:prstGeom>
+        </p:spPr>
+        <p:style>
+          <a:lnRef idx="1">
+            <a:schemeClr val="accent1"/>
+          </a:lnRef>
+          <a:fillRef idx="2">
+            <a:schemeClr val="accent1"/>
+          </a:fillRef>
+          <a:effectRef idx="1">
+            <a:schemeClr val="accent1"/>
+          </a:effectRef>
+          <a:fontRef idx="minor">
+            <a:schemeClr val="dk1"/>
+          </a:fontRef>
+        </p:style>
+        <p:txBody>
+          <a:bodyPr rtlCol="0" anchor="ctr"/>
+          <a:lstStyle/>
+          <a:p>
+            <a:pPr algn="ctr"/>
+            <a:r>
+              <a:rPr lang="ru-RU" dirty="0"/>
+              <a:t>Конечная точка</a:t>
+            </a:r>
+          </a:p>
+        </p:txBody>
+      </p:sp>
     </p:spTree>
     <p:extLst>
       <p:ext uri="{BB962C8B-B14F-4D97-AF65-F5344CB8AC3E}">
@@ -13200,7 +15213,7 @@
 </p:sld>
 </file>
 
-<file path=ppt/slides/slide14.xml><?xml version="1.0" encoding="utf-8"?>
+<file path=ppt/slides/slide16.xml><?xml version="1.0" encoding="utf-8"?>
 <p:sld xmlns:a="http://schemas.openxmlformats.org/drawingml/2006/main" xmlns:r="http://schemas.openxmlformats.org/officeDocument/2006/relationships" xmlns:p="http://schemas.openxmlformats.org/presentationml/2006/main">
   <p:cSld>
     <p:spTree>
@@ -13260,8 +15273,8 @@
         </p:nvSpPr>
         <p:spPr>
           <a:xfrm>
-            <a:off x="447512" y="980728"/>
-            <a:ext cx="11295387" cy="3785652"/>
+            <a:off x="447512" y="1319282"/>
+            <a:ext cx="11295387" cy="3108543"/>
           </a:xfrm>
           <a:prstGeom prst="rect">
             <a:avLst/>
@@ -13273,44 +15286,122 @@
           </a:bodyPr>
           <a:lstStyle/>
           <a:p>
-            <a:pPr marL="285750" indent="-285750">
+            <a:pPr marL="285750" indent="-285750" algn="just">
               <a:buFont typeface="Arial" panose="020B0604020202020204" pitchFamily="34" charset="0"/>
               <a:buChar char="•"/>
             </a:pPr>
             <a:r>
-              <a:rPr lang="ru-RU" sz="4800" dirty="0"/>
+              <a:rPr lang="ru-RU" sz="2800" dirty="0">
+                <a:latin typeface="Arial" panose="020B0604020202020204" pitchFamily="34" charset="0"/>
+                <a:cs typeface="Arial" panose="020B0604020202020204" pitchFamily="34" charset="0"/>
+              </a:rPr>
               <a:t>Проведен анализ предметной области</a:t>
             </a:r>
           </a:p>
           <a:p>
-            <a:pPr marL="285750" indent="-285750">
+            <a:pPr marL="285750" indent="-285750" algn="just">
               <a:buFont typeface="Arial" panose="020B0604020202020204" pitchFamily="34" charset="0"/>
               <a:buChar char="•"/>
             </a:pPr>
             <a:r>
-              <a:rPr lang="ru-RU" sz="4800" dirty="0"/>
+              <a:rPr lang="ru-RU" sz="2800" dirty="0">
+                <a:latin typeface="Arial" panose="020B0604020202020204" pitchFamily="34" charset="0"/>
+                <a:cs typeface="Arial" panose="020B0604020202020204" pitchFamily="34" charset="0"/>
+              </a:rPr>
               <a:t>Проведен обзор систем-аналогов</a:t>
             </a:r>
           </a:p>
           <a:p>
-            <a:pPr marL="285750" indent="-285750">
+            <a:pPr marL="285750" indent="-285750" algn="just">
               <a:buFont typeface="Arial" panose="020B0604020202020204" pitchFamily="34" charset="0"/>
               <a:buChar char="•"/>
             </a:pPr>
             <a:r>
-              <a:rPr lang="ru-RU" sz="4800" dirty="0"/>
-              <a:t>Поставлена задача</a:t>
-            </a:r>
-          </a:p>
-          <a:p>
-            <a:pPr marL="285750" indent="-285750">
+              <a:rPr lang="ru-RU" sz="2800" dirty="0">
+                <a:latin typeface="Arial" panose="020B0604020202020204" pitchFamily="34" charset="0"/>
+                <a:cs typeface="Arial" panose="020B0604020202020204" pitchFamily="34" charset="0"/>
+              </a:rPr>
+              <a:t>Разработана логическая и физическая модель данных</a:t>
+            </a:r>
+          </a:p>
+          <a:p>
+            <a:pPr marL="285750" indent="-285750" algn="just">
               <a:buFont typeface="Arial" panose="020B0604020202020204" pitchFamily="34" charset="0"/>
               <a:buChar char="•"/>
             </a:pPr>
             <a:r>
-              <a:rPr lang="ru-RU" sz="4800" dirty="0"/>
+              <a:rPr lang="ru-RU" sz="2800" dirty="0">
+                <a:latin typeface="Arial" panose="020B0604020202020204" pitchFamily="34" charset="0"/>
+                <a:cs typeface="Arial" panose="020B0604020202020204" pitchFamily="34" charset="0"/>
+              </a:rPr>
               <a:t>Разработаны прототипы пользовательского интерфейса</a:t>
             </a:r>
+          </a:p>
+          <a:p>
+            <a:pPr marL="285750" indent="-285750" algn="just">
+              <a:buFont typeface="Arial" panose="020B0604020202020204" pitchFamily="34" charset="0"/>
+              <a:buChar char="•"/>
+            </a:pPr>
+            <a:r>
+              <a:rPr lang="ru-RU" sz="2800" dirty="0">
+                <a:solidFill>
+                  <a:srgbClr val="000000"/>
+                </a:solidFill>
+                <a:latin typeface="Arial" panose="020B0604020202020204" pitchFamily="34" charset="0"/>
+                <a:ea typeface="Calibri" panose="020F0502020204030204" pitchFamily="34" charset="0"/>
+                <a:cs typeface="Arial" panose="020B0604020202020204" pitchFamily="34" charset="0"/>
+              </a:rPr>
+              <a:t>Р</a:t>
+            </a:r>
+            <a:r>
+              <a:rPr lang="ru-RU" sz="2800" dirty="0">
+                <a:solidFill>
+                  <a:srgbClr val="000000"/>
+                </a:solidFill>
+                <a:effectLst/>
+                <a:latin typeface="Arial" panose="020B0604020202020204" pitchFamily="34" charset="0"/>
+                <a:ea typeface="Calibri" panose="020F0502020204030204" pitchFamily="34" charset="0"/>
+                <a:cs typeface="Arial" panose="020B0604020202020204" pitchFamily="34" charset="0"/>
+              </a:rPr>
+              <a:t>азработана </a:t>
+            </a:r>
+            <a:r>
+              <a:rPr lang="ru-RU" sz="2800" dirty="0">
+                <a:solidFill>
+                  <a:srgbClr val="000000"/>
+                </a:solidFill>
+                <a:effectLst/>
+                <a:latin typeface="Arial" panose="020B0604020202020204" pitchFamily="34" charset="0"/>
+                <a:ea typeface="Times New Roman" panose="02020603050405020304" pitchFamily="18" charset="0"/>
+                <a:cs typeface="Arial" panose="020B0604020202020204" pitchFamily="34" charset="0"/>
+              </a:rPr>
+              <a:t>трехконтурная архитектура инерциальной навигационной системы для мобильного устройства</a:t>
+            </a:r>
+            <a:r>
+              <a:rPr lang="ru-RU" sz="2800" dirty="0">
+                <a:effectLst/>
+                <a:latin typeface="Arial" panose="020B0604020202020204" pitchFamily="34" charset="0"/>
+                <a:ea typeface="Calibri" panose="020F0502020204030204" pitchFamily="34" charset="0"/>
+                <a:cs typeface="Arial" panose="020B0604020202020204" pitchFamily="34" charset="0"/>
+              </a:rPr>
+              <a:t>, реализующие предложенный метод </a:t>
+            </a:r>
+            <a:r>
+              <a:rPr lang="ru-RU" sz="2800" dirty="0">
+                <a:solidFill>
+                  <a:srgbClr val="000000"/>
+                </a:solidFill>
+                <a:effectLst/>
+                <a:latin typeface="Arial" panose="020B0604020202020204" pitchFamily="34" charset="0"/>
+                <a:ea typeface="Times New Roman" panose="02020603050405020304" pitchFamily="18" charset="0"/>
+                <a:cs typeface="Arial" panose="020B0604020202020204" pitchFamily="34" charset="0"/>
+              </a:rPr>
+              <a:t>построения маршрута</a:t>
+            </a:r>
+            <a:endParaRPr lang="ru-RU" sz="2800" dirty="0">
+              <a:latin typeface="Arial" panose="020B0604020202020204" pitchFamily="34" charset="0"/>
+              <a:cs typeface="Arial" panose="020B0604020202020204" pitchFamily="34" charset="0"/>
+            </a:endParaRPr>
           </a:p>
         </p:txBody>
       </p:sp>
@@ -13340,12 +15431,82 @@
                   <a:schemeClr val="tx1"/>
                 </a:solidFill>
               </a:rPr>
-              <a:t>14</a:t>
+              <a:t>16</a:t>
             </a:fld>
             <a:endParaRPr lang="ru-RU" sz="2000" b="1" dirty="0">
               <a:solidFill>
                 <a:schemeClr val="tx1"/>
               </a:solidFill>
+            </a:endParaRPr>
+          </a:p>
+        </p:txBody>
+      </p:sp>
+      <p:sp>
+        <p:nvSpPr>
+          <p:cNvPr id="8" name="TextBox 7">
+            <a:extLst>
+              <a:ext uri="{FF2B5EF4-FFF2-40B4-BE49-F238E27FC236}">
+                <a16:creationId xmlns:a16="http://schemas.microsoft.com/office/drawing/2014/main" id="{290F189D-0144-43B9-B496-F80F5AEC5184}"/>
+              </a:ext>
+            </a:extLst>
+          </p:cNvPr>
+          <p:cNvSpPr txBox="1"/>
+          <p:nvPr/>
+        </p:nvSpPr>
+        <p:spPr>
+          <a:xfrm>
+            <a:off x="447512" y="4449311"/>
+            <a:ext cx="11030303" cy="2246769"/>
+          </a:xfrm>
+          <a:prstGeom prst="rect">
+            <a:avLst/>
+          </a:prstGeom>
+          <a:noFill/>
+        </p:spPr>
+        <p:txBody>
+          <a:bodyPr wrap="square">
+            <a:spAutoFit/>
+          </a:bodyPr>
+          <a:lstStyle/>
+          <a:p>
+            <a:pPr algn="just"/>
+            <a:r>
+              <a:rPr lang="ru-RU" sz="2800" dirty="0">
+                <a:effectLst/>
+                <a:latin typeface="Arial" panose="020B0604020202020204" pitchFamily="34" charset="0"/>
+                <a:ea typeface="Times New Roman" panose="02020603050405020304" pitchFamily="18" charset="0"/>
+                <a:cs typeface="Arial" panose="020B0604020202020204" pitchFamily="34" charset="0"/>
+              </a:rPr>
+              <a:t>По теме выпускной квалификационной работы опубликовано 7 научных рабо</a:t>
+            </a:r>
+            <a:r>
+              <a:rPr lang="ru-RU" sz="2800" dirty="0">
+                <a:latin typeface="Arial" panose="020B0604020202020204" pitchFamily="34" charset="0"/>
+                <a:ea typeface="Times New Roman" panose="02020603050405020304" pitchFamily="18" charset="0"/>
+                <a:cs typeface="Arial" panose="020B0604020202020204" pitchFamily="34" charset="0"/>
+              </a:rPr>
+              <a:t>т, а одна из них в </a:t>
+            </a:r>
+            <a:r>
+              <a:rPr lang="en-US" sz="2800" dirty="0">
+                <a:latin typeface="Arial" panose="020B0604020202020204" pitchFamily="34" charset="0"/>
+                <a:ea typeface="Times New Roman" panose="02020603050405020304" pitchFamily="18" charset="0"/>
+                <a:cs typeface="Arial" panose="020B0604020202020204" pitchFamily="34" charset="0"/>
+              </a:rPr>
+              <a:t>Scopus.</a:t>
+            </a:r>
+            <a:r>
+              <a:rPr lang="ru-RU" sz="2800" dirty="0">
+                <a:effectLst/>
+                <a:latin typeface="Arial" panose="020B0604020202020204" pitchFamily="34" charset="0"/>
+                <a:ea typeface="Times New Roman" panose="02020603050405020304" pitchFamily="18" charset="0"/>
+                <a:cs typeface="Arial" panose="020B0604020202020204" pitchFamily="34" charset="0"/>
+              </a:rPr>
+              <a:t> Результаты работы докладывались на различных конференциях международного, областного и регионального уровней, отмечены дипломами о лучших докладах</a:t>
+            </a:r>
+            <a:endParaRPr lang="ru-RU" sz="2800" dirty="0">
+              <a:latin typeface="Arial" panose="020B0604020202020204" pitchFamily="34" charset="0"/>
+              <a:cs typeface="Arial" panose="020B0604020202020204" pitchFamily="34" charset="0"/>
             </a:endParaRPr>
           </a:p>
         </p:txBody>
@@ -13363,7 +15524,7 @@
 </p:sld>
 </file>
 
-<file path=ppt/slides/slide15.xml><?xml version="1.0" encoding="utf-8"?>
+<file path=ppt/slides/slide17.xml><?xml version="1.0" encoding="utf-8"?>
 <p:sld xmlns:a="http://schemas.openxmlformats.org/drawingml/2006/main" xmlns:r="http://schemas.openxmlformats.org/officeDocument/2006/relationships" xmlns:p="http://schemas.openxmlformats.org/presentationml/2006/main">
   <p:cSld>
     <p:spTree>
@@ -13479,7 +15640,7 @@
           <a:p>
             <a:fld id="{E2656834-4BAB-4DB1-9FED-8310CA017EAF}" type="slidenum">
               <a:rPr lang="ru-RU" smtClean="0"/>
-              <a:t>15</a:t>
+              <a:t>17</a:t>
             </a:fld>
             <a:endParaRPr lang="ru-RU"/>
           </a:p>
@@ -13527,8 +15688,8 @@
         </p:nvSpPr>
         <p:spPr>
           <a:xfrm>
-            <a:off x="550590" y="1412776"/>
-            <a:ext cx="11030303" cy="4392488"/>
+            <a:off x="694606" y="908720"/>
+            <a:ext cx="10965122" cy="1296144"/>
           </a:xfrm>
         </p:spPr>
         <p:txBody>
@@ -13538,19 +15699,30 @@
           <a:lstStyle/>
           <a:p>
             <a:r>
-              <a:rPr lang="ru-RU" sz="4400" dirty="0"/>
-              <a:t>Рост вычислительной мощности смартфона</a:t>
-            </a:r>
-          </a:p>
-          <a:p>
-            <a:r>
-              <a:rPr lang="ru-RU" sz="4400" dirty="0"/>
+              <a:rPr lang="ru-RU" sz="2400" dirty="0"/>
+              <a:t>Рост </a:t>
+            </a:r>
+            <a:r>
+              <a:rPr lang="ru-RU" sz="2400" dirty="0">
+                <a:latin typeface="Arial" panose="020B0604020202020204" pitchFamily="34" charset="0"/>
+                <a:cs typeface="Arial" panose="020B0604020202020204" pitchFamily="34" charset="0"/>
+              </a:rPr>
+              <a:t>вычислительной</a:t>
+            </a:r>
+            <a:r>
+              <a:rPr lang="ru-RU" sz="2400" dirty="0"/>
+              <a:t> мощности смартфона</a:t>
+            </a:r>
+          </a:p>
+          <a:p>
+            <a:r>
+              <a:rPr lang="ru-RU" sz="2400" dirty="0"/>
               <a:t>Внедрение передовых и точных датчиков на смартфон</a:t>
             </a:r>
           </a:p>
           <a:p>
             <a:r>
-              <a:rPr lang="ru-RU" sz="4400" dirty="0"/>
+              <a:rPr lang="ru-RU" sz="2400" dirty="0"/>
               <a:t>Увеличение количества зданий, в которых необходимо вести навигацию</a:t>
             </a:r>
           </a:p>
@@ -13658,6 +15830,53 @@
           <a:xfrm>
             <a:off x="8300826" y="4365104"/>
             <a:ext cx="3358902" cy="1889191"/>
+          </a:xfrm>
+          <a:prstGeom prst="rect">
+            <a:avLst/>
+          </a:prstGeom>
+          <a:noFill/>
+          <a:extLst>
+            <a:ext uri="{909E8E84-426E-40DD-AFC4-6F175D3DCCD1}">
+              <a14:hiddenFill xmlns:a14="http://schemas.microsoft.com/office/drawing/2010/main">
+                <a:solidFill>
+                  <a:srgbClr val="FFFFFF"/>
+                </a:solidFill>
+              </a14:hiddenFill>
+            </a:ext>
+          </a:extLst>
+        </p:spPr>
+      </p:pic>
+      <p:pic>
+        <p:nvPicPr>
+          <p:cNvPr id="2" name="Picture 2">
+            <a:extLst>
+              <a:ext uri="{FF2B5EF4-FFF2-40B4-BE49-F238E27FC236}">
+                <a16:creationId xmlns:a16="http://schemas.microsoft.com/office/drawing/2014/main" id="{512D445D-8D43-493B-9971-8DAADF1606B6}"/>
+              </a:ext>
+            </a:extLst>
+          </p:cNvPr>
+          <p:cNvPicPr>
+            <a:picLocks noChangeAspect="1" noChangeArrowheads="1"/>
+          </p:cNvPicPr>
+          <p:nvPr/>
+        </p:nvPicPr>
+        <p:blipFill>
+          <a:blip r:embed="rId3" cstate="print">
+            <a:extLst>
+              <a:ext uri="{28A0092B-C50C-407E-A947-70E740481C1C}">
+                <a14:useLocalDpi xmlns:a14="http://schemas.microsoft.com/office/drawing/2010/main" val="0"/>
+              </a:ext>
+            </a:extLst>
+          </a:blip>
+          <a:srcRect/>
+          <a:stretch>
+            <a:fillRect/>
+          </a:stretch>
+        </p:blipFill>
+        <p:spPr bwMode="auto">
+          <a:xfrm>
+            <a:off x="8558062" y="2336840"/>
+            <a:ext cx="2844430" cy="1896287"/>
           </a:xfrm>
           <a:prstGeom prst="rect">
             <a:avLst/>
@@ -13748,14 +15967,14 @@
           </a:bodyPr>
           <a:lstStyle/>
           <a:p>
-            <a:pPr algn="just"/>
-            <a:r>
-              <a:rPr lang="ru-RU" sz="2400" b="1" dirty="0"/>
-              <a:t>Цель работы </a:t>
-            </a:r>
+            <a:pPr>
+              <a:spcBef>
+                <a:spcPct val="20000"/>
+              </a:spcBef>
+            </a:pPr>
             <a:r>
               <a:rPr lang="ru-RU" sz="2400" dirty="0"/>
-              <a:t>– разработать навигационную систему, которая будет автономно и независимо от других систем вести навигацию внутри помещений.</a:t>
+              <a:t>Цель работы – разработать навигационную систему, которая будет автономно и независимо от других систем вести навигацию внутри помещений.</a:t>
             </a:r>
           </a:p>
         </p:txBody>
@@ -13767,7 +15986,7 @@
           <p:nvPr>
             <p:extLst>
               <p:ext uri="{D42A27DB-BD31-4B8C-83A1-F6EECF244321}">
-                <p14:modId xmlns:p14="http://schemas.microsoft.com/office/powerpoint/2010/main" val="1134883299"/>
+                <p14:modId xmlns:p14="http://schemas.microsoft.com/office/powerpoint/2010/main" val="4024769430"/>
               </p:ext>
             </p:extLst>
           </p:nvPr>
@@ -13839,12 +16058,15 @@
           </a:bodyPr>
           <a:lstStyle/>
           <a:p>
-            <a:pPr algn="just"/>
-            <a:r>
-              <a:rPr lang="ru-RU" sz="2400" b="1" dirty="0"/>
+            <a:pPr>
+              <a:spcBef>
+                <a:spcPct val="20000"/>
+              </a:spcBef>
+            </a:pPr>
+            <a:r>
+              <a:rPr lang="ru-RU" sz="2400" dirty="0"/>
               <a:t>На защиту выносятся:</a:t>
             </a:r>
-            <a:endParaRPr lang="ru-RU" sz="2400" dirty="0"/>
           </a:p>
         </p:txBody>
       </p:sp>
@@ -13925,13 +16147,13 @@
             <p:ph idx="1"/>
             <p:extLst>
               <p:ext uri="{D42A27DB-BD31-4B8C-83A1-F6EECF244321}">
-                <p14:modId xmlns:p14="http://schemas.microsoft.com/office/powerpoint/2010/main" val="2920676704"/>
+                <p14:modId xmlns:p14="http://schemas.microsoft.com/office/powerpoint/2010/main" val="562162322"/>
               </p:ext>
             </p:extLst>
           </p:nvPr>
         </p:nvGraphicFramePr>
         <p:xfrm>
-          <a:off x="6088443" y="1124744"/>
+          <a:off x="6292792" y="1124744"/>
           <a:ext cx="5017521" cy="5231607"/>
         </p:xfrm>
         <a:graphic>
@@ -14025,8 +16247,8 @@
         </p:nvSpPr>
         <p:spPr>
           <a:xfrm>
-            <a:off x="753989" y="1489482"/>
-            <a:ext cx="5221870" cy="2251065"/>
+            <a:off x="406575" y="1124744"/>
+            <a:ext cx="5598854" cy="1697068"/>
           </a:xfrm>
           <a:prstGeom prst="rect">
             <a:avLst/>
@@ -14044,8 +16266,68 @@
               </a:lnSpc>
             </a:pPr>
             <a:r>
-              <a:rPr lang="ru-RU" sz="2400" b="1" dirty="0"/>
-              <a:t>Навигация – это процесс управления некоторым объектом в определённом пространстве передвижения.</a:t>
+              <a:rPr lang="ru-RU" sz="2400" b="1" dirty="0">
+                <a:latin typeface="Arial" panose="020B0604020202020204" pitchFamily="34" charset="0"/>
+                <a:cs typeface="Arial" panose="020B0604020202020204" pitchFamily="34" charset="0"/>
+              </a:rPr>
+              <a:t>Навигация – </a:t>
+            </a:r>
+            <a:r>
+              <a:rPr lang="ru-RU" sz="2400" dirty="0">
+                <a:latin typeface="Arial" panose="020B0604020202020204" pitchFamily="34" charset="0"/>
+                <a:cs typeface="Arial" panose="020B0604020202020204" pitchFamily="34" charset="0"/>
+              </a:rPr>
+              <a:t>это процесс управления некоторым объектом в определённом пространстве передвижения.</a:t>
+            </a:r>
+          </a:p>
+        </p:txBody>
+      </p:sp>
+      <p:sp>
+        <p:nvSpPr>
+          <p:cNvPr id="8" name="TextBox 7">
+            <a:extLst>
+              <a:ext uri="{FF2B5EF4-FFF2-40B4-BE49-F238E27FC236}">
+                <a16:creationId xmlns:a16="http://schemas.microsoft.com/office/drawing/2014/main" id="{D3E765C5-0F63-4F21-B2AA-360BEEF73683}"/>
+              </a:ext>
+            </a:extLst>
+          </p:cNvPr>
+          <p:cNvSpPr txBox="1"/>
+          <p:nvPr/>
+        </p:nvSpPr>
+        <p:spPr>
+          <a:xfrm>
+            <a:off x="406575" y="3207929"/>
+            <a:ext cx="5598853" cy="3347840"/>
+          </a:xfrm>
+          <a:prstGeom prst="rect">
+            <a:avLst/>
+          </a:prstGeom>
+          <a:noFill/>
+        </p:spPr>
+        <p:txBody>
+          <a:bodyPr wrap="square">
+            <a:spAutoFit/>
+          </a:bodyPr>
+          <a:lstStyle/>
+          <a:p>
+            <a:pPr algn="just">
+              <a:lnSpc>
+                <a:spcPct val="150000"/>
+              </a:lnSpc>
+            </a:pPr>
+            <a:r>
+              <a:rPr lang="ru-RU" sz="2400" b="1" dirty="0">
+                <a:latin typeface="Arial" panose="020B0604020202020204" pitchFamily="34" charset="0"/>
+                <a:cs typeface="Arial" panose="020B0604020202020204" pitchFamily="34" charset="0"/>
+              </a:rPr>
+              <a:t>Навигационная система – </a:t>
+            </a:r>
+            <a:r>
+              <a:rPr lang="ru-RU" sz="2400" dirty="0">
+                <a:latin typeface="Arial" panose="020B0604020202020204" pitchFamily="34" charset="0"/>
+                <a:cs typeface="Arial" panose="020B0604020202020204" pitchFamily="34" charset="0"/>
+              </a:rPr>
+              <a:t>это совокупность приборов, алгоритмов и программного обеспечения, позволяющих произвести ориентирование объекта в пространстве.</a:t>
             </a:r>
           </a:p>
         </p:txBody>
@@ -14104,58 +16386,6 @@
       </p:sp>
       <p:sp>
         <p:nvSpPr>
-          <p:cNvPr id="7" name="TextBox 6"/>
-          <p:cNvSpPr txBox="1"/>
-          <p:nvPr/>
-        </p:nvSpPr>
-        <p:spPr>
-          <a:xfrm>
-            <a:off x="550590" y="908720"/>
-            <a:ext cx="11208508" cy="2251065"/>
-          </a:xfrm>
-          <a:prstGeom prst="rect">
-            <a:avLst/>
-          </a:prstGeom>
-        </p:spPr>
-        <p:txBody>
-          <a:bodyPr wrap="square" rtlCol="0">
-            <a:spAutoFit/>
-          </a:bodyPr>
-          <a:lstStyle/>
-          <a:p>
-            <a:pPr algn="just">
-              <a:lnSpc>
-                <a:spcPct val="150000"/>
-              </a:lnSpc>
-            </a:pPr>
-            <a:r>
-              <a:rPr lang="ru-RU" sz="2400" b="1" dirty="0"/>
-              <a:t>1. </a:t>
-            </a:r>
-            <a:r>
-              <a:rPr lang="ru-RU" sz="2400" dirty="0"/>
-              <a:t>Новый метод навигации по датчикам смартфона, а также трехконтурная архитектура инерциальной навигационной системы для мобильного устройства.</a:t>
-            </a:r>
-          </a:p>
-          <a:p>
-            <a:pPr algn="just">
-              <a:lnSpc>
-                <a:spcPct val="150000"/>
-              </a:lnSpc>
-            </a:pPr>
-            <a:r>
-              <a:rPr lang="ru-RU" sz="2400" b="1" dirty="0"/>
-              <a:t>2. </a:t>
-            </a:r>
-            <a:r>
-              <a:rPr lang="ru-RU" sz="2400" dirty="0"/>
-              <a:t>Алгоритмы функционирования и программное обеспечение автоматизированной системы, реализующие предложенный метод построения маршрута.</a:t>
-            </a:r>
-          </a:p>
-        </p:txBody>
-      </p:sp>
-      <p:sp>
-        <p:nvSpPr>
           <p:cNvPr id="10" name="TextBox 9"/>
           <p:cNvSpPr txBox="1"/>
           <p:nvPr/>
@@ -14256,21 +16486,32 @@
               <a:buNone/>
             </a:pPr>
             <a:r>
-              <a:rPr lang="ru-RU" altLang="ru-RU" sz="2400" b="1" dirty="0"/>
+              <a:rPr lang="ru-RU" altLang="ru-RU" sz="2400" b="1" dirty="0">
+                <a:latin typeface="Arial" panose="020B0604020202020204" pitchFamily="34" charset="0"/>
+                <a:cs typeface="Arial" panose="020B0604020202020204" pitchFamily="34" charset="0"/>
+              </a:rPr>
               <a:t>Практическая ценность работы</a:t>
             </a:r>
             <a:r>
-              <a:rPr lang="ru-RU" altLang="ru-RU" sz="2400" dirty="0"/>
+              <a:rPr lang="ru-RU" altLang="ru-RU" sz="2400" dirty="0">
+                <a:latin typeface="Arial" panose="020B0604020202020204" pitchFamily="34" charset="0"/>
+                <a:cs typeface="Arial" panose="020B0604020202020204" pitchFamily="34" charset="0"/>
+              </a:rPr>
               <a:t> заключается в разработке автоматизированной </a:t>
             </a:r>
             <a:r>
               <a:rPr lang="ru-RU" sz="2400" dirty="0">
                 <a:effectLst/>
+                <a:latin typeface="Arial" panose="020B0604020202020204" pitchFamily="34" charset="0"/>
                 <a:ea typeface="Times New Roman" panose="02020603050405020304" pitchFamily="18" charset="0"/>
+                <a:cs typeface="Arial" panose="020B0604020202020204" pitchFamily="34" charset="0"/>
               </a:rPr>
               <a:t>системы навигации внутри помещений с помощью инерциальной технологии локального позиционирования мобильных устройств, которая может применяться для решения задачи поиска и построения маршрута в помещениях, например, торговые центры.</a:t>
             </a:r>
-            <a:endParaRPr lang="ru-RU" altLang="ru-RU" sz="2400" dirty="0"/>
+            <a:endParaRPr lang="ru-RU" altLang="ru-RU" sz="2400" dirty="0">
+              <a:latin typeface="Arial" panose="020B0604020202020204" pitchFamily="34" charset="0"/>
+              <a:cs typeface="Arial" panose="020B0604020202020204" pitchFamily="34" charset="0"/>
+            </a:endParaRPr>
           </a:p>
         </p:txBody>
       </p:sp>
@@ -14677,8 +16918,8 @@
         </p:nvSpPr>
         <p:spPr>
           <a:xfrm>
-            <a:off x="565620" y="1018787"/>
-            <a:ext cx="2582438" cy="369332"/>
+            <a:off x="808129" y="906156"/>
+            <a:ext cx="2927789" cy="369332"/>
           </a:xfrm>
           <a:prstGeom prst="rect">
             <a:avLst/>
@@ -14691,7 +16932,10 @@
           <a:lstStyle/>
           <a:p>
             <a:r>
-              <a:rPr lang="ru-RU" dirty="0"/>
+              <a:rPr lang="ru-RU" dirty="0">
+                <a:latin typeface="Arial" panose="020B0604020202020204" pitchFamily="34" charset="0"/>
+                <a:cs typeface="Arial" panose="020B0604020202020204" pitchFamily="34" charset="0"/>
+              </a:rPr>
               <a:t>БИНС МЭМС «ГЛ-ВГ110»</a:t>
             </a:r>
           </a:p>
@@ -14776,7 +17020,7 @@
         <p:spPr>
           <a:xfrm>
             <a:off x="226440" y="3973457"/>
-            <a:ext cx="3959477" cy="2308324"/>
+            <a:ext cx="3959477" cy="2585323"/>
           </a:xfrm>
           <a:prstGeom prst="rect">
             <a:avLst/>
@@ -14795,9 +17039,9 @@
             </a:pPr>
             <a:r>
               <a:rPr lang="ru-RU" dirty="0">
-                <a:latin typeface="Times New Roman CYR" panose="02020603050405020304" pitchFamily="18" charset="0"/>
+                <a:latin typeface="Arial" panose="020B0604020202020204" pitchFamily="34" charset="0"/>
                 <a:ea typeface="Calibri" panose="020F0502020204030204" pitchFamily="34" charset="0"/>
-                <a:cs typeface="Times New Roman" panose="02020603050405020304" pitchFamily="18" charset="0"/>
+                <a:cs typeface="Arial" panose="020B0604020202020204" pitchFamily="34" charset="0"/>
               </a:rPr>
               <a:t>Минус этой системы состоит в том, что это отдельный блок, который никак не интегрируешь в телефон и представляет интерес для компаний – разработчиков, интеграторов и производителей навигационного оборудования, систем и комплексов стабилизации и ориентации.</a:t>
             </a:r>
@@ -14819,7 +17063,7 @@
         <p:spPr>
           <a:xfrm>
             <a:off x="5242280" y="906156"/>
-            <a:ext cx="1705852" cy="369332"/>
+            <a:ext cx="1800493" cy="369332"/>
           </a:xfrm>
           <a:prstGeom prst="rect">
             <a:avLst/>
@@ -14832,14 +17076,23 @@
           <a:lstStyle/>
           <a:p>
             <a:r>
-              <a:rPr lang="en-GB" dirty="0" err="1"/>
+              <a:rPr lang="en-GB" dirty="0" err="1">
+                <a:latin typeface="Arial" panose="020B0604020202020204" pitchFamily="34" charset="0"/>
+                <a:cs typeface="Arial" panose="020B0604020202020204" pitchFamily="34" charset="0"/>
+              </a:rPr>
               <a:t>Navigine</a:t>
             </a:r>
             <a:r>
-              <a:rPr lang="en-GB" dirty="0"/>
+              <a:rPr lang="en-GB" dirty="0">
+                <a:latin typeface="Arial" panose="020B0604020202020204" pitchFamily="34" charset="0"/>
+                <a:cs typeface="Arial" panose="020B0604020202020204" pitchFamily="34" charset="0"/>
+              </a:rPr>
               <a:t> Indoor</a:t>
             </a:r>
-            <a:endParaRPr lang="ru-RU" dirty="0"/>
+            <a:endParaRPr lang="ru-RU" dirty="0">
+              <a:latin typeface="Arial" panose="020B0604020202020204" pitchFamily="34" charset="0"/>
+              <a:cs typeface="Arial" panose="020B0604020202020204" pitchFamily="34" charset="0"/>
+            </a:endParaRPr>
           </a:p>
         </p:txBody>
       </p:sp>
@@ -14876,225 +17129,387 @@
               </a:spcAft>
             </a:pPr>
             <a:r>
-              <a:rPr lang="en-GB" dirty="0" err="1"/>
+              <a:rPr lang="en-GB" dirty="0" err="1">
+                <a:latin typeface="Arial" panose="020B0604020202020204" pitchFamily="34" charset="0"/>
+                <a:cs typeface="Arial" panose="020B0604020202020204" pitchFamily="34" charset="0"/>
+              </a:rPr>
               <a:t>Главный</a:t>
             </a:r>
             <a:r>
-              <a:rPr lang="en-GB" dirty="0"/>
+              <a:rPr lang="en-GB" dirty="0">
+                <a:latin typeface="Arial" panose="020B0604020202020204" pitchFamily="34" charset="0"/>
+                <a:cs typeface="Arial" panose="020B0604020202020204" pitchFamily="34" charset="0"/>
+              </a:rPr>
               <a:t> </a:t>
             </a:r>
             <a:r>
-              <a:rPr lang="en-GB" dirty="0" err="1"/>
+              <a:rPr lang="en-GB" dirty="0" err="1">
+                <a:latin typeface="Arial" panose="020B0604020202020204" pitchFamily="34" charset="0"/>
+                <a:cs typeface="Arial" panose="020B0604020202020204" pitchFamily="34" charset="0"/>
+              </a:rPr>
               <a:t>недостаток</a:t>
             </a:r>
             <a:r>
-              <a:rPr lang="en-GB" dirty="0"/>
+              <a:rPr lang="en-GB" dirty="0">
+                <a:latin typeface="Arial" panose="020B0604020202020204" pitchFamily="34" charset="0"/>
+                <a:cs typeface="Arial" panose="020B0604020202020204" pitchFamily="34" charset="0"/>
+              </a:rPr>
               <a:t> </a:t>
             </a:r>
             <a:r>
-              <a:rPr lang="en-GB" dirty="0" err="1"/>
+              <a:rPr lang="en-GB" dirty="0" err="1">
+                <a:latin typeface="Arial" panose="020B0604020202020204" pitchFamily="34" charset="0"/>
+                <a:cs typeface="Arial" panose="020B0604020202020204" pitchFamily="34" charset="0"/>
+              </a:rPr>
               <a:t>системы</a:t>
             </a:r>
             <a:r>
-              <a:rPr lang="en-GB" dirty="0"/>
+              <a:rPr lang="en-GB" dirty="0">
+                <a:latin typeface="Arial" panose="020B0604020202020204" pitchFamily="34" charset="0"/>
+                <a:cs typeface="Arial" panose="020B0604020202020204" pitchFamily="34" charset="0"/>
+              </a:rPr>
               <a:t> </a:t>
             </a:r>
             <a:r>
-              <a:rPr lang="en-GB" dirty="0" err="1"/>
+              <a:rPr lang="en-GB" dirty="0" err="1">
+                <a:latin typeface="Arial" panose="020B0604020202020204" pitchFamily="34" charset="0"/>
+                <a:cs typeface="Arial" panose="020B0604020202020204" pitchFamily="34" charset="0"/>
+              </a:rPr>
               <a:t>заключается</a:t>
             </a:r>
             <a:r>
-              <a:rPr lang="en-GB" dirty="0"/>
+              <a:rPr lang="en-GB" dirty="0">
+                <a:latin typeface="Arial" panose="020B0604020202020204" pitchFamily="34" charset="0"/>
+                <a:cs typeface="Arial" panose="020B0604020202020204" pitchFamily="34" charset="0"/>
+              </a:rPr>
               <a:t> в </a:t>
             </a:r>
             <a:r>
-              <a:rPr lang="en-GB" dirty="0" err="1"/>
+              <a:rPr lang="en-GB" dirty="0" err="1">
+                <a:latin typeface="Arial" panose="020B0604020202020204" pitchFamily="34" charset="0"/>
+                <a:cs typeface="Arial" panose="020B0604020202020204" pitchFamily="34" charset="0"/>
+              </a:rPr>
               <a:t>том</a:t>
             </a:r>
             <a:r>
-              <a:rPr lang="en-GB" dirty="0"/>
+              <a:rPr lang="en-GB" dirty="0">
+                <a:latin typeface="Arial" panose="020B0604020202020204" pitchFamily="34" charset="0"/>
+                <a:cs typeface="Arial" panose="020B0604020202020204" pitchFamily="34" charset="0"/>
+              </a:rPr>
               <a:t>, </a:t>
             </a:r>
             <a:r>
-              <a:rPr lang="en-GB" dirty="0" err="1"/>
+              <a:rPr lang="en-GB" dirty="0" err="1">
+                <a:latin typeface="Arial" panose="020B0604020202020204" pitchFamily="34" charset="0"/>
+                <a:cs typeface="Arial" panose="020B0604020202020204" pitchFamily="34" charset="0"/>
+              </a:rPr>
               <a:t>что</a:t>
             </a:r>
             <a:r>
-              <a:rPr lang="en-GB" dirty="0"/>
+              <a:rPr lang="en-GB" dirty="0">
+                <a:latin typeface="Arial" panose="020B0604020202020204" pitchFamily="34" charset="0"/>
+                <a:cs typeface="Arial" panose="020B0604020202020204" pitchFamily="34" charset="0"/>
+              </a:rPr>
               <a:t> </a:t>
             </a:r>
             <a:r>
-              <a:rPr lang="en-GB" dirty="0" err="1"/>
+              <a:rPr lang="en-GB" dirty="0" err="1">
+                <a:latin typeface="Arial" panose="020B0604020202020204" pitchFamily="34" charset="0"/>
+                <a:cs typeface="Arial" panose="020B0604020202020204" pitchFamily="34" charset="0"/>
+              </a:rPr>
               <a:t>для</a:t>
             </a:r>
             <a:r>
-              <a:rPr lang="en-GB" dirty="0"/>
+              <a:rPr lang="en-GB" dirty="0">
+                <a:latin typeface="Arial" panose="020B0604020202020204" pitchFamily="34" charset="0"/>
+                <a:cs typeface="Arial" panose="020B0604020202020204" pitchFamily="34" charset="0"/>
+              </a:rPr>
               <a:t> </a:t>
             </a:r>
             <a:r>
-              <a:rPr lang="en-GB" dirty="0" err="1"/>
+              <a:rPr lang="en-GB" dirty="0" err="1">
+                <a:latin typeface="Arial" panose="020B0604020202020204" pitchFamily="34" charset="0"/>
+                <a:cs typeface="Arial" panose="020B0604020202020204" pitchFamily="34" charset="0"/>
+              </a:rPr>
               <a:t>навигации</a:t>
             </a:r>
             <a:r>
-              <a:rPr lang="en-GB" dirty="0"/>
+              <a:rPr lang="en-GB" dirty="0">
+                <a:latin typeface="Arial" panose="020B0604020202020204" pitchFamily="34" charset="0"/>
+                <a:cs typeface="Arial" panose="020B0604020202020204" pitchFamily="34" charset="0"/>
+              </a:rPr>
               <a:t> </a:t>
             </a:r>
             <a:r>
-              <a:rPr lang="en-GB" dirty="0" err="1"/>
+              <a:rPr lang="en-GB" dirty="0" err="1">
+                <a:latin typeface="Arial" panose="020B0604020202020204" pitchFamily="34" charset="0"/>
+                <a:cs typeface="Arial" panose="020B0604020202020204" pitchFamily="34" charset="0"/>
+              </a:rPr>
               <a:t>используются</a:t>
             </a:r>
             <a:r>
-              <a:rPr lang="en-GB" dirty="0"/>
+              <a:rPr lang="en-GB" dirty="0">
+                <a:latin typeface="Arial" panose="020B0604020202020204" pitchFamily="34" charset="0"/>
+                <a:cs typeface="Arial" panose="020B0604020202020204" pitchFamily="34" charset="0"/>
+              </a:rPr>
               <a:t> </a:t>
             </a:r>
             <a:r>
-              <a:rPr lang="en-GB" dirty="0" err="1"/>
+              <a:rPr lang="en-GB" dirty="0" err="1">
+                <a:latin typeface="Arial" panose="020B0604020202020204" pitchFamily="34" charset="0"/>
+                <a:cs typeface="Arial" panose="020B0604020202020204" pitchFamily="34" charset="0"/>
+              </a:rPr>
               <a:t>метки</a:t>
             </a:r>
             <a:r>
-              <a:rPr lang="en-GB" dirty="0"/>
+              <a:rPr lang="en-GB" dirty="0">
+                <a:latin typeface="Arial" panose="020B0604020202020204" pitchFamily="34" charset="0"/>
+                <a:cs typeface="Arial" panose="020B0604020202020204" pitchFamily="34" charset="0"/>
+              </a:rPr>
               <a:t>. </a:t>
             </a:r>
             <a:r>
-              <a:rPr lang="en-GB" dirty="0" err="1"/>
+              <a:rPr lang="en-GB" dirty="0" err="1">
+                <a:latin typeface="Arial" panose="020B0604020202020204" pitchFamily="34" charset="0"/>
+                <a:cs typeface="Arial" panose="020B0604020202020204" pitchFamily="34" charset="0"/>
+              </a:rPr>
               <a:t>Там</a:t>
             </a:r>
             <a:r>
-              <a:rPr lang="en-GB" dirty="0"/>
+              <a:rPr lang="en-GB" dirty="0">
+                <a:latin typeface="Arial" panose="020B0604020202020204" pitchFamily="34" charset="0"/>
+                <a:cs typeface="Arial" panose="020B0604020202020204" pitchFamily="34" charset="0"/>
+              </a:rPr>
               <a:t> </a:t>
             </a:r>
             <a:r>
-              <a:rPr lang="en-GB" dirty="0" err="1"/>
+              <a:rPr lang="en-GB" dirty="0" err="1">
+                <a:latin typeface="Arial" panose="020B0604020202020204" pitchFamily="34" charset="0"/>
+                <a:cs typeface="Arial" panose="020B0604020202020204" pitchFamily="34" charset="0"/>
+              </a:rPr>
               <a:t>где</a:t>
             </a:r>
             <a:r>
-              <a:rPr lang="en-GB" dirty="0"/>
+              <a:rPr lang="en-GB" dirty="0">
+                <a:latin typeface="Arial" panose="020B0604020202020204" pitchFamily="34" charset="0"/>
+                <a:cs typeface="Arial" panose="020B0604020202020204" pitchFamily="34" charset="0"/>
+              </a:rPr>
               <a:t> </a:t>
             </a:r>
             <a:r>
-              <a:rPr lang="en-GB" dirty="0" err="1"/>
+              <a:rPr lang="en-GB" dirty="0" err="1">
+                <a:latin typeface="Arial" panose="020B0604020202020204" pitchFamily="34" charset="0"/>
+                <a:cs typeface="Arial" panose="020B0604020202020204" pitchFamily="34" charset="0"/>
+              </a:rPr>
               <a:t>заканчиваются</a:t>
             </a:r>
             <a:r>
-              <a:rPr lang="en-GB" dirty="0"/>
+              <a:rPr lang="en-GB" dirty="0">
+                <a:latin typeface="Arial" panose="020B0604020202020204" pitchFamily="34" charset="0"/>
+                <a:cs typeface="Arial" panose="020B0604020202020204" pitchFamily="34" charset="0"/>
+              </a:rPr>
               <a:t> </a:t>
             </a:r>
             <a:r>
-              <a:rPr lang="en-GB" dirty="0" err="1"/>
+              <a:rPr lang="en-GB" dirty="0" err="1">
+                <a:latin typeface="Arial" panose="020B0604020202020204" pitchFamily="34" charset="0"/>
+                <a:cs typeface="Arial" panose="020B0604020202020204" pitchFamily="34" charset="0"/>
+              </a:rPr>
               <a:t>метки</a:t>
             </a:r>
             <a:r>
-              <a:rPr lang="en-GB" dirty="0"/>
+              <a:rPr lang="en-GB" dirty="0">
+                <a:latin typeface="Arial" panose="020B0604020202020204" pitchFamily="34" charset="0"/>
+                <a:cs typeface="Arial" panose="020B0604020202020204" pitchFamily="34" charset="0"/>
+              </a:rPr>
               <a:t>, </a:t>
             </a:r>
             <a:r>
-              <a:rPr lang="en-GB" dirty="0" err="1"/>
+              <a:rPr lang="en-GB" dirty="0" err="1">
+                <a:latin typeface="Arial" panose="020B0604020202020204" pitchFamily="34" charset="0"/>
+                <a:cs typeface="Arial" panose="020B0604020202020204" pitchFamily="34" charset="0"/>
+              </a:rPr>
               <a:t>заканчивается</a:t>
             </a:r>
             <a:r>
-              <a:rPr lang="en-GB" dirty="0"/>
+              <a:rPr lang="en-GB" dirty="0">
+                <a:latin typeface="Arial" panose="020B0604020202020204" pitchFamily="34" charset="0"/>
+                <a:cs typeface="Arial" panose="020B0604020202020204" pitchFamily="34" charset="0"/>
+              </a:rPr>
               <a:t>, и </a:t>
             </a:r>
             <a:r>
-              <a:rPr lang="en-GB" dirty="0" err="1"/>
+              <a:rPr lang="en-GB" dirty="0" err="1">
+                <a:latin typeface="Arial" panose="020B0604020202020204" pitchFamily="34" charset="0"/>
+                <a:cs typeface="Arial" panose="020B0604020202020204" pitchFamily="34" charset="0"/>
+              </a:rPr>
               <a:t>определятся</a:t>
             </a:r>
             <a:r>
-              <a:rPr lang="en-GB" dirty="0"/>
+              <a:rPr lang="en-GB" dirty="0">
+                <a:latin typeface="Arial" panose="020B0604020202020204" pitchFamily="34" charset="0"/>
+                <a:cs typeface="Arial" panose="020B0604020202020204" pitchFamily="34" charset="0"/>
+              </a:rPr>
               <a:t> </a:t>
             </a:r>
             <a:r>
-              <a:rPr lang="en-GB" dirty="0" err="1"/>
+              <a:rPr lang="en-GB" dirty="0" err="1">
+                <a:latin typeface="Arial" panose="020B0604020202020204" pitchFamily="34" charset="0"/>
+                <a:cs typeface="Arial" panose="020B0604020202020204" pitchFamily="34" charset="0"/>
+              </a:rPr>
               <a:t>местоположение</a:t>
             </a:r>
             <a:r>
-              <a:rPr lang="en-GB" dirty="0"/>
+              <a:rPr lang="en-GB" dirty="0">
+                <a:latin typeface="Arial" panose="020B0604020202020204" pitchFamily="34" charset="0"/>
+                <a:cs typeface="Arial" panose="020B0604020202020204" pitchFamily="34" charset="0"/>
+              </a:rPr>
               <a:t>. </a:t>
             </a:r>
             <a:r>
-              <a:rPr lang="en-GB" dirty="0" err="1"/>
+              <a:rPr lang="en-GB" dirty="0" err="1">
+                <a:latin typeface="Arial" panose="020B0604020202020204" pitchFamily="34" charset="0"/>
+                <a:cs typeface="Arial" panose="020B0604020202020204" pitchFamily="34" charset="0"/>
+              </a:rPr>
               <a:t>Данный</a:t>
             </a:r>
             <a:r>
-              <a:rPr lang="en-GB" dirty="0"/>
+              <a:rPr lang="en-GB" dirty="0">
+                <a:latin typeface="Arial" panose="020B0604020202020204" pitchFamily="34" charset="0"/>
+                <a:cs typeface="Arial" panose="020B0604020202020204" pitchFamily="34" charset="0"/>
+              </a:rPr>
               <a:t> </a:t>
             </a:r>
             <a:r>
-              <a:rPr lang="en-GB" dirty="0" err="1"/>
+              <a:rPr lang="en-GB" dirty="0" err="1">
+                <a:latin typeface="Arial" panose="020B0604020202020204" pitchFamily="34" charset="0"/>
+                <a:cs typeface="Arial" panose="020B0604020202020204" pitchFamily="34" charset="0"/>
+              </a:rPr>
               <a:t>метод</a:t>
             </a:r>
             <a:r>
-              <a:rPr lang="en-GB" dirty="0"/>
+              <a:rPr lang="en-GB" dirty="0">
+                <a:latin typeface="Arial" panose="020B0604020202020204" pitchFamily="34" charset="0"/>
+                <a:cs typeface="Arial" panose="020B0604020202020204" pitchFamily="34" charset="0"/>
+              </a:rPr>
               <a:t> </a:t>
             </a:r>
             <a:r>
-              <a:rPr lang="en-GB" dirty="0" err="1"/>
+              <a:rPr lang="en-GB" dirty="0" err="1">
+                <a:latin typeface="Arial" panose="020B0604020202020204" pitchFamily="34" charset="0"/>
+                <a:cs typeface="Arial" panose="020B0604020202020204" pitchFamily="34" charset="0"/>
+              </a:rPr>
               <a:t>не</a:t>
             </a:r>
             <a:r>
-              <a:rPr lang="en-GB" dirty="0"/>
+              <a:rPr lang="en-GB" dirty="0">
+                <a:latin typeface="Arial" panose="020B0604020202020204" pitchFamily="34" charset="0"/>
+                <a:cs typeface="Arial" panose="020B0604020202020204" pitchFamily="34" charset="0"/>
+              </a:rPr>
               <a:t> </a:t>
             </a:r>
             <a:r>
-              <a:rPr lang="en-GB" dirty="0" err="1"/>
+              <a:rPr lang="en-GB" dirty="0" err="1">
+                <a:latin typeface="Arial" panose="020B0604020202020204" pitchFamily="34" charset="0"/>
+                <a:cs typeface="Arial" panose="020B0604020202020204" pitchFamily="34" charset="0"/>
+              </a:rPr>
               <a:t>подходит</a:t>
             </a:r>
             <a:r>
-              <a:rPr lang="en-GB" dirty="0"/>
+              <a:rPr lang="en-GB" dirty="0">
+                <a:latin typeface="Arial" panose="020B0604020202020204" pitchFamily="34" charset="0"/>
+                <a:cs typeface="Arial" panose="020B0604020202020204" pitchFamily="34" charset="0"/>
+              </a:rPr>
               <a:t>, </a:t>
             </a:r>
             <a:r>
-              <a:rPr lang="en-GB" dirty="0" err="1"/>
+              <a:rPr lang="en-GB" dirty="0" err="1">
+                <a:latin typeface="Arial" panose="020B0604020202020204" pitchFamily="34" charset="0"/>
+                <a:cs typeface="Arial" panose="020B0604020202020204" pitchFamily="34" charset="0"/>
+              </a:rPr>
               <a:t>если</a:t>
             </a:r>
             <a:r>
-              <a:rPr lang="en-GB" dirty="0"/>
+              <a:rPr lang="en-GB" dirty="0">
+                <a:latin typeface="Arial" panose="020B0604020202020204" pitchFamily="34" charset="0"/>
+                <a:cs typeface="Arial" panose="020B0604020202020204" pitchFamily="34" charset="0"/>
+              </a:rPr>
               <a:t> </a:t>
             </a:r>
             <a:r>
-              <a:rPr lang="en-GB" dirty="0" err="1"/>
+              <a:rPr lang="en-GB" dirty="0" err="1">
+                <a:latin typeface="Arial" panose="020B0604020202020204" pitchFamily="34" charset="0"/>
+                <a:cs typeface="Arial" panose="020B0604020202020204" pitchFamily="34" charset="0"/>
+              </a:rPr>
               <a:t>осуществлять</a:t>
             </a:r>
             <a:r>
-              <a:rPr lang="en-GB" dirty="0"/>
+              <a:rPr lang="en-GB" dirty="0">
+                <a:latin typeface="Arial" panose="020B0604020202020204" pitchFamily="34" charset="0"/>
+                <a:cs typeface="Arial" panose="020B0604020202020204" pitchFamily="34" charset="0"/>
+              </a:rPr>
               <a:t> </a:t>
             </a:r>
             <a:r>
-              <a:rPr lang="en-GB" dirty="0" err="1"/>
+              <a:rPr lang="en-GB" dirty="0" err="1">
+                <a:latin typeface="Arial" panose="020B0604020202020204" pitchFamily="34" charset="0"/>
+                <a:cs typeface="Arial" panose="020B0604020202020204" pitchFamily="34" charset="0"/>
+              </a:rPr>
               <a:t>навигацию</a:t>
             </a:r>
             <a:r>
-              <a:rPr lang="en-GB" dirty="0"/>
+              <a:rPr lang="en-GB" dirty="0">
+                <a:latin typeface="Arial" panose="020B0604020202020204" pitchFamily="34" charset="0"/>
+                <a:cs typeface="Arial" panose="020B0604020202020204" pitchFamily="34" charset="0"/>
+              </a:rPr>
               <a:t> в </a:t>
             </a:r>
             <a:r>
-              <a:rPr lang="en-GB" dirty="0" err="1"/>
+              <a:rPr lang="en-GB" dirty="0" err="1">
+                <a:latin typeface="Arial" panose="020B0604020202020204" pitchFamily="34" charset="0"/>
+                <a:cs typeface="Arial" panose="020B0604020202020204" pitchFamily="34" charset="0"/>
+              </a:rPr>
               <a:t>любой</a:t>
             </a:r>
             <a:r>
-              <a:rPr lang="en-GB" dirty="0"/>
+              <a:rPr lang="en-GB" dirty="0">
+                <a:latin typeface="Arial" panose="020B0604020202020204" pitchFamily="34" charset="0"/>
+                <a:cs typeface="Arial" panose="020B0604020202020204" pitchFamily="34" charset="0"/>
+              </a:rPr>
               <a:t> </a:t>
             </a:r>
             <a:r>
-              <a:rPr lang="en-GB" dirty="0" err="1"/>
+              <a:rPr lang="en-GB" dirty="0" err="1">
+                <a:latin typeface="Arial" panose="020B0604020202020204" pitchFamily="34" charset="0"/>
+                <a:cs typeface="Arial" panose="020B0604020202020204" pitchFamily="34" charset="0"/>
+              </a:rPr>
               <a:t>точке</a:t>
             </a:r>
             <a:r>
-              <a:rPr lang="en-GB" dirty="0"/>
+              <a:rPr lang="en-GB" dirty="0">
+                <a:latin typeface="Arial" panose="020B0604020202020204" pitchFamily="34" charset="0"/>
+                <a:cs typeface="Arial" panose="020B0604020202020204" pitchFamily="34" charset="0"/>
+              </a:rPr>
               <a:t> </a:t>
             </a:r>
             <a:r>
-              <a:rPr lang="en-GB" dirty="0" err="1"/>
+              <a:rPr lang="en-GB" dirty="0" err="1">
+                <a:latin typeface="Arial" panose="020B0604020202020204" pitchFamily="34" charset="0"/>
+                <a:cs typeface="Arial" panose="020B0604020202020204" pitchFamily="34" charset="0"/>
+              </a:rPr>
               <a:t>мира</a:t>
             </a:r>
             <a:r>
-              <a:rPr lang="en-GB" dirty="0"/>
+              <a:rPr lang="en-GB" dirty="0">
+                <a:latin typeface="Arial" panose="020B0604020202020204" pitchFamily="34" charset="0"/>
+                <a:cs typeface="Arial" panose="020B0604020202020204" pitchFamily="34" charset="0"/>
+              </a:rPr>
               <a:t>.</a:t>
             </a:r>
             <a:endParaRPr lang="ru-RU" dirty="0">
-              <a:latin typeface="Times New Roman CYR" panose="02020603050405020304" pitchFamily="18" charset="0"/>
+              <a:latin typeface="Arial" panose="020B0604020202020204" pitchFamily="34" charset="0"/>
               <a:ea typeface="Calibri" panose="020F0502020204030204" pitchFamily="34" charset="0"/>
-              <a:cs typeface="Times New Roman" panose="02020603050405020304" pitchFamily="18" charset="0"/>
+              <a:cs typeface="Arial" panose="020B0604020202020204" pitchFamily="34" charset="0"/>
             </a:endParaRPr>
           </a:p>
         </p:txBody>
@@ -15152,8 +17567,8 @@
         </p:nvSpPr>
         <p:spPr>
           <a:xfrm>
-            <a:off x="8640451" y="834121"/>
-            <a:ext cx="1609543" cy="369332"/>
+            <a:off x="8571041" y="906156"/>
+            <a:ext cx="1800493" cy="369332"/>
           </a:xfrm>
           <a:prstGeom prst="rect">
             <a:avLst/>
@@ -15165,12 +17580,18 @@
           </a:bodyPr>
           <a:lstStyle/>
           <a:p>
-            <a:pPr lvl="2"/>
-            <a:r>
-              <a:rPr lang="en-US" dirty="0" err="1"/>
+            <a:pPr lvl="2" algn="ctr"/>
+            <a:r>
+              <a:rPr lang="en-US" dirty="0" err="1">
+                <a:latin typeface="Arial" panose="020B0604020202020204" pitchFamily="34" charset="0"/>
+                <a:cs typeface="Arial" panose="020B0604020202020204" pitchFamily="34" charset="0"/>
+              </a:rPr>
               <a:t>DaRe</a:t>
             </a:r>
-            <a:endParaRPr lang="ru-RU" dirty="0"/>
+            <a:endParaRPr lang="ru-RU" dirty="0">
+              <a:latin typeface="Arial" panose="020B0604020202020204" pitchFamily="34" charset="0"/>
+              <a:cs typeface="Arial" panose="020B0604020202020204" pitchFamily="34" charset="0"/>
+            </a:endParaRPr>
           </a:p>
         </p:txBody>
       </p:sp>
@@ -15202,7 +17623,10 @@
           <a:lstStyle/>
           <a:p>
             <a:r>
-              <a:rPr lang="ru-RU" dirty="0"/>
+              <a:rPr lang="ru-RU" dirty="0">
+                <a:latin typeface="Arial" panose="020B0604020202020204" pitchFamily="34" charset="0"/>
+                <a:cs typeface="Arial" panose="020B0604020202020204" pitchFamily="34" charset="0"/>
+              </a:rPr>
               <a:t>К недостаткам данной системы необходимо отнести датчик обуви. Потому что это очень неудобно и не практично, так как отдельный датчик это повышение стоимости и сложности системы.</a:t>
             </a:r>
           </a:p>
@@ -15303,96 +17727,11 @@
               <a:buNone/>
             </a:pPr>
             <a:r>
-              <a:rPr lang="en-GB" sz="2400" dirty="0"/>
-              <a:t>Акселерометр – </a:t>
-            </a:r>
-            <a:r>
-              <a:rPr lang="en-GB" sz="2400" dirty="0" err="1"/>
-              <a:t>это</a:t>
-            </a:r>
-            <a:r>
-              <a:rPr lang="en-GB" sz="2400" dirty="0"/>
-              <a:t> </a:t>
-            </a:r>
-            <a:r>
-              <a:rPr lang="en-GB" sz="2400" dirty="0" err="1"/>
-              <a:t>устройство</a:t>
-            </a:r>
-            <a:r>
-              <a:rPr lang="en-GB" sz="2400" dirty="0"/>
-              <a:t>, </a:t>
-            </a:r>
-            <a:r>
-              <a:rPr lang="en-GB" sz="2400" dirty="0" err="1"/>
-              <a:t>измеряющее</a:t>
-            </a:r>
-            <a:r>
-              <a:rPr lang="en-GB" sz="2400" dirty="0"/>
-              <a:t> </a:t>
-            </a:r>
-            <a:r>
-              <a:rPr lang="en-GB" sz="2400" dirty="0" err="1"/>
-              <a:t>проекцию</a:t>
-            </a:r>
-            <a:r>
-              <a:rPr lang="en-GB" sz="2400" dirty="0"/>
-              <a:t> </a:t>
-            </a:r>
-            <a:r>
-              <a:rPr lang="en-GB" sz="2400" dirty="0" err="1"/>
-              <a:t>кажущегося</a:t>
-            </a:r>
-            <a:r>
-              <a:rPr lang="en-GB" sz="2400" dirty="0"/>
-              <a:t> </a:t>
-            </a:r>
-            <a:r>
-              <a:rPr lang="en-GB" sz="2400" dirty="0" err="1"/>
-              <a:t>ускорения</a:t>
-            </a:r>
-            <a:r>
-              <a:rPr lang="en-GB" sz="2400" dirty="0"/>
-              <a:t> </a:t>
-            </a:r>
-            <a:r>
-              <a:rPr lang="en-GB" sz="2400" dirty="0" err="1"/>
-              <a:t>на</a:t>
-            </a:r>
-            <a:r>
-              <a:rPr lang="en-GB" sz="2400" dirty="0"/>
-              <a:t> </a:t>
-            </a:r>
-            <a:r>
-              <a:rPr lang="en-GB" sz="2400" dirty="0" err="1"/>
-              <a:t>одну</a:t>
-            </a:r>
-            <a:r>
-              <a:rPr lang="en-GB" sz="2400" dirty="0"/>
-              <a:t> </a:t>
-            </a:r>
-            <a:r>
-              <a:rPr lang="en-GB" sz="2400" dirty="0" err="1"/>
-              <a:t>или</a:t>
-            </a:r>
-            <a:r>
-              <a:rPr lang="en-GB" sz="2400" dirty="0"/>
-              <a:t> </a:t>
-            </a:r>
-            <a:r>
-              <a:rPr lang="en-GB" sz="2400" dirty="0" err="1"/>
-              <a:t>несколько</a:t>
-            </a:r>
-            <a:r>
-              <a:rPr lang="en-GB" sz="2400" dirty="0"/>
-              <a:t> </a:t>
-            </a:r>
-            <a:r>
-              <a:rPr lang="en-GB" sz="2400" dirty="0" err="1"/>
-              <a:t>осей</a:t>
-            </a:r>
-            <a:r>
-              <a:rPr lang="ru-RU" sz="2400" dirty="0"/>
-              <a:t>.</a:t>
+              <a:rPr lang="ru-RU" sz="2000" dirty="0">
+                <a:latin typeface="Arial" panose="020B0604020202020204" pitchFamily="34" charset="0"/>
+                <a:cs typeface="Arial" panose="020B0604020202020204" pitchFamily="34" charset="0"/>
+              </a:rPr>
+              <a:t>Акселерометр – это устройство, измеряющее проекцию кажущегося ускорения на одну или несколько осей.</a:t>
             </a:r>
           </a:p>
         </p:txBody>
@@ -15637,7 +17976,10 @@
               <a:buNone/>
             </a:pPr>
             <a:r>
-              <a:rPr lang="ru-RU" sz="2400" dirty="0"/>
+              <a:rPr lang="ru-RU" sz="2000" dirty="0">
+                <a:latin typeface="Arial" panose="020B0604020202020204" pitchFamily="34" charset="0"/>
+                <a:cs typeface="Arial" panose="020B0604020202020204" pitchFamily="34" charset="0"/>
+              </a:rPr>
               <a:t>Датчики Холла (или датчики положения) – это чувствительные элементы, реагирующие на величину воздействующего на них магнитного поля.</a:t>
             </a:r>
           </a:p>
@@ -15658,7 +18000,7 @@
         <p:spPr>
           <a:xfrm>
             <a:off x="4344146" y="940539"/>
-            <a:ext cx="3551632" cy="2308324"/>
+            <a:ext cx="3551632" cy="1631216"/>
           </a:xfrm>
           <a:prstGeom prst="rect">
             <a:avLst/>
@@ -15671,153 +18013,17 @@
           <a:lstStyle/>
           <a:p>
             <a:r>
-              <a:rPr lang="en-GB" sz="2400" dirty="0" err="1">
-                <a:latin typeface="Times New Roman" panose="02020603050405020304" pitchFamily="18" charset="0"/>
+              <a:rPr lang="ru-RU" sz="2000" dirty="0">
+                <a:latin typeface="Arial" panose="020B0604020202020204" pitchFamily="34" charset="0"/>
                 <a:ea typeface="Times New Roman" panose="02020603050405020304" pitchFamily="18" charset="0"/>
+                <a:cs typeface="Arial" panose="020B0604020202020204" pitchFamily="34" charset="0"/>
               </a:rPr>
-              <a:t>Гироскоп</a:t>
-            </a:r>
-            <a:r>
-              <a:rPr lang="en-GB" sz="2400" dirty="0">
-                <a:latin typeface="Times New Roman" panose="02020603050405020304" pitchFamily="18" charset="0"/>
-                <a:ea typeface="Times New Roman" panose="02020603050405020304" pitchFamily="18" charset="0"/>
-              </a:rPr>
-              <a:t> в </a:t>
-            </a:r>
-            <a:r>
-              <a:rPr lang="en-GB" sz="2400" dirty="0" err="1">
-                <a:latin typeface="Times New Roman" panose="02020603050405020304" pitchFamily="18" charset="0"/>
-                <a:ea typeface="Times New Roman" panose="02020603050405020304" pitchFamily="18" charset="0"/>
-              </a:rPr>
-              <a:t>телефоне</a:t>
-            </a:r>
-            <a:r>
-              <a:rPr lang="en-GB" sz="2400" dirty="0">
-                <a:latin typeface="Times New Roman" panose="02020603050405020304" pitchFamily="18" charset="0"/>
-                <a:ea typeface="Times New Roman" panose="02020603050405020304" pitchFamily="18" charset="0"/>
-              </a:rPr>
-              <a:t> – </a:t>
-            </a:r>
-            <a:r>
-              <a:rPr lang="en-GB" sz="2400" dirty="0" err="1">
-                <a:latin typeface="Times New Roman" panose="02020603050405020304" pitchFamily="18" charset="0"/>
-                <a:ea typeface="Times New Roman" panose="02020603050405020304" pitchFamily="18" charset="0"/>
-              </a:rPr>
-              <a:t>это</a:t>
-            </a:r>
-            <a:r>
-              <a:rPr lang="en-GB" sz="2400" dirty="0">
-                <a:latin typeface="Times New Roman" panose="02020603050405020304" pitchFamily="18" charset="0"/>
-                <a:ea typeface="Times New Roman" panose="02020603050405020304" pitchFamily="18" charset="0"/>
-              </a:rPr>
-              <a:t> </a:t>
-            </a:r>
-            <a:r>
-              <a:rPr lang="en-GB" sz="2400" dirty="0" err="1">
-                <a:latin typeface="Times New Roman" panose="02020603050405020304" pitchFamily="18" charset="0"/>
-                <a:ea typeface="Times New Roman" panose="02020603050405020304" pitchFamily="18" charset="0"/>
-              </a:rPr>
-              <a:t>специальный</a:t>
-            </a:r>
-            <a:r>
-              <a:rPr lang="en-GB" sz="2400" dirty="0">
-                <a:latin typeface="Times New Roman" panose="02020603050405020304" pitchFamily="18" charset="0"/>
-                <a:ea typeface="Times New Roman" panose="02020603050405020304" pitchFamily="18" charset="0"/>
-              </a:rPr>
-              <a:t> </a:t>
-            </a:r>
-            <a:r>
-              <a:rPr lang="en-GB" sz="2400" dirty="0" err="1">
-                <a:latin typeface="Times New Roman" panose="02020603050405020304" pitchFamily="18" charset="0"/>
-                <a:ea typeface="Times New Roman" panose="02020603050405020304" pitchFamily="18" charset="0"/>
-              </a:rPr>
-              <a:t>датчик</a:t>
-            </a:r>
-            <a:r>
-              <a:rPr lang="en-GB" sz="2400" dirty="0">
-                <a:latin typeface="Times New Roman" panose="02020603050405020304" pitchFamily="18" charset="0"/>
-                <a:ea typeface="Times New Roman" panose="02020603050405020304" pitchFamily="18" charset="0"/>
-              </a:rPr>
-              <a:t>, </a:t>
-            </a:r>
-            <a:r>
-              <a:rPr lang="en-GB" sz="2400" dirty="0" err="1">
-                <a:latin typeface="Times New Roman" panose="02020603050405020304" pitchFamily="18" charset="0"/>
-                <a:ea typeface="Times New Roman" panose="02020603050405020304" pitchFamily="18" charset="0"/>
-              </a:rPr>
-              <a:t>предназначенный</a:t>
-            </a:r>
-            <a:r>
-              <a:rPr lang="en-GB" sz="2400" dirty="0">
-                <a:latin typeface="Times New Roman" panose="02020603050405020304" pitchFamily="18" charset="0"/>
-                <a:ea typeface="Times New Roman" panose="02020603050405020304" pitchFamily="18" charset="0"/>
-              </a:rPr>
-              <a:t> </a:t>
-            </a:r>
-            <a:r>
-              <a:rPr lang="en-GB" sz="2400" dirty="0" err="1">
-                <a:latin typeface="Times New Roman" panose="02020603050405020304" pitchFamily="18" charset="0"/>
-                <a:ea typeface="Times New Roman" panose="02020603050405020304" pitchFamily="18" charset="0"/>
-              </a:rPr>
-              <a:t>для</a:t>
-            </a:r>
-            <a:r>
-              <a:rPr lang="en-GB" sz="2400" dirty="0">
-                <a:latin typeface="Times New Roman" panose="02020603050405020304" pitchFamily="18" charset="0"/>
-                <a:ea typeface="Times New Roman" panose="02020603050405020304" pitchFamily="18" charset="0"/>
-              </a:rPr>
-              <a:t> </a:t>
-            </a:r>
-            <a:r>
-              <a:rPr lang="en-GB" sz="2400" dirty="0" err="1">
-                <a:latin typeface="Times New Roman" panose="02020603050405020304" pitchFamily="18" charset="0"/>
-                <a:ea typeface="Times New Roman" panose="02020603050405020304" pitchFamily="18" charset="0"/>
-              </a:rPr>
-              <a:t>определения</a:t>
-            </a:r>
-            <a:r>
-              <a:rPr lang="en-GB" sz="2400" dirty="0">
-                <a:latin typeface="Times New Roman" panose="02020603050405020304" pitchFamily="18" charset="0"/>
-                <a:ea typeface="Times New Roman" panose="02020603050405020304" pitchFamily="18" charset="0"/>
-              </a:rPr>
-              <a:t> </a:t>
-            </a:r>
-            <a:r>
-              <a:rPr lang="en-GB" sz="2400" dirty="0" err="1">
-                <a:latin typeface="Times New Roman" panose="02020603050405020304" pitchFamily="18" charset="0"/>
-                <a:ea typeface="Times New Roman" panose="02020603050405020304" pitchFamily="18" charset="0"/>
-              </a:rPr>
-              <a:t>положения</a:t>
-            </a:r>
-            <a:r>
-              <a:rPr lang="en-GB" sz="2400" dirty="0">
-                <a:latin typeface="Times New Roman" panose="02020603050405020304" pitchFamily="18" charset="0"/>
-                <a:ea typeface="Times New Roman" panose="02020603050405020304" pitchFamily="18" charset="0"/>
-              </a:rPr>
-              <a:t> </a:t>
-            </a:r>
-            <a:r>
-              <a:rPr lang="en-GB" sz="2400" dirty="0" err="1">
-                <a:latin typeface="Times New Roman" panose="02020603050405020304" pitchFamily="18" charset="0"/>
-                <a:ea typeface="Times New Roman" panose="02020603050405020304" pitchFamily="18" charset="0"/>
-              </a:rPr>
-              <a:t>устройства</a:t>
-            </a:r>
-            <a:r>
-              <a:rPr lang="en-GB" sz="2400" dirty="0">
-                <a:latin typeface="Times New Roman" panose="02020603050405020304" pitchFamily="18" charset="0"/>
-                <a:ea typeface="Times New Roman" panose="02020603050405020304" pitchFamily="18" charset="0"/>
-              </a:rPr>
-              <a:t> в </a:t>
-            </a:r>
-            <a:r>
-              <a:rPr lang="en-GB" sz="2400" dirty="0" err="1">
-                <a:latin typeface="Times New Roman" panose="02020603050405020304" pitchFamily="18" charset="0"/>
-                <a:ea typeface="Times New Roman" panose="02020603050405020304" pitchFamily="18" charset="0"/>
-              </a:rPr>
-              <a:t>пространстве</a:t>
-            </a:r>
-            <a:endParaRPr lang="ru-RU" sz="2400" dirty="0"/>
+              <a:t>Гироскоп в телефоне – это специальный датчик, предназначенный для определения положения устройства в пространстве.</a:t>
+            </a:r>
+            <a:endParaRPr lang="ru-RU" sz="2000" dirty="0">
+              <a:latin typeface="Arial" panose="020B0604020202020204" pitchFamily="34" charset="0"/>
+              <a:cs typeface="Arial" panose="020B0604020202020204" pitchFamily="34" charset="0"/>
+            </a:endParaRPr>
           </a:p>
         </p:txBody>
       </p:sp>
@@ -15850,7 +18056,7 @@
         </p:blipFill>
         <p:spPr bwMode="auto">
           <a:xfrm>
-            <a:off x="8471470" y="3505631"/>
+            <a:off x="8736463" y="2850482"/>
             <a:ext cx="2971800" cy="2952750"/>
           </a:xfrm>
           <a:prstGeom prst="rect">
@@ -15897,7 +18103,7 @@
         </p:blipFill>
         <p:spPr bwMode="auto">
           <a:xfrm>
-            <a:off x="406574" y="3530801"/>
+            <a:off x="406574" y="2945732"/>
             <a:ext cx="7620000" cy="2762250"/>
           </a:xfrm>
           <a:prstGeom prst="rect">

--- a/Mavlyutov_V_D_prezentatsia.pptx
+++ b/Mavlyutov_V_D_prezentatsia.pptx
@@ -5,26 +5,24 @@
     <p:sldMasterId id="2147483648" r:id="rId1"/>
   </p:sldMasterIdLst>
   <p:notesMasterIdLst>
-    <p:notesMasterId r:id="rId19"/>
+    <p:notesMasterId r:id="rId17"/>
   </p:notesMasterIdLst>
   <p:sldIdLst>
     <p:sldId id="260" r:id="rId2"/>
     <p:sldId id="259" r:id="rId3"/>
     <p:sldId id="257" r:id="rId4"/>
-    <p:sldId id="275" r:id="rId5"/>
-    <p:sldId id="272" r:id="rId6"/>
-    <p:sldId id="271" r:id="rId7"/>
+    <p:sldId id="272" r:id="rId5"/>
+    <p:sldId id="275" r:id="rId6"/>
+    <p:sldId id="258" r:id="rId7"/>
     <p:sldId id="261" r:id="rId8"/>
-    <p:sldId id="258" r:id="rId9"/>
-    <p:sldId id="273" r:id="rId10"/>
-    <p:sldId id="276" r:id="rId11"/>
-    <p:sldId id="274" r:id="rId12"/>
-    <p:sldId id="266" r:id="rId13"/>
-    <p:sldId id="277" r:id="rId14"/>
-    <p:sldId id="263" r:id="rId15"/>
-    <p:sldId id="270" r:id="rId16"/>
-    <p:sldId id="268" r:id="rId17"/>
-    <p:sldId id="267" r:id="rId18"/>
+    <p:sldId id="277" r:id="rId9"/>
+    <p:sldId id="263" r:id="rId10"/>
+    <p:sldId id="266" r:id="rId11"/>
+    <p:sldId id="271" r:id="rId12"/>
+    <p:sldId id="274" r:id="rId13"/>
+    <p:sldId id="270" r:id="rId14"/>
+    <p:sldId id="268" r:id="rId15"/>
+    <p:sldId id="267" r:id="rId16"/>
   </p:sldIdLst>
   <p:sldSz cx="12190413" cy="6858000"/>
   <p:notesSz cx="6858000" cy="9144000"/>
@@ -1676,12 +1674,22 @@
           <a:r>
             <a:rPr lang="ru-RU" sz="2400" dirty="0">
               <a:solidFill>
+                <a:srgbClr val="FF0000"/>
+              </a:solidFill>
+              <a:latin typeface="Arial" panose="020B0604020202020204" pitchFamily="34" charset="0"/>
+              <a:cs typeface="Arial" panose="020B0604020202020204" pitchFamily="34" charset="0"/>
+            </a:rPr>
+            <a:t>новый метод навигации </a:t>
+          </a:r>
+          <a:r>
+            <a:rPr lang="ru-RU" sz="2400" dirty="0">
+              <a:solidFill>
                 <a:schemeClr val="tx1"/>
               </a:solidFill>
               <a:latin typeface="Arial" panose="020B0604020202020204" pitchFamily="34" charset="0"/>
               <a:cs typeface="Arial" panose="020B0604020202020204" pitchFamily="34" charset="0"/>
             </a:rPr>
-            <a:t>новый метод навигации по датчикам смартфона, а также трехконтурная архитектура инерциальной навигационной системы для мобильного устройства</a:t>
+            <a:t>по датчикам смартфона, а также трехконтурная архитектура инерциальной навигационной системы для мобильного устройства</a:t>
           </a:r>
         </a:p>
       </dgm:t>
@@ -2013,7 +2021,20 @@
               <a:latin typeface="Arial" panose="020B0604020202020204" pitchFamily="34" charset="0"/>
               <a:cs typeface="Arial" panose="020B0604020202020204" pitchFamily="34" charset="0"/>
             </a:rPr>
-            <a:t>Bluetooth/Wi-Fi</a:t>
+            <a:t>Bluetooth/</a:t>
+          </a:r>
+          <a:br>
+            <a:rPr lang="ru-RU" dirty="0">
+              <a:latin typeface="Arial" panose="020B0604020202020204" pitchFamily="34" charset="0"/>
+              <a:cs typeface="Arial" panose="020B0604020202020204" pitchFamily="34" charset="0"/>
+            </a:rPr>
+          </a:br>
+          <a:r>
+            <a:rPr lang="en-US" dirty="0">
+              <a:latin typeface="Arial" panose="020B0604020202020204" pitchFamily="34" charset="0"/>
+              <a:cs typeface="Arial" panose="020B0604020202020204" pitchFamily="34" charset="0"/>
+            </a:rPr>
+            <a:t>Wi-Fi</a:t>
           </a:r>
           <a:endParaRPr lang="ru-RU" dirty="0">
             <a:latin typeface="Arial" panose="020B0604020202020204" pitchFamily="34" charset="0"/>
@@ -2396,12 +2417,22 @@
           <a:r>
             <a:rPr lang="ru-RU" sz="2400" kern="1200" dirty="0">
               <a:solidFill>
+                <a:srgbClr val="FF0000"/>
+              </a:solidFill>
+              <a:latin typeface="Arial" panose="020B0604020202020204" pitchFamily="34" charset="0"/>
+              <a:cs typeface="Arial" panose="020B0604020202020204" pitchFamily="34" charset="0"/>
+            </a:rPr>
+            <a:t>новый метод навигации </a:t>
+          </a:r>
+          <a:r>
+            <a:rPr lang="ru-RU" sz="2400" kern="1200" dirty="0">
+              <a:solidFill>
                 <a:schemeClr val="tx1"/>
               </a:solidFill>
               <a:latin typeface="Arial" panose="020B0604020202020204" pitchFamily="34" charset="0"/>
               <a:cs typeface="Arial" panose="020B0604020202020204" pitchFamily="34" charset="0"/>
             </a:rPr>
-            <a:t>новый метод навигации по датчикам смартфона, а также трехконтурная архитектура инерциальной навигационной системы для мобильного устройства</a:t>
+            <a:t>по датчикам смартфона, а также трехконтурная архитектура инерциальной навигационной системы для мобильного устройства</a:t>
           </a:r>
         </a:p>
       </dsp:txBody>
@@ -2843,12 +2874,12 @@
         </a:fontRef>
       </dsp:style>
       <dsp:txBody>
-        <a:bodyPr spcFirstLastPara="0" vert="horz" wrap="square" lIns="18415" tIns="18415" rIns="18415" bIns="18415" numCol="1" spcCol="1270" anchor="ctr" anchorCtr="0">
+        <a:bodyPr spcFirstLastPara="0" vert="horz" wrap="square" lIns="22860" tIns="22860" rIns="22860" bIns="22860" numCol="1" spcCol="1270" anchor="ctr" anchorCtr="0">
           <a:noAutofit/>
         </a:bodyPr>
         <a:lstStyle/>
         <a:p>
-          <a:pPr marL="0" lvl="0" indent="0" algn="ctr" defTabSz="1289050">
+          <a:pPr marL="0" lvl="0" indent="0" algn="ctr" defTabSz="1600200">
             <a:lnSpc>
               <a:spcPct val="90000"/>
             </a:lnSpc>
@@ -2861,7 +2892,7 @@
             <a:buNone/>
           </a:pPr>
           <a:r>
-            <a:rPr lang="ru-RU" sz="2900" kern="1200" dirty="0">
+            <a:rPr lang="ru-RU" sz="3600" kern="1200" dirty="0">
               <a:latin typeface="Arial" panose="020B0604020202020204" pitchFamily="34" charset="0"/>
               <a:cs typeface="Arial" panose="020B0604020202020204" pitchFamily="34" charset="0"/>
             </a:rPr>
@@ -2955,12 +2986,12 @@
         </a:fontRef>
       </dsp:style>
       <dsp:txBody>
-        <a:bodyPr spcFirstLastPara="0" vert="horz" wrap="square" lIns="18415" tIns="18415" rIns="18415" bIns="18415" numCol="1" spcCol="1270" anchor="ctr" anchorCtr="0">
+        <a:bodyPr spcFirstLastPara="0" vert="horz" wrap="square" lIns="22860" tIns="22860" rIns="22860" bIns="22860" numCol="1" spcCol="1270" anchor="ctr" anchorCtr="0">
           <a:noAutofit/>
         </a:bodyPr>
         <a:lstStyle/>
         <a:p>
-          <a:pPr marL="0" lvl="0" indent="0" algn="ctr" defTabSz="1289050">
+          <a:pPr marL="0" lvl="0" indent="0" algn="ctr" defTabSz="1600200">
             <a:lnSpc>
               <a:spcPct val="90000"/>
             </a:lnSpc>
@@ -2973,13 +3004,13 @@
             <a:buNone/>
           </a:pPr>
           <a:r>
-            <a:rPr lang="en-US" sz="2900" kern="1200" dirty="0">
+            <a:rPr lang="en-US" sz="3600" kern="1200" dirty="0">
               <a:latin typeface="Arial" panose="020B0604020202020204" pitchFamily="34" charset="0"/>
               <a:cs typeface="Arial" panose="020B0604020202020204" pitchFamily="34" charset="0"/>
             </a:rPr>
             <a:t>GPS</a:t>
           </a:r>
-          <a:endParaRPr lang="ru-RU" sz="2900" kern="1200" dirty="0">
+          <a:endParaRPr lang="ru-RU" sz="3600" kern="1200" dirty="0">
             <a:latin typeface="Arial" panose="020B0604020202020204" pitchFamily="34" charset="0"/>
             <a:cs typeface="Arial" panose="020B0604020202020204" pitchFamily="34" charset="0"/>
           </a:endParaRPr>
@@ -3071,12 +3102,12 @@
         </a:fontRef>
       </dsp:style>
       <dsp:txBody>
-        <a:bodyPr spcFirstLastPara="0" vert="horz" wrap="square" lIns="18415" tIns="18415" rIns="18415" bIns="18415" numCol="1" spcCol="1270" anchor="ctr" anchorCtr="0">
+        <a:bodyPr spcFirstLastPara="0" vert="horz" wrap="square" lIns="22860" tIns="22860" rIns="22860" bIns="22860" numCol="1" spcCol="1270" anchor="ctr" anchorCtr="0">
           <a:noAutofit/>
         </a:bodyPr>
         <a:lstStyle/>
         <a:p>
-          <a:pPr marL="0" lvl="0" indent="0" algn="ctr" defTabSz="1289050">
+          <a:pPr marL="0" lvl="0" indent="0" algn="ctr" defTabSz="1600200">
             <a:lnSpc>
               <a:spcPct val="90000"/>
             </a:lnSpc>
@@ -3089,13 +3120,13 @@
             <a:buNone/>
           </a:pPr>
           <a:r>
-            <a:rPr lang="en-US" sz="2900" kern="1200" dirty="0">
+            <a:rPr lang="en-US" sz="3600" kern="1200" dirty="0">
               <a:latin typeface="Arial" panose="020B0604020202020204" pitchFamily="34" charset="0"/>
               <a:cs typeface="Arial" panose="020B0604020202020204" pitchFamily="34" charset="0"/>
             </a:rPr>
             <a:t>INS</a:t>
           </a:r>
-          <a:endParaRPr lang="ru-RU" sz="2900" kern="1200" dirty="0">
+          <a:endParaRPr lang="ru-RU" sz="3600" kern="1200" dirty="0">
             <a:latin typeface="Arial" panose="020B0604020202020204" pitchFamily="34" charset="0"/>
             <a:cs typeface="Arial" panose="020B0604020202020204" pitchFamily="34" charset="0"/>
           </a:endParaRPr>
@@ -3187,12 +3218,12 @@
         </a:fontRef>
       </dsp:style>
       <dsp:txBody>
-        <a:bodyPr spcFirstLastPara="0" vert="horz" wrap="square" lIns="18415" tIns="18415" rIns="18415" bIns="18415" numCol="1" spcCol="1270" anchor="ctr" anchorCtr="0">
+        <a:bodyPr spcFirstLastPara="0" vert="horz" wrap="square" lIns="22860" tIns="22860" rIns="22860" bIns="22860" numCol="1" spcCol="1270" anchor="ctr" anchorCtr="0">
           <a:noAutofit/>
         </a:bodyPr>
         <a:lstStyle/>
         <a:p>
-          <a:pPr marL="0" lvl="0" indent="0" algn="ctr" defTabSz="1289050">
+          <a:pPr marL="0" lvl="0" indent="0" algn="ctr" defTabSz="1600200">
             <a:lnSpc>
               <a:spcPct val="90000"/>
             </a:lnSpc>
@@ -3205,13 +3236,13 @@
             <a:buNone/>
           </a:pPr>
           <a:r>
-            <a:rPr lang="en-US" sz="2900" kern="1200" dirty="0">
+            <a:rPr lang="en-US" sz="3600" kern="1200" dirty="0">
               <a:latin typeface="Arial" panose="020B0604020202020204" pitchFamily="34" charset="0"/>
               <a:cs typeface="Arial" panose="020B0604020202020204" pitchFamily="34" charset="0"/>
             </a:rPr>
             <a:t>GSM</a:t>
           </a:r>
-          <a:endParaRPr lang="ru-RU" sz="2900" kern="1200" dirty="0">
+          <a:endParaRPr lang="ru-RU" sz="3600" kern="1200" dirty="0">
             <a:latin typeface="Arial" panose="020B0604020202020204" pitchFamily="34" charset="0"/>
             <a:cs typeface="Arial" panose="020B0604020202020204" pitchFamily="34" charset="0"/>
           </a:endParaRPr>
@@ -3303,12 +3334,12 @@
         </a:fontRef>
       </dsp:style>
       <dsp:txBody>
-        <a:bodyPr spcFirstLastPara="0" vert="horz" wrap="square" lIns="18415" tIns="18415" rIns="18415" bIns="18415" numCol="1" spcCol="1270" anchor="ctr" anchorCtr="0">
+        <a:bodyPr spcFirstLastPara="0" vert="horz" wrap="square" lIns="22860" tIns="22860" rIns="22860" bIns="22860" numCol="1" spcCol="1270" anchor="ctr" anchorCtr="0">
           <a:noAutofit/>
         </a:bodyPr>
         <a:lstStyle/>
         <a:p>
-          <a:pPr marL="0" lvl="0" indent="0" algn="ctr" defTabSz="1289050">
+          <a:pPr marL="0" lvl="0" indent="0" algn="ctr" defTabSz="1600200">
             <a:lnSpc>
               <a:spcPct val="90000"/>
             </a:lnSpc>
@@ -3322,13 +3353,26 @@
             <a:buNone/>
           </a:pPr>
           <a:r>
-            <a:rPr lang="en-US" sz="2900" kern="1200" dirty="0">
+            <a:rPr lang="en-US" sz="3600" kern="1200" dirty="0">
               <a:latin typeface="Arial" panose="020B0604020202020204" pitchFamily="34" charset="0"/>
               <a:cs typeface="Arial" panose="020B0604020202020204" pitchFamily="34" charset="0"/>
             </a:rPr>
-            <a:t>Bluetooth/Wi-Fi</a:t>
+            <a:t>Bluetooth/</a:t>
           </a:r>
-          <a:endParaRPr lang="ru-RU" sz="2900" kern="1200" dirty="0">
+          <a:br>
+            <a:rPr lang="ru-RU" sz="3600" kern="1200" dirty="0">
+              <a:latin typeface="Arial" panose="020B0604020202020204" pitchFamily="34" charset="0"/>
+              <a:cs typeface="Arial" panose="020B0604020202020204" pitchFamily="34" charset="0"/>
+            </a:rPr>
+          </a:br>
+          <a:r>
+            <a:rPr lang="en-US" sz="3600" kern="1200" dirty="0">
+              <a:latin typeface="Arial" panose="020B0604020202020204" pitchFamily="34" charset="0"/>
+              <a:cs typeface="Arial" panose="020B0604020202020204" pitchFamily="34" charset="0"/>
+            </a:rPr>
+            <a:t>Wi-Fi</a:t>
+          </a:r>
+          <a:endParaRPr lang="ru-RU" sz="3600" kern="1200" dirty="0">
             <a:latin typeface="Arial" panose="020B0604020202020204" pitchFamily="34" charset="0"/>
             <a:cs typeface="Arial" panose="020B0604020202020204" pitchFamily="34" charset="0"/>
           </a:endParaRPr>
@@ -10114,7 +10158,7 @@
               </a:lnSpc>
             </a:pPr>
             <a:r>
-              <a:rPr lang="ru-RU" dirty="0">
+              <a:rPr lang="ru-RU" b="1" dirty="0">
                 <a:solidFill>
                   <a:schemeClr val="bg1"/>
                 </a:solidFill>
@@ -10169,7 +10213,7 @@
         </p:nvSpPr>
         <p:spPr bwMode="auto">
           <a:xfrm>
-            <a:off x="4197702" y="1666647"/>
+            <a:off x="4197702" y="1412776"/>
             <a:ext cx="7777162" cy="1295400"/>
           </a:xfrm>
           <a:prstGeom prst="rect">
@@ -10341,7 +10385,7 @@
               <a:buNone/>
             </a:pPr>
             <a:r>
-              <a:rPr lang="ru-RU" altLang="ru-RU" sz="1600" dirty="0">
+              <a:rPr lang="ru-RU" altLang="ru-RU" sz="1400" dirty="0">
                 <a:solidFill>
                   <a:schemeClr val="bg1"/>
                 </a:solidFill>
@@ -10358,7 +10402,7 @@
               <a:buNone/>
             </a:pPr>
             <a:r>
-              <a:rPr lang="ru-RU" altLang="ru-RU" sz="1600" dirty="0">
+              <a:rPr lang="ru-RU" altLang="ru-RU" sz="1400" dirty="0">
                 <a:solidFill>
                   <a:schemeClr val="bg1"/>
                 </a:solidFill>
@@ -10375,7 +10419,7 @@
               <a:buNone/>
             </a:pPr>
             <a:r>
-              <a:rPr lang="ru-RU" altLang="ru-RU" sz="1600" dirty="0">
+              <a:rPr lang="ru-RU" altLang="ru-RU" sz="1400" dirty="0">
                 <a:solidFill>
                   <a:schemeClr val="bg1"/>
                 </a:solidFill>
@@ -10578,7 +10622,40 @@
                   <a:schemeClr val="bg1"/>
                 </a:solidFill>
               </a:rPr>
-              <a:t>Обучающийся: Владимир Дмитриевич Мавлютов гр. 6223-090401</a:t>
+              <a:t>Обучающийся: Владимир Дмитриевич </a:t>
+            </a:r>
+            <a:r>
+              <a:rPr lang="ru-RU" altLang="ru-RU" sz="1800" dirty="0" err="1">
+                <a:solidFill>
+                  <a:schemeClr val="bg1"/>
+                </a:solidFill>
+              </a:rPr>
+              <a:t>Мавлютов</a:t>
+            </a:r>
+            <a:r>
+              <a:rPr lang="ru-RU" altLang="ru-RU" sz="1800" dirty="0">
+                <a:solidFill>
+                  <a:schemeClr val="bg1"/>
+                </a:solidFill>
+              </a:rPr>
+              <a:t>, </a:t>
+            </a:r>
+          </a:p>
+          <a:p>
+            <a:pPr algn="just" eaLnBrk="1" hangingPunct="1">
+              <a:lnSpc>
+                <a:spcPct val="80000"/>
+              </a:lnSpc>
+              <a:buFontTx/>
+              <a:buNone/>
+            </a:pPr>
+            <a:r>
+              <a:rPr lang="ru-RU" altLang="ru-RU" sz="1800" dirty="0">
+                <a:solidFill>
+                  <a:schemeClr val="bg1"/>
+                </a:solidFill>
+              </a:rPr>
+              <a:t>		гр. 6223-090401</a:t>
             </a:r>
             <a:r>
               <a:rPr lang="en-US" altLang="ru-RU" sz="1800" dirty="0">
@@ -10622,7 +10699,24 @@
                   <a:schemeClr val="bg1"/>
                 </a:solidFill>
               </a:rPr>
-              <a:t>Руководитель: Олег Константинович Головнин, доцент кафедры ИСТ, к.т.н., доцент</a:t>
+              <a:t>Руководитель: Олег Константинович Головнин, </a:t>
+            </a:r>
+          </a:p>
+          <a:p>
+            <a:pPr algn="just" eaLnBrk="1" hangingPunct="1">
+              <a:lnSpc>
+                <a:spcPct val="80000"/>
+              </a:lnSpc>
+              <a:buFontTx/>
+              <a:buNone/>
+            </a:pPr>
+            <a:r>
+              <a:rPr lang="ru-RU" altLang="ru-RU" sz="1800" dirty="0">
+                <a:solidFill>
+                  <a:schemeClr val="bg1"/>
+                </a:solidFill>
+              </a:rPr>
+              <a:t>		доцент кафедры ИСТ, к.т.н., доцент</a:t>
             </a:r>
           </a:p>
         </p:txBody>
@@ -10866,449 +10960,6 @@
           <a:chExt cx="0" cy="0"/>
         </a:xfrm>
       </p:grpSpPr>
-      <p:sp>
-        <p:nvSpPr>
-          <p:cNvPr id="5" name="TextBox 4"/>
-          <p:cNvSpPr txBox="1"/>
-          <p:nvPr/>
-        </p:nvSpPr>
-        <p:spPr>
-          <a:xfrm>
-            <a:off x="2351319" y="215407"/>
-            <a:ext cx="7898675" cy="523220"/>
-          </a:xfrm>
-          <a:prstGeom prst="rect">
-            <a:avLst/>
-          </a:prstGeom>
-          <a:noFill/>
-        </p:spPr>
-        <p:txBody>
-          <a:bodyPr wrap="square" rtlCol="0" anchor="ctr" anchorCtr="1">
-            <a:spAutoFit/>
-          </a:bodyPr>
-          <a:lstStyle/>
-          <a:p>
-            <a:pPr algn="ctr"/>
-            <a:r>
-              <a:rPr lang="ru-RU" sz="2800" dirty="0">
-                <a:solidFill>
-                  <a:schemeClr val="bg1"/>
-                </a:solidFill>
-                <a:latin typeface="Elektra Text Pro" panose="02000503030000020004" pitchFamily="50" charset="-52"/>
-              </a:rPr>
-              <a:t>Логическая и физическая модель данных</a:t>
-            </a:r>
-          </a:p>
-        </p:txBody>
-      </p:sp>
-      <p:sp>
-        <p:nvSpPr>
-          <p:cNvPr id="6" name="Номер слайда 2"/>
-          <p:cNvSpPr>
-            <a:spLocks noGrp="1"/>
-          </p:cNvSpPr>
-          <p:nvPr>
-            <p:ph type="sldNum" sz="quarter" idx="12"/>
-          </p:nvPr>
-        </p:nvSpPr>
-        <p:spPr>
-          <a:xfrm>
-            <a:off x="8736463" y="6356351"/>
-            <a:ext cx="2844430" cy="365125"/>
-          </a:xfrm>
-        </p:spPr>
-        <p:txBody>
-          <a:bodyPr/>
-          <a:lstStyle/>
-          <a:p>
-            <a:fld id="{E2656834-4BAB-4DB1-9FED-8310CA017EAF}" type="slidenum">
-              <a:rPr lang="ru-RU" sz="2000" b="1" smtClean="0">
-                <a:solidFill>
-                  <a:schemeClr val="tx1"/>
-                </a:solidFill>
-              </a:rPr>
-              <a:t>10</a:t>
-            </a:fld>
-            <a:endParaRPr lang="ru-RU" sz="2000" b="1" dirty="0">
-              <a:solidFill>
-                <a:schemeClr val="tx1"/>
-              </a:solidFill>
-            </a:endParaRPr>
-          </a:p>
-        </p:txBody>
-      </p:sp>
-      <p:pic>
-        <p:nvPicPr>
-          <p:cNvPr id="7" name="Рисунок 6">
-            <a:extLst>
-              <a:ext uri="{FF2B5EF4-FFF2-40B4-BE49-F238E27FC236}">
-                <a16:creationId xmlns:a16="http://schemas.microsoft.com/office/drawing/2014/main" id="{A01BAC3E-FEC6-4CB6-A39A-3FA9486FB6F5}"/>
-              </a:ext>
-            </a:extLst>
-          </p:cNvPr>
-          <p:cNvPicPr/>
-          <p:nvPr/>
-        </p:nvPicPr>
-        <p:blipFill rotWithShape="1">
-          <a:blip r:embed="rId2">
-            <a:extLst>
-              <a:ext uri="{BEBA8EAE-BF5A-486C-A8C5-ECC9F3942E4B}">
-                <a14:imgProps xmlns:a14="http://schemas.microsoft.com/office/drawing/2010/main">
-                  <a14:imgLayer r:embed="rId3">
-                    <a14:imgEffect>
-                      <a14:sharpenSoften amount="50000"/>
-                    </a14:imgEffect>
-                  </a14:imgLayer>
-                </a14:imgProps>
-              </a:ext>
-              <a:ext uri="{28A0092B-C50C-407E-A947-70E740481C1C}">
-                <a14:useLocalDpi xmlns:a14="http://schemas.microsoft.com/office/drawing/2010/main" val="0"/>
-              </a:ext>
-            </a:extLst>
-          </a:blip>
-          <a:srcRect l="9782" t="14902" r="14209" b="6111"/>
-          <a:stretch/>
-        </p:blipFill>
-        <p:spPr bwMode="auto">
-          <a:xfrm>
-            <a:off x="766614" y="1340768"/>
-            <a:ext cx="5792470" cy="2590800"/>
-          </a:xfrm>
-          <a:prstGeom prst="rect">
-            <a:avLst/>
-          </a:prstGeom>
-          <a:noFill/>
-          <a:ln>
-            <a:noFill/>
-          </a:ln>
-          <a:extLst>
-            <a:ext uri="{53640926-AAD7-44D8-BBD7-CCE9431645EC}">
-              <a14:shadowObscured xmlns:a14="http://schemas.microsoft.com/office/drawing/2010/main"/>
-            </a:ext>
-          </a:extLst>
-        </p:spPr>
-      </p:pic>
-      <p:pic>
-        <p:nvPicPr>
-          <p:cNvPr id="9" name="Рисунок 8">
-            <a:extLst>
-              <a:ext uri="{FF2B5EF4-FFF2-40B4-BE49-F238E27FC236}">
-                <a16:creationId xmlns:a16="http://schemas.microsoft.com/office/drawing/2014/main" id="{874F31E3-52BC-4E4C-8D81-C5DFDEB823D0}"/>
-              </a:ext>
-            </a:extLst>
-          </p:cNvPr>
-          <p:cNvPicPr/>
-          <p:nvPr/>
-        </p:nvPicPr>
-        <p:blipFill rotWithShape="1">
-          <a:blip r:embed="rId4">
-            <a:extLst>
-              <a:ext uri="{BEBA8EAE-BF5A-486C-A8C5-ECC9F3942E4B}">
-                <a14:imgProps xmlns:a14="http://schemas.microsoft.com/office/drawing/2010/main">
-                  <a14:imgLayer r:embed="rId5">
-                    <a14:imgEffect>
-                      <a14:sharpenSoften amount="50000"/>
-                    </a14:imgEffect>
-                  </a14:imgLayer>
-                </a14:imgProps>
-              </a:ext>
-              <a:ext uri="{28A0092B-C50C-407E-A947-70E740481C1C}">
-                <a14:useLocalDpi xmlns:a14="http://schemas.microsoft.com/office/drawing/2010/main" val="0"/>
-              </a:ext>
-            </a:extLst>
-          </a:blip>
-          <a:srcRect l="9301" t="12998" r="10840" b="12334"/>
-          <a:stretch/>
-        </p:blipFill>
-        <p:spPr bwMode="auto">
-          <a:xfrm>
-            <a:off x="5447134" y="3356992"/>
-            <a:ext cx="5741670" cy="2847975"/>
-          </a:xfrm>
-          <a:prstGeom prst="rect">
-            <a:avLst/>
-          </a:prstGeom>
-          <a:noFill/>
-          <a:ln>
-            <a:noFill/>
-          </a:ln>
-          <a:extLst>
-            <a:ext uri="{53640926-AAD7-44D8-BBD7-CCE9431645EC}">
-              <a14:shadowObscured xmlns:a14="http://schemas.microsoft.com/office/drawing/2010/main"/>
-            </a:ext>
-          </a:extLst>
-        </p:spPr>
-      </p:pic>
-      <p:sp>
-        <p:nvSpPr>
-          <p:cNvPr id="2" name="Облачко с текстом: прямоугольное 1">
-            <a:extLst>
-              <a:ext uri="{FF2B5EF4-FFF2-40B4-BE49-F238E27FC236}">
-                <a16:creationId xmlns:a16="http://schemas.microsoft.com/office/drawing/2014/main" id="{6750AE69-C3B9-4C7C-B908-A007D87DC697}"/>
-              </a:ext>
-            </a:extLst>
-          </p:cNvPr>
-          <p:cNvSpPr/>
-          <p:nvPr/>
-        </p:nvSpPr>
-        <p:spPr>
-          <a:xfrm>
-            <a:off x="7751390" y="1196752"/>
-            <a:ext cx="2808312" cy="648072"/>
-          </a:xfrm>
-          <a:prstGeom prst="wedgeRectCallout">
-            <a:avLst>
-              <a:gd name="adj1" fmla="val -90713"/>
-              <a:gd name="adj2" fmla="val 177839"/>
-            </a:avLst>
-          </a:prstGeom>
-        </p:spPr>
-        <p:style>
-          <a:lnRef idx="1">
-            <a:schemeClr val="accent1"/>
-          </a:lnRef>
-          <a:fillRef idx="2">
-            <a:schemeClr val="accent1"/>
-          </a:fillRef>
-          <a:effectRef idx="1">
-            <a:schemeClr val="accent1"/>
-          </a:effectRef>
-          <a:fontRef idx="minor">
-            <a:schemeClr val="dk1"/>
-          </a:fontRef>
-        </p:style>
-        <p:txBody>
-          <a:bodyPr rtlCol="0" anchor="ctr"/>
-          <a:lstStyle/>
-          <a:p>
-            <a:pPr algn="ctr"/>
-            <a:r>
-              <a:rPr lang="ru-RU" dirty="0"/>
-              <a:t>Логическая модель данных</a:t>
-            </a:r>
-          </a:p>
-        </p:txBody>
-      </p:sp>
-      <p:sp>
-        <p:nvSpPr>
-          <p:cNvPr id="10" name="Облачко с текстом: прямоугольное 9">
-            <a:extLst>
-              <a:ext uri="{FF2B5EF4-FFF2-40B4-BE49-F238E27FC236}">
-                <a16:creationId xmlns:a16="http://schemas.microsoft.com/office/drawing/2014/main" id="{EBB7D6DE-3AAA-4EC2-AC6F-56C584EF7153}"/>
-              </a:ext>
-            </a:extLst>
-          </p:cNvPr>
-          <p:cNvSpPr/>
-          <p:nvPr/>
-        </p:nvSpPr>
-        <p:spPr>
-          <a:xfrm>
-            <a:off x="1414686" y="4096159"/>
-            <a:ext cx="2808312" cy="648072"/>
-          </a:xfrm>
-          <a:prstGeom prst="wedgeRectCallout">
-            <a:avLst>
-              <a:gd name="adj1" fmla="val 91056"/>
-              <a:gd name="adj2" fmla="val 217565"/>
-            </a:avLst>
-          </a:prstGeom>
-        </p:spPr>
-        <p:style>
-          <a:lnRef idx="1">
-            <a:schemeClr val="accent1"/>
-          </a:lnRef>
-          <a:fillRef idx="2">
-            <a:schemeClr val="accent1"/>
-          </a:fillRef>
-          <a:effectRef idx="1">
-            <a:schemeClr val="accent1"/>
-          </a:effectRef>
-          <a:fontRef idx="minor">
-            <a:schemeClr val="dk1"/>
-          </a:fontRef>
-        </p:style>
-        <p:txBody>
-          <a:bodyPr rtlCol="0" anchor="ctr"/>
-          <a:lstStyle/>
-          <a:p>
-            <a:pPr algn="ctr"/>
-            <a:r>
-              <a:rPr lang="ru-RU" dirty="0"/>
-              <a:t>Физическая модель данных</a:t>
-            </a:r>
-          </a:p>
-        </p:txBody>
-      </p:sp>
-    </p:spTree>
-    <p:extLst>
-      <p:ext uri="{BB962C8B-B14F-4D97-AF65-F5344CB8AC3E}">
-        <p14:creationId xmlns:p14="http://schemas.microsoft.com/office/powerpoint/2010/main" val="1969706102"/>
-      </p:ext>
-    </p:extLst>
-  </p:cSld>
-  <p:clrMapOvr>
-    <a:masterClrMapping/>
-  </p:clrMapOvr>
-</p:sld>
-</file>
-
-<file path=ppt/slides/slide11.xml><?xml version="1.0" encoding="utf-8"?>
-<p:sld xmlns:a="http://schemas.openxmlformats.org/drawingml/2006/main" xmlns:r="http://schemas.openxmlformats.org/officeDocument/2006/relationships" xmlns:p="http://schemas.openxmlformats.org/presentationml/2006/main">
-  <p:cSld>
-    <p:spTree>
-      <p:nvGrpSpPr>
-        <p:cNvPr id="1" name=""/>
-        <p:cNvGrpSpPr/>
-        <p:nvPr/>
-      </p:nvGrpSpPr>
-      <p:grpSpPr>
-        <a:xfrm>
-          <a:off x="0" y="0"/>
-          <a:ext cx="0" cy="0"/>
-          <a:chOff x="0" y="0"/>
-          <a:chExt cx="0" cy="0"/>
-        </a:xfrm>
-      </p:grpSpPr>
-      <p:sp>
-        <p:nvSpPr>
-          <p:cNvPr id="5" name="TextBox 4"/>
-          <p:cNvSpPr txBox="1"/>
-          <p:nvPr/>
-        </p:nvSpPr>
-        <p:spPr>
-          <a:xfrm>
-            <a:off x="2351319" y="215407"/>
-            <a:ext cx="7898675" cy="523220"/>
-          </a:xfrm>
-          <a:prstGeom prst="rect">
-            <a:avLst/>
-          </a:prstGeom>
-          <a:noFill/>
-        </p:spPr>
-        <p:txBody>
-          <a:bodyPr wrap="square" rtlCol="0" anchor="ctr" anchorCtr="1">
-            <a:spAutoFit/>
-          </a:bodyPr>
-          <a:lstStyle/>
-          <a:p>
-            <a:pPr algn="ctr"/>
-            <a:r>
-              <a:rPr lang="ru-RU" sz="2800" dirty="0">
-                <a:solidFill>
-                  <a:schemeClr val="bg1"/>
-                </a:solidFill>
-                <a:latin typeface="Elektra Text Pro" panose="02000503030000020004" pitchFamily="50" charset="-52"/>
-              </a:rPr>
-              <a:t>Схема работы системы</a:t>
-            </a:r>
-          </a:p>
-        </p:txBody>
-      </p:sp>
-      <p:sp>
-        <p:nvSpPr>
-          <p:cNvPr id="6" name="Номер слайда 2"/>
-          <p:cNvSpPr>
-            <a:spLocks noGrp="1"/>
-          </p:cNvSpPr>
-          <p:nvPr>
-            <p:ph type="sldNum" sz="quarter" idx="12"/>
-          </p:nvPr>
-        </p:nvSpPr>
-        <p:spPr>
-          <a:xfrm>
-            <a:off x="8736463" y="6356351"/>
-            <a:ext cx="2844430" cy="365125"/>
-          </a:xfrm>
-        </p:spPr>
-        <p:txBody>
-          <a:bodyPr/>
-          <a:lstStyle/>
-          <a:p>
-            <a:fld id="{E2656834-4BAB-4DB1-9FED-8310CA017EAF}" type="slidenum">
-              <a:rPr lang="ru-RU" sz="2000" b="1" smtClean="0">
-                <a:solidFill>
-                  <a:schemeClr val="tx1"/>
-                </a:solidFill>
-              </a:rPr>
-              <a:t>11</a:t>
-            </a:fld>
-            <a:endParaRPr lang="ru-RU" sz="2000" b="1" dirty="0">
-              <a:solidFill>
-                <a:schemeClr val="tx1"/>
-              </a:solidFill>
-            </a:endParaRPr>
-          </a:p>
-        </p:txBody>
-      </p:sp>
-      <p:pic>
-        <p:nvPicPr>
-          <p:cNvPr id="7" name="Рисунок 6">
-            <a:extLst>
-              <a:ext uri="{FF2B5EF4-FFF2-40B4-BE49-F238E27FC236}">
-                <a16:creationId xmlns:a16="http://schemas.microsoft.com/office/drawing/2014/main" id="{B20BB220-15E0-4048-BEF9-4D683792ADCC}"/>
-              </a:ext>
-            </a:extLst>
-          </p:cNvPr>
-          <p:cNvPicPr/>
-          <p:nvPr/>
-        </p:nvPicPr>
-        <p:blipFill>
-          <a:blip r:embed="rId2">
-            <a:extLst>
-              <a:ext uri="{28A0092B-C50C-407E-A947-70E740481C1C}">
-                <a14:useLocalDpi xmlns:a14="http://schemas.microsoft.com/office/drawing/2010/main" val="0"/>
-              </a:ext>
-            </a:extLst>
-          </a:blip>
-          <a:srcRect/>
-          <a:stretch>
-            <a:fillRect/>
-          </a:stretch>
-        </p:blipFill>
-        <p:spPr bwMode="auto">
-          <a:xfrm>
-            <a:off x="1126654" y="1003096"/>
-            <a:ext cx="9937104" cy="5450240"/>
-          </a:xfrm>
-          <a:prstGeom prst="rect">
-            <a:avLst/>
-          </a:prstGeom>
-          <a:noFill/>
-          <a:ln>
-            <a:noFill/>
-          </a:ln>
-        </p:spPr>
-      </p:pic>
-    </p:spTree>
-    <p:extLst>
-      <p:ext uri="{BB962C8B-B14F-4D97-AF65-F5344CB8AC3E}">
-        <p14:creationId xmlns:p14="http://schemas.microsoft.com/office/powerpoint/2010/main" val="1654475030"/>
-      </p:ext>
-    </p:extLst>
-  </p:cSld>
-  <p:clrMapOvr>
-    <a:masterClrMapping/>
-  </p:clrMapOvr>
-</p:sld>
-</file>
-
-<file path=ppt/slides/slide12.xml><?xml version="1.0" encoding="utf-8"?>
-<p:sld xmlns:a="http://schemas.openxmlformats.org/drawingml/2006/main" xmlns:r="http://schemas.openxmlformats.org/officeDocument/2006/relationships" xmlns:p="http://schemas.openxmlformats.org/presentationml/2006/main">
-  <p:cSld>
-    <p:spTree>
-      <p:nvGrpSpPr>
-        <p:cNvPr id="1" name=""/>
-        <p:cNvGrpSpPr/>
-        <p:nvPr/>
-      </p:nvGrpSpPr>
-      <p:grpSpPr>
-        <a:xfrm>
-          <a:off x="0" y="0"/>
-          <a:ext cx="0" cy="0"/>
-          <a:chOff x="0" y="0"/>
-          <a:chExt cx="0" cy="0"/>
-        </a:xfrm>
-      </p:grpSpPr>
       <p:pic>
         <p:nvPicPr>
           <p:cNvPr id="7" name="Рисунок 6" descr="C:\Users\monah\OneDrive\Рабочий стол\Диплом Магистра\ПИТ-2020\Схема работы.jpg">
@@ -11374,7 +11025,7 @@
             <a:r>
               <a:rPr lang="ru-RU" sz="2800" dirty="0">
                 <a:solidFill>
-                  <a:schemeClr val="bg1"/>
+                  <a:srgbClr val="FF0000"/>
                 </a:solidFill>
                 <a:latin typeface="Elektra Text Pro" panose="02000503030000020004" pitchFamily="50" charset="-52"/>
               </a:rPr>
@@ -11409,7 +11060,7 @@
                   <a:schemeClr val="tx1"/>
                 </a:solidFill>
               </a:rPr>
-              <a:t>12</a:t>
+              <a:t>10</a:t>
             </a:fld>
             <a:endParaRPr lang="ru-RU" sz="2000" b="1" dirty="0">
               <a:solidFill>
@@ -11432,7 +11083,379 @@
 </p:sld>
 </file>
 
-<file path=ppt/slides/slide13.xml><?xml version="1.0" encoding="utf-8"?>
+<file path=ppt/slides/slide11.xml><?xml version="1.0" encoding="utf-8"?>
+<p:sld xmlns:a="http://schemas.openxmlformats.org/drawingml/2006/main" xmlns:r="http://schemas.openxmlformats.org/officeDocument/2006/relationships" xmlns:p="http://schemas.openxmlformats.org/presentationml/2006/main">
+  <p:cSld>
+    <p:spTree>
+      <p:nvGrpSpPr>
+        <p:cNvPr id="1" name=""/>
+        <p:cNvGrpSpPr/>
+        <p:nvPr/>
+      </p:nvGrpSpPr>
+      <p:grpSpPr>
+        <a:xfrm>
+          <a:off x="0" y="0"/>
+          <a:ext cx="0" cy="0"/>
+          <a:chOff x="0" y="0"/>
+          <a:chExt cx="0" cy="0"/>
+        </a:xfrm>
+      </p:grpSpPr>
+      <p:sp>
+        <p:nvSpPr>
+          <p:cNvPr id="4" name="Номер слайда 3">
+            <a:extLst>
+              <a:ext uri="{FF2B5EF4-FFF2-40B4-BE49-F238E27FC236}">
+                <a16:creationId xmlns:a16="http://schemas.microsoft.com/office/drawing/2014/main" id="{56158B43-F518-4EF9-BBF0-31ABA90A39F7}"/>
+              </a:ext>
+            </a:extLst>
+          </p:cNvPr>
+          <p:cNvSpPr>
+            <a:spLocks noGrp="1"/>
+          </p:cNvSpPr>
+          <p:nvPr>
+            <p:ph type="sldNum" sz="quarter" idx="12"/>
+          </p:nvPr>
+        </p:nvSpPr>
+        <p:spPr/>
+        <p:txBody>
+          <a:bodyPr/>
+          <a:lstStyle/>
+          <a:p>
+            <a:fld id="{E2656834-4BAB-4DB1-9FED-8310CA017EAF}" type="slidenum">
+              <a:rPr lang="ru-RU" smtClean="0"/>
+              <a:t>11</a:t>
+            </a:fld>
+            <a:endParaRPr lang="ru-RU"/>
+          </a:p>
+        </p:txBody>
+      </p:sp>
+      <p:sp>
+        <p:nvSpPr>
+          <p:cNvPr id="5" name="TextBox 4">
+            <a:extLst>
+              <a:ext uri="{FF2B5EF4-FFF2-40B4-BE49-F238E27FC236}">
+                <a16:creationId xmlns:a16="http://schemas.microsoft.com/office/drawing/2014/main" id="{F68C2F41-0FAB-425F-9F24-C9B49BF1A4D7}"/>
+              </a:ext>
+            </a:extLst>
+          </p:cNvPr>
+          <p:cNvSpPr txBox="1"/>
+          <p:nvPr/>
+        </p:nvSpPr>
+        <p:spPr>
+          <a:xfrm>
+            <a:off x="2351319" y="215407"/>
+            <a:ext cx="7898675" cy="523220"/>
+          </a:xfrm>
+          <a:prstGeom prst="rect">
+            <a:avLst/>
+          </a:prstGeom>
+          <a:noFill/>
+        </p:spPr>
+        <p:txBody>
+          <a:bodyPr wrap="square" rtlCol="0" anchor="ctr" anchorCtr="1">
+            <a:spAutoFit/>
+          </a:bodyPr>
+          <a:lstStyle/>
+          <a:p>
+            <a:pPr algn="ctr"/>
+            <a:r>
+              <a:rPr lang="ru-RU" sz="2800" dirty="0">
+                <a:solidFill>
+                  <a:schemeClr val="bg1"/>
+                </a:solidFill>
+                <a:latin typeface="Elektra Text Pro" panose="02000503030000020004" pitchFamily="50" charset="-52"/>
+              </a:rPr>
+              <a:t>Функции системы</a:t>
+            </a:r>
+          </a:p>
+        </p:txBody>
+      </p:sp>
+      <p:sp>
+        <p:nvSpPr>
+          <p:cNvPr id="6" name="Прямоугольник 5">
+            <a:extLst>
+              <a:ext uri="{FF2B5EF4-FFF2-40B4-BE49-F238E27FC236}">
+                <a16:creationId xmlns:a16="http://schemas.microsoft.com/office/drawing/2014/main" id="{C8AFD873-780F-4168-B60A-C8068E10D543}"/>
+              </a:ext>
+            </a:extLst>
+          </p:cNvPr>
+          <p:cNvSpPr/>
+          <p:nvPr/>
+        </p:nvSpPr>
+        <p:spPr>
+          <a:xfrm>
+            <a:off x="838622" y="914722"/>
+            <a:ext cx="10945216" cy="5565947"/>
+          </a:xfrm>
+          <a:prstGeom prst="rect">
+            <a:avLst/>
+          </a:prstGeom>
+        </p:spPr>
+        <p:txBody>
+          <a:bodyPr wrap="square">
+            <a:spAutoFit/>
+          </a:bodyPr>
+          <a:lstStyle/>
+          <a:p>
+            <a:pPr algn="just">
+              <a:lnSpc>
+                <a:spcPct val="150000"/>
+              </a:lnSpc>
+              <a:spcAft>
+                <a:spcPts val="0"/>
+              </a:spcAft>
+              <a:tabLst>
+                <a:tab pos="540385" algn="l"/>
+                <a:tab pos="589280" algn="l"/>
+              </a:tabLst>
+            </a:pPr>
+            <a:r>
+              <a:rPr lang="ru-RU" sz="2400" dirty="0">
+                <a:ea typeface="Times New Roman" panose="02020603050405020304" pitchFamily="18" charset="0"/>
+              </a:rPr>
+              <a:t>Требуется разработать </a:t>
+            </a:r>
+            <a:r>
+              <a:rPr lang="ru-RU" sz="2400" dirty="0">
+                <a:solidFill>
+                  <a:srgbClr val="FF0000"/>
+                </a:solidFill>
+                <a:ea typeface="Times New Roman" panose="02020603050405020304" pitchFamily="18" charset="0"/>
+              </a:rPr>
+              <a:t>мобильное приложение</a:t>
+            </a:r>
+            <a:r>
+              <a:rPr lang="ru-RU" sz="2400" dirty="0">
+                <a:ea typeface="Times New Roman" panose="02020603050405020304" pitchFamily="18" charset="0"/>
+              </a:rPr>
+              <a:t>, которое обеспечит инерциальную навигацию с использованием методов, технологий и датчиков.</a:t>
+            </a:r>
+          </a:p>
+          <a:p>
+            <a:pPr lvl="0" algn="just">
+              <a:lnSpc>
+                <a:spcPct val="150000"/>
+              </a:lnSpc>
+              <a:spcAft>
+                <a:spcPts val="0"/>
+              </a:spcAft>
+              <a:buSzPts val="1400"/>
+              <a:tabLst>
+                <a:tab pos="900430" algn="l"/>
+              </a:tabLst>
+            </a:pPr>
+            <a:r>
+              <a:rPr lang="ru-RU" sz="2400" dirty="0">
+                <a:ea typeface="Times New Roman" panose="02020603050405020304" pitchFamily="18" charset="0"/>
+                <a:cs typeface="Palatino Linotype" panose="02040502050505030304" pitchFamily="18" charset="0"/>
+              </a:rPr>
+              <a:t>Мобильное приложение должно:</a:t>
+            </a:r>
+          </a:p>
+          <a:p>
+            <a:pPr marL="342900" lvl="0" indent="-342900" algn="just">
+              <a:lnSpc>
+                <a:spcPct val="150000"/>
+              </a:lnSpc>
+              <a:spcAft>
+                <a:spcPts val="0"/>
+              </a:spcAft>
+              <a:buSzPts val="1400"/>
+              <a:buFont typeface="Arial" panose="020B0604020202020204" pitchFamily="34" charset="0"/>
+              <a:buChar char="•"/>
+              <a:tabLst>
+                <a:tab pos="900430" algn="l"/>
+              </a:tabLst>
+            </a:pPr>
+            <a:r>
+              <a:rPr lang="ru-RU" sz="2400" dirty="0">
+                <a:solidFill>
+                  <a:srgbClr val="FF0000"/>
+                </a:solidFill>
+                <a:ea typeface="Times New Roman" panose="02020603050405020304" pitchFamily="18" charset="0"/>
+                <a:cs typeface="Palatino Linotype" panose="02040502050505030304" pitchFamily="18" charset="0"/>
+              </a:rPr>
+              <a:t>иметь</a:t>
+            </a:r>
+            <a:r>
+              <a:rPr lang="ru-RU" sz="2400" dirty="0">
+                <a:ea typeface="Times New Roman" panose="02020603050405020304" pitchFamily="18" charset="0"/>
+                <a:cs typeface="Palatino Linotype" panose="02040502050505030304" pitchFamily="18" charset="0"/>
+              </a:rPr>
+              <a:t> карту;</a:t>
+            </a:r>
+          </a:p>
+          <a:p>
+            <a:pPr marL="342900" lvl="0" indent="-342900" algn="just">
+              <a:lnSpc>
+                <a:spcPct val="150000"/>
+              </a:lnSpc>
+              <a:spcAft>
+                <a:spcPts val="0"/>
+              </a:spcAft>
+              <a:buSzPts val="1400"/>
+              <a:buFont typeface="Arial" panose="020B0604020202020204" pitchFamily="34" charset="0"/>
+              <a:buChar char="•"/>
+              <a:tabLst>
+                <a:tab pos="900430" algn="l"/>
+              </a:tabLst>
+            </a:pPr>
+            <a:r>
+              <a:rPr lang="ru-RU" sz="2400" dirty="0">
+                <a:ea typeface="Times New Roman" panose="02020603050405020304" pitchFamily="18" charset="0"/>
+                <a:cs typeface="Palatino Linotype" panose="02040502050505030304" pitchFamily="18" charset="0"/>
+              </a:rPr>
+              <a:t>строить маршруты;</a:t>
+            </a:r>
+          </a:p>
+          <a:p>
+            <a:pPr marL="342900" lvl="0" indent="-342900" algn="just">
+              <a:lnSpc>
+                <a:spcPct val="150000"/>
+              </a:lnSpc>
+              <a:spcAft>
+                <a:spcPts val="0"/>
+              </a:spcAft>
+              <a:buSzPts val="1400"/>
+              <a:buFont typeface="Arial" panose="020B0604020202020204" pitchFamily="34" charset="0"/>
+              <a:buChar char="•"/>
+              <a:tabLst>
+                <a:tab pos="900430" algn="l"/>
+              </a:tabLst>
+            </a:pPr>
+            <a:r>
+              <a:rPr lang="ru-RU" sz="2400" dirty="0">
+                <a:ea typeface="Times New Roman" panose="02020603050405020304" pitchFamily="18" charset="0"/>
+                <a:cs typeface="Palatino Linotype" panose="02040502050505030304" pitchFamily="18" charset="0"/>
+              </a:rPr>
+              <a:t>вести базу данных пройденных маршрутов;</a:t>
+            </a:r>
+          </a:p>
+          <a:p>
+            <a:pPr marL="342900" lvl="0" indent="-342900" algn="just">
+              <a:lnSpc>
+                <a:spcPct val="150000"/>
+              </a:lnSpc>
+              <a:spcAft>
+                <a:spcPts val="0"/>
+              </a:spcAft>
+              <a:buSzPts val="1400"/>
+              <a:buFont typeface="Arial" panose="020B0604020202020204" pitchFamily="34" charset="0"/>
+              <a:buChar char="•"/>
+              <a:tabLst>
+                <a:tab pos="900430" algn="l"/>
+              </a:tabLst>
+            </a:pPr>
+            <a:r>
+              <a:rPr lang="ru-RU" sz="2400" dirty="0">
+                <a:ea typeface="Times New Roman" panose="02020603050405020304" pitchFamily="18" charset="0"/>
+                <a:cs typeface="Palatino Linotype" panose="02040502050505030304" pitchFamily="18" charset="0"/>
+              </a:rPr>
+              <a:t>обеспечить доступ к данным;</a:t>
+            </a:r>
+          </a:p>
+          <a:p>
+            <a:pPr marL="342900" lvl="0" indent="-342900" algn="just">
+              <a:lnSpc>
+                <a:spcPct val="150000"/>
+              </a:lnSpc>
+              <a:spcAft>
+                <a:spcPts val="0"/>
+              </a:spcAft>
+              <a:buSzPts val="1400"/>
+              <a:buFont typeface="Arial" panose="020B0604020202020204" pitchFamily="34" charset="0"/>
+              <a:buChar char="•"/>
+              <a:tabLst>
+                <a:tab pos="900430" algn="l"/>
+              </a:tabLst>
+            </a:pPr>
+            <a:r>
+              <a:rPr lang="ru-RU" sz="2400" dirty="0">
+                <a:ea typeface="Times New Roman" panose="02020603050405020304" pitchFamily="18" charset="0"/>
+                <a:cs typeface="Palatino Linotype" panose="02040502050505030304" pitchFamily="18" charset="0"/>
+              </a:rPr>
+              <a:t>предоставить пользователю настраивать гибкую настройку датчиков;</a:t>
+            </a:r>
+          </a:p>
+          <a:p>
+            <a:pPr marL="342900" lvl="0" indent="-342900" algn="just">
+              <a:lnSpc>
+                <a:spcPct val="150000"/>
+              </a:lnSpc>
+              <a:spcAft>
+                <a:spcPts val="0"/>
+              </a:spcAft>
+              <a:buSzPts val="1400"/>
+              <a:buFont typeface="Arial" panose="020B0604020202020204" pitchFamily="34" charset="0"/>
+              <a:buChar char="•"/>
+              <a:tabLst>
+                <a:tab pos="900430" algn="l"/>
+              </a:tabLst>
+            </a:pPr>
+            <a:r>
+              <a:rPr lang="ru-RU" sz="2400" dirty="0">
+                <a:ea typeface="Times New Roman" panose="02020603050405020304" pitchFamily="18" charset="0"/>
+                <a:cs typeface="Palatino Linotype" panose="02040502050505030304" pitchFamily="18" charset="0"/>
+              </a:rPr>
+              <a:t>строить </a:t>
+            </a:r>
+            <a:r>
+              <a:rPr lang="ru-RU" sz="2400" dirty="0">
+                <a:solidFill>
+                  <a:srgbClr val="FF0000"/>
+                </a:solidFill>
+                <a:ea typeface="Times New Roman" panose="02020603050405020304" pitchFamily="18" charset="0"/>
+                <a:cs typeface="Palatino Linotype" panose="02040502050505030304" pitchFamily="18" charset="0"/>
+              </a:rPr>
+              <a:t>гладкий</a:t>
+            </a:r>
+            <a:r>
+              <a:rPr lang="ru-RU" sz="2400" dirty="0">
+                <a:ea typeface="Times New Roman" panose="02020603050405020304" pitchFamily="18" charset="0"/>
+                <a:cs typeface="Palatino Linotype" panose="02040502050505030304" pitchFamily="18" charset="0"/>
+              </a:rPr>
+              <a:t> маршрут;</a:t>
+            </a:r>
+          </a:p>
+          <a:p>
+            <a:pPr marL="342900" lvl="0" indent="-342900" algn="just">
+              <a:lnSpc>
+                <a:spcPct val="150000"/>
+              </a:lnSpc>
+              <a:spcAft>
+                <a:spcPts val="0"/>
+              </a:spcAft>
+              <a:buSzPts val="1400"/>
+              <a:buFont typeface="Arial" panose="020B0604020202020204" pitchFamily="34" charset="0"/>
+              <a:buChar char="•"/>
+              <a:tabLst>
+                <a:tab pos="900430" algn="l"/>
+              </a:tabLst>
+            </a:pPr>
+            <a:r>
+              <a:rPr lang="ru-RU" sz="2400" dirty="0">
+                <a:ea typeface="Times New Roman" panose="02020603050405020304" pitchFamily="18" charset="0"/>
+                <a:cs typeface="Palatino Linotype" panose="02040502050505030304" pitchFamily="18" charset="0"/>
+              </a:rPr>
+              <a:t>вести мониторинг показателей с датчиков. </a:t>
+            </a:r>
+          </a:p>
+        </p:txBody>
+      </p:sp>
+    </p:spTree>
+    <p:extLst>
+      <p:ext uri="{BB962C8B-B14F-4D97-AF65-F5344CB8AC3E}">
+        <p14:creationId xmlns:p14="http://schemas.microsoft.com/office/powerpoint/2010/main" val="1088008408"/>
+      </p:ext>
+    </p:extLst>
+  </p:cSld>
+  <p:clrMapOvr>
+    <a:masterClrMapping/>
+  </p:clrMapOvr>
+</p:sld>
+</file>
+
+<file path=ppt/slides/slide12.xml><?xml version="1.0" encoding="utf-8"?>
 <p:sld xmlns:a="http://schemas.openxmlformats.org/drawingml/2006/main" xmlns:r="http://schemas.openxmlformats.org/officeDocument/2006/relationships" xmlns:p="http://schemas.openxmlformats.org/presentationml/2006/main">
   <p:cSld>
     <p:spTree>
@@ -11479,6 +11502,3476 @@
                 </a:solidFill>
                 <a:latin typeface="Elektra Text Pro" panose="02000503030000020004" pitchFamily="50" charset="-52"/>
               </a:rPr>
+              <a:t>Схема работы системы</a:t>
+            </a:r>
+          </a:p>
+        </p:txBody>
+      </p:sp>
+      <p:sp>
+        <p:nvSpPr>
+          <p:cNvPr id="6" name="Номер слайда 2"/>
+          <p:cNvSpPr>
+            <a:spLocks noGrp="1"/>
+          </p:cNvSpPr>
+          <p:nvPr>
+            <p:ph type="sldNum" sz="quarter" idx="12"/>
+          </p:nvPr>
+        </p:nvSpPr>
+        <p:spPr>
+          <a:xfrm>
+            <a:off x="8736463" y="6356351"/>
+            <a:ext cx="2844430" cy="365125"/>
+          </a:xfrm>
+        </p:spPr>
+        <p:txBody>
+          <a:bodyPr/>
+          <a:lstStyle/>
+          <a:p>
+            <a:fld id="{E2656834-4BAB-4DB1-9FED-8310CA017EAF}" type="slidenum">
+              <a:rPr lang="ru-RU" sz="2000" b="1" smtClean="0">
+                <a:solidFill>
+                  <a:schemeClr val="tx1"/>
+                </a:solidFill>
+              </a:rPr>
+              <a:t>12</a:t>
+            </a:fld>
+            <a:endParaRPr lang="ru-RU" sz="2000" b="1" dirty="0">
+              <a:solidFill>
+                <a:schemeClr val="tx1"/>
+              </a:solidFill>
+            </a:endParaRPr>
+          </a:p>
+        </p:txBody>
+      </p:sp>
+      <p:pic>
+        <p:nvPicPr>
+          <p:cNvPr id="7" name="Рисунок 6">
+            <a:extLst>
+              <a:ext uri="{FF2B5EF4-FFF2-40B4-BE49-F238E27FC236}">
+                <a16:creationId xmlns:a16="http://schemas.microsoft.com/office/drawing/2014/main" id="{B20BB220-15E0-4048-BEF9-4D683792ADCC}"/>
+              </a:ext>
+            </a:extLst>
+          </p:cNvPr>
+          <p:cNvPicPr/>
+          <p:nvPr/>
+        </p:nvPicPr>
+        <p:blipFill>
+          <a:blip r:embed="rId2">
+            <a:extLst>
+              <a:ext uri="{28A0092B-C50C-407E-A947-70E740481C1C}">
+                <a14:useLocalDpi xmlns:a14="http://schemas.microsoft.com/office/drawing/2010/main" val="0"/>
+              </a:ext>
+            </a:extLst>
+          </a:blip>
+          <a:srcRect/>
+          <a:stretch>
+            <a:fillRect/>
+          </a:stretch>
+        </p:blipFill>
+        <p:spPr bwMode="auto">
+          <a:xfrm>
+            <a:off x="1126654" y="1003096"/>
+            <a:ext cx="9937104" cy="5450240"/>
+          </a:xfrm>
+          <a:prstGeom prst="rect">
+            <a:avLst/>
+          </a:prstGeom>
+          <a:noFill/>
+          <a:ln>
+            <a:noFill/>
+          </a:ln>
+        </p:spPr>
+      </p:pic>
+    </p:spTree>
+    <p:extLst>
+      <p:ext uri="{BB962C8B-B14F-4D97-AF65-F5344CB8AC3E}">
+        <p14:creationId xmlns:p14="http://schemas.microsoft.com/office/powerpoint/2010/main" val="1654475030"/>
+      </p:ext>
+    </p:extLst>
+  </p:cSld>
+  <p:clrMapOvr>
+    <a:masterClrMapping/>
+  </p:clrMapOvr>
+</p:sld>
+</file>
+
+<file path=ppt/slides/slide13.xml><?xml version="1.0" encoding="utf-8"?>
+<p:sld xmlns:a="http://schemas.openxmlformats.org/drawingml/2006/main" xmlns:r="http://schemas.openxmlformats.org/officeDocument/2006/relationships" xmlns:p="http://schemas.openxmlformats.org/presentationml/2006/main">
+  <p:cSld>
+    <p:spTree>
+      <p:nvGrpSpPr>
+        <p:cNvPr id="1" name=""/>
+        <p:cNvGrpSpPr/>
+        <p:nvPr/>
+      </p:nvGrpSpPr>
+      <p:grpSpPr>
+        <a:xfrm>
+          <a:off x="0" y="0"/>
+          <a:ext cx="0" cy="0"/>
+          <a:chOff x="0" y="0"/>
+          <a:chExt cx="0" cy="0"/>
+        </a:xfrm>
+      </p:grpSpPr>
+      <p:sp>
+        <p:nvSpPr>
+          <p:cNvPr id="4" name="TextBox 3"/>
+          <p:cNvSpPr txBox="1"/>
+          <p:nvPr/>
+        </p:nvSpPr>
+        <p:spPr>
+          <a:xfrm>
+            <a:off x="2351319" y="215407"/>
+            <a:ext cx="7898675" cy="523220"/>
+          </a:xfrm>
+          <a:prstGeom prst="rect">
+            <a:avLst/>
+          </a:prstGeom>
+          <a:noFill/>
+        </p:spPr>
+        <p:txBody>
+          <a:bodyPr wrap="square" rtlCol="0" anchor="ctr" anchorCtr="1">
+            <a:spAutoFit/>
+          </a:bodyPr>
+          <a:lstStyle/>
+          <a:p>
+            <a:pPr algn="ctr"/>
+            <a:r>
+              <a:rPr lang="ru-RU" sz="2800" dirty="0">
+                <a:solidFill>
+                  <a:schemeClr val="bg1"/>
+                </a:solidFill>
+                <a:latin typeface="Elektra Text Pro" panose="02000503030000020004" pitchFamily="50" charset="-52"/>
+              </a:rPr>
+              <a:t>Прототип пользовательского интерфейса</a:t>
+            </a:r>
+          </a:p>
+        </p:txBody>
+      </p:sp>
+      <p:sp>
+        <p:nvSpPr>
+          <p:cNvPr id="7" name="Номер слайда 2"/>
+          <p:cNvSpPr>
+            <a:spLocks noGrp="1"/>
+          </p:cNvSpPr>
+          <p:nvPr>
+            <p:ph type="sldNum" sz="quarter" idx="12"/>
+          </p:nvPr>
+        </p:nvSpPr>
+        <p:spPr>
+          <a:xfrm>
+            <a:off x="8736463" y="6356351"/>
+            <a:ext cx="2844430" cy="365125"/>
+          </a:xfrm>
+        </p:spPr>
+        <p:txBody>
+          <a:bodyPr/>
+          <a:lstStyle/>
+          <a:p>
+            <a:fld id="{E2656834-4BAB-4DB1-9FED-8310CA017EAF}" type="slidenum">
+              <a:rPr lang="ru-RU" sz="2000" b="1" smtClean="0">
+                <a:solidFill>
+                  <a:schemeClr val="tx1"/>
+                </a:solidFill>
+              </a:rPr>
+              <a:t>13</a:t>
+            </a:fld>
+            <a:endParaRPr lang="ru-RU" sz="2000" b="1" dirty="0">
+              <a:solidFill>
+                <a:schemeClr val="tx1"/>
+              </a:solidFill>
+            </a:endParaRPr>
+          </a:p>
+        </p:txBody>
+      </p:sp>
+      <p:pic>
+        <p:nvPicPr>
+          <p:cNvPr id="8" name="Рисунок 7">
+            <a:extLst>
+              <a:ext uri="{FF2B5EF4-FFF2-40B4-BE49-F238E27FC236}">
+                <a16:creationId xmlns:a16="http://schemas.microsoft.com/office/drawing/2014/main" id="{AA4A74FC-9F08-49FB-B66D-B3F1ECAD9116}"/>
+              </a:ext>
+            </a:extLst>
+          </p:cNvPr>
+          <p:cNvPicPr/>
+          <p:nvPr/>
+        </p:nvPicPr>
+        <p:blipFill>
+          <a:blip r:embed="rId2">
+            <a:extLst>
+              <a:ext uri="{BEBA8EAE-BF5A-486C-A8C5-ECC9F3942E4B}">
+                <a14:imgProps xmlns:a14="http://schemas.microsoft.com/office/drawing/2010/main">
+                  <a14:imgLayer r:embed="rId3">
+                    <a14:imgEffect>
+                      <a14:sharpenSoften amount="50000"/>
+                    </a14:imgEffect>
+                  </a14:imgLayer>
+                </a14:imgProps>
+              </a:ext>
+              <a:ext uri="{28A0092B-C50C-407E-A947-70E740481C1C}">
+                <a14:useLocalDpi xmlns:a14="http://schemas.microsoft.com/office/drawing/2010/main" val="0"/>
+              </a:ext>
+            </a:extLst>
+          </a:blip>
+          <a:srcRect/>
+          <a:stretch>
+            <a:fillRect/>
+          </a:stretch>
+        </p:blipFill>
+        <p:spPr bwMode="auto">
+          <a:xfrm>
+            <a:off x="444738" y="2187819"/>
+            <a:ext cx="1828800" cy="4351094"/>
+          </a:xfrm>
+          <a:prstGeom prst="rect">
+            <a:avLst/>
+          </a:prstGeom>
+          <a:noFill/>
+          <a:ln>
+            <a:noFill/>
+          </a:ln>
+        </p:spPr>
+      </p:pic>
+      <p:pic>
+        <p:nvPicPr>
+          <p:cNvPr id="10" name="Рисунок 9">
+            <a:extLst>
+              <a:ext uri="{FF2B5EF4-FFF2-40B4-BE49-F238E27FC236}">
+                <a16:creationId xmlns:a16="http://schemas.microsoft.com/office/drawing/2014/main" id="{FFD4CF21-ED35-496F-AC86-5DBC51F0562D}"/>
+              </a:ext>
+            </a:extLst>
+          </p:cNvPr>
+          <p:cNvPicPr/>
+          <p:nvPr/>
+        </p:nvPicPr>
+        <p:blipFill>
+          <a:blip r:embed="rId4">
+            <a:extLst>
+              <a:ext uri="{BEBA8EAE-BF5A-486C-A8C5-ECC9F3942E4B}">
+                <a14:imgProps xmlns:a14="http://schemas.microsoft.com/office/drawing/2010/main">
+                  <a14:imgLayer r:embed="rId5">
+                    <a14:imgEffect>
+                      <a14:sharpenSoften amount="50000"/>
+                    </a14:imgEffect>
+                  </a14:imgLayer>
+                </a14:imgProps>
+              </a:ext>
+              <a:ext uri="{28A0092B-C50C-407E-A947-70E740481C1C}">
+                <a14:useLocalDpi xmlns:a14="http://schemas.microsoft.com/office/drawing/2010/main" val="0"/>
+              </a:ext>
+            </a:extLst>
+          </a:blip>
+          <a:srcRect/>
+          <a:stretch>
+            <a:fillRect/>
+          </a:stretch>
+        </p:blipFill>
+        <p:spPr bwMode="auto">
+          <a:xfrm>
+            <a:off x="2657904" y="1052736"/>
+            <a:ext cx="1828800" cy="4351094"/>
+          </a:xfrm>
+          <a:prstGeom prst="rect">
+            <a:avLst/>
+          </a:prstGeom>
+          <a:noFill/>
+          <a:ln>
+            <a:noFill/>
+          </a:ln>
+        </p:spPr>
+      </p:pic>
+      <p:pic>
+        <p:nvPicPr>
+          <p:cNvPr id="11" name="Рисунок 10">
+            <a:extLst>
+              <a:ext uri="{FF2B5EF4-FFF2-40B4-BE49-F238E27FC236}">
+                <a16:creationId xmlns:a16="http://schemas.microsoft.com/office/drawing/2014/main" id="{AED95EAA-765A-4D9C-AE45-40A8DC717FB0}"/>
+              </a:ext>
+            </a:extLst>
+          </p:cNvPr>
+          <p:cNvPicPr/>
+          <p:nvPr/>
+        </p:nvPicPr>
+        <p:blipFill>
+          <a:blip r:embed="rId6">
+            <a:extLst>
+              <a:ext uri="{BEBA8EAE-BF5A-486C-A8C5-ECC9F3942E4B}">
+                <a14:imgProps xmlns:a14="http://schemas.microsoft.com/office/drawing/2010/main">
+                  <a14:imgLayer r:embed="rId7">
+                    <a14:imgEffect>
+                      <a14:sharpenSoften amount="50000"/>
+                    </a14:imgEffect>
+                  </a14:imgLayer>
+                </a14:imgProps>
+              </a:ext>
+              <a:ext uri="{28A0092B-C50C-407E-A947-70E740481C1C}">
+                <a14:useLocalDpi xmlns:a14="http://schemas.microsoft.com/office/drawing/2010/main" val="0"/>
+              </a:ext>
+            </a:extLst>
+          </a:blip>
+          <a:srcRect/>
+          <a:stretch>
+            <a:fillRect/>
+          </a:stretch>
+        </p:blipFill>
+        <p:spPr bwMode="auto">
+          <a:xfrm>
+            <a:off x="4871070" y="2055969"/>
+            <a:ext cx="1828800" cy="4482944"/>
+          </a:xfrm>
+          <a:prstGeom prst="rect">
+            <a:avLst/>
+          </a:prstGeom>
+          <a:noFill/>
+          <a:ln>
+            <a:noFill/>
+          </a:ln>
+        </p:spPr>
+      </p:pic>
+      <p:pic>
+        <p:nvPicPr>
+          <p:cNvPr id="12" name="Рисунок 11">
+            <a:extLst>
+              <a:ext uri="{FF2B5EF4-FFF2-40B4-BE49-F238E27FC236}">
+                <a16:creationId xmlns:a16="http://schemas.microsoft.com/office/drawing/2014/main" id="{2DCD0A00-EDFC-44CC-917D-63C9911AC4C8}"/>
+              </a:ext>
+            </a:extLst>
+          </p:cNvPr>
+          <p:cNvPicPr/>
+          <p:nvPr/>
+        </p:nvPicPr>
+        <p:blipFill>
+          <a:blip r:embed="rId8">
+            <a:extLst>
+              <a:ext uri="{BEBA8EAE-BF5A-486C-A8C5-ECC9F3942E4B}">
+                <a14:imgProps xmlns:a14="http://schemas.microsoft.com/office/drawing/2010/main">
+                  <a14:imgLayer r:embed="rId9">
+                    <a14:imgEffect>
+                      <a14:sharpenSoften amount="50000"/>
+                    </a14:imgEffect>
+                  </a14:imgLayer>
+                </a14:imgProps>
+              </a:ext>
+              <a:ext uri="{28A0092B-C50C-407E-A947-70E740481C1C}">
+                <a14:useLocalDpi xmlns:a14="http://schemas.microsoft.com/office/drawing/2010/main" val="0"/>
+              </a:ext>
+            </a:extLst>
+          </a:blip>
+          <a:srcRect/>
+          <a:stretch>
+            <a:fillRect/>
+          </a:stretch>
+        </p:blipFill>
+        <p:spPr bwMode="auto">
+          <a:xfrm>
+            <a:off x="7084236" y="1300930"/>
+            <a:ext cx="1828800" cy="4351094"/>
+          </a:xfrm>
+          <a:prstGeom prst="rect">
+            <a:avLst/>
+          </a:prstGeom>
+          <a:noFill/>
+          <a:ln>
+            <a:noFill/>
+          </a:ln>
+        </p:spPr>
+      </p:pic>
+      <p:pic>
+        <p:nvPicPr>
+          <p:cNvPr id="13" name="Рисунок 12">
+            <a:extLst>
+              <a:ext uri="{FF2B5EF4-FFF2-40B4-BE49-F238E27FC236}">
+                <a16:creationId xmlns:a16="http://schemas.microsoft.com/office/drawing/2014/main" id="{1D415073-831B-4BA7-BA79-1E56474F292F}"/>
+              </a:ext>
+            </a:extLst>
+          </p:cNvPr>
+          <p:cNvPicPr/>
+          <p:nvPr/>
+        </p:nvPicPr>
+        <p:blipFill>
+          <a:blip r:embed="rId10">
+            <a:extLst>
+              <a:ext uri="{BEBA8EAE-BF5A-486C-A8C5-ECC9F3942E4B}">
+                <a14:imgProps xmlns:a14="http://schemas.microsoft.com/office/drawing/2010/main">
+                  <a14:imgLayer r:embed="rId11">
+                    <a14:imgEffect>
+                      <a14:sharpenSoften amount="50000"/>
+                    </a14:imgEffect>
+                  </a14:imgLayer>
+                </a14:imgProps>
+              </a:ext>
+              <a:ext uri="{28A0092B-C50C-407E-A947-70E740481C1C}">
+                <a14:useLocalDpi xmlns:a14="http://schemas.microsoft.com/office/drawing/2010/main" val="0"/>
+              </a:ext>
+            </a:extLst>
+          </a:blip>
+          <a:srcRect/>
+          <a:stretch>
+            <a:fillRect/>
+          </a:stretch>
+        </p:blipFill>
+        <p:spPr bwMode="auto">
+          <a:xfrm>
+            <a:off x="9297402" y="1300930"/>
+            <a:ext cx="1828800" cy="4351094"/>
+          </a:xfrm>
+          <a:prstGeom prst="rect">
+            <a:avLst/>
+          </a:prstGeom>
+          <a:noFill/>
+          <a:ln>
+            <a:noFill/>
+          </a:ln>
+        </p:spPr>
+      </p:pic>
+      <p:sp>
+        <p:nvSpPr>
+          <p:cNvPr id="2" name="Облачко с текстом: прямоугольное 1">
+            <a:extLst>
+              <a:ext uri="{FF2B5EF4-FFF2-40B4-BE49-F238E27FC236}">
+                <a16:creationId xmlns:a16="http://schemas.microsoft.com/office/drawing/2014/main" id="{30D4DEC6-3C30-40F5-ABD8-C0A7762DB992}"/>
+              </a:ext>
+            </a:extLst>
+          </p:cNvPr>
+          <p:cNvSpPr/>
+          <p:nvPr/>
+        </p:nvSpPr>
+        <p:spPr>
+          <a:xfrm>
+            <a:off x="444737" y="1300930"/>
+            <a:ext cx="1828799" cy="697134"/>
+          </a:xfrm>
+          <a:prstGeom prst="wedgeRectCallout">
+            <a:avLst/>
+          </a:prstGeom>
+        </p:spPr>
+        <p:style>
+          <a:lnRef idx="1">
+            <a:schemeClr val="accent1"/>
+          </a:lnRef>
+          <a:fillRef idx="2">
+            <a:schemeClr val="accent1"/>
+          </a:fillRef>
+          <a:effectRef idx="1">
+            <a:schemeClr val="accent1"/>
+          </a:effectRef>
+          <a:fontRef idx="minor">
+            <a:schemeClr val="dk1"/>
+          </a:fontRef>
+        </p:style>
+        <p:txBody>
+          <a:bodyPr rtlCol="0" anchor="ctr"/>
+          <a:lstStyle/>
+          <a:p>
+            <a:pPr algn="ctr"/>
+            <a:r>
+              <a:rPr lang="ru-RU" dirty="0"/>
+              <a:t>Главная форма</a:t>
+            </a:r>
+          </a:p>
+        </p:txBody>
+      </p:sp>
+      <p:sp>
+        <p:nvSpPr>
+          <p:cNvPr id="3" name="Облачко с текстом: прямоугольное 2">
+            <a:extLst>
+              <a:ext uri="{FF2B5EF4-FFF2-40B4-BE49-F238E27FC236}">
+                <a16:creationId xmlns:a16="http://schemas.microsoft.com/office/drawing/2014/main" id="{E3C50C2C-6593-4FD4-8372-4239573B44FF}"/>
+              </a:ext>
+            </a:extLst>
+          </p:cNvPr>
+          <p:cNvSpPr/>
+          <p:nvPr/>
+        </p:nvSpPr>
+        <p:spPr>
+          <a:xfrm>
+            <a:off x="2710830" y="5517232"/>
+            <a:ext cx="1728192" cy="1021681"/>
+          </a:xfrm>
+          <a:prstGeom prst="wedgeRectCallout">
+            <a:avLst>
+              <a:gd name="adj1" fmla="val 24373"/>
+              <a:gd name="adj2" fmla="val -67565"/>
+            </a:avLst>
+          </a:prstGeom>
+        </p:spPr>
+        <p:style>
+          <a:lnRef idx="1">
+            <a:schemeClr val="accent1"/>
+          </a:lnRef>
+          <a:fillRef idx="2">
+            <a:schemeClr val="accent1"/>
+          </a:fillRef>
+          <a:effectRef idx="1">
+            <a:schemeClr val="accent1"/>
+          </a:effectRef>
+          <a:fontRef idx="minor">
+            <a:schemeClr val="dk1"/>
+          </a:fontRef>
+        </p:style>
+        <p:txBody>
+          <a:bodyPr rtlCol="0" anchor="ctr"/>
+          <a:lstStyle/>
+          <a:p>
+            <a:pPr algn="ctr"/>
+            <a:r>
+              <a:rPr lang="ru-RU" dirty="0"/>
+              <a:t>Форма просмотра пройденных маршрутов</a:t>
+            </a:r>
+          </a:p>
+        </p:txBody>
+      </p:sp>
+      <p:sp>
+        <p:nvSpPr>
+          <p:cNvPr id="5" name="Облачко с текстом: прямоугольное 4">
+            <a:extLst>
+              <a:ext uri="{FF2B5EF4-FFF2-40B4-BE49-F238E27FC236}">
+                <a16:creationId xmlns:a16="http://schemas.microsoft.com/office/drawing/2014/main" id="{37472DBB-F061-48CE-8F8A-87931869CDBA}"/>
+              </a:ext>
+            </a:extLst>
+          </p:cNvPr>
+          <p:cNvSpPr/>
+          <p:nvPr/>
+        </p:nvSpPr>
+        <p:spPr>
+          <a:xfrm>
+            <a:off x="5106177" y="1052736"/>
+            <a:ext cx="1540768" cy="792088"/>
+          </a:xfrm>
+          <a:prstGeom prst="wedgeRectCallout">
+            <a:avLst>
+              <a:gd name="adj1" fmla="val -16224"/>
+              <a:gd name="adj2" fmla="val 97245"/>
+            </a:avLst>
+          </a:prstGeom>
+        </p:spPr>
+        <p:style>
+          <a:lnRef idx="1">
+            <a:schemeClr val="accent1"/>
+          </a:lnRef>
+          <a:fillRef idx="2">
+            <a:schemeClr val="accent1"/>
+          </a:fillRef>
+          <a:effectRef idx="1">
+            <a:schemeClr val="accent1"/>
+          </a:effectRef>
+          <a:fontRef idx="minor">
+            <a:schemeClr val="dk1"/>
+          </a:fontRef>
+        </p:style>
+        <p:txBody>
+          <a:bodyPr rtlCol="0" anchor="ctr"/>
+          <a:lstStyle/>
+          <a:p>
+            <a:pPr algn="ctr"/>
+            <a:r>
+              <a:rPr lang="ru-RU" dirty="0"/>
+              <a:t>Пройденный маршрут</a:t>
+            </a:r>
+          </a:p>
+        </p:txBody>
+      </p:sp>
+      <p:sp>
+        <p:nvSpPr>
+          <p:cNvPr id="6" name="Облачко с текстом: прямоугольное 5">
+            <a:extLst>
+              <a:ext uri="{FF2B5EF4-FFF2-40B4-BE49-F238E27FC236}">
+                <a16:creationId xmlns:a16="http://schemas.microsoft.com/office/drawing/2014/main" id="{7BF32013-BD9A-4453-850D-8F0A4EFCBEBC}"/>
+              </a:ext>
+            </a:extLst>
+          </p:cNvPr>
+          <p:cNvSpPr/>
+          <p:nvPr/>
+        </p:nvSpPr>
+        <p:spPr>
+          <a:xfrm>
+            <a:off x="8111430" y="6021288"/>
+            <a:ext cx="801606" cy="432048"/>
+          </a:xfrm>
+          <a:prstGeom prst="wedgeRectCallout">
+            <a:avLst>
+              <a:gd name="adj1" fmla="val 1069"/>
+              <a:gd name="adj2" fmla="val -177910"/>
+            </a:avLst>
+          </a:prstGeom>
+        </p:spPr>
+        <p:style>
+          <a:lnRef idx="1">
+            <a:schemeClr val="accent1"/>
+          </a:lnRef>
+          <a:fillRef idx="2">
+            <a:schemeClr val="accent1"/>
+          </a:fillRef>
+          <a:effectRef idx="1">
+            <a:schemeClr val="accent1"/>
+          </a:effectRef>
+          <a:fontRef idx="minor">
+            <a:schemeClr val="dk1"/>
+          </a:fontRef>
+        </p:style>
+        <p:txBody>
+          <a:bodyPr rtlCol="0" anchor="ctr"/>
+          <a:lstStyle/>
+          <a:p>
+            <a:pPr algn="ctr"/>
+            <a:r>
+              <a:rPr lang="ru-RU" dirty="0"/>
+              <a:t>В путь</a:t>
+            </a:r>
+          </a:p>
+        </p:txBody>
+      </p:sp>
+      <p:sp>
+        <p:nvSpPr>
+          <p:cNvPr id="9" name="Облачко с текстом: прямоугольное 8">
+            <a:extLst>
+              <a:ext uri="{FF2B5EF4-FFF2-40B4-BE49-F238E27FC236}">
+                <a16:creationId xmlns:a16="http://schemas.microsoft.com/office/drawing/2014/main" id="{0B62327B-030C-4C72-8139-D3B28EB3B3B6}"/>
+              </a:ext>
+            </a:extLst>
+          </p:cNvPr>
+          <p:cNvSpPr/>
+          <p:nvPr/>
+        </p:nvSpPr>
+        <p:spPr>
+          <a:xfrm>
+            <a:off x="7084236" y="836712"/>
+            <a:ext cx="1828800" cy="271180"/>
+          </a:xfrm>
+          <a:prstGeom prst="wedgeRectCallout">
+            <a:avLst>
+              <a:gd name="adj1" fmla="val 579"/>
+              <a:gd name="adj2" fmla="val 193347"/>
+            </a:avLst>
+          </a:prstGeom>
+        </p:spPr>
+        <p:style>
+          <a:lnRef idx="1">
+            <a:schemeClr val="accent1"/>
+          </a:lnRef>
+          <a:fillRef idx="2">
+            <a:schemeClr val="accent1"/>
+          </a:fillRef>
+          <a:effectRef idx="1">
+            <a:schemeClr val="accent1"/>
+          </a:effectRef>
+          <a:fontRef idx="minor">
+            <a:schemeClr val="dk1"/>
+          </a:fontRef>
+        </p:style>
+        <p:txBody>
+          <a:bodyPr rtlCol="0" anchor="ctr"/>
+          <a:lstStyle/>
+          <a:p>
+            <a:pPr algn="ctr"/>
+            <a:r>
+              <a:rPr lang="ru-RU" dirty="0"/>
+              <a:t>Конечная точка</a:t>
+            </a:r>
+          </a:p>
+        </p:txBody>
+      </p:sp>
+      <p:sp>
+        <p:nvSpPr>
+          <p:cNvPr id="15" name="Облачко с текстом: прямоугольное 14">
+            <a:extLst>
+              <a:ext uri="{FF2B5EF4-FFF2-40B4-BE49-F238E27FC236}">
+                <a16:creationId xmlns:a16="http://schemas.microsoft.com/office/drawing/2014/main" id="{56A53AFF-FA3F-4860-B6BA-391DCBE55794}"/>
+              </a:ext>
+            </a:extLst>
+          </p:cNvPr>
+          <p:cNvSpPr/>
+          <p:nvPr/>
+        </p:nvSpPr>
+        <p:spPr>
+          <a:xfrm>
+            <a:off x="9407574" y="5924302"/>
+            <a:ext cx="1828800" cy="529033"/>
+          </a:xfrm>
+          <a:prstGeom prst="wedgeRectCallout">
+            <a:avLst>
+              <a:gd name="adj1" fmla="val 26936"/>
+              <a:gd name="adj2" fmla="val -145034"/>
+            </a:avLst>
+          </a:prstGeom>
+        </p:spPr>
+        <p:style>
+          <a:lnRef idx="1">
+            <a:schemeClr val="accent1"/>
+          </a:lnRef>
+          <a:fillRef idx="2">
+            <a:schemeClr val="accent1"/>
+          </a:fillRef>
+          <a:effectRef idx="1">
+            <a:schemeClr val="accent1"/>
+          </a:effectRef>
+          <a:fontRef idx="minor">
+            <a:schemeClr val="dk1"/>
+          </a:fontRef>
+        </p:style>
+        <p:txBody>
+          <a:bodyPr rtlCol="0" anchor="ctr"/>
+          <a:lstStyle/>
+          <a:p>
+            <a:pPr algn="ctr"/>
+            <a:r>
+              <a:rPr lang="ru-RU" dirty="0"/>
+              <a:t>Остановить маршрут</a:t>
+            </a:r>
+          </a:p>
+        </p:txBody>
+      </p:sp>
+      <p:sp>
+        <p:nvSpPr>
+          <p:cNvPr id="16" name="Облачко с текстом: прямоугольное 15">
+            <a:extLst>
+              <a:ext uri="{FF2B5EF4-FFF2-40B4-BE49-F238E27FC236}">
+                <a16:creationId xmlns:a16="http://schemas.microsoft.com/office/drawing/2014/main" id="{56FFDE4F-A88B-423F-A3F1-728FD064173D}"/>
+              </a:ext>
+            </a:extLst>
+          </p:cNvPr>
+          <p:cNvSpPr/>
+          <p:nvPr/>
+        </p:nvSpPr>
+        <p:spPr>
+          <a:xfrm>
+            <a:off x="9244278" y="825745"/>
+            <a:ext cx="1828800" cy="271180"/>
+          </a:xfrm>
+          <a:prstGeom prst="wedgeRectCallout">
+            <a:avLst>
+              <a:gd name="adj1" fmla="val 579"/>
+              <a:gd name="adj2" fmla="val 193347"/>
+            </a:avLst>
+          </a:prstGeom>
+        </p:spPr>
+        <p:style>
+          <a:lnRef idx="1">
+            <a:schemeClr val="accent1"/>
+          </a:lnRef>
+          <a:fillRef idx="2">
+            <a:schemeClr val="accent1"/>
+          </a:fillRef>
+          <a:effectRef idx="1">
+            <a:schemeClr val="accent1"/>
+          </a:effectRef>
+          <a:fontRef idx="minor">
+            <a:schemeClr val="dk1"/>
+          </a:fontRef>
+        </p:style>
+        <p:txBody>
+          <a:bodyPr rtlCol="0" anchor="ctr"/>
+          <a:lstStyle/>
+          <a:p>
+            <a:pPr algn="ctr"/>
+            <a:r>
+              <a:rPr lang="ru-RU" dirty="0"/>
+              <a:t>Конечная точка</a:t>
+            </a:r>
+          </a:p>
+        </p:txBody>
+      </p:sp>
+    </p:spTree>
+    <p:extLst>
+      <p:ext uri="{BB962C8B-B14F-4D97-AF65-F5344CB8AC3E}">
+        <p14:creationId xmlns:p14="http://schemas.microsoft.com/office/powerpoint/2010/main" val="1457085305"/>
+      </p:ext>
+    </p:extLst>
+  </p:cSld>
+  <p:clrMapOvr>
+    <a:masterClrMapping/>
+  </p:clrMapOvr>
+</p:sld>
+</file>
+
+<file path=ppt/slides/slide14.xml><?xml version="1.0" encoding="utf-8"?>
+<p:sld xmlns:a="http://schemas.openxmlformats.org/drawingml/2006/main" xmlns:r="http://schemas.openxmlformats.org/officeDocument/2006/relationships" xmlns:p="http://schemas.openxmlformats.org/presentationml/2006/main">
+  <p:cSld>
+    <p:spTree>
+      <p:nvGrpSpPr>
+        <p:cNvPr id="1" name=""/>
+        <p:cNvGrpSpPr/>
+        <p:nvPr/>
+      </p:nvGrpSpPr>
+      <p:grpSpPr>
+        <a:xfrm>
+          <a:off x="0" y="0"/>
+          <a:ext cx="0" cy="0"/>
+          <a:chOff x="0" y="0"/>
+          <a:chExt cx="0" cy="0"/>
+        </a:xfrm>
+      </p:grpSpPr>
+      <p:sp>
+        <p:nvSpPr>
+          <p:cNvPr id="4" name="TextBox 3"/>
+          <p:cNvSpPr txBox="1"/>
+          <p:nvPr/>
+        </p:nvSpPr>
+        <p:spPr>
+          <a:xfrm>
+            <a:off x="2351319" y="215407"/>
+            <a:ext cx="7898675" cy="523220"/>
+          </a:xfrm>
+          <a:prstGeom prst="rect">
+            <a:avLst/>
+          </a:prstGeom>
+          <a:noFill/>
+        </p:spPr>
+        <p:txBody>
+          <a:bodyPr wrap="square" rtlCol="0" anchor="ctr" anchorCtr="1">
+            <a:spAutoFit/>
+          </a:bodyPr>
+          <a:lstStyle/>
+          <a:p>
+            <a:pPr algn="ctr"/>
+            <a:r>
+              <a:rPr lang="ru-RU" sz="2800" dirty="0">
+                <a:solidFill>
+                  <a:schemeClr val="bg1"/>
+                </a:solidFill>
+                <a:latin typeface="Elektra Text Pro" panose="02000503030000020004" pitchFamily="50" charset="-52"/>
+              </a:rPr>
+              <a:t>Заключение</a:t>
+            </a:r>
+          </a:p>
+        </p:txBody>
+      </p:sp>
+      <p:sp>
+        <p:nvSpPr>
+          <p:cNvPr id="6" name="TextBox 5"/>
+          <p:cNvSpPr txBox="1"/>
+          <p:nvPr/>
+        </p:nvSpPr>
+        <p:spPr>
+          <a:xfrm>
+            <a:off x="447512" y="1319282"/>
+            <a:ext cx="11295387" cy="3108543"/>
+          </a:xfrm>
+          <a:prstGeom prst="rect">
+            <a:avLst/>
+          </a:prstGeom>
+        </p:spPr>
+        <p:txBody>
+          <a:bodyPr vert="horz" wrap="square" lIns="91440" tIns="45720" rIns="91440" bIns="45720" rtlCol="0" anchor="ctr">
+            <a:spAutoFit/>
+          </a:bodyPr>
+          <a:lstStyle/>
+          <a:p>
+            <a:pPr marL="285750" indent="-285750" algn="just">
+              <a:buFont typeface="Arial" panose="020B0604020202020204" pitchFamily="34" charset="0"/>
+              <a:buChar char="•"/>
+            </a:pPr>
+            <a:r>
+              <a:rPr lang="ru-RU" sz="2800" dirty="0">
+                <a:latin typeface="Arial" panose="020B0604020202020204" pitchFamily="34" charset="0"/>
+                <a:cs typeface="Arial" panose="020B0604020202020204" pitchFamily="34" charset="0"/>
+              </a:rPr>
+              <a:t>Проведен анализ предметной области</a:t>
+            </a:r>
+          </a:p>
+          <a:p>
+            <a:pPr marL="285750" indent="-285750" algn="just">
+              <a:buFont typeface="Arial" panose="020B0604020202020204" pitchFamily="34" charset="0"/>
+              <a:buChar char="•"/>
+            </a:pPr>
+            <a:r>
+              <a:rPr lang="ru-RU" sz="2800" dirty="0">
+                <a:latin typeface="Arial" panose="020B0604020202020204" pitchFamily="34" charset="0"/>
+                <a:cs typeface="Arial" panose="020B0604020202020204" pitchFamily="34" charset="0"/>
+              </a:rPr>
+              <a:t>Проведен обзор систем-аналогов</a:t>
+            </a:r>
+          </a:p>
+          <a:p>
+            <a:pPr marL="285750" indent="-285750" algn="just">
+              <a:buFont typeface="Arial" panose="020B0604020202020204" pitchFamily="34" charset="0"/>
+              <a:buChar char="•"/>
+            </a:pPr>
+            <a:r>
+              <a:rPr lang="ru-RU" sz="2800" dirty="0">
+                <a:latin typeface="Arial" panose="020B0604020202020204" pitchFamily="34" charset="0"/>
+                <a:cs typeface="Arial" panose="020B0604020202020204" pitchFamily="34" charset="0"/>
+              </a:rPr>
+              <a:t>Разработана логическая и физическая модель данных</a:t>
+            </a:r>
+          </a:p>
+          <a:p>
+            <a:pPr marL="285750" indent="-285750" algn="just">
+              <a:buFont typeface="Arial" panose="020B0604020202020204" pitchFamily="34" charset="0"/>
+              <a:buChar char="•"/>
+            </a:pPr>
+            <a:r>
+              <a:rPr lang="ru-RU" sz="2800" dirty="0">
+                <a:latin typeface="Arial" panose="020B0604020202020204" pitchFamily="34" charset="0"/>
+                <a:cs typeface="Arial" panose="020B0604020202020204" pitchFamily="34" charset="0"/>
+              </a:rPr>
+              <a:t>Разработаны прототипы пользовательского интерфейса</a:t>
+            </a:r>
+          </a:p>
+          <a:p>
+            <a:pPr marL="285750" indent="-285750" algn="just">
+              <a:buFont typeface="Arial" panose="020B0604020202020204" pitchFamily="34" charset="0"/>
+              <a:buChar char="•"/>
+            </a:pPr>
+            <a:r>
+              <a:rPr lang="ru-RU" sz="2800" dirty="0">
+                <a:solidFill>
+                  <a:srgbClr val="000000"/>
+                </a:solidFill>
+                <a:latin typeface="Arial" panose="020B0604020202020204" pitchFamily="34" charset="0"/>
+                <a:ea typeface="Calibri" panose="020F0502020204030204" pitchFamily="34" charset="0"/>
+                <a:cs typeface="Arial" panose="020B0604020202020204" pitchFamily="34" charset="0"/>
+              </a:rPr>
+              <a:t>Р</a:t>
+            </a:r>
+            <a:r>
+              <a:rPr lang="ru-RU" sz="2800" dirty="0">
+                <a:solidFill>
+                  <a:srgbClr val="000000"/>
+                </a:solidFill>
+                <a:effectLst/>
+                <a:latin typeface="Arial" panose="020B0604020202020204" pitchFamily="34" charset="0"/>
+                <a:ea typeface="Calibri" panose="020F0502020204030204" pitchFamily="34" charset="0"/>
+                <a:cs typeface="Arial" panose="020B0604020202020204" pitchFamily="34" charset="0"/>
+              </a:rPr>
+              <a:t>азработана </a:t>
+            </a:r>
+            <a:r>
+              <a:rPr lang="ru-RU" sz="2800" dirty="0">
+                <a:solidFill>
+                  <a:srgbClr val="000000"/>
+                </a:solidFill>
+                <a:effectLst/>
+                <a:latin typeface="Arial" panose="020B0604020202020204" pitchFamily="34" charset="0"/>
+                <a:ea typeface="Times New Roman" panose="02020603050405020304" pitchFamily="18" charset="0"/>
+                <a:cs typeface="Arial" panose="020B0604020202020204" pitchFamily="34" charset="0"/>
+              </a:rPr>
+              <a:t>трехконтурная архитектура инерциальной навигационной системы для мобильного устройства</a:t>
+            </a:r>
+            <a:r>
+              <a:rPr lang="ru-RU" sz="2800" dirty="0">
+                <a:effectLst/>
+                <a:latin typeface="Arial" panose="020B0604020202020204" pitchFamily="34" charset="0"/>
+                <a:ea typeface="Calibri" panose="020F0502020204030204" pitchFamily="34" charset="0"/>
+                <a:cs typeface="Arial" panose="020B0604020202020204" pitchFamily="34" charset="0"/>
+              </a:rPr>
+              <a:t>, реализующие предложенный метод </a:t>
+            </a:r>
+            <a:r>
+              <a:rPr lang="ru-RU" sz="2800" dirty="0">
+                <a:solidFill>
+                  <a:srgbClr val="000000"/>
+                </a:solidFill>
+                <a:effectLst/>
+                <a:latin typeface="Arial" panose="020B0604020202020204" pitchFamily="34" charset="0"/>
+                <a:ea typeface="Times New Roman" panose="02020603050405020304" pitchFamily="18" charset="0"/>
+                <a:cs typeface="Arial" panose="020B0604020202020204" pitchFamily="34" charset="0"/>
+              </a:rPr>
+              <a:t>построения маршрута</a:t>
+            </a:r>
+            <a:endParaRPr lang="ru-RU" sz="2800" dirty="0">
+              <a:latin typeface="Arial" panose="020B0604020202020204" pitchFamily="34" charset="0"/>
+              <a:cs typeface="Arial" panose="020B0604020202020204" pitchFamily="34" charset="0"/>
+            </a:endParaRPr>
+          </a:p>
+        </p:txBody>
+      </p:sp>
+      <p:sp>
+        <p:nvSpPr>
+          <p:cNvPr id="7" name="Номер слайда 2"/>
+          <p:cNvSpPr>
+            <a:spLocks noGrp="1"/>
+          </p:cNvSpPr>
+          <p:nvPr>
+            <p:ph type="sldNum" sz="quarter" idx="12"/>
+          </p:nvPr>
+        </p:nvSpPr>
+        <p:spPr>
+          <a:xfrm>
+            <a:off x="8736463" y="6356351"/>
+            <a:ext cx="2844430" cy="365125"/>
+          </a:xfrm>
+        </p:spPr>
+        <p:txBody>
+          <a:bodyPr/>
+          <a:lstStyle/>
+          <a:p>
+            <a:fld id="{E2656834-4BAB-4DB1-9FED-8310CA017EAF}" type="slidenum">
+              <a:rPr lang="ru-RU" sz="2000" b="1" smtClean="0">
+                <a:solidFill>
+                  <a:schemeClr val="tx1"/>
+                </a:solidFill>
+              </a:rPr>
+              <a:t>14</a:t>
+            </a:fld>
+            <a:endParaRPr lang="ru-RU" sz="2000" b="1" dirty="0">
+              <a:solidFill>
+                <a:schemeClr val="tx1"/>
+              </a:solidFill>
+            </a:endParaRPr>
+          </a:p>
+        </p:txBody>
+      </p:sp>
+      <p:sp>
+        <p:nvSpPr>
+          <p:cNvPr id="8" name="TextBox 7">
+            <a:extLst>
+              <a:ext uri="{FF2B5EF4-FFF2-40B4-BE49-F238E27FC236}">
+                <a16:creationId xmlns:a16="http://schemas.microsoft.com/office/drawing/2014/main" id="{290F189D-0144-43B9-B496-F80F5AEC5184}"/>
+              </a:ext>
+            </a:extLst>
+          </p:cNvPr>
+          <p:cNvSpPr txBox="1"/>
+          <p:nvPr/>
+        </p:nvSpPr>
+        <p:spPr>
+          <a:xfrm>
+            <a:off x="447512" y="4449311"/>
+            <a:ext cx="11030303" cy="2246769"/>
+          </a:xfrm>
+          <a:prstGeom prst="rect">
+            <a:avLst/>
+          </a:prstGeom>
+          <a:noFill/>
+        </p:spPr>
+        <p:txBody>
+          <a:bodyPr wrap="square">
+            <a:spAutoFit/>
+          </a:bodyPr>
+          <a:lstStyle/>
+          <a:p>
+            <a:pPr algn="just"/>
+            <a:r>
+              <a:rPr lang="ru-RU" sz="2800" dirty="0">
+                <a:effectLst/>
+                <a:latin typeface="Arial" panose="020B0604020202020204" pitchFamily="34" charset="0"/>
+                <a:ea typeface="Times New Roman" panose="02020603050405020304" pitchFamily="18" charset="0"/>
+                <a:cs typeface="Arial" panose="020B0604020202020204" pitchFamily="34" charset="0"/>
+              </a:rPr>
+              <a:t>По теме выпускной квалификационной работы опубликовано 7 научных рабо</a:t>
+            </a:r>
+            <a:r>
+              <a:rPr lang="ru-RU" sz="2800" dirty="0">
+                <a:latin typeface="Arial" panose="020B0604020202020204" pitchFamily="34" charset="0"/>
+                <a:ea typeface="Times New Roman" panose="02020603050405020304" pitchFamily="18" charset="0"/>
+                <a:cs typeface="Arial" panose="020B0604020202020204" pitchFamily="34" charset="0"/>
+              </a:rPr>
+              <a:t>т, одна из них — в </a:t>
+            </a:r>
+            <a:r>
+              <a:rPr lang="en-US" sz="2800" dirty="0">
+                <a:latin typeface="Arial" panose="020B0604020202020204" pitchFamily="34" charset="0"/>
+                <a:ea typeface="Times New Roman" panose="02020603050405020304" pitchFamily="18" charset="0"/>
+                <a:cs typeface="Arial" panose="020B0604020202020204" pitchFamily="34" charset="0"/>
+              </a:rPr>
+              <a:t>Scopus.</a:t>
+            </a:r>
+            <a:r>
+              <a:rPr lang="ru-RU" sz="2800" dirty="0">
+                <a:effectLst/>
+                <a:latin typeface="Arial" panose="020B0604020202020204" pitchFamily="34" charset="0"/>
+                <a:ea typeface="Times New Roman" panose="02020603050405020304" pitchFamily="18" charset="0"/>
+                <a:cs typeface="Arial" panose="020B0604020202020204" pitchFamily="34" charset="0"/>
+              </a:rPr>
+              <a:t> Результаты работы докладывались на различных конференциях международного, областного и регионального уровней, отмечены дипломами о лучших докладах</a:t>
+            </a:r>
+            <a:endParaRPr lang="ru-RU" sz="2800" dirty="0">
+              <a:latin typeface="Arial" panose="020B0604020202020204" pitchFamily="34" charset="0"/>
+              <a:cs typeface="Arial" panose="020B0604020202020204" pitchFamily="34" charset="0"/>
+            </a:endParaRPr>
+          </a:p>
+        </p:txBody>
+      </p:sp>
+    </p:spTree>
+    <p:extLst>
+      <p:ext uri="{BB962C8B-B14F-4D97-AF65-F5344CB8AC3E}">
+        <p14:creationId xmlns:p14="http://schemas.microsoft.com/office/powerpoint/2010/main" val="2474415876"/>
+      </p:ext>
+    </p:extLst>
+  </p:cSld>
+  <p:clrMapOvr>
+    <a:masterClrMapping/>
+  </p:clrMapOvr>
+</p:sld>
+</file>
+
+<file path=ppt/slides/slide15.xml><?xml version="1.0" encoding="utf-8"?>
+<p:sld xmlns:a="http://schemas.openxmlformats.org/drawingml/2006/main" xmlns:r="http://schemas.openxmlformats.org/officeDocument/2006/relationships" xmlns:p="http://schemas.openxmlformats.org/presentationml/2006/main">
+  <p:cSld>
+    <p:spTree>
+      <p:nvGrpSpPr>
+        <p:cNvPr id="1" name=""/>
+        <p:cNvGrpSpPr/>
+        <p:nvPr/>
+      </p:nvGrpSpPr>
+      <p:grpSpPr>
+        <a:xfrm>
+          <a:off x="0" y="0"/>
+          <a:ext cx="0" cy="0"/>
+          <a:chOff x="0" y="0"/>
+          <a:chExt cx="0" cy="0"/>
+        </a:xfrm>
+      </p:grpSpPr>
+      <p:sp>
+        <p:nvSpPr>
+          <p:cNvPr id="2" name="Заголовок 1"/>
+          <p:cNvSpPr>
+            <a:spLocks noGrp="1"/>
+          </p:cNvSpPr>
+          <p:nvPr>
+            <p:ph type="title"/>
+          </p:nvPr>
+        </p:nvSpPr>
+        <p:spPr/>
+        <p:txBody>
+          <a:bodyPr/>
+          <a:lstStyle/>
+          <a:p>
+            <a:endParaRPr lang="ru-RU"/>
+          </a:p>
+        </p:txBody>
+      </p:sp>
+      <p:pic>
+        <p:nvPicPr>
+          <p:cNvPr id="4" name="Рисунок 3"/>
+          <p:cNvPicPr>
+            <a:picLocks noChangeAspect="1"/>
+          </p:cNvPicPr>
+          <p:nvPr/>
+        </p:nvPicPr>
+        <p:blipFill>
+          <a:blip r:embed="rId2" cstate="print">
+            <a:extLst>
+              <a:ext uri="{28A0092B-C50C-407E-A947-70E740481C1C}">
+                <a14:useLocalDpi xmlns:a14="http://schemas.microsoft.com/office/drawing/2010/main" val="0"/>
+              </a:ext>
+            </a:extLst>
+          </a:blip>
+          <a:stretch>
+            <a:fillRect/>
+          </a:stretch>
+        </p:blipFill>
+        <p:spPr>
+          <a:xfrm>
+            <a:off x="0" y="1713"/>
+            <a:ext cx="12192000" cy="6854573"/>
+          </a:xfrm>
+          <a:prstGeom prst="rect">
+            <a:avLst/>
+          </a:prstGeom>
+        </p:spPr>
+      </p:pic>
+      <p:sp>
+        <p:nvSpPr>
+          <p:cNvPr id="5" name="TextBox 4"/>
+          <p:cNvSpPr txBox="1"/>
+          <p:nvPr/>
+        </p:nvSpPr>
+        <p:spPr>
+          <a:xfrm>
+            <a:off x="4655046" y="3121627"/>
+            <a:ext cx="7260321" cy="1015663"/>
+          </a:xfrm>
+          <a:prstGeom prst="rect">
+            <a:avLst/>
+          </a:prstGeom>
+        </p:spPr>
+        <p:txBody>
+          <a:bodyPr vert="horz" wrap="none" lIns="91440" tIns="45720" rIns="91440" bIns="45720" rtlCol="0" anchor="ctr">
+            <a:spAutoFit/>
+          </a:bodyPr>
+          <a:lstStyle/>
+          <a:p>
+            <a:r>
+              <a:rPr lang="ru-RU" sz="6000" dirty="0">
+                <a:solidFill>
+                  <a:schemeClr val="bg1"/>
+                </a:solidFill>
+                <a:latin typeface="+mj-lt"/>
+              </a:rPr>
+              <a:t>Спасибо за внимание</a:t>
+            </a:r>
+          </a:p>
+        </p:txBody>
+      </p:sp>
+      <p:sp>
+        <p:nvSpPr>
+          <p:cNvPr id="3" name="Номер слайда 2"/>
+          <p:cNvSpPr>
+            <a:spLocks noGrp="1"/>
+          </p:cNvSpPr>
+          <p:nvPr>
+            <p:ph type="sldNum" sz="quarter" idx="12"/>
+          </p:nvPr>
+        </p:nvSpPr>
+        <p:spPr/>
+        <p:txBody>
+          <a:bodyPr/>
+          <a:lstStyle/>
+          <a:p>
+            <a:fld id="{E2656834-4BAB-4DB1-9FED-8310CA017EAF}" type="slidenum">
+              <a:rPr lang="ru-RU" smtClean="0"/>
+              <a:t>15</a:t>
+            </a:fld>
+            <a:endParaRPr lang="ru-RU"/>
+          </a:p>
+        </p:txBody>
+      </p:sp>
+    </p:spTree>
+    <p:extLst>
+      <p:ext uri="{BB962C8B-B14F-4D97-AF65-F5344CB8AC3E}">
+        <p14:creationId xmlns:p14="http://schemas.microsoft.com/office/powerpoint/2010/main" val="3032140843"/>
+      </p:ext>
+    </p:extLst>
+  </p:cSld>
+  <p:clrMapOvr>
+    <a:masterClrMapping/>
+  </p:clrMapOvr>
+</p:sld>
+</file>
+
+<file path=ppt/slides/slide2.xml><?xml version="1.0" encoding="utf-8"?>
+<p:sld xmlns:a="http://schemas.openxmlformats.org/drawingml/2006/main" xmlns:r="http://schemas.openxmlformats.org/officeDocument/2006/relationships" xmlns:p="http://schemas.openxmlformats.org/presentationml/2006/main">
+  <p:cSld>
+    <p:spTree>
+      <p:nvGrpSpPr>
+        <p:cNvPr id="1" name=""/>
+        <p:cNvGrpSpPr/>
+        <p:nvPr/>
+      </p:nvGrpSpPr>
+      <p:grpSpPr>
+        <a:xfrm>
+          <a:off x="0" y="0"/>
+          <a:ext cx="0" cy="0"/>
+          <a:chOff x="0" y="0"/>
+          <a:chExt cx="0" cy="0"/>
+        </a:xfrm>
+      </p:grpSpPr>
+      <p:sp>
+        <p:nvSpPr>
+          <p:cNvPr id="3" name="Объект 2"/>
+          <p:cNvSpPr>
+            <a:spLocks noGrp="1"/>
+          </p:cNvSpPr>
+          <p:nvPr>
+            <p:ph idx="1"/>
+          </p:nvPr>
+        </p:nvSpPr>
+        <p:spPr>
+          <a:xfrm>
+            <a:off x="694606" y="908720"/>
+            <a:ext cx="10965122" cy="1296144"/>
+          </a:xfrm>
+        </p:spPr>
+        <p:txBody>
+          <a:bodyPr>
+            <a:noAutofit/>
+          </a:bodyPr>
+          <a:lstStyle/>
+          <a:p>
+            <a:r>
+              <a:rPr lang="ru-RU" sz="2400" dirty="0"/>
+              <a:t>Рост вычислительной мощности смартфона</a:t>
+            </a:r>
+          </a:p>
+          <a:p>
+            <a:r>
+              <a:rPr lang="ru-RU" sz="2400" dirty="0"/>
+              <a:t>Внедрение передовых и точных датчиков на смартфон</a:t>
+            </a:r>
+          </a:p>
+          <a:p>
+            <a:r>
+              <a:rPr lang="ru-RU" sz="2400" dirty="0">
+                <a:solidFill>
+                  <a:srgbClr val="FF0000"/>
+                </a:solidFill>
+              </a:rPr>
+              <a:t>Увеличение количества зданий</a:t>
+            </a:r>
+            <a:r>
+              <a:rPr lang="ru-RU" sz="2400" dirty="0"/>
+              <a:t>, в которых необходимо вести навигацию</a:t>
+            </a:r>
+          </a:p>
+        </p:txBody>
+      </p:sp>
+      <p:sp>
+        <p:nvSpPr>
+          <p:cNvPr id="5" name="TextBox 4"/>
+          <p:cNvSpPr txBox="1"/>
+          <p:nvPr/>
+        </p:nvSpPr>
+        <p:spPr>
+          <a:xfrm>
+            <a:off x="2351319" y="215407"/>
+            <a:ext cx="7898675" cy="523220"/>
+          </a:xfrm>
+          <a:prstGeom prst="rect">
+            <a:avLst/>
+          </a:prstGeom>
+          <a:noFill/>
+        </p:spPr>
+        <p:txBody>
+          <a:bodyPr wrap="square" rtlCol="0" anchor="ctr" anchorCtr="1">
+            <a:spAutoFit/>
+          </a:bodyPr>
+          <a:lstStyle/>
+          <a:p>
+            <a:pPr algn="ctr"/>
+            <a:r>
+              <a:rPr lang="ru-RU" sz="2800" dirty="0">
+                <a:solidFill>
+                  <a:schemeClr val="bg1"/>
+                </a:solidFill>
+                <a:latin typeface="Elektra Text Pro" panose="02000503030000020004" pitchFamily="50" charset="-52"/>
+              </a:rPr>
+              <a:t>Актуальность</a:t>
+            </a:r>
+          </a:p>
+        </p:txBody>
+      </p:sp>
+      <p:sp>
+        <p:nvSpPr>
+          <p:cNvPr id="7" name="Номер слайда 2"/>
+          <p:cNvSpPr>
+            <a:spLocks noGrp="1"/>
+          </p:cNvSpPr>
+          <p:nvPr>
+            <p:ph type="sldNum" sz="quarter" idx="12"/>
+          </p:nvPr>
+        </p:nvSpPr>
+        <p:spPr>
+          <a:xfrm>
+            <a:off x="8736463" y="6356351"/>
+            <a:ext cx="2844430" cy="365125"/>
+          </a:xfrm>
+        </p:spPr>
+        <p:txBody>
+          <a:bodyPr/>
+          <a:lstStyle/>
+          <a:p>
+            <a:fld id="{E2656834-4BAB-4DB1-9FED-8310CA017EAF}" type="slidenum">
+              <a:rPr lang="ru-RU" sz="2000" b="1" smtClean="0">
+                <a:solidFill>
+                  <a:schemeClr val="tx1"/>
+                </a:solidFill>
+              </a:rPr>
+              <a:t>2</a:t>
+            </a:fld>
+            <a:endParaRPr lang="ru-RU" sz="2000" b="1" dirty="0">
+              <a:solidFill>
+                <a:schemeClr val="tx1"/>
+              </a:solidFill>
+            </a:endParaRPr>
+          </a:p>
+        </p:txBody>
+      </p:sp>
+      <p:pic>
+        <p:nvPicPr>
+          <p:cNvPr id="1026" name="Picture 2">
+            <a:extLst>
+              <a:ext uri="{FF2B5EF4-FFF2-40B4-BE49-F238E27FC236}">
+                <a16:creationId xmlns:a16="http://schemas.microsoft.com/office/drawing/2014/main" id="{ACDB40C9-0CFA-4A02-A99F-0D0ABFA54053}"/>
+              </a:ext>
+            </a:extLst>
+          </p:cNvPr>
+          <p:cNvPicPr>
+            <a:picLocks noChangeAspect="1" noChangeArrowheads="1"/>
+          </p:cNvPicPr>
+          <p:nvPr/>
+        </p:nvPicPr>
+        <p:blipFill>
+          <a:blip r:embed="rId2" cstate="print">
+            <a:extLst>
+              <a:ext uri="{28A0092B-C50C-407E-A947-70E740481C1C}">
+                <a14:useLocalDpi xmlns:a14="http://schemas.microsoft.com/office/drawing/2010/main" val="0"/>
+              </a:ext>
+            </a:extLst>
+          </a:blip>
+          <a:srcRect/>
+          <a:stretch>
+            <a:fillRect/>
+          </a:stretch>
+        </p:blipFill>
+        <p:spPr bwMode="auto">
+          <a:xfrm>
+            <a:off x="8300826" y="4365104"/>
+            <a:ext cx="3358902" cy="1889191"/>
+          </a:xfrm>
+          <a:prstGeom prst="rect">
+            <a:avLst/>
+          </a:prstGeom>
+          <a:noFill/>
+          <a:extLst>
+            <a:ext uri="{909E8E84-426E-40DD-AFC4-6F175D3DCCD1}">
+              <a14:hiddenFill xmlns:a14="http://schemas.microsoft.com/office/drawing/2010/main">
+                <a:solidFill>
+                  <a:srgbClr val="FFFFFF"/>
+                </a:solidFill>
+              </a14:hiddenFill>
+            </a:ext>
+          </a:extLst>
+        </p:spPr>
+      </p:pic>
+      <p:pic>
+        <p:nvPicPr>
+          <p:cNvPr id="2" name="Picture 2">
+            <a:extLst>
+              <a:ext uri="{FF2B5EF4-FFF2-40B4-BE49-F238E27FC236}">
+                <a16:creationId xmlns:a16="http://schemas.microsoft.com/office/drawing/2014/main" id="{512D445D-8D43-493B-9971-8DAADF1606B6}"/>
+              </a:ext>
+            </a:extLst>
+          </p:cNvPr>
+          <p:cNvPicPr>
+            <a:picLocks noChangeAspect="1" noChangeArrowheads="1"/>
+          </p:cNvPicPr>
+          <p:nvPr/>
+        </p:nvPicPr>
+        <p:blipFill>
+          <a:blip r:embed="rId3" cstate="print">
+            <a:extLst>
+              <a:ext uri="{28A0092B-C50C-407E-A947-70E740481C1C}">
+                <a14:useLocalDpi xmlns:a14="http://schemas.microsoft.com/office/drawing/2010/main" val="0"/>
+              </a:ext>
+            </a:extLst>
+          </a:blip>
+          <a:srcRect/>
+          <a:stretch>
+            <a:fillRect/>
+          </a:stretch>
+        </p:blipFill>
+        <p:spPr bwMode="auto">
+          <a:xfrm>
+            <a:off x="8558062" y="2336840"/>
+            <a:ext cx="2844430" cy="1896287"/>
+          </a:xfrm>
+          <a:prstGeom prst="rect">
+            <a:avLst/>
+          </a:prstGeom>
+          <a:noFill/>
+          <a:extLst>
+            <a:ext uri="{909E8E84-426E-40DD-AFC4-6F175D3DCCD1}">
+              <a14:hiddenFill xmlns:a14="http://schemas.microsoft.com/office/drawing/2010/main">
+                <a:solidFill>
+                  <a:srgbClr val="FFFFFF"/>
+                </a:solidFill>
+              </a14:hiddenFill>
+            </a:ext>
+          </a:extLst>
+        </p:spPr>
+      </p:pic>
+    </p:spTree>
+    <p:extLst>
+      <p:ext uri="{BB962C8B-B14F-4D97-AF65-F5344CB8AC3E}">
+        <p14:creationId xmlns:p14="http://schemas.microsoft.com/office/powerpoint/2010/main" val="348746377"/>
+      </p:ext>
+    </p:extLst>
+  </p:cSld>
+  <p:clrMapOvr>
+    <a:masterClrMapping/>
+  </p:clrMapOvr>
+</p:sld>
+</file>
+
+<file path=ppt/slides/slide3.xml><?xml version="1.0" encoding="utf-8"?>
+<p:sld xmlns:a="http://schemas.openxmlformats.org/drawingml/2006/main" xmlns:r="http://schemas.openxmlformats.org/officeDocument/2006/relationships" xmlns:p="http://schemas.openxmlformats.org/presentationml/2006/main">
+  <p:cSld>
+    <p:spTree>
+      <p:nvGrpSpPr>
+        <p:cNvPr id="1" name=""/>
+        <p:cNvGrpSpPr/>
+        <p:nvPr/>
+      </p:nvGrpSpPr>
+      <p:grpSpPr>
+        <a:xfrm>
+          <a:off x="0" y="0"/>
+          <a:ext cx="0" cy="0"/>
+          <a:chOff x="0" y="0"/>
+          <a:chExt cx="0" cy="0"/>
+        </a:xfrm>
+      </p:grpSpPr>
+      <p:sp>
+        <p:nvSpPr>
+          <p:cNvPr id="2" name="Заголовок 1"/>
+          <p:cNvSpPr>
+            <a:spLocks noGrp="1"/>
+          </p:cNvSpPr>
+          <p:nvPr>
+            <p:ph type="title"/>
+          </p:nvPr>
+        </p:nvSpPr>
+        <p:spPr/>
+        <p:txBody>
+          <a:bodyPr/>
+          <a:lstStyle/>
+          <a:p>
+            <a:r>
+              <a:rPr lang="ru-RU" dirty="0"/>
+              <a:t> </a:t>
+            </a:r>
+          </a:p>
+        </p:txBody>
+      </p:sp>
+      <p:sp>
+        <p:nvSpPr>
+          <p:cNvPr id="7" name="TextBox 6"/>
+          <p:cNvSpPr txBox="1"/>
+          <p:nvPr/>
+        </p:nvSpPr>
+        <p:spPr>
+          <a:xfrm>
+            <a:off x="550590" y="908720"/>
+            <a:ext cx="11208508" cy="830997"/>
+          </a:xfrm>
+          <a:prstGeom prst="rect">
+            <a:avLst/>
+          </a:prstGeom>
+          <a:noFill/>
+        </p:spPr>
+        <p:txBody>
+          <a:bodyPr wrap="square" rtlCol="0">
+            <a:spAutoFit/>
+          </a:bodyPr>
+          <a:lstStyle/>
+          <a:p>
+            <a:pPr>
+              <a:spcBef>
+                <a:spcPct val="20000"/>
+              </a:spcBef>
+            </a:pPr>
+            <a:r>
+              <a:rPr lang="ru-RU" sz="2400" dirty="0"/>
+              <a:t>Цель работы – разработать навигационную систему, которая </a:t>
+            </a:r>
+            <a:r>
+              <a:rPr lang="ru-RU" sz="2400" dirty="0">
+                <a:solidFill>
+                  <a:srgbClr val="FF0000"/>
+                </a:solidFill>
+              </a:rPr>
+              <a:t>будет автономно и независимо от других систем </a:t>
+            </a:r>
+            <a:r>
+              <a:rPr lang="ru-RU" sz="2400" dirty="0"/>
+              <a:t>вести навигацию внутри помещений.</a:t>
+            </a:r>
+          </a:p>
+        </p:txBody>
+      </p:sp>
+      <p:graphicFrame>
+        <p:nvGraphicFramePr>
+          <p:cNvPr id="8" name="Схема 7"/>
+          <p:cNvGraphicFramePr/>
+          <p:nvPr>
+            <p:extLst>
+              <p:ext uri="{D42A27DB-BD31-4B8C-83A1-F6EECF244321}">
+                <p14:modId xmlns:p14="http://schemas.microsoft.com/office/powerpoint/2010/main" val="2116099827"/>
+              </p:ext>
+            </p:extLst>
+          </p:nvPr>
+        </p:nvGraphicFramePr>
+        <p:xfrm>
+          <a:off x="430583" y="2201383"/>
+          <a:ext cx="11233248" cy="4395970"/>
+        </p:xfrm>
+        <a:graphic>
+          <a:graphicData uri="http://schemas.openxmlformats.org/drawingml/2006/diagram">
+            <dgm:relIds xmlns:dgm="http://schemas.openxmlformats.org/drawingml/2006/diagram" xmlns:r="http://schemas.openxmlformats.org/officeDocument/2006/relationships" r:dm="rId2" r:lo="rId3" r:qs="rId4" r:cs="rId5"/>
+          </a:graphicData>
+        </a:graphic>
+      </p:graphicFrame>
+      <p:sp>
+        <p:nvSpPr>
+          <p:cNvPr id="10" name="TextBox 9"/>
+          <p:cNvSpPr txBox="1"/>
+          <p:nvPr/>
+        </p:nvSpPr>
+        <p:spPr>
+          <a:xfrm>
+            <a:off x="2351321" y="224589"/>
+            <a:ext cx="7898675" cy="523220"/>
+          </a:xfrm>
+          <a:prstGeom prst="rect">
+            <a:avLst/>
+          </a:prstGeom>
+          <a:noFill/>
+        </p:spPr>
+        <p:txBody>
+          <a:bodyPr wrap="square" rtlCol="0" anchor="ctr" anchorCtr="1">
+            <a:spAutoFit/>
+          </a:bodyPr>
+          <a:lstStyle/>
+          <a:p>
+            <a:pPr algn="ctr"/>
+            <a:r>
+              <a:rPr lang="ru-RU" sz="2800" dirty="0">
+                <a:solidFill>
+                  <a:schemeClr val="bg1"/>
+                </a:solidFill>
+                <a:latin typeface="Elektra Text Pro" panose="02000503030000020004" pitchFamily="50" charset="-52"/>
+              </a:rPr>
+              <a:t>Цели и задачи</a:t>
+            </a:r>
+          </a:p>
+        </p:txBody>
+      </p:sp>
+      <p:sp>
+        <p:nvSpPr>
+          <p:cNvPr id="9" name="TextBox 8"/>
+          <p:cNvSpPr txBox="1"/>
+          <p:nvPr/>
+        </p:nvSpPr>
+        <p:spPr>
+          <a:xfrm>
+            <a:off x="609521" y="1739717"/>
+            <a:ext cx="11208508" cy="461665"/>
+          </a:xfrm>
+          <a:prstGeom prst="rect">
+            <a:avLst/>
+          </a:prstGeom>
+          <a:noFill/>
+        </p:spPr>
+        <p:txBody>
+          <a:bodyPr wrap="square" rtlCol="0">
+            <a:spAutoFit/>
+          </a:bodyPr>
+          <a:lstStyle/>
+          <a:p>
+            <a:pPr>
+              <a:spcBef>
+                <a:spcPct val="20000"/>
+              </a:spcBef>
+            </a:pPr>
+            <a:r>
+              <a:rPr lang="ru-RU" sz="2400" dirty="0"/>
+              <a:t>На защиту выносятся:</a:t>
+            </a:r>
+          </a:p>
+        </p:txBody>
+      </p:sp>
+      <p:sp>
+        <p:nvSpPr>
+          <p:cNvPr id="3" name="Номер слайда 2"/>
+          <p:cNvSpPr>
+            <a:spLocks noGrp="1"/>
+          </p:cNvSpPr>
+          <p:nvPr>
+            <p:ph type="sldNum" sz="quarter" idx="12"/>
+          </p:nvPr>
+        </p:nvSpPr>
+        <p:spPr/>
+        <p:txBody>
+          <a:bodyPr/>
+          <a:lstStyle/>
+          <a:p>
+            <a:fld id="{E2656834-4BAB-4DB1-9FED-8310CA017EAF}" type="slidenum">
+              <a:rPr lang="ru-RU" sz="2000" b="1" smtClean="0">
+                <a:solidFill>
+                  <a:schemeClr val="tx1"/>
+                </a:solidFill>
+              </a:rPr>
+              <a:t>3</a:t>
+            </a:fld>
+            <a:endParaRPr lang="ru-RU" sz="2000" b="1" dirty="0">
+              <a:solidFill>
+                <a:schemeClr val="tx1"/>
+              </a:solidFill>
+            </a:endParaRPr>
+          </a:p>
+        </p:txBody>
+      </p:sp>
+    </p:spTree>
+    <p:extLst>
+      <p:ext uri="{BB962C8B-B14F-4D97-AF65-F5344CB8AC3E}">
+        <p14:creationId xmlns:p14="http://schemas.microsoft.com/office/powerpoint/2010/main" val="292644534"/>
+      </p:ext>
+    </p:extLst>
+  </p:cSld>
+  <p:clrMapOvr>
+    <a:masterClrMapping/>
+  </p:clrMapOvr>
+</p:sld>
+</file>
+
+<file path=ppt/slides/slide4.xml><?xml version="1.0" encoding="utf-8"?>
+<p:sld xmlns:a="http://schemas.openxmlformats.org/drawingml/2006/main" xmlns:r="http://schemas.openxmlformats.org/officeDocument/2006/relationships" xmlns:p="http://schemas.openxmlformats.org/presentationml/2006/main">
+  <p:cSld>
+    <p:spTree>
+      <p:nvGrpSpPr>
+        <p:cNvPr id="1" name=""/>
+        <p:cNvGrpSpPr/>
+        <p:nvPr/>
+      </p:nvGrpSpPr>
+      <p:grpSpPr>
+        <a:xfrm>
+          <a:off x="0" y="0"/>
+          <a:ext cx="0" cy="0"/>
+          <a:chOff x="0" y="0"/>
+          <a:chExt cx="0" cy="0"/>
+        </a:xfrm>
+      </p:grpSpPr>
+      <p:sp>
+        <p:nvSpPr>
+          <p:cNvPr id="2" name="Заголовок 1"/>
+          <p:cNvSpPr>
+            <a:spLocks noGrp="1"/>
+          </p:cNvSpPr>
+          <p:nvPr>
+            <p:ph type="title"/>
+          </p:nvPr>
+        </p:nvSpPr>
+        <p:spPr/>
+        <p:txBody>
+          <a:bodyPr/>
+          <a:lstStyle/>
+          <a:p>
+            <a:r>
+              <a:rPr lang="ru-RU" dirty="0"/>
+              <a:t> </a:t>
+            </a:r>
+          </a:p>
+        </p:txBody>
+      </p:sp>
+      <p:sp>
+        <p:nvSpPr>
+          <p:cNvPr id="10" name="TextBox 9"/>
+          <p:cNvSpPr txBox="1"/>
+          <p:nvPr/>
+        </p:nvSpPr>
+        <p:spPr>
+          <a:xfrm>
+            <a:off x="2351321" y="224589"/>
+            <a:ext cx="7898675" cy="523220"/>
+          </a:xfrm>
+          <a:prstGeom prst="rect">
+            <a:avLst/>
+          </a:prstGeom>
+          <a:noFill/>
+        </p:spPr>
+        <p:txBody>
+          <a:bodyPr wrap="square" rtlCol="0" anchor="ctr" anchorCtr="1">
+            <a:spAutoFit/>
+          </a:bodyPr>
+          <a:lstStyle/>
+          <a:p>
+            <a:pPr algn="ctr"/>
+            <a:r>
+              <a:rPr lang="ru-RU" sz="2800" dirty="0">
+                <a:solidFill>
+                  <a:schemeClr val="bg1"/>
+                </a:solidFill>
+                <a:latin typeface="Elektra Text Pro" panose="02000503030000020004" pitchFamily="50" charset="-52"/>
+              </a:rPr>
+              <a:t>Научная новизна</a:t>
+            </a:r>
+          </a:p>
+        </p:txBody>
+      </p:sp>
+      <p:sp>
+        <p:nvSpPr>
+          <p:cNvPr id="3" name="Номер слайда 2"/>
+          <p:cNvSpPr>
+            <a:spLocks noGrp="1"/>
+          </p:cNvSpPr>
+          <p:nvPr>
+            <p:ph type="sldNum" sz="quarter" idx="12"/>
+          </p:nvPr>
+        </p:nvSpPr>
+        <p:spPr/>
+        <p:txBody>
+          <a:bodyPr/>
+          <a:lstStyle/>
+          <a:p>
+            <a:fld id="{E2656834-4BAB-4DB1-9FED-8310CA017EAF}" type="slidenum">
+              <a:rPr lang="ru-RU" sz="2000" b="1" smtClean="0">
+                <a:solidFill>
+                  <a:schemeClr val="tx1"/>
+                </a:solidFill>
+              </a:rPr>
+              <a:t>4</a:t>
+            </a:fld>
+            <a:endParaRPr lang="ru-RU" sz="2000" b="1" dirty="0">
+              <a:solidFill>
+                <a:schemeClr val="tx1"/>
+              </a:solidFill>
+            </a:endParaRPr>
+          </a:p>
+        </p:txBody>
+      </p:sp>
+      <p:sp>
+        <p:nvSpPr>
+          <p:cNvPr id="11" name="TextBox 10">
+            <a:extLst>
+              <a:ext uri="{FF2B5EF4-FFF2-40B4-BE49-F238E27FC236}">
+                <a16:creationId xmlns:a16="http://schemas.microsoft.com/office/drawing/2014/main" id="{A4E7E061-527F-4523-8A6F-274448E65583}"/>
+              </a:ext>
+            </a:extLst>
+          </p:cNvPr>
+          <p:cNvSpPr txBox="1"/>
+          <p:nvPr/>
+        </p:nvSpPr>
+        <p:spPr>
+          <a:xfrm>
+            <a:off x="504858" y="3462781"/>
+            <a:ext cx="11180695" cy="2805063"/>
+          </a:xfrm>
+          <a:prstGeom prst="rect">
+            <a:avLst/>
+          </a:prstGeom>
+          <a:noFill/>
+        </p:spPr>
+        <p:txBody>
+          <a:bodyPr wrap="square">
+            <a:spAutoFit/>
+          </a:bodyPr>
+          <a:lstStyle/>
+          <a:p>
+            <a:pPr algn="just">
+              <a:lnSpc>
+                <a:spcPct val="150000"/>
+              </a:lnSpc>
+              <a:buFontTx/>
+              <a:buNone/>
+            </a:pPr>
+            <a:r>
+              <a:rPr lang="ru-RU" altLang="ru-RU" sz="2400" b="1" dirty="0">
+                <a:latin typeface="Arial" panose="020B0604020202020204" pitchFamily="34" charset="0"/>
+                <a:cs typeface="Arial" panose="020B0604020202020204" pitchFamily="34" charset="0"/>
+              </a:rPr>
+              <a:t>Практическая ценность работы</a:t>
+            </a:r>
+            <a:r>
+              <a:rPr lang="ru-RU" altLang="ru-RU" sz="2400" dirty="0">
+                <a:latin typeface="Arial" panose="020B0604020202020204" pitchFamily="34" charset="0"/>
+                <a:cs typeface="Arial" panose="020B0604020202020204" pitchFamily="34" charset="0"/>
+              </a:rPr>
+              <a:t> заключается в разработке автоматизированной </a:t>
+            </a:r>
+            <a:r>
+              <a:rPr lang="ru-RU" sz="2400" dirty="0">
+                <a:effectLst/>
+                <a:latin typeface="Arial" panose="020B0604020202020204" pitchFamily="34" charset="0"/>
+                <a:ea typeface="Times New Roman" panose="02020603050405020304" pitchFamily="18" charset="0"/>
+                <a:cs typeface="Arial" panose="020B0604020202020204" pitchFamily="34" charset="0"/>
+              </a:rPr>
+              <a:t>системы навигации внутри помещений с помощью инерциальной технологии локального позиционирования мобильных устройств, которая может применяться для решения задачи поиска и построения маршрута в помещениях, например, торговые центры.</a:t>
+            </a:r>
+            <a:endParaRPr lang="ru-RU" altLang="ru-RU" sz="2400" dirty="0">
+              <a:latin typeface="Arial" panose="020B0604020202020204" pitchFamily="34" charset="0"/>
+              <a:cs typeface="Arial" panose="020B0604020202020204" pitchFamily="34" charset="0"/>
+            </a:endParaRPr>
+          </a:p>
+        </p:txBody>
+      </p:sp>
+    </p:spTree>
+    <p:extLst>
+      <p:ext uri="{BB962C8B-B14F-4D97-AF65-F5344CB8AC3E}">
+        <p14:creationId xmlns:p14="http://schemas.microsoft.com/office/powerpoint/2010/main" val="798790406"/>
+      </p:ext>
+    </p:extLst>
+  </p:cSld>
+  <p:clrMapOvr>
+    <a:masterClrMapping/>
+  </p:clrMapOvr>
+</p:sld>
+</file>
+
+<file path=ppt/slides/slide5.xml><?xml version="1.0" encoding="utf-8"?>
+<p:sld xmlns:a="http://schemas.openxmlformats.org/drawingml/2006/main" xmlns:r="http://schemas.openxmlformats.org/officeDocument/2006/relationships" xmlns:p="http://schemas.openxmlformats.org/presentationml/2006/main">
+  <p:cSld>
+    <p:spTree>
+      <p:nvGrpSpPr>
+        <p:cNvPr id="1" name=""/>
+        <p:cNvGrpSpPr/>
+        <p:nvPr/>
+      </p:nvGrpSpPr>
+      <p:grpSpPr>
+        <a:xfrm>
+          <a:off x="0" y="0"/>
+          <a:ext cx="0" cy="0"/>
+          <a:chOff x="0" y="0"/>
+          <a:chExt cx="0" cy="0"/>
+        </a:xfrm>
+      </p:grpSpPr>
+      <p:graphicFrame>
+        <p:nvGraphicFramePr>
+          <p:cNvPr id="2" name="Объект 1">
+            <a:extLst>
+              <a:ext uri="{FF2B5EF4-FFF2-40B4-BE49-F238E27FC236}">
+                <a16:creationId xmlns:a16="http://schemas.microsoft.com/office/drawing/2014/main" id="{1A8AC665-49CD-4479-8B3C-655595D5368D}"/>
+              </a:ext>
+            </a:extLst>
+          </p:cNvPr>
+          <p:cNvGraphicFramePr>
+            <a:graphicFrameLocks noGrp="1"/>
+          </p:cNvGraphicFramePr>
+          <p:nvPr>
+            <p:ph idx="1"/>
+            <p:extLst>
+              <p:ext uri="{D42A27DB-BD31-4B8C-83A1-F6EECF244321}">
+                <p14:modId xmlns:p14="http://schemas.microsoft.com/office/powerpoint/2010/main" val="3959378903"/>
+              </p:ext>
+            </p:extLst>
+          </p:nvPr>
+        </p:nvGraphicFramePr>
+        <p:xfrm>
+          <a:off x="6292792" y="1124744"/>
+          <a:ext cx="5017521" cy="5231607"/>
+        </p:xfrm>
+        <a:graphic>
+          <a:graphicData uri="http://schemas.openxmlformats.org/drawingml/2006/diagram">
+            <dgm:relIds xmlns:dgm="http://schemas.openxmlformats.org/drawingml/2006/diagram" xmlns:r="http://schemas.openxmlformats.org/officeDocument/2006/relationships" r:dm="rId2" r:lo="rId3" r:qs="rId4" r:cs="rId5"/>
+          </a:graphicData>
+        </a:graphic>
+      </p:graphicFrame>
+      <p:sp>
+        <p:nvSpPr>
+          <p:cNvPr id="5" name="TextBox 4"/>
+          <p:cNvSpPr txBox="1"/>
+          <p:nvPr/>
+        </p:nvSpPr>
+        <p:spPr>
+          <a:xfrm>
+            <a:off x="2351319" y="215407"/>
+            <a:ext cx="7898675" cy="523220"/>
+          </a:xfrm>
+          <a:prstGeom prst="rect">
+            <a:avLst/>
+          </a:prstGeom>
+          <a:noFill/>
+        </p:spPr>
+        <p:txBody>
+          <a:bodyPr wrap="square" rtlCol="0" anchor="ctr" anchorCtr="1">
+            <a:spAutoFit/>
+          </a:bodyPr>
+          <a:lstStyle/>
+          <a:p>
+            <a:pPr algn="ctr"/>
+            <a:r>
+              <a:rPr lang="ru-RU" sz="2800" dirty="0">
+                <a:solidFill>
+                  <a:schemeClr val="bg1"/>
+                </a:solidFill>
+                <a:latin typeface="Elektra Text Pro" panose="02000503030000020004" pitchFamily="50" charset="-52"/>
+              </a:rPr>
+              <a:t>Навигация и системы навигации</a:t>
+            </a:r>
+          </a:p>
+        </p:txBody>
+      </p:sp>
+      <p:sp>
+        <p:nvSpPr>
+          <p:cNvPr id="7" name="Номер слайда 2"/>
+          <p:cNvSpPr>
+            <a:spLocks noGrp="1"/>
+          </p:cNvSpPr>
+          <p:nvPr>
+            <p:ph type="sldNum" sz="quarter" idx="12"/>
+          </p:nvPr>
+        </p:nvSpPr>
+        <p:spPr>
+          <a:xfrm>
+            <a:off x="8736463" y="6356351"/>
+            <a:ext cx="2844430" cy="365125"/>
+          </a:xfrm>
+        </p:spPr>
+        <p:txBody>
+          <a:bodyPr/>
+          <a:lstStyle/>
+          <a:p>
+            <a:fld id="{E2656834-4BAB-4DB1-9FED-8310CA017EAF}" type="slidenum">
+              <a:rPr lang="ru-RU" sz="2000" b="1" smtClean="0">
+                <a:solidFill>
+                  <a:schemeClr val="tx1"/>
+                </a:solidFill>
+              </a:rPr>
+              <a:t>5</a:t>
+            </a:fld>
+            <a:endParaRPr lang="ru-RU" sz="2000" b="1" dirty="0">
+              <a:solidFill>
+                <a:schemeClr val="tx1"/>
+              </a:solidFill>
+            </a:endParaRPr>
+          </a:p>
+        </p:txBody>
+      </p:sp>
+      <p:sp>
+        <p:nvSpPr>
+          <p:cNvPr id="4" name="TextBox 3">
+            <a:extLst>
+              <a:ext uri="{FF2B5EF4-FFF2-40B4-BE49-F238E27FC236}">
+                <a16:creationId xmlns:a16="http://schemas.microsoft.com/office/drawing/2014/main" id="{CB2E0B41-2672-4FB3-B2EF-F5DDF905D0FC}"/>
+              </a:ext>
+            </a:extLst>
+          </p:cNvPr>
+          <p:cNvSpPr txBox="1"/>
+          <p:nvPr/>
+        </p:nvSpPr>
+        <p:spPr>
+          <a:xfrm>
+            <a:off x="406575" y="1124744"/>
+            <a:ext cx="5598854" cy="1697068"/>
+          </a:xfrm>
+          <a:prstGeom prst="rect">
+            <a:avLst/>
+          </a:prstGeom>
+        </p:spPr>
+        <p:txBody>
+          <a:bodyPr vert="horz" wrap="square" lIns="91440" tIns="45720" rIns="91440" bIns="45720" rtlCol="0" anchor="ctr">
+            <a:spAutoFit/>
+          </a:bodyPr>
+          <a:lstStyle/>
+          <a:p>
+            <a:pPr>
+              <a:lnSpc>
+                <a:spcPct val="150000"/>
+              </a:lnSpc>
+            </a:pPr>
+            <a:r>
+              <a:rPr lang="ru-RU" sz="2400" b="1" dirty="0">
+                <a:latin typeface="Arial" panose="020B0604020202020204" pitchFamily="34" charset="0"/>
+                <a:cs typeface="Arial" panose="020B0604020202020204" pitchFamily="34" charset="0"/>
+              </a:rPr>
+              <a:t>Навигация – </a:t>
+            </a:r>
+            <a:r>
+              <a:rPr lang="ru-RU" sz="2400" dirty="0">
+                <a:latin typeface="Arial" panose="020B0604020202020204" pitchFamily="34" charset="0"/>
+                <a:cs typeface="Arial" panose="020B0604020202020204" pitchFamily="34" charset="0"/>
+              </a:rPr>
+              <a:t>это процесс ориентирования некоторого объекта в определённом пространстве.</a:t>
+            </a:r>
+          </a:p>
+        </p:txBody>
+      </p:sp>
+      <p:sp>
+        <p:nvSpPr>
+          <p:cNvPr id="8" name="TextBox 7">
+            <a:extLst>
+              <a:ext uri="{FF2B5EF4-FFF2-40B4-BE49-F238E27FC236}">
+                <a16:creationId xmlns:a16="http://schemas.microsoft.com/office/drawing/2014/main" id="{D3E765C5-0F63-4F21-B2AA-360BEEF73683}"/>
+              </a:ext>
+            </a:extLst>
+          </p:cNvPr>
+          <p:cNvSpPr txBox="1"/>
+          <p:nvPr/>
+        </p:nvSpPr>
+        <p:spPr>
+          <a:xfrm>
+            <a:off x="406575" y="3207929"/>
+            <a:ext cx="5598853" cy="3347840"/>
+          </a:xfrm>
+          <a:prstGeom prst="rect">
+            <a:avLst/>
+          </a:prstGeom>
+          <a:noFill/>
+        </p:spPr>
+        <p:txBody>
+          <a:bodyPr wrap="square">
+            <a:spAutoFit/>
+          </a:bodyPr>
+          <a:lstStyle/>
+          <a:p>
+            <a:pPr>
+              <a:lnSpc>
+                <a:spcPct val="150000"/>
+              </a:lnSpc>
+            </a:pPr>
+            <a:r>
+              <a:rPr lang="ru-RU" sz="2400" b="1" dirty="0">
+                <a:latin typeface="Arial" panose="020B0604020202020204" pitchFamily="34" charset="0"/>
+                <a:cs typeface="Arial" panose="020B0604020202020204" pitchFamily="34" charset="0"/>
+              </a:rPr>
+              <a:t>Навигационная система – </a:t>
+            </a:r>
+            <a:r>
+              <a:rPr lang="ru-RU" sz="2400" dirty="0">
+                <a:latin typeface="Arial" panose="020B0604020202020204" pitchFamily="34" charset="0"/>
+                <a:cs typeface="Arial" panose="020B0604020202020204" pitchFamily="34" charset="0"/>
+              </a:rPr>
+              <a:t>это совокупность приборов, алгоритмов и программного обеспечения, позволяющих произвести ориентирование объекта в пространстве.</a:t>
+            </a:r>
+          </a:p>
+        </p:txBody>
+      </p:sp>
+    </p:spTree>
+    <p:extLst>
+      <p:ext uri="{BB962C8B-B14F-4D97-AF65-F5344CB8AC3E}">
+        <p14:creationId xmlns:p14="http://schemas.microsoft.com/office/powerpoint/2010/main" val="3884862942"/>
+      </p:ext>
+    </p:extLst>
+  </p:cSld>
+  <p:clrMapOvr>
+    <a:masterClrMapping/>
+  </p:clrMapOvr>
+</p:sld>
+</file>
+
+<file path=ppt/slides/slide6.xml><?xml version="1.0" encoding="utf-8"?>
+<p:sld xmlns:a="http://schemas.openxmlformats.org/drawingml/2006/main" xmlns:r="http://schemas.openxmlformats.org/officeDocument/2006/relationships" xmlns:p="http://schemas.openxmlformats.org/presentationml/2006/main">
+  <p:cSld>
+    <p:spTree>
+      <p:nvGrpSpPr>
+        <p:cNvPr id="1" name=""/>
+        <p:cNvGrpSpPr/>
+        <p:nvPr/>
+      </p:nvGrpSpPr>
+      <p:grpSpPr>
+        <a:xfrm>
+          <a:off x="0" y="0"/>
+          <a:ext cx="0" cy="0"/>
+          <a:chOff x="0" y="0"/>
+          <a:chExt cx="0" cy="0"/>
+        </a:xfrm>
+      </p:grpSpPr>
+      <p:sp>
+        <p:nvSpPr>
+          <p:cNvPr id="3" name="Объект 2"/>
+          <p:cNvSpPr>
+            <a:spLocks noGrp="1"/>
+          </p:cNvSpPr>
+          <p:nvPr>
+            <p:ph idx="1"/>
+          </p:nvPr>
+        </p:nvSpPr>
+        <p:spPr>
+          <a:xfrm>
+            <a:off x="239318" y="908719"/>
+            <a:ext cx="3551632" cy="1845702"/>
+          </a:xfrm>
+        </p:spPr>
+        <p:txBody>
+          <a:bodyPr>
+            <a:noAutofit/>
+          </a:bodyPr>
+          <a:lstStyle/>
+          <a:p>
+            <a:pPr marL="0" indent="0" algn="ctr">
+              <a:buNone/>
+            </a:pPr>
+            <a:r>
+              <a:rPr lang="ru-RU" sz="2000" b="1" dirty="0">
+                <a:latin typeface="Arial" panose="020B0604020202020204" pitchFamily="34" charset="0"/>
+                <a:cs typeface="Arial" panose="020B0604020202020204" pitchFamily="34" charset="0"/>
+              </a:rPr>
+              <a:t>Акселерометр</a:t>
+            </a:r>
+            <a:r>
+              <a:rPr lang="ru-RU" sz="2000" dirty="0">
+                <a:latin typeface="Arial" panose="020B0604020202020204" pitchFamily="34" charset="0"/>
+                <a:cs typeface="Arial" panose="020B0604020202020204" pitchFamily="34" charset="0"/>
+              </a:rPr>
+              <a:t> – это устройство, измеряющее проекцию кажущегося ускорения на одну или несколько осей.</a:t>
+            </a:r>
+          </a:p>
+        </p:txBody>
+      </p:sp>
+      <p:sp>
+        <p:nvSpPr>
+          <p:cNvPr id="13" name="TextBox 12"/>
+          <p:cNvSpPr txBox="1"/>
+          <p:nvPr/>
+        </p:nvSpPr>
+        <p:spPr>
+          <a:xfrm>
+            <a:off x="2351319" y="215407"/>
+            <a:ext cx="7898675" cy="523220"/>
+          </a:xfrm>
+          <a:prstGeom prst="rect">
+            <a:avLst/>
+          </a:prstGeom>
+          <a:noFill/>
+        </p:spPr>
+        <p:txBody>
+          <a:bodyPr wrap="square" rtlCol="0" anchor="ctr" anchorCtr="1">
+            <a:spAutoFit/>
+          </a:bodyPr>
+          <a:lstStyle/>
+          <a:p>
+            <a:pPr algn="ctr"/>
+            <a:r>
+              <a:rPr lang="ru-RU" sz="2800" dirty="0">
+                <a:solidFill>
+                  <a:schemeClr val="bg1"/>
+                </a:solidFill>
+                <a:latin typeface="Elektra Text Pro" panose="02000503030000020004" pitchFamily="50" charset="-52"/>
+              </a:rPr>
+              <a:t>Датчики смартфона</a:t>
+            </a:r>
+          </a:p>
+        </p:txBody>
+      </p:sp>
+      <p:sp>
+        <p:nvSpPr>
+          <p:cNvPr id="9" name="Номер слайда 2"/>
+          <p:cNvSpPr>
+            <a:spLocks noGrp="1"/>
+          </p:cNvSpPr>
+          <p:nvPr>
+            <p:ph type="sldNum" sz="quarter" idx="12"/>
+          </p:nvPr>
+        </p:nvSpPr>
+        <p:spPr>
+          <a:xfrm>
+            <a:off x="8736463" y="6356351"/>
+            <a:ext cx="2844430" cy="365125"/>
+          </a:xfrm>
+        </p:spPr>
+        <p:txBody>
+          <a:bodyPr/>
+          <a:lstStyle/>
+          <a:p>
+            <a:fld id="{E2656834-4BAB-4DB1-9FED-8310CA017EAF}" type="slidenum">
+              <a:rPr lang="ru-RU" sz="2000" b="1" smtClean="0">
+                <a:solidFill>
+                  <a:schemeClr val="tx1"/>
+                </a:solidFill>
+              </a:rPr>
+              <a:t>6</a:t>
+            </a:fld>
+            <a:endParaRPr lang="ru-RU" sz="2000" b="1" dirty="0">
+              <a:solidFill>
+                <a:schemeClr val="tx1"/>
+              </a:solidFill>
+            </a:endParaRPr>
+          </a:p>
+        </p:txBody>
+      </p:sp>
+      <p:sp>
+        <p:nvSpPr>
+          <p:cNvPr id="10" name="Объект 2">
+            <a:extLst>
+              <a:ext uri="{FF2B5EF4-FFF2-40B4-BE49-F238E27FC236}">
+                <a16:creationId xmlns:a16="http://schemas.microsoft.com/office/drawing/2014/main" id="{9BE50F74-A7E4-431F-89D2-9888EE34A7BB}"/>
+              </a:ext>
+            </a:extLst>
+          </p:cNvPr>
+          <p:cNvSpPr txBox="1">
+            <a:spLocks/>
+          </p:cNvSpPr>
+          <p:nvPr/>
+        </p:nvSpPr>
+        <p:spPr>
+          <a:xfrm>
+            <a:off x="8190807" y="946940"/>
+            <a:ext cx="3851583" cy="1799221"/>
+          </a:xfrm>
+          <a:prstGeom prst="rect">
+            <a:avLst/>
+          </a:prstGeom>
+        </p:spPr>
+        <p:txBody>
+          <a:bodyPr vert="horz" lIns="91440" tIns="45720" rIns="91440" bIns="45720" rtlCol="0">
+            <a:noAutofit/>
+          </a:bodyPr>
+          <a:lstStyle>
+            <a:lvl1pPr marL="342900" indent="-342900" algn="l" defTabSz="914400" rtl="0" eaLnBrk="1" latinLnBrk="0" hangingPunct="1">
+              <a:spcBef>
+                <a:spcPct val="20000"/>
+              </a:spcBef>
+              <a:buFont typeface="Arial" panose="020B0604020202020204" pitchFamily="34" charset="0"/>
+              <a:buChar char="•"/>
+              <a:defRPr sz="3200" kern="1200">
+                <a:solidFill>
+                  <a:schemeClr val="tx1"/>
+                </a:solidFill>
+                <a:latin typeface="+mn-lt"/>
+                <a:ea typeface="+mn-ea"/>
+                <a:cs typeface="+mn-cs"/>
+              </a:defRPr>
+            </a:lvl1pPr>
+            <a:lvl2pPr marL="742950" indent="-285750" algn="l" defTabSz="914400" rtl="0" eaLnBrk="1" latinLnBrk="0" hangingPunct="1">
+              <a:spcBef>
+                <a:spcPct val="20000"/>
+              </a:spcBef>
+              <a:buFont typeface="Arial" panose="020B0604020202020204" pitchFamily="34" charset="0"/>
+              <a:buChar char="–"/>
+              <a:defRPr sz="2800" kern="1200">
+                <a:solidFill>
+                  <a:schemeClr val="tx1"/>
+                </a:solidFill>
+                <a:latin typeface="+mn-lt"/>
+                <a:ea typeface="+mn-ea"/>
+                <a:cs typeface="+mn-cs"/>
+              </a:defRPr>
+            </a:lvl2pPr>
+            <a:lvl3pPr marL="1143000" indent="-228600" algn="l" defTabSz="914400" rtl="0" eaLnBrk="1" latinLnBrk="0" hangingPunct="1">
+              <a:spcBef>
+                <a:spcPct val="20000"/>
+              </a:spcBef>
+              <a:buFont typeface="Arial" panose="020B0604020202020204" pitchFamily="34" charset="0"/>
+              <a:buChar char="•"/>
+              <a:defRPr sz="2400" kern="1200">
+                <a:solidFill>
+                  <a:schemeClr val="tx1"/>
+                </a:solidFill>
+                <a:latin typeface="+mn-lt"/>
+                <a:ea typeface="+mn-ea"/>
+                <a:cs typeface="+mn-cs"/>
+              </a:defRPr>
+            </a:lvl3pPr>
+            <a:lvl4pPr marL="1600200" indent="-228600" algn="l" defTabSz="914400" rtl="0" eaLnBrk="1" latinLnBrk="0" hangingPunct="1">
+              <a:spcBef>
+                <a:spcPct val="20000"/>
+              </a:spcBef>
+              <a:buFont typeface="Arial" panose="020B0604020202020204" pitchFamily="34" charset="0"/>
+              <a:buChar char="–"/>
+              <a:defRPr sz="2000" kern="1200">
+                <a:solidFill>
+                  <a:schemeClr val="tx1"/>
+                </a:solidFill>
+                <a:latin typeface="+mn-lt"/>
+                <a:ea typeface="+mn-ea"/>
+                <a:cs typeface="+mn-cs"/>
+              </a:defRPr>
+            </a:lvl4pPr>
+            <a:lvl5pPr marL="2057400" indent="-228600" algn="l" defTabSz="914400" rtl="0" eaLnBrk="1" latinLnBrk="0" hangingPunct="1">
+              <a:spcBef>
+                <a:spcPct val="20000"/>
+              </a:spcBef>
+              <a:buFont typeface="Arial" panose="020B0604020202020204" pitchFamily="34" charset="0"/>
+              <a:buChar char="»"/>
+              <a:defRPr sz="2000" kern="1200">
+                <a:solidFill>
+                  <a:schemeClr val="tx1"/>
+                </a:solidFill>
+                <a:latin typeface="+mn-lt"/>
+                <a:ea typeface="+mn-ea"/>
+                <a:cs typeface="+mn-cs"/>
+              </a:defRPr>
+            </a:lvl5pPr>
+            <a:lvl6pPr marL="2514600" indent="-228600" algn="l" defTabSz="914400" rtl="0" eaLnBrk="1" latinLnBrk="0" hangingPunct="1">
+              <a:spcBef>
+                <a:spcPct val="20000"/>
+              </a:spcBef>
+              <a:buFont typeface="Arial" panose="020B0604020202020204" pitchFamily="34" charset="0"/>
+              <a:buChar char="•"/>
+              <a:defRPr sz="2000" kern="1200">
+                <a:solidFill>
+                  <a:schemeClr val="tx1"/>
+                </a:solidFill>
+                <a:latin typeface="+mn-lt"/>
+                <a:ea typeface="+mn-ea"/>
+                <a:cs typeface="+mn-cs"/>
+              </a:defRPr>
+            </a:lvl6pPr>
+            <a:lvl7pPr marL="2971800" indent="-228600" algn="l" defTabSz="914400" rtl="0" eaLnBrk="1" latinLnBrk="0" hangingPunct="1">
+              <a:spcBef>
+                <a:spcPct val="20000"/>
+              </a:spcBef>
+              <a:buFont typeface="Arial" panose="020B0604020202020204" pitchFamily="34" charset="0"/>
+              <a:buChar char="•"/>
+              <a:defRPr sz="2000" kern="1200">
+                <a:solidFill>
+                  <a:schemeClr val="tx1"/>
+                </a:solidFill>
+                <a:latin typeface="+mn-lt"/>
+                <a:ea typeface="+mn-ea"/>
+                <a:cs typeface="+mn-cs"/>
+              </a:defRPr>
+            </a:lvl7pPr>
+            <a:lvl8pPr marL="3429000" indent="-228600" algn="l" defTabSz="914400" rtl="0" eaLnBrk="1" latinLnBrk="0" hangingPunct="1">
+              <a:spcBef>
+                <a:spcPct val="20000"/>
+              </a:spcBef>
+              <a:buFont typeface="Arial" panose="020B0604020202020204" pitchFamily="34" charset="0"/>
+              <a:buChar char="•"/>
+              <a:defRPr sz="2000" kern="1200">
+                <a:solidFill>
+                  <a:schemeClr val="tx1"/>
+                </a:solidFill>
+                <a:latin typeface="+mn-lt"/>
+                <a:ea typeface="+mn-ea"/>
+                <a:cs typeface="+mn-cs"/>
+              </a:defRPr>
+            </a:lvl8pPr>
+            <a:lvl9pPr marL="3886200" indent="-228600" algn="l" defTabSz="914400" rtl="0" eaLnBrk="1" latinLnBrk="0" hangingPunct="1">
+              <a:spcBef>
+                <a:spcPct val="20000"/>
+              </a:spcBef>
+              <a:buFont typeface="Arial" panose="020B0604020202020204" pitchFamily="34" charset="0"/>
+              <a:buChar char="•"/>
+              <a:defRPr sz="2000" kern="1200">
+                <a:solidFill>
+                  <a:schemeClr val="tx1"/>
+                </a:solidFill>
+                <a:latin typeface="+mn-lt"/>
+                <a:ea typeface="+mn-ea"/>
+                <a:cs typeface="+mn-cs"/>
+              </a:defRPr>
+            </a:lvl9pPr>
+          </a:lstStyle>
+          <a:p>
+            <a:pPr marL="0" indent="0" algn="ctr">
+              <a:buNone/>
+            </a:pPr>
+            <a:r>
+              <a:rPr lang="ru-RU" sz="2000" b="1" dirty="0">
+                <a:latin typeface="Arial" panose="020B0604020202020204" pitchFamily="34" charset="0"/>
+                <a:cs typeface="Arial" panose="020B0604020202020204" pitchFamily="34" charset="0"/>
+              </a:rPr>
+              <a:t>Датчики Холла </a:t>
+            </a:r>
+            <a:r>
+              <a:rPr lang="ru-RU" sz="2000" dirty="0">
+                <a:latin typeface="Arial" panose="020B0604020202020204" pitchFamily="34" charset="0"/>
+                <a:cs typeface="Arial" panose="020B0604020202020204" pitchFamily="34" charset="0"/>
+              </a:rPr>
+              <a:t>(или датчики положения) – это чувствительные элементы, реагирующие на величину воздействующего на них магнитного поля.</a:t>
+            </a:r>
+          </a:p>
+        </p:txBody>
+      </p:sp>
+      <p:sp>
+        <p:nvSpPr>
+          <p:cNvPr id="2" name="Прямоугольник 1">
+            <a:extLst>
+              <a:ext uri="{FF2B5EF4-FFF2-40B4-BE49-F238E27FC236}">
+                <a16:creationId xmlns:a16="http://schemas.microsoft.com/office/drawing/2014/main" id="{97AA40AC-87C3-4BB0-8790-D431B5241148}"/>
+              </a:ext>
+            </a:extLst>
+          </p:cNvPr>
+          <p:cNvSpPr/>
+          <p:nvPr/>
+        </p:nvSpPr>
+        <p:spPr>
+          <a:xfrm>
+            <a:off x="4344146" y="940539"/>
+            <a:ext cx="3551632" cy="1631216"/>
+          </a:xfrm>
+          <a:prstGeom prst="rect">
+            <a:avLst/>
+          </a:prstGeom>
+        </p:spPr>
+        <p:txBody>
+          <a:bodyPr wrap="square">
+            <a:spAutoFit/>
+          </a:bodyPr>
+          <a:lstStyle/>
+          <a:p>
+            <a:pPr algn="ctr"/>
+            <a:r>
+              <a:rPr lang="ru-RU" sz="2000" b="1" dirty="0">
+                <a:latin typeface="Arial" panose="020B0604020202020204" pitchFamily="34" charset="0"/>
+                <a:ea typeface="Times New Roman" panose="02020603050405020304" pitchFamily="18" charset="0"/>
+                <a:cs typeface="Arial" panose="020B0604020202020204" pitchFamily="34" charset="0"/>
+              </a:rPr>
+              <a:t>Гироскоп</a:t>
+            </a:r>
+            <a:r>
+              <a:rPr lang="ru-RU" sz="2000" dirty="0">
+                <a:latin typeface="Arial" panose="020B0604020202020204" pitchFamily="34" charset="0"/>
+                <a:ea typeface="Times New Roman" panose="02020603050405020304" pitchFamily="18" charset="0"/>
+                <a:cs typeface="Arial" panose="020B0604020202020204" pitchFamily="34" charset="0"/>
+              </a:rPr>
+              <a:t> </a:t>
+            </a:r>
+            <a:r>
+              <a:rPr lang="ru-RU" sz="2000" dirty="0">
+                <a:solidFill>
+                  <a:srgbClr val="FF0000"/>
+                </a:solidFill>
+                <a:latin typeface="Arial" panose="020B0604020202020204" pitchFamily="34" charset="0"/>
+                <a:ea typeface="Times New Roman" panose="02020603050405020304" pitchFamily="18" charset="0"/>
+                <a:cs typeface="Arial" panose="020B0604020202020204" pitchFamily="34" charset="0"/>
+              </a:rPr>
+              <a:t>в телефоне </a:t>
+            </a:r>
+            <a:r>
+              <a:rPr lang="ru-RU" sz="2000" dirty="0">
+                <a:latin typeface="Arial" panose="020B0604020202020204" pitchFamily="34" charset="0"/>
+                <a:ea typeface="Times New Roman" panose="02020603050405020304" pitchFamily="18" charset="0"/>
+                <a:cs typeface="Arial" panose="020B0604020202020204" pitchFamily="34" charset="0"/>
+              </a:rPr>
+              <a:t>– это специальный датчик, предназначенный для определения положения устройства в пространстве.</a:t>
+            </a:r>
+            <a:endParaRPr lang="ru-RU" sz="2000" dirty="0">
+              <a:latin typeface="Arial" panose="020B0604020202020204" pitchFamily="34" charset="0"/>
+              <a:cs typeface="Arial" panose="020B0604020202020204" pitchFamily="34" charset="0"/>
+            </a:endParaRPr>
+          </a:p>
+        </p:txBody>
+      </p:sp>
+      <p:pic>
+        <p:nvPicPr>
+          <p:cNvPr id="1026" name="Picture 2" descr="https://avatars.mds.yandex.net/get-snippets_images/1408404/17a480efd9bbccdca3c288f7c6e1dbe3/414x310">
+            <a:extLst>
+              <a:ext uri="{FF2B5EF4-FFF2-40B4-BE49-F238E27FC236}">
+                <a16:creationId xmlns:a16="http://schemas.microsoft.com/office/drawing/2014/main" id="{0D5B4070-AD8A-45AD-874E-B13BB21A9B6F}"/>
+              </a:ext>
+            </a:extLst>
+          </p:cNvPr>
+          <p:cNvPicPr>
+            <a:picLocks noChangeAspect="1" noChangeArrowheads="1"/>
+          </p:cNvPicPr>
+          <p:nvPr/>
+        </p:nvPicPr>
+        <p:blipFill>
+          <a:blip r:embed="rId2">
+            <a:extLst>
+              <a:ext uri="{28A0092B-C50C-407E-A947-70E740481C1C}">
+                <a14:useLocalDpi xmlns:a14="http://schemas.microsoft.com/office/drawing/2010/main" val="0"/>
+              </a:ext>
+            </a:extLst>
+          </a:blip>
+          <a:srcRect/>
+          <a:stretch>
+            <a:fillRect/>
+          </a:stretch>
+        </p:blipFill>
+        <p:spPr bwMode="auto">
+          <a:xfrm>
+            <a:off x="8736463" y="2850482"/>
+            <a:ext cx="2971800" cy="2952750"/>
+          </a:xfrm>
+          <a:prstGeom prst="rect">
+            <a:avLst/>
+          </a:prstGeom>
+          <a:noFill/>
+          <a:extLst>
+            <a:ext uri="{909E8E84-426E-40DD-AFC4-6F175D3DCCD1}">
+              <a14:hiddenFill xmlns:a14="http://schemas.microsoft.com/office/drawing/2010/main">
+                <a:solidFill>
+                  <a:srgbClr val="FFFFFF"/>
+                </a:solidFill>
+              </a14:hiddenFill>
+            </a:ext>
+          </a:extLst>
+        </p:spPr>
+      </p:pic>
+      <p:pic>
+        <p:nvPicPr>
+          <p:cNvPr id="1028" name="Picture 4" descr="Акселерометр: что это и зачем нужен?">
+            <a:extLst>
+              <a:ext uri="{FF2B5EF4-FFF2-40B4-BE49-F238E27FC236}">
+                <a16:creationId xmlns:a16="http://schemas.microsoft.com/office/drawing/2014/main" id="{A94D6D6E-32ED-4676-BD81-447680D59132}"/>
+              </a:ext>
+            </a:extLst>
+          </p:cNvPr>
+          <p:cNvPicPr>
+            <a:picLocks noChangeAspect="1" noChangeArrowheads="1"/>
+          </p:cNvPicPr>
+          <p:nvPr/>
+        </p:nvPicPr>
+        <p:blipFill>
+          <a:blip r:embed="rId3">
+            <a:extLst>
+              <a:ext uri="{28A0092B-C50C-407E-A947-70E740481C1C}">
+                <a14:useLocalDpi xmlns:a14="http://schemas.microsoft.com/office/drawing/2010/main" val="0"/>
+              </a:ext>
+            </a:extLst>
+          </a:blip>
+          <a:srcRect/>
+          <a:stretch>
+            <a:fillRect/>
+          </a:stretch>
+        </p:blipFill>
+        <p:spPr bwMode="auto">
+          <a:xfrm>
+            <a:off x="406574" y="2945732"/>
+            <a:ext cx="7620000" cy="2762250"/>
+          </a:xfrm>
+          <a:prstGeom prst="rect">
+            <a:avLst/>
+          </a:prstGeom>
+          <a:noFill/>
+          <a:extLst>
+            <a:ext uri="{909E8E84-426E-40DD-AFC4-6F175D3DCCD1}">
+              <a14:hiddenFill xmlns:a14="http://schemas.microsoft.com/office/drawing/2010/main">
+                <a:solidFill>
+                  <a:srgbClr val="FFFFFF"/>
+                </a:solidFill>
+              </a14:hiddenFill>
+            </a:ext>
+          </a:extLst>
+        </p:spPr>
+      </p:pic>
+    </p:spTree>
+    <p:extLst>
+      <p:ext uri="{BB962C8B-B14F-4D97-AF65-F5344CB8AC3E}">
+        <p14:creationId xmlns:p14="http://schemas.microsoft.com/office/powerpoint/2010/main" val="670338688"/>
+      </p:ext>
+    </p:extLst>
+  </p:cSld>
+  <p:clrMapOvr>
+    <a:masterClrMapping/>
+  </p:clrMapOvr>
+</p:sld>
+</file>
+
+<file path=ppt/slides/slide7.xml><?xml version="1.0" encoding="utf-8"?>
+<p:sld xmlns:a="http://schemas.openxmlformats.org/drawingml/2006/main" xmlns:r="http://schemas.openxmlformats.org/officeDocument/2006/relationships" xmlns:p="http://schemas.openxmlformats.org/presentationml/2006/main">
+  <p:cSld>
+    <p:spTree>
+      <p:nvGrpSpPr>
+        <p:cNvPr id="1" name=""/>
+        <p:cNvGrpSpPr/>
+        <p:nvPr/>
+      </p:nvGrpSpPr>
+      <p:grpSpPr>
+        <a:xfrm>
+          <a:off x="0" y="0"/>
+          <a:ext cx="0" cy="0"/>
+          <a:chOff x="0" y="0"/>
+          <a:chExt cx="0" cy="0"/>
+        </a:xfrm>
+      </p:grpSpPr>
+      <p:sp>
+        <p:nvSpPr>
+          <p:cNvPr id="4" name="TextBox 3"/>
+          <p:cNvSpPr txBox="1"/>
+          <p:nvPr/>
+        </p:nvSpPr>
+        <p:spPr>
+          <a:xfrm>
+            <a:off x="2351319" y="215407"/>
+            <a:ext cx="7898675" cy="523220"/>
+          </a:xfrm>
+          <a:prstGeom prst="rect">
+            <a:avLst/>
+          </a:prstGeom>
+          <a:noFill/>
+        </p:spPr>
+        <p:txBody>
+          <a:bodyPr wrap="square" rtlCol="0" anchor="ctr" anchorCtr="1">
+            <a:spAutoFit/>
+          </a:bodyPr>
+          <a:lstStyle/>
+          <a:p>
+            <a:pPr algn="ctr"/>
+            <a:r>
+              <a:rPr lang="ru-RU" sz="2800" dirty="0">
+                <a:solidFill>
+                  <a:schemeClr val="bg1"/>
+                </a:solidFill>
+                <a:latin typeface="Elektra Text Pro" panose="02000503030000020004" pitchFamily="50" charset="-52"/>
+              </a:rPr>
+              <a:t>Системы-аналоги</a:t>
+            </a:r>
+          </a:p>
+        </p:txBody>
+      </p:sp>
+      <p:sp>
+        <p:nvSpPr>
+          <p:cNvPr id="6" name="TextBox 5"/>
+          <p:cNvSpPr txBox="1"/>
+          <p:nvPr/>
+        </p:nvSpPr>
+        <p:spPr>
+          <a:xfrm>
+            <a:off x="808129" y="906156"/>
+            <a:ext cx="2927789" cy="369332"/>
+          </a:xfrm>
+          <a:prstGeom prst="rect">
+            <a:avLst/>
+          </a:prstGeom>
+        </p:spPr>
+        <p:txBody>
+          <a:bodyPr vert="horz" wrap="none" lIns="91440" tIns="45720" rIns="91440" bIns="45720" rtlCol="0" anchor="ctr">
+            <a:spAutoFit/>
+          </a:bodyPr>
+          <a:lstStyle/>
+          <a:p>
+            <a:r>
+              <a:rPr lang="ru-RU" dirty="0">
+                <a:latin typeface="Arial" panose="020B0604020202020204" pitchFamily="34" charset="0"/>
+                <a:cs typeface="Arial" panose="020B0604020202020204" pitchFamily="34" charset="0"/>
+              </a:rPr>
+              <a:t>БИНС МЭМС «ГЛ-ВГ110»</a:t>
+            </a:r>
+          </a:p>
+        </p:txBody>
+      </p:sp>
+      <p:sp>
+        <p:nvSpPr>
+          <p:cNvPr id="11" name="Номер слайда 2"/>
+          <p:cNvSpPr>
+            <a:spLocks noGrp="1"/>
+          </p:cNvSpPr>
+          <p:nvPr>
+            <p:ph type="sldNum" sz="quarter" idx="12"/>
+          </p:nvPr>
+        </p:nvSpPr>
+        <p:spPr>
+          <a:xfrm>
+            <a:off x="8736463" y="6356351"/>
+            <a:ext cx="2844430" cy="365125"/>
+          </a:xfrm>
+        </p:spPr>
+        <p:txBody>
+          <a:bodyPr/>
+          <a:lstStyle/>
+          <a:p>
+            <a:fld id="{E2656834-4BAB-4DB1-9FED-8310CA017EAF}" type="slidenum">
+              <a:rPr lang="ru-RU" sz="2000" b="1" smtClean="0">
+                <a:solidFill>
+                  <a:schemeClr val="tx1"/>
+                </a:solidFill>
+              </a:rPr>
+              <a:t>7</a:t>
+            </a:fld>
+            <a:endParaRPr lang="ru-RU" sz="2000" b="1" dirty="0">
+              <a:solidFill>
+                <a:schemeClr val="tx1"/>
+              </a:solidFill>
+            </a:endParaRPr>
+          </a:p>
+        </p:txBody>
+      </p:sp>
+      <p:pic>
+        <p:nvPicPr>
+          <p:cNvPr id="10" name="Рисунок 9">
+            <a:extLst>
+              <a:ext uri="{FF2B5EF4-FFF2-40B4-BE49-F238E27FC236}">
+                <a16:creationId xmlns:a16="http://schemas.microsoft.com/office/drawing/2014/main" id="{A10925FD-E0FA-48A1-802A-77079D834C4F}"/>
+              </a:ext>
+            </a:extLst>
+          </p:cNvPr>
+          <p:cNvPicPr/>
+          <p:nvPr/>
+        </p:nvPicPr>
+        <p:blipFill>
+          <a:blip r:embed="rId2"/>
+          <a:stretch>
+            <a:fillRect/>
+          </a:stretch>
+        </p:blipFill>
+        <p:spPr>
+          <a:xfrm>
+            <a:off x="313377" y="1608203"/>
+            <a:ext cx="3785602" cy="2139098"/>
+          </a:xfrm>
+          <a:prstGeom prst="rect">
+            <a:avLst/>
+          </a:prstGeom>
+        </p:spPr>
+      </p:pic>
+      <p:sp>
+        <p:nvSpPr>
+          <p:cNvPr id="2" name="Прямоугольник 1">
+            <a:extLst>
+              <a:ext uri="{FF2B5EF4-FFF2-40B4-BE49-F238E27FC236}">
+                <a16:creationId xmlns:a16="http://schemas.microsoft.com/office/drawing/2014/main" id="{C605E239-8033-461C-B962-DBEC55CA1C57}"/>
+              </a:ext>
+            </a:extLst>
+          </p:cNvPr>
+          <p:cNvSpPr/>
+          <p:nvPr/>
+        </p:nvSpPr>
+        <p:spPr>
+          <a:xfrm>
+            <a:off x="226440" y="3973457"/>
+            <a:ext cx="3959477" cy="2585323"/>
+          </a:xfrm>
+          <a:prstGeom prst="rect">
+            <a:avLst/>
+          </a:prstGeom>
+        </p:spPr>
+        <p:txBody>
+          <a:bodyPr wrap="square">
+            <a:spAutoFit/>
+          </a:bodyPr>
+          <a:lstStyle/>
+          <a:p>
+            <a:pPr indent="450215" algn="just">
+              <a:spcAft>
+                <a:spcPts val="0"/>
+              </a:spcAft>
+            </a:pPr>
+            <a:r>
+              <a:rPr lang="ru-RU" dirty="0">
+                <a:latin typeface="Arial" panose="020B0604020202020204" pitchFamily="34" charset="0"/>
+                <a:ea typeface="Calibri" panose="020F0502020204030204" pitchFamily="34" charset="0"/>
+                <a:cs typeface="Arial" panose="020B0604020202020204" pitchFamily="34" charset="0"/>
+              </a:rPr>
+              <a:t>Минус этой системы состоит в том, что это отдельный блок, который никак не интегрируешь в телефон и представляет интерес для компаний – разработчиков, интеграторов и производителей навигационного оборудования, систем и комплексов стабилизации и ориентации.</a:t>
+            </a:r>
+          </a:p>
+        </p:txBody>
+      </p:sp>
+      <p:sp>
+        <p:nvSpPr>
+          <p:cNvPr id="12" name="TextBox 11">
+            <a:extLst>
+              <a:ext uri="{FF2B5EF4-FFF2-40B4-BE49-F238E27FC236}">
+                <a16:creationId xmlns:a16="http://schemas.microsoft.com/office/drawing/2014/main" id="{4FAEAA32-CCD0-476E-A145-DD2AB49C7E35}"/>
+              </a:ext>
+            </a:extLst>
+          </p:cNvPr>
+          <p:cNvSpPr txBox="1"/>
+          <p:nvPr/>
+        </p:nvSpPr>
+        <p:spPr>
+          <a:xfrm>
+            <a:off x="5242280" y="906156"/>
+            <a:ext cx="1800493" cy="369332"/>
+          </a:xfrm>
+          <a:prstGeom prst="rect">
+            <a:avLst/>
+          </a:prstGeom>
+        </p:spPr>
+        <p:txBody>
+          <a:bodyPr vert="horz" wrap="none" lIns="91440" tIns="45720" rIns="91440" bIns="45720" rtlCol="0" anchor="ctr">
+            <a:spAutoFit/>
+          </a:bodyPr>
+          <a:lstStyle/>
+          <a:p>
+            <a:r>
+              <a:rPr lang="en-GB" dirty="0" err="1">
+                <a:latin typeface="Arial" panose="020B0604020202020204" pitchFamily="34" charset="0"/>
+                <a:cs typeface="Arial" panose="020B0604020202020204" pitchFamily="34" charset="0"/>
+              </a:rPr>
+              <a:t>Navigine</a:t>
+            </a:r>
+            <a:r>
+              <a:rPr lang="en-GB" dirty="0">
+                <a:latin typeface="Arial" panose="020B0604020202020204" pitchFamily="34" charset="0"/>
+                <a:cs typeface="Arial" panose="020B0604020202020204" pitchFamily="34" charset="0"/>
+              </a:rPr>
+              <a:t> Indoor</a:t>
+            </a:r>
+            <a:endParaRPr lang="ru-RU" dirty="0">
+              <a:latin typeface="Arial" panose="020B0604020202020204" pitchFamily="34" charset="0"/>
+              <a:cs typeface="Arial" panose="020B0604020202020204" pitchFamily="34" charset="0"/>
+            </a:endParaRPr>
+          </a:p>
+        </p:txBody>
+      </p:sp>
+      <p:sp>
+        <p:nvSpPr>
+          <p:cNvPr id="14" name="Прямоугольник 13">
+            <a:extLst>
+              <a:ext uri="{FF2B5EF4-FFF2-40B4-BE49-F238E27FC236}">
+                <a16:creationId xmlns:a16="http://schemas.microsoft.com/office/drawing/2014/main" id="{A2A32763-C025-4580-AE76-8FEBE8431F7C}"/>
+              </a:ext>
+            </a:extLst>
+          </p:cNvPr>
+          <p:cNvSpPr/>
+          <p:nvPr/>
+        </p:nvSpPr>
+        <p:spPr>
+          <a:xfrm>
+            <a:off x="4218896" y="3973457"/>
+            <a:ext cx="3959477" cy="2308324"/>
+          </a:xfrm>
+          <a:prstGeom prst="rect">
+            <a:avLst/>
+          </a:prstGeom>
+        </p:spPr>
+        <p:txBody>
+          <a:bodyPr wrap="square">
+            <a:spAutoFit/>
+          </a:bodyPr>
+          <a:lstStyle/>
+          <a:p>
+            <a:pPr indent="450215" algn="just">
+              <a:spcAft>
+                <a:spcPts val="0"/>
+              </a:spcAft>
+            </a:pPr>
+            <a:r>
+              <a:rPr lang="en-GB" dirty="0" err="1">
+                <a:latin typeface="Arial" panose="020B0604020202020204" pitchFamily="34" charset="0"/>
+                <a:cs typeface="Arial" panose="020B0604020202020204" pitchFamily="34" charset="0"/>
+              </a:rPr>
+              <a:t>Главный</a:t>
+            </a:r>
+            <a:r>
+              <a:rPr lang="en-GB" dirty="0">
+                <a:latin typeface="Arial" panose="020B0604020202020204" pitchFamily="34" charset="0"/>
+                <a:cs typeface="Arial" panose="020B0604020202020204" pitchFamily="34" charset="0"/>
+              </a:rPr>
+              <a:t> </a:t>
+            </a:r>
+            <a:r>
+              <a:rPr lang="en-GB" dirty="0" err="1">
+                <a:latin typeface="Arial" panose="020B0604020202020204" pitchFamily="34" charset="0"/>
+                <a:cs typeface="Arial" panose="020B0604020202020204" pitchFamily="34" charset="0"/>
+              </a:rPr>
+              <a:t>недостаток</a:t>
+            </a:r>
+            <a:r>
+              <a:rPr lang="en-GB" dirty="0">
+                <a:latin typeface="Arial" panose="020B0604020202020204" pitchFamily="34" charset="0"/>
+                <a:cs typeface="Arial" panose="020B0604020202020204" pitchFamily="34" charset="0"/>
+              </a:rPr>
+              <a:t> </a:t>
+            </a:r>
+            <a:r>
+              <a:rPr lang="en-GB" dirty="0" err="1">
+                <a:latin typeface="Arial" panose="020B0604020202020204" pitchFamily="34" charset="0"/>
+                <a:cs typeface="Arial" panose="020B0604020202020204" pitchFamily="34" charset="0"/>
+              </a:rPr>
+              <a:t>системы</a:t>
+            </a:r>
+            <a:r>
+              <a:rPr lang="en-GB" dirty="0">
+                <a:latin typeface="Arial" panose="020B0604020202020204" pitchFamily="34" charset="0"/>
+                <a:cs typeface="Arial" panose="020B0604020202020204" pitchFamily="34" charset="0"/>
+              </a:rPr>
+              <a:t> </a:t>
+            </a:r>
+            <a:r>
+              <a:rPr lang="en-GB" dirty="0" err="1">
+                <a:latin typeface="Arial" panose="020B0604020202020204" pitchFamily="34" charset="0"/>
+                <a:cs typeface="Arial" panose="020B0604020202020204" pitchFamily="34" charset="0"/>
+              </a:rPr>
+              <a:t>заключается</a:t>
+            </a:r>
+            <a:r>
+              <a:rPr lang="en-GB" dirty="0">
+                <a:latin typeface="Arial" panose="020B0604020202020204" pitchFamily="34" charset="0"/>
+                <a:cs typeface="Arial" panose="020B0604020202020204" pitchFamily="34" charset="0"/>
+              </a:rPr>
+              <a:t> в </a:t>
+            </a:r>
+            <a:r>
+              <a:rPr lang="en-GB" dirty="0" err="1">
+                <a:latin typeface="Arial" panose="020B0604020202020204" pitchFamily="34" charset="0"/>
+                <a:cs typeface="Arial" panose="020B0604020202020204" pitchFamily="34" charset="0"/>
+              </a:rPr>
+              <a:t>том</a:t>
+            </a:r>
+            <a:r>
+              <a:rPr lang="en-GB" dirty="0">
+                <a:latin typeface="Arial" panose="020B0604020202020204" pitchFamily="34" charset="0"/>
+                <a:cs typeface="Arial" panose="020B0604020202020204" pitchFamily="34" charset="0"/>
+              </a:rPr>
+              <a:t>, </a:t>
+            </a:r>
+            <a:r>
+              <a:rPr lang="en-GB" dirty="0" err="1">
+                <a:latin typeface="Arial" panose="020B0604020202020204" pitchFamily="34" charset="0"/>
+                <a:cs typeface="Arial" panose="020B0604020202020204" pitchFamily="34" charset="0"/>
+              </a:rPr>
+              <a:t>что</a:t>
+            </a:r>
+            <a:r>
+              <a:rPr lang="en-GB" dirty="0">
+                <a:latin typeface="Arial" panose="020B0604020202020204" pitchFamily="34" charset="0"/>
+                <a:cs typeface="Arial" panose="020B0604020202020204" pitchFamily="34" charset="0"/>
+              </a:rPr>
+              <a:t> </a:t>
+            </a:r>
+            <a:r>
+              <a:rPr lang="en-GB" dirty="0" err="1">
+                <a:latin typeface="Arial" panose="020B0604020202020204" pitchFamily="34" charset="0"/>
+                <a:cs typeface="Arial" panose="020B0604020202020204" pitchFamily="34" charset="0"/>
+              </a:rPr>
+              <a:t>для</a:t>
+            </a:r>
+            <a:r>
+              <a:rPr lang="en-GB" dirty="0">
+                <a:latin typeface="Arial" panose="020B0604020202020204" pitchFamily="34" charset="0"/>
+                <a:cs typeface="Arial" panose="020B0604020202020204" pitchFamily="34" charset="0"/>
+              </a:rPr>
+              <a:t> </a:t>
+            </a:r>
+            <a:r>
+              <a:rPr lang="en-GB" dirty="0" err="1">
+                <a:latin typeface="Arial" panose="020B0604020202020204" pitchFamily="34" charset="0"/>
+                <a:cs typeface="Arial" panose="020B0604020202020204" pitchFamily="34" charset="0"/>
+              </a:rPr>
+              <a:t>навигации</a:t>
+            </a:r>
+            <a:r>
+              <a:rPr lang="en-GB" dirty="0">
+                <a:latin typeface="Arial" panose="020B0604020202020204" pitchFamily="34" charset="0"/>
+                <a:cs typeface="Arial" panose="020B0604020202020204" pitchFamily="34" charset="0"/>
+              </a:rPr>
+              <a:t> </a:t>
+            </a:r>
+            <a:r>
+              <a:rPr lang="en-GB" dirty="0" err="1">
+                <a:latin typeface="Arial" panose="020B0604020202020204" pitchFamily="34" charset="0"/>
+                <a:cs typeface="Arial" panose="020B0604020202020204" pitchFamily="34" charset="0"/>
+              </a:rPr>
+              <a:t>используются</a:t>
+            </a:r>
+            <a:r>
+              <a:rPr lang="en-GB" dirty="0">
+                <a:latin typeface="Arial" panose="020B0604020202020204" pitchFamily="34" charset="0"/>
+                <a:cs typeface="Arial" panose="020B0604020202020204" pitchFamily="34" charset="0"/>
+              </a:rPr>
+              <a:t> </a:t>
+            </a:r>
+            <a:r>
+              <a:rPr lang="en-GB" dirty="0" err="1">
+                <a:latin typeface="Arial" panose="020B0604020202020204" pitchFamily="34" charset="0"/>
+                <a:cs typeface="Arial" panose="020B0604020202020204" pitchFamily="34" charset="0"/>
+              </a:rPr>
+              <a:t>метки</a:t>
+            </a:r>
+            <a:r>
+              <a:rPr lang="en-GB" dirty="0">
+                <a:latin typeface="Arial" panose="020B0604020202020204" pitchFamily="34" charset="0"/>
+                <a:cs typeface="Arial" panose="020B0604020202020204" pitchFamily="34" charset="0"/>
+              </a:rPr>
+              <a:t>. </a:t>
+            </a:r>
+            <a:r>
+              <a:rPr lang="en-GB" dirty="0" err="1">
+                <a:latin typeface="Arial" panose="020B0604020202020204" pitchFamily="34" charset="0"/>
+                <a:cs typeface="Arial" panose="020B0604020202020204" pitchFamily="34" charset="0"/>
+              </a:rPr>
+              <a:t>Там</a:t>
+            </a:r>
+            <a:r>
+              <a:rPr lang="en-GB" dirty="0">
+                <a:latin typeface="Arial" panose="020B0604020202020204" pitchFamily="34" charset="0"/>
+                <a:cs typeface="Arial" panose="020B0604020202020204" pitchFamily="34" charset="0"/>
+              </a:rPr>
+              <a:t> </a:t>
+            </a:r>
+            <a:r>
+              <a:rPr lang="en-GB" dirty="0" err="1">
+                <a:latin typeface="Arial" panose="020B0604020202020204" pitchFamily="34" charset="0"/>
+                <a:cs typeface="Arial" panose="020B0604020202020204" pitchFamily="34" charset="0"/>
+              </a:rPr>
+              <a:t>где</a:t>
+            </a:r>
+            <a:r>
+              <a:rPr lang="en-GB" dirty="0">
+                <a:latin typeface="Arial" panose="020B0604020202020204" pitchFamily="34" charset="0"/>
+                <a:cs typeface="Arial" panose="020B0604020202020204" pitchFamily="34" charset="0"/>
+              </a:rPr>
+              <a:t> </a:t>
+            </a:r>
+            <a:r>
+              <a:rPr lang="en-GB" dirty="0" err="1">
+                <a:latin typeface="Arial" panose="020B0604020202020204" pitchFamily="34" charset="0"/>
+                <a:cs typeface="Arial" panose="020B0604020202020204" pitchFamily="34" charset="0"/>
+              </a:rPr>
+              <a:t>заканчиваются</a:t>
+            </a:r>
+            <a:r>
+              <a:rPr lang="en-GB" dirty="0">
+                <a:latin typeface="Arial" panose="020B0604020202020204" pitchFamily="34" charset="0"/>
+                <a:cs typeface="Arial" panose="020B0604020202020204" pitchFamily="34" charset="0"/>
+              </a:rPr>
+              <a:t> </a:t>
+            </a:r>
+            <a:r>
+              <a:rPr lang="en-GB" dirty="0" err="1">
+                <a:latin typeface="Arial" panose="020B0604020202020204" pitchFamily="34" charset="0"/>
+                <a:cs typeface="Arial" panose="020B0604020202020204" pitchFamily="34" charset="0"/>
+              </a:rPr>
+              <a:t>метки</a:t>
+            </a:r>
+            <a:r>
+              <a:rPr lang="en-GB" dirty="0">
+                <a:latin typeface="Arial" panose="020B0604020202020204" pitchFamily="34" charset="0"/>
+                <a:cs typeface="Arial" panose="020B0604020202020204" pitchFamily="34" charset="0"/>
+              </a:rPr>
+              <a:t>, </a:t>
+            </a:r>
+            <a:r>
+              <a:rPr lang="en-GB" dirty="0" err="1">
+                <a:latin typeface="Arial" panose="020B0604020202020204" pitchFamily="34" charset="0"/>
+                <a:cs typeface="Arial" panose="020B0604020202020204" pitchFamily="34" charset="0"/>
+              </a:rPr>
+              <a:t>заканчивается</a:t>
+            </a:r>
+            <a:r>
+              <a:rPr lang="en-GB" dirty="0">
+                <a:latin typeface="Arial" panose="020B0604020202020204" pitchFamily="34" charset="0"/>
+                <a:cs typeface="Arial" panose="020B0604020202020204" pitchFamily="34" charset="0"/>
+              </a:rPr>
+              <a:t>, и </a:t>
+            </a:r>
+            <a:r>
+              <a:rPr lang="en-GB" dirty="0" err="1">
+                <a:latin typeface="Arial" panose="020B0604020202020204" pitchFamily="34" charset="0"/>
+                <a:cs typeface="Arial" panose="020B0604020202020204" pitchFamily="34" charset="0"/>
+              </a:rPr>
+              <a:t>определятся</a:t>
+            </a:r>
+            <a:r>
+              <a:rPr lang="en-GB" dirty="0">
+                <a:latin typeface="Arial" panose="020B0604020202020204" pitchFamily="34" charset="0"/>
+                <a:cs typeface="Arial" panose="020B0604020202020204" pitchFamily="34" charset="0"/>
+              </a:rPr>
+              <a:t> </a:t>
+            </a:r>
+            <a:r>
+              <a:rPr lang="en-GB" dirty="0" err="1">
+                <a:latin typeface="Arial" panose="020B0604020202020204" pitchFamily="34" charset="0"/>
+                <a:cs typeface="Arial" panose="020B0604020202020204" pitchFamily="34" charset="0"/>
+              </a:rPr>
+              <a:t>местоположение</a:t>
+            </a:r>
+            <a:r>
+              <a:rPr lang="en-GB" dirty="0">
+                <a:latin typeface="Arial" panose="020B0604020202020204" pitchFamily="34" charset="0"/>
+                <a:cs typeface="Arial" panose="020B0604020202020204" pitchFamily="34" charset="0"/>
+              </a:rPr>
+              <a:t>. </a:t>
+            </a:r>
+            <a:r>
+              <a:rPr lang="en-GB" dirty="0" err="1">
+                <a:latin typeface="Arial" panose="020B0604020202020204" pitchFamily="34" charset="0"/>
+                <a:cs typeface="Arial" panose="020B0604020202020204" pitchFamily="34" charset="0"/>
+              </a:rPr>
+              <a:t>Данный</a:t>
+            </a:r>
+            <a:r>
+              <a:rPr lang="en-GB" dirty="0">
+                <a:latin typeface="Arial" panose="020B0604020202020204" pitchFamily="34" charset="0"/>
+                <a:cs typeface="Arial" panose="020B0604020202020204" pitchFamily="34" charset="0"/>
+              </a:rPr>
+              <a:t> </a:t>
+            </a:r>
+            <a:r>
+              <a:rPr lang="en-GB" dirty="0" err="1">
+                <a:latin typeface="Arial" panose="020B0604020202020204" pitchFamily="34" charset="0"/>
+                <a:cs typeface="Arial" panose="020B0604020202020204" pitchFamily="34" charset="0"/>
+              </a:rPr>
+              <a:t>метод</a:t>
+            </a:r>
+            <a:r>
+              <a:rPr lang="en-GB" dirty="0">
+                <a:latin typeface="Arial" panose="020B0604020202020204" pitchFamily="34" charset="0"/>
+                <a:cs typeface="Arial" panose="020B0604020202020204" pitchFamily="34" charset="0"/>
+              </a:rPr>
+              <a:t> </a:t>
+            </a:r>
+            <a:r>
+              <a:rPr lang="en-GB" dirty="0" err="1">
+                <a:latin typeface="Arial" panose="020B0604020202020204" pitchFamily="34" charset="0"/>
+                <a:cs typeface="Arial" panose="020B0604020202020204" pitchFamily="34" charset="0"/>
+              </a:rPr>
+              <a:t>не</a:t>
+            </a:r>
+            <a:r>
+              <a:rPr lang="en-GB" dirty="0">
+                <a:latin typeface="Arial" panose="020B0604020202020204" pitchFamily="34" charset="0"/>
+                <a:cs typeface="Arial" panose="020B0604020202020204" pitchFamily="34" charset="0"/>
+              </a:rPr>
+              <a:t> </a:t>
+            </a:r>
+            <a:r>
+              <a:rPr lang="en-GB" dirty="0" err="1">
+                <a:latin typeface="Arial" panose="020B0604020202020204" pitchFamily="34" charset="0"/>
+                <a:cs typeface="Arial" panose="020B0604020202020204" pitchFamily="34" charset="0"/>
+              </a:rPr>
+              <a:t>подходит</a:t>
+            </a:r>
+            <a:r>
+              <a:rPr lang="en-GB" dirty="0">
+                <a:latin typeface="Arial" panose="020B0604020202020204" pitchFamily="34" charset="0"/>
+                <a:cs typeface="Arial" panose="020B0604020202020204" pitchFamily="34" charset="0"/>
+              </a:rPr>
+              <a:t>, </a:t>
+            </a:r>
+            <a:r>
+              <a:rPr lang="en-GB" dirty="0" err="1">
+                <a:latin typeface="Arial" panose="020B0604020202020204" pitchFamily="34" charset="0"/>
+                <a:cs typeface="Arial" panose="020B0604020202020204" pitchFamily="34" charset="0"/>
+              </a:rPr>
+              <a:t>если</a:t>
+            </a:r>
+            <a:r>
+              <a:rPr lang="en-GB" dirty="0">
+                <a:latin typeface="Arial" panose="020B0604020202020204" pitchFamily="34" charset="0"/>
+                <a:cs typeface="Arial" panose="020B0604020202020204" pitchFamily="34" charset="0"/>
+              </a:rPr>
+              <a:t> </a:t>
+            </a:r>
+            <a:r>
+              <a:rPr lang="en-GB" dirty="0" err="1">
+                <a:latin typeface="Arial" panose="020B0604020202020204" pitchFamily="34" charset="0"/>
+                <a:cs typeface="Arial" panose="020B0604020202020204" pitchFamily="34" charset="0"/>
+              </a:rPr>
+              <a:t>осуществлять</a:t>
+            </a:r>
+            <a:r>
+              <a:rPr lang="en-GB" dirty="0">
+                <a:latin typeface="Arial" panose="020B0604020202020204" pitchFamily="34" charset="0"/>
+                <a:cs typeface="Arial" panose="020B0604020202020204" pitchFamily="34" charset="0"/>
+              </a:rPr>
+              <a:t> </a:t>
+            </a:r>
+            <a:r>
+              <a:rPr lang="en-GB" dirty="0" err="1">
+                <a:latin typeface="Arial" panose="020B0604020202020204" pitchFamily="34" charset="0"/>
+                <a:cs typeface="Arial" panose="020B0604020202020204" pitchFamily="34" charset="0"/>
+              </a:rPr>
+              <a:t>навигацию</a:t>
+            </a:r>
+            <a:r>
+              <a:rPr lang="en-GB" dirty="0">
+                <a:latin typeface="Arial" panose="020B0604020202020204" pitchFamily="34" charset="0"/>
+                <a:cs typeface="Arial" panose="020B0604020202020204" pitchFamily="34" charset="0"/>
+              </a:rPr>
+              <a:t> в </a:t>
+            </a:r>
+            <a:r>
+              <a:rPr lang="en-GB" dirty="0" err="1">
+                <a:latin typeface="Arial" panose="020B0604020202020204" pitchFamily="34" charset="0"/>
+                <a:cs typeface="Arial" panose="020B0604020202020204" pitchFamily="34" charset="0"/>
+              </a:rPr>
+              <a:t>любой</a:t>
+            </a:r>
+            <a:r>
+              <a:rPr lang="en-GB" dirty="0">
+                <a:latin typeface="Arial" panose="020B0604020202020204" pitchFamily="34" charset="0"/>
+                <a:cs typeface="Arial" panose="020B0604020202020204" pitchFamily="34" charset="0"/>
+              </a:rPr>
+              <a:t> </a:t>
+            </a:r>
+            <a:r>
+              <a:rPr lang="en-GB" dirty="0" err="1">
+                <a:latin typeface="Arial" panose="020B0604020202020204" pitchFamily="34" charset="0"/>
+                <a:cs typeface="Arial" panose="020B0604020202020204" pitchFamily="34" charset="0"/>
+              </a:rPr>
+              <a:t>точке</a:t>
+            </a:r>
+            <a:r>
+              <a:rPr lang="en-GB" dirty="0">
+                <a:latin typeface="Arial" panose="020B0604020202020204" pitchFamily="34" charset="0"/>
+                <a:cs typeface="Arial" panose="020B0604020202020204" pitchFamily="34" charset="0"/>
+              </a:rPr>
+              <a:t> </a:t>
+            </a:r>
+            <a:r>
+              <a:rPr lang="en-GB" dirty="0" err="1">
+                <a:latin typeface="Arial" panose="020B0604020202020204" pitchFamily="34" charset="0"/>
+                <a:cs typeface="Arial" panose="020B0604020202020204" pitchFamily="34" charset="0"/>
+              </a:rPr>
+              <a:t>мира</a:t>
+            </a:r>
+            <a:r>
+              <a:rPr lang="en-GB" dirty="0">
+                <a:latin typeface="Arial" panose="020B0604020202020204" pitchFamily="34" charset="0"/>
+                <a:cs typeface="Arial" panose="020B0604020202020204" pitchFamily="34" charset="0"/>
+              </a:rPr>
+              <a:t>.</a:t>
+            </a:r>
+            <a:endParaRPr lang="ru-RU" dirty="0">
+              <a:latin typeface="Arial" panose="020B0604020202020204" pitchFamily="34" charset="0"/>
+              <a:ea typeface="Calibri" panose="020F0502020204030204" pitchFamily="34" charset="0"/>
+              <a:cs typeface="Arial" panose="020B0604020202020204" pitchFamily="34" charset="0"/>
+            </a:endParaRPr>
+          </a:p>
+        </p:txBody>
+      </p:sp>
+      <p:pic>
+        <p:nvPicPr>
+          <p:cNvPr id="15" name="Рисунок 14" descr="https://modscheats.ru/uploads/posts/2017-08/thumbs/rossiyskaya-startap-kompaniya-navigine-privlekla-900-000-dollarov_1.png">
+            <a:extLst>
+              <a:ext uri="{FF2B5EF4-FFF2-40B4-BE49-F238E27FC236}">
+                <a16:creationId xmlns:a16="http://schemas.microsoft.com/office/drawing/2014/main" id="{496EDE30-D37D-428E-B01D-F1C5CFDA0C26}"/>
+              </a:ext>
+            </a:extLst>
+          </p:cNvPr>
+          <p:cNvPicPr/>
+          <p:nvPr/>
+        </p:nvPicPr>
+        <p:blipFill>
+          <a:blip r:embed="rId3">
+            <a:extLst>
+              <a:ext uri="{28A0092B-C50C-407E-A947-70E740481C1C}">
+                <a14:useLocalDpi xmlns:a14="http://schemas.microsoft.com/office/drawing/2010/main" val="0"/>
+              </a:ext>
+            </a:extLst>
+          </a:blip>
+          <a:srcRect/>
+          <a:stretch>
+            <a:fillRect/>
+          </a:stretch>
+        </p:blipFill>
+        <p:spPr bwMode="auto">
+          <a:xfrm>
+            <a:off x="4502088" y="1713691"/>
+            <a:ext cx="3393318" cy="2139098"/>
+          </a:xfrm>
+          <a:prstGeom prst="rect">
+            <a:avLst/>
+          </a:prstGeom>
+          <a:noFill/>
+          <a:ln>
+            <a:noFill/>
+          </a:ln>
+        </p:spPr>
+      </p:pic>
+      <p:sp>
+        <p:nvSpPr>
+          <p:cNvPr id="16" name="TextBox 15">
+            <a:extLst>
+              <a:ext uri="{FF2B5EF4-FFF2-40B4-BE49-F238E27FC236}">
+                <a16:creationId xmlns:a16="http://schemas.microsoft.com/office/drawing/2014/main" id="{0C95893D-4636-4FDF-9E2D-55FE85D340E4}"/>
+              </a:ext>
+            </a:extLst>
+          </p:cNvPr>
+          <p:cNvSpPr txBox="1"/>
+          <p:nvPr/>
+        </p:nvSpPr>
+        <p:spPr>
+          <a:xfrm>
+            <a:off x="8571041" y="906156"/>
+            <a:ext cx="1800493" cy="369332"/>
+          </a:xfrm>
+          <a:prstGeom prst="rect">
+            <a:avLst/>
+          </a:prstGeom>
+        </p:spPr>
+        <p:txBody>
+          <a:bodyPr vert="horz" wrap="square" lIns="91440" tIns="45720" rIns="91440" bIns="45720" rtlCol="0" anchor="ctr">
+            <a:spAutoFit/>
+          </a:bodyPr>
+          <a:lstStyle/>
+          <a:p>
+            <a:pPr lvl="2" algn="ctr"/>
+            <a:r>
+              <a:rPr lang="en-US" dirty="0" err="1">
+                <a:latin typeface="Arial" panose="020B0604020202020204" pitchFamily="34" charset="0"/>
+                <a:cs typeface="Arial" panose="020B0604020202020204" pitchFamily="34" charset="0"/>
+              </a:rPr>
+              <a:t>DaRe</a:t>
+            </a:r>
+            <a:endParaRPr lang="ru-RU" dirty="0">
+              <a:latin typeface="Arial" panose="020B0604020202020204" pitchFamily="34" charset="0"/>
+              <a:cs typeface="Arial" panose="020B0604020202020204" pitchFamily="34" charset="0"/>
+            </a:endParaRPr>
+          </a:p>
+        </p:txBody>
+      </p:sp>
+      <p:sp>
+        <p:nvSpPr>
+          <p:cNvPr id="17" name="Прямоугольник 16">
+            <a:extLst>
+              <a:ext uri="{FF2B5EF4-FFF2-40B4-BE49-F238E27FC236}">
+                <a16:creationId xmlns:a16="http://schemas.microsoft.com/office/drawing/2014/main" id="{1E314EFB-78EF-45DF-9C27-2856793B6774}"/>
+              </a:ext>
+            </a:extLst>
+          </p:cNvPr>
+          <p:cNvSpPr/>
+          <p:nvPr/>
+        </p:nvSpPr>
+        <p:spPr>
+          <a:xfrm>
+            <a:off x="8144987" y="1342725"/>
+            <a:ext cx="3959477" cy="1754326"/>
+          </a:xfrm>
+          <a:prstGeom prst="rect">
+            <a:avLst/>
+          </a:prstGeom>
+        </p:spPr>
+        <p:txBody>
+          <a:bodyPr wrap="square">
+            <a:spAutoFit/>
+          </a:bodyPr>
+          <a:lstStyle/>
+          <a:p>
+            <a:r>
+              <a:rPr lang="ru-RU" dirty="0">
+                <a:latin typeface="Arial" panose="020B0604020202020204" pitchFamily="34" charset="0"/>
+                <a:cs typeface="Arial" panose="020B0604020202020204" pitchFamily="34" charset="0"/>
+              </a:rPr>
+              <a:t>К недостаткам данной системы необходимо отнести датчик обуви. Потому что это очень неудобно и не практично, так как отдельный датчик это повышение стоимости и сложности системы.</a:t>
+            </a:r>
+          </a:p>
+        </p:txBody>
+      </p:sp>
+      <p:pic>
+        <p:nvPicPr>
+          <p:cNvPr id="19" name="Рисунок 18" descr="https://sun9-7.userapi.com/c857124/v857124560/4d5b6/zaqnGLipJ9c.jpg">
+            <a:extLst>
+              <a:ext uri="{FF2B5EF4-FFF2-40B4-BE49-F238E27FC236}">
+                <a16:creationId xmlns:a16="http://schemas.microsoft.com/office/drawing/2014/main" id="{8F56BE9C-11D5-4990-94E8-FFFBE6BB1CB0}"/>
+              </a:ext>
+            </a:extLst>
+          </p:cNvPr>
+          <p:cNvPicPr/>
+          <p:nvPr/>
+        </p:nvPicPr>
+        <p:blipFill>
+          <a:blip r:embed="rId4" cstate="print">
+            <a:extLst>
+              <a:ext uri="{28A0092B-C50C-407E-A947-70E740481C1C}">
+                <a14:useLocalDpi xmlns:a14="http://schemas.microsoft.com/office/drawing/2010/main" val="0"/>
+              </a:ext>
+            </a:extLst>
+          </a:blip>
+          <a:srcRect/>
+          <a:stretch>
+            <a:fillRect/>
+          </a:stretch>
+        </p:blipFill>
+        <p:spPr bwMode="auto">
+          <a:xfrm>
+            <a:off x="8975526" y="3281244"/>
+            <a:ext cx="2016224" cy="3286939"/>
+          </a:xfrm>
+          <a:prstGeom prst="rect">
+            <a:avLst/>
+          </a:prstGeom>
+          <a:noFill/>
+          <a:ln>
+            <a:noFill/>
+          </a:ln>
+        </p:spPr>
+      </p:pic>
+    </p:spTree>
+    <p:extLst>
+      <p:ext uri="{BB962C8B-B14F-4D97-AF65-F5344CB8AC3E}">
+        <p14:creationId xmlns:p14="http://schemas.microsoft.com/office/powerpoint/2010/main" val="1962536191"/>
+      </p:ext>
+    </p:extLst>
+  </p:cSld>
+  <p:clrMapOvr>
+    <a:masterClrMapping/>
+  </p:clrMapOvr>
+</p:sld>
+</file>
+
+<file path=ppt/slides/slide8.xml><?xml version="1.0" encoding="utf-8"?>
+<p:sld xmlns:a="http://schemas.openxmlformats.org/drawingml/2006/main" xmlns:r="http://schemas.openxmlformats.org/officeDocument/2006/relationships" xmlns:p="http://schemas.openxmlformats.org/presentationml/2006/main">
+  <p:cSld>
+    <p:spTree>
+      <p:nvGrpSpPr>
+        <p:cNvPr id="1" name=""/>
+        <p:cNvGrpSpPr/>
+        <p:nvPr/>
+      </p:nvGrpSpPr>
+      <p:grpSpPr>
+        <a:xfrm>
+          <a:off x="0" y="0"/>
+          <a:ext cx="0" cy="0"/>
+          <a:chOff x="0" y="0"/>
+          <a:chExt cx="0" cy="0"/>
+        </a:xfrm>
+      </p:grpSpPr>
+      <p:sp>
+        <p:nvSpPr>
+          <p:cNvPr id="5" name="TextBox 4"/>
+          <p:cNvSpPr txBox="1"/>
+          <p:nvPr/>
+        </p:nvSpPr>
+        <p:spPr>
+          <a:xfrm>
+            <a:off x="2351319" y="215407"/>
+            <a:ext cx="7898675" cy="523220"/>
+          </a:xfrm>
+          <a:prstGeom prst="rect">
+            <a:avLst/>
+          </a:prstGeom>
+          <a:noFill/>
+        </p:spPr>
+        <p:txBody>
+          <a:bodyPr wrap="square" rtlCol="0" anchor="ctr" anchorCtr="1">
+            <a:spAutoFit/>
+          </a:bodyPr>
+          <a:lstStyle/>
+          <a:p>
+            <a:pPr algn="ctr"/>
+            <a:r>
+              <a:rPr lang="ru-RU" sz="2800" dirty="0">
+                <a:solidFill>
+                  <a:schemeClr val="bg1"/>
+                </a:solidFill>
+                <a:latin typeface="Elektra Text Pro" panose="02000503030000020004" pitchFamily="50" charset="-52"/>
+              </a:rPr>
               <a:t>Математическая модель (1)</a:t>
             </a:r>
           </a:p>
@@ -11505,7 +14998,7 @@
                   <a:schemeClr val="tx1"/>
                 </a:solidFill>
               </a:rPr>
-              <a:t>13</a:t>
+              <a:t>8</a:t>
             </a:fld>
             <a:endParaRPr lang="ru-RU" sz="2000" b="1">
               <a:solidFill>
@@ -11515,8 +15008,8 @@
           </a:p>
         </p:txBody>
       </p:sp>
-      <mc:AlternateContent xmlns:mc="http://schemas.openxmlformats.org/markup-compatibility/2006">
-        <mc:Choice xmlns:a14="http://schemas.microsoft.com/office/drawing/2010/main" Requires="a14">
+      <mc:AlternateContent xmlns:mc="http://schemas.openxmlformats.org/markup-compatibility/2006" xmlns:a14="http://schemas.microsoft.com/office/drawing/2010/main">
+        <mc:Choice Requires="a14">
           <p:sp>
             <p:nvSpPr>
               <p:cNvPr id="11" name="TextBox 10">
@@ -11818,7 +15311,7 @@
             </p:txBody>
           </p:sp>
         </mc:Choice>
-        <mc:Fallback>
+        <mc:Fallback xmlns="">
           <p:sp>
             <p:nvSpPr>
               <p:cNvPr id="11" name="TextBox 10">
@@ -11863,8 +15356,8 @@
           </p:sp>
         </mc:Fallback>
       </mc:AlternateContent>
-      <mc:AlternateContent xmlns:mc="http://schemas.openxmlformats.org/markup-compatibility/2006">
-        <mc:Choice xmlns:a14="http://schemas.microsoft.com/office/drawing/2010/main" Requires="a14">
+      <mc:AlternateContent xmlns:mc="http://schemas.openxmlformats.org/markup-compatibility/2006" xmlns:a14="http://schemas.microsoft.com/office/drawing/2010/main">
+        <mc:Choice Requires="a14">
           <p:sp>
             <p:nvSpPr>
               <p:cNvPr id="13" name="TextBox 12">
@@ -12143,7 +15636,7 @@
             </p:txBody>
           </p:sp>
         </mc:Choice>
-        <mc:Fallback>
+        <mc:Fallback xmlns="">
           <p:sp>
             <p:nvSpPr>
               <p:cNvPr id="13" name="TextBox 12">
@@ -12188,8 +15681,8 @@
           </p:sp>
         </mc:Fallback>
       </mc:AlternateContent>
-      <mc:AlternateContent xmlns:mc="http://schemas.openxmlformats.org/markup-compatibility/2006">
-        <mc:Choice xmlns:a14="http://schemas.microsoft.com/office/drawing/2010/main" Requires="a14">
+      <mc:AlternateContent xmlns:mc="http://schemas.openxmlformats.org/markup-compatibility/2006" xmlns:a14="http://schemas.microsoft.com/office/drawing/2010/main">
+        <mc:Choice Requires="a14">
           <p:sp>
             <p:nvSpPr>
               <p:cNvPr id="15" name="TextBox 14">
@@ -12651,7 +16144,7 @@
             </p:txBody>
           </p:sp>
         </mc:Choice>
-        <mc:Fallback>
+        <mc:Fallback xmlns="">
           <p:sp>
             <p:nvSpPr>
               <p:cNvPr id="15" name="TextBox 14">
@@ -12709,7 +16202,7 @@
 </p:sld>
 </file>
 
-<file path=ppt/slides/slide14.xml><?xml version="1.0" encoding="utf-8"?>
+<file path=ppt/slides/slide9.xml><?xml version="1.0" encoding="utf-8"?>
 <p:sld xmlns:a="http://schemas.openxmlformats.org/drawingml/2006/main" xmlns:r="http://schemas.openxmlformats.org/officeDocument/2006/relationships" xmlns:p="http://schemas.openxmlformats.org/presentationml/2006/main">
   <p:cSld>
     <p:spTree>
@@ -12784,7 +16277,7 @@
                 <a:latin typeface="Arial" panose="020B0604020202020204" pitchFamily="34" charset="0"/>
                 <a:cs typeface="Arial" panose="020B0604020202020204" pitchFamily="34" charset="0"/>
               </a:rPr>
-              <a:t>14</a:t>
+              <a:t>9</a:t>
             </a:fld>
             <a:endParaRPr lang="ru-RU" sz="1600" b="1">
               <a:solidFill>
@@ -12796,8 +16289,8 @@
           </a:p>
         </p:txBody>
       </p:sp>
-      <mc:AlternateContent xmlns:mc="http://schemas.openxmlformats.org/markup-compatibility/2006">
-        <mc:Choice xmlns:a14="http://schemas.microsoft.com/office/drawing/2010/main" Requires="a14">
+      <mc:AlternateContent xmlns:mc="http://schemas.openxmlformats.org/markup-compatibility/2006" xmlns:a14="http://schemas.microsoft.com/office/drawing/2010/main">
+        <mc:Choice Requires="a14">
           <p:sp>
             <p:nvSpPr>
               <p:cNvPr id="3" name="Прямоугольник 2">
@@ -13095,7 +16588,7 @@
             </p:txBody>
           </p:sp>
         </mc:Choice>
-        <mc:Fallback>
+        <mc:Fallback xmlns="">
           <p:sp>
             <p:nvSpPr>
               <p:cNvPr id="3" name="Прямоугольник 2">
@@ -13140,8 +16633,8 @@
           </p:sp>
         </mc:Fallback>
       </mc:AlternateContent>
-      <mc:AlternateContent xmlns:mc="http://schemas.openxmlformats.org/markup-compatibility/2006">
-        <mc:Choice xmlns:a14="http://schemas.microsoft.com/office/drawing/2010/main" Requires="a14">
+      <mc:AlternateContent xmlns:mc="http://schemas.openxmlformats.org/markup-compatibility/2006" xmlns:a14="http://schemas.microsoft.com/office/drawing/2010/main">
+        <mc:Choice Requires="a14">
           <p:sp>
             <p:nvSpPr>
               <p:cNvPr id="4" name="Прямоугольник 3">
@@ -13379,7 +16872,7 @@
             </p:txBody>
           </p:sp>
         </mc:Choice>
-        <mc:Fallback>
+        <mc:Fallback xmlns="">
           <p:sp>
             <p:nvSpPr>
               <p:cNvPr id="4" name="Прямоугольник 3">
@@ -13424,8 +16917,8 @@
           </p:sp>
         </mc:Fallback>
       </mc:AlternateContent>
-      <mc:AlternateContent xmlns:mc="http://schemas.openxmlformats.org/markup-compatibility/2006">
-        <mc:Choice xmlns:a14="http://schemas.microsoft.com/office/drawing/2010/main" Requires="a14">
+      <mc:AlternateContent xmlns:mc="http://schemas.openxmlformats.org/markup-compatibility/2006" xmlns:a14="http://schemas.microsoft.com/office/drawing/2010/main">
+        <mc:Choice Requires="a14">
           <p:sp>
             <p:nvSpPr>
               <p:cNvPr id="6" name="Прямоугольник 5">
@@ -13663,7 +17156,7 @@
             </p:txBody>
           </p:sp>
         </mc:Choice>
-        <mc:Fallback>
+        <mc:Fallback xmlns="">
           <p:sp>
             <p:nvSpPr>
               <p:cNvPr id="6" name="Прямоугольник 5">
@@ -13708,8 +17201,8 @@
           </p:sp>
         </mc:Fallback>
       </mc:AlternateContent>
-      <mc:AlternateContent xmlns:mc="http://schemas.openxmlformats.org/markup-compatibility/2006">
-        <mc:Choice xmlns:a14="http://schemas.microsoft.com/office/drawing/2010/main" Requires="a14">
+      <mc:AlternateContent xmlns:mc="http://schemas.openxmlformats.org/markup-compatibility/2006" xmlns:a14="http://schemas.microsoft.com/office/drawing/2010/main">
+        <mc:Choice Requires="a14">
           <p:sp>
             <p:nvSpPr>
               <p:cNvPr id="7" name="Прямоугольник 6">
@@ -13798,7 +17291,7 @@
             </p:txBody>
           </p:sp>
         </mc:Choice>
-        <mc:Fallback>
+        <mc:Fallback xmlns="">
           <p:sp>
             <p:nvSpPr>
               <p:cNvPr id="7" name="Прямоугольник 6">
@@ -13843,8 +17336,8 @@
           </p:sp>
         </mc:Fallback>
       </mc:AlternateContent>
-      <mc:AlternateContent xmlns:mc="http://schemas.openxmlformats.org/markup-compatibility/2006">
-        <mc:Choice xmlns:a14="http://schemas.microsoft.com/office/drawing/2010/main" Requires="a14">
+      <mc:AlternateContent xmlns:mc="http://schemas.openxmlformats.org/markup-compatibility/2006" xmlns:a14="http://schemas.microsoft.com/office/drawing/2010/main">
+        <mc:Choice Requires="a14">
           <p:sp>
             <p:nvSpPr>
               <p:cNvPr id="8" name="Прямоугольник 7">
@@ -14237,7 +17730,7 @@
             </p:txBody>
           </p:sp>
         </mc:Choice>
-        <mc:Fallback>
+        <mc:Fallback xmlns="">
           <p:sp>
             <p:nvSpPr>
               <p:cNvPr id="8" name="Прямоугольник 7">
@@ -14282,8 +17775,8 @@
           </p:sp>
         </mc:Fallback>
       </mc:AlternateContent>
-      <mc:AlternateContent xmlns:mc="http://schemas.openxmlformats.org/markup-compatibility/2006">
-        <mc:Choice xmlns:a14="http://schemas.microsoft.com/office/drawing/2010/main" Requires="a14">
+      <mc:AlternateContent xmlns:mc="http://schemas.openxmlformats.org/markup-compatibility/2006" xmlns:a14="http://schemas.microsoft.com/office/drawing/2010/main">
+        <mc:Choice Requires="a14">
           <p:sp>
             <p:nvSpPr>
               <p:cNvPr id="9" name="Прямоугольник 8">
@@ -14467,7 +17960,7 @@
             </p:txBody>
           </p:sp>
         </mc:Choice>
-        <mc:Fallback>
+        <mc:Fallback xmlns="">
           <p:sp>
             <p:nvSpPr>
               <p:cNvPr id="9" name="Прямоугольник 8">
@@ -14516,3753 +18009,6 @@
     <p:extLst>
       <p:ext uri="{BB962C8B-B14F-4D97-AF65-F5344CB8AC3E}">
         <p14:creationId xmlns:p14="http://schemas.microsoft.com/office/powerpoint/2010/main" val="250409295"/>
-      </p:ext>
-    </p:extLst>
-  </p:cSld>
-  <p:clrMapOvr>
-    <a:masterClrMapping/>
-  </p:clrMapOvr>
-</p:sld>
-</file>
-
-<file path=ppt/slides/slide15.xml><?xml version="1.0" encoding="utf-8"?>
-<p:sld xmlns:a="http://schemas.openxmlformats.org/drawingml/2006/main" xmlns:r="http://schemas.openxmlformats.org/officeDocument/2006/relationships" xmlns:p="http://schemas.openxmlformats.org/presentationml/2006/main">
-  <p:cSld>
-    <p:spTree>
-      <p:nvGrpSpPr>
-        <p:cNvPr id="1" name=""/>
-        <p:cNvGrpSpPr/>
-        <p:nvPr/>
-      </p:nvGrpSpPr>
-      <p:grpSpPr>
-        <a:xfrm>
-          <a:off x="0" y="0"/>
-          <a:ext cx="0" cy="0"/>
-          <a:chOff x="0" y="0"/>
-          <a:chExt cx="0" cy="0"/>
-        </a:xfrm>
-      </p:grpSpPr>
-      <p:sp>
-        <p:nvSpPr>
-          <p:cNvPr id="4" name="TextBox 3"/>
-          <p:cNvSpPr txBox="1"/>
-          <p:nvPr/>
-        </p:nvSpPr>
-        <p:spPr>
-          <a:xfrm>
-            <a:off x="2351319" y="215407"/>
-            <a:ext cx="7898675" cy="523220"/>
-          </a:xfrm>
-          <a:prstGeom prst="rect">
-            <a:avLst/>
-          </a:prstGeom>
-          <a:noFill/>
-        </p:spPr>
-        <p:txBody>
-          <a:bodyPr wrap="square" rtlCol="0" anchor="ctr" anchorCtr="1">
-            <a:spAutoFit/>
-          </a:bodyPr>
-          <a:lstStyle/>
-          <a:p>
-            <a:pPr algn="ctr"/>
-            <a:r>
-              <a:rPr lang="ru-RU" sz="2800" dirty="0">
-                <a:solidFill>
-                  <a:schemeClr val="bg1"/>
-                </a:solidFill>
-                <a:latin typeface="Elektra Text Pro" panose="02000503030000020004" pitchFamily="50" charset="-52"/>
-              </a:rPr>
-              <a:t>Прототип пользовательского интерфейса</a:t>
-            </a:r>
-          </a:p>
-        </p:txBody>
-      </p:sp>
-      <p:sp>
-        <p:nvSpPr>
-          <p:cNvPr id="7" name="Номер слайда 2"/>
-          <p:cNvSpPr>
-            <a:spLocks noGrp="1"/>
-          </p:cNvSpPr>
-          <p:nvPr>
-            <p:ph type="sldNum" sz="quarter" idx="12"/>
-          </p:nvPr>
-        </p:nvSpPr>
-        <p:spPr>
-          <a:xfrm>
-            <a:off x="8736463" y="6356351"/>
-            <a:ext cx="2844430" cy="365125"/>
-          </a:xfrm>
-        </p:spPr>
-        <p:txBody>
-          <a:bodyPr/>
-          <a:lstStyle/>
-          <a:p>
-            <a:fld id="{E2656834-4BAB-4DB1-9FED-8310CA017EAF}" type="slidenum">
-              <a:rPr lang="ru-RU" sz="2000" b="1" smtClean="0">
-                <a:solidFill>
-                  <a:schemeClr val="tx1"/>
-                </a:solidFill>
-              </a:rPr>
-              <a:t>15</a:t>
-            </a:fld>
-            <a:endParaRPr lang="ru-RU" sz="2000" b="1" dirty="0">
-              <a:solidFill>
-                <a:schemeClr val="tx1"/>
-              </a:solidFill>
-            </a:endParaRPr>
-          </a:p>
-        </p:txBody>
-      </p:sp>
-      <p:pic>
-        <p:nvPicPr>
-          <p:cNvPr id="8" name="Рисунок 7">
-            <a:extLst>
-              <a:ext uri="{FF2B5EF4-FFF2-40B4-BE49-F238E27FC236}">
-                <a16:creationId xmlns:a16="http://schemas.microsoft.com/office/drawing/2014/main" id="{AA4A74FC-9F08-49FB-B66D-B3F1ECAD9116}"/>
-              </a:ext>
-            </a:extLst>
-          </p:cNvPr>
-          <p:cNvPicPr/>
-          <p:nvPr/>
-        </p:nvPicPr>
-        <p:blipFill>
-          <a:blip r:embed="rId2">
-            <a:extLst>
-              <a:ext uri="{BEBA8EAE-BF5A-486C-A8C5-ECC9F3942E4B}">
-                <a14:imgProps xmlns:a14="http://schemas.microsoft.com/office/drawing/2010/main">
-                  <a14:imgLayer r:embed="rId3">
-                    <a14:imgEffect>
-                      <a14:sharpenSoften amount="50000"/>
-                    </a14:imgEffect>
-                  </a14:imgLayer>
-                </a14:imgProps>
-              </a:ext>
-              <a:ext uri="{28A0092B-C50C-407E-A947-70E740481C1C}">
-                <a14:useLocalDpi xmlns:a14="http://schemas.microsoft.com/office/drawing/2010/main" val="0"/>
-              </a:ext>
-            </a:extLst>
-          </a:blip>
-          <a:srcRect/>
-          <a:stretch>
-            <a:fillRect/>
-          </a:stretch>
-        </p:blipFill>
-        <p:spPr bwMode="auto">
-          <a:xfrm>
-            <a:off x="444738" y="2187819"/>
-            <a:ext cx="1828800" cy="4351094"/>
-          </a:xfrm>
-          <a:prstGeom prst="rect">
-            <a:avLst/>
-          </a:prstGeom>
-          <a:noFill/>
-          <a:ln>
-            <a:noFill/>
-          </a:ln>
-        </p:spPr>
-      </p:pic>
-      <p:pic>
-        <p:nvPicPr>
-          <p:cNvPr id="10" name="Рисунок 9">
-            <a:extLst>
-              <a:ext uri="{FF2B5EF4-FFF2-40B4-BE49-F238E27FC236}">
-                <a16:creationId xmlns:a16="http://schemas.microsoft.com/office/drawing/2014/main" id="{FFD4CF21-ED35-496F-AC86-5DBC51F0562D}"/>
-              </a:ext>
-            </a:extLst>
-          </p:cNvPr>
-          <p:cNvPicPr/>
-          <p:nvPr/>
-        </p:nvPicPr>
-        <p:blipFill>
-          <a:blip r:embed="rId4">
-            <a:extLst>
-              <a:ext uri="{BEBA8EAE-BF5A-486C-A8C5-ECC9F3942E4B}">
-                <a14:imgProps xmlns:a14="http://schemas.microsoft.com/office/drawing/2010/main">
-                  <a14:imgLayer r:embed="rId5">
-                    <a14:imgEffect>
-                      <a14:sharpenSoften amount="50000"/>
-                    </a14:imgEffect>
-                  </a14:imgLayer>
-                </a14:imgProps>
-              </a:ext>
-              <a:ext uri="{28A0092B-C50C-407E-A947-70E740481C1C}">
-                <a14:useLocalDpi xmlns:a14="http://schemas.microsoft.com/office/drawing/2010/main" val="0"/>
-              </a:ext>
-            </a:extLst>
-          </a:blip>
-          <a:srcRect/>
-          <a:stretch>
-            <a:fillRect/>
-          </a:stretch>
-        </p:blipFill>
-        <p:spPr bwMode="auto">
-          <a:xfrm>
-            <a:off x="2657904" y="1052736"/>
-            <a:ext cx="1828800" cy="4351094"/>
-          </a:xfrm>
-          <a:prstGeom prst="rect">
-            <a:avLst/>
-          </a:prstGeom>
-          <a:noFill/>
-          <a:ln>
-            <a:noFill/>
-          </a:ln>
-        </p:spPr>
-      </p:pic>
-      <p:pic>
-        <p:nvPicPr>
-          <p:cNvPr id="11" name="Рисунок 10">
-            <a:extLst>
-              <a:ext uri="{FF2B5EF4-FFF2-40B4-BE49-F238E27FC236}">
-                <a16:creationId xmlns:a16="http://schemas.microsoft.com/office/drawing/2014/main" id="{AED95EAA-765A-4D9C-AE45-40A8DC717FB0}"/>
-              </a:ext>
-            </a:extLst>
-          </p:cNvPr>
-          <p:cNvPicPr/>
-          <p:nvPr/>
-        </p:nvPicPr>
-        <p:blipFill>
-          <a:blip r:embed="rId6">
-            <a:extLst>
-              <a:ext uri="{BEBA8EAE-BF5A-486C-A8C5-ECC9F3942E4B}">
-                <a14:imgProps xmlns:a14="http://schemas.microsoft.com/office/drawing/2010/main">
-                  <a14:imgLayer r:embed="rId7">
-                    <a14:imgEffect>
-                      <a14:sharpenSoften amount="50000"/>
-                    </a14:imgEffect>
-                  </a14:imgLayer>
-                </a14:imgProps>
-              </a:ext>
-              <a:ext uri="{28A0092B-C50C-407E-A947-70E740481C1C}">
-                <a14:useLocalDpi xmlns:a14="http://schemas.microsoft.com/office/drawing/2010/main" val="0"/>
-              </a:ext>
-            </a:extLst>
-          </a:blip>
-          <a:srcRect/>
-          <a:stretch>
-            <a:fillRect/>
-          </a:stretch>
-        </p:blipFill>
-        <p:spPr bwMode="auto">
-          <a:xfrm>
-            <a:off x="4871070" y="2055969"/>
-            <a:ext cx="1828800" cy="4482944"/>
-          </a:xfrm>
-          <a:prstGeom prst="rect">
-            <a:avLst/>
-          </a:prstGeom>
-          <a:noFill/>
-          <a:ln>
-            <a:noFill/>
-          </a:ln>
-        </p:spPr>
-      </p:pic>
-      <p:pic>
-        <p:nvPicPr>
-          <p:cNvPr id="12" name="Рисунок 11">
-            <a:extLst>
-              <a:ext uri="{FF2B5EF4-FFF2-40B4-BE49-F238E27FC236}">
-                <a16:creationId xmlns:a16="http://schemas.microsoft.com/office/drawing/2014/main" id="{2DCD0A00-EDFC-44CC-917D-63C9911AC4C8}"/>
-              </a:ext>
-            </a:extLst>
-          </p:cNvPr>
-          <p:cNvPicPr/>
-          <p:nvPr/>
-        </p:nvPicPr>
-        <p:blipFill>
-          <a:blip r:embed="rId8">
-            <a:extLst>
-              <a:ext uri="{BEBA8EAE-BF5A-486C-A8C5-ECC9F3942E4B}">
-                <a14:imgProps xmlns:a14="http://schemas.microsoft.com/office/drawing/2010/main">
-                  <a14:imgLayer r:embed="rId9">
-                    <a14:imgEffect>
-                      <a14:sharpenSoften amount="50000"/>
-                    </a14:imgEffect>
-                  </a14:imgLayer>
-                </a14:imgProps>
-              </a:ext>
-              <a:ext uri="{28A0092B-C50C-407E-A947-70E740481C1C}">
-                <a14:useLocalDpi xmlns:a14="http://schemas.microsoft.com/office/drawing/2010/main" val="0"/>
-              </a:ext>
-            </a:extLst>
-          </a:blip>
-          <a:srcRect/>
-          <a:stretch>
-            <a:fillRect/>
-          </a:stretch>
-        </p:blipFill>
-        <p:spPr bwMode="auto">
-          <a:xfrm>
-            <a:off x="7084236" y="1300930"/>
-            <a:ext cx="1828800" cy="4351094"/>
-          </a:xfrm>
-          <a:prstGeom prst="rect">
-            <a:avLst/>
-          </a:prstGeom>
-          <a:noFill/>
-          <a:ln>
-            <a:noFill/>
-          </a:ln>
-        </p:spPr>
-      </p:pic>
-      <p:pic>
-        <p:nvPicPr>
-          <p:cNvPr id="13" name="Рисунок 12">
-            <a:extLst>
-              <a:ext uri="{FF2B5EF4-FFF2-40B4-BE49-F238E27FC236}">
-                <a16:creationId xmlns:a16="http://schemas.microsoft.com/office/drawing/2014/main" id="{1D415073-831B-4BA7-BA79-1E56474F292F}"/>
-              </a:ext>
-            </a:extLst>
-          </p:cNvPr>
-          <p:cNvPicPr/>
-          <p:nvPr/>
-        </p:nvPicPr>
-        <p:blipFill>
-          <a:blip r:embed="rId10">
-            <a:extLst>
-              <a:ext uri="{BEBA8EAE-BF5A-486C-A8C5-ECC9F3942E4B}">
-                <a14:imgProps xmlns:a14="http://schemas.microsoft.com/office/drawing/2010/main">
-                  <a14:imgLayer r:embed="rId11">
-                    <a14:imgEffect>
-                      <a14:sharpenSoften amount="50000"/>
-                    </a14:imgEffect>
-                  </a14:imgLayer>
-                </a14:imgProps>
-              </a:ext>
-              <a:ext uri="{28A0092B-C50C-407E-A947-70E740481C1C}">
-                <a14:useLocalDpi xmlns:a14="http://schemas.microsoft.com/office/drawing/2010/main" val="0"/>
-              </a:ext>
-            </a:extLst>
-          </a:blip>
-          <a:srcRect/>
-          <a:stretch>
-            <a:fillRect/>
-          </a:stretch>
-        </p:blipFill>
-        <p:spPr bwMode="auto">
-          <a:xfrm>
-            <a:off x="9297402" y="1300930"/>
-            <a:ext cx="1828800" cy="4351094"/>
-          </a:xfrm>
-          <a:prstGeom prst="rect">
-            <a:avLst/>
-          </a:prstGeom>
-          <a:noFill/>
-          <a:ln>
-            <a:noFill/>
-          </a:ln>
-        </p:spPr>
-      </p:pic>
-      <p:sp>
-        <p:nvSpPr>
-          <p:cNvPr id="2" name="Облачко с текстом: прямоугольное 1">
-            <a:extLst>
-              <a:ext uri="{FF2B5EF4-FFF2-40B4-BE49-F238E27FC236}">
-                <a16:creationId xmlns:a16="http://schemas.microsoft.com/office/drawing/2014/main" id="{30D4DEC6-3C30-40F5-ABD8-C0A7762DB992}"/>
-              </a:ext>
-            </a:extLst>
-          </p:cNvPr>
-          <p:cNvSpPr/>
-          <p:nvPr/>
-        </p:nvSpPr>
-        <p:spPr>
-          <a:xfrm>
-            <a:off x="444737" y="1300930"/>
-            <a:ext cx="1828799" cy="697134"/>
-          </a:xfrm>
-          <a:prstGeom prst="wedgeRectCallout">
-            <a:avLst/>
-          </a:prstGeom>
-        </p:spPr>
-        <p:style>
-          <a:lnRef idx="1">
-            <a:schemeClr val="accent1"/>
-          </a:lnRef>
-          <a:fillRef idx="2">
-            <a:schemeClr val="accent1"/>
-          </a:fillRef>
-          <a:effectRef idx="1">
-            <a:schemeClr val="accent1"/>
-          </a:effectRef>
-          <a:fontRef idx="minor">
-            <a:schemeClr val="dk1"/>
-          </a:fontRef>
-        </p:style>
-        <p:txBody>
-          <a:bodyPr rtlCol="0" anchor="ctr"/>
-          <a:lstStyle/>
-          <a:p>
-            <a:pPr algn="ctr"/>
-            <a:r>
-              <a:rPr lang="ru-RU" dirty="0"/>
-              <a:t>Главная форма</a:t>
-            </a:r>
-          </a:p>
-        </p:txBody>
-      </p:sp>
-      <p:sp>
-        <p:nvSpPr>
-          <p:cNvPr id="3" name="Облачко с текстом: прямоугольное 2">
-            <a:extLst>
-              <a:ext uri="{FF2B5EF4-FFF2-40B4-BE49-F238E27FC236}">
-                <a16:creationId xmlns:a16="http://schemas.microsoft.com/office/drawing/2014/main" id="{E3C50C2C-6593-4FD4-8372-4239573B44FF}"/>
-              </a:ext>
-            </a:extLst>
-          </p:cNvPr>
-          <p:cNvSpPr/>
-          <p:nvPr/>
-        </p:nvSpPr>
-        <p:spPr>
-          <a:xfrm>
-            <a:off x="2710830" y="5517232"/>
-            <a:ext cx="1728192" cy="1021681"/>
-          </a:xfrm>
-          <a:prstGeom prst="wedgeRectCallout">
-            <a:avLst>
-              <a:gd name="adj1" fmla="val 24373"/>
-              <a:gd name="adj2" fmla="val -67565"/>
-            </a:avLst>
-          </a:prstGeom>
-        </p:spPr>
-        <p:style>
-          <a:lnRef idx="1">
-            <a:schemeClr val="accent1"/>
-          </a:lnRef>
-          <a:fillRef idx="2">
-            <a:schemeClr val="accent1"/>
-          </a:fillRef>
-          <a:effectRef idx="1">
-            <a:schemeClr val="accent1"/>
-          </a:effectRef>
-          <a:fontRef idx="minor">
-            <a:schemeClr val="dk1"/>
-          </a:fontRef>
-        </p:style>
-        <p:txBody>
-          <a:bodyPr rtlCol="0" anchor="ctr"/>
-          <a:lstStyle/>
-          <a:p>
-            <a:pPr algn="ctr"/>
-            <a:r>
-              <a:rPr lang="ru-RU" dirty="0"/>
-              <a:t>Форма просмотра пройденных маршрутов</a:t>
-            </a:r>
-          </a:p>
-        </p:txBody>
-      </p:sp>
-      <p:sp>
-        <p:nvSpPr>
-          <p:cNvPr id="5" name="Облачко с текстом: прямоугольное 4">
-            <a:extLst>
-              <a:ext uri="{FF2B5EF4-FFF2-40B4-BE49-F238E27FC236}">
-                <a16:creationId xmlns:a16="http://schemas.microsoft.com/office/drawing/2014/main" id="{37472DBB-F061-48CE-8F8A-87931869CDBA}"/>
-              </a:ext>
-            </a:extLst>
-          </p:cNvPr>
-          <p:cNvSpPr/>
-          <p:nvPr/>
-        </p:nvSpPr>
-        <p:spPr>
-          <a:xfrm>
-            <a:off x="5106177" y="1052736"/>
-            <a:ext cx="1540768" cy="792088"/>
-          </a:xfrm>
-          <a:prstGeom prst="wedgeRectCallout">
-            <a:avLst>
-              <a:gd name="adj1" fmla="val -16224"/>
-              <a:gd name="adj2" fmla="val 97245"/>
-            </a:avLst>
-          </a:prstGeom>
-        </p:spPr>
-        <p:style>
-          <a:lnRef idx="1">
-            <a:schemeClr val="accent1"/>
-          </a:lnRef>
-          <a:fillRef idx="2">
-            <a:schemeClr val="accent1"/>
-          </a:fillRef>
-          <a:effectRef idx="1">
-            <a:schemeClr val="accent1"/>
-          </a:effectRef>
-          <a:fontRef idx="minor">
-            <a:schemeClr val="dk1"/>
-          </a:fontRef>
-        </p:style>
-        <p:txBody>
-          <a:bodyPr rtlCol="0" anchor="ctr"/>
-          <a:lstStyle/>
-          <a:p>
-            <a:pPr algn="ctr"/>
-            <a:r>
-              <a:rPr lang="ru-RU" dirty="0"/>
-              <a:t>Пройденный маршрут</a:t>
-            </a:r>
-          </a:p>
-        </p:txBody>
-      </p:sp>
-      <p:sp>
-        <p:nvSpPr>
-          <p:cNvPr id="6" name="Облачко с текстом: прямоугольное 5">
-            <a:extLst>
-              <a:ext uri="{FF2B5EF4-FFF2-40B4-BE49-F238E27FC236}">
-                <a16:creationId xmlns:a16="http://schemas.microsoft.com/office/drawing/2014/main" id="{7BF32013-BD9A-4453-850D-8F0A4EFCBEBC}"/>
-              </a:ext>
-            </a:extLst>
-          </p:cNvPr>
-          <p:cNvSpPr/>
-          <p:nvPr/>
-        </p:nvSpPr>
-        <p:spPr>
-          <a:xfrm>
-            <a:off x="8111430" y="6021288"/>
-            <a:ext cx="801606" cy="432048"/>
-          </a:xfrm>
-          <a:prstGeom prst="wedgeRectCallout">
-            <a:avLst>
-              <a:gd name="adj1" fmla="val 1069"/>
-              <a:gd name="adj2" fmla="val -177910"/>
-            </a:avLst>
-          </a:prstGeom>
-        </p:spPr>
-        <p:style>
-          <a:lnRef idx="1">
-            <a:schemeClr val="accent1"/>
-          </a:lnRef>
-          <a:fillRef idx="2">
-            <a:schemeClr val="accent1"/>
-          </a:fillRef>
-          <a:effectRef idx="1">
-            <a:schemeClr val="accent1"/>
-          </a:effectRef>
-          <a:fontRef idx="minor">
-            <a:schemeClr val="dk1"/>
-          </a:fontRef>
-        </p:style>
-        <p:txBody>
-          <a:bodyPr rtlCol="0" anchor="ctr"/>
-          <a:lstStyle/>
-          <a:p>
-            <a:pPr algn="ctr"/>
-            <a:r>
-              <a:rPr lang="ru-RU" dirty="0"/>
-              <a:t>В путь</a:t>
-            </a:r>
-          </a:p>
-        </p:txBody>
-      </p:sp>
-      <p:sp>
-        <p:nvSpPr>
-          <p:cNvPr id="9" name="Облачко с текстом: прямоугольное 8">
-            <a:extLst>
-              <a:ext uri="{FF2B5EF4-FFF2-40B4-BE49-F238E27FC236}">
-                <a16:creationId xmlns:a16="http://schemas.microsoft.com/office/drawing/2014/main" id="{0B62327B-030C-4C72-8139-D3B28EB3B3B6}"/>
-              </a:ext>
-            </a:extLst>
-          </p:cNvPr>
-          <p:cNvSpPr/>
-          <p:nvPr/>
-        </p:nvSpPr>
-        <p:spPr>
-          <a:xfrm>
-            <a:off x="7084236" y="836712"/>
-            <a:ext cx="1828800" cy="271180"/>
-          </a:xfrm>
-          <a:prstGeom prst="wedgeRectCallout">
-            <a:avLst>
-              <a:gd name="adj1" fmla="val 579"/>
-              <a:gd name="adj2" fmla="val 193347"/>
-            </a:avLst>
-          </a:prstGeom>
-        </p:spPr>
-        <p:style>
-          <a:lnRef idx="1">
-            <a:schemeClr val="accent1"/>
-          </a:lnRef>
-          <a:fillRef idx="2">
-            <a:schemeClr val="accent1"/>
-          </a:fillRef>
-          <a:effectRef idx="1">
-            <a:schemeClr val="accent1"/>
-          </a:effectRef>
-          <a:fontRef idx="minor">
-            <a:schemeClr val="dk1"/>
-          </a:fontRef>
-        </p:style>
-        <p:txBody>
-          <a:bodyPr rtlCol="0" anchor="ctr"/>
-          <a:lstStyle/>
-          <a:p>
-            <a:pPr algn="ctr"/>
-            <a:r>
-              <a:rPr lang="ru-RU" dirty="0"/>
-              <a:t>Конечная точка</a:t>
-            </a:r>
-          </a:p>
-        </p:txBody>
-      </p:sp>
-      <p:sp>
-        <p:nvSpPr>
-          <p:cNvPr id="15" name="Облачко с текстом: прямоугольное 14">
-            <a:extLst>
-              <a:ext uri="{FF2B5EF4-FFF2-40B4-BE49-F238E27FC236}">
-                <a16:creationId xmlns:a16="http://schemas.microsoft.com/office/drawing/2014/main" id="{56A53AFF-FA3F-4860-B6BA-391DCBE55794}"/>
-              </a:ext>
-            </a:extLst>
-          </p:cNvPr>
-          <p:cNvSpPr/>
-          <p:nvPr/>
-        </p:nvSpPr>
-        <p:spPr>
-          <a:xfrm>
-            <a:off x="9407574" y="5924302"/>
-            <a:ext cx="1828800" cy="529033"/>
-          </a:xfrm>
-          <a:prstGeom prst="wedgeRectCallout">
-            <a:avLst>
-              <a:gd name="adj1" fmla="val 26936"/>
-              <a:gd name="adj2" fmla="val -145034"/>
-            </a:avLst>
-          </a:prstGeom>
-        </p:spPr>
-        <p:style>
-          <a:lnRef idx="1">
-            <a:schemeClr val="accent1"/>
-          </a:lnRef>
-          <a:fillRef idx="2">
-            <a:schemeClr val="accent1"/>
-          </a:fillRef>
-          <a:effectRef idx="1">
-            <a:schemeClr val="accent1"/>
-          </a:effectRef>
-          <a:fontRef idx="minor">
-            <a:schemeClr val="dk1"/>
-          </a:fontRef>
-        </p:style>
-        <p:txBody>
-          <a:bodyPr rtlCol="0" anchor="ctr"/>
-          <a:lstStyle/>
-          <a:p>
-            <a:pPr algn="ctr"/>
-            <a:r>
-              <a:rPr lang="ru-RU" dirty="0"/>
-              <a:t>Остановить маршрут</a:t>
-            </a:r>
-          </a:p>
-        </p:txBody>
-      </p:sp>
-      <p:sp>
-        <p:nvSpPr>
-          <p:cNvPr id="16" name="Облачко с текстом: прямоугольное 15">
-            <a:extLst>
-              <a:ext uri="{FF2B5EF4-FFF2-40B4-BE49-F238E27FC236}">
-                <a16:creationId xmlns:a16="http://schemas.microsoft.com/office/drawing/2014/main" id="{56FFDE4F-A88B-423F-A3F1-728FD064173D}"/>
-              </a:ext>
-            </a:extLst>
-          </p:cNvPr>
-          <p:cNvSpPr/>
-          <p:nvPr/>
-        </p:nvSpPr>
-        <p:spPr>
-          <a:xfrm>
-            <a:off x="9244278" y="825745"/>
-            <a:ext cx="1828800" cy="271180"/>
-          </a:xfrm>
-          <a:prstGeom prst="wedgeRectCallout">
-            <a:avLst>
-              <a:gd name="adj1" fmla="val 579"/>
-              <a:gd name="adj2" fmla="val 193347"/>
-            </a:avLst>
-          </a:prstGeom>
-        </p:spPr>
-        <p:style>
-          <a:lnRef idx="1">
-            <a:schemeClr val="accent1"/>
-          </a:lnRef>
-          <a:fillRef idx="2">
-            <a:schemeClr val="accent1"/>
-          </a:fillRef>
-          <a:effectRef idx="1">
-            <a:schemeClr val="accent1"/>
-          </a:effectRef>
-          <a:fontRef idx="minor">
-            <a:schemeClr val="dk1"/>
-          </a:fontRef>
-        </p:style>
-        <p:txBody>
-          <a:bodyPr rtlCol="0" anchor="ctr"/>
-          <a:lstStyle/>
-          <a:p>
-            <a:pPr algn="ctr"/>
-            <a:r>
-              <a:rPr lang="ru-RU" dirty="0"/>
-              <a:t>Конечная точка</a:t>
-            </a:r>
-          </a:p>
-        </p:txBody>
-      </p:sp>
-    </p:spTree>
-    <p:extLst>
-      <p:ext uri="{BB962C8B-B14F-4D97-AF65-F5344CB8AC3E}">
-        <p14:creationId xmlns:p14="http://schemas.microsoft.com/office/powerpoint/2010/main" val="1457085305"/>
-      </p:ext>
-    </p:extLst>
-  </p:cSld>
-  <p:clrMapOvr>
-    <a:masterClrMapping/>
-  </p:clrMapOvr>
-</p:sld>
-</file>
-
-<file path=ppt/slides/slide16.xml><?xml version="1.0" encoding="utf-8"?>
-<p:sld xmlns:a="http://schemas.openxmlformats.org/drawingml/2006/main" xmlns:r="http://schemas.openxmlformats.org/officeDocument/2006/relationships" xmlns:p="http://schemas.openxmlformats.org/presentationml/2006/main">
-  <p:cSld>
-    <p:spTree>
-      <p:nvGrpSpPr>
-        <p:cNvPr id="1" name=""/>
-        <p:cNvGrpSpPr/>
-        <p:nvPr/>
-      </p:nvGrpSpPr>
-      <p:grpSpPr>
-        <a:xfrm>
-          <a:off x="0" y="0"/>
-          <a:ext cx="0" cy="0"/>
-          <a:chOff x="0" y="0"/>
-          <a:chExt cx="0" cy="0"/>
-        </a:xfrm>
-      </p:grpSpPr>
-      <p:sp>
-        <p:nvSpPr>
-          <p:cNvPr id="4" name="TextBox 3"/>
-          <p:cNvSpPr txBox="1"/>
-          <p:nvPr/>
-        </p:nvSpPr>
-        <p:spPr>
-          <a:xfrm>
-            <a:off x="2351319" y="215407"/>
-            <a:ext cx="7898675" cy="523220"/>
-          </a:xfrm>
-          <a:prstGeom prst="rect">
-            <a:avLst/>
-          </a:prstGeom>
-          <a:noFill/>
-        </p:spPr>
-        <p:txBody>
-          <a:bodyPr wrap="square" rtlCol="0" anchor="ctr" anchorCtr="1">
-            <a:spAutoFit/>
-          </a:bodyPr>
-          <a:lstStyle/>
-          <a:p>
-            <a:pPr algn="ctr"/>
-            <a:r>
-              <a:rPr lang="ru-RU" sz="2800" dirty="0">
-                <a:solidFill>
-                  <a:schemeClr val="bg1"/>
-                </a:solidFill>
-                <a:latin typeface="Elektra Text Pro" panose="02000503030000020004" pitchFamily="50" charset="-52"/>
-              </a:rPr>
-              <a:t>Заключение</a:t>
-            </a:r>
-          </a:p>
-        </p:txBody>
-      </p:sp>
-      <p:sp>
-        <p:nvSpPr>
-          <p:cNvPr id="6" name="TextBox 5"/>
-          <p:cNvSpPr txBox="1"/>
-          <p:nvPr/>
-        </p:nvSpPr>
-        <p:spPr>
-          <a:xfrm>
-            <a:off x="447512" y="1319282"/>
-            <a:ext cx="11295387" cy="3108543"/>
-          </a:xfrm>
-          <a:prstGeom prst="rect">
-            <a:avLst/>
-          </a:prstGeom>
-        </p:spPr>
-        <p:txBody>
-          <a:bodyPr vert="horz" wrap="square" lIns="91440" tIns="45720" rIns="91440" bIns="45720" rtlCol="0" anchor="ctr">
-            <a:spAutoFit/>
-          </a:bodyPr>
-          <a:lstStyle/>
-          <a:p>
-            <a:pPr marL="285750" indent="-285750" algn="just">
-              <a:buFont typeface="Arial" panose="020B0604020202020204" pitchFamily="34" charset="0"/>
-              <a:buChar char="•"/>
-            </a:pPr>
-            <a:r>
-              <a:rPr lang="ru-RU" sz="2800" dirty="0">
-                <a:latin typeface="Arial" panose="020B0604020202020204" pitchFamily="34" charset="0"/>
-                <a:cs typeface="Arial" panose="020B0604020202020204" pitchFamily="34" charset="0"/>
-              </a:rPr>
-              <a:t>Проведен анализ предметной области</a:t>
-            </a:r>
-          </a:p>
-          <a:p>
-            <a:pPr marL="285750" indent="-285750" algn="just">
-              <a:buFont typeface="Arial" panose="020B0604020202020204" pitchFamily="34" charset="0"/>
-              <a:buChar char="•"/>
-            </a:pPr>
-            <a:r>
-              <a:rPr lang="ru-RU" sz="2800" dirty="0">
-                <a:latin typeface="Arial" panose="020B0604020202020204" pitchFamily="34" charset="0"/>
-                <a:cs typeface="Arial" panose="020B0604020202020204" pitchFamily="34" charset="0"/>
-              </a:rPr>
-              <a:t>Проведен обзор систем-аналогов</a:t>
-            </a:r>
-          </a:p>
-          <a:p>
-            <a:pPr marL="285750" indent="-285750" algn="just">
-              <a:buFont typeface="Arial" panose="020B0604020202020204" pitchFamily="34" charset="0"/>
-              <a:buChar char="•"/>
-            </a:pPr>
-            <a:r>
-              <a:rPr lang="ru-RU" sz="2800" dirty="0">
-                <a:latin typeface="Arial" panose="020B0604020202020204" pitchFamily="34" charset="0"/>
-                <a:cs typeface="Arial" panose="020B0604020202020204" pitchFamily="34" charset="0"/>
-              </a:rPr>
-              <a:t>Разработана логическая и физическая модель данных</a:t>
-            </a:r>
-          </a:p>
-          <a:p>
-            <a:pPr marL="285750" indent="-285750" algn="just">
-              <a:buFont typeface="Arial" panose="020B0604020202020204" pitchFamily="34" charset="0"/>
-              <a:buChar char="•"/>
-            </a:pPr>
-            <a:r>
-              <a:rPr lang="ru-RU" sz="2800" dirty="0">
-                <a:latin typeface="Arial" panose="020B0604020202020204" pitchFamily="34" charset="0"/>
-                <a:cs typeface="Arial" panose="020B0604020202020204" pitchFamily="34" charset="0"/>
-              </a:rPr>
-              <a:t>Разработаны прототипы пользовательского интерфейса</a:t>
-            </a:r>
-          </a:p>
-          <a:p>
-            <a:pPr marL="285750" indent="-285750" algn="just">
-              <a:buFont typeface="Arial" panose="020B0604020202020204" pitchFamily="34" charset="0"/>
-              <a:buChar char="•"/>
-            </a:pPr>
-            <a:r>
-              <a:rPr lang="ru-RU" sz="2800" dirty="0">
-                <a:solidFill>
-                  <a:srgbClr val="000000"/>
-                </a:solidFill>
-                <a:latin typeface="Arial" panose="020B0604020202020204" pitchFamily="34" charset="0"/>
-                <a:ea typeface="Calibri" panose="020F0502020204030204" pitchFamily="34" charset="0"/>
-                <a:cs typeface="Arial" panose="020B0604020202020204" pitchFamily="34" charset="0"/>
-              </a:rPr>
-              <a:t>Р</a:t>
-            </a:r>
-            <a:r>
-              <a:rPr lang="ru-RU" sz="2800" dirty="0">
-                <a:solidFill>
-                  <a:srgbClr val="000000"/>
-                </a:solidFill>
-                <a:effectLst/>
-                <a:latin typeface="Arial" panose="020B0604020202020204" pitchFamily="34" charset="0"/>
-                <a:ea typeface="Calibri" panose="020F0502020204030204" pitchFamily="34" charset="0"/>
-                <a:cs typeface="Arial" panose="020B0604020202020204" pitchFamily="34" charset="0"/>
-              </a:rPr>
-              <a:t>азработана </a:t>
-            </a:r>
-            <a:r>
-              <a:rPr lang="ru-RU" sz="2800" dirty="0">
-                <a:solidFill>
-                  <a:srgbClr val="000000"/>
-                </a:solidFill>
-                <a:effectLst/>
-                <a:latin typeface="Arial" panose="020B0604020202020204" pitchFamily="34" charset="0"/>
-                <a:ea typeface="Times New Roman" panose="02020603050405020304" pitchFamily="18" charset="0"/>
-                <a:cs typeface="Arial" panose="020B0604020202020204" pitchFamily="34" charset="0"/>
-              </a:rPr>
-              <a:t>трехконтурная архитектура инерциальной навигационной системы для мобильного устройства</a:t>
-            </a:r>
-            <a:r>
-              <a:rPr lang="ru-RU" sz="2800" dirty="0">
-                <a:effectLst/>
-                <a:latin typeface="Arial" panose="020B0604020202020204" pitchFamily="34" charset="0"/>
-                <a:ea typeface="Calibri" panose="020F0502020204030204" pitchFamily="34" charset="0"/>
-                <a:cs typeface="Arial" panose="020B0604020202020204" pitchFamily="34" charset="0"/>
-              </a:rPr>
-              <a:t>, реализующие предложенный метод </a:t>
-            </a:r>
-            <a:r>
-              <a:rPr lang="ru-RU" sz="2800" dirty="0">
-                <a:solidFill>
-                  <a:srgbClr val="000000"/>
-                </a:solidFill>
-                <a:effectLst/>
-                <a:latin typeface="Arial" panose="020B0604020202020204" pitchFamily="34" charset="0"/>
-                <a:ea typeface="Times New Roman" panose="02020603050405020304" pitchFamily="18" charset="0"/>
-                <a:cs typeface="Arial" panose="020B0604020202020204" pitchFamily="34" charset="0"/>
-              </a:rPr>
-              <a:t>построения маршрута</a:t>
-            </a:r>
-            <a:endParaRPr lang="ru-RU" sz="2800" dirty="0">
-              <a:latin typeface="Arial" panose="020B0604020202020204" pitchFamily="34" charset="0"/>
-              <a:cs typeface="Arial" panose="020B0604020202020204" pitchFamily="34" charset="0"/>
-            </a:endParaRPr>
-          </a:p>
-        </p:txBody>
-      </p:sp>
-      <p:sp>
-        <p:nvSpPr>
-          <p:cNvPr id="7" name="Номер слайда 2"/>
-          <p:cNvSpPr>
-            <a:spLocks noGrp="1"/>
-          </p:cNvSpPr>
-          <p:nvPr>
-            <p:ph type="sldNum" sz="quarter" idx="12"/>
-          </p:nvPr>
-        </p:nvSpPr>
-        <p:spPr>
-          <a:xfrm>
-            <a:off x="8736463" y="6356351"/>
-            <a:ext cx="2844430" cy="365125"/>
-          </a:xfrm>
-        </p:spPr>
-        <p:txBody>
-          <a:bodyPr/>
-          <a:lstStyle/>
-          <a:p>
-            <a:fld id="{E2656834-4BAB-4DB1-9FED-8310CA017EAF}" type="slidenum">
-              <a:rPr lang="ru-RU" sz="2000" b="1" smtClean="0">
-                <a:solidFill>
-                  <a:schemeClr val="tx1"/>
-                </a:solidFill>
-              </a:rPr>
-              <a:t>16</a:t>
-            </a:fld>
-            <a:endParaRPr lang="ru-RU" sz="2000" b="1" dirty="0">
-              <a:solidFill>
-                <a:schemeClr val="tx1"/>
-              </a:solidFill>
-            </a:endParaRPr>
-          </a:p>
-        </p:txBody>
-      </p:sp>
-      <p:sp>
-        <p:nvSpPr>
-          <p:cNvPr id="8" name="TextBox 7">
-            <a:extLst>
-              <a:ext uri="{FF2B5EF4-FFF2-40B4-BE49-F238E27FC236}">
-                <a16:creationId xmlns:a16="http://schemas.microsoft.com/office/drawing/2014/main" id="{290F189D-0144-43B9-B496-F80F5AEC5184}"/>
-              </a:ext>
-            </a:extLst>
-          </p:cNvPr>
-          <p:cNvSpPr txBox="1"/>
-          <p:nvPr/>
-        </p:nvSpPr>
-        <p:spPr>
-          <a:xfrm>
-            <a:off x="447512" y="4449311"/>
-            <a:ext cx="11030303" cy="2246769"/>
-          </a:xfrm>
-          <a:prstGeom prst="rect">
-            <a:avLst/>
-          </a:prstGeom>
-          <a:noFill/>
-        </p:spPr>
-        <p:txBody>
-          <a:bodyPr wrap="square">
-            <a:spAutoFit/>
-          </a:bodyPr>
-          <a:lstStyle/>
-          <a:p>
-            <a:pPr algn="just"/>
-            <a:r>
-              <a:rPr lang="ru-RU" sz="2800" dirty="0">
-                <a:effectLst/>
-                <a:latin typeface="Arial" panose="020B0604020202020204" pitchFamily="34" charset="0"/>
-                <a:ea typeface="Times New Roman" panose="02020603050405020304" pitchFamily="18" charset="0"/>
-                <a:cs typeface="Arial" panose="020B0604020202020204" pitchFamily="34" charset="0"/>
-              </a:rPr>
-              <a:t>По теме выпускной квалификационной работы опубликовано 7 научных рабо</a:t>
-            </a:r>
-            <a:r>
-              <a:rPr lang="ru-RU" sz="2800" dirty="0">
-                <a:latin typeface="Arial" panose="020B0604020202020204" pitchFamily="34" charset="0"/>
-                <a:ea typeface="Times New Roman" panose="02020603050405020304" pitchFamily="18" charset="0"/>
-                <a:cs typeface="Arial" panose="020B0604020202020204" pitchFamily="34" charset="0"/>
-              </a:rPr>
-              <a:t>т, а одна из них в </a:t>
-            </a:r>
-            <a:r>
-              <a:rPr lang="en-US" sz="2800" dirty="0">
-                <a:latin typeface="Arial" panose="020B0604020202020204" pitchFamily="34" charset="0"/>
-                <a:ea typeface="Times New Roman" panose="02020603050405020304" pitchFamily="18" charset="0"/>
-                <a:cs typeface="Arial" panose="020B0604020202020204" pitchFamily="34" charset="0"/>
-              </a:rPr>
-              <a:t>Scopus.</a:t>
-            </a:r>
-            <a:r>
-              <a:rPr lang="ru-RU" sz="2800" dirty="0">
-                <a:effectLst/>
-                <a:latin typeface="Arial" panose="020B0604020202020204" pitchFamily="34" charset="0"/>
-                <a:ea typeface="Times New Roman" panose="02020603050405020304" pitchFamily="18" charset="0"/>
-                <a:cs typeface="Arial" panose="020B0604020202020204" pitchFamily="34" charset="0"/>
-              </a:rPr>
-              <a:t> Результаты работы докладывались на различных конференциях международного, областного и регионального уровней, отмечены дипломами о лучших докладах</a:t>
-            </a:r>
-            <a:endParaRPr lang="ru-RU" sz="2800" dirty="0">
-              <a:latin typeface="Arial" panose="020B0604020202020204" pitchFamily="34" charset="0"/>
-              <a:cs typeface="Arial" panose="020B0604020202020204" pitchFamily="34" charset="0"/>
-            </a:endParaRPr>
-          </a:p>
-        </p:txBody>
-      </p:sp>
-    </p:spTree>
-    <p:extLst>
-      <p:ext uri="{BB962C8B-B14F-4D97-AF65-F5344CB8AC3E}">
-        <p14:creationId xmlns:p14="http://schemas.microsoft.com/office/powerpoint/2010/main" val="2474415876"/>
-      </p:ext>
-    </p:extLst>
-  </p:cSld>
-  <p:clrMapOvr>
-    <a:masterClrMapping/>
-  </p:clrMapOvr>
-</p:sld>
-</file>
-
-<file path=ppt/slides/slide17.xml><?xml version="1.0" encoding="utf-8"?>
-<p:sld xmlns:a="http://schemas.openxmlformats.org/drawingml/2006/main" xmlns:r="http://schemas.openxmlformats.org/officeDocument/2006/relationships" xmlns:p="http://schemas.openxmlformats.org/presentationml/2006/main">
-  <p:cSld>
-    <p:spTree>
-      <p:nvGrpSpPr>
-        <p:cNvPr id="1" name=""/>
-        <p:cNvGrpSpPr/>
-        <p:nvPr/>
-      </p:nvGrpSpPr>
-      <p:grpSpPr>
-        <a:xfrm>
-          <a:off x="0" y="0"/>
-          <a:ext cx="0" cy="0"/>
-          <a:chOff x="0" y="0"/>
-          <a:chExt cx="0" cy="0"/>
-        </a:xfrm>
-      </p:grpSpPr>
-      <p:sp>
-        <p:nvSpPr>
-          <p:cNvPr id="2" name="Заголовок 1"/>
-          <p:cNvSpPr>
-            <a:spLocks noGrp="1"/>
-          </p:cNvSpPr>
-          <p:nvPr>
-            <p:ph type="title"/>
-          </p:nvPr>
-        </p:nvSpPr>
-        <p:spPr/>
-        <p:txBody>
-          <a:bodyPr/>
-          <a:lstStyle/>
-          <a:p>
-            <a:endParaRPr lang="ru-RU"/>
-          </a:p>
-        </p:txBody>
-      </p:sp>
-      <p:pic>
-        <p:nvPicPr>
-          <p:cNvPr id="4" name="Рисунок 3"/>
-          <p:cNvPicPr>
-            <a:picLocks noChangeAspect="1"/>
-          </p:cNvPicPr>
-          <p:nvPr/>
-        </p:nvPicPr>
-        <p:blipFill>
-          <a:blip r:embed="rId2" cstate="print">
-            <a:extLst>
-              <a:ext uri="{28A0092B-C50C-407E-A947-70E740481C1C}">
-                <a14:useLocalDpi xmlns:a14="http://schemas.microsoft.com/office/drawing/2010/main" val="0"/>
-              </a:ext>
-            </a:extLst>
-          </a:blip>
-          <a:stretch>
-            <a:fillRect/>
-          </a:stretch>
-        </p:blipFill>
-        <p:spPr>
-          <a:xfrm>
-            <a:off x="0" y="1713"/>
-            <a:ext cx="12192000" cy="6854573"/>
-          </a:xfrm>
-          <a:prstGeom prst="rect">
-            <a:avLst/>
-          </a:prstGeom>
-        </p:spPr>
-      </p:pic>
-      <p:sp>
-        <p:nvSpPr>
-          <p:cNvPr id="5" name="TextBox 4"/>
-          <p:cNvSpPr txBox="1"/>
-          <p:nvPr/>
-        </p:nvSpPr>
-        <p:spPr>
-          <a:xfrm>
-            <a:off x="4655046" y="3121627"/>
-            <a:ext cx="7260321" cy="1015663"/>
-          </a:xfrm>
-          <a:prstGeom prst="rect">
-            <a:avLst/>
-          </a:prstGeom>
-        </p:spPr>
-        <p:txBody>
-          <a:bodyPr vert="horz" wrap="none" lIns="91440" tIns="45720" rIns="91440" bIns="45720" rtlCol="0" anchor="ctr">
-            <a:spAutoFit/>
-          </a:bodyPr>
-          <a:lstStyle/>
-          <a:p>
-            <a:r>
-              <a:rPr lang="ru-RU" sz="6000" dirty="0">
-                <a:solidFill>
-                  <a:schemeClr val="bg1"/>
-                </a:solidFill>
-                <a:latin typeface="+mj-lt"/>
-              </a:rPr>
-              <a:t>Спасибо за внимание</a:t>
-            </a:r>
-          </a:p>
-        </p:txBody>
-      </p:sp>
-      <p:sp>
-        <p:nvSpPr>
-          <p:cNvPr id="3" name="Номер слайда 2"/>
-          <p:cNvSpPr>
-            <a:spLocks noGrp="1"/>
-          </p:cNvSpPr>
-          <p:nvPr>
-            <p:ph type="sldNum" sz="quarter" idx="12"/>
-          </p:nvPr>
-        </p:nvSpPr>
-        <p:spPr/>
-        <p:txBody>
-          <a:bodyPr/>
-          <a:lstStyle/>
-          <a:p>
-            <a:fld id="{E2656834-4BAB-4DB1-9FED-8310CA017EAF}" type="slidenum">
-              <a:rPr lang="ru-RU" smtClean="0"/>
-              <a:t>17</a:t>
-            </a:fld>
-            <a:endParaRPr lang="ru-RU"/>
-          </a:p>
-        </p:txBody>
-      </p:sp>
-    </p:spTree>
-    <p:extLst>
-      <p:ext uri="{BB962C8B-B14F-4D97-AF65-F5344CB8AC3E}">
-        <p14:creationId xmlns:p14="http://schemas.microsoft.com/office/powerpoint/2010/main" val="3032140843"/>
-      </p:ext>
-    </p:extLst>
-  </p:cSld>
-  <p:clrMapOvr>
-    <a:masterClrMapping/>
-  </p:clrMapOvr>
-</p:sld>
-</file>
-
-<file path=ppt/slides/slide2.xml><?xml version="1.0" encoding="utf-8"?>
-<p:sld xmlns:a="http://schemas.openxmlformats.org/drawingml/2006/main" xmlns:r="http://schemas.openxmlformats.org/officeDocument/2006/relationships" xmlns:p="http://schemas.openxmlformats.org/presentationml/2006/main">
-  <p:cSld>
-    <p:spTree>
-      <p:nvGrpSpPr>
-        <p:cNvPr id="1" name=""/>
-        <p:cNvGrpSpPr/>
-        <p:nvPr/>
-      </p:nvGrpSpPr>
-      <p:grpSpPr>
-        <a:xfrm>
-          <a:off x="0" y="0"/>
-          <a:ext cx="0" cy="0"/>
-          <a:chOff x="0" y="0"/>
-          <a:chExt cx="0" cy="0"/>
-        </a:xfrm>
-      </p:grpSpPr>
-      <p:sp>
-        <p:nvSpPr>
-          <p:cNvPr id="3" name="Объект 2"/>
-          <p:cNvSpPr>
-            <a:spLocks noGrp="1"/>
-          </p:cNvSpPr>
-          <p:nvPr>
-            <p:ph idx="1"/>
-          </p:nvPr>
-        </p:nvSpPr>
-        <p:spPr>
-          <a:xfrm>
-            <a:off x="694606" y="908720"/>
-            <a:ext cx="10965122" cy="1296144"/>
-          </a:xfrm>
-        </p:spPr>
-        <p:txBody>
-          <a:bodyPr>
-            <a:noAutofit/>
-          </a:bodyPr>
-          <a:lstStyle/>
-          <a:p>
-            <a:r>
-              <a:rPr lang="ru-RU" sz="2400" dirty="0"/>
-              <a:t>Рост </a:t>
-            </a:r>
-            <a:r>
-              <a:rPr lang="ru-RU" sz="2400" dirty="0">
-                <a:latin typeface="Arial" panose="020B0604020202020204" pitchFamily="34" charset="0"/>
-                <a:cs typeface="Arial" panose="020B0604020202020204" pitchFamily="34" charset="0"/>
-              </a:rPr>
-              <a:t>вычислительной</a:t>
-            </a:r>
-            <a:r>
-              <a:rPr lang="ru-RU" sz="2400" dirty="0"/>
-              <a:t> мощности смартфона</a:t>
-            </a:r>
-          </a:p>
-          <a:p>
-            <a:r>
-              <a:rPr lang="ru-RU" sz="2400" dirty="0"/>
-              <a:t>Внедрение передовых и точных датчиков на смартфон</a:t>
-            </a:r>
-          </a:p>
-          <a:p>
-            <a:r>
-              <a:rPr lang="ru-RU" sz="2400" dirty="0"/>
-              <a:t>Увеличение количества зданий, в которых необходимо вести навигацию</a:t>
-            </a:r>
-          </a:p>
-        </p:txBody>
-      </p:sp>
-      <p:sp>
-        <p:nvSpPr>
-          <p:cNvPr id="5" name="TextBox 4"/>
-          <p:cNvSpPr txBox="1"/>
-          <p:nvPr/>
-        </p:nvSpPr>
-        <p:spPr>
-          <a:xfrm>
-            <a:off x="2351319" y="215407"/>
-            <a:ext cx="7898675" cy="523220"/>
-          </a:xfrm>
-          <a:prstGeom prst="rect">
-            <a:avLst/>
-          </a:prstGeom>
-          <a:noFill/>
-        </p:spPr>
-        <p:txBody>
-          <a:bodyPr wrap="square" rtlCol="0" anchor="ctr" anchorCtr="1">
-            <a:spAutoFit/>
-          </a:bodyPr>
-          <a:lstStyle/>
-          <a:p>
-            <a:pPr algn="ctr"/>
-            <a:r>
-              <a:rPr lang="ru-RU" sz="2800" dirty="0">
-                <a:solidFill>
-                  <a:schemeClr val="bg1"/>
-                </a:solidFill>
-                <a:latin typeface="Elektra Text Pro" panose="02000503030000020004" pitchFamily="50" charset="-52"/>
-              </a:rPr>
-              <a:t>Актуальность</a:t>
-            </a:r>
-          </a:p>
-        </p:txBody>
-      </p:sp>
-      <p:sp>
-        <p:nvSpPr>
-          <p:cNvPr id="7" name="Номер слайда 2"/>
-          <p:cNvSpPr>
-            <a:spLocks noGrp="1"/>
-          </p:cNvSpPr>
-          <p:nvPr>
-            <p:ph type="sldNum" sz="quarter" idx="12"/>
-          </p:nvPr>
-        </p:nvSpPr>
-        <p:spPr>
-          <a:xfrm>
-            <a:off x="8736463" y="6356351"/>
-            <a:ext cx="2844430" cy="365125"/>
-          </a:xfrm>
-        </p:spPr>
-        <p:txBody>
-          <a:bodyPr/>
-          <a:lstStyle/>
-          <a:p>
-            <a:fld id="{E2656834-4BAB-4DB1-9FED-8310CA017EAF}" type="slidenum">
-              <a:rPr lang="ru-RU" sz="2000" b="1" smtClean="0">
-                <a:solidFill>
-                  <a:schemeClr val="tx1"/>
-                </a:solidFill>
-              </a:rPr>
-              <a:t>2</a:t>
-            </a:fld>
-            <a:endParaRPr lang="ru-RU" sz="2000" b="1" dirty="0">
-              <a:solidFill>
-                <a:schemeClr val="tx1"/>
-              </a:solidFill>
-            </a:endParaRPr>
-          </a:p>
-        </p:txBody>
-      </p:sp>
-      <p:pic>
-        <p:nvPicPr>
-          <p:cNvPr id="1026" name="Picture 2">
-            <a:extLst>
-              <a:ext uri="{FF2B5EF4-FFF2-40B4-BE49-F238E27FC236}">
-                <a16:creationId xmlns:a16="http://schemas.microsoft.com/office/drawing/2014/main" id="{ACDB40C9-0CFA-4A02-A99F-0D0ABFA54053}"/>
-              </a:ext>
-            </a:extLst>
-          </p:cNvPr>
-          <p:cNvPicPr>
-            <a:picLocks noChangeAspect="1" noChangeArrowheads="1"/>
-          </p:cNvPicPr>
-          <p:nvPr/>
-        </p:nvPicPr>
-        <p:blipFill>
-          <a:blip r:embed="rId2" cstate="print">
-            <a:extLst>
-              <a:ext uri="{28A0092B-C50C-407E-A947-70E740481C1C}">
-                <a14:useLocalDpi xmlns:a14="http://schemas.microsoft.com/office/drawing/2010/main" val="0"/>
-              </a:ext>
-            </a:extLst>
-          </a:blip>
-          <a:srcRect/>
-          <a:stretch>
-            <a:fillRect/>
-          </a:stretch>
-        </p:blipFill>
-        <p:spPr bwMode="auto">
-          <a:xfrm>
-            <a:off x="8300826" y="4365104"/>
-            <a:ext cx="3358902" cy="1889191"/>
-          </a:xfrm>
-          <a:prstGeom prst="rect">
-            <a:avLst/>
-          </a:prstGeom>
-          <a:noFill/>
-          <a:extLst>
-            <a:ext uri="{909E8E84-426E-40DD-AFC4-6F175D3DCCD1}">
-              <a14:hiddenFill xmlns:a14="http://schemas.microsoft.com/office/drawing/2010/main">
-                <a:solidFill>
-                  <a:srgbClr val="FFFFFF"/>
-                </a:solidFill>
-              </a14:hiddenFill>
-            </a:ext>
-          </a:extLst>
-        </p:spPr>
-      </p:pic>
-      <p:pic>
-        <p:nvPicPr>
-          <p:cNvPr id="2" name="Picture 2">
-            <a:extLst>
-              <a:ext uri="{FF2B5EF4-FFF2-40B4-BE49-F238E27FC236}">
-                <a16:creationId xmlns:a16="http://schemas.microsoft.com/office/drawing/2014/main" id="{512D445D-8D43-493B-9971-8DAADF1606B6}"/>
-              </a:ext>
-            </a:extLst>
-          </p:cNvPr>
-          <p:cNvPicPr>
-            <a:picLocks noChangeAspect="1" noChangeArrowheads="1"/>
-          </p:cNvPicPr>
-          <p:nvPr/>
-        </p:nvPicPr>
-        <p:blipFill>
-          <a:blip r:embed="rId3" cstate="print">
-            <a:extLst>
-              <a:ext uri="{28A0092B-C50C-407E-A947-70E740481C1C}">
-                <a14:useLocalDpi xmlns:a14="http://schemas.microsoft.com/office/drawing/2010/main" val="0"/>
-              </a:ext>
-            </a:extLst>
-          </a:blip>
-          <a:srcRect/>
-          <a:stretch>
-            <a:fillRect/>
-          </a:stretch>
-        </p:blipFill>
-        <p:spPr bwMode="auto">
-          <a:xfrm>
-            <a:off x="8558062" y="2336840"/>
-            <a:ext cx="2844430" cy="1896287"/>
-          </a:xfrm>
-          <a:prstGeom prst="rect">
-            <a:avLst/>
-          </a:prstGeom>
-          <a:noFill/>
-          <a:extLst>
-            <a:ext uri="{909E8E84-426E-40DD-AFC4-6F175D3DCCD1}">
-              <a14:hiddenFill xmlns:a14="http://schemas.microsoft.com/office/drawing/2010/main">
-                <a:solidFill>
-                  <a:srgbClr val="FFFFFF"/>
-                </a:solidFill>
-              </a14:hiddenFill>
-            </a:ext>
-          </a:extLst>
-        </p:spPr>
-      </p:pic>
-    </p:spTree>
-    <p:extLst>
-      <p:ext uri="{BB962C8B-B14F-4D97-AF65-F5344CB8AC3E}">
-        <p14:creationId xmlns:p14="http://schemas.microsoft.com/office/powerpoint/2010/main" val="348746377"/>
-      </p:ext>
-    </p:extLst>
-  </p:cSld>
-  <p:clrMapOvr>
-    <a:masterClrMapping/>
-  </p:clrMapOvr>
-</p:sld>
-</file>
-
-<file path=ppt/slides/slide3.xml><?xml version="1.0" encoding="utf-8"?>
-<p:sld xmlns:a="http://schemas.openxmlformats.org/drawingml/2006/main" xmlns:r="http://schemas.openxmlformats.org/officeDocument/2006/relationships" xmlns:p="http://schemas.openxmlformats.org/presentationml/2006/main">
-  <p:cSld>
-    <p:spTree>
-      <p:nvGrpSpPr>
-        <p:cNvPr id="1" name=""/>
-        <p:cNvGrpSpPr/>
-        <p:nvPr/>
-      </p:nvGrpSpPr>
-      <p:grpSpPr>
-        <a:xfrm>
-          <a:off x="0" y="0"/>
-          <a:ext cx="0" cy="0"/>
-          <a:chOff x="0" y="0"/>
-          <a:chExt cx="0" cy="0"/>
-        </a:xfrm>
-      </p:grpSpPr>
-      <p:sp>
-        <p:nvSpPr>
-          <p:cNvPr id="2" name="Заголовок 1"/>
-          <p:cNvSpPr>
-            <a:spLocks noGrp="1"/>
-          </p:cNvSpPr>
-          <p:nvPr>
-            <p:ph type="title"/>
-          </p:nvPr>
-        </p:nvSpPr>
-        <p:spPr/>
-        <p:txBody>
-          <a:bodyPr/>
-          <a:lstStyle/>
-          <a:p>
-            <a:r>
-              <a:rPr lang="ru-RU" dirty="0"/>
-              <a:t> </a:t>
-            </a:r>
-          </a:p>
-        </p:txBody>
-      </p:sp>
-      <p:sp>
-        <p:nvSpPr>
-          <p:cNvPr id="7" name="TextBox 6"/>
-          <p:cNvSpPr txBox="1"/>
-          <p:nvPr/>
-        </p:nvSpPr>
-        <p:spPr>
-          <a:xfrm>
-            <a:off x="550590" y="908720"/>
-            <a:ext cx="11208508" cy="830997"/>
-          </a:xfrm>
-          <a:prstGeom prst="rect">
-            <a:avLst/>
-          </a:prstGeom>
-          <a:noFill/>
-        </p:spPr>
-        <p:txBody>
-          <a:bodyPr wrap="square" rtlCol="0">
-            <a:spAutoFit/>
-          </a:bodyPr>
-          <a:lstStyle/>
-          <a:p>
-            <a:pPr>
-              <a:spcBef>
-                <a:spcPct val="20000"/>
-              </a:spcBef>
-            </a:pPr>
-            <a:r>
-              <a:rPr lang="ru-RU" sz="2400" dirty="0"/>
-              <a:t>Цель работы – разработать навигационную систему, которая будет автономно и независимо от других систем вести навигацию внутри помещений.</a:t>
-            </a:r>
-          </a:p>
-        </p:txBody>
-      </p:sp>
-      <p:graphicFrame>
-        <p:nvGraphicFramePr>
-          <p:cNvPr id="8" name="Схема 7"/>
-          <p:cNvGraphicFramePr/>
-          <p:nvPr>
-            <p:extLst>
-              <p:ext uri="{D42A27DB-BD31-4B8C-83A1-F6EECF244321}">
-                <p14:modId xmlns:p14="http://schemas.microsoft.com/office/powerpoint/2010/main" val="4024769430"/>
-              </p:ext>
-            </p:extLst>
-          </p:nvPr>
-        </p:nvGraphicFramePr>
-        <p:xfrm>
-          <a:off x="430583" y="2201383"/>
-          <a:ext cx="11233248" cy="4395970"/>
-        </p:xfrm>
-        <a:graphic>
-          <a:graphicData uri="http://schemas.openxmlformats.org/drawingml/2006/diagram">
-            <dgm:relIds xmlns:dgm="http://schemas.openxmlformats.org/drawingml/2006/diagram" xmlns:r="http://schemas.openxmlformats.org/officeDocument/2006/relationships" r:dm="rId2" r:lo="rId3" r:qs="rId4" r:cs="rId5"/>
-          </a:graphicData>
-        </a:graphic>
-      </p:graphicFrame>
-      <p:sp>
-        <p:nvSpPr>
-          <p:cNvPr id="10" name="TextBox 9"/>
-          <p:cNvSpPr txBox="1"/>
-          <p:nvPr/>
-        </p:nvSpPr>
-        <p:spPr>
-          <a:xfrm>
-            <a:off x="2351321" y="224589"/>
-            <a:ext cx="7898675" cy="523220"/>
-          </a:xfrm>
-          <a:prstGeom prst="rect">
-            <a:avLst/>
-          </a:prstGeom>
-          <a:noFill/>
-        </p:spPr>
-        <p:txBody>
-          <a:bodyPr wrap="square" rtlCol="0" anchor="ctr" anchorCtr="1">
-            <a:spAutoFit/>
-          </a:bodyPr>
-          <a:lstStyle/>
-          <a:p>
-            <a:pPr algn="ctr"/>
-            <a:r>
-              <a:rPr lang="ru-RU" sz="2800" dirty="0">
-                <a:solidFill>
-                  <a:schemeClr val="bg1"/>
-                </a:solidFill>
-                <a:latin typeface="Elektra Text Pro" panose="02000503030000020004" pitchFamily="50" charset="-52"/>
-              </a:rPr>
-              <a:t>Цели и задачи</a:t>
-            </a:r>
-          </a:p>
-        </p:txBody>
-      </p:sp>
-      <p:sp>
-        <p:nvSpPr>
-          <p:cNvPr id="9" name="TextBox 8"/>
-          <p:cNvSpPr txBox="1"/>
-          <p:nvPr/>
-        </p:nvSpPr>
-        <p:spPr>
-          <a:xfrm>
-            <a:off x="609521" y="1739717"/>
-            <a:ext cx="11208508" cy="461665"/>
-          </a:xfrm>
-          <a:prstGeom prst="rect">
-            <a:avLst/>
-          </a:prstGeom>
-          <a:noFill/>
-        </p:spPr>
-        <p:txBody>
-          <a:bodyPr wrap="square" rtlCol="0">
-            <a:spAutoFit/>
-          </a:bodyPr>
-          <a:lstStyle/>
-          <a:p>
-            <a:pPr>
-              <a:spcBef>
-                <a:spcPct val="20000"/>
-              </a:spcBef>
-            </a:pPr>
-            <a:r>
-              <a:rPr lang="ru-RU" sz="2400" dirty="0"/>
-              <a:t>На защиту выносятся:</a:t>
-            </a:r>
-          </a:p>
-        </p:txBody>
-      </p:sp>
-      <p:sp>
-        <p:nvSpPr>
-          <p:cNvPr id="3" name="Номер слайда 2"/>
-          <p:cNvSpPr>
-            <a:spLocks noGrp="1"/>
-          </p:cNvSpPr>
-          <p:nvPr>
-            <p:ph type="sldNum" sz="quarter" idx="12"/>
-          </p:nvPr>
-        </p:nvSpPr>
-        <p:spPr/>
-        <p:txBody>
-          <a:bodyPr/>
-          <a:lstStyle/>
-          <a:p>
-            <a:fld id="{E2656834-4BAB-4DB1-9FED-8310CA017EAF}" type="slidenum">
-              <a:rPr lang="ru-RU" sz="2000" b="1" smtClean="0">
-                <a:solidFill>
-                  <a:schemeClr val="tx1"/>
-                </a:solidFill>
-              </a:rPr>
-              <a:t>3</a:t>
-            </a:fld>
-            <a:endParaRPr lang="ru-RU" sz="2000" b="1" dirty="0">
-              <a:solidFill>
-                <a:schemeClr val="tx1"/>
-              </a:solidFill>
-            </a:endParaRPr>
-          </a:p>
-        </p:txBody>
-      </p:sp>
-    </p:spTree>
-    <p:extLst>
-      <p:ext uri="{BB962C8B-B14F-4D97-AF65-F5344CB8AC3E}">
-        <p14:creationId xmlns:p14="http://schemas.microsoft.com/office/powerpoint/2010/main" val="292644534"/>
-      </p:ext>
-    </p:extLst>
-  </p:cSld>
-  <p:clrMapOvr>
-    <a:masterClrMapping/>
-  </p:clrMapOvr>
-</p:sld>
-</file>
-
-<file path=ppt/slides/slide4.xml><?xml version="1.0" encoding="utf-8"?>
-<p:sld xmlns:a="http://schemas.openxmlformats.org/drawingml/2006/main" xmlns:r="http://schemas.openxmlformats.org/officeDocument/2006/relationships" xmlns:p="http://schemas.openxmlformats.org/presentationml/2006/main">
-  <p:cSld>
-    <p:spTree>
-      <p:nvGrpSpPr>
-        <p:cNvPr id="1" name=""/>
-        <p:cNvGrpSpPr/>
-        <p:nvPr/>
-      </p:nvGrpSpPr>
-      <p:grpSpPr>
-        <a:xfrm>
-          <a:off x="0" y="0"/>
-          <a:ext cx="0" cy="0"/>
-          <a:chOff x="0" y="0"/>
-          <a:chExt cx="0" cy="0"/>
-        </a:xfrm>
-      </p:grpSpPr>
-      <p:graphicFrame>
-        <p:nvGraphicFramePr>
-          <p:cNvPr id="2" name="Объект 1">
-            <a:extLst>
-              <a:ext uri="{FF2B5EF4-FFF2-40B4-BE49-F238E27FC236}">
-                <a16:creationId xmlns:a16="http://schemas.microsoft.com/office/drawing/2014/main" id="{1A8AC665-49CD-4479-8B3C-655595D5368D}"/>
-              </a:ext>
-            </a:extLst>
-          </p:cNvPr>
-          <p:cNvGraphicFramePr>
-            <a:graphicFrameLocks noGrp="1"/>
-          </p:cNvGraphicFramePr>
-          <p:nvPr>
-            <p:ph idx="1"/>
-            <p:extLst>
-              <p:ext uri="{D42A27DB-BD31-4B8C-83A1-F6EECF244321}">
-                <p14:modId xmlns:p14="http://schemas.microsoft.com/office/powerpoint/2010/main" val="562162322"/>
-              </p:ext>
-            </p:extLst>
-          </p:nvPr>
-        </p:nvGraphicFramePr>
-        <p:xfrm>
-          <a:off x="6292792" y="1124744"/>
-          <a:ext cx="5017521" cy="5231607"/>
-        </p:xfrm>
-        <a:graphic>
-          <a:graphicData uri="http://schemas.openxmlformats.org/drawingml/2006/diagram">
-            <dgm:relIds xmlns:dgm="http://schemas.openxmlformats.org/drawingml/2006/diagram" xmlns:r="http://schemas.openxmlformats.org/officeDocument/2006/relationships" r:dm="rId2" r:lo="rId3" r:qs="rId4" r:cs="rId5"/>
-          </a:graphicData>
-        </a:graphic>
-      </p:graphicFrame>
-      <p:sp>
-        <p:nvSpPr>
-          <p:cNvPr id="5" name="TextBox 4"/>
-          <p:cNvSpPr txBox="1"/>
-          <p:nvPr/>
-        </p:nvSpPr>
-        <p:spPr>
-          <a:xfrm>
-            <a:off x="2351319" y="215407"/>
-            <a:ext cx="7898675" cy="523220"/>
-          </a:xfrm>
-          <a:prstGeom prst="rect">
-            <a:avLst/>
-          </a:prstGeom>
-          <a:noFill/>
-        </p:spPr>
-        <p:txBody>
-          <a:bodyPr wrap="square" rtlCol="0" anchor="ctr" anchorCtr="1">
-            <a:spAutoFit/>
-          </a:bodyPr>
-          <a:lstStyle/>
-          <a:p>
-            <a:pPr algn="ctr"/>
-            <a:r>
-              <a:rPr lang="ru-RU" sz="2800" dirty="0">
-                <a:solidFill>
-                  <a:schemeClr val="bg1"/>
-                </a:solidFill>
-                <a:latin typeface="Elektra Text Pro" panose="02000503030000020004" pitchFamily="50" charset="-52"/>
-              </a:rPr>
-              <a:t>Навигация и системы навигации</a:t>
-            </a:r>
-          </a:p>
-        </p:txBody>
-      </p:sp>
-      <p:sp>
-        <p:nvSpPr>
-          <p:cNvPr id="7" name="Номер слайда 2"/>
-          <p:cNvSpPr>
-            <a:spLocks noGrp="1"/>
-          </p:cNvSpPr>
-          <p:nvPr>
-            <p:ph type="sldNum" sz="quarter" idx="12"/>
-          </p:nvPr>
-        </p:nvSpPr>
-        <p:spPr>
-          <a:xfrm>
-            <a:off x="8736463" y="6356351"/>
-            <a:ext cx="2844430" cy="365125"/>
-          </a:xfrm>
-        </p:spPr>
-        <p:txBody>
-          <a:bodyPr/>
-          <a:lstStyle/>
-          <a:p>
-            <a:fld id="{E2656834-4BAB-4DB1-9FED-8310CA017EAF}" type="slidenum">
-              <a:rPr lang="ru-RU" sz="2000" b="1" smtClean="0">
-                <a:solidFill>
-                  <a:schemeClr val="tx1"/>
-                </a:solidFill>
-              </a:rPr>
-              <a:t>4</a:t>
-            </a:fld>
-            <a:endParaRPr lang="ru-RU" sz="2000" b="1" dirty="0">
-              <a:solidFill>
-                <a:schemeClr val="tx1"/>
-              </a:solidFill>
-            </a:endParaRPr>
-          </a:p>
-        </p:txBody>
-      </p:sp>
-      <p:sp>
-        <p:nvSpPr>
-          <p:cNvPr id="4" name="TextBox 3">
-            <a:extLst>
-              <a:ext uri="{FF2B5EF4-FFF2-40B4-BE49-F238E27FC236}">
-                <a16:creationId xmlns:a16="http://schemas.microsoft.com/office/drawing/2014/main" id="{CB2E0B41-2672-4FB3-B2EF-F5DDF905D0FC}"/>
-              </a:ext>
-            </a:extLst>
-          </p:cNvPr>
-          <p:cNvSpPr txBox="1"/>
-          <p:nvPr/>
-        </p:nvSpPr>
-        <p:spPr>
-          <a:xfrm>
-            <a:off x="406575" y="1124744"/>
-            <a:ext cx="5598854" cy="1697068"/>
-          </a:xfrm>
-          <a:prstGeom prst="rect">
-            <a:avLst/>
-          </a:prstGeom>
-        </p:spPr>
-        <p:txBody>
-          <a:bodyPr vert="horz" wrap="square" lIns="91440" tIns="45720" rIns="91440" bIns="45720" rtlCol="0" anchor="ctr">
-            <a:spAutoFit/>
-          </a:bodyPr>
-          <a:lstStyle/>
-          <a:p>
-            <a:pPr algn="just">
-              <a:lnSpc>
-                <a:spcPct val="150000"/>
-              </a:lnSpc>
-            </a:pPr>
-            <a:r>
-              <a:rPr lang="ru-RU" sz="2400" b="1" dirty="0">
-                <a:latin typeface="Arial" panose="020B0604020202020204" pitchFamily="34" charset="0"/>
-                <a:cs typeface="Arial" panose="020B0604020202020204" pitchFamily="34" charset="0"/>
-              </a:rPr>
-              <a:t>Навигация – </a:t>
-            </a:r>
-            <a:r>
-              <a:rPr lang="ru-RU" sz="2400" dirty="0">
-                <a:latin typeface="Arial" panose="020B0604020202020204" pitchFamily="34" charset="0"/>
-                <a:cs typeface="Arial" panose="020B0604020202020204" pitchFamily="34" charset="0"/>
-              </a:rPr>
-              <a:t>это процесс управления некоторым объектом в определённом пространстве передвижения.</a:t>
-            </a:r>
-          </a:p>
-        </p:txBody>
-      </p:sp>
-      <p:sp>
-        <p:nvSpPr>
-          <p:cNvPr id="8" name="TextBox 7">
-            <a:extLst>
-              <a:ext uri="{FF2B5EF4-FFF2-40B4-BE49-F238E27FC236}">
-                <a16:creationId xmlns:a16="http://schemas.microsoft.com/office/drawing/2014/main" id="{D3E765C5-0F63-4F21-B2AA-360BEEF73683}"/>
-              </a:ext>
-            </a:extLst>
-          </p:cNvPr>
-          <p:cNvSpPr txBox="1"/>
-          <p:nvPr/>
-        </p:nvSpPr>
-        <p:spPr>
-          <a:xfrm>
-            <a:off x="406575" y="3207929"/>
-            <a:ext cx="5598853" cy="3347840"/>
-          </a:xfrm>
-          <a:prstGeom prst="rect">
-            <a:avLst/>
-          </a:prstGeom>
-          <a:noFill/>
-        </p:spPr>
-        <p:txBody>
-          <a:bodyPr wrap="square">
-            <a:spAutoFit/>
-          </a:bodyPr>
-          <a:lstStyle/>
-          <a:p>
-            <a:pPr algn="just">
-              <a:lnSpc>
-                <a:spcPct val="150000"/>
-              </a:lnSpc>
-            </a:pPr>
-            <a:r>
-              <a:rPr lang="ru-RU" sz="2400" b="1" dirty="0">
-                <a:latin typeface="Arial" panose="020B0604020202020204" pitchFamily="34" charset="0"/>
-                <a:cs typeface="Arial" panose="020B0604020202020204" pitchFamily="34" charset="0"/>
-              </a:rPr>
-              <a:t>Навигационная система – </a:t>
-            </a:r>
-            <a:r>
-              <a:rPr lang="ru-RU" sz="2400" dirty="0">
-                <a:latin typeface="Arial" panose="020B0604020202020204" pitchFamily="34" charset="0"/>
-                <a:cs typeface="Arial" panose="020B0604020202020204" pitchFamily="34" charset="0"/>
-              </a:rPr>
-              <a:t>это совокупность приборов, алгоритмов и программного обеспечения, позволяющих произвести ориентирование объекта в пространстве.</a:t>
-            </a:r>
-          </a:p>
-        </p:txBody>
-      </p:sp>
-    </p:spTree>
-    <p:extLst>
-      <p:ext uri="{BB962C8B-B14F-4D97-AF65-F5344CB8AC3E}">
-        <p14:creationId xmlns:p14="http://schemas.microsoft.com/office/powerpoint/2010/main" val="3884862942"/>
-      </p:ext>
-    </p:extLst>
-  </p:cSld>
-  <p:clrMapOvr>
-    <a:masterClrMapping/>
-  </p:clrMapOvr>
-</p:sld>
-</file>
-
-<file path=ppt/slides/slide5.xml><?xml version="1.0" encoding="utf-8"?>
-<p:sld xmlns:a="http://schemas.openxmlformats.org/drawingml/2006/main" xmlns:r="http://schemas.openxmlformats.org/officeDocument/2006/relationships" xmlns:p="http://schemas.openxmlformats.org/presentationml/2006/main">
-  <p:cSld>
-    <p:spTree>
-      <p:nvGrpSpPr>
-        <p:cNvPr id="1" name=""/>
-        <p:cNvGrpSpPr/>
-        <p:nvPr/>
-      </p:nvGrpSpPr>
-      <p:grpSpPr>
-        <a:xfrm>
-          <a:off x="0" y="0"/>
-          <a:ext cx="0" cy="0"/>
-          <a:chOff x="0" y="0"/>
-          <a:chExt cx="0" cy="0"/>
-        </a:xfrm>
-      </p:grpSpPr>
-      <p:sp>
-        <p:nvSpPr>
-          <p:cNvPr id="2" name="Заголовок 1"/>
-          <p:cNvSpPr>
-            <a:spLocks noGrp="1"/>
-          </p:cNvSpPr>
-          <p:nvPr>
-            <p:ph type="title"/>
-          </p:nvPr>
-        </p:nvSpPr>
-        <p:spPr/>
-        <p:txBody>
-          <a:bodyPr/>
-          <a:lstStyle/>
-          <a:p>
-            <a:r>
-              <a:rPr lang="ru-RU" dirty="0"/>
-              <a:t> </a:t>
-            </a:r>
-          </a:p>
-        </p:txBody>
-      </p:sp>
-      <p:sp>
-        <p:nvSpPr>
-          <p:cNvPr id="10" name="TextBox 9"/>
-          <p:cNvSpPr txBox="1"/>
-          <p:nvPr/>
-        </p:nvSpPr>
-        <p:spPr>
-          <a:xfrm>
-            <a:off x="2351321" y="224589"/>
-            <a:ext cx="7898675" cy="523220"/>
-          </a:xfrm>
-          <a:prstGeom prst="rect">
-            <a:avLst/>
-          </a:prstGeom>
-          <a:noFill/>
-        </p:spPr>
-        <p:txBody>
-          <a:bodyPr wrap="square" rtlCol="0" anchor="ctr" anchorCtr="1">
-            <a:spAutoFit/>
-          </a:bodyPr>
-          <a:lstStyle/>
-          <a:p>
-            <a:pPr algn="ctr"/>
-            <a:r>
-              <a:rPr lang="ru-RU" sz="2800" dirty="0">
-                <a:solidFill>
-                  <a:schemeClr val="bg1"/>
-                </a:solidFill>
-                <a:latin typeface="Elektra Text Pro" panose="02000503030000020004" pitchFamily="50" charset="-52"/>
-              </a:rPr>
-              <a:t>Научная новизна</a:t>
-            </a:r>
-          </a:p>
-        </p:txBody>
-      </p:sp>
-      <p:sp>
-        <p:nvSpPr>
-          <p:cNvPr id="3" name="Номер слайда 2"/>
-          <p:cNvSpPr>
-            <a:spLocks noGrp="1"/>
-          </p:cNvSpPr>
-          <p:nvPr>
-            <p:ph type="sldNum" sz="quarter" idx="12"/>
-          </p:nvPr>
-        </p:nvSpPr>
-        <p:spPr/>
-        <p:txBody>
-          <a:bodyPr/>
-          <a:lstStyle/>
-          <a:p>
-            <a:fld id="{E2656834-4BAB-4DB1-9FED-8310CA017EAF}" type="slidenum">
-              <a:rPr lang="ru-RU" sz="2000" b="1" smtClean="0">
-                <a:solidFill>
-                  <a:schemeClr val="tx1"/>
-                </a:solidFill>
-              </a:rPr>
-              <a:t>5</a:t>
-            </a:fld>
-            <a:endParaRPr lang="ru-RU" sz="2000" b="1" dirty="0">
-              <a:solidFill>
-                <a:schemeClr val="tx1"/>
-              </a:solidFill>
-            </a:endParaRPr>
-          </a:p>
-        </p:txBody>
-      </p:sp>
-      <p:sp>
-        <p:nvSpPr>
-          <p:cNvPr id="11" name="TextBox 10">
-            <a:extLst>
-              <a:ext uri="{FF2B5EF4-FFF2-40B4-BE49-F238E27FC236}">
-                <a16:creationId xmlns:a16="http://schemas.microsoft.com/office/drawing/2014/main" id="{A4E7E061-527F-4523-8A6F-274448E65583}"/>
-              </a:ext>
-            </a:extLst>
-          </p:cNvPr>
-          <p:cNvSpPr txBox="1"/>
-          <p:nvPr/>
-        </p:nvSpPr>
-        <p:spPr>
-          <a:xfrm>
-            <a:off x="504858" y="3462781"/>
-            <a:ext cx="11180695" cy="2805063"/>
-          </a:xfrm>
-          <a:prstGeom prst="rect">
-            <a:avLst/>
-          </a:prstGeom>
-          <a:noFill/>
-        </p:spPr>
-        <p:txBody>
-          <a:bodyPr wrap="square">
-            <a:spAutoFit/>
-          </a:bodyPr>
-          <a:lstStyle/>
-          <a:p>
-            <a:pPr algn="just">
-              <a:lnSpc>
-                <a:spcPct val="150000"/>
-              </a:lnSpc>
-              <a:buFontTx/>
-              <a:buNone/>
-            </a:pPr>
-            <a:r>
-              <a:rPr lang="ru-RU" altLang="ru-RU" sz="2400" b="1" dirty="0">
-                <a:latin typeface="Arial" panose="020B0604020202020204" pitchFamily="34" charset="0"/>
-                <a:cs typeface="Arial" panose="020B0604020202020204" pitchFamily="34" charset="0"/>
-              </a:rPr>
-              <a:t>Практическая ценность работы</a:t>
-            </a:r>
-            <a:r>
-              <a:rPr lang="ru-RU" altLang="ru-RU" sz="2400" dirty="0">
-                <a:latin typeface="Arial" panose="020B0604020202020204" pitchFamily="34" charset="0"/>
-                <a:cs typeface="Arial" panose="020B0604020202020204" pitchFamily="34" charset="0"/>
-              </a:rPr>
-              <a:t> заключается в разработке автоматизированной </a:t>
-            </a:r>
-            <a:r>
-              <a:rPr lang="ru-RU" sz="2400" dirty="0">
-                <a:effectLst/>
-                <a:latin typeface="Arial" panose="020B0604020202020204" pitchFamily="34" charset="0"/>
-                <a:ea typeface="Times New Roman" panose="02020603050405020304" pitchFamily="18" charset="0"/>
-                <a:cs typeface="Arial" panose="020B0604020202020204" pitchFamily="34" charset="0"/>
-              </a:rPr>
-              <a:t>системы навигации внутри помещений с помощью инерциальной технологии локального позиционирования мобильных устройств, которая может применяться для решения задачи поиска и построения маршрута в помещениях, например, торговые центры.</a:t>
-            </a:r>
-            <a:endParaRPr lang="ru-RU" altLang="ru-RU" sz="2400" dirty="0">
-              <a:latin typeface="Arial" panose="020B0604020202020204" pitchFamily="34" charset="0"/>
-              <a:cs typeface="Arial" panose="020B0604020202020204" pitchFamily="34" charset="0"/>
-            </a:endParaRPr>
-          </a:p>
-        </p:txBody>
-      </p:sp>
-    </p:spTree>
-    <p:extLst>
-      <p:ext uri="{BB962C8B-B14F-4D97-AF65-F5344CB8AC3E}">
-        <p14:creationId xmlns:p14="http://schemas.microsoft.com/office/powerpoint/2010/main" val="798790406"/>
-      </p:ext>
-    </p:extLst>
-  </p:cSld>
-  <p:clrMapOvr>
-    <a:masterClrMapping/>
-  </p:clrMapOvr>
-</p:sld>
-</file>
-
-<file path=ppt/slides/slide6.xml><?xml version="1.0" encoding="utf-8"?>
-<p:sld xmlns:a="http://schemas.openxmlformats.org/drawingml/2006/main" xmlns:r="http://schemas.openxmlformats.org/officeDocument/2006/relationships" xmlns:p="http://schemas.openxmlformats.org/presentationml/2006/main">
-  <p:cSld>
-    <p:spTree>
-      <p:nvGrpSpPr>
-        <p:cNvPr id="1" name=""/>
-        <p:cNvGrpSpPr/>
-        <p:nvPr/>
-      </p:nvGrpSpPr>
-      <p:grpSpPr>
-        <a:xfrm>
-          <a:off x="0" y="0"/>
-          <a:ext cx="0" cy="0"/>
-          <a:chOff x="0" y="0"/>
-          <a:chExt cx="0" cy="0"/>
-        </a:xfrm>
-      </p:grpSpPr>
-      <p:sp>
-        <p:nvSpPr>
-          <p:cNvPr id="4" name="Номер слайда 3">
-            <a:extLst>
-              <a:ext uri="{FF2B5EF4-FFF2-40B4-BE49-F238E27FC236}">
-                <a16:creationId xmlns:a16="http://schemas.microsoft.com/office/drawing/2014/main" id="{56158B43-F518-4EF9-BBF0-31ABA90A39F7}"/>
-              </a:ext>
-            </a:extLst>
-          </p:cNvPr>
-          <p:cNvSpPr>
-            <a:spLocks noGrp="1"/>
-          </p:cNvSpPr>
-          <p:nvPr>
-            <p:ph type="sldNum" sz="quarter" idx="12"/>
-          </p:nvPr>
-        </p:nvSpPr>
-        <p:spPr/>
-        <p:txBody>
-          <a:bodyPr/>
-          <a:lstStyle/>
-          <a:p>
-            <a:fld id="{E2656834-4BAB-4DB1-9FED-8310CA017EAF}" type="slidenum">
-              <a:rPr lang="ru-RU" smtClean="0"/>
-              <a:t>6</a:t>
-            </a:fld>
-            <a:endParaRPr lang="ru-RU"/>
-          </a:p>
-        </p:txBody>
-      </p:sp>
-      <p:sp>
-        <p:nvSpPr>
-          <p:cNvPr id="5" name="TextBox 4">
-            <a:extLst>
-              <a:ext uri="{FF2B5EF4-FFF2-40B4-BE49-F238E27FC236}">
-                <a16:creationId xmlns:a16="http://schemas.microsoft.com/office/drawing/2014/main" id="{F68C2F41-0FAB-425F-9F24-C9B49BF1A4D7}"/>
-              </a:ext>
-            </a:extLst>
-          </p:cNvPr>
-          <p:cNvSpPr txBox="1"/>
-          <p:nvPr/>
-        </p:nvSpPr>
-        <p:spPr>
-          <a:xfrm>
-            <a:off x="2351319" y="215407"/>
-            <a:ext cx="7898675" cy="523220"/>
-          </a:xfrm>
-          <a:prstGeom prst="rect">
-            <a:avLst/>
-          </a:prstGeom>
-          <a:noFill/>
-        </p:spPr>
-        <p:txBody>
-          <a:bodyPr wrap="square" rtlCol="0" anchor="ctr" anchorCtr="1">
-            <a:spAutoFit/>
-          </a:bodyPr>
-          <a:lstStyle/>
-          <a:p>
-            <a:pPr algn="ctr"/>
-            <a:r>
-              <a:rPr lang="ru-RU" sz="2800" dirty="0">
-                <a:solidFill>
-                  <a:schemeClr val="bg1"/>
-                </a:solidFill>
-                <a:latin typeface="Elektra Text Pro" panose="02000503030000020004" pitchFamily="50" charset="-52"/>
-              </a:rPr>
-              <a:t>Цели работы (постановка задачи)</a:t>
-            </a:r>
-          </a:p>
-        </p:txBody>
-      </p:sp>
-      <p:sp>
-        <p:nvSpPr>
-          <p:cNvPr id="6" name="Прямоугольник 5">
-            <a:extLst>
-              <a:ext uri="{FF2B5EF4-FFF2-40B4-BE49-F238E27FC236}">
-                <a16:creationId xmlns:a16="http://schemas.microsoft.com/office/drawing/2014/main" id="{C8AFD873-780F-4168-B60A-C8068E10D543}"/>
-              </a:ext>
-            </a:extLst>
-          </p:cNvPr>
-          <p:cNvSpPr/>
-          <p:nvPr/>
-        </p:nvSpPr>
-        <p:spPr>
-          <a:xfrm>
-            <a:off x="838622" y="914722"/>
-            <a:ext cx="10945216" cy="5565947"/>
-          </a:xfrm>
-          <a:prstGeom prst="rect">
-            <a:avLst/>
-          </a:prstGeom>
-        </p:spPr>
-        <p:txBody>
-          <a:bodyPr wrap="square">
-            <a:spAutoFit/>
-          </a:bodyPr>
-          <a:lstStyle/>
-          <a:p>
-            <a:pPr algn="just">
-              <a:lnSpc>
-                <a:spcPct val="150000"/>
-              </a:lnSpc>
-              <a:spcAft>
-                <a:spcPts val="0"/>
-              </a:spcAft>
-              <a:tabLst>
-                <a:tab pos="540385" algn="l"/>
-                <a:tab pos="589280" algn="l"/>
-              </a:tabLst>
-            </a:pPr>
-            <a:r>
-              <a:rPr lang="ru-RU" sz="2400" dirty="0">
-                <a:ea typeface="Times New Roman" panose="02020603050405020304" pitchFamily="18" charset="0"/>
-              </a:rPr>
-              <a:t>Требуется разработать мобильное приложение, которое обеспечит инерциальную навигацию с использованием методов, технологий и датчиков.</a:t>
-            </a:r>
-          </a:p>
-          <a:p>
-            <a:pPr lvl="0" algn="just">
-              <a:lnSpc>
-                <a:spcPct val="150000"/>
-              </a:lnSpc>
-              <a:spcAft>
-                <a:spcPts val="0"/>
-              </a:spcAft>
-              <a:buSzPts val="1400"/>
-              <a:tabLst>
-                <a:tab pos="900430" algn="l"/>
-              </a:tabLst>
-            </a:pPr>
-            <a:r>
-              <a:rPr lang="ru-RU" sz="2400" dirty="0">
-                <a:ea typeface="Times New Roman" panose="02020603050405020304" pitchFamily="18" charset="0"/>
-                <a:cs typeface="Palatino Linotype" panose="02040502050505030304" pitchFamily="18" charset="0"/>
-              </a:rPr>
-              <a:t>Мобильное приложение должно:</a:t>
-            </a:r>
-          </a:p>
-          <a:p>
-            <a:pPr marL="342900" lvl="0" indent="-342900" algn="just">
-              <a:lnSpc>
-                <a:spcPct val="150000"/>
-              </a:lnSpc>
-              <a:spcAft>
-                <a:spcPts val="0"/>
-              </a:spcAft>
-              <a:buSzPts val="1400"/>
-              <a:buFont typeface="Arial" panose="020B0604020202020204" pitchFamily="34" charset="0"/>
-              <a:buChar char="•"/>
-              <a:tabLst>
-                <a:tab pos="900430" algn="l"/>
-              </a:tabLst>
-            </a:pPr>
-            <a:r>
-              <a:rPr lang="ru-RU" sz="2400" dirty="0">
-                <a:ea typeface="Times New Roman" panose="02020603050405020304" pitchFamily="18" charset="0"/>
-                <a:cs typeface="Palatino Linotype" panose="02040502050505030304" pitchFamily="18" charset="0"/>
-              </a:rPr>
-              <a:t> иметь карту;</a:t>
-            </a:r>
-          </a:p>
-          <a:p>
-            <a:pPr marL="342900" lvl="0" indent="-342900" algn="just">
-              <a:lnSpc>
-                <a:spcPct val="150000"/>
-              </a:lnSpc>
-              <a:spcAft>
-                <a:spcPts val="0"/>
-              </a:spcAft>
-              <a:buSzPts val="1400"/>
-              <a:buFont typeface="Arial" panose="020B0604020202020204" pitchFamily="34" charset="0"/>
-              <a:buChar char="•"/>
-              <a:tabLst>
-                <a:tab pos="900430" algn="l"/>
-              </a:tabLst>
-            </a:pPr>
-            <a:r>
-              <a:rPr lang="ru-RU" sz="2400" dirty="0">
-                <a:ea typeface="Times New Roman" panose="02020603050405020304" pitchFamily="18" charset="0"/>
-                <a:cs typeface="Palatino Linotype" panose="02040502050505030304" pitchFamily="18" charset="0"/>
-              </a:rPr>
-              <a:t>строить маршруты;</a:t>
-            </a:r>
-          </a:p>
-          <a:p>
-            <a:pPr marL="342900" lvl="0" indent="-342900" algn="just">
-              <a:lnSpc>
-                <a:spcPct val="150000"/>
-              </a:lnSpc>
-              <a:spcAft>
-                <a:spcPts val="0"/>
-              </a:spcAft>
-              <a:buSzPts val="1400"/>
-              <a:buFont typeface="Arial" panose="020B0604020202020204" pitchFamily="34" charset="0"/>
-              <a:buChar char="•"/>
-              <a:tabLst>
-                <a:tab pos="900430" algn="l"/>
-              </a:tabLst>
-            </a:pPr>
-            <a:r>
-              <a:rPr lang="ru-RU" sz="2400" dirty="0">
-                <a:ea typeface="Times New Roman" panose="02020603050405020304" pitchFamily="18" charset="0"/>
-                <a:cs typeface="Palatino Linotype" panose="02040502050505030304" pitchFamily="18" charset="0"/>
-              </a:rPr>
-              <a:t>вести базу данных пройденных маршрутов;</a:t>
-            </a:r>
-          </a:p>
-          <a:p>
-            <a:pPr marL="342900" lvl="0" indent="-342900" algn="just">
-              <a:lnSpc>
-                <a:spcPct val="150000"/>
-              </a:lnSpc>
-              <a:spcAft>
-                <a:spcPts val="0"/>
-              </a:spcAft>
-              <a:buSzPts val="1400"/>
-              <a:buFont typeface="Arial" panose="020B0604020202020204" pitchFamily="34" charset="0"/>
-              <a:buChar char="•"/>
-              <a:tabLst>
-                <a:tab pos="900430" algn="l"/>
-              </a:tabLst>
-            </a:pPr>
-            <a:r>
-              <a:rPr lang="ru-RU" sz="2400" dirty="0">
-                <a:ea typeface="Times New Roman" panose="02020603050405020304" pitchFamily="18" charset="0"/>
-                <a:cs typeface="Palatino Linotype" panose="02040502050505030304" pitchFamily="18" charset="0"/>
-              </a:rPr>
-              <a:t>обеспечить доступ к данным;</a:t>
-            </a:r>
-          </a:p>
-          <a:p>
-            <a:pPr marL="342900" lvl="0" indent="-342900" algn="just">
-              <a:lnSpc>
-                <a:spcPct val="150000"/>
-              </a:lnSpc>
-              <a:spcAft>
-                <a:spcPts val="0"/>
-              </a:spcAft>
-              <a:buSzPts val="1400"/>
-              <a:buFont typeface="Arial" panose="020B0604020202020204" pitchFamily="34" charset="0"/>
-              <a:buChar char="•"/>
-              <a:tabLst>
-                <a:tab pos="900430" algn="l"/>
-              </a:tabLst>
-            </a:pPr>
-            <a:r>
-              <a:rPr lang="ru-RU" sz="2400" dirty="0">
-                <a:ea typeface="Times New Roman" panose="02020603050405020304" pitchFamily="18" charset="0"/>
-                <a:cs typeface="Palatino Linotype" panose="02040502050505030304" pitchFamily="18" charset="0"/>
-              </a:rPr>
-              <a:t>предоставить пользователю настраивать гибкую настройку датчиков;</a:t>
-            </a:r>
-          </a:p>
-          <a:p>
-            <a:pPr marL="342900" lvl="0" indent="-342900" algn="just">
-              <a:lnSpc>
-                <a:spcPct val="150000"/>
-              </a:lnSpc>
-              <a:spcAft>
-                <a:spcPts val="0"/>
-              </a:spcAft>
-              <a:buSzPts val="1400"/>
-              <a:buFont typeface="Arial" panose="020B0604020202020204" pitchFamily="34" charset="0"/>
-              <a:buChar char="•"/>
-              <a:tabLst>
-                <a:tab pos="900430" algn="l"/>
-              </a:tabLst>
-            </a:pPr>
-            <a:r>
-              <a:rPr lang="ru-RU" sz="2400" dirty="0">
-                <a:ea typeface="Times New Roman" panose="02020603050405020304" pitchFamily="18" charset="0"/>
-                <a:cs typeface="Palatino Linotype" panose="02040502050505030304" pitchFamily="18" charset="0"/>
-              </a:rPr>
-              <a:t>строить гладкий маршрут;</a:t>
-            </a:r>
-          </a:p>
-          <a:p>
-            <a:pPr marL="342900" lvl="0" indent="-342900" algn="just">
-              <a:lnSpc>
-                <a:spcPct val="150000"/>
-              </a:lnSpc>
-              <a:spcAft>
-                <a:spcPts val="0"/>
-              </a:spcAft>
-              <a:buSzPts val="1400"/>
-              <a:buFont typeface="Arial" panose="020B0604020202020204" pitchFamily="34" charset="0"/>
-              <a:buChar char="•"/>
-              <a:tabLst>
-                <a:tab pos="900430" algn="l"/>
-              </a:tabLst>
-            </a:pPr>
-            <a:r>
-              <a:rPr lang="ru-RU" sz="2400" dirty="0">
-                <a:ea typeface="Times New Roman" panose="02020603050405020304" pitchFamily="18" charset="0"/>
-                <a:cs typeface="Palatino Linotype" panose="02040502050505030304" pitchFamily="18" charset="0"/>
-              </a:rPr>
-              <a:t>вести мониторинг показателей с датчиков. </a:t>
-            </a:r>
-          </a:p>
-        </p:txBody>
-      </p:sp>
-    </p:spTree>
-    <p:extLst>
-      <p:ext uri="{BB962C8B-B14F-4D97-AF65-F5344CB8AC3E}">
-        <p14:creationId xmlns:p14="http://schemas.microsoft.com/office/powerpoint/2010/main" val="1088008408"/>
-      </p:ext>
-    </p:extLst>
-  </p:cSld>
-  <p:clrMapOvr>
-    <a:masterClrMapping/>
-  </p:clrMapOvr>
-</p:sld>
-</file>
-
-<file path=ppt/slides/slide7.xml><?xml version="1.0" encoding="utf-8"?>
-<p:sld xmlns:a="http://schemas.openxmlformats.org/drawingml/2006/main" xmlns:r="http://schemas.openxmlformats.org/officeDocument/2006/relationships" xmlns:p="http://schemas.openxmlformats.org/presentationml/2006/main">
-  <p:cSld>
-    <p:spTree>
-      <p:nvGrpSpPr>
-        <p:cNvPr id="1" name=""/>
-        <p:cNvGrpSpPr/>
-        <p:nvPr/>
-      </p:nvGrpSpPr>
-      <p:grpSpPr>
-        <a:xfrm>
-          <a:off x="0" y="0"/>
-          <a:ext cx="0" cy="0"/>
-          <a:chOff x="0" y="0"/>
-          <a:chExt cx="0" cy="0"/>
-        </a:xfrm>
-      </p:grpSpPr>
-      <p:sp>
-        <p:nvSpPr>
-          <p:cNvPr id="4" name="TextBox 3"/>
-          <p:cNvSpPr txBox="1"/>
-          <p:nvPr/>
-        </p:nvSpPr>
-        <p:spPr>
-          <a:xfrm>
-            <a:off x="2351319" y="215407"/>
-            <a:ext cx="7898675" cy="523220"/>
-          </a:xfrm>
-          <a:prstGeom prst="rect">
-            <a:avLst/>
-          </a:prstGeom>
-          <a:noFill/>
-        </p:spPr>
-        <p:txBody>
-          <a:bodyPr wrap="square" rtlCol="0" anchor="ctr" anchorCtr="1">
-            <a:spAutoFit/>
-          </a:bodyPr>
-          <a:lstStyle/>
-          <a:p>
-            <a:pPr algn="ctr"/>
-            <a:r>
-              <a:rPr lang="ru-RU" sz="2800" dirty="0">
-                <a:solidFill>
-                  <a:schemeClr val="bg1"/>
-                </a:solidFill>
-                <a:latin typeface="Elektra Text Pro" panose="02000503030000020004" pitchFamily="50" charset="-52"/>
-              </a:rPr>
-              <a:t>Системы-аналоги</a:t>
-            </a:r>
-          </a:p>
-        </p:txBody>
-      </p:sp>
-      <p:sp>
-        <p:nvSpPr>
-          <p:cNvPr id="6" name="TextBox 5"/>
-          <p:cNvSpPr txBox="1"/>
-          <p:nvPr/>
-        </p:nvSpPr>
-        <p:spPr>
-          <a:xfrm>
-            <a:off x="808129" y="906156"/>
-            <a:ext cx="2927789" cy="369332"/>
-          </a:xfrm>
-          <a:prstGeom prst="rect">
-            <a:avLst/>
-          </a:prstGeom>
-        </p:spPr>
-        <p:txBody>
-          <a:bodyPr vert="horz" wrap="none" lIns="91440" tIns="45720" rIns="91440" bIns="45720" rtlCol="0" anchor="ctr">
-            <a:spAutoFit/>
-          </a:bodyPr>
-          <a:lstStyle/>
-          <a:p>
-            <a:r>
-              <a:rPr lang="ru-RU" dirty="0">
-                <a:latin typeface="Arial" panose="020B0604020202020204" pitchFamily="34" charset="0"/>
-                <a:cs typeface="Arial" panose="020B0604020202020204" pitchFamily="34" charset="0"/>
-              </a:rPr>
-              <a:t>БИНС МЭМС «ГЛ-ВГ110»</a:t>
-            </a:r>
-          </a:p>
-        </p:txBody>
-      </p:sp>
-      <p:sp>
-        <p:nvSpPr>
-          <p:cNvPr id="11" name="Номер слайда 2"/>
-          <p:cNvSpPr>
-            <a:spLocks noGrp="1"/>
-          </p:cNvSpPr>
-          <p:nvPr>
-            <p:ph type="sldNum" sz="quarter" idx="12"/>
-          </p:nvPr>
-        </p:nvSpPr>
-        <p:spPr>
-          <a:xfrm>
-            <a:off x="8736463" y="6356351"/>
-            <a:ext cx="2844430" cy="365125"/>
-          </a:xfrm>
-        </p:spPr>
-        <p:txBody>
-          <a:bodyPr/>
-          <a:lstStyle/>
-          <a:p>
-            <a:fld id="{E2656834-4BAB-4DB1-9FED-8310CA017EAF}" type="slidenum">
-              <a:rPr lang="ru-RU" sz="2000" b="1" smtClean="0">
-                <a:solidFill>
-                  <a:schemeClr val="tx1"/>
-                </a:solidFill>
-              </a:rPr>
-              <a:t>7</a:t>
-            </a:fld>
-            <a:endParaRPr lang="ru-RU" sz="2000" b="1" dirty="0">
-              <a:solidFill>
-                <a:schemeClr val="tx1"/>
-              </a:solidFill>
-            </a:endParaRPr>
-          </a:p>
-        </p:txBody>
-      </p:sp>
-      <p:pic>
-        <p:nvPicPr>
-          <p:cNvPr id="10" name="Рисунок 9">
-            <a:extLst>
-              <a:ext uri="{FF2B5EF4-FFF2-40B4-BE49-F238E27FC236}">
-                <a16:creationId xmlns:a16="http://schemas.microsoft.com/office/drawing/2014/main" id="{A10925FD-E0FA-48A1-802A-77079D834C4F}"/>
-              </a:ext>
-            </a:extLst>
-          </p:cNvPr>
-          <p:cNvPicPr/>
-          <p:nvPr/>
-        </p:nvPicPr>
-        <p:blipFill>
-          <a:blip r:embed="rId2"/>
-          <a:stretch>
-            <a:fillRect/>
-          </a:stretch>
-        </p:blipFill>
-        <p:spPr>
-          <a:xfrm>
-            <a:off x="313377" y="1608203"/>
-            <a:ext cx="3785602" cy="2139098"/>
-          </a:xfrm>
-          <a:prstGeom prst="rect">
-            <a:avLst/>
-          </a:prstGeom>
-        </p:spPr>
-      </p:pic>
-      <p:sp>
-        <p:nvSpPr>
-          <p:cNvPr id="2" name="Прямоугольник 1">
-            <a:extLst>
-              <a:ext uri="{FF2B5EF4-FFF2-40B4-BE49-F238E27FC236}">
-                <a16:creationId xmlns:a16="http://schemas.microsoft.com/office/drawing/2014/main" id="{C605E239-8033-461C-B962-DBEC55CA1C57}"/>
-              </a:ext>
-            </a:extLst>
-          </p:cNvPr>
-          <p:cNvSpPr/>
-          <p:nvPr/>
-        </p:nvSpPr>
-        <p:spPr>
-          <a:xfrm>
-            <a:off x="226440" y="3973457"/>
-            <a:ext cx="3959477" cy="2585323"/>
-          </a:xfrm>
-          <a:prstGeom prst="rect">
-            <a:avLst/>
-          </a:prstGeom>
-        </p:spPr>
-        <p:txBody>
-          <a:bodyPr wrap="square">
-            <a:spAutoFit/>
-          </a:bodyPr>
-          <a:lstStyle/>
-          <a:p>
-            <a:pPr indent="450215" algn="just">
-              <a:spcAft>
-                <a:spcPts val="0"/>
-              </a:spcAft>
-            </a:pPr>
-            <a:r>
-              <a:rPr lang="ru-RU" dirty="0">
-                <a:latin typeface="Arial" panose="020B0604020202020204" pitchFamily="34" charset="0"/>
-                <a:ea typeface="Calibri" panose="020F0502020204030204" pitchFamily="34" charset="0"/>
-                <a:cs typeface="Arial" panose="020B0604020202020204" pitchFamily="34" charset="0"/>
-              </a:rPr>
-              <a:t>Минус этой системы состоит в том, что это отдельный блок, который никак не интегрируешь в телефон и представляет интерес для компаний – разработчиков, интеграторов и производителей навигационного оборудования, систем и комплексов стабилизации и ориентации.</a:t>
-            </a:r>
-          </a:p>
-        </p:txBody>
-      </p:sp>
-      <p:sp>
-        <p:nvSpPr>
-          <p:cNvPr id="12" name="TextBox 11">
-            <a:extLst>
-              <a:ext uri="{FF2B5EF4-FFF2-40B4-BE49-F238E27FC236}">
-                <a16:creationId xmlns:a16="http://schemas.microsoft.com/office/drawing/2014/main" id="{4FAEAA32-CCD0-476E-A145-DD2AB49C7E35}"/>
-              </a:ext>
-            </a:extLst>
-          </p:cNvPr>
-          <p:cNvSpPr txBox="1"/>
-          <p:nvPr/>
-        </p:nvSpPr>
-        <p:spPr>
-          <a:xfrm>
-            <a:off x="5242280" y="906156"/>
-            <a:ext cx="1800493" cy="369332"/>
-          </a:xfrm>
-          <a:prstGeom prst="rect">
-            <a:avLst/>
-          </a:prstGeom>
-        </p:spPr>
-        <p:txBody>
-          <a:bodyPr vert="horz" wrap="none" lIns="91440" tIns="45720" rIns="91440" bIns="45720" rtlCol="0" anchor="ctr">
-            <a:spAutoFit/>
-          </a:bodyPr>
-          <a:lstStyle/>
-          <a:p>
-            <a:r>
-              <a:rPr lang="en-GB" dirty="0" err="1">
-                <a:latin typeface="Arial" panose="020B0604020202020204" pitchFamily="34" charset="0"/>
-                <a:cs typeface="Arial" panose="020B0604020202020204" pitchFamily="34" charset="0"/>
-              </a:rPr>
-              <a:t>Navigine</a:t>
-            </a:r>
-            <a:r>
-              <a:rPr lang="en-GB" dirty="0">
-                <a:latin typeface="Arial" panose="020B0604020202020204" pitchFamily="34" charset="0"/>
-                <a:cs typeface="Arial" panose="020B0604020202020204" pitchFamily="34" charset="0"/>
-              </a:rPr>
-              <a:t> Indoor</a:t>
-            </a:r>
-            <a:endParaRPr lang="ru-RU" dirty="0">
-              <a:latin typeface="Arial" panose="020B0604020202020204" pitchFamily="34" charset="0"/>
-              <a:cs typeface="Arial" panose="020B0604020202020204" pitchFamily="34" charset="0"/>
-            </a:endParaRPr>
-          </a:p>
-        </p:txBody>
-      </p:sp>
-      <p:sp>
-        <p:nvSpPr>
-          <p:cNvPr id="14" name="Прямоугольник 13">
-            <a:extLst>
-              <a:ext uri="{FF2B5EF4-FFF2-40B4-BE49-F238E27FC236}">
-                <a16:creationId xmlns:a16="http://schemas.microsoft.com/office/drawing/2014/main" id="{A2A32763-C025-4580-AE76-8FEBE8431F7C}"/>
-              </a:ext>
-            </a:extLst>
-          </p:cNvPr>
-          <p:cNvSpPr/>
-          <p:nvPr/>
-        </p:nvSpPr>
-        <p:spPr>
-          <a:xfrm>
-            <a:off x="4218896" y="3973457"/>
-            <a:ext cx="3959477" cy="2308324"/>
-          </a:xfrm>
-          <a:prstGeom prst="rect">
-            <a:avLst/>
-          </a:prstGeom>
-        </p:spPr>
-        <p:txBody>
-          <a:bodyPr wrap="square">
-            <a:spAutoFit/>
-          </a:bodyPr>
-          <a:lstStyle/>
-          <a:p>
-            <a:pPr indent="450215" algn="just">
-              <a:spcAft>
-                <a:spcPts val="0"/>
-              </a:spcAft>
-            </a:pPr>
-            <a:r>
-              <a:rPr lang="en-GB" dirty="0" err="1">
-                <a:latin typeface="Arial" panose="020B0604020202020204" pitchFamily="34" charset="0"/>
-                <a:cs typeface="Arial" panose="020B0604020202020204" pitchFamily="34" charset="0"/>
-              </a:rPr>
-              <a:t>Главный</a:t>
-            </a:r>
-            <a:r>
-              <a:rPr lang="en-GB" dirty="0">
-                <a:latin typeface="Arial" panose="020B0604020202020204" pitchFamily="34" charset="0"/>
-                <a:cs typeface="Arial" panose="020B0604020202020204" pitchFamily="34" charset="0"/>
-              </a:rPr>
-              <a:t> </a:t>
-            </a:r>
-            <a:r>
-              <a:rPr lang="en-GB" dirty="0" err="1">
-                <a:latin typeface="Arial" panose="020B0604020202020204" pitchFamily="34" charset="0"/>
-                <a:cs typeface="Arial" panose="020B0604020202020204" pitchFamily="34" charset="0"/>
-              </a:rPr>
-              <a:t>недостаток</a:t>
-            </a:r>
-            <a:r>
-              <a:rPr lang="en-GB" dirty="0">
-                <a:latin typeface="Arial" panose="020B0604020202020204" pitchFamily="34" charset="0"/>
-                <a:cs typeface="Arial" panose="020B0604020202020204" pitchFamily="34" charset="0"/>
-              </a:rPr>
-              <a:t> </a:t>
-            </a:r>
-            <a:r>
-              <a:rPr lang="en-GB" dirty="0" err="1">
-                <a:latin typeface="Arial" panose="020B0604020202020204" pitchFamily="34" charset="0"/>
-                <a:cs typeface="Arial" panose="020B0604020202020204" pitchFamily="34" charset="0"/>
-              </a:rPr>
-              <a:t>системы</a:t>
-            </a:r>
-            <a:r>
-              <a:rPr lang="en-GB" dirty="0">
-                <a:latin typeface="Arial" panose="020B0604020202020204" pitchFamily="34" charset="0"/>
-                <a:cs typeface="Arial" panose="020B0604020202020204" pitchFamily="34" charset="0"/>
-              </a:rPr>
-              <a:t> </a:t>
-            </a:r>
-            <a:r>
-              <a:rPr lang="en-GB" dirty="0" err="1">
-                <a:latin typeface="Arial" panose="020B0604020202020204" pitchFamily="34" charset="0"/>
-                <a:cs typeface="Arial" panose="020B0604020202020204" pitchFamily="34" charset="0"/>
-              </a:rPr>
-              <a:t>заключается</a:t>
-            </a:r>
-            <a:r>
-              <a:rPr lang="en-GB" dirty="0">
-                <a:latin typeface="Arial" panose="020B0604020202020204" pitchFamily="34" charset="0"/>
-                <a:cs typeface="Arial" panose="020B0604020202020204" pitchFamily="34" charset="0"/>
-              </a:rPr>
-              <a:t> в </a:t>
-            </a:r>
-            <a:r>
-              <a:rPr lang="en-GB" dirty="0" err="1">
-                <a:latin typeface="Arial" panose="020B0604020202020204" pitchFamily="34" charset="0"/>
-                <a:cs typeface="Arial" panose="020B0604020202020204" pitchFamily="34" charset="0"/>
-              </a:rPr>
-              <a:t>том</a:t>
-            </a:r>
-            <a:r>
-              <a:rPr lang="en-GB" dirty="0">
-                <a:latin typeface="Arial" panose="020B0604020202020204" pitchFamily="34" charset="0"/>
-                <a:cs typeface="Arial" panose="020B0604020202020204" pitchFamily="34" charset="0"/>
-              </a:rPr>
-              <a:t>, </a:t>
-            </a:r>
-            <a:r>
-              <a:rPr lang="en-GB" dirty="0" err="1">
-                <a:latin typeface="Arial" panose="020B0604020202020204" pitchFamily="34" charset="0"/>
-                <a:cs typeface="Arial" panose="020B0604020202020204" pitchFamily="34" charset="0"/>
-              </a:rPr>
-              <a:t>что</a:t>
-            </a:r>
-            <a:r>
-              <a:rPr lang="en-GB" dirty="0">
-                <a:latin typeface="Arial" panose="020B0604020202020204" pitchFamily="34" charset="0"/>
-                <a:cs typeface="Arial" panose="020B0604020202020204" pitchFamily="34" charset="0"/>
-              </a:rPr>
-              <a:t> </a:t>
-            </a:r>
-            <a:r>
-              <a:rPr lang="en-GB" dirty="0" err="1">
-                <a:latin typeface="Arial" panose="020B0604020202020204" pitchFamily="34" charset="0"/>
-                <a:cs typeface="Arial" panose="020B0604020202020204" pitchFamily="34" charset="0"/>
-              </a:rPr>
-              <a:t>для</a:t>
-            </a:r>
-            <a:r>
-              <a:rPr lang="en-GB" dirty="0">
-                <a:latin typeface="Arial" panose="020B0604020202020204" pitchFamily="34" charset="0"/>
-                <a:cs typeface="Arial" panose="020B0604020202020204" pitchFamily="34" charset="0"/>
-              </a:rPr>
-              <a:t> </a:t>
-            </a:r>
-            <a:r>
-              <a:rPr lang="en-GB" dirty="0" err="1">
-                <a:latin typeface="Arial" panose="020B0604020202020204" pitchFamily="34" charset="0"/>
-                <a:cs typeface="Arial" panose="020B0604020202020204" pitchFamily="34" charset="0"/>
-              </a:rPr>
-              <a:t>навигации</a:t>
-            </a:r>
-            <a:r>
-              <a:rPr lang="en-GB" dirty="0">
-                <a:latin typeface="Arial" panose="020B0604020202020204" pitchFamily="34" charset="0"/>
-                <a:cs typeface="Arial" panose="020B0604020202020204" pitchFamily="34" charset="0"/>
-              </a:rPr>
-              <a:t> </a:t>
-            </a:r>
-            <a:r>
-              <a:rPr lang="en-GB" dirty="0" err="1">
-                <a:latin typeface="Arial" panose="020B0604020202020204" pitchFamily="34" charset="0"/>
-                <a:cs typeface="Arial" panose="020B0604020202020204" pitchFamily="34" charset="0"/>
-              </a:rPr>
-              <a:t>используются</a:t>
-            </a:r>
-            <a:r>
-              <a:rPr lang="en-GB" dirty="0">
-                <a:latin typeface="Arial" panose="020B0604020202020204" pitchFamily="34" charset="0"/>
-                <a:cs typeface="Arial" panose="020B0604020202020204" pitchFamily="34" charset="0"/>
-              </a:rPr>
-              <a:t> </a:t>
-            </a:r>
-            <a:r>
-              <a:rPr lang="en-GB" dirty="0" err="1">
-                <a:latin typeface="Arial" panose="020B0604020202020204" pitchFamily="34" charset="0"/>
-                <a:cs typeface="Arial" panose="020B0604020202020204" pitchFamily="34" charset="0"/>
-              </a:rPr>
-              <a:t>метки</a:t>
-            </a:r>
-            <a:r>
-              <a:rPr lang="en-GB" dirty="0">
-                <a:latin typeface="Arial" panose="020B0604020202020204" pitchFamily="34" charset="0"/>
-                <a:cs typeface="Arial" panose="020B0604020202020204" pitchFamily="34" charset="0"/>
-              </a:rPr>
-              <a:t>. </a:t>
-            </a:r>
-            <a:r>
-              <a:rPr lang="en-GB" dirty="0" err="1">
-                <a:latin typeface="Arial" panose="020B0604020202020204" pitchFamily="34" charset="0"/>
-                <a:cs typeface="Arial" panose="020B0604020202020204" pitchFamily="34" charset="0"/>
-              </a:rPr>
-              <a:t>Там</a:t>
-            </a:r>
-            <a:r>
-              <a:rPr lang="en-GB" dirty="0">
-                <a:latin typeface="Arial" panose="020B0604020202020204" pitchFamily="34" charset="0"/>
-                <a:cs typeface="Arial" panose="020B0604020202020204" pitchFamily="34" charset="0"/>
-              </a:rPr>
-              <a:t> </a:t>
-            </a:r>
-            <a:r>
-              <a:rPr lang="en-GB" dirty="0" err="1">
-                <a:latin typeface="Arial" panose="020B0604020202020204" pitchFamily="34" charset="0"/>
-                <a:cs typeface="Arial" panose="020B0604020202020204" pitchFamily="34" charset="0"/>
-              </a:rPr>
-              <a:t>где</a:t>
-            </a:r>
-            <a:r>
-              <a:rPr lang="en-GB" dirty="0">
-                <a:latin typeface="Arial" panose="020B0604020202020204" pitchFamily="34" charset="0"/>
-                <a:cs typeface="Arial" panose="020B0604020202020204" pitchFamily="34" charset="0"/>
-              </a:rPr>
-              <a:t> </a:t>
-            </a:r>
-            <a:r>
-              <a:rPr lang="en-GB" dirty="0" err="1">
-                <a:latin typeface="Arial" panose="020B0604020202020204" pitchFamily="34" charset="0"/>
-                <a:cs typeface="Arial" panose="020B0604020202020204" pitchFamily="34" charset="0"/>
-              </a:rPr>
-              <a:t>заканчиваются</a:t>
-            </a:r>
-            <a:r>
-              <a:rPr lang="en-GB" dirty="0">
-                <a:latin typeface="Arial" panose="020B0604020202020204" pitchFamily="34" charset="0"/>
-                <a:cs typeface="Arial" panose="020B0604020202020204" pitchFamily="34" charset="0"/>
-              </a:rPr>
-              <a:t> </a:t>
-            </a:r>
-            <a:r>
-              <a:rPr lang="en-GB" dirty="0" err="1">
-                <a:latin typeface="Arial" panose="020B0604020202020204" pitchFamily="34" charset="0"/>
-                <a:cs typeface="Arial" panose="020B0604020202020204" pitchFamily="34" charset="0"/>
-              </a:rPr>
-              <a:t>метки</a:t>
-            </a:r>
-            <a:r>
-              <a:rPr lang="en-GB" dirty="0">
-                <a:latin typeface="Arial" panose="020B0604020202020204" pitchFamily="34" charset="0"/>
-                <a:cs typeface="Arial" panose="020B0604020202020204" pitchFamily="34" charset="0"/>
-              </a:rPr>
-              <a:t>, </a:t>
-            </a:r>
-            <a:r>
-              <a:rPr lang="en-GB" dirty="0" err="1">
-                <a:latin typeface="Arial" panose="020B0604020202020204" pitchFamily="34" charset="0"/>
-                <a:cs typeface="Arial" panose="020B0604020202020204" pitchFamily="34" charset="0"/>
-              </a:rPr>
-              <a:t>заканчивается</a:t>
-            </a:r>
-            <a:r>
-              <a:rPr lang="en-GB" dirty="0">
-                <a:latin typeface="Arial" panose="020B0604020202020204" pitchFamily="34" charset="0"/>
-                <a:cs typeface="Arial" panose="020B0604020202020204" pitchFamily="34" charset="0"/>
-              </a:rPr>
-              <a:t>, и </a:t>
-            </a:r>
-            <a:r>
-              <a:rPr lang="en-GB" dirty="0" err="1">
-                <a:latin typeface="Arial" panose="020B0604020202020204" pitchFamily="34" charset="0"/>
-                <a:cs typeface="Arial" panose="020B0604020202020204" pitchFamily="34" charset="0"/>
-              </a:rPr>
-              <a:t>определятся</a:t>
-            </a:r>
-            <a:r>
-              <a:rPr lang="en-GB" dirty="0">
-                <a:latin typeface="Arial" panose="020B0604020202020204" pitchFamily="34" charset="0"/>
-                <a:cs typeface="Arial" panose="020B0604020202020204" pitchFamily="34" charset="0"/>
-              </a:rPr>
-              <a:t> </a:t>
-            </a:r>
-            <a:r>
-              <a:rPr lang="en-GB" dirty="0" err="1">
-                <a:latin typeface="Arial" panose="020B0604020202020204" pitchFamily="34" charset="0"/>
-                <a:cs typeface="Arial" panose="020B0604020202020204" pitchFamily="34" charset="0"/>
-              </a:rPr>
-              <a:t>местоположение</a:t>
-            </a:r>
-            <a:r>
-              <a:rPr lang="en-GB" dirty="0">
-                <a:latin typeface="Arial" panose="020B0604020202020204" pitchFamily="34" charset="0"/>
-                <a:cs typeface="Arial" panose="020B0604020202020204" pitchFamily="34" charset="0"/>
-              </a:rPr>
-              <a:t>. </a:t>
-            </a:r>
-            <a:r>
-              <a:rPr lang="en-GB" dirty="0" err="1">
-                <a:latin typeface="Arial" panose="020B0604020202020204" pitchFamily="34" charset="0"/>
-                <a:cs typeface="Arial" panose="020B0604020202020204" pitchFamily="34" charset="0"/>
-              </a:rPr>
-              <a:t>Данный</a:t>
-            </a:r>
-            <a:r>
-              <a:rPr lang="en-GB" dirty="0">
-                <a:latin typeface="Arial" panose="020B0604020202020204" pitchFamily="34" charset="0"/>
-                <a:cs typeface="Arial" panose="020B0604020202020204" pitchFamily="34" charset="0"/>
-              </a:rPr>
-              <a:t> </a:t>
-            </a:r>
-            <a:r>
-              <a:rPr lang="en-GB" dirty="0" err="1">
-                <a:latin typeface="Arial" panose="020B0604020202020204" pitchFamily="34" charset="0"/>
-                <a:cs typeface="Arial" panose="020B0604020202020204" pitchFamily="34" charset="0"/>
-              </a:rPr>
-              <a:t>метод</a:t>
-            </a:r>
-            <a:r>
-              <a:rPr lang="en-GB" dirty="0">
-                <a:latin typeface="Arial" panose="020B0604020202020204" pitchFamily="34" charset="0"/>
-                <a:cs typeface="Arial" panose="020B0604020202020204" pitchFamily="34" charset="0"/>
-              </a:rPr>
-              <a:t> </a:t>
-            </a:r>
-            <a:r>
-              <a:rPr lang="en-GB" dirty="0" err="1">
-                <a:latin typeface="Arial" panose="020B0604020202020204" pitchFamily="34" charset="0"/>
-                <a:cs typeface="Arial" panose="020B0604020202020204" pitchFamily="34" charset="0"/>
-              </a:rPr>
-              <a:t>не</a:t>
-            </a:r>
-            <a:r>
-              <a:rPr lang="en-GB" dirty="0">
-                <a:latin typeface="Arial" panose="020B0604020202020204" pitchFamily="34" charset="0"/>
-                <a:cs typeface="Arial" panose="020B0604020202020204" pitchFamily="34" charset="0"/>
-              </a:rPr>
-              <a:t> </a:t>
-            </a:r>
-            <a:r>
-              <a:rPr lang="en-GB" dirty="0" err="1">
-                <a:latin typeface="Arial" panose="020B0604020202020204" pitchFamily="34" charset="0"/>
-                <a:cs typeface="Arial" panose="020B0604020202020204" pitchFamily="34" charset="0"/>
-              </a:rPr>
-              <a:t>подходит</a:t>
-            </a:r>
-            <a:r>
-              <a:rPr lang="en-GB" dirty="0">
-                <a:latin typeface="Arial" panose="020B0604020202020204" pitchFamily="34" charset="0"/>
-                <a:cs typeface="Arial" panose="020B0604020202020204" pitchFamily="34" charset="0"/>
-              </a:rPr>
-              <a:t>, </a:t>
-            </a:r>
-            <a:r>
-              <a:rPr lang="en-GB" dirty="0" err="1">
-                <a:latin typeface="Arial" panose="020B0604020202020204" pitchFamily="34" charset="0"/>
-                <a:cs typeface="Arial" panose="020B0604020202020204" pitchFamily="34" charset="0"/>
-              </a:rPr>
-              <a:t>если</a:t>
-            </a:r>
-            <a:r>
-              <a:rPr lang="en-GB" dirty="0">
-                <a:latin typeface="Arial" panose="020B0604020202020204" pitchFamily="34" charset="0"/>
-                <a:cs typeface="Arial" panose="020B0604020202020204" pitchFamily="34" charset="0"/>
-              </a:rPr>
-              <a:t> </a:t>
-            </a:r>
-            <a:r>
-              <a:rPr lang="en-GB" dirty="0" err="1">
-                <a:latin typeface="Arial" panose="020B0604020202020204" pitchFamily="34" charset="0"/>
-                <a:cs typeface="Arial" panose="020B0604020202020204" pitchFamily="34" charset="0"/>
-              </a:rPr>
-              <a:t>осуществлять</a:t>
-            </a:r>
-            <a:r>
-              <a:rPr lang="en-GB" dirty="0">
-                <a:latin typeface="Arial" panose="020B0604020202020204" pitchFamily="34" charset="0"/>
-                <a:cs typeface="Arial" panose="020B0604020202020204" pitchFamily="34" charset="0"/>
-              </a:rPr>
-              <a:t> </a:t>
-            </a:r>
-            <a:r>
-              <a:rPr lang="en-GB" dirty="0" err="1">
-                <a:latin typeface="Arial" panose="020B0604020202020204" pitchFamily="34" charset="0"/>
-                <a:cs typeface="Arial" panose="020B0604020202020204" pitchFamily="34" charset="0"/>
-              </a:rPr>
-              <a:t>навигацию</a:t>
-            </a:r>
-            <a:r>
-              <a:rPr lang="en-GB" dirty="0">
-                <a:latin typeface="Arial" panose="020B0604020202020204" pitchFamily="34" charset="0"/>
-                <a:cs typeface="Arial" panose="020B0604020202020204" pitchFamily="34" charset="0"/>
-              </a:rPr>
-              <a:t> в </a:t>
-            </a:r>
-            <a:r>
-              <a:rPr lang="en-GB" dirty="0" err="1">
-                <a:latin typeface="Arial" panose="020B0604020202020204" pitchFamily="34" charset="0"/>
-                <a:cs typeface="Arial" panose="020B0604020202020204" pitchFamily="34" charset="0"/>
-              </a:rPr>
-              <a:t>любой</a:t>
-            </a:r>
-            <a:r>
-              <a:rPr lang="en-GB" dirty="0">
-                <a:latin typeface="Arial" panose="020B0604020202020204" pitchFamily="34" charset="0"/>
-                <a:cs typeface="Arial" panose="020B0604020202020204" pitchFamily="34" charset="0"/>
-              </a:rPr>
-              <a:t> </a:t>
-            </a:r>
-            <a:r>
-              <a:rPr lang="en-GB" dirty="0" err="1">
-                <a:latin typeface="Arial" panose="020B0604020202020204" pitchFamily="34" charset="0"/>
-                <a:cs typeface="Arial" panose="020B0604020202020204" pitchFamily="34" charset="0"/>
-              </a:rPr>
-              <a:t>точке</a:t>
-            </a:r>
-            <a:r>
-              <a:rPr lang="en-GB" dirty="0">
-                <a:latin typeface="Arial" panose="020B0604020202020204" pitchFamily="34" charset="0"/>
-                <a:cs typeface="Arial" panose="020B0604020202020204" pitchFamily="34" charset="0"/>
-              </a:rPr>
-              <a:t> </a:t>
-            </a:r>
-            <a:r>
-              <a:rPr lang="en-GB" dirty="0" err="1">
-                <a:latin typeface="Arial" panose="020B0604020202020204" pitchFamily="34" charset="0"/>
-                <a:cs typeface="Arial" panose="020B0604020202020204" pitchFamily="34" charset="0"/>
-              </a:rPr>
-              <a:t>мира</a:t>
-            </a:r>
-            <a:r>
-              <a:rPr lang="en-GB" dirty="0">
-                <a:latin typeface="Arial" panose="020B0604020202020204" pitchFamily="34" charset="0"/>
-                <a:cs typeface="Arial" panose="020B0604020202020204" pitchFamily="34" charset="0"/>
-              </a:rPr>
-              <a:t>.</a:t>
-            </a:r>
-            <a:endParaRPr lang="ru-RU" dirty="0">
-              <a:latin typeface="Arial" panose="020B0604020202020204" pitchFamily="34" charset="0"/>
-              <a:ea typeface="Calibri" panose="020F0502020204030204" pitchFamily="34" charset="0"/>
-              <a:cs typeface="Arial" panose="020B0604020202020204" pitchFamily="34" charset="0"/>
-            </a:endParaRPr>
-          </a:p>
-        </p:txBody>
-      </p:sp>
-      <p:pic>
-        <p:nvPicPr>
-          <p:cNvPr id="15" name="Рисунок 14" descr="https://modscheats.ru/uploads/posts/2017-08/thumbs/rossiyskaya-startap-kompaniya-navigine-privlekla-900-000-dollarov_1.png">
-            <a:extLst>
-              <a:ext uri="{FF2B5EF4-FFF2-40B4-BE49-F238E27FC236}">
-                <a16:creationId xmlns:a16="http://schemas.microsoft.com/office/drawing/2014/main" id="{496EDE30-D37D-428E-B01D-F1C5CFDA0C26}"/>
-              </a:ext>
-            </a:extLst>
-          </p:cNvPr>
-          <p:cNvPicPr/>
-          <p:nvPr/>
-        </p:nvPicPr>
-        <p:blipFill>
-          <a:blip r:embed="rId3">
-            <a:extLst>
-              <a:ext uri="{28A0092B-C50C-407E-A947-70E740481C1C}">
-                <a14:useLocalDpi xmlns:a14="http://schemas.microsoft.com/office/drawing/2010/main" val="0"/>
-              </a:ext>
-            </a:extLst>
-          </a:blip>
-          <a:srcRect/>
-          <a:stretch>
-            <a:fillRect/>
-          </a:stretch>
-        </p:blipFill>
-        <p:spPr bwMode="auto">
-          <a:xfrm>
-            <a:off x="4502088" y="1713691"/>
-            <a:ext cx="3393318" cy="2139098"/>
-          </a:xfrm>
-          <a:prstGeom prst="rect">
-            <a:avLst/>
-          </a:prstGeom>
-          <a:noFill/>
-          <a:ln>
-            <a:noFill/>
-          </a:ln>
-        </p:spPr>
-      </p:pic>
-      <p:sp>
-        <p:nvSpPr>
-          <p:cNvPr id="16" name="TextBox 15">
-            <a:extLst>
-              <a:ext uri="{FF2B5EF4-FFF2-40B4-BE49-F238E27FC236}">
-                <a16:creationId xmlns:a16="http://schemas.microsoft.com/office/drawing/2014/main" id="{0C95893D-4636-4FDF-9E2D-55FE85D340E4}"/>
-              </a:ext>
-            </a:extLst>
-          </p:cNvPr>
-          <p:cNvSpPr txBox="1"/>
-          <p:nvPr/>
-        </p:nvSpPr>
-        <p:spPr>
-          <a:xfrm>
-            <a:off x="8571041" y="906156"/>
-            <a:ext cx="1800493" cy="369332"/>
-          </a:xfrm>
-          <a:prstGeom prst="rect">
-            <a:avLst/>
-          </a:prstGeom>
-        </p:spPr>
-        <p:txBody>
-          <a:bodyPr vert="horz" wrap="square" lIns="91440" tIns="45720" rIns="91440" bIns="45720" rtlCol="0" anchor="ctr">
-            <a:spAutoFit/>
-          </a:bodyPr>
-          <a:lstStyle/>
-          <a:p>
-            <a:pPr lvl="2" algn="ctr"/>
-            <a:r>
-              <a:rPr lang="en-US" dirty="0" err="1">
-                <a:latin typeface="Arial" panose="020B0604020202020204" pitchFamily="34" charset="0"/>
-                <a:cs typeface="Arial" panose="020B0604020202020204" pitchFamily="34" charset="0"/>
-              </a:rPr>
-              <a:t>DaRe</a:t>
-            </a:r>
-            <a:endParaRPr lang="ru-RU" dirty="0">
-              <a:latin typeface="Arial" panose="020B0604020202020204" pitchFamily="34" charset="0"/>
-              <a:cs typeface="Arial" panose="020B0604020202020204" pitchFamily="34" charset="0"/>
-            </a:endParaRPr>
-          </a:p>
-        </p:txBody>
-      </p:sp>
-      <p:sp>
-        <p:nvSpPr>
-          <p:cNvPr id="17" name="Прямоугольник 16">
-            <a:extLst>
-              <a:ext uri="{FF2B5EF4-FFF2-40B4-BE49-F238E27FC236}">
-                <a16:creationId xmlns:a16="http://schemas.microsoft.com/office/drawing/2014/main" id="{1E314EFB-78EF-45DF-9C27-2856793B6774}"/>
-              </a:ext>
-            </a:extLst>
-          </p:cNvPr>
-          <p:cNvSpPr/>
-          <p:nvPr/>
-        </p:nvSpPr>
-        <p:spPr>
-          <a:xfrm>
-            <a:off x="8144987" y="1342725"/>
-            <a:ext cx="3959477" cy="1754326"/>
-          </a:xfrm>
-          <a:prstGeom prst="rect">
-            <a:avLst/>
-          </a:prstGeom>
-        </p:spPr>
-        <p:txBody>
-          <a:bodyPr wrap="square">
-            <a:spAutoFit/>
-          </a:bodyPr>
-          <a:lstStyle/>
-          <a:p>
-            <a:r>
-              <a:rPr lang="ru-RU" dirty="0">
-                <a:latin typeface="Arial" panose="020B0604020202020204" pitchFamily="34" charset="0"/>
-                <a:cs typeface="Arial" panose="020B0604020202020204" pitchFamily="34" charset="0"/>
-              </a:rPr>
-              <a:t>К недостаткам данной системы необходимо отнести датчик обуви. Потому что это очень неудобно и не практично, так как отдельный датчик это повышение стоимости и сложности системы.</a:t>
-            </a:r>
-          </a:p>
-        </p:txBody>
-      </p:sp>
-      <p:pic>
-        <p:nvPicPr>
-          <p:cNvPr id="19" name="Рисунок 18" descr="https://sun9-7.userapi.com/c857124/v857124560/4d5b6/zaqnGLipJ9c.jpg">
-            <a:extLst>
-              <a:ext uri="{FF2B5EF4-FFF2-40B4-BE49-F238E27FC236}">
-                <a16:creationId xmlns:a16="http://schemas.microsoft.com/office/drawing/2014/main" id="{8F56BE9C-11D5-4990-94E8-FFFBE6BB1CB0}"/>
-              </a:ext>
-            </a:extLst>
-          </p:cNvPr>
-          <p:cNvPicPr/>
-          <p:nvPr/>
-        </p:nvPicPr>
-        <p:blipFill>
-          <a:blip r:embed="rId4" cstate="print">
-            <a:extLst>
-              <a:ext uri="{28A0092B-C50C-407E-A947-70E740481C1C}">
-                <a14:useLocalDpi xmlns:a14="http://schemas.microsoft.com/office/drawing/2010/main" val="0"/>
-              </a:ext>
-            </a:extLst>
-          </a:blip>
-          <a:srcRect/>
-          <a:stretch>
-            <a:fillRect/>
-          </a:stretch>
-        </p:blipFill>
-        <p:spPr bwMode="auto">
-          <a:xfrm>
-            <a:off x="8975526" y="3281244"/>
-            <a:ext cx="2016224" cy="3286939"/>
-          </a:xfrm>
-          <a:prstGeom prst="rect">
-            <a:avLst/>
-          </a:prstGeom>
-          <a:noFill/>
-          <a:ln>
-            <a:noFill/>
-          </a:ln>
-        </p:spPr>
-      </p:pic>
-    </p:spTree>
-    <p:extLst>
-      <p:ext uri="{BB962C8B-B14F-4D97-AF65-F5344CB8AC3E}">
-        <p14:creationId xmlns:p14="http://schemas.microsoft.com/office/powerpoint/2010/main" val="1962536191"/>
-      </p:ext>
-    </p:extLst>
-  </p:cSld>
-  <p:clrMapOvr>
-    <a:masterClrMapping/>
-  </p:clrMapOvr>
-</p:sld>
-</file>
-
-<file path=ppt/slides/slide8.xml><?xml version="1.0" encoding="utf-8"?>
-<p:sld xmlns:a="http://schemas.openxmlformats.org/drawingml/2006/main" xmlns:r="http://schemas.openxmlformats.org/officeDocument/2006/relationships" xmlns:p="http://schemas.openxmlformats.org/presentationml/2006/main">
-  <p:cSld>
-    <p:spTree>
-      <p:nvGrpSpPr>
-        <p:cNvPr id="1" name=""/>
-        <p:cNvGrpSpPr/>
-        <p:nvPr/>
-      </p:nvGrpSpPr>
-      <p:grpSpPr>
-        <a:xfrm>
-          <a:off x="0" y="0"/>
-          <a:ext cx="0" cy="0"/>
-          <a:chOff x="0" y="0"/>
-          <a:chExt cx="0" cy="0"/>
-        </a:xfrm>
-      </p:grpSpPr>
-      <p:sp>
-        <p:nvSpPr>
-          <p:cNvPr id="3" name="Объект 2"/>
-          <p:cNvSpPr>
-            <a:spLocks noGrp="1"/>
-          </p:cNvSpPr>
-          <p:nvPr>
-            <p:ph idx="1"/>
-          </p:nvPr>
-        </p:nvSpPr>
-        <p:spPr>
-          <a:xfrm>
-            <a:off x="239318" y="908719"/>
-            <a:ext cx="3551632" cy="1845702"/>
-          </a:xfrm>
-        </p:spPr>
-        <p:txBody>
-          <a:bodyPr>
-            <a:noAutofit/>
-          </a:bodyPr>
-          <a:lstStyle/>
-          <a:p>
-            <a:pPr marL="0" indent="0" algn="just">
-              <a:buNone/>
-            </a:pPr>
-            <a:r>
-              <a:rPr lang="ru-RU" sz="2000" dirty="0">
-                <a:latin typeface="Arial" panose="020B0604020202020204" pitchFamily="34" charset="0"/>
-                <a:cs typeface="Arial" panose="020B0604020202020204" pitchFamily="34" charset="0"/>
-              </a:rPr>
-              <a:t>Акселерометр – это устройство, измеряющее проекцию кажущегося ускорения на одну или несколько осей.</a:t>
-            </a:r>
-          </a:p>
-        </p:txBody>
-      </p:sp>
-      <p:sp>
-        <p:nvSpPr>
-          <p:cNvPr id="13" name="TextBox 12"/>
-          <p:cNvSpPr txBox="1"/>
-          <p:nvPr/>
-        </p:nvSpPr>
-        <p:spPr>
-          <a:xfrm>
-            <a:off x="2351319" y="215407"/>
-            <a:ext cx="7898675" cy="523220"/>
-          </a:xfrm>
-          <a:prstGeom prst="rect">
-            <a:avLst/>
-          </a:prstGeom>
-          <a:noFill/>
-        </p:spPr>
-        <p:txBody>
-          <a:bodyPr wrap="square" rtlCol="0" anchor="ctr" anchorCtr="1">
-            <a:spAutoFit/>
-          </a:bodyPr>
-          <a:lstStyle/>
-          <a:p>
-            <a:pPr algn="ctr"/>
-            <a:r>
-              <a:rPr lang="ru-RU" sz="2800" dirty="0">
-                <a:solidFill>
-                  <a:schemeClr val="bg1"/>
-                </a:solidFill>
-                <a:latin typeface="Elektra Text Pro" panose="02000503030000020004" pitchFamily="50" charset="-52"/>
-              </a:rPr>
-              <a:t>Датчики смартфона</a:t>
-            </a:r>
-          </a:p>
-        </p:txBody>
-      </p:sp>
-      <p:sp>
-        <p:nvSpPr>
-          <p:cNvPr id="9" name="Номер слайда 2"/>
-          <p:cNvSpPr>
-            <a:spLocks noGrp="1"/>
-          </p:cNvSpPr>
-          <p:nvPr>
-            <p:ph type="sldNum" sz="quarter" idx="12"/>
-          </p:nvPr>
-        </p:nvSpPr>
-        <p:spPr>
-          <a:xfrm>
-            <a:off x="8736463" y="6356351"/>
-            <a:ext cx="2844430" cy="365125"/>
-          </a:xfrm>
-        </p:spPr>
-        <p:txBody>
-          <a:bodyPr/>
-          <a:lstStyle/>
-          <a:p>
-            <a:fld id="{E2656834-4BAB-4DB1-9FED-8310CA017EAF}" type="slidenum">
-              <a:rPr lang="ru-RU" sz="2000" b="1" smtClean="0">
-                <a:solidFill>
-                  <a:schemeClr val="tx1"/>
-                </a:solidFill>
-              </a:rPr>
-              <a:t>8</a:t>
-            </a:fld>
-            <a:endParaRPr lang="ru-RU" sz="2000" b="1" dirty="0">
-              <a:solidFill>
-                <a:schemeClr val="tx1"/>
-              </a:solidFill>
-            </a:endParaRPr>
-          </a:p>
-        </p:txBody>
-      </p:sp>
-      <p:sp>
-        <p:nvSpPr>
-          <p:cNvPr id="10" name="Объект 2">
-            <a:extLst>
-              <a:ext uri="{FF2B5EF4-FFF2-40B4-BE49-F238E27FC236}">
-                <a16:creationId xmlns:a16="http://schemas.microsoft.com/office/drawing/2014/main" id="{9BE50F74-A7E4-431F-89D2-9888EE34A7BB}"/>
-              </a:ext>
-            </a:extLst>
-          </p:cNvPr>
-          <p:cNvSpPr txBox="1">
-            <a:spLocks/>
-          </p:cNvSpPr>
-          <p:nvPr/>
-        </p:nvSpPr>
-        <p:spPr>
-          <a:xfrm>
-            <a:off x="8190807" y="946940"/>
-            <a:ext cx="3851583" cy="1799221"/>
-          </a:xfrm>
-          <a:prstGeom prst="rect">
-            <a:avLst/>
-          </a:prstGeom>
-        </p:spPr>
-        <p:txBody>
-          <a:bodyPr vert="horz" lIns="91440" tIns="45720" rIns="91440" bIns="45720" rtlCol="0">
-            <a:noAutofit/>
-          </a:bodyPr>
-          <a:lstStyle>
-            <a:lvl1pPr marL="342900" indent="-342900" algn="l" defTabSz="914400" rtl="0" eaLnBrk="1" latinLnBrk="0" hangingPunct="1">
-              <a:spcBef>
-                <a:spcPct val="20000"/>
-              </a:spcBef>
-              <a:buFont typeface="Arial" panose="020B0604020202020204" pitchFamily="34" charset="0"/>
-              <a:buChar char="•"/>
-              <a:defRPr sz="3200" kern="1200">
-                <a:solidFill>
-                  <a:schemeClr val="tx1"/>
-                </a:solidFill>
-                <a:latin typeface="+mn-lt"/>
-                <a:ea typeface="+mn-ea"/>
-                <a:cs typeface="+mn-cs"/>
-              </a:defRPr>
-            </a:lvl1pPr>
-            <a:lvl2pPr marL="742950" indent="-285750" algn="l" defTabSz="914400" rtl="0" eaLnBrk="1" latinLnBrk="0" hangingPunct="1">
-              <a:spcBef>
-                <a:spcPct val="20000"/>
-              </a:spcBef>
-              <a:buFont typeface="Arial" panose="020B0604020202020204" pitchFamily="34" charset="0"/>
-              <a:buChar char="–"/>
-              <a:defRPr sz="2800" kern="1200">
-                <a:solidFill>
-                  <a:schemeClr val="tx1"/>
-                </a:solidFill>
-                <a:latin typeface="+mn-lt"/>
-                <a:ea typeface="+mn-ea"/>
-                <a:cs typeface="+mn-cs"/>
-              </a:defRPr>
-            </a:lvl2pPr>
-            <a:lvl3pPr marL="1143000" indent="-228600" algn="l" defTabSz="914400" rtl="0" eaLnBrk="1" latinLnBrk="0" hangingPunct="1">
-              <a:spcBef>
-                <a:spcPct val="20000"/>
-              </a:spcBef>
-              <a:buFont typeface="Arial" panose="020B0604020202020204" pitchFamily="34" charset="0"/>
-              <a:buChar char="•"/>
-              <a:defRPr sz="2400" kern="1200">
-                <a:solidFill>
-                  <a:schemeClr val="tx1"/>
-                </a:solidFill>
-                <a:latin typeface="+mn-lt"/>
-                <a:ea typeface="+mn-ea"/>
-                <a:cs typeface="+mn-cs"/>
-              </a:defRPr>
-            </a:lvl3pPr>
-            <a:lvl4pPr marL="1600200" indent="-228600" algn="l" defTabSz="914400" rtl="0" eaLnBrk="1" latinLnBrk="0" hangingPunct="1">
-              <a:spcBef>
-                <a:spcPct val="20000"/>
-              </a:spcBef>
-              <a:buFont typeface="Arial" panose="020B0604020202020204" pitchFamily="34" charset="0"/>
-              <a:buChar char="–"/>
-              <a:defRPr sz="2000" kern="1200">
-                <a:solidFill>
-                  <a:schemeClr val="tx1"/>
-                </a:solidFill>
-                <a:latin typeface="+mn-lt"/>
-                <a:ea typeface="+mn-ea"/>
-                <a:cs typeface="+mn-cs"/>
-              </a:defRPr>
-            </a:lvl4pPr>
-            <a:lvl5pPr marL="2057400" indent="-228600" algn="l" defTabSz="914400" rtl="0" eaLnBrk="1" latinLnBrk="0" hangingPunct="1">
-              <a:spcBef>
-                <a:spcPct val="20000"/>
-              </a:spcBef>
-              <a:buFont typeface="Arial" panose="020B0604020202020204" pitchFamily="34" charset="0"/>
-              <a:buChar char="»"/>
-              <a:defRPr sz="2000" kern="1200">
-                <a:solidFill>
-                  <a:schemeClr val="tx1"/>
-                </a:solidFill>
-                <a:latin typeface="+mn-lt"/>
-                <a:ea typeface="+mn-ea"/>
-                <a:cs typeface="+mn-cs"/>
-              </a:defRPr>
-            </a:lvl5pPr>
-            <a:lvl6pPr marL="2514600" indent="-228600" algn="l" defTabSz="914400" rtl="0" eaLnBrk="1" latinLnBrk="0" hangingPunct="1">
-              <a:spcBef>
-                <a:spcPct val="20000"/>
-              </a:spcBef>
-              <a:buFont typeface="Arial" panose="020B0604020202020204" pitchFamily="34" charset="0"/>
-              <a:buChar char="•"/>
-              <a:defRPr sz="2000" kern="1200">
-                <a:solidFill>
-                  <a:schemeClr val="tx1"/>
-                </a:solidFill>
-                <a:latin typeface="+mn-lt"/>
-                <a:ea typeface="+mn-ea"/>
-                <a:cs typeface="+mn-cs"/>
-              </a:defRPr>
-            </a:lvl6pPr>
-            <a:lvl7pPr marL="2971800" indent="-228600" algn="l" defTabSz="914400" rtl="0" eaLnBrk="1" latinLnBrk="0" hangingPunct="1">
-              <a:spcBef>
-                <a:spcPct val="20000"/>
-              </a:spcBef>
-              <a:buFont typeface="Arial" panose="020B0604020202020204" pitchFamily="34" charset="0"/>
-              <a:buChar char="•"/>
-              <a:defRPr sz="2000" kern="1200">
-                <a:solidFill>
-                  <a:schemeClr val="tx1"/>
-                </a:solidFill>
-                <a:latin typeface="+mn-lt"/>
-                <a:ea typeface="+mn-ea"/>
-                <a:cs typeface="+mn-cs"/>
-              </a:defRPr>
-            </a:lvl7pPr>
-            <a:lvl8pPr marL="3429000" indent="-228600" algn="l" defTabSz="914400" rtl="0" eaLnBrk="1" latinLnBrk="0" hangingPunct="1">
-              <a:spcBef>
-                <a:spcPct val="20000"/>
-              </a:spcBef>
-              <a:buFont typeface="Arial" panose="020B0604020202020204" pitchFamily="34" charset="0"/>
-              <a:buChar char="•"/>
-              <a:defRPr sz="2000" kern="1200">
-                <a:solidFill>
-                  <a:schemeClr val="tx1"/>
-                </a:solidFill>
-                <a:latin typeface="+mn-lt"/>
-                <a:ea typeface="+mn-ea"/>
-                <a:cs typeface="+mn-cs"/>
-              </a:defRPr>
-            </a:lvl8pPr>
-            <a:lvl9pPr marL="3886200" indent="-228600" algn="l" defTabSz="914400" rtl="0" eaLnBrk="1" latinLnBrk="0" hangingPunct="1">
-              <a:spcBef>
-                <a:spcPct val="20000"/>
-              </a:spcBef>
-              <a:buFont typeface="Arial" panose="020B0604020202020204" pitchFamily="34" charset="0"/>
-              <a:buChar char="•"/>
-              <a:defRPr sz="2000" kern="1200">
-                <a:solidFill>
-                  <a:schemeClr val="tx1"/>
-                </a:solidFill>
-                <a:latin typeface="+mn-lt"/>
-                <a:ea typeface="+mn-ea"/>
-                <a:cs typeface="+mn-cs"/>
-              </a:defRPr>
-            </a:lvl9pPr>
-          </a:lstStyle>
-          <a:p>
-            <a:pPr marL="0" indent="0" algn="just">
-              <a:buNone/>
-            </a:pPr>
-            <a:r>
-              <a:rPr lang="ru-RU" sz="2000" dirty="0">
-                <a:latin typeface="Arial" panose="020B0604020202020204" pitchFamily="34" charset="0"/>
-                <a:cs typeface="Arial" panose="020B0604020202020204" pitchFamily="34" charset="0"/>
-              </a:rPr>
-              <a:t>Датчики Холла (или датчики положения) – это чувствительные элементы, реагирующие на величину воздействующего на них магнитного поля.</a:t>
-            </a:r>
-          </a:p>
-        </p:txBody>
-      </p:sp>
-      <p:sp>
-        <p:nvSpPr>
-          <p:cNvPr id="2" name="Прямоугольник 1">
-            <a:extLst>
-              <a:ext uri="{FF2B5EF4-FFF2-40B4-BE49-F238E27FC236}">
-                <a16:creationId xmlns:a16="http://schemas.microsoft.com/office/drawing/2014/main" id="{97AA40AC-87C3-4BB0-8790-D431B5241148}"/>
-              </a:ext>
-            </a:extLst>
-          </p:cNvPr>
-          <p:cNvSpPr/>
-          <p:nvPr/>
-        </p:nvSpPr>
-        <p:spPr>
-          <a:xfrm>
-            <a:off x="4344146" y="940539"/>
-            <a:ext cx="3551632" cy="1631216"/>
-          </a:xfrm>
-          <a:prstGeom prst="rect">
-            <a:avLst/>
-          </a:prstGeom>
-        </p:spPr>
-        <p:txBody>
-          <a:bodyPr wrap="square">
-            <a:spAutoFit/>
-          </a:bodyPr>
-          <a:lstStyle/>
-          <a:p>
-            <a:r>
-              <a:rPr lang="ru-RU" sz="2000" dirty="0">
-                <a:latin typeface="Arial" panose="020B0604020202020204" pitchFamily="34" charset="0"/>
-                <a:ea typeface="Times New Roman" panose="02020603050405020304" pitchFamily="18" charset="0"/>
-                <a:cs typeface="Arial" panose="020B0604020202020204" pitchFamily="34" charset="0"/>
-              </a:rPr>
-              <a:t>Гироскоп в телефоне – это специальный датчик, предназначенный для определения положения устройства в пространстве.</a:t>
-            </a:r>
-            <a:endParaRPr lang="ru-RU" sz="2000" dirty="0">
-              <a:latin typeface="Arial" panose="020B0604020202020204" pitchFamily="34" charset="0"/>
-              <a:cs typeface="Arial" panose="020B0604020202020204" pitchFamily="34" charset="0"/>
-            </a:endParaRPr>
-          </a:p>
-        </p:txBody>
-      </p:sp>
-      <p:pic>
-        <p:nvPicPr>
-          <p:cNvPr id="1026" name="Picture 2" descr="https://avatars.mds.yandex.net/get-snippets_images/1408404/17a480efd9bbccdca3c288f7c6e1dbe3/414x310">
-            <a:extLst>
-              <a:ext uri="{FF2B5EF4-FFF2-40B4-BE49-F238E27FC236}">
-                <a16:creationId xmlns:a16="http://schemas.microsoft.com/office/drawing/2014/main" id="{0D5B4070-AD8A-45AD-874E-B13BB21A9B6F}"/>
-              </a:ext>
-            </a:extLst>
-          </p:cNvPr>
-          <p:cNvPicPr>
-            <a:picLocks noChangeAspect="1" noChangeArrowheads="1"/>
-          </p:cNvPicPr>
-          <p:nvPr/>
-        </p:nvPicPr>
-        <p:blipFill>
-          <a:blip r:embed="rId2">
-            <a:extLst>
-              <a:ext uri="{28A0092B-C50C-407E-A947-70E740481C1C}">
-                <a14:useLocalDpi xmlns:a14="http://schemas.microsoft.com/office/drawing/2010/main" val="0"/>
-              </a:ext>
-            </a:extLst>
-          </a:blip>
-          <a:srcRect/>
-          <a:stretch>
-            <a:fillRect/>
-          </a:stretch>
-        </p:blipFill>
-        <p:spPr bwMode="auto">
-          <a:xfrm>
-            <a:off x="8736463" y="2850482"/>
-            <a:ext cx="2971800" cy="2952750"/>
-          </a:xfrm>
-          <a:prstGeom prst="rect">
-            <a:avLst/>
-          </a:prstGeom>
-          <a:noFill/>
-          <a:extLst>
-            <a:ext uri="{909E8E84-426E-40DD-AFC4-6F175D3DCCD1}">
-              <a14:hiddenFill xmlns:a14="http://schemas.microsoft.com/office/drawing/2010/main">
-                <a:solidFill>
-                  <a:srgbClr val="FFFFFF"/>
-                </a:solidFill>
-              </a14:hiddenFill>
-            </a:ext>
-          </a:extLst>
-        </p:spPr>
-      </p:pic>
-      <p:pic>
-        <p:nvPicPr>
-          <p:cNvPr id="1028" name="Picture 4" descr="Акселерометр: что это и зачем нужен?">
-            <a:extLst>
-              <a:ext uri="{FF2B5EF4-FFF2-40B4-BE49-F238E27FC236}">
-                <a16:creationId xmlns:a16="http://schemas.microsoft.com/office/drawing/2014/main" id="{A94D6D6E-32ED-4676-BD81-447680D59132}"/>
-              </a:ext>
-            </a:extLst>
-          </p:cNvPr>
-          <p:cNvPicPr>
-            <a:picLocks noChangeAspect="1" noChangeArrowheads="1"/>
-          </p:cNvPicPr>
-          <p:nvPr/>
-        </p:nvPicPr>
-        <p:blipFill>
-          <a:blip r:embed="rId3">
-            <a:extLst>
-              <a:ext uri="{28A0092B-C50C-407E-A947-70E740481C1C}">
-                <a14:useLocalDpi xmlns:a14="http://schemas.microsoft.com/office/drawing/2010/main" val="0"/>
-              </a:ext>
-            </a:extLst>
-          </a:blip>
-          <a:srcRect/>
-          <a:stretch>
-            <a:fillRect/>
-          </a:stretch>
-        </p:blipFill>
-        <p:spPr bwMode="auto">
-          <a:xfrm>
-            <a:off x="406574" y="2945732"/>
-            <a:ext cx="7620000" cy="2762250"/>
-          </a:xfrm>
-          <a:prstGeom prst="rect">
-            <a:avLst/>
-          </a:prstGeom>
-          <a:noFill/>
-          <a:extLst>
-            <a:ext uri="{909E8E84-426E-40DD-AFC4-6F175D3DCCD1}">
-              <a14:hiddenFill xmlns:a14="http://schemas.microsoft.com/office/drawing/2010/main">
-                <a:solidFill>
-                  <a:srgbClr val="FFFFFF"/>
-                </a:solidFill>
-              </a14:hiddenFill>
-            </a:ext>
-          </a:extLst>
-        </p:spPr>
-      </p:pic>
-    </p:spTree>
-    <p:extLst>
-      <p:ext uri="{BB962C8B-B14F-4D97-AF65-F5344CB8AC3E}">
-        <p14:creationId xmlns:p14="http://schemas.microsoft.com/office/powerpoint/2010/main" val="670338688"/>
-      </p:ext>
-    </p:extLst>
-  </p:cSld>
-  <p:clrMapOvr>
-    <a:masterClrMapping/>
-  </p:clrMapOvr>
-</p:sld>
-</file>
-
-<file path=ppt/slides/slide9.xml><?xml version="1.0" encoding="utf-8"?>
-<p:sld xmlns:a="http://schemas.openxmlformats.org/drawingml/2006/main" xmlns:r="http://schemas.openxmlformats.org/officeDocument/2006/relationships" xmlns:p="http://schemas.openxmlformats.org/presentationml/2006/main">
-  <p:cSld>
-    <p:spTree>
-      <p:nvGrpSpPr>
-        <p:cNvPr id="1" name=""/>
-        <p:cNvGrpSpPr/>
-        <p:nvPr/>
-      </p:nvGrpSpPr>
-      <p:grpSpPr>
-        <a:xfrm>
-          <a:off x="0" y="0"/>
-          <a:ext cx="0" cy="0"/>
-          <a:chOff x="0" y="0"/>
-          <a:chExt cx="0" cy="0"/>
-        </a:xfrm>
-      </p:grpSpPr>
-      <p:sp>
-        <p:nvSpPr>
-          <p:cNvPr id="5" name="TextBox 4"/>
-          <p:cNvSpPr txBox="1"/>
-          <p:nvPr/>
-        </p:nvSpPr>
-        <p:spPr>
-          <a:xfrm>
-            <a:off x="2351319" y="215407"/>
-            <a:ext cx="7898675" cy="523220"/>
-          </a:xfrm>
-          <a:prstGeom prst="rect">
-            <a:avLst/>
-          </a:prstGeom>
-          <a:noFill/>
-        </p:spPr>
-        <p:txBody>
-          <a:bodyPr wrap="square" rtlCol="0" anchor="ctr" anchorCtr="1">
-            <a:spAutoFit/>
-          </a:bodyPr>
-          <a:lstStyle/>
-          <a:p>
-            <a:pPr algn="ctr"/>
-            <a:r>
-              <a:rPr lang="en-US" sz="2800" dirty="0">
-                <a:solidFill>
-                  <a:schemeClr val="bg1"/>
-                </a:solidFill>
-                <a:latin typeface="Elektra Text Pro" panose="02000503030000020004" pitchFamily="50" charset="-52"/>
-              </a:rPr>
-              <a:t>Use-case </a:t>
-            </a:r>
-            <a:r>
-              <a:rPr lang="ru-RU" sz="2800" dirty="0">
-                <a:solidFill>
-                  <a:schemeClr val="bg1"/>
-                </a:solidFill>
-                <a:latin typeface="Elektra Text Pro" panose="02000503030000020004" pitchFamily="50" charset="-52"/>
-              </a:rPr>
-              <a:t>диаграмма</a:t>
-            </a:r>
-          </a:p>
-        </p:txBody>
-      </p:sp>
-      <p:sp>
-        <p:nvSpPr>
-          <p:cNvPr id="6" name="Номер слайда 2"/>
-          <p:cNvSpPr>
-            <a:spLocks noGrp="1"/>
-          </p:cNvSpPr>
-          <p:nvPr>
-            <p:ph type="sldNum" sz="quarter" idx="12"/>
-          </p:nvPr>
-        </p:nvSpPr>
-        <p:spPr>
-          <a:xfrm>
-            <a:off x="8736463" y="6356351"/>
-            <a:ext cx="2844430" cy="365125"/>
-          </a:xfrm>
-        </p:spPr>
-        <p:txBody>
-          <a:bodyPr/>
-          <a:lstStyle/>
-          <a:p>
-            <a:fld id="{E2656834-4BAB-4DB1-9FED-8310CA017EAF}" type="slidenum">
-              <a:rPr lang="ru-RU" sz="2000" b="1" smtClean="0">
-                <a:solidFill>
-                  <a:schemeClr val="tx1"/>
-                </a:solidFill>
-              </a:rPr>
-              <a:t>9</a:t>
-            </a:fld>
-            <a:endParaRPr lang="ru-RU" sz="2000" b="1" dirty="0">
-              <a:solidFill>
-                <a:schemeClr val="tx1"/>
-              </a:solidFill>
-            </a:endParaRPr>
-          </a:p>
-        </p:txBody>
-      </p:sp>
-      <p:pic>
-        <p:nvPicPr>
-          <p:cNvPr id="8" name="Рисунок 7">
-            <a:extLst>
-              <a:ext uri="{FF2B5EF4-FFF2-40B4-BE49-F238E27FC236}">
-                <a16:creationId xmlns:a16="http://schemas.microsoft.com/office/drawing/2014/main" id="{DE59A42D-E050-430C-A5F8-8A471B635B59}"/>
-              </a:ext>
-            </a:extLst>
-          </p:cNvPr>
-          <p:cNvPicPr/>
-          <p:nvPr/>
-        </p:nvPicPr>
-        <p:blipFill>
-          <a:blip r:embed="rId2"/>
-          <a:stretch>
-            <a:fillRect/>
-          </a:stretch>
-        </p:blipFill>
-        <p:spPr>
-          <a:xfrm>
-            <a:off x="1270670" y="858663"/>
-            <a:ext cx="9286934" cy="5680250"/>
-          </a:xfrm>
-          <a:prstGeom prst="rect">
-            <a:avLst/>
-          </a:prstGeom>
-        </p:spPr>
-      </p:pic>
-    </p:spTree>
-    <p:extLst>
-      <p:ext uri="{BB962C8B-B14F-4D97-AF65-F5344CB8AC3E}">
-        <p14:creationId xmlns:p14="http://schemas.microsoft.com/office/powerpoint/2010/main" val="2967912754"/>
       </p:ext>
     </p:extLst>
   </p:cSld>

--- a/Mavlyutov_V_D_prezentatsia.pptx
+++ b/Mavlyutov_V_D_prezentatsia.pptx
@@ -5,7 +5,7 @@
     <p:sldMasterId id="2147483648" r:id="rId1"/>
   </p:sldMasterIdLst>
   <p:notesMasterIdLst>
-    <p:notesMasterId r:id="rId17"/>
+    <p:notesMasterId r:id="rId19"/>
   </p:notesMasterIdLst>
   <p:sldIdLst>
     <p:sldId id="260" r:id="rId2"/>
@@ -21,8 +21,10 @@
     <p:sldId id="271" r:id="rId12"/>
     <p:sldId id="274" r:id="rId13"/>
     <p:sldId id="270" r:id="rId14"/>
-    <p:sldId id="268" r:id="rId15"/>
-    <p:sldId id="267" r:id="rId16"/>
+    <p:sldId id="279" r:id="rId15"/>
+    <p:sldId id="278" r:id="rId16"/>
+    <p:sldId id="268" r:id="rId17"/>
+    <p:sldId id="267" r:id="rId18"/>
   </p:sldIdLst>
   <p:sldSz cx="12190413" cy="6858000"/>
   <p:notesSz cx="6858000" cy="9144000"/>
@@ -1648,74 +1650,6 @@
         </a:p>
       </dgm:t>
     </dgm:pt>
-    <dgm:pt modelId="{62D63616-49FC-4848-B1FC-2EDF5ED4EDE1}">
-      <dgm:prSet phldrT="[Текст]" custT="1">
-        <dgm:style>
-          <a:lnRef idx="1">
-            <a:schemeClr val="accent1"/>
-          </a:lnRef>
-          <a:fillRef idx="2">
-            <a:schemeClr val="accent1"/>
-          </a:fillRef>
-          <a:effectRef idx="1">
-            <a:schemeClr val="accent1"/>
-          </a:effectRef>
-          <a:fontRef idx="minor">
-            <a:schemeClr val="dk1"/>
-          </a:fontRef>
-        </dgm:style>
-      </dgm:prSet>
-      <dgm:spPr/>
-      <dgm:t>
-        <a:bodyPr/>
-        <a:lstStyle/>
-        <a:p>
-          <a:pPr algn="ctr"/>
-          <a:r>
-            <a:rPr lang="ru-RU" sz="2400" dirty="0">
-              <a:solidFill>
-                <a:srgbClr val="FF0000"/>
-              </a:solidFill>
-              <a:latin typeface="Arial" panose="020B0604020202020204" pitchFamily="34" charset="0"/>
-              <a:cs typeface="Arial" panose="020B0604020202020204" pitchFamily="34" charset="0"/>
-            </a:rPr>
-            <a:t>новый метод навигации </a:t>
-          </a:r>
-          <a:r>
-            <a:rPr lang="ru-RU" sz="2400" dirty="0">
-              <a:solidFill>
-                <a:schemeClr val="tx1"/>
-              </a:solidFill>
-              <a:latin typeface="Arial" panose="020B0604020202020204" pitchFamily="34" charset="0"/>
-              <a:cs typeface="Arial" panose="020B0604020202020204" pitchFamily="34" charset="0"/>
-            </a:rPr>
-            <a:t>по датчикам смартфона, а также трехконтурная архитектура инерциальной навигационной системы для мобильного устройства</a:t>
-          </a:r>
-        </a:p>
-      </dgm:t>
-    </dgm:pt>
-    <dgm:pt modelId="{A3DF8D22-B8B5-44B0-B246-B0AF4AC2464B}" type="parTrans" cxnId="{B01741CB-C25D-4FC1-916A-A908E5C0FB2F}">
-      <dgm:prSet/>
-      <dgm:spPr/>
-      <dgm:t>
-        <a:bodyPr/>
-        <a:lstStyle/>
-        <a:p>
-          <a:endParaRPr lang="ru-RU" sz="1800"/>
-        </a:p>
-      </dgm:t>
-    </dgm:pt>
-    <dgm:pt modelId="{57589D84-CE02-4717-8A01-944EDA386A2A}" type="sibTrans" cxnId="{B01741CB-C25D-4FC1-916A-A908E5C0FB2F}">
-      <dgm:prSet/>
-      <dgm:spPr/>
-      <dgm:t>
-        <a:bodyPr/>
-        <a:lstStyle/>
-        <a:p>
-          <a:endParaRPr lang="ru-RU" sz="1800"/>
-        </a:p>
-      </dgm:t>
-    </dgm:pt>
     <dgm:pt modelId="{513D8890-C164-41AB-A91F-6BAC2EB9EDF4}">
       <dgm:prSet phldrT="[Текст]" custT="1">
         <dgm:style>
@@ -1739,15 +1673,16 @@
         <a:lstStyle/>
         <a:p>
           <a:r>
-            <a:rPr lang="ru-RU" sz="2400" dirty="0">
-              <a:solidFill>
-                <a:schemeClr val="tx1"/>
-              </a:solidFill>
-              <a:latin typeface="Arial" panose="020B0604020202020204" pitchFamily="34" charset="0"/>
-              <a:cs typeface="Arial" panose="020B0604020202020204" pitchFamily="34" charset="0"/>
-            </a:rPr>
-            <a:t>алгоритмы функционирования и программное обеспечение автоматизированной системы, реализующие предложенный метод построения маршрута</a:t>
+            <a:rPr lang="ru-RU" sz="2400" dirty="0"/>
+            <a:t>Анализ исследуемой задачи и современных направлений ее решения</a:t>
           </a:r>
+          <a:endParaRPr lang="ru-RU" sz="2400" dirty="0">
+            <a:solidFill>
+              <a:schemeClr val="tx1"/>
+            </a:solidFill>
+            <a:latin typeface="Arial" panose="020B0604020202020204" pitchFamily="34" charset="0"/>
+            <a:cs typeface="Arial" panose="020B0604020202020204" pitchFamily="34" charset="0"/>
+          </a:endParaRPr>
         </a:p>
       </dgm:t>
     </dgm:pt>
@@ -1773,6 +1708,122 @@
         </a:p>
       </dgm:t>
     </dgm:pt>
+    <dgm:pt modelId="{54317946-9AEE-41C3-A6B6-841B183D4919}">
+      <dgm:prSet phldrT="[Текст]" custT="1">
+        <dgm:style>
+          <a:lnRef idx="1">
+            <a:schemeClr val="accent1"/>
+          </a:lnRef>
+          <a:fillRef idx="2">
+            <a:schemeClr val="accent1"/>
+          </a:fillRef>
+          <a:effectRef idx="1">
+            <a:schemeClr val="accent1"/>
+          </a:effectRef>
+          <a:fontRef idx="minor">
+            <a:schemeClr val="dk1"/>
+          </a:fontRef>
+        </dgm:style>
+      </dgm:prSet>
+      <dgm:spPr/>
+      <dgm:t>
+        <a:bodyPr/>
+        <a:lstStyle/>
+        <a:p>
+          <a:r>
+            <a:rPr lang="ru-RU" sz="2400" dirty="0"/>
+            <a:t>Проектирование и программная реализация автоматизированной системы, позволяющей строить маршрут внутри помещений</a:t>
+          </a:r>
+          <a:endParaRPr lang="ru-RU" sz="2400" dirty="0">
+            <a:solidFill>
+              <a:schemeClr val="tx1"/>
+            </a:solidFill>
+            <a:latin typeface="Arial" panose="020B0604020202020204" pitchFamily="34" charset="0"/>
+            <a:cs typeface="Arial" panose="020B0604020202020204" pitchFamily="34" charset="0"/>
+          </a:endParaRPr>
+        </a:p>
+      </dgm:t>
+    </dgm:pt>
+    <dgm:pt modelId="{5C1F5385-0743-400B-9F82-50A9A9220C6F}" type="parTrans" cxnId="{C67E6FF0-8ADB-4066-9407-782DEA5FF4E6}">
+      <dgm:prSet/>
+      <dgm:spPr/>
+      <dgm:t>
+        <a:bodyPr/>
+        <a:lstStyle/>
+        <a:p>
+          <a:endParaRPr lang="ru-RU"/>
+        </a:p>
+      </dgm:t>
+    </dgm:pt>
+    <dgm:pt modelId="{88B05F3B-FD2E-4945-A9F2-A3921A201954}" type="sibTrans" cxnId="{C67E6FF0-8ADB-4066-9407-782DEA5FF4E6}">
+      <dgm:prSet/>
+      <dgm:spPr/>
+      <dgm:t>
+        <a:bodyPr/>
+        <a:lstStyle/>
+        <a:p>
+          <a:endParaRPr lang="ru-RU"/>
+        </a:p>
+      </dgm:t>
+    </dgm:pt>
+    <dgm:pt modelId="{400818C7-CB97-4FB7-BDDB-24592FCFB026}">
+      <dgm:prSet phldrT="[Текст]" custT="1">
+        <dgm:style>
+          <a:lnRef idx="1">
+            <a:schemeClr val="accent1"/>
+          </a:lnRef>
+          <a:fillRef idx="2">
+            <a:schemeClr val="accent1"/>
+          </a:fillRef>
+          <a:effectRef idx="1">
+            <a:schemeClr val="accent1"/>
+          </a:effectRef>
+          <a:fontRef idx="minor">
+            <a:schemeClr val="dk1"/>
+          </a:fontRef>
+        </dgm:style>
+      </dgm:prSet>
+      <dgm:spPr/>
+      <dgm:t>
+        <a:bodyPr/>
+        <a:lstStyle/>
+        <a:p>
+          <a:r>
+            <a:rPr lang="ru-RU" sz="2400" dirty="0"/>
+            <a:t>Экспериментальные исследования разработанной автоматизированной системы навигации внутри помещений с помощью инерциальной технологии локального позиционирования мобильных устройств</a:t>
+          </a:r>
+          <a:endParaRPr lang="ru-RU" sz="2400" dirty="0">
+            <a:solidFill>
+              <a:schemeClr val="tx1"/>
+            </a:solidFill>
+            <a:latin typeface="Arial" panose="020B0604020202020204" pitchFamily="34" charset="0"/>
+            <a:cs typeface="Arial" panose="020B0604020202020204" pitchFamily="34" charset="0"/>
+          </a:endParaRPr>
+        </a:p>
+      </dgm:t>
+    </dgm:pt>
+    <dgm:pt modelId="{EEE1DD3C-0BE5-493C-96DC-E3C816131C7D}" type="parTrans" cxnId="{99D17263-12E6-4471-B6F4-FBDDA337BDEE}">
+      <dgm:prSet/>
+      <dgm:spPr/>
+      <dgm:t>
+        <a:bodyPr/>
+        <a:lstStyle/>
+        <a:p>
+          <a:endParaRPr lang="ru-RU"/>
+        </a:p>
+      </dgm:t>
+    </dgm:pt>
+    <dgm:pt modelId="{27C82A3D-C249-4F57-A880-A5CD741F5F55}" type="sibTrans" cxnId="{99D17263-12E6-4471-B6F4-FBDDA337BDEE}">
+      <dgm:prSet/>
+      <dgm:spPr/>
+      <dgm:t>
+        <a:bodyPr/>
+        <a:lstStyle/>
+        <a:p>
+          <a:endParaRPr lang="ru-RU"/>
+        </a:p>
+      </dgm:t>
+    </dgm:pt>
     <dgm:pt modelId="{4E9ADEA8-8168-4C0E-90E6-31D66446B7DF}" type="pres">
       <dgm:prSet presAssocID="{477DE945-AF6E-474C-BBD1-0631CC17474C}" presName="diagram" presStyleCnt="0">
         <dgm:presLayoutVars>
@@ -1782,20 +1833,32 @@
       </dgm:prSet>
       <dgm:spPr/>
     </dgm:pt>
-    <dgm:pt modelId="{EEC5429C-F05A-4F04-BCAF-94DC0C3D656D}" type="pres">
-      <dgm:prSet presAssocID="{62D63616-49FC-4848-B1FC-2EDF5ED4EDE1}" presName="node" presStyleLbl="node1" presStyleIdx="0" presStyleCnt="2">
+    <dgm:pt modelId="{E4FF2E5D-BDB2-4113-9CEE-3B182029E05E}" type="pres">
+      <dgm:prSet presAssocID="{513D8890-C164-41AB-A91F-6BAC2EB9EDF4}" presName="node" presStyleLbl="node1" presStyleIdx="0" presStyleCnt="3" custScaleX="137408" custScaleY="139833">
         <dgm:presLayoutVars>
           <dgm:bulletEnabled val="1"/>
         </dgm:presLayoutVars>
       </dgm:prSet>
       <dgm:spPr/>
     </dgm:pt>
-    <dgm:pt modelId="{315E9DD5-D939-4B68-B7B2-A6C86AF10367}" type="pres">
-      <dgm:prSet presAssocID="{57589D84-CE02-4717-8A01-944EDA386A2A}" presName="sibTrans" presStyleCnt="0"/>
+    <dgm:pt modelId="{96E00AA8-0C0D-4D2E-AE20-CF01BA4B9A57}" type="pres">
+      <dgm:prSet presAssocID="{31E6B00F-6F7A-4828-BBB5-35EC02AFA568}" presName="sibTrans" presStyleCnt="0"/>
       <dgm:spPr/>
     </dgm:pt>
-    <dgm:pt modelId="{E4FF2E5D-BDB2-4113-9CEE-3B182029E05E}" type="pres">
-      <dgm:prSet presAssocID="{513D8890-C164-41AB-A91F-6BAC2EB9EDF4}" presName="node" presStyleLbl="node1" presStyleIdx="1" presStyleCnt="2">
+    <dgm:pt modelId="{0991A9D0-A838-4720-A150-12A7F2784782}" type="pres">
+      <dgm:prSet presAssocID="{54317946-9AEE-41C3-A6B6-841B183D4919}" presName="node" presStyleLbl="node1" presStyleIdx="1" presStyleCnt="3" custScaleX="140219" custScaleY="134170" custLinFactX="60605" custLinFactNeighborX="100000" custLinFactNeighborY="270">
+        <dgm:presLayoutVars>
+          <dgm:bulletEnabled val="1"/>
+        </dgm:presLayoutVars>
+      </dgm:prSet>
+      <dgm:spPr/>
+    </dgm:pt>
+    <dgm:pt modelId="{21C7C214-2CE4-4BA4-AEE9-1C82296B1802}" type="pres">
+      <dgm:prSet presAssocID="{88B05F3B-FD2E-4945-A9F2-A3921A201954}" presName="sibTrans" presStyleCnt="0"/>
+      <dgm:spPr/>
+    </dgm:pt>
+    <dgm:pt modelId="{30A29EF8-10E9-4049-823A-AFA586F3A09B}" type="pres">
+      <dgm:prSet presAssocID="{400818C7-CB97-4FB7-BDDB-24592FCFB026}" presName="node" presStyleLbl="node1" presStyleIdx="2" presStyleCnt="3" custScaleX="152896" custScaleY="226563" custLinFactX="-49965" custLinFactNeighborX="-100000" custLinFactNeighborY="-7486">
         <dgm:presLayoutVars>
           <dgm:bulletEnabled val="1"/>
         </dgm:presLayoutVars>
@@ -1804,14 +1867,18 @@
     </dgm:pt>
   </dgm:ptLst>
   <dgm:cxnLst>
-    <dgm:cxn modelId="{81383517-DC8D-4D76-80DE-EACD06EC8773}" type="presOf" srcId="{62D63616-49FC-4848-B1FC-2EDF5ED4EDE1}" destId="{EEC5429C-F05A-4F04-BCAF-94DC0C3D656D}" srcOrd="0" destOrd="0" presId="urn:microsoft.com/office/officeart/2005/8/layout/default"/>
     <dgm:cxn modelId="{3278C11D-2665-4E62-B0B3-7B8394788771}" type="presOf" srcId="{513D8890-C164-41AB-A91F-6BAC2EB9EDF4}" destId="{E4FF2E5D-BDB2-4113-9CEE-3B182029E05E}" srcOrd="0" destOrd="0" presId="urn:microsoft.com/office/officeart/2005/8/layout/default"/>
+    <dgm:cxn modelId="{99D17263-12E6-4471-B6F4-FBDDA337BDEE}" srcId="{477DE945-AF6E-474C-BBD1-0631CC17474C}" destId="{400818C7-CB97-4FB7-BDDB-24592FCFB026}" srcOrd="2" destOrd="0" parTransId="{EEE1DD3C-0BE5-493C-96DC-E3C816131C7D}" sibTransId="{27C82A3D-C249-4F57-A880-A5CD741F5F55}"/>
+    <dgm:cxn modelId="{0FB1CB77-4B53-4378-9E34-DC0123588286}" type="presOf" srcId="{54317946-9AEE-41C3-A6B6-841B183D4919}" destId="{0991A9D0-A838-4720-A150-12A7F2784782}" srcOrd="0" destOrd="0" presId="urn:microsoft.com/office/officeart/2005/8/layout/default"/>
     <dgm:cxn modelId="{5C58079F-7C53-41C6-AA20-E3C3EF262AAC}" type="presOf" srcId="{477DE945-AF6E-474C-BBD1-0631CC17474C}" destId="{4E9ADEA8-8168-4C0E-90E6-31D66446B7DF}" srcOrd="0" destOrd="0" presId="urn:microsoft.com/office/officeart/2005/8/layout/default"/>
-    <dgm:cxn modelId="{B01741CB-C25D-4FC1-916A-A908E5C0FB2F}" srcId="{477DE945-AF6E-474C-BBD1-0631CC17474C}" destId="{62D63616-49FC-4848-B1FC-2EDF5ED4EDE1}" srcOrd="0" destOrd="0" parTransId="{A3DF8D22-B8B5-44B0-B246-B0AF4AC2464B}" sibTransId="{57589D84-CE02-4717-8A01-944EDA386A2A}"/>
-    <dgm:cxn modelId="{56571EEC-C122-4308-8DAB-F321F603702F}" srcId="{477DE945-AF6E-474C-BBD1-0631CC17474C}" destId="{513D8890-C164-41AB-A91F-6BAC2EB9EDF4}" srcOrd="1" destOrd="0" parTransId="{F334E567-17C7-42AB-9EAB-EEE93887308E}" sibTransId="{31E6B00F-6F7A-4828-BBB5-35EC02AFA568}"/>
-    <dgm:cxn modelId="{D17C65D3-1A14-4D1D-9B94-1EC93A2A6CDB}" type="presParOf" srcId="{4E9ADEA8-8168-4C0E-90E6-31D66446B7DF}" destId="{EEC5429C-F05A-4F04-BCAF-94DC0C3D656D}" srcOrd="0" destOrd="0" presId="urn:microsoft.com/office/officeart/2005/8/layout/default"/>
-    <dgm:cxn modelId="{8997C636-C5F1-4A21-ABCC-D1BD8540DA54}" type="presParOf" srcId="{4E9ADEA8-8168-4C0E-90E6-31D66446B7DF}" destId="{315E9DD5-D939-4B68-B7B2-A6C86AF10367}" srcOrd="1" destOrd="0" presId="urn:microsoft.com/office/officeart/2005/8/layout/default"/>
-    <dgm:cxn modelId="{C27E4893-83D5-4604-94B2-1458583A86BC}" type="presParOf" srcId="{4E9ADEA8-8168-4C0E-90E6-31D66446B7DF}" destId="{E4FF2E5D-BDB2-4113-9CEE-3B182029E05E}" srcOrd="2" destOrd="0" presId="urn:microsoft.com/office/officeart/2005/8/layout/default"/>
+    <dgm:cxn modelId="{6B555DA9-2F33-4FC4-AA18-F1B814580642}" type="presOf" srcId="{400818C7-CB97-4FB7-BDDB-24592FCFB026}" destId="{30A29EF8-10E9-4049-823A-AFA586F3A09B}" srcOrd="0" destOrd="0" presId="urn:microsoft.com/office/officeart/2005/8/layout/default"/>
+    <dgm:cxn modelId="{56571EEC-C122-4308-8DAB-F321F603702F}" srcId="{477DE945-AF6E-474C-BBD1-0631CC17474C}" destId="{513D8890-C164-41AB-A91F-6BAC2EB9EDF4}" srcOrd="0" destOrd="0" parTransId="{F334E567-17C7-42AB-9EAB-EEE93887308E}" sibTransId="{31E6B00F-6F7A-4828-BBB5-35EC02AFA568}"/>
+    <dgm:cxn modelId="{C67E6FF0-8ADB-4066-9407-782DEA5FF4E6}" srcId="{477DE945-AF6E-474C-BBD1-0631CC17474C}" destId="{54317946-9AEE-41C3-A6B6-841B183D4919}" srcOrd="1" destOrd="0" parTransId="{5C1F5385-0743-400B-9F82-50A9A9220C6F}" sibTransId="{88B05F3B-FD2E-4945-A9F2-A3921A201954}"/>
+    <dgm:cxn modelId="{C27E4893-83D5-4604-94B2-1458583A86BC}" type="presParOf" srcId="{4E9ADEA8-8168-4C0E-90E6-31D66446B7DF}" destId="{E4FF2E5D-BDB2-4113-9CEE-3B182029E05E}" srcOrd="0" destOrd="0" presId="urn:microsoft.com/office/officeart/2005/8/layout/default"/>
+    <dgm:cxn modelId="{5AB1D713-E986-420B-971C-06F80E9387A2}" type="presParOf" srcId="{4E9ADEA8-8168-4C0E-90E6-31D66446B7DF}" destId="{96E00AA8-0C0D-4D2E-AE20-CF01BA4B9A57}" srcOrd="1" destOrd="0" presId="urn:microsoft.com/office/officeart/2005/8/layout/default"/>
+    <dgm:cxn modelId="{FDF169C5-E5AF-4D72-87D5-B7C99FA9A42F}" type="presParOf" srcId="{4E9ADEA8-8168-4C0E-90E6-31D66446B7DF}" destId="{0991A9D0-A838-4720-A150-12A7F2784782}" srcOrd="2" destOrd="0" presId="urn:microsoft.com/office/officeart/2005/8/layout/default"/>
+    <dgm:cxn modelId="{A5D2A1D6-968B-4C64-A0BC-BC3594DD11F7}" type="presParOf" srcId="{4E9ADEA8-8168-4C0E-90E6-31D66446B7DF}" destId="{21C7C214-2CE4-4BA4-AEE9-1C82296B1802}" srcOrd="3" destOrd="0" presId="urn:microsoft.com/office/officeart/2005/8/layout/default"/>
+    <dgm:cxn modelId="{5A9A3406-E79E-48F1-9959-5D849438158D}" type="presParOf" srcId="{4E9ADEA8-8168-4C0E-90E6-31D66446B7DF}" destId="{30A29EF8-10E9-4049-823A-AFA586F3A09B}" srcOrd="4" destOrd="0" presId="urn:microsoft.com/office/officeart/2005/8/layout/default"/>
   </dgm:cxnLst>
   <dgm:bg/>
   <dgm:whole/>
@@ -2329,15 +2396,15 @@
       <dsp:cNvGrpSpPr/>
     </dsp:nvGrpSpPr>
     <dsp:grpSpPr/>
-    <dsp:sp modelId="{EEC5429C-F05A-4F04-BCAF-94DC0C3D656D}">
+    <dsp:sp modelId="{E4FF2E5D-BDB2-4113-9CEE-3B182029E05E}">
       <dsp:nvSpPr>
         <dsp:cNvPr id="0" name=""/>
         <dsp:cNvSpPr/>
       </dsp:nvSpPr>
       <dsp:spPr>
         <a:xfrm>
-          <a:off x="1371" y="593627"/>
-          <a:ext cx="5347859" cy="3208715"/>
+          <a:off x="1036" y="962083"/>
+          <a:ext cx="3472500" cy="2120270"/>
         </a:xfrm>
         <a:prstGeom prst="rect">
           <a:avLst/>
@@ -2415,41 +2482,32 @@
             <a:buNone/>
           </a:pPr>
           <a:r>
-            <a:rPr lang="ru-RU" sz="2400" kern="1200" dirty="0">
-              <a:solidFill>
-                <a:srgbClr val="FF0000"/>
-              </a:solidFill>
-              <a:latin typeface="Arial" panose="020B0604020202020204" pitchFamily="34" charset="0"/>
-              <a:cs typeface="Arial" panose="020B0604020202020204" pitchFamily="34" charset="0"/>
-            </a:rPr>
-            <a:t>новый метод навигации </a:t>
+            <a:rPr lang="ru-RU" sz="2400" kern="1200" dirty="0"/>
+            <a:t>Анализ исследуемой задачи и современных направлений ее решения</a:t>
           </a:r>
-          <a:r>
-            <a:rPr lang="ru-RU" sz="2400" kern="1200" dirty="0">
-              <a:solidFill>
-                <a:schemeClr val="tx1"/>
-              </a:solidFill>
-              <a:latin typeface="Arial" panose="020B0604020202020204" pitchFamily="34" charset="0"/>
-              <a:cs typeface="Arial" panose="020B0604020202020204" pitchFamily="34" charset="0"/>
-            </a:rPr>
-            <a:t>по датчикам смартфона, а также трехконтурная архитектура инерциальной навигационной системы для мобильного устройства</a:t>
-          </a:r>
+          <a:endParaRPr lang="ru-RU" sz="2400" kern="1200" dirty="0">
+            <a:solidFill>
+              <a:schemeClr val="tx1"/>
+            </a:solidFill>
+            <a:latin typeface="Arial" panose="020B0604020202020204" pitchFamily="34" charset="0"/>
+            <a:cs typeface="Arial" panose="020B0604020202020204" pitchFamily="34" charset="0"/>
+          </a:endParaRPr>
         </a:p>
       </dsp:txBody>
       <dsp:txXfrm>
-        <a:off x="1371" y="593627"/>
-        <a:ext cx="5347859" cy="3208715"/>
+        <a:off x="1036" y="962083"/>
+        <a:ext cx="3472500" cy="2120270"/>
       </dsp:txXfrm>
     </dsp:sp>
-    <dsp:sp modelId="{E4FF2E5D-BDB2-4113-9CEE-3B182029E05E}">
+    <dsp:sp modelId="{0991A9D0-A838-4720-A150-12A7F2784782}">
       <dsp:nvSpPr>
         <dsp:cNvPr id="0" name=""/>
         <dsp:cNvSpPr/>
       </dsp:nvSpPr>
       <dsp:spPr>
         <a:xfrm>
-          <a:off x="5884016" y="593627"/>
-          <a:ext cx="5347859" cy="3208715"/>
+          <a:off x="7784973" y="1009111"/>
+          <a:ext cx="3543538" cy="2034402"/>
         </a:xfrm>
         <a:prstGeom prst="rect">
           <a:avLst/>
@@ -2527,20 +2585,124 @@
             <a:buNone/>
           </a:pPr>
           <a:r>
-            <a:rPr lang="ru-RU" sz="2400" kern="1200" dirty="0">
-              <a:solidFill>
-                <a:schemeClr val="tx1"/>
-              </a:solidFill>
-              <a:latin typeface="Arial" panose="020B0604020202020204" pitchFamily="34" charset="0"/>
-              <a:cs typeface="Arial" panose="020B0604020202020204" pitchFamily="34" charset="0"/>
-            </a:rPr>
-            <a:t>алгоритмы функционирования и программное обеспечение автоматизированной системы, реализующие предложенный метод построения маршрута</a:t>
+            <a:rPr lang="ru-RU" sz="2400" kern="1200" dirty="0"/>
+            <a:t>Проектирование и программная реализация автоматизированной системы, позволяющей строить маршрут внутри помещений</a:t>
           </a:r>
+          <a:endParaRPr lang="ru-RU" sz="2400" kern="1200" dirty="0">
+            <a:solidFill>
+              <a:schemeClr val="tx1"/>
+            </a:solidFill>
+            <a:latin typeface="Arial" panose="020B0604020202020204" pitchFamily="34" charset="0"/>
+            <a:cs typeface="Arial" panose="020B0604020202020204" pitchFamily="34" charset="0"/>
+          </a:endParaRPr>
         </a:p>
       </dsp:txBody>
       <dsp:txXfrm>
-        <a:off x="5884016" y="593627"/>
-        <a:ext cx="5347859" cy="3208715"/>
+        <a:off x="7784973" y="1009111"/>
+        <a:ext cx="3543538" cy="2034402"/>
+      </dsp:txXfrm>
+    </dsp:sp>
+    <dsp:sp modelId="{30A29EF8-10E9-4049-823A-AFA586F3A09B}">
+      <dsp:nvSpPr>
+        <dsp:cNvPr id="0" name=""/>
+        <dsp:cNvSpPr/>
+      </dsp:nvSpPr>
+      <dsp:spPr>
+        <a:xfrm>
+          <a:off x="3732670" y="191036"/>
+          <a:ext cx="3863904" cy="3435346"/>
+        </a:xfrm>
+        <a:prstGeom prst="rect">
+          <a:avLst/>
+        </a:prstGeom>
+        <a:gradFill rotWithShape="1">
+          <a:gsLst>
+            <a:gs pos="0">
+              <a:schemeClr val="accent1">
+                <a:tint val="50000"/>
+                <a:satMod val="300000"/>
+              </a:schemeClr>
+            </a:gs>
+            <a:gs pos="35000">
+              <a:schemeClr val="accent1">
+                <a:tint val="37000"/>
+                <a:satMod val="300000"/>
+              </a:schemeClr>
+            </a:gs>
+            <a:gs pos="100000">
+              <a:schemeClr val="accent1">
+                <a:tint val="15000"/>
+                <a:satMod val="350000"/>
+              </a:schemeClr>
+            </a:gs>
+          </a:gsLst>
+          <a:lin ang="16200000" scaled="1"/>
+        </a:gradFill>
+        <a:ln w="9525" cap="flat" cmpd="sng" algn="ctr">
+          <a:solidFill>
+            <a:schemeClr val="accent1">
+              <a:shade val="95000"/>
+              <a:satMod val="105000"/>
+            </a:schemeClr>
+          </a:solidFill>
+          <a:prstDash val="solid"/>
+        </a:ln>
+        <a:effectLst>
+          <a:outerShdw blurRad="40000" dist="20000" dir="5400000" rotWithShape="0">
+            <a:srgbClr val="000000">
+              <a:alpha val="38000"/>
+            </a:srgbClr>
+          </a:outerShdw>
+        </a:effectLst>
+      </dsp:spPr>
+      <dsp:style>
+        <a:lnRef idx="1">
+          <a:schemeClr val="accent1"/>
+        </a:lnRef>
+        <a:fillRef idx="2">
+          <a:schemeClr val="accent1"/>
+        </a:fillRef>
+        <a:effectRef idx="1">
+          <a:schemeClr val="accent1"/>
+        </a:effectRef>
+        <a:fontRef idx="minor">
+          <a:schemeClr val="dk1"/>
+        </a:fontRef>
+      </dsp:style>
+      <dsp:txBody>
+        <a:bodyPr spcFirstLastPara="0" vert="horz" wrap="square" lIns="91440" tIns="91440" rIns="91440" bIns="91440" numCol="1" spcCol="1270" anchor="ctr" anchorCtr="0">
+          <a:noAutofit/>
+        </a:bodyPr>
+        <a:lstStyle/>
+        <a:p>
+          <a:pPr marL="0" lvl="0" indent="0" algn="ctr" defTabSz="1066800">
+            <a:lnSpc>
+              <a:spcPct val="90000"/>
+            </a:lnSpc>
+            <a:spcBef>
+              <a:spcPct val="0"/>
+            </a:spcBef>
+            <a:spcAft>
+              <a:spcPct val="35000"/>
+            </a:spcAft>
+            <a:buNone/>
+          </a:pPr>
+          <a:r>
+            <a:rPr lang="ru-RU" sz="2400" kern="1200" dirty="0"/>
+            <a:t>Экспериментальные исследования разработанной автоматизированной системы навигации внутри помещений с помощью инерциальной технологии локального позиционирования мобильных устройств</a:t>
+          </a:r>
+          <a:endParaRPr lang="ru-RU" sz="2400" kern="1200" dirty="0">
+            <a:solidFill>
+              <a:schemeClr val="tx1"/>
+            </a:solidFill>
+            <a:latin typeface="Arial" panose="020B0604020202020204" pitchFamily="34" charset="0"/>
+            <a:cs typeface="Arial" panose="020B0604020202020204" pitchFamily="34" charset="0"/>
+          </a:endParaRPr>
+        </a:p>
+      </dsp:txBody>
+      <dsp:txXfrm>
+        <a:off x="3732670" y="191036"/>
+        <a:ext cx="3863904" cy="3435346"/>
       </dsp:txXfrm>
     </dsp:sp>
   </dsp:spTree>
@@ -6856,7 +7018,7 @@
           <a:p>
             <a:fld id="{53C77590-BFB8-41C1-9934-3E9D93CB747F}" type="datetimeFigureOut">
               <a:rPr lang="ru-RU" smtClean="0"/>
-              <a:t>15.05.2021</a:t>
+              <a:t>16.05.2021</a:t>
             </a:fld>
             <a:endParaRPr lang="ru-RU"/>
           </a:p>
@@ -7302,7 +7464,7 @@
           <a:p>
             <a:fld id="{2E1FEAF3-9EA9-4E4D-ACE9-F210CFF472D4}" type="datetime1">
               <a:rPr lang="ru-RU" smtClean="0"/>
-              <a:t>15.05.2021</a:t>
+              <a:t>16.05.2021</a:t>
             </a:fld>
             <a:endParaRPr lang="ru-RU"/>
           </a:p>
@@ -7470,7 +7632,7 @@
           <a:p>
             <a:fld id="{6072DF79-AD55-4BBF-AF0E-B3006BD9FC63}" type="datetime1">
               <a:rPr lang="ru-RU" smtClean="0"/>
-              <a:t>15.05.2021</a:t>
+              <a:t>16.05.2021</a:t>
             </a:fld>
             <a:endParaRPr lang="ru-RU"/>
           </a:p>
@@ -7648,7 +7810,7 @@
           <a:p>
             <a:fld id="{A8D09B17-A5AA-4114-B340-E9B3D535CAF1}" type="datetime1">
               <a:rPr lang="ru-RU" smtClean="0"/>
-              <a:t>15.05.2021</a:t>
+              <a:t>16.05.2021</a:t>
             </a:fld>
             <a:endParaRPr lang="ru-RU"/>
           </a:p>
@@ -7816,7 +7978,7 @@
           <a:p>
             <a:fld id="{BBDF64E6-2A5B-429D-84D2-1CEB73CFD494}" type="datetime1">
               <a:rPr lang="ru-RU" smtClean="0"/>
-              <a:t>15.05.2021</a:t>
+              <a:t>16.05.2021</a:t>
             </a:fld>
             <a:endParaRPr lang="ru-RU"/>
           </a:p>
@@ -8061,7 +8223,7 @@
           <a:p>
             <a:fld id="{9D7D6FD7-2330-440F-8729-44A50140D3A0}" type="datetime1">
               <a:rPr lang="ru-RU" smtClean="0"/>
-              <a:t>15.05.2021</a:t>
+              <a:t>16.05.2021</a:t>
             </a:fld>
             <a:endParaRPr lang="ru-RU"/>
           </a:p>
@@ -8346,7 +8508,7 @@
           <a:p>
             <a:fld id="{AD67EAE2-7930-4E8D-B42F-C75B0C353EE8}" type="datetime1">
               <a:rPr lang="ru-RU" smtClean="0"/>
-              <a:t>15.05.2021</a:t>
+              <a:t>16.05.2021</a:t>
             </a:fld>
             <a:endParaRPr lang="ru-RU"/>
           </a:p>
@@ -8765,7 +8927,7 @@
           <a:p>
             <a:fld id="{F5D6F513-D6BA-4B35-B772-88E770267A04}" type="datetime1">
               <a:rPr lang="ru-RU" smtClean="0"/>
-              <a:t>15.05.2021</a:t>
+              <a:t>16.05.2021</a:t>
             </a:fld>
             <a:endParaRPr lang="ru-RU"/>
           </a:p>
@@ -8882,7 +9044,7 @@
           <a:p>
             <a:fld id="{98307C8F-3427-4E0C-8A2A-E5C00596762D}" type="datetime1">
               <a:rPr lang="ru-RU" smtClean="0"/>
-              <a:t>15.05.2021</a:t>
+              <a:t>16.05.2021</a:t>
             </a:fld>
             <a:endParaRPr lang="ru-RU"/>
           </a:p>
@@ -8977,7 +9139,7 @@
           <a:p>
             <a:fld id="{ADE8478E-AABB-42F7-8174-B5FAD693316E}" type="datetime1">
               <a:rPr lang="ru-RU" smtClean="0"/>
-              <a:t>15.05.2021</a:t>
+              <a:t>16.05.2021</a:t>
             </a:fld>
             <a:endParaRPr lang="ru-RU"/>
           </a:p>
@@ -9252,7 +9414,7 @@
           <a:p>
             <a:fld id="{18E1BB3D-0B3A-4730-BB8B-C96F0F23C850}" type="datetime1">
               <a:rPr lang="ru-RU" smtClean="0"/>
-              <a:t>15.05.2021</a:t>
+              <a:t>16.05.2021</a:t>
             </a:fld>
             <a:endParaRPr lang="ru-RU"/>
           </a:p>
@@ -9504,7 +9666,7 @@
           <a:p>
             <a:fld id="{515F4F15-E020-44F3-BCC8-24320E990345}" type="datetime1">
               <a:rPr lang="ru-RU" smtClean="0"/>
-              <a:t>15.05.2021</a:t>
+              <a:t>16.05.2021</a:t>
             </a:fld>
             <a:endParaRPr lang="ru-RU"/>
           </a:p>
@@ -9724,7 +9886,7 @@
           <a:p>
             <a:fld id="{A22415F4-83CD-4779-9756-B7C80E8C6DAD}" type="datetime1">
               <a:rPr lang="ru-RU" smtClean="0"/>
-              <a:t>15.05.2021</a:t>
+              <a:t>16.05.2021</a:t>
             </a:fld>
             <a:endParaRPr lang="ru-RU"/>
           </a:p>
@@ -11007,8 +11169,8 @@
         </p:nvSpPr>
         <p:spPr>
           <a:xfrm>
-            <a:off x="2351319" y="215407"/>
-            <a:ext cx="7898675" cy="523220"/>
+            <a:off x="825542" y="215407"/>
+            <a:ext cx="11030304" cy="523220"/>
           </a:xfrm>
           <a:prstGeom prst="rect">
             <a:avLst/>
@@ -11021,15 +11183,15 @@
           </a:bodyPr>
           <a:lstStyle/>
           <a:p>
-            <a:pPr algn="ctr"/>
+            <a:pPr indent="450215" algn="ctr"/>
             <a:r>
               <a:rPr lang="ru-RU" sz="2800" dirty="0">
                 <a:solidFill>
-                  <a:srgbClr val="FF0000"/>
+                  <a:schemeClr val="bg1"/>
                 </a:solidFill>
                 <a:latin typeface="Elektra Text Pro" panose="02000503030000020004" pitchFamily="50" charset="-52"/>
               </a:rPr>
-              <a:t>Схема работы приложения</a:t>
+              <a:t>Трехконтурная архитектура мобильного приложения</a:t>
             </a:r>
           </a:p>
         </p:txBody>
@@ -11165,7 +11327,7 @@
                 </a:solidFill>
                 <a:latin typeface="Elektra Text Pro" panose="02000503030000020004" pitchFamily="50" charset="-52"/>
               </a:rPr>
-              <a:t>Функции системы</a:t>
+              <a:t>Функции мобильного приложения</a:t>
             </a:r>
           </a:p>
         </p:txBody>
@@ -11185,7 +11347,7 @@
         <p:spPr>
           <a:xfrm>
             <a:off x="838622" y="914722"/>
-            <a:ext cx="10945216" cy="5565947"/>
+            <a:ext cx="10945216" cy="5575052"/>
           </a:xfrm>
           <a:prstGeom prst="rect">
             <a:avLst/>
@@ -11210,234 +11372,73 @@
               </a:tabLst>
             </a:pPr>
             <a:r>
-              <a:rPr lang="ru-RU" sz="2400" dirty="0">
-                <a:ea typeface="Times New Roman" panose="02020603050405020304" pitchFamily="18" charset="0"/>
-              </a:rPr>
-              <a:t>Требуется разработать </a:t>
+              <a:rPr lang="ru-RU" sz="2400" dirty="0"/>
+              <a:t>Система будет функционировать с использованием аппаратных средств смартфона (акселерометр, гироскоп, магнетометр) и обладающая следующими функциональными возможностями: </a:t>
             </a:r>
-            <a:r>
-              <a:rPr lang="ru-RU" sz="2400" dirty="0">
-                <a:solidFill>
-                  <a:srgbClr val="FF0000"/>
-                </a:solidFill>
-                <a:ea typeface="Times New Roman" panose="02020603050405020304" pitchFamily="18" charset="0"/>
-              </a:rPr>
-              <a:t>мобильное приложение</a:t>
-            </a:r>
-            <a:r>
-              <a:rPr lang="ru-RU" sz="2400" dirty="0">
-                <a:ea typeface="Times New Roman" panose="02020603050405020304" pitchFamily="18" charset="0"/>
-              </a:rPr>
-              <a:t>, которое обеспечит инерциальную навигацию с использованием методов, технологий и датчиков.</a:t>
-            </a:r>
-          </a:p>
-          <a:p>
-            <a:pPr lvl="0" algn="just">
+          </a:p>
+          <a:p>
+            <a:pPr marL="342900" lvl="0" indent="-342900">
               <a:lnSpc>
                 <a:spcPct val="150000"/>
               </a:lnSpc>
-              <a:spcAft>
-                <a:spcPts val="0"/>
-              </a:spcAft>
-              <a:buSzPts val="1400"/>
-              <a:tabLst>
-                <a:tab pos="900430" algn="l"/>
-              </a:tabLst>
+              <a:buFont typeface="Wingdings" panose="05000000000000000000" pitchFamily="2" charset="2"/>
+              <a:buChar char="ü"/>
             </a:pPr>
             <a:r>
-              <a:rPr lang="ru-RU" sz="2400" dirty="0">
-                <a:ea typeface="Times New Roman" panose="02020603050405020304" pitchFamily="18" charset="0"/>
-                <a:cs typeface="Palatino Linotype" panose="02040502050505030304" pitchFamily="18" charset="0"/>
-              </a:rPr>
-              <a:t>Мобильное приложение должно:</a:t>
+              <a:rPr lang="ru-RU" sz="2400" dirty="0"/>
+              <a:t>определение и отображение направления, в котором осуществляется движение; </a:t>
             </a:r>
           </a:p>
           <a:p>
-            <a:pPr marL="342900" lvl="0" indent="-342900" algn="just">
+            <a:pPr marL="342900" lvl="0" indent="-342900">
               <a:lnSpc>
                 <a:spcPct val="150000"/>
               </a:lnSpc>
-              <a:spcAft>
-                <a:spcPts val="0"/>
-              </a:spcAft>
-              <a:buSzPts val="1400"/>
-              <a:buFont typeface="Arial" panose="020B0604020202020204" pitchFamily="34" charset="0"/>
-              <a:buChar char="•"/>
-              <a:tabLst>
-                <a:tab pos="900430" algn="l"/>
-              </a:tabLst>
+              <a:buFont typeface="Wingdings" panose="05000000000000000000" pitchFamily="2" charset="2"/>
+              <a:buChar char="ü"/>
             </a:pPr>
             <a:r>
-              <a:rPr lang="ru-RU" sz="2400" dirty="0">
-                <a:solidFill>
-                  <a:srgbClr val="FF0000"/>
-                </a:solidFill>
-                <a:ea typeface="Times New Roman" panose="02020603050405020304" pitchFamily="18" charset="0"/>
-                <a:cs typeface="Palatino Linotype" panose="02040502050505030304" pitchFamily="18" charset="0"/>
-              </a:rPr>
-              <a:t>иметь</a:t>
+              <a:rPr lang="ru-RU" sz="2400" dirty="0"/>
+              <a:t>поиск маршрута;</a:t>
             </a:r>
-            <a:r>
-              <a:rPr lang="ru-RU" sz="2400" dirty="0">
-                <a:ea typeface="Times New Roman" panose="02020603050405020304" pitchFamily="18" charset="0"/>
-                <a:cs typeface="Palatino Linotype" panose="02040502050505030304" pitchFamily="18" charset="0"/>
-              </a:rPr>
-              <a:t> карту;</a:t>
-            </a:r>
-          </a:p>
-          <a:p>
-            <a:pPr marL="342900" lvl="0" indent="-342900" algn="just">
+          </a:p>
+          <a:p>
+            <a:pPr marL="342900" lvl="0" indent="-342900">
               <a:lnSpc>
                 <a:spcPct val="150000"/>
               </a:lnSpc>
-              <a:spcAft>
-                <a:spcPts val="0"/>
-              </a:spcAft>
-              <a:buSzPts val="1400"/>
-              <a:buFont typeface="Arial" panose="020B0604020202020204" pitchFamily="34" charset="0"/>
-              <a:buChar char="•"/>
-              <a:tabLst>
-                <a:tab pos="900430" algn="l"/>
-              </a:tabLst>
+              <a:buFont typeface="Wingdings" panose="05000000000000000000" pitchFamily="2" charset="2"/>
+              <a:buChar char="ü"/>
             </a:pPr>
             <a:r>
-              <a:rPr lang="ru-RU" sz="2400" dirty="0">
-                <a:ea typeface="Times New Roman" panose="02020603050405020304" pitchFamily="18" charset="0"/>
-                <a:cs typeface="Palatino Linotype" panose="02040502050505030304" pitchFamily="18" charset="0"/>
-              </a:rPr>
-              <a:t>строить маршруты;</a:t>
+              <a:rPr lang="ru-RU" sz="2400" dirty="0"/>
+              <a:t>просмотр, пройденных маршрутов пользователем;</a:t>
             </a:r>
           </a:p>
           <a:p>
-            <a:pPr marL="342900" lvl="0" indent="-342900" algn="just">
+            <a:pPr marL="342900" lvl="0" indent="-342900">
               <a:lnSpc>
                 <a:spcPct val="150000"/>
               </a:lnSpc>
-              <a:spcAft>
-                <a:spcPts val="0"/>
-              </a:spcAft>
-              <a:buSzPts val="1400"/>
-              <a:buFont typeface="Arial" panose="020B0604020202020204" pitchFamily="34" charset="0"/>
-              <a:buChar char="•"/>
-              <a:tabLst>
-                <a:tab pos="900430" algn="l"/>
-              </a:tabLst>
+              <a:buFont typeface="Wingdings" panose="05000000000000000000" pitchFamily="2" charset="2"/>
+              <a:buChar char="ü"/>
             </a:pPr>
             <a:r>
-              <a:rPr lang="ru-RU" sz="2400" dirty="0">
-                <a:ea typeface="Times New Roman" panose="02020603050405020304" pitchFamily="18" charset="0"/>
-                <a:cs typeface="Palatino Linotype" panose="02040502050505030304" pitchFamily="18" charset="0"/>
-              </a:rPr>
-              <a:t>вести базу данных пройденных маршрутов;</a:t>
+              <a:rPr lang="ru-RU" sz="2400" dirty="0"/>
+              <a:t>осуществление замеров расстояния, на которое переместилось мобильное устройство; </a:t>
             </a:r>
           </a:p>
           <a:p>
-            <a:pPr marL="342900" lvl="0" indent="-342900" algn="just">
+            <a:pPr marL="342900" lvl="0" indent="-342900">
               <a:lnSpc>
                 <a:spcPct val="150000"/>
               </a:lnSpc>
-              <a:spcAft>
-                <a:spcPts val="0"/>
-              </a:spcAft>
-              <a:buSzPts val="1400"/>
-              <a:buFont typeface="Arial" panose="020B0604020202020204" pitchFamily="34" charset="0"/>
-              <a:buChar char="•"/>
-              <a:tabLst>
-                <a:tab pos="900430" algn="l"/>
-              </a:tabLst>
+              <a:buFont typeface="Wingdings" panose="05000000000000000000" pitchFamily="2" charset="2"/>
+              <a:buChar char="ü"/>
             </a:pPr>
             <a:r>
-              <a:rPr lang="ru-RU" sz="2400" dirty="0">
-                <a:ea typeface="Times New Roman" panose="02020603050405020304" pitchFamily="18" charset="0"/>
-                <a:cs typeface="Palatino Linotype" panose="02040502050505030304" pitchFamily="18" charset="0"/>
-              </a:rPr>
-              <a:t>обеспечить доступ к данным;</a:t>
-            </a:r>
-          </a:p>
-          <a:p>
-            <a:pPr marL="342900" lvl="0" indent="-342900" algn="just">
-              <a:lnSpc>
-                <a:spcPct val="150000"/>
-              </a:lnSpc>
-              <a:spcAft>
-                <a:spcPts val="0"/>
-              </a:spcAft>
-              <a:buSzPts val="1400"/>
-              <a:buFont typeface="Arial" panose="020B0604020202020204" pitchFamily="34" charset="0"/>
-              <a:buChar char="•"/>
-              <a:tabLst>
-                <a:tab pos="900430" algn="l"/>
-              </a:tabLst>
-            </a:pPr>
-            <a:r>
-              <a:rPr lang="ru-RU" sz="2400" dirty="0">
-                <a:ea typeface="Times New Roman" panose="02020603050405020304" pitchFamily="18" charset="0"/>
-                <a:cs typeface="Palatino Linotype" panose="02040502050505030304" pitchFamily="18" charset="0"/>
-              </a:rPr>
-              <a:t>предоставить пользователю настраивать гибкую настройку датчиков;</a:t>
-            </a:r>
-          </a:p>
-          <a:p>
-            <a:pPr marL="342900" lvl="0" indent="-342900" algn="just">
-              <a:lnSpc>
-                <a:spcPct val="150000"/>
-              </a:lnSpc>
-              <a:spcAft>
-                <a:spcPts val="0"/>
-              </a:spcAft>
-              <a:buSzPts val="1400"/>
-              <a:buFont typeface="Arial" panose="020B0604020202020204" pitchFamily="34" charset="0"/>
-              <a:buChar char="•"/>
-              <a:tabLst>
-                <a:tab pos="900430" algn="l"/>
-              </a:tabLst>
-            </a:pPr>
-            <a:r>
-              <a:rPr lang="ru-RU" sz="2400" dirty="0">
-                <a:ea typeface="Times New Roman" panose="02020603050405020304" pitchFamily="18" charset="0"/>
-                <a:cs typeface="Palatino Linotype" panose="02040502050505030304" pitchFamily="18" charset="0"/>
-              </a:rPr>
-              <a:t>строить </a:t>
-            </a:r>
-            <a:r>
-              <a:rPr lang="ru-RU" sz="2400" dirty="0">
-                <a:solidFill>
-                  <a:srgbClr val="FF0000"/>
-                </a:solidFill>
-                <a:ea typeface="Times New Roman" panose="02020603050405020304" pitchFamily="18" charset="0"/>
-                <a:cs typeface="Palatino Linotype" panose="02040502050505030304" pitchFamily="18" charset="0"/>
-              </a:rPr>
-              <a:t>гладкий</a:t>
-            </a:r>
-            <a:r>
-              <a:rPr lang="ru-RU" sz="2400" dirty="0">
-                <a:ea typeface="Times New Roman" panose="02020603050405020304" pitchFamily="18" charset="0"/>
-                <a:cs typeface="Palatino Linotype" panose="02040502050505030304" pitchFamily="18" charset="0"/>
-              </a:rPr>
-              <a:t> маршрут;</a:t>
-            </a:r>
-          </a:p>
-          <a:p>
-            <a:pPr marL="342900" lvl="0" indent="-342900" algn="just">
-              <a:lnSpc>
-                <a:spcPct val="150000"/>
-              </a:lnSpc>
-              <a:spcAft>
-                <a:spcPts val="0"/>
-              </a:spcAft>
-              <a:buSzPts val="1400"/>
-              <a:buFont typeface="Arial" panose="020B0604020202020204" pitchFamily="34" charset="0"/>
-              <a:buChar char="•"/>
-              <a:tabLst>
-                <a:tab pos="900430" algn="l"/>
-              </a:tabLst>
-            </a:pPr>
-            <a:r>
-              <a:rPr lang="ru-RU" sz="2400" dirty="0">
-                <a:ea typeface="Times New Roman" panose="02020603050405020304" pitchFamily="18" charset="0"/>
-                <a:cs typeface="Palatino Linotype" panose="02040502050505030304" pitchFamily="18" charset="0"/>
-              </a:rPr>
-              <a:t>вести мониторинг показателей с датчиков. </a:t>
+              <a:rPr lang="ru-RU" sz="2400" dirty="0"/>
+              <a:t>определение местоположения при указании координат начальной точки. </a:t>
             </a:r>
           </a:p>
         </p:txBody>
@@ -12330,148 +12331,8 @@
                 </a:solidFill>
                 <a:latin typeface="Elektra Text Pro" panose="02000503030000020004" pitchFamily="50" charset="-52"/>
               </a:rPr>
-              <a:t>Заключение</a:t>
+              <a:t>Интерфейс мобильного приложения</a:t>
             </a:r>
-          </a:p>
-        </p:txBody>
-      </p:sp>
-      <p:sp>
-        <p:nvSpPr>
-          <p:cNvPr id="6" name="TextBox 5"/>
-          <p:cNvSpPr txBox="1"/>
-          <p:nvPr/>
-        </p:nvSpPr>
-        <p:spPr>
-          <a:xfrm>
-            <a:off x="447512" y="1319282"/>
-            <a:ext cx="11295387" cy="3108543"/>
-          </a:xfrm>
-          <a:prstGeom prst="rect">
-            <a:avLst/>
-          </a:prstGeom>
-        </p:spPr>
-        <p:txBody>
-          <a:bodyPr vert="horz" wrap="square" lIns="91440" tIns="45720" rIns="91440" bIns="45720" rtlCol="0" anchor="ctr">
-            <a:spAutoFit/>
-          </a:bodyPr>
-          <a:lstStyle/>
-          <a:p>
-            <a:pPr marL="285750" indent="-285750" algn="just">
-              <a:buFont typeface="Arial" panose="020B0604020202020204" pitchFamily="34" charset="0"/>
-              <a:buChar char="•"/>
-            </a:pPr>
-            <a:r>
-              <a:rPr lang="ru-RU" sz="2800" dirty="0">
-                <a:latin typeface="Arial" panose="020B0604020202020204" pitchFamily="34" charset="0"/>
-                <a:cs typeface="Arial" panose="020B0604020202020204" pitchFamily="34" charset="0"/>
-              </a:rPr>
-              <a:t>Проведен анализ предметной области</a:t>
-            </a:r>
-          </a:p>
-          <a:p>
-            <a:pPr marL="285750" indent="-285750" algn="just">
-              <a:buFont typeface="Arial" panose="020B0604020202020204" pitchFamily="34" charset="0"/>
-              <a:buChar char="•"/>
-            </a:pPr>
-            <a:r>
-              <a:rPr lang="ru-RU" sz="2800" dirty="0">
-                <a:latin typeface="Arial" panose="020B0604020202020204" pitchFamily="34" charset="0"/>
-                <a:cs typeface="Arial" panose="020B0604020202020204" pitchFamily="34" charset="0"/>
-              </a:rPr>
-              <a:t>Проведен обзор систем-аналогов</a:t>
-            </a:r>
-          </a:p>
-          <a:p>
-            <a:pPr marL="285750" indent="-285750" algn="just">
-              <a:buFont typeface="Arial" panose="020B0604020202020204" pitchFamily="34" charset="0"/>
-              <a:buChar char="•"/>
-            </a:pPr>
-            <a:r>
-              <a:rPr lang="ru-RU" sz="2800" dirty="0">
-                <a:latin typeface="Arial" panose="020B0604020202020204" pitchFamily="34" charset="0"/>
-                <a:cs typeface="Arial" panose="020B0604020202020204" pitchFamily="34" charset="0"/>
-              </a:rPr>
-              <a:t>Разработана логическая и физическая модель данных</a:t>
-            </a:r>
-          </a:p>
-          <a:p>
-            <a:pPr marL="285750" indent="-285750" algn="just">
-              <a:buFont typeface="Arial" panose="020B0604020202020204" pitchFamily="34" charset="0"/>
-              <a:buChar char="•"/>
-            </a:pPr>
-            <a:r>
-              <a:rPr lang="ru-RU" sz="2800" dirty="0">
-                <a:latin typeface="Arial" panose="020B0604020202020204" pitchFamily="34" charset="0"/>
-                <a:cs typeface="Arial" panose="020B0604020202020204" pitchFamily="34" charset="0"/>
-              </a:rPr>
-              <a:t>Разработаны прототипы пользовательского интерфейса</a:t>
-            </a:r>
-          </a:p>
-          <a:p>
-            <a:pPr marL="285750" indent="-285750" algn="just">
-              <a:buFont typeface="Arial" panose="020B0604020202020204" pitchFamily="34" charset="0"/>
-              <a:buChar char="•"/>
-            </a:pPr>
-            <a:r>
-              <a:rPr lang="ru-RU" sz="2800" dirty="0">
-                <a:solidFill>
-                  <a:srgbClr val="000000"/>
-                </a:solidFill>
-                <a:latin typeface="Arial" panose="020B0604020202020204" pitchFamily="34" charset="0"/>
-                <a:ea typeface="Calibri" panose="020F0502020204030204" pitchFamily="34" charset="0"/>
-                <a:cs typeface="Arial" panose="020B0604020202020204" pitchFamily="34" charset="0"/>
-              </a:rPr>
-              <a:t>Р</a:t>
-            </a:r>
-            <a:r>
-              <a:rPr lang="ru-RU" sz="2800" dirty="0">
-                <a:solidFill>
-                  <a:srgbClr val="000000"/>
-                </a:solidFill>
-                <a:effectLst/>
-                <a:latin typeface="Arial" panose="020B0604020202020204" pitchFamily="34" charset="0"/>
-                <a:ea typeface="Calibri" panose="020F0502020204030204" pitchFamily="34" charset="0"/>
-                <a:cs typeface="Arial" panose="020B0604020202020204" pitchFamily="34" charset="0"/>
-              </a:rPr>
-              <a:t>азработана </a:t>
-            </a:r>
-            <a:r>
-              <a:rPr lang="ru-RU" sz="2800" dirty="0">
-                <a:solidFill>
-                  <a:srgbClr val="000000"/>
-                </a:solidFill>
-                <a:effectLst/>
-                <a:latin typeface="Arial" panose="020B0604020202020204" pitchFamily="34" charset="0"/>
-                <a:ea typeface="Times New Roman" panose="02020603050405020304" pitchFamily="18" charset="0"/>
-                <a:cs typeface="Arial" panose="020B0604020202020204" pitchFamily="34" charset="0"/>
-              </a:rPr>
-              <a:t>трехконтурная архитектура инерциальной навигационной системы для мобильного устройства</a:t>
-            </a:r>
-            <a:r>
-              <a:rPr lang="ru-RU" sz="2800" dirty="0">
-                <a:effectLst/>
-                <a:latin typeface="Arial" panose="020B0604020202020204" pitchFamily="34" charset="0"/>
-                <a:ea typeface="Calibri" panose="020F0502020204030204" pitchFamily="34" charset="0"/>
-                <a:cs typeface="Arial" panose="020B0604020202020204" pitchFamily="34" charset="0"/>
-              </a:rPr>
-              <a:t>, реализующие предложенный метод </a:t>
-            </a:r>
-            <a:r>
-              <a:rPr lang="ru-RU" sz="2800" dirty="0">
-                <a:solidFill>
-                  <a:srgbClr val="000000"/>
-                </a:solidFill>
-                <a:effectLst/>
-                <a:latin typeface="Arial" panose="020B0604020202020204" pitchFamily="34" charset="0"/>
-                <a:ea typeface="Times New Roman" panose="02020603050405020304" pitchFamily="18" charset="0"/>
-                <a:cs typeface="Arial" panose="020B0604020202020204" pitchFamily="34" charset="0"/>
-              </a:rPr>
-              <a:t>построения маршрута</a:t>
-            </a:r>
-            <a:endParaRPr lang="ru-RU" sz="2800" dirty="0">
-              <a:latin typeface="Arial" panose="020B0604020202020204" pitchFamily="34" charset="0"/>
-              <a:cs typeface="Arial" panose="020B0604020202020204" pitchFamily="34" charset="0"/>
-            </a:endParaRPr>
           </a:p>
         </p:txBody>
       </p:sp>
@@ -12511,6 +12372,984 @@
           </a:p>
         </p:txBody>
       </p:sp>
+      <p:pic>
+        <p:nvPicPr>
+          <p:cNvPr id="2050" name="Picture 2" descr="https://sun9-12.userapi.com/impg/SWADlh3RAN0XxpuH_CMY8qfYoDsFplZfhPrM5w/LCIi4ce3LFY.jpg?size=1156x2160&amp;quality=96&amp;sign=083bcaf5f8df910721ebb1eb708623bb&amp;type=album">
+            <a:extLst>
+              <a:ext uri="{FF2B5EF4-FFF2-40B4-BE49-F238E27FC236}">
+                <a16:creationId xmlns:a16="http://schemas.microsoft.com/office/drawing/2014/main" id="{4FDDEF51-BAD7-4AED-B382-7D98469F58EF}"/>
+              </a:ext>
+            </a:extLst>
+          </p:cNvPr>
+          <p:cNvPicPr>
+            <a:picLocks noChangeAspect="1" noChangeArrowheads="1"/>
+          </p:cNvPicPr>
+          <p:nvPr/>
+        </p:nvPicPr>
+        <p:blipFill>
+          <a:blip r:embed="rId2" cstate="print">
+            <a:extLst>
+              <a:ext uri="{28A0092B-C50C-407E-A947-70E740481C1C}">
+                <a14:useLocalDpi xmlns:a14="http://schemas.microsoft.com/office/drawing/2010/main" val="0"/>
+              </a:ext>
+            </a:extLst>
+          </a:blip>
+          <a:srcRect/>
+          <a:stretch>
+            <a:fillRect/>
+          </a:stretch>
+        </p:blipFill>
+        <p:spPr bwMode="auto">
+          <a:xfrm>
+            <a:off x="1869690" y="1178104"/>
+            <a:ext cx="2259064" cy="4464496"/>
+          </a:xfrm>
+          <a:prstGeom prst="rect">
+            <a:avLst/>
+          </a:prstGeom>
+          <a:noFill/>
+          <a:extLst>
+            <a:ext uri="{909E8E84-426E-40DD-AFC4-6F175D3DCCD1}">
+              <a14:hiddenFill xmlns:a14="http://schemas.microsoft.com/office/drawing/2010/main">
+                <a:solidFill>
+                  <a:srgbClr val="FFFFFF"/>
+                </a:solidFill>
+              </a14:hiddenFill>
+            </a:ext>
+          </a:extLst>
+        </p:spPr>
+      </p:pic>
+      <p:pic>
+        <p:nvPicPr>
+          <p:cNvPr id="2052" name="Picture 4" descr="https://sun9-13.userapi.com/impg/RS_2D9c1gcn4vCOHiX201ehU9pJD75Xzh0sM2w/69jSLkNVBKQ.jpg?size=1156x2160&amp;quality=96&amp;sign=1717363674e9ede79b47ff4f9311d131&amp;type=album">
+            <a:extLst>
+              <a:ext uri="{FF2B5EF4-FFF2-40B4-BE49-F238E27FC236}">
+                <a16:creationId xmlns:a16="http://schemas.microsoft.com/office/drawing/2014/main" id="{35712868-568E-408D-B2AF-D1BB49A19A86}"/>
+              </a:ext>
+            </a:extLst>
+          </p:cNvPr>
+          <p:cNvPicPr>
+            <a:picLocks noChangeAspect="1" noChangeArrowheads="1"/>
+          </p:cNvPicPr>
+          <p:nvPr/>
+        </p:nvPicPr>
+        <p:blipFill>
+          <a:blip r:embed="rId3" cstate="print">
+            <a:extLst>
+              <a:ext uri="{28A0092B-C50C-407E-A947-70E740481C1C}">
+                <a14:useLocalDpi xmlns:a14="http://schemas.microsoft.com/office/drawing/2010/main" val="0"/>
+              </a:ext>
+            </a:extLst>
+          </a:blip>
+          <a:srcRect/>
+          <a:stretch>
+            <a:fillRect/>
+          </a:stretch>
+        </p:blipFill>
+        <p:spPr bwMode="auto">
+          <a:xfrm>
+            <a:off x="5885637" y="1196752"/>
+            <a:ext cx="2259064" cy="4464496"/>
+          </a:xfrm>
+          <a:prstGeom prst="rect">
+            <a:avLst/>
+          </a:prstGeom>
+          <a:noFill/>
+          <a:extLst>
+            <a:ext uri="{909E8E84-426E-40DD-AFC4-6F175D3DCCD1}">
+              <a14:hiddenFill xmlns:a14="http://schemas.microsoft.com/office/drawing/2010/main">
+                <a:solidFill>
+                  <a:srgbClr val="FFFFFF"/>
+                </a:solidFill>
+              </a14:hiddenFill>
+            </a:ext>
+          </a:extLst>
+        </p:spPr>
+      </p:pic>
+      <p:pic>
+        <p:nvPicPr>
+          <p:cNvPr id="2054" name="Picture 6" descr="https://sun9-6.userapi.com/impg/r0WasdIGI8-rH4OAj4RDy6QiQtwh3kzoRIOagg/UmpzbCsTF5o.jpg?size=1156x2160&amp;quality=96&amp;sign=611431604920bb6d6d60c25311f6b6ae&amp;type=album">
+            <a:extLst>
+              <a:ext uri="{FF2B5EF4-FFF2-40B4-BE49-F238E27FC236}">
+                <a16:creationId xmlns:a16="http://schemas.microsoft.com/office/drawing/2014/main" id="{1B3BADC2-2D65-4833-A4B2-C5F5B1E0DCF3}"/>
+              </a:ext>
+            </a:extLst>
+          </p:cNvPr>
+          <p:cNvPicPr>
+            <a:picLocks noChangeAspect="1" noChangeArrowheads="1"/>
+          </p:cNvPicPr>
+          <p:nvPr/>
+        </p:nvPicPr>
+        <p:blipFill>
+          <a:blip r:embed="rId4" cstate="print">
+            <a:extLst>
+              <a:ext uri="{28A0092B-C50C-407E-A947-70E740481C1C}">
+                <a14:useLocalDpi xmlns:a14="http://schemas.microsoft.com/office/drawing/2010/main" val="0"/>
+              </a:ext>
+            </a:extLst>
+          </a:blip>
+          <a:srcRect/>
+          <a:stretch>
+            <a:fillRect/>
+          </a:stretch>
+        </p:blipFill>
+        <p:spPr bwMode="auto">
+          <a:xfrm>
+            <a:off x="9767614" y="1178104"/>
+            <a:ext cx="2259064" cy="4464496"/>
+          </a:xfrm>
+          <a:prstGeom prst="rect">
+            <a:avLst/>
+          </a:prstGeom>
+          <a:noFill/>
+          <a:extLst>
+            <a:ext uri="{909E8E84-426E-40DD-AFC4-6F175D3DCCD1}">
+              <a14:hiddenFill xmlns:a14="http://schemas.microsoft.com/office/drawing/2010/main">
+                <a:solidFill>
+                  <a:srgbClr val="FFFFFF"/>
+                </a:solidFill>
+              </a14:hiddenFill>
+            </a:ext>
+          </a:extLst>
+        </p:spPr>
+      </p:pic>
+      <p:sp>
+        <p:nvSpPr>
+          <p:cNvPr id="14" name="Выноска: линия без границы 13">
+            <a:extLst>
+              <a:ext uri="{FF2B5EF4-FFF2-40B4-BE49-F238E27FC236}">
+                <a16:creationId xmlns:a16="http://schemas.microsoft.com/office/drawing/2014/main" id="{2816CDEE-D633-4487-B357-05E3252377FE}"/>
+              </a:ext>
+            </a:extLst>
+          </p:cNvPr>
+          <p:cNvSpPr/>
+          <p:nvPr/>
+        </p:nvSpPr>
+        <p:spPr>
+          <a:xfrm>
+            <a:off x="93322" y="1530400"/>
+            <a:ext cx="1704360" cy="2042616"/>
+          </a:xfrm>
+          <a:prstGeom prst="callout1">
+            <a:avLst>
+              <a:gd name="adj1" fmla="val 105578"/>
+              <a:gd name="adj2" fmla="val 81407"/>
+              <a:gd name="adj3" fmla="val 128961"/>
+              <a:gd name="adj4" fmla="val 95434"/>
+            </a:avLst>
+          </a:prstGeom>
+        </p:spPr>
+        <p:style>
+          <a:lnRef idx="1">
+            <a:schemeClr val="accent1"/>
+          </a:lnRef>
+          <a:fillRef idx="2">
+            <a:schemeClr val="accent1"/>
+          </a:fillRef>
+          <a:effectRef idx="1">
+            <a:schemeClr val="accent1"/>
+          </a:effectRef>
+          <a:fontRef idx="minor">
+            <a:schemeClr val="dk1"/>
+          </a:fontRef>
+        </p:style>
+        <p:txBody>
+          <a:bodyPr rtlCol="0" anchor="ctr"/>
+          <a:lstStyle/>
+          <a:p>
+            <a:pPr algn="ctr"/>
+            <a:r>
+              <a:rPr lang="ru-RU" dirty="0"/>
+              <a:t>Главный экран мобильного приложения</a:t>
+            </a:r>
+          </a:p>
+        </p:txBody>
+      </p:sp>
+      <p:sp>
+        <p:nvSpPr>
+          <p:cNvPr id="20" name="Выноска: линия без границы 19">
+            <a:extLst>
+              <a:ext uri="{FF2B5EF4-FFF2-40B4-BE49-F238E27FC236}">
+                <a16:creationId xmlns:a16="http://schemas.microsoft.com/office/drawing/2014/main" id="{AB788208-1529-4D15-BDA7-790011E903F2}"/>
+              </a:ext>
+            </a:extLst>
+          </p:cNvPr>
+          <p:cNvSpPr/>
+          <p:nvPr/>
+        </p:nvSpPr>
+        <p:spPr>
+          <a:xfrm>
+            <a:off x="4128754" y="1530400"/>
+            <a:ext cx="1678420" cy="2042616"/>
+          </a:xfrm>
+          <a:prstGeom prst="callout1">
+            <a:avLst>
+              <a:gd name="adj1" fmla="val 105578"/>
+              <a:gd name="adj2" fmla="val 81407"/>
+              <a:gd name="adj3" fmla="val 129459"/>
+              <a:gd name="adj4" fmla="val 101173"/>
+            </a:avLst>
+          </a:prstGeom>
+        </p:spPr>
+        <p:style>
+          <a:lnRef idx="1">
+            <a:schemeClr val="accent1"/>
+          </a:lnRef>
+          <a:fillRef idx="2">
+            <a:schemeClr val="accent1"/>
+          </a:fillRef>
+          <a:effectRef idx="1">
+            <a:schemeClr val="accent1"/>
+          </a:effectRef>
+          <a:fontRef idx="minor">
+            <a:schemeClr val="dk1"/>
+          </a:fontRef>
+        </p:style>
+        <p:txBody>
+          <a:bodyPr rtlCol="0" anchor="ctr"/>
+          <a:lstStyle/>
+          <a:p>
+            <a:pPr algn="ctr"/>
+            <a:r>
+              <a:rPr lang="ru-RU" dirty="0"/>
+              <a:t>Пользователь перемещается из точки А в точку Б</a:t>
+            </a:r>
+          </a:p>
+        </p:txBody>
+      </p:sp>
+      <p:sp>
+        <p:nvSpPr>
+          <p:cNvPr id="21" name="Выноска: линия без границы 20">
+            <a:extLst>
+              <a:ext uri="{FF2B5EF4-FFF2-40B4-BE49-F238E27FC236}">
+                <a16:creationId xmlns:a16="http://schemas.microsoft.com/office/drawing/2014/main" id="{BD18BAFE-2021-4758-BE06-D4133573C0EE}"/>
+              </a:ext>
+            </a:extLst>
+          </p:cNvPr>
+          <p:cNvSpPr/>
+          <p:nvPr/>
+        </p:nvSpPr>
+        <p:spPr>
+          <a:xfrm>
+            <a:off x="8066238" y="1557120"/>
+            <a:ext cx="1717122" cy="1872208"/>
+          </a:xfrm>
+          <a:prstGeom prst="callout1">
+            <a:avLst>
+              <a:gd name="adj1" fmla="val 107206"/>
+              <a:gd name="adj2" fmla="val 89430"/>
+              <a:gd name="adj3" fmla="val 134750"/>
+              <a:gd name="adj4" fmla="val 99148"/>
+            </a:avLst>
+          </a:prstGeom>
+        </p:spPr>
+        <p:style>
+          <a:lnRef idx="1">
+            <a:schemeClr val="accent1"/>
+          </a:lnRef>
+          <a:fillRef idx="2">
+            <a:schemeClr val="accent1"/>
+          </a:fillRef>
+          <a:effectRef idx="1">
+            <a:schemeClr val="accent1"/>
+          </a:effectRef>
+          <a:fontRef idx="minor">
+            <a:schemeClr val="dk1"/>
+          </a:fontRef>
+        </p:style>
+        <p:txBody>
+          <a:bodyPr rtlCol="0" anchor="ctr"/>
+          <a:lstStyle/>
+          <a:p>
+            <a:pPr algn="ctr"/>
+            <a:r>
+              <a:rPr lang="ru-RU" dirty="0"/>
+              <a:t>Просмотр пройденного маршрута</a:t>
+            </a:r>
+          </a:p>
+        </p:txBody>
+      </p:sp>
+    </p:spTree>
+    <p:extLst>
+      <p:ext uri="{BB962C8B-B14F-4D97-AF65-F5344CB8AC3E}">
+        <p14:creationId xmlns:p14="http://schemas.microsoft.com/office/powerpoint/2010/main" val="4104260655"/>
+      </p:ext>
+    </p:extLst>
+  </p:cSld>
+  <p:clrMapOvr>
+    <a:masterClrMapping/>
+  </p:clrMapOvr>
+</p:sld>
+</file>
+
+<file path=ppt/slides/slide15.xml><?xml version="1.0" encoding="utf-8"?>
+<p:sld xmlns:a="http://schemas.openxmlformats.org/drawingml/2006/main" xmlns:r="http://schemas.openxmlformats.org/officeDocument/2006/relationships" xmlns:p="http://schemas.openxmlformats.org/presentationml/2006/main">
+  <p:cSld>
+    <p:spTree>
+      <p:nvGrpSpPr>
+        <p:cNvPr id="1" name=""/>
+        <p:cNvGrpSpPr/>
+        <p:nvPr/>
+      </p:nvGrpSpPr>
+      <p:grpSpPr>
+        <a:xfrm>
+          <a:off x="0" y="0"/>
+          <a:ext cx="0" cy="0"/>
+          <a:chOff x="0" y="0"/>
+          <a:chExt cx="0" cy="0"/>
+        </a:xfrm>
+      </p:grpSpPr>
+      <p:sp>
+        <p:nvSpPr>
+          <p:cNvPr id="4" name="TextBox 3"/>
+          <p:cNvSpPr txBox="1"/>
+          <p:nvPr/>
+        </p:nvSpPr>
+        <p:spPr>
+          <a:xfrm>
+            <a:off x="2351319" y="215407"/>
+            <a:ext cx="7898675" cy="523220"/>
+          </a:xfrm>
+          <a:prstGeom prst="rect">
+            <a:avLst/>
+          </a:prstGeom>
+          <a:noFill/>
+        </p:spPr>
+        <p:txBody>
+          <a:bodyPr wrap="square" rtlCol="0" anchor="ctr" anchorCtr="1">
+            <a:spAutoFit/>
+          </a:bodyPr>
+          <a:lstStyle/>
+          <a:p>
+            <a:pPr algn="ctr"/>
+            <a:r>
+              <a:rPr lang="ru-RU" sz="2800" dirty="0">
+                <a:solidFill>
+                  <a:schemeClr val="bg1"/>
+                </a:solidFill>
+                <a:latin typeface="Elektra Text Pro" panose="02000503030000020004" pitchFamily="50" charset="-52"/>
+              </a:rPr>
+              <a:t>Точность трёхконтурной модели системы</a:t>
+            </a:r>
+          </a:p>
+        </p:txBody>
+      </p:sp>
+      <p:sp>
+        <p:nvSpPr>
+          <p:cNvPr id="7" name="Номер слайда 2"/>
+          <p:cNvSpPr>
+            <a:spLocks noGrp="1"/>
+          </p:cNvSpPr>
+          <p:nvPr>
+            <p:ph type="sldNum" sz="quarter" idx="12"/>
+          </p:nvPr>
+        </p:nvSpPr>
+        <p:spPr>
+          <a:xfrm>
+            <a:off x="8736463" y="6356351"/>
+            <a:ext cx="2844430" cy="365125"/>
+          </a:xfrm>
+        </p:spPr>
+        <p:txBody>
+          <a:bodyPr/>
+          <a:lstStyle/>
+          <a:p>
+            <a:fld id="{E2656834-4BAB-4DB1-9FED-8310CA017EAF}" type="slidenum">
+              <a:rPr lang="ru-RU" sz="2000" b="1" smtClean="0">
+                <a:solidFill>
+                  <a:schemeClr val="tx1"/>
+                </a:solidFill>
+              </a:rPr>
+              <a:t>15</a:t>
+            </a:fld>
+            <a:endParaRPr lang="ru-RU" sz="2000" b="1" dirty="0">
+              <a:solidFill>
+                <a:schemeClr val="tx1"/>
+              </a:solidFill>
+            </a:endParaRPr>
+          </a:p>
+        </p:txBody>
+      </p:sp>
+      <p:sp>
+        <p:nvSpPr>
+          <p:cNvPr id="2" name="Прямоугольник 1">
+            <a:extLst>
+              <a:ext uri="{FF2B5EF4-FFF2-40B4-BE49-F238E27FC236}">
+                <a16:creationId xmlns:a16="http://schemas.microsoft.com/office/drawing/2014/main" id="{AD787F5F-29BA-4EE4-8689-CE73F239C650}"/>
+              </a:ext>
+            </a:extLst>
+          </p:cNvPr>
+          <p:cNvSpPr/>
+          <p:nvPr/>
+        </p:nvSpPr>
+        <p:spPr>
+          <a:xfrm>
+            <a:off x="622598" y="893434"/>
+            <a:ext cx="10958295" cy="1704569"/>
+          </a:xfrm>
+          <a:prstGeom prst="rect">
+            <a:avLst/>
+          </a:prstGeom>
+        </p:spPr>
+        <p:txBody>
+          <a:bodyPr wrap="square">
+            <a:spAutoFit/>
+          </a:bodyPr>
+          <a:lstStyle/>
+          <a:p>
+            <a:pPr indent="450215" algn="just">
+              <a:lnSpc>
+                <a:spcPct val="150000"/>
+              </a:lnSpc>
+              <a:spcAft>
+                <a:spcPts val="0"/>
+              </a:spcAft>
+            </a:pPr>
+            <a:r>
+              <a:rPr lang="ru-RU" dirty="0">
+                <a:latin typeface="Times New Roman" panose="02020603050405020304" pitchFamily="18" charset="0"/>
+                <a:ea typeface="Times New Roman" panose="02020603050405020304" pitchFamily="18" charset="0"/>
+              </a:rPr>
+              <a:t>Проведенный контрольный пример в ВКР дал следующую оценку трехконтурной архитектурной модели инерциальной системы навигации, что максимальная ошибка по отношению к эталонной траектории </a:t>
+            </a:r>
+            <a:r>
+              <a:rPr lang="en-US" dirty="0">
+                <a:latin typeface="Times New Roman" panose="02020603050405020304" pitchFamily="18" charset="0"/>
+                <a:ea typeface="Times New Roman" panose="02020603050405020304" pitchFamily="18" charset="0"/>
+              </a:rPr>
+              <a:t>GTE </a:t>
+            </a:r>
+            <a:r>
+              <a:rPr lang="ru-RU" dirty="0">
+                <a:latin typeface="Times New Roman" panose="02020603050405020304" pitchFamily="18" charset="0"/>
+                <a:ea typeface="Times New Roman" panose="02020603050405020304" pitchFamily="18" charset="0"/>
+              </a:rPr>
+              <a:t>= 1,34%. В результате сделаны выводы о достаточном достоверном построенном маршруте инерциальной системы навигации.</a:t>
+            </a:r>
+            <a:endParaRPr lang="ru-RU" sz="1600" dirty="0">
+              <a:effectLst/>
+              <a:latin typeface="Times New Roman" panose="02020603050405020304" pitchFamily="18" charset="0"/>
+              <a:ea typeface="Times New Roman" panose="02020603050405020304" pitchFamily="18" charset="0"/>
+            </a:endParaRPr>
+          </a:p>
+        </p:txBody>
+      </p:sp>
+      <p:sp>
+        <p:nvSpPr>
+          <p:cNvPr id="3" name="Прямоугольник 2">
+            <a:extLst>
+              <a:ext uri="{FF2B5EF4-FFF2-40B4-BE49-F238E27FC236}">
+                <a16:creationId xmlns:a16="http://schemas.microsoft.com/office/drawing/2014/main" id="{65DAC9C5-B272-4782-9833-F84718EE95A9}"/>
+              </a:ext>
+            </a:extLst>
+          </p:cNvPr>
+          <p:cNvSpPr/>
+          <p:nvPr/>
+        </p:nvSpPr>
+        <p:spPr>
+          <a:xfrm>
+            <a:off x="596307" y="2603052"/>
+            <a:ext cx="11233248" cy="458074"/>
+          </a:xfrm>
+          <a:prstGeom prst="rect">
+            <a:avLst/>
+          </a:prstGeom>
+        </p:spPr>
+        <p:txBody>
+          <a:bodyPr wrap="square">
+            <a:spAutoFit/>
+          </a:bodyPr>
+          <a:lstStyle/>
+          <a:p>
+            <a:pPr indent="450215" algn="just">
+              <a:lnSpc>
+                <a:spcPct val="150000"/>
+              </a:lnSpc>
+            </a:pPr>
+            <a:r>
+              <a:rPr lang="ru-RU" dirty="0">
+                <a:latin typeface="Times New Roman" panose="02020603050405020304" pitchFamily="18" charset="0"/>
+              </a:rPr>
+              <a:t>Проведенные аналогичные испытания с другими системами навигации показали следующие результаты:</a:t>
+            </a:r>
+          </a:p>
+        </p:txBody>
+      </p:sp>
+      <p:graphicFrame>
+        <p:nvGraphicFramePr>
+          <p:cNvPr id="5" name="Таблица 4">
+            <a:extLst>
+              <a:ext uri="{FF2B5EF4-FFF2-40B4-BE49-F238E27FC236}">
+                <a16:creationId xmlns:a16="http://schemas.microsoft.com/office/drawing/2014/main" id="{EE799D45-20F8-4034-86FE-E7A8FA368FF3}"/>
+              </a:ext>
+            </a:extLst>
+          </p:cNvPr>
+          <p:cNvGraphicFramePr>
+            <a:graphicFrameLocks noGrp="1"/>
+          </p:cNvGraphicFramePr>
+          <p:nvPr>
+            <p:extLst>
+              <p:ext uri="{D42A27DB-BD31-4B8C-83A1-F6EECF244321}">
+                <p14:modId xmlns:p14="http://schemas.microsoft.com/office/powerpoint/2010/main" val="1982076635"/>
+              </p:ext>
+            </p:extLst>
+          </p:nvPr>
+        </p:nvGraphicFramePr>
+        <p:xfrm>
+          <a:off x="859616" y="3284984"/>
+          <a:ext cx="10471180" cy="2781476"/>
+        </p:xfrm>
+        <a:graphic>
+          <a:graphicData uri="http://schemas.openxmlformats.org/drawingml/2006/table">
+            <a:tbl>
+              <a:tblPr firstRow="1" bandRow="1">
+                <a:tableStyleId>{5C22544A-7EE6-4342-B048-85BDC9FD1C3A}</a:tableStyleId>
+              </a:tblPr>
+              <a:tblGrid>
+                <a:gridCol w="2094236">
+                  <a:extLst>
+                    <a:ext uri="{9D8B030D-6E8A-4147-A177-3AD203B41FA5}">
+                      <a16:colId xmlns:a16="http://schemas.microsoft.com/office/drawing/2014/main" val="576001798"/>
+                    </a:ext>
+                  </a:extLst>
+                </a:gridCol>
+                <a:gridCol w="2094236">
+                  <a:extLst>
+                    <a:ext uri="{9D8B030D-6E8A-4147-A177-3AD203B41FA5}">
+                      <a16:colId xmlns:a16="http://schemas.microsoft.com/office/drawing/2014/main" val="2511962111"/>
+                    </a:ext>
+                  </a:extLst>
+                </a:gridCol>
+                <a:gridCol w="2094236">
+                  <a:extLst>
+                    <a:ext uri="{9D8B030D-6E8A-4147-A177-3AD203B41FA5}">
+                      <a16:colId xmlns:a16="http://schemas.microsoft.com/office/drawing/2014/main" val="1970244214"/>
+                    </a:ext>
+                  </a:extLst>
+                </a:gridCol>
+                <a:gridCol w="2094236">
+                  <a:extLst>
+                    <a:ext uri="{9D8B030D-6E8A-4147-A177-3AD203B41FA5}">
+                      <a16:colId xmlns:a16="http://schemas.microsoft.com/office/drawing/2014/main" val="401834760"/>
+                    </a:ext>
+                  </a:extLst>
+                </a:gridCol>
+                <a:gridCol w="2094236">
+                  <a:extLst>
+                    <a:ext uri="{9D8B030D-6E8A-4147-A177-3AD203B41FA5}">
+                      <a16:colId xmlns:a16="http://schemas.microsoft.com/office/drawing/2014/main" val="2340792529"/>
+                    </a:ext>
+                  </a:extLst>
+                </a:gridCol>
+              </a:tblGrid>
+              <a:tr h="1106956">
+                <a:tc>
+                  <a:txBody>
+                    <a:bodyPr/>
+                    <a:lstStyle/>
+                    <a:p>
+                      <a:pPr algn="ctr"/>
+                      <a:endParaRPr lang="ru-RU" dirty="0"/>
+                    </a:p>
+                  </a:txBody>
+                  <a:tcPr anchor="ctr"/>
+                </a:tc>
+                <a:tc>
+                  <a:txBody>
+                    <a:bodyPr/>
+                    <a:lstStyle/>
+                    <a:p>
+                      <a:pPr algn="ctr"/>
+                      <a:r>
+                        <a:rPr lang="en-US" dirty="0"/>
+                        <a:t>GSM</a:t>
+                      </a:r>
+                      <a:endParaRPr lang="ru-RU" dirty="0"/>
+                    </a:p>
+                  </a:txBody>
+                  <a:tcPr anchor="ctr"/>
+                </a:tc>
+                <a:tc>
+                  <a:txBody>
+                    <a:bodyPr/>
+                    <a:lstStyle/>
+                    <a:p>
+                      <a:pPr algn="ctr"/>
+                      <a:r>
+                        <a:rPr lang="en-US" dirty="0"/>
+                        <a:t>GPS</a:t>
+                      </a:r>
+                      <a:endParaRPr lang="ru-RU" dirty="0"/>
+                    </a:p>
+                  </a:txBody>
+                  <a:tcPr anchor="ctr"/>
+                </a:tc>
+                <a:tc>
+                  <a:txBody>
+                    <a:bodyPr/>
+                    <a:lstStyle/>
+                    <a:p>
+                      <a:pPr algn="ctr"/>
+                      <a:r>
+                        <a:rPr lang="en-US" dirty="0" err="1"/>
+                        <a:t>WiFi</a:t>
+                      </a:r>
+                      <a:r>
+                        <a:rPr lang="en-US" dirty="0"/>
+                        <a:t>/Bluetooth</a:t>
+                      </a:r>
+                      <a:endParaRPr lang="ru-RU" dirty="0"/>
+                    </a:p>
+                  </a:txBody>
+                  <a:tcPr anchor="ctr"/>
+                </a:tc>
+                <a:tc>
+                  <a:txBody>
+                    <a:bodyPr/>
+                    <a:lstStyle/>
+                    <a:p>
+                      <a:pPr algn="ctr"/>
+                      <a:r>
+                        <a:rPr lang="ru-RU" dirty="0">
+                          <a:latin typeface="Times New Roman" panose="02020603050405020304" pitchFamily="18" charset="0"/>
+                          <a:ea typeface="Times New Roman" panose="02020603050405020304" pitchFamily="18" charset="0"/>
+                        </a:rPr>
+                        <a:t>трехконтурная архитектурная модель инерциальной системы навигации</a:t>
+                      </a:r>
+                      <a:endParaRPr lang="ru-RU" dirty="0"/>
+                    </a:p>
+                  </a:txBody>
+                  <a:tcPr anchor="ctr"/>
+                </a:tc>
+                <a:extLst>
+                  <a:ext uri="{0D108BD9-81ED-4DB2-BD59-A6C34878D82A}">
+                    <a16:rowId xmlns:a16="http://schemas.microsoft.com/office/drawing/2014/main" val="541220186"/>
+                  </a:ext>
+                </a:extLst>
+              </a:tr>
+              <a:tr h="1044116">
+                <a:tc>
+                  <a:txBody>
+                    <a:bodyPr/>
+                    <a:lstStyle/>
+                    <a:p>
+                      <a:pPr algn="ctr"/>
+                      <a:r>
+                        <a:rPr lang="en-US" dirty="0"/>
+                        <a:t>GTE</a:t>
+                      </a:r>
+                      <a:endParaRPr lang="ru-RU" dirty="0"/>
+                    </a:p>
+                  </a:txBody>
+                  <a:tcPr anchor="ctr"/>
+                </a:tc>
+                <a:tc>
+                  <a:txBody>
+                    <a:bodyPr/>
+                    <a:lstStyle/>
+                    <a:p>
+                      <a:pPr algn="ctr"/>
+                      <a:r>
+                        <a:rPr lang="ru-RU" dirty="0"/>
+                        <a:t>3,31%</a:t>
+                      </a:r>
+                    </a:p>
+                  </a:txBody>
+                  <a:tcPr anchor="ctr"/>
+                </a:tc>
+                <a:tc>
+                  <a:txBody>
+                    <a:bodyPr/>
+                    <a:lstStyle/>
+                    <a:p>
+                      <a:pPr algn="ctr"/>
+                      <a:r>
+                        <a:rPr lang="ru-RU" dirty="0"/>
+                        <a:t>2,9%</a:t>
+                      </a:r>
+                    </a:p>
+                  </a:txBody>
+                  <a:tcPr anchor="ctr"/>
+                </a:tc>
+                <a:tc>
+                  <a:txBody>
+                    <a:bodyPr/>
+                    <a:lstStyle/>
+                    <a:p>
+                      <a:pPr algn="ctr"/>
+                      <a:r>
+                        <a:rPr lang="ru-RU" dirty="0"/>
+                        <a:t>1,37%</a:t>
+                      </a:r>
+                    </a:p>
+                  </a:txBody>
+                  <a:tcPr anchor="ctr"/>
+                </a:tc>
+                <a:tc>
+                  <a:txBody>
+                    <a:bodyPr/>
+                    <a:lstStyle/>
+                    <a:p>
+                      <a:pPr algn="ctr"/>
+                      <a:r>
+                        <a:rPr lang="ru-RU" dirty="0"/>
+                        <a:t>1,34%</a:t>
+                      </a:r>
+                    </a:p>
+                  </a:txBody>
+                  <a:tcPr anchor="ctr"/>
+                </a:tc>
+                <a:extLst>
+                  <a:ext uri="{0D108BD9-81ED-4DB2-BD59-A6C34878D82A}">
+                    <a16:rowId xmlns:a16="http://schemas.microsoft.com/office/drawing/2014/main" val="3506528520"/>
+                  </a:ext>
+                </a:extLst>
+              </a:tr>
+            </a:tbl>
+          </a:graphicData>
+        </a:graphic>
+      </p:graphicFrame>
+    </p:spTree>
+    <p:extLst>
+      <p:ext uri="{BB962C8B-B14F-4D97-AF65-F5344CB8AC3E}">
+        <p14:creationId xmlns:p14="http://schemas.microsoft.com/office/powerpoint/2010/main" val="2122129967"/>
+      </p:ext>
+    </p:extLst>
+  </p:cSld>
+  <p:clrMapOvr>
+    <a:masterClrMapping/>
+  </p:clrMapOvr>
+</p:sld>
+</file>
+
+<file path=ppt/slides/slide16.xml><?xml version="1.0" encoding="utf-8"?>
+<p:sld xmlns:a="http://schemas.openxmlformats.org/drawingml/2006/main" xmlns:r="http://schemas.openxmlformats.org/officeDocument/2006/relationships" xmlns:p="http://schemas.openxmlformats.org/presentationml/2006/main">
+  <p:cSld>
+    <p:spTree>
+      <p:nvGrpSpPr>
+        <p:cNvPr id="1" name=""/>
+        <p:cNvGrpSpPr/>
+        <p:nvPr/>
+      </p:nvGrpSpPr>
+      <p:grpSpPr>
+        <a:xfrm>
+          <a:off x="0" y="0"/>
+          <a:ext cx="0" cy="0"/>
+          <a:chOff x="0" y="0"/>
+          <a:chExt cx="0" cy="0"/>
+        </a:xfrm>
+      </p:grpSpPr>
+      <p:sp>
+        <p:nvSpPr>
+          <p:cNvPr id="4" name="TextBox 3"/>
+          <p:cNvSpPr txBox="1"/>
+          <p:nvPr/>
+        </p:nvSpPr>
+        <p:spPr>
+          <a:xfrm>
+            <a:off x="2351319" y="215407"/>
+            <a:ext cx="7898675" cy="523220"/>
+          </a:xfrm>
+          <a:prstGeom prst="rect">
+            <a:avLst/>
+          </a:prstGeom>
+          <a:noFill/>
+        </p:spPr>
+        <p:txBody>
+          <a:bodyPr wrap="square" rtlCol="0" anchor="ctr" anchorCtr="1">
+            <a:spAutoFit/>
+          </a:bodyPr>
+          <a:lstStyle/>
+          <a:p>
+            <a:pPr algn="ctr"/>
+            <a:r>
+              <a:rPr lang="ru-RU" sz="2800" dirty="0">
+                <a:solidFill>
+                  <a:schemeClr val="bg1"/>
+                </a:solidFill>
+                <a:latin typeface="Elektra Text Pro" panose="02000503030000020004" pitchFamily="50" charset="-52"/>
+              </a:rPr>
+              <a:t>Заключение</a:t>
+            </a:r>
+          </a:p>
+        </p:txBody>
+      </p:sp>
+      <p:sp>
+        <p:nvSpPr>
+          <p:cNvPr id="6" name="TextBox 5"/>
+          <p:cNvSpPr txBox="1"/>
+          <p:nvPr/>
+        </p:nvSpPr>
+        <p:spPr>
+          <a:xfrm>
+            <a:off x="451043" y="915784"/>
+            <a:ext cx="11295387" cy="1938992"/>
+          </a:xfrm>
+          <a:prstGeom prst="rect">
+            <a:avLst/>
+          </a:prstGeom>
+        </p:spPr>
+        <p:txBody>
+          <a:bodyPr vert="horz" wrap="square" lIns="91440" tIns="45720" rIns="91440" bIns="45720" rtlCol="0" anchor="ctr">
+            <a:spAutoFit/>
+          </a:bodyPr>
+          <a:lstStyle/>
+          <a:p>
+            <a:pPr marL="285750" indent="-285750" algn="just">
+              <a:buFont typeface="Arial" panose="020B0604020202020204" pitchFamily="34" charset="0"/>
+              <a:buChar char="•"/>
+            </a:pPr>
+            <a:r>
+              <a:rPr lang="ru-RU" sz="2000" dirty="0">
+                <a:latin typeface="Arial" panose="020B0604020202020204" pitchFamily="34" charset="0"/>
+                <a:cs typeface="Arial" panose="020B0604020202020204" pitchFamily="34" charset="0"/>
+              </a:rPr>
+              <a:t>Проведен анализ предметной области</a:t>
+            </a:r>
+          </a:p>
+          <a:p>
+            <a:pPr marL="285750" indent="-285750" algn="just">
+              <a:buFont typeface="Arial" panose="020B0604020202020204" pitchFamily="34" charset="0"/>
+              <a:buChar char="•"/>
+            </a:pPr>
+            <a:r>
+              <a:rPr lang="ru-RU" sz="2000" dirty="0">
+                <a:latin typeface="Arial" panose="020B0604020202020204" pitchFamily="34" charset="0"/>
+                <a:cs typeface="Arial" panose="020B0604020202020204" pitchFamily="34" charset="0"/>
+              </a:rPr>
+              <a:t>Проведен обзор систем-аналогов</a:t>
+            </a:r>
+          </a:p>
+          <a:p>
+            <a:pPr marL="285750" indent="-285750" algn="just">
+              <a:buFont typeface="Arial" panose="020B0604020202020204" pitchFamily="34" charset="0"/>
+              <a:buChar char="•"/>
+            </a:pPr>
+            <a:r>
+              <a:rPr lang="ru-RU" sz="2000" dirty="0">
+                <a:latin typeface="Arial" panose="020B0604020202020204" pitchFamily="34" charset="0"/>
+                <a:cs typeface="Arial" panose="020B0604020202020204" pitchFamily="34" charset="0"/>
+              </a:rPr>
+              <a:t>Разработана логическая и физическая модель данных</a:t>
+            </a:r>
+          </a:p>
+          <a:p>
+            <a:pPr marL="285750" indent="-285750" algn="just">
+              <a:buFont typeface="Arial" panose="020B0604020202020204" pitchFamily="34" charset="0"/>
+              <a:buChar char="•"/>
+            </a:pPr>
+            <a:r>
+              <a:rPr lang="ru-RU" sz="2000" dirty="0">
+                <a:latin typeface="Arial" panose="020B0604020202020204" pitchFamily="34" charset="0"/>
+                <a:cs typeface="Arial" panose="020B0604020202020204" pitchFamily="34" charset="0"/>
+              </a:rPr>
+              <a:t>Разработаны прототипы пользовательского интерфейса</a:t>
+            </a:r>
+          </a:p>
+          <a:p>
+            <a:pPr marL="285750" indent="-285750" algn="just">
+              <a:buFont typeface="Arial" panose="020B0604020202020204" pitchFamily="34" charset="0"/>
+              <a:buChar char="•"/>
+            </a:pPr>
+            <a:r>
+              <a:rPr lang="ru-RU" sz="2000" dirty="0">
+                <a:solidFill>
+                  <a:srgbClr val="000000"/>
+                </a:solidFill>
+                <a:latin typeface="Arial" panose="020B0604020202020204" pitchFamily="34" charset="0"/>
+                <a:ea typeface="Calibri" panose="020F0502020204030204" pitchFamily="34" charset="0"/>
+                <a:cs typeface="Arial" panose="020B0604020202020204" pitchFamily="34" charset="0"/>
+              </a:rPr>
+              <a:t>Р</a:t>
+            </a:r>
+            <a:r>
+              <a:rPr lang="ru-RU" sz="2000" dirty="0">
+                <a:solidFill>
+                  <a:srgbClr val="000000"/>
+                </a:solidFill>
+                <a:effectLst/>
+                <a:latin typeface="Arial" panose="020B0604020202020204" pitchFamily="34" charset="0"/>
+                <a:ea typeface="Calibri" panose="020F0502020204030204" pitchFamily="34" charset="0"/>
+                <a:cs typeface="Arial" panose="020B0604020202020204" pitchFamily="34" charset="0"/>
+              </a:rPr>
+              <a:t>азработана </a:t>
+            </a:r>
+            <a:r>
+              <a:rPr lang="ru-RU" sz="2000" dirty="0">
+                <a:solidFill>
+                  <a:srgbClr val="000000"/>
+                </a:solidFill>
+                <a:effectLst/>
+                <a:latin typeface="Arial" panose="020B0604020202020204" pitchFamily="34" charset="0"/>
+                <a:ea typeface="Times New Roman" panose="02020603050405020304" pitchFamily="18" charset="0"/>
+                <a:cs typeface="Arial" panose="020B0604020202020204" pitchFamily="34" charset="0"/>
+              </a:rPr>
+              <a:t>трехконтурная архитектура инерциальной навигационной системы для мобильного устройства</a:t>
+            </a:r>
+            <a:r>
+              <a:rPr lang="ru-RU" sz="2000" dirty="0">
+                <a:effectLst/>
+                <a:latin typeface="Arial" panose="020B0604020202020204" pitchFamily="34" charset="0"/>
+                <a:ea typeface="Calibri" panose="020F0502020204030204" pitchFamily="34" charset="0"/>
+                <a:cs typeface="Arial" panose="020B0604020202020204" pitchFamily="34" charset="0"/>
+              </a:rPr>
+              <a:t>, реализующие предложенный метод </a:t>
+            </a:r>
+            <a:r>
+              <a:rPr lang="ru-RU" sz="2000" dirty="0">
+                <a:solidFill>
+                  <a:srgbClr val="000000"/>
+                </a:solidFill>
+                <a:effectLst/>
+                <a:latin typeface="Arial" panose="020B0604020202020204" pitchFamily="34" charset="0"/>
+                <a:ea typeface="Times New Roman" panose="02020603050405020304" pitchFamily="18" charset="0"/>
+                <a:cs typeface="Arial" panose="020B0604020202020204" pitchFamily="34" charset="0"/>
+              </a:rPr>
+              <a:t>построения маршрута</a:t>
+            </a:r>
+            <a:endParaRPr lang="ru-RU" sz="2000" dirty="0">
+              <a:latin typeface="Arial" panose="020B0604020202020204" pitchFamily="34" charset="0"/>
+              <a:cs typeface="Arial" panose="020B0604020202020204" pitchFamily="34" charset="0"/>
+            </a:endParaRPr>
+          </a:p>
+        </p:txBody>
+      </p:sp>
+      <p:sp>
+        <p:nvSpPr>
+          <p:cNvPr id="7" name="Номер слайда 2"/>
+          <p:cNvSpPr>
+            <a:spLocks noGrp="1"/>
+          </p:cNvSpPr>
+          <p:nvPr>
+            <p:ph type="sldNum" sz="quarter" idx="12"/>
+          </p:nvPr>
+        </p:nvSpPr>
+        <p:spPr>
+          <a:xfrm>
+            <a:off x="8736463" y="6356351"/>
+            <a:ext cx="2844430" cy="365125"/>
+          </a:xfrm>
+        </p:spPr>
+        <p:txBody>
+          <a:bodyPr/>
+          <a:lstStyle/>
+          <a:p>
+            <a:fld id="{E2656834-4BAB-4DB1-9FED-8310CA017EAF}" type="slidenum">
+              <a:rPr lang="ru-RU" sz="2000" b="1" smtClean="0">
+                <a:solidFill>
+                  <a:schemeClr val="tx1"/>
+                </a:solidFill>
+              </a:rPr>
+              <a:t>16</a:t>
+            </a:fld>
+            <a:endParaRPr lang="ru-RU" sz="2000" b="1" dirty="0">
+              <a:solidFill>
+                <a:schemeClr val="tx1"/>
+              </a:solidFill>
+            </a:endParaRPr>
+          </a:p>
+        </p:txBody>
+      </p:sp>
       <p:sp>
         <p:nvSpPr>
           <p:cNvPr id="8" name="TextBox 7">
@@ -12525,8 +13364,8 @@
         </p:nvSpPr>
         <p:spPr>
           <a:xfrm>
-            <a:off x="447512" y="4449311"/>
-            <a:ext cx="11030303" cy="2246769"/>
+            <a:off x="451043" y="3186252"/>
+            <a:ext cx="11030303" cy="3170099"/>
           </a:xfrm>
           <a:prstGeom prst="rect">
             <a:avLst/>
@@ -12541,7 +13380,7 @@
           <a:p>
             <a:pPr algn="just"/>
             <a:r>
-              <a:rPr lang="ru-RU" sz="2800" dirty="0">
+              <a:rPr lang="ru-RU" sz="2000" dirty="0">
                 <a:effectLst/>
                 <a:latin typeface="Arial" panose="020B0604020202020204" pitchFamily="34" charset="0"/>
                 <a:ea typeface="Times New Roman" panose="02020603050405020304" pitchFamily="18" charset="0"/>
@@ -12550,7 +13389,7 @@
               <a:t>По теме выпускной квалификационной работы опубликовано 7 научных рабо</a:t>
             </a:r>
             <a:r>
-              <a:rPr lang="ru-RU" sz="2800" dirty="0">
+              <a:rPr lang="ru-RU" sz="2000" dirty="0">
                 <a:latin typeface="Arial" panose="020B0604020202020204" pitchFamily="34" charset="0"/>
                 <a:ea typeface="Times New Roman" panose="02020603050405020304" pitchFamily="18" charset="0"/>
                 <a:cs typeface="Arial" panose="020B0604020202020204" pitchFamily="34" charset="0"/>
@@ -12558,26 +13397,93 @@
               <a:t>т, одна из них — в </a:t>
             </a:r>
             <a:r>
-              <a:rPr lang="en-US" sz="2800" dirty="0">
+              <a:rPr lang="en-US" sz="2000" dirty="0">
                 <a:latin typeface="Arial" panose="020B0604020202020204" pitchFamily="34" charset="0"/>
                 <a:ea typeface="Times New Roman" panose="02020603050405020304" pitchFamily="18" charset="0"/>
                 <a:cs typeface="Arial" panose="020B0604020202020204" pitchFamily="34" charset="0"/>
               </a:rPr>
-              <a:t>Scopus.</a:t>
+              <a:t>Scopus</a:t>
             </a:r>
             <a:r>
-              <a:rPr lang="ru-RU" sz="2800" dirty="0">
-                <a:effectLst/>
+              <a:rPr lang="en-US" sz="2000" dirty="0">
                 <a:latin typeface="Arial" panose="020B0604020202020204" pitchFamily="34" charset="0"/>
-                <a:ea typeface="Times New Roman" panose="02020603050405020304" pitchFamily="18" charset="0"/>
                 <a:cs typeface="Arial" panose="020B0604020202020204" pitchFamily="34" charset="0"/>
               </a:rPr>
-              <a:t> Результаты работы докладывались на различных конференциях международного, областного и регионального уровней, отмечены дипломами о лучших докладах</a:t>
+              <a:t>.</a:t>
             </a:r>
-            <a:endParaRPr lang="ru-RU" sz="2800" dirty="0">
-              <a:latin typeface="Arial" panose="020B0604020202020204" pitchFamily="34" charset="0"/>
-              <a:cs typeface="Arial" panose="020B0604020202020204" pitchFamily="34" charset="0"/>
-            </a:endParaRPr>
+            <a:r>
+              <a:rPr lang="ru-RU" sz="2000" dirty="0">
+                <a:latin typeface="Arial" panose="020B0604020202020204" pitchFamily="34" charset="0"/>
+                <a:cs typeface="Arial" panose="020B0604020202020204" pitchFamily="34" charset="0"/>
+              </a:rPr>
+              <a:t> Основные результаты работы докладывались и обсуждались на международных, всероссийских и региональных конференциях:</a:t>
+            </a:r>
+          </a:p>
+          <a:p>
+            <a:pPr marL="342900" indent="-342900" algn="just">
+              <a:buFont typeface="Arial" panose="020B0604020202020204" pitchFamily="34" charset="0"/>
+              <a:buChar char="•"/>
+            </a:pPr>
+            <a:r>
+              <a:rPr lang="ru-RU" sz="2000" dirty="0">
+                <a:latin typeface="Arial" panose="020B0604020202020204" pitchFamily="34" charset="0"/>
+                <a:cs typeface="Arial" panose="020B0604020202020204" pitchFamily="34" charset="0"/>
+              </a:rPr>
+              <a:t>XXVII Международная конференция «Математика. Компьютер. Образование» (Пущино, 2020);</a:t>
+            </a:r>
+          </a:p>
+          <a:p>
+            <a:pPr marL="342900" indent="-342900" algn="just">
+              <a:buFont typeface="Arial" panose="020B0604020202020204" pitchFamily="34" charset="0"/>
+              <a:buChar char="•"/>
+            </a:pPr>
+            <a:r>
+              <a:rPr lang="ru-RU" sz="2000" dirty="0">
+                <a:latin typeface="Arial" panose="020B0604020202020204" pitchFamily="34" charset="0"/>
+                <a:cs typeface="Arial" panose="020B0604020202020204" pitchFamily="34" charset="0"/>
+              </a:rPr>
+              <a:t>LXIX Молодежная научная конференция, посвященная 85-летию со дня рождения первого космонавта Земли Ю.А. Гагарина (Самара, 2020);</a:t>
+            </a:r>
+          </a:p>
+          <a:p>
+            <a:pPr marL="342900" indent="-342900" algn="just">
+              <a:buFont typeface="Arial" panose="020B0604020202020204" pitchFamily="34" charset="0"/>
+              <a:buChar char="•"/>
+            </a:pPr>
+            <a:r>
+              <a:rPr lang="ru-RU" sz="2000" dirty="0">
+                <a:latin typeface="Arial" panose="020B0604020202020204" pitchFamily="34" charset="0"/>
+                <a:cs typeface="Arial" panose="020B0604020202020204" pitchFamily="34" charset="0"/>
+              </a:rPr>
+              <a:t>Международная молодёжная научная конференция «XV </a:t>
+            </a:r>
+            <a:r>
+              <a:rPr lang="ru-RU" sz="2000" dirty="0" err="1">
+                <a:latin typeface="Arial" panose="020B0604020202020204" pitchFamily="34" charset="0"/>
+                <a:cs typeface="Arial" panose="020B0604020202020204" pitchFamily="34" charset="0"/>
+              </a:rPr>
+              <a:t>Королёвские</a:t>
+            </a:r>
+            <a:r>
+              <a:rPr lang="ru-RU" sz="2000" dirty="0">
+                <a:latin typeface="Arial" panose="020B0604020202020204" pitchFamily="34" charset="0"/>
+                <a:cs typeface="Arial" panose="020B0604020202020204" pitchFamily="34" charset="0"/>
+              </a:rPr>
+              <a:t> чтения», посвящённая 100-летию со дня рождения Д.И. Козлова (Самара, 2019); </a:t>
+            </a:r>
+          </a:p>
+          <a:p>
+            <a:pPr marL="342900" indent="-342900" algn="just">
+              <a:buFont typeface="Arial" panose="020B0604020202020204" pitchFamily="34" charset="0"/>
+              <a:buChar char="•"/>
+            </a:pPr>
+            <a:r>
+              <a:rPr lang="ru-RU" sz="2000" dirty="0">
+                <a:latin typeface="Arial" panose="020B0604020202020204" pitchFamily="34" charset="0"/>
+                <a:cs typeface="Arial" panose="020B0604020202020204" pitchFamily="34" charset="0"/>
+              </a:rPr>
+              <a:t>Самарская областная научная конференция (Самара, 2020, 2021).</a:t>
+            </a:r>
           </a:p>
         </p:txBody>
       </p:sp>
@@ -12594,7 +13500,7 @@
 </p:sld>
 </file>
 
-<file path=ppt/slides/slide15.xml><?xml version="1.0" encoding="utf-8"?>
+<file path=ppt/slides/slide17.xml><?xml version="1.0" encoding="utf-8"?>
 <p:sld xmlns:a="http://schemas.openxmlformats.org/drawingml/2006/main" xmlns:r="http://schemas.openxmlformats.org/officeDocument/2006/relationships" xmlns:p="http://schemas.openxmlformats.org/presentationml/2006/main">
   <p:cSld>
     <p:spTree>
@@ -12710,7 +13616,7 @@
           <a:p>
             <a:fld id="{E2656834-4BAB-4DB1-9FED-8310CA017EAF}" type="slidenum">
               <a:rPr lang="ru-RU" smtClean="0"/>
-              <a:t>15</a:t>
+              <a:t>17</a:t>
             </a:fld>
             <a:endParaRPr lang="ru-RU"/>
           </a:p>
@@ -12781,17 +13687,14 @@
           </a:p>
           <a:p>
             <a:r>
-              <a:rPr lang="ru-RU" sz="2400" dirty="0">
-                <a:solidFill>
-                  <a:srgbClr val="FF0000"/>
-                </a:solidFill>
-              </a:rPr>
-              <a:t>Увеличение количества зданий</a:t>
+              <a:rPr lang="ru-RU" sz="2400" dirty="0"/>
+              <a:t>Существует большое количество зданий в которых необходимо вести навигацию, потому что в них не ловит сигнал </a:t>
             </a:r>
             <a:r>
-              <a:rPr lang="ru-RU" sz="2400" dirty="0"/>
-              <a:t>, в которых необходимо вести навигацию</a:t>
+              <a:rPr lang="en-US" sz="2400" dirty="0"/>
+              <a:t>GPS</a:t>
             </a:r>
+            <a:endParaRPr lang="ru-RU" sz="2400" dirty="0"/>
           </a:p>
         </p:txBody>
       </p:sp>
@@ -12895,7 +13798,7 @@
         </p:blipFill>
         <p:spPr bwMode="auto">
           <a:xfrm>
-            <a:off x="8300826" y="4365104"/>
+            <a:off x="7910804" y="4373131"/>
             <a:ext cx="3358902" cy="1889191"/>
           </a:xfrm>
           <a:prstGeom prst="rect">
@@ -12942,8 +13845,55 @@
         </p:blipFill>
         <p:spPr bwMode="auto">
           <a:xfrm>
-            <a:off x="8558062" y="2336840"/>
-            <a:ext cx="2844430" cy="1896287"/>
+            <a:off x="8039422" y="2211324"/>
+            <a:ext cx="3101666" cy="2067778"/>
+          </a:xfrm>
+          <a:prstGeom prst="rect">
+            <a:avLst/>
+          </a:prstGeom>
+          <a:noFill/>
+          <a:extLst>
+            <a:ext uri="{909E8E84-426E-40DD-AFC4-6F175D3DCCD1}">
+              <a14:hiddenFill xmlns:a14="http://schemas.microsoft.com/office/drawing/2010/main">
+                <a:solidFill>
+                  <a:srgbClr val="FFFFFF"/>
+                </a:solidFill>
+              </a14:hiddenFill>
+            </a:ext>
+          </a:extLst>
+        </p:spPr>
+      </p:pic>
+      <p:pic>
+        <p:nvPicPr>
+          <p:cNvPr id="4" name="Picture 2" descr="https://a.d-cd.net/424fcd2s-960.jpg">
+            <a:extLst>
+              <a:ext uri="{FF2B5EF4-FFF2-40B4-BE49-F238E27FC236}">
+                <a16:creationId xmlns:a16="http://schemas.microsoft.com/office/drawing/2014/main" id="{1CD3A3A8-E0D8-4129-A2AC-056F98F39C8D}"/>
+              </a:ext>
+            </a:extLst>
+          </p:cNvPr>
+          <p:cNvPicPr>
+            <a:picLocks noChangeAspect="1" noChangeArrowheads="1"/>
+          </p:cNvPicPr>
+          <p:nvPr/>
+        </p:nvPicPr>
+        <p:blipFill>
+          <a:blip r:embed="rId4">
+            <a:extLst>
+              <a:ext uri="{28A0092B-C50C-407E-A947-70E740481C1C}">
+                <a14:useLocalDpi xmlns:a14="http://schemas.microsoft.com/office/drawing/2010/main" val="0"/>
+              </a:ext>
+            </a:extLst>
+          </a:blip>
+          <a:srcRect/>
+          <a:stretch>
+            <a:fillRect/>
+          </a:stretch>
+        </p:blipFill>
+        <p:spPr bwMode="auto">
+          <a:xfrm>
+            <a:off x="1990750" y="3015858"/>
+            <a:ext cx="4752528" cy="3058340"/>
           </a:xfrm>
           <a:prstGeom prst="rect">
             <a:avLst/>
@@ -13021,7 +13971,7 @@
         <p:spPr>
           <a:xfrm>
             <a:off x="550590" y="908720"/>
-            <a:ext cx="11208508" cy="830997"/>
+            <a:ext cx="11208508" cy="1200329"/>
           </a:xfrm>
           <a:prstGeom prst="rect">
             <a:avLst/>
@@ -13041,19 +13991,7 @@
             </a:pPr>
             <a:r>
               <a:rPr lang="ru-RU" sz="2400" dirty="0"/>
-              <a:t>Цель работы – разработать навигационную систему, которая </a:t>
-            </a:r>
-            <a:r>
-              <a:rPr lang="ru-RU" sz="2400" dirty="0">
-                <a:solidFill>
-                  <a:srgbClr val="FF0000"/>
-                </a:solidFill>
-              </a:rPr>
-              <a:t>будет автономно и независимо от других систем </a:t>
-            </a:r>
-            <a:r>
-              <a:rPr lang="ru-RU" sz="2400" dirty="0"/>
-              <a:t>вести навигацию внутри помещений.</a:t>
+              <a:t>Целью выпускной квалификационной работы магистра является разработка автоматизированной системы навигации внутри помещений с помощью инерциальной технологии локального позиционирования мобильных устройств.</a:t>
             </a:r>
           </a:p>
         </p:txBody>
@@ -13065,14 +14003,14 @@
           <p:nvPr>
             <p:extLst>
               <p:ext uri="{D42A27DB-BD31-4B8C-83A1-F6EECF244321}">
-                <p14:modId xmlns:p14="http://schemas.microsoft.com/office/powerpoint/2010/main" val="2116099827"/>
+                <p14:modId xmlns:p14="http://schemas.microsoft.com/office/powerpoint/2010/main" val="3052288305"/>
               </p:ext>
             </p:extLst>
           </p:nvPr>
         </p:nvGraphicFramePr>
         <p:xfrm>
-          <a:off x="430583" y="2201383"/>
-          <a:ext cx="11233248" cy="4395970"/>
+          <a:off x="430583" y="2538925"/>
+          <a:ext cx="11387446" cy="4044437"/>
         </p:xfrm>
         <a:graphic>
           <a:graphicData uri="http://schemas.openxmlformats.org/drawingml/2006/diagram">
@@ -13123,7 +14061,7 @@
         </p:nvSpPr>
         <p:spPr>
           <a:xfrm>
-            <a:off x="609521" y="1739717"/>
+            <a:off x="609521" y="2077260"/>
             <a:ext cx="11208508" cy="461665"/>
           </a:xfrm>
           <a:prstGeom prst="rect">
@@ -13144,7 +14082,7 @@
             </a:pPr>
             <a:r>
               <a:rPr lang="ru-RU" sz="2400" dirty="0"/>
-              <a:t>На защиту выносятся:</a:t>
+              <a:t>На защиту выносится:</a:t>
             </a:r>
           </a:p>
         </p:txBody>
@@ -13360,6 +14298,84 @@
               <a:latin typeface="Arial" panose="020B0604020202020204" pitchFamily="34" charset="0"/>
               <a:cs typeface="Arial" panose="020B0604020202020204" pitchFamily="34" charset="0"/>
             </a:endParaRPr>
+          </a:p>
+        </p:txBody>
+      </p:sp>
+      <p:sp>
+        <p:nvSpPr>
+          <p:cNvPr id="4" name="Прямоугольник 3">
+            <a:extLst>
+              <a:ext uri="{FF2B5EF4-FFF2-40B4-BE49-F238E27FC236}">
+                <a16:creationId xmlns:a16="http://schemas.microsoft.com/office/drawing/2014/main" id="{A90CA2EB-E7C6-48BF-8911-AFAAD7FB7A56}"/>
+              </a:ext>
+            </a:extLst>
+          </p:cNvPr>
+          <p:cNvSpPr/>
+          <p:nvPr/>
+        </p:nvSpPr>
+        <p:spPr>
+          <a:xfrm>
+            <a:off x="504858" y="876930"/>
+            <a:ext cx="11180695" cy="1951496"/>
+          </a:xfrm>
+          <a:prstGeom prst="rect">
+            <a:avLst/>
+          </a:prstGeom>
+        </p:spPr>
+        <p:txBody>
+          <a:bodyPr wrap="square">
+            <a:spAutoFit/>
+          </a:bodyPr>
+          <a:lstStyle/>
+          <a:p>
+            <a:pPr algn="just">
+              <a:lnSpc>
+                <a:spcPct val="150000"/>
+              </a:lnSpc>
+              <a:spcAft>
+                <a:spcPts val="0"/>
+              </a:spcAft>
+            </a:pPr>
+            <a:r>
+              <a:rPr lang="ru-RU" sz="2800" b="1" dirty="0">
+                <a:latin typeface="Arial" panose="020B0604020202020204" pitchFamily="34" charset="0"/>
+                <a:cs typeface="Arial" panose="020B0604020202020204" pitchFamily="34" charset="0"/>
+              </a:rPr>
+              <a:t>Научная новизна </a:t>
+            </a:r>
+            <a:r>
+              <a:rPr lang="ru-RU" sz="2800" dirty="0">
+                <a:latin typeface="Arial" panose="020B0604020202020204" pitchFamily="34" charset="0"/>
+                <a:cs typeface="Arial" panose="020B0604020202020204" pitchFamily="34" charset="0"/>
+              </a:rPr>
+              <a:t>содержится в следующих результатах</a:t>
+            </a:r>
+            <a:r>
+              <a:rPr lang="ru-RU" sz="2800" b="1" dirty="0">
+                <a:latin typeface="Arial" panose="020B0604020202020204" pitchFamily="34" charset="0"/>
+                <a:cs typeface="Arial" panose="020B0604020202020204" pitchFamily="34" charset="0"/>
+              </a:rPr>
+              <a:t>: </a:t>
+            </a:r>
+          </a:p>
+          <a:p>
+            <a:pPr marL="457200" lvl="0" indent="-457200" algn="just">
+              <a:lnSpc>
+                <a:spcPct val="150000"/>
+              </a:lnSpc>
+              <a:spcAft>
+                <a:spcPts val="0"/>
+              </a:spcAft>
+              <a:buFont typeface="Arial" panose="020B0604020202020204" pitchFamily="34" charset="0"/>
+              <a:buChar char="•"/>
+            </a:pPr>
+            <a:r>
+              <a:rPr lang="ru-RU" sz="2800" dirty="0">
+                <a:latin typeface="Arial" panose="020B0604020202020204" pitchFamily="34" charset="0"/>
+                <a:cs typeface="Arial" panose="020B0604020202020204" pitchFamily="34" charset="0"/>
+              </a:rPr>
+              <a:t>трехконтурная архитектура инерциальной навигационной системы для мобильного устройства.</a:t>
+            </a:r>
           </a:p>
         </p:txBody>
       </p:sp>
@@ -13910,14 +14926,14 @@
                 <a:latin typeface="Arial" panose="020B0604020202020204" pitchFamily="34" charset="0"/>
                 <a:cs typeface="Arial" panose="020B0604020202020204" pitchFamily="34" charset="0"/>
               </a:rPr>
-              <a:t>Датчики Холла </a:t>
+              <a:t>Датчик Холла </a:t>
             </a:r>
             <a:r>
               <a:rPr lang="ru-RU" sz="2000" dirty="0">
                 <a:latin typeface="Arial" panose="020B0604020202020204" pitchFamily="34" charset="0"/>
                 <a:cs typeface="Arial" panose="020B0604020202020204" pitchFamily="34" charset="0"/>
               </a:rPr>
-              <a:t>(или датчики положения) – это чувствительные элементы, реагирующие на величину воздействующего на них магнитного поля.</a:t>
+              <a:t>– это чувствительные элементы, реагирующие на величину воздействующего на них магнитного поля.</a:t>
             </a:r>
           </a:p>
         </p:txBody>
@@ -13956,26 +14972,7 @@
                 <a:ea typeface="Times New Roman" panose="02020603050405020304" pitchFamily="18" charset="0"/>
                 <a:cs typeface="Arial" panose="020B0604020202020204" pitchFamily="34" charset="0"/>
               </a:rPr>
-              <a:t>Гироскоп</a:t>
-            </a:r>
-            <a:r>
-              <a:rPr lang="ru-RU" sz="2000" dirty="0">
-                <a:latin typeface="Arial" panose="020B0604020202020204" pitchFamily="34" charset="0"/>
-                <a:ea typeface="Times New Roman" panose="02020603050405020304" pitchFamily="18" charset="0"/>
-                <a:cs typeface="Arial" panose="020B0604020202020204" pitchFamily="34" charset="0"/>
-              </a:rPr>
-              <a:t> </a:t>
-            </a:r>
-            <a:r>
-              <a:rPr lang="ru-RU" sz="2000" dirty="0">
-                <a:solidFill>
-                  <a:srgbClr val="FF0000"/>
-                </a:solidFill>
-                <a:latin typeface="Arial" panose="020B0604020202020204" pitchFamily="34" charset="0"/>
-                <a:ea typeface="Times New Roman" panose="02020603050405020304" pitchFamily="18" charset="0"/>
-                <a:cs typeface="Arial" panose="020B0604020202020204" pitchFamily="34" charset="0"/>
-              </a:rPr>
-              <a:t>в телефоне </a:t>
+              <a:t>Гироскоп </a:t>
             </a:r>
             <a:r>
               <a:rPr lang="ru-RU" sz="2000" dirty="0">
@@ -14364,394 +15361,14 @@
           </a:bodyPr>
           <a:lstStyle/>
           <a:p>
-            <a:pPr indent="450215" algn="just">
-              <a:spcAft>
-                <a:spcPts val="0"/>
-              </a:spcAft>
-            </a:pPr>
+            <a:pPr indent="450215" algn="just"/>
             <a:r>
-              <a:rPr lang="en-GB" dirty="0" err="1">
+              <a:rPr lang="ru-RU" dirty="0">
                 <a:latin typeface="Arial" panose="020B0604020202020204" pitchFamily="34" charset="0"/>
                 <a:cs typeface="Arial" panose="020B0604020202020204" pitchFamily="34" charset="0"/>
               </a:rPr>
-              <a:t>Главный</a:t>
+              <a:t>Главный недостаток системы заключается в том, что для навигации используются метки. Там где заканчиваются метки, заканчивается, и определятся местоположение. Данный метод не подходит, если осуществлять навигацию в любой точке мира.</a:t>
             </a:r>
-            <a:r>
-              <a:rPr lang="en-GB" dirty="0">
-                <a:latin typeface="Arial" panose="020B0604020202020204" pitchFamily="34" charset="0"/>
-                <a:cs typeface="Arial" panose="020B0604020202020204" pitchFamily="34" charset="0"/>
-              </a:rPr>
-              <a:t> </a:t>
-            </a:r>
-            <a:r>
-              <a:rPr lang="en-GB" dirty="0" err="1">
-                <a:latin typeface="Arial" panose="020B0604020202020204" pitchFamily="34" charset="0"/>
-                <a:cs typeface="Arial" panose="020B0604020202020204" pitchFamily="34" charset="0"/>
-              </a:rPr>
-              <a:t>недостаток</a:t>
-            </a:r>
-            <a:r>
-              <a:rPr lang="en-GB" dirty="0">
-                <a:latin typeface="Arial" panose="020B0604020202020204" pitchFamily="34" charset="0"/>
-                <a:cs typeface="Arial" panose="020B0604020202020204" pitchFamily="34" charset="0"/>
-              </a:rPr>
-              <a:t> </a:t>
-            </a:r>
-            <a:r>
-              <a:rPr lang="en-GB" dirty="0" err="1">
-                <a:latin typeface="Arial" panose="020B0604020202020204" pitchFamily="34" charset="0"/>
-                <a:cs typeface="Arial" panose="020B0604020202020204" pitchFamily="34" charset="0"/>
-              </a:rPr>
-              <a:t>системы</a:t>
-            </a:r>
-            <a:r>
-              <a:rPr lang="en-GB" dirty="0">
-                <a:latin typeface="Arial" panose="020B0604020202020204" pitchFamily="34" charset="0"/>
-                <a:cs typeface="Arial" panose="020B0604020202020204" pitchFamily="34" charset="0"/>
-              </a:rPr>
-              <a:t> </a:t>
-            </a:r>
-            <a:r>
-              <a:rPr lang="en-GB" dirty="0" err="1">
-                <a:latin typeface="Arial" panose="020B0604020202020204" pitchFamily="34" charset="0"/>
-                <a:cs typeface="Arial" panose="020B0604020202020204" pitchFamily="34" charset="0"/>
-              </a:rPr>
-              <a:t>заключается</a:t>
-            </a:r>
-            <a:r>
-              <a:rPr lang="en-GB" dirty="0">
-                <a:latin typeface="Arial" panose="020B0604020202020204" pitchFamily="34" charset="0"/>
-                <a:cs typeface="Arial" panose="020B0604020202020204" pitchFamily="34" charset="0"/>
-              </a:rPr>
-              <a:t> в </a:t>
-            </a:r>
-            <a:r>
-              <a:rPr lang="en-GB" dirty="0" err="1">
-                <a:latin typeface="Arial" panose="020B0604020202020204" pitchFamily="34" charset="0"/>
-                <a:cs typeface="Arial" panose="020B0604020202020204" pitchFamily="34" charset="0"/>
-              </a:rPr>
-              <a:t>том</a:t>
-            </a:r>
-            <a:r>
-              <a:rPr lang="en-GB" dirty="0">
-                <a:latin typeface="Arial" panose="020B0604020202020204" pitchFamily="34" charset="0"/>
-                <a:cs typeface="Arial" panose="020B0604020202020204" pitchFamily="34" charset="0"/>
-              </a:rPr>
-              <a:t>, </a:t>
-            </a:r>
-            <a:r>
-              <a:rPr lang="en-GB" dirty="0" err="1">
-                <a:latin typeface="Arial" panose="020B0604020202020204" pitchFamily="34" charset="0"/>
-                <a:cs typeface="Arial" panose="020B0604020202020204" pitchFamily="34" charset="0"/>
-              </a:rPr>
-              <a:t>что</a:t>
-            </a:r>
-            <a:r>
-              <a:rPr lang="en-GB" dirty="0">
-                <a:latin typeface="Arial" panose="020B0604020202020204" pitchFamily="34" charset="0"/>
-                <a:cs typeface="Arial" panose="020B0604020202020204" pitchFamily="34" charset="0"/>
-              </a:rPr>
-              <a:t> </a:t>
-            </a:r>
-            <a:r>
-              <a:rPr lang="en-GB" dirty="0" err="1">
-                <a:latin typeface="Arial" panose="020B0604020202020204" pitchFamily="34" charset="0"/>
-                <a:cs typeface="Arial" panose="020B0604020202020204" pitchFamily="34" charset="0"/>
-              </a:rPr>
-              <a:t>для</a:t>
-            </a:r>
-            <a:r>
-              <a:rPr lang="en-GB" dirty="0">
-                <a:latin typeface="Arial" panose="020B0604020202020204" pitchFamily="34" charset="0"/>
-                <a:cs typeface="Arial" panose="020B0604020202020204" pitchFamily="34" charset="0"/>
-              </a:rPr>
-              <a:t> </a:t>
-            </a:r>
-            <a:r>
-              <a:rPr lang="en-GB" dirty="0" err="1">
-                <a:latin typeface="Arial" panose="020B0604020202020204" pitchFamily="34" charset="0"/>
-                <a:cs typeface="Arial" panose="020B0604020202020204" pitchFamily="34" charset="0"/>
-              </a:rPr>
-              <a:t>навигации</a:t>
-            </a:r>
-            <a:r>
-              <a:rPr lang="en-GB" dirty="0">
-                <a:latin typeface="Arial" panose="020B0604020202020204" pitchFamily="34" charset="0"/>
-                <a:cs typeface="Arial" panose="020B0604020202020204" pitchFamily="34" charset="0"/>
-              </a:rPr>
-              <a:t> </a:t>
-            </a:r>
-            <a:r>
-              <a:rPr lang="en-GB" dirty="0" err="1">
-                <a:latin typeface="Arial" panose="020B0604020202020204" pitchFamily="34" charset="0"/>
-                <a:cs typeface="Arial" panose="020B0604020202020204" pitchFamily="34" charset="0"/>
-              </a:rPr>
-              <a:t>используются</a:t>
-            </a:r>
-            <a:r>
-              <a:rPr lang="en-GB" dirty="0">
-                <a:latin typeface="Arial" panose="020B0604020202020204" pitchFamily="34" charset="0"/>
-                <a:cs typeface="Arial" panose="020B0604020202020204" pitchFamily="34" charset="0"/>
-              </a:rPr>
-              <a:t> </a:t>
-            </a:r>
-            <a:r>
-              <a:rPr lang="en-GB" dirty="0" err="1">
-                <a:latin typeface="Arial" panose="020B0604020202020204" pitchFamily="34" charset="0"/>
-                <a:cs typeface="Arial" panose="020B0604020202020204" pitchFamily="34" charset="0"/>
-              </a:rPr>
-              <a:t>метки</a:t>
-            </a:r>
-            <a:r>
-              <a:rPr lang="en-GB" dirty="0">
-                <a:latin typeface="Arial" panose="020B0604020202020204" pitchFamily="34" charset="0"/>
-                <a:cs typeface="Arial" panose="020B0604020202020204" pitchFamily="34" charset="0"/>
-              </a:rPr>
-              <a:t>. </a:t>
-            </a:r>
-            <a:r>
-              <a:rPr lang="en-GB" dirty="0" err="1">
-                <a:latin typeface="Arial" panose="020B0604020202020204" pitchFamily="34" charset="0"/>
-                <a:cs typeface="Arial" panose="020B0604020202020204" pitchFamily="34" charset="0"/>
-              </a:rPr>
-              <a:t>Там</a:t>
-            </a:r>
-            <a:r>
-              <a:rPr lang="en-GB" dirty="0">
-                <a:latin typeface="Arial" panose="020B0604020202020204" pitchFamily="34" charset="0"/>
-                <a:cs typeface="Arial" panose="020B0604020202020204" pitchFamily="34" charset="0"/>
-              </a:rPr>
-              <a:t> </a:t>
-            </a:r>
-            <a:r>
-              <a:rPr lang="en-GB" dirty="0" err="1">
-                <a:latin typeface="Arial" panose="020B0604020202020204" pitchFamily="34" charset="0"/>
-                <a:cs typeface="Arial" panose="020B0604020202020204" pitchFamily="34" charset="0"/>
-              </a:rPr>
-              <a:t>где</a:t>
-            </a:r>
-            <a:r>
-              <a:rPr lang="en-GB" dirty="0">
-                <a:latin typeface="Arial" panose="020B0604020202020204" pitchFamily="34" charset="0"/>
-                <a:cs typeface="Arial" panose="020B0604020202020204" pitchFamily="34" charset="0"/>
-              </a:rPr>
-              <a:t> </a:t>
-            </a:r>
-            <a:r>
-              <a:rPr lang="en-GB" dirty="0" err="1">
-                <a:latin typeface="Arial" panose="020B0604020202020204" pitchFamily="34" charset="0"/>
-                <a:cs typeface="Arial" panose="020B0604020202020204" pitchFamily="34" charset="0"/>
-              </a:rPr>
-              <a:t>заканчиваются</a:t>
-            </a:r>
-            <a:r>
-              <a:rPr lang="en-GB" dirty="0">
-                <a:latin typeface="Arial" panose="020B0604020202020204" pitchFamily="34" charset="0"/>
-                <a:cs typeface="Arial" panose="020B0604020202020204" pitchFamily="34" charset="0"/>
-              </a:rPr>
-              <a:t> </a:t>
-            </a:r>
-            <a:r>
-              <a:rPr lang="en-GB" dirty="0" err="1">
-                <a:latin typeface="Arial" panose="020B0604020202020204" pitchFamily="34" charset="0"/>
-                <a:cs typeface="Arial" panose="020B0604020202020204" pitchFamily="34" charset="0"/>
-              </a:rPr>
-              <a:t>метки</a:t>
-            </a:r>
-            <a:r>
-              <a:rPr lang="en-GB" dirty="0">
-                <a:latin typeface="Arial" panose="020B0604020202020204" pitchFamily="34" charset="0"/>
-                <a:cs typeface="Arial" panose="020B0604020202020204" pitchFamily="34" charset="0"/>
-              </a:rPr>
-              <a:t>, </a:t>
-            </a:r>
-            <a:r>
-              <a:rPr lang="en-GB" dirty="0" err="1">
-                <a:latin typeface="Arial" panose="020B0604020202020204" pitchFamily="34" charset="0"/>
-                <a:cs typeface="Arial" panose="020B0604020202020204" pitchFamily="34" charset="0"/>
-              </a:rPr>
-              <a:t>заканчивается</a:t>
-            </a:r>
-            <a:r>
-              <a:rPr lang="en-GB" dirty="0">
-                <a:latin typeface="Arial" panose="020B0604020202020204" pitchFamily="34" charset="0"/>
-                <a:cs typeface="Arial" panose="020B0604020202020204" pitchFamily="34" charset="0"/>
-              </a:rPr>
-              <a:t>, и </a:t>
-            </a:r>
-            <a:r>
-              <a:rPr lang="en-GB" dirty="0" err="1">
-                <a:latin typeface="Arial" panose="020B0604020202020204" pitchFamily="34" charset="0"/>
-                <a:cs typeface="Arial" panose="020B0604020202020204" pitchFamily="34" charset="0"/>
-              </a:rPr>
-              <a:t>определятся</a:t>
-            </a:r>
-            <a:r>
-              <a:rPr lang="en-GB" dirty="0">
-                <a:latin typeface="Arial" panose="020B0604020202020204" pitchFamily="34" charset="0"/>
-                <a:cs typeface="Arial" panose="020B0604020202020204" pitchFamily="34" charset="0"/>
-              </a:rPr>
-              <a:t> </a:t>
-            </a:r>
-            <a:r>
-              <a:rPr lang="en-GB" dirty="0" err="1">
-                <a:latin typeface="Arial" panose="020B0604020202020204" pitchFamily="34" charset="0"/>
-                <a:cs typeface="Arial" panose="020B0604020202020204" pitchFamily="34" charset="0"/>
-              </a:rPr>
-              <a:t>местоположение</a:t>
-            </a:r>
-            <a:r>
-              <a:rPr lang="en-GB" dirty="0">
-                <a:latin typeface="Arial" panose="020B0604020202020204" pitchFamily="34" charset="0"/>
-                <a:cs typeface="Arial" panose="020B0604020202020204" pitchFamily="34" charset="0"/>
-              </a:rPr>
-              <a:t>. </a:t>
-            </a:r>
-            <a:r>
-              <a:rPr lang="en-GB" dirty="0" err="1">
-                <a:latin typeface="Arial" panose="020B0604020202020204" pitchFamily="34" charset="0"/>
-                <a:cs typeface="Arial" panose="020B0604020202020204" pitchFamily="34" charset="0"/>
-              </a:rPr>
-              <a:t>Данный</a:t>
-            </a:r>
-            <a:r>
-              <a:rPr lang="en-GB" dirty="0">
-                <a:latin typeface="Arial" panose="020B0604020202020204" pitchFamily="34" charset="0"/>
-                <a:cs typeface="Arial" panose="020B0604020202020204" pitchFamily="34" charset="0"/>
-              </a:rPr>
-              <a:t> </a:t>
-            </a:r>
-            <a:r>
-              <a:rPr lang="en-GB" dirty="0" err="1">
-                <a:latin typeface="Arial" panose="020B0604020202020204" pitchFamily="34" charset="0"/>
-                <a:cs typeface="Arial" panose="020B0604020202020204" pitchFamily="34" charset="0"/>
-              </a:rPr>
-              <a:t>метод</a:t>
-            </a:r>
-            <a:r>
-              <a:rPr lang="en-GB" dirty="0">
-                <a:latin typeface="Arial" panose="020B0604020202020204" pitchFamily="34" charset="0"/>
-                <a:cs typeface="Arial" panose="020B0604020202020204" pitchFamily="34" charset="0"/>
-              </a:rPr>
-              <a:t> </a:t>
-            </a:r>
-            <a:r>
-              <a:rPr lang="en-GB" dirty="0" err="1">
-                <a:latin typeface="Arial" panose="020B0604020202020204" pitchFamily="34" charset="0"/>
-                <a:cs typeface="Arial" panose="020B0604020202020204" pitchFamily="34" charset="0"/>
-              </a:rPr>
-              <a:t>не</a:t>
-            </a:r>
-            <a:r>
-              <a:rPr lang="en-GB" dirty="0">
-                <a:latin typeface="Arial" panose="020B0604020202020204" pitchFamily="34" charset="0"/>
-                <a:cs typeface="Arial" panose="020B0604020202020204" pitchFamily="34" charset="0"/>
-              </a:rPr>
-              <a:t> </a:t>
-            </a:r>
-            <a:r>
-              <a:rPr lang="en-GB" dirty="0" err="1">
-                <a:latin typeface="Arial" panose="020B0604020202020204" pitchFamily="34" charset="0"/>
-                <a:cs typeface="Arial" panose="020B0604020202020204" pitchFamily="34" charset="0"/>
-              </a:rPr>
-              <a:t>подходит</a:t>
-            </a:r>
-            <a:r>
-              <a:rPr lang="en-GB" dirty="0">
-                <a:latin typeface="Arial" panose="020B0604020202020204" pitchFamily="34" charset="0"/>
-                <a:cs typeface="Arial" panose="020B0604020202020204" pitchFamily="34" charset="0"/>
-              </a:rPr>
-              <a:t>, </a:t>
-            </a:r>
-            <a:r>
-              <a:rPr lang="en-GB" dirty="0" err="1">
-                <a:latin typeface="Arial" panose="020B0604020202020204" pitchFamily="34" charset="0"/>
-                <a:cs typeface="Arial" panose="020B0604020202020204" pitchFamily="34" charset="0"/>
-              </a:rPr>
-              <a:t>если</a:t>
-            </a:r>
-            <a:r>
-              <a:rPr lang="en-GB" dirty="0">
-                <a:latin typeface="Arial" panose="020B0604020202020204" pitchFamily="34" charset="0"/>
-                <a:cs typeface="Arial" panose="020B0604020202020204" pitchFamily="34" charset="0"/>
-              </a:rPr>
-              <a:t> </a:t>
-            </a:r>
-            <a:r>
-              <a:rPr lang="en-GB" dirty="0" err="1">
-                <a:latin typeface="Arial" panose="020B0604020202020204" pitchFamily="34" charset="0"/>
-                <a:cs typeface="Arial" panose="020B0604020202020204" pitchFamily="34" charset="0"/>
-              </a:rPr>
-              <a:t>осуществлять</a:t>
-            </a:r>
-            <a:r>
-              <a:rPr lang="en-GB" dirty="0">
-                <a:latin typeface="Arial" panose="020B0604020202020204" pitchFamily="34" charset="0"/>
-                <a:cs typeface="Arial" panose="020B0604020202020204" pitchFamily="34" charset="0"/>
-              </a:rPr>
-              <a:t> </a:t>
-            </a:r>
-            <a:r>
-              <a:rPr lang="en-GB" dirty="0" err="1">
-                <a:latin typeface="Arial" panose="020B0604020202020204" pitchFamily="34" charset="0"/>
-                <a:cs typeface="Arial" panose="020B0604020202020204" pitchFamily="34" charset="0"/>
-              </a:rPr>
-              <a:t>навигацию</a:t>
-            </a:r>
-            <a:r>
-              <a:rPr lang="en-GB" dirty="0">
-                <a:latin typeface="Arial" panose="020B0604020202020204" pitchFamily="34" charset="0"/>
-                <a:cs typeface="Arial" panose="020B0604020202020204" pitchFamily="34" charset="0"/>
-              </a:rPr>
-              <a:t> в </a:t>
-            </a:r>
-            <a:r>
-              <a:rPr lang="en-GB" dirty="0" err="1">
-                <a:latin typeface="Arial" panose="020B0604020202020204" pitchFamily="34" charset="0"/>
-                <a:cs typeface="Arial" panose="020B0604020202020204" pitchFamily="34" charset="0"/>
-              </a:rPr>
-              <a:t>любой</a:t>
-            </a:r>
-            <a:r>
-              <a:rPr lang="en-GB" dirty="0">
-                <a:latin typeface="Arial" panose="020B0604020202020204" pitchFamily="34" charset="0"/>
-                <a:cs typeface="Arial" panose="020B0604020202020204" pitchFamily="34" charset="0"/>
-              </a:rPr>
-              <a:t> </a:t>
-            </a:r>
-            <a:r>
-              <a:rPr lang="en-GB" dirty="0" err="1">
-                <a:latin typeface="Arial" panose="020B0604020202020204" pitchFamily="34" charset="0"/>
-                <a:cs typeface="Arial" panose="020B0604020202020204" pitchFamily="34" charset="0"/>
-              </a:rPr>
-              <a:t>точке</a:t>
-            </a:r>
-            <a:r>
-              <a:rPr lang="en-GB" dirty="0">
-                <a:latin typeface="Arial" panose="020B0604020202020204" pitchFamily="34" charset="0"/>
-                <a:cs typeface="Arial" panose="020B0604020202020204" pitchFamily="34" charset="0"/>
-              </a:rPr>
-              <a:t> </a:t>
-            </a:r>
-            <a:r>
-              <a:rPr lang="en-GB" dirty="0" err="1">
-                <a:latin typeface="Arial" panose="020B0604020202020204" pitchFamily="34" charset="0"/>
-                <a:cs typeface="Arial" panose="020B0604020202020204" pitchFamily="34" charset="0"/>
-              </a:rPr>
-              <a:t>мира</a:t>
-            </a:r>
-            <a:r>
-              <a:rPr lang="en-GB" dirty="0">
-                <a:latin typeface="Arial" panose="020B0604020202020204" pitchFamily="34" charset="0"/>
-                <a:cs typeface="Arial" panose="020B0604020202020204" pitchFamily="34" charset="0"/>
-              </a:rPr>
-              <a:t>.</a:t>
-            </a:r>
-            <a:endParaRPr lang="ru-RU" dirty="0">
-              <a:latin typeface="Arial" panose="020B0604020202020204" pitchFamily="34" charset="0"/>
-              <a:ea typeface="Calibri" panose="020F0502020204030204" pitchFamily="34" charset="0"/>
-              <a:cs typeface="Arial" panose="020B0604020202020204" pitchFamily="34" charset="0"/>
-            </a:endParaRPr>
           </a:p>
         </p:txBody>
       </p:sp>
@@ -14782,8 +15399,8 @@
         </p:blipFill>
         <p:spPr bwMode="auto">
           <a:xfrm>
-            <a:off x="4502088" y="1713691"/>
-            <a:ext cx="3393318" cy="2139098"/>
+            <a:off x="4502088" y="1544465"/>
+            <a:ext cx="3393318" cy="2308324"/>
           </a:xfrm>
           <a:prstGeom prst="rect">
             <a:avLst/>
@@ -14850,8 +15467,8 @@
         </p:nvSpPr>
         <p:spPr>
           <a:xfrm>
-            <a:off x="8144987" y="1342725"/>
-            <a:ext cx="3959477" cy="1754326"/>
+            <a:off x="8178373" y="4250456"/>
+            <a:ext cx="3959477" cy="2031325"/>
           </a:xfrm>
           <a:prstGeom prst="rect">
             <a:avLst/>
@@ -14863,6 +15480,7 @@
           </a:bodyPr>
           <a:lstStyle/>
           <a:p>
+            <a:pPr indent="450215" algn="just"/>
             <a:r>
               <a:rPr lang="ru-RU" dirty="0">
                 <a:latin typeface="Arial" panose="020B0604020202020204" pitchFamily="34" charset="0"/>
@@ -14900,8 +15518,8 @@
         </p:blipFill>
         <p:spPr bwMode="auto">
           <a:xfrm>
-            <a:off x="8975526" y="3281244"/>
-            <a:ext cx="2016224" cy="3286939"/>
+            <a:off x="9047534" y="1369409"/>
+            <a:ext cx="1944216" cy="2658435"/>
           </a:xfrm>
           <a:prstGeom prst="rect">
             <a:avLst/>
